--- a/template.pptx
+++ b/template.pptx
@@ -5,13 +5,14 @@
     <p:sldMasterId id="2147483660" r:id="rId4"/>
   </p:sldMasterIdLst>
   <p:notesMasterIdLst>
-    <p:notesMasterId r:id="rId6"/>
+    <p:notesMasterId r:id="rId7"/>
   </p:notesMasterIdLst>
   <p:handoutMasterIdLst>
-    <p:handoutMasterId r:id="rId7"/>
+    <p:handoutMasterId r:id="rId8"/>
   </p:handoutMasterIdLst>
   <p:sldIdLst>
     <p:sldId id="256" r:id="rId5"/>
+    <p:sldId id="257" r:id="rId6"/>
   </p:sldIdLst>
   <p:sldSz cx="12188825" cy="6858000"/>
   <p:notesSz cx="6858000" cy="9144000"/>
@@ -141,6 +142,4029 @@
     </p:ext>
   </p:extLst>
 </p:presentation>
+</file>
+
+<file path=ppt/diagrams/colors1.xml><?xml version="1.0" encoding="utf-8"?>
+<dgm:colorsDef xmlns:dgm="http://schemas.openxmlformats.org/drawingml/2006/diagram" xmlns:a="http://schemas.openxmlformats.org/drawingml/2006/main" uniqueId="urn:microsoft.com/office/officeart/2005/8/colors/accent1_2">
+  <dgm:title val=""/>
+  <dgm:desc val=""/>
+  <dgm:catLst>
+    <dgm:cat type="accent1" pri="11200"/>
+  </dgm:catLst>
+  <dgm:styleLbl name="node0">
+    <dgm:fillClrLst meth="repeat">
+      <a:schemeClr val="accent1"/>
+    </dgm:fillClrLst>
+    <dgm:linClrLst meth="repeat">
+      <a:schemeClr val="lt1"/>
+    </dgm:linClrLst>
+    <dgm:effectClrLst/>
+    <dgm:txLinClrLst/>
+    <dgm:txFillClrLst/>
+    <dgm:txEffectClrLst/>
+  </dgm:styleLbl>
+  <dgm:styleLbl name="alignNode1">
+    <dgm:fillClrLst meth="repeat">
+      <a:schemeClr val="accent1"/>
+    </dgm:fillClrLst>
+    <dgm:linClrLst meth="repeat">
+      <a:schemeClr val="accent1"/>
+    </dgm:linClrLst>
+    <dgm:effectClrLst/>
+    <dgm:txLinClrLst/>
+    <dgm:txFillClrLst/>
+    <dgm:txEffectClrLst/>
+  </dgm:styleLbl>
+  <dgm:styleLbl name="node1">
+    <dgm:fillClrLst meth="repeat">
+      <a:schemeClr val="accent1"/>
+    </dgm:fillClrLst>
+    <dgm:linClrLst meth="repeat">
+      <a:schemeClr val="lt1"/>
+    </dgm:linClrLst>
+    <dgm:effectClrLst/>
+    <dgm:txLinClrLst/>
+    <dgm:txFillClrLst/>
+    <dgm:txEffectClrLst/>
+  </dgm:styleLbl>
+  <dgm:styleLbl name="lnNode1">
+    <dgm:fillClrLst meth="repeat">
+      <a:schemeClr val="accent1"/>
+    </dgm:fillClrLst>
+    <dgm:linClrLst meth="repeat">
+      <a:schemeClr val="lt1"/>
+    </dgm:linClrLst>
+    <dgm:effectClrLst/>
+    <dgm:txLinClrLst/>
+    <dgm:txFillClrLst/>
+    <dgm:txEffectClrLst/>
+  </dgm:styleLbl>
+  <dgm:styleLbl name="vennNode1">
+    <dgm:fillClrLst meth="repeat">
+      <a:schemeClr val="accent1">
+        <a:alpha val="50000"/>
+      </a:schemeClr>
+    </dgm:fillClrLst>
+    <dgm:linClrLst meth="repeat">
+      <a:schemeClr val="lt1"/>
+    </dgm:linClrLst>
+    <dgm:effectClrLst/>
+    <dgm:txLinClrLst/>
+    <dgm:txFillClrLst/>
+    <dgm:txEffectClrLst/>
+  </dgm:styleLbl>
+  <dgm:styleLbl name="node2">
+    <dgm:fillClrLst meth="repeat">
+      <a:schemeClr val="accent1"/>
+    </dgm:fillClrLst>
+    <dgm:linClrLst meth="repeat">
+      <a:schemeClr val="lt1"/>
+    </dgm:linClrLst>
+    <dgm:effectClrLst/>
+    <dgm:txLinClrLst/>
+    <dgm:txFillClrLst/>
+    <dgm:txEffectClrLst/>
+  </dgm:styleLbl>
+  <dgm:styleLbl name="node3">
+    <dgm:fillClrLst meth="repeat">
+      <a:schemeClr val="accent1"/>
+    </dgm:fillClrLst>
+    <dgm:linClrLst meth="repeat">
+      <a:schemeClr val="lt1"/>
+    </dgm:linClrLst>
+    <dgm:effectClrLst/>
+    <dgm:txLinClrLst/>
+    <dgm:txFillClrLst/>
+    <dgm:txEffectClrLst/>
+  </dgm:styleLbl>
+  <dgm:styleLbl name="node4">
+    <dgm:fillClrLst meth="repeat">
+      <a:schemeClr val="accent1"/>
+    </dgm:fillClrLst>
+    <dgm:linClrLst meth="repeat">
+      <a:schemeClr val="lt1"/>
+    </dgm:linClrLst>
+    <dgm:effectClrLst/>
+    <dgm:txLinClrLst/>
+    <dgm:txFillClrLst/>
+    <dgm:txEffectClrLst/>
+  </dgm:styleLbl>
+  <dgm:styleLbl name="fgImgPlace1">
+    <dgm:fillClrLst meth="repeat">
+      <a:schemeClr val="accent1">
+        <a:tint val="50000"/>
+      </a:schemeClr>
+    </dgm:fillClrLst>
+    <dgm:linClrLst meth="repeat">
+      <a:schemeClr val="lt1"/>
+    </dgm:linClrLst>
+    <dgm:effectClrLst/>
+    <dgm:txLinClrLst/>
+    <dgm:txFillClrLst meth="repeat">
+      <a:schemeClr val="lt1"/>
+    </dgm:txFillClrLst>
+    <dgm:txEffectClrLst/>
+  </dgm:styleLbl>
+  <dgm:styleLbl name="alignImgPlace1">
+    <dgm:fillClrLst meth="repeat">
+      <a:schemeClr val="accent1">
+        <a:tint val="50000"/>
+      </a:schemeClr>
+    </dgm:fillClrLst>
+    <dgm:linClrLst meth="repeat">
+      <a:schemeClr val="lt1"/>
+    </dgm:linClrLst>
+    <dgm:effectClrLst/>
+    <dgm:txLinClrLst/>
+    <dgm:txFillClrLst meth="repeat">
+      <a:schemeClr val="lt1"/>
+    </dgm:txFillClrLst>
+    <dgm:txEffectClrLst/>
+  </dgm:styleLbl>
+  <dgm:styleLbl name="bgImgPlace1">
+    <dgm:fillClrLst meth="repeat">
+      <a:schemeClr val="accent1">
+        <a:tint val="50000"/>
+      </a:schemeClr>
+    </dgm:fillClrLst>
+    <dgm:linClrLst meth="repeat">
+      <a:schemeClr val="lt1"/>
+    </dgm:linClrLst>
+    <dgm:effectClrLst/>
+    <dgm:txLinClrLst/>
+    <dgm:txFillClrLst meth="repeat">
+      <a:schemeClr val="lt1"/>
+    </dgm:txFillClrLst>
+    <dgm:txEffectClrLst/>
+  </dgm:styleLbl>
+  <dgm:styleLbl name="sibTrans2D1">
+    <dgm:fillClrLst meth="repeat">
+      <a:schemeClr val="accent1">
+        <a:tint val="60000"/>
+      </a:schemeClr>
+    </dgm:fillClrLst>
+    <dgm:linClrLst meth="repeat">
+      <a:schemeClr val="accent1">
+        <a:tint val="60000"/>
+      </a:schemeClr>
+    </dgm:linClrLst>
+    <dgm:effectClrLst/>
+    <dgm:txLinClrLst/>
+    <dgm:txFillClrLst/>
+    <dgm:txEffectClrLst/>
+  </dgm:styleLbl>
+  <dgm:styleLbl name="fgSibTrans2D1">
+    <dgm:fillClrLst meth="repeat">
+      <a:schemeClr val="accent1">
+        <a:tint val="60000"/>
+      </a:schemeClr>
+    </dgm:fillClrLst>
+    <dgm:linClrLst meth="repeat">
+      <a:schemeClr val="accent1">
+        <a:tint val="60000"/>
+      </a:schemeClr>
+    </dgm:linClrLst>
+    <dgm:effectClrLst/>
+    <dgm:txLinClrLst/>
+    <dgm:txFillClrLst/>
+    <dgm:txEffectClrLst/>
+  </dgm:styleLbl>
+  <dgm:styleLbl name="bgSibTrans2D1">
+    <dgm:fillClrLst meth="repeat">
+      <a:schemeClr val="accent1">
+        <a:tint val="60000"/>
+      </a:schemeClr>
+    </dgm:fillClrLst>
+    <dgm:linClrLst meth="repeat">
+      <a:schemeClr val="accent1">
+        <a:tint val="60000"/>
+      </a:schemeClr>
+    </dgm:linClrLst>
+    <dgm:effectClrLst/>
+    <dgm:txLinClrLst/>
+    <dgm:txFillClrLst/>
+    <dgm:txEffectClrLst/>
+  </dgm:styleLbl>
+  <dgm:styleLbl name="sibTrans1D1">
+    <dgm:fillClrLst meth="repeat">
+      <a:schemeClr val="accent1"/>
+    </dgm:fillClrLst>
+    <dgm:linClrLst meth="repeat">
+      <a:schemeClr val="accent1"/>
+    </dgm:linClrLst>
+    <dgm:effectClrLst/>
+    <dgm:txLinClrLst/>
+    <dgm:txFillClrLst meth="repeat">
+      <a:schemeClr val="tx1"/>
+    </dgm:txFillClrLst>
+    <dgm:txEffectClrLst/>
+  </dgm:styleLbl>
+  <dgm:styleLbl name="callout">
+    <dgm:fillClrLst meth="repeat">
+      <a:schemeClr val="accent1"/>
+    </dgm:fillClrLst>
+    <dgm:linClrLst meth="repeat">
+      <a:schemeClr val="accent1">
+        <a:tint val="50000"/>
+      </a:schemeClr>
+    </dgm:linClrLst>
+    <dgm:effectClrLst/>
+    <dgm:txLinClrLst/>
+    <dgm:txFillClrLst meth="repeat">
+      <a:schemeClr val="tx1"/>
+    </dgm:txFillClrLst>
+    <dgm:txEffectClrLst/>
+  </dgm:styleLbl>
+  <dgm:styleLbl name="asst0">
+    <dgm:fillClrLst meth="repeat">
+      <a:schemeClr val="accent1"/>
+    </dgm:fillClrLst>
+    <dgm:linClrLst meth="repeat">
+      <a:schemeClr val="lt1"/>
+    </dgm:linClrLst>
+    <dgm:effectClrLst/>
+    <dgm:txLinClrLst/>
+    <dgm:txFillClrLst/>
+    <dgm:txEffectClrLst/>
+  </dgm:styleLbl>
+  <dgm:styleLbl name="asst1">
+    <dgm:fillClrLst meth="repeat">
+      <a:schemeClr val="accent1"/>
+    </dgm:fillClrLst>
+    <dgm:linClrLst meth="repeat">
+      <a:schemeClr val="lt1"/>
+    </dgm:linClrLst>
+    <dgm:effectClrLst/>
+    <dgm:txLinClrLst/>
+    <dgm:txFillClrLst/>
+    <dgm:txEffectClrLst/>
+  </dgm:styleLbl>
+  <dgm:styleLbl name="asst2">
+    <dgm:fillClrLst meth="repeat">
+      <a:schemeClr val="accent1"/>
+    </dgm:fillClrLst>
+    <dgm:linClrLst meth="repeat">
+      <a:schemeClr val="lt1"/>
+    </dgm:linClrLst>
+    <dgm:effectClrLst/>
+    <dgm:txLinClrLst/>
+    <dgm:txFillClrLst/>
+    <dgm:txEffectClrLst/>
+  </dgm:styleLbl>
+  <dgm:styleLbl name="asst3">
+    <dgm:fillClrLst meth="repeat">
+      <a:schemeClr val="accent1"/>
+    </dgm:fillClrLst>
+    <dgm:linClrLst meth="repeat">
+      <a:schemeClr val="lt1"/>
+    </dgm:linClrLst>
+    <dgm:effectClrLst/>
+    <dgm:txLinClrLst/>
+    <dgm:txFillClrLst/>
+    <dgm:txEffectClrLst/>
+  </dgm:styleLbl>
+  <dgm:styleLbl name="asst4">
+    <dgm:fillClrLst meth="repeat">
+      <a:schemeClr val="accent1"/>
+    </dgm:fillClrLst>
+    <dgm:linClrLst meth="repeat">
+      <a:schemeClr val="lt1"/>
+    </dgm:linClrLst>
+    <dgm:effectClrLst/>
+    <dgm:txLinClrLst/>
+    <dgm:txFillClrLst/>
+    <dgm:txEffectClrLst/>
+  </dgm:styleLbl>
+  <dgm:styleLbl name="parChTrans2D1">
+    <dgm:fillClrLst meth="repeat">
+      <a:schemeClr val="accent1">
+        <a:tint val="60000"/>
+      </a:schemeClr>
+    </dgm:fillClrLst>
+    <dgm:linClrLst meth="repeat">
+      <a:schemeClr val="accent1">
+        <a:tint val="60000"/>
+      </a:schemeClr>
+    </dgm:linClrLst>
+    <dgm:effectClrLst/>
+    <dgm:txLinClrLst/>
+    <dgm:txFillClrLst meth="repeat">
+      <a:schemeClr val="lt1"/>
+    </dgm:txFillClrLst>
+    <dgm:txEffectClrLst/>
+  </dgm:styleLbl>
+  <dgm:styleLbl name="parChTrans2D2">
+    <dgm:fillClrLst meth="repeat">
+      <a:schemeClr val="accent1"/>
+    </dgm:fillClrLst>
+    <dgm:linClrLst meth="repeat">
+      <a:schemeClr val="accent1"/>
+    </dgm:linClrLst>
+    <dgm:effectClrLst/>
+    <dgm:txLinClrLst/>
+    <dgm:txFillClrLst meth="repeat">
+      <a:schemeClr val="lt1"/>
+    </dgm:txFillClrLst>
+    <dgm:txEffectClrLst/>
+  </dgm:styleLbl>
+  <dgm:styleLbl name="parChTrans2D3">
+    <dgm:fillClrLst meth="repeat">
+      <a:schemeClr val="accent1"/>
+    </dgm:fillClrLst>
+    <dgm:linClrLst meth="repeat">
+      <a:schemeClr val="accent1"/>
+    </dgm:linClrLst>
+    <dgm:effectClrLst/>
+    <dgm:txLinClrLst/>
+    <dgm:txFillClrLst meth="repeat">
+      <a:schemeClr val="lt1"/>
+    </dgm:txFillClrLst>
+    <dgm:txEffectClrLst/>
+  </dgm:styleLbl>
+  <dgm:styleLbl name="parChTrans2D4">
+    <dgm:fillClrLst meth="repeat">
+      <a:schemeClr val="accent1"/>
+    </dgm:fillClrLst>
+    <dgm:linClrLst meth="repeat">
+      <a:schemeClr val="accent1"/>
+    </dgm:linClrLst>
+    <dgm:effectClrLst/>
+    <dgm:txLinClrLst/>
+    <dgm:txFillClrLst meth="repeat">
+      <a:schemeClr val="lt1"/>
+    </dgm:txFillClrLst>
+    <dgm:txEffectClrLst/>
+  </dgm:styleLbl>
+  <dgm:styleLbl name="parChTrans1D1">
+    <dgm:fillClrLst meth="repeat">
+      <a:schemeClr val="accent1"/>
+    </dgm:fillClrLst>
+    <dgm:linClrLst meth="repeat">
+      <a:schemeClr val="accent1">
+        <a:shade val="60000"/>
+      </a:schemeClr>
+    </dgm:linClrLst>
+    <dgm:effectClrLst/>
+    <dgm:txLinClrLst/>
+    <dgm:txFillClrLst meth="repeat">
+      <a:schemeClr val="tx1"/>
+    </dgm:txFillClrLst>
+    <dgm:txEffectClrLst/>
+  </dgm:styleLbl>
+  <dgm:styleLbl name="parChTrans1D2">
+    <dgm:fillClrLst meth="repeat">
+      <a:schemeClr val="accent1"/>
+    </dgm:fillClrLst>
+    <dgm:linClrLst meth="repeat">
+      <a:schemeClr val="accent1">
+        <a:shade val="60000"/>
+      </a:schemeClr>
+    </dgm:linClrLst>
+    <dgm:effectClrLst/>
+    <dgm:txLinClrLst/>
+    <dgm:txFillClrLst meth="repeat">
+      <a:schemeClr val="tx1"/>
+    </dgm:txFillClrLst>
+    <dgm:txEffectClrLst/>
+  </dgm:styleLbl>
+  <dgm:styleLbl name="parChTrans1D3">
+    <dgm:fillClrLst meth="repeat">
+      <a:schemeClr val="accent1"/>
+    </dgm:fillClrLst>
+    <dgm:linClrLst meth="repeat">
+      <a:schemeClr val="accent1">
+        <a:shade val="80000"/>
+      </a:schemeClr>
+    </dgm:linClrLst>
+    <dgm:effectClrLst/>
+    <dgm:txLinClrLst/>
+    <dgm:txFillClrLst meth="repeat">
+      <a:schemeClr val="tx1"/>
+    </dgm:txFillClrLst>
+    <dgm:txEffectClrLst/>
+  </dgm:styleLbl>
+  <dgm:styleLbl name="parChTrans1D4">
+    <dgm:fillClrLst meth="repeat">
+      <a:schemeClr val="accent1"/>
+    </dgm:fillClrLst>
+    <dgm:linClrLst meth="repeat">
+      <a:schemeClr val="accent1">
+        <a:shade val="80000"/>
+      </a:schemeClr>
+    </dgm:linClrLst>
+    <dgm:effectClrLst/>
+    <dgm:txLinClrLst/>
+    <dgm:txFillClrLst meth="repeat">
+      <a:schemeClr val="tx1"/>
+    </dgm:txFillClrLst>
+    <dgm:txEffectClrLst/>
+  </dgm:styleLbl>
+  <dgm:styleLbl name="fgAcc1">
+    <dgm:fillClrLst meth="repeat">
+      <a:schemeClr val="lt1">
+        <a:alpha val="90000"/>
+      </a:schemeClr>
+    </dgm:fillClrLst>
+    <dgm:linClrLst meth="repeat">
+      <a:schemeClr val="accent1"/>
+    </dgm:linClrLst>
+    <dgm:effectClrLst/>
+    <dgm:txLinClrLst/>
+    <dgm:txFillClrLst meth="repeat">
+      <a:schemeClr val="dk1"/>
+    </dgm:txFillClrLst>
+    <dgm:txEffectClrLst/>
+  </dgm:styleLbl>
+  <dgm:styleLbl name="conFgAcc1">
+    <dgm:fillClrLst meth="repeat">
+      <a:schemeClr val="lt1">
+        <a:alpha val="90000"/>
+      </a:schemeClr>
+    </dgm:fillClrLst>
+    <dgm:linClrLst meth="repeat">
+      <a:schemeClr val="accent1"/>
+    </dgm:linClrLst>
+    <dgm:effectClrLst/>
+    <dgm:txLinClrLst/>
+    <dgm:txFillClrLst meth="repeat">
+      <a:schemeClr val="dk1"/>
+    </dgm:txFillClrLst>
+    <dgm:txEffectClrLst/>
+  </dgm:styleLbl>
+  <dgm:styleLbl name="alignAcc1">
+    <dgm:fillClrLst meth="repeat">
+      <a:schemeClr val="lt1">
+        <a:alpha val="90000"/>
+      </a:schemeClr>
+    </dgm:fillClrLst>
+    <dgm:linClrLst meth="repeat">
+      <a:schemeClr val="accent1"/>
+    </dgm:linClrLst>
+    <dgm:effectClrLst/>
+    <dgm:txLinClrLst/>
+    <dgm:txFillClrLst meth="repeat">
+      <a:schemeClr val="dk1"/>
+    </dgm:txFillClrLst>
+    <dgm:txEffectClrLst/>
+  </dgm:styleLbl>
+  <dgm:styleLbl name="trAlignAcc1">
+    <dgm:fillClrLst meth="repeat">
+      <a:schemeClr val="lt1">
+        <a:alpha val="40000"/>
+      </a:schemeClr>
+    </dgm:fillClrLst>
+    <dgm:linClrLst meth="repeat">
+      <a:schemeClr val="accent1"/>
+    </dgm:linClrLst>
+    <dgm:effectClrLst/>
+    <dgm:txLinClrLst/>
+    <dgm:txFillClrLst meth="repeat">
+      <a:schemeClr val="dk1"/>
+    </dgm:txFillClrLst>
+    <dgm:txEffectClrLst/>
+  </dgm:styleLbl>
+  <dgm:styleLbl name="bgAcc1">
+    <dgm:fillClrLst meth="repeat">
+      <a:schemeClr val="lt1">
+        <a:alpha val="90000"/>
+      </a:schemeClr>
+    </dgm:fillClrLst>
+    <dgm:linClrLst meth="repeat">
+      <a:schemeClr val="accent1"/>
+    </dgm:linClrLst>
+    <dgm:effectClrLst/>
+    <dgm:txLinClrLst/>
+    <dgm:txFillClrLst meth="repeat">
+      <a:schemeClr val="dk1"/>
+    </dgm:txFillClrLst>
+    <dgm:txEffectClrLst/>
+  </dgm:styleLbl>
+  <dgm:styleLbl name="solidFgAcc1">
+    <dgm:fillClrLst meth="repeat">
+      <a:schemeClr val="lt1"/>
+    </dgm:fillClrLst>
+    <dgm:linClrLst meth="repeat">
+      <a:schemeClr val="accent1"/>
+    </dgm:linClrLst>
+    <dgm:effectClrLst/>
+    <dgm:txLinClrLst/>
+    <dgm:txFillClrLst meth="repeat">
+      <a:schemeClr val="dk1"/>
+    </dgm:txFillClrLst>
+    <dgm:txEffectClrLst/>
+  </dgm:styleLbl>
+  <dgm:styleLbl name="solidAlignAcc1">
+    <dgm:fillClrLst meth="repeat">
+      <a:schemeClr val="lt1"/>
+    </dgm:fillClrLst>
+    <dgm:linClrLst meth="repeat">
+      <a:schemeClr val="accent1"/>
+    </dgm:linClrLst>
+    <dgm:effectClrLst/>
+    <dgm:txLinClrLst/>
+    <dgm:txFillClrLst meth="repeat">
+      <a:schemeClr val="dk1"/>
+    </dgm:txFillClrLst>
+    <dgm:txEffectClrLst/>
+  </dgm:styleLbl>
+  <dgm:styleLbl name="solidBgAcc1">
+    <dgm:fillClrLst meth="repeat">
+      <a:schemeClr val="lt1"/>
+    </dgm:fillClrLst>
+    <dgm:linClrLst meth="repeat">
+      <a:schemeClr val="accent1"/>
+    </dgm:linClrLst>
+    <dgm:effectClrLst/>
+    <dgm:txLinClrLst/>
+    <dgm:txFillClrLst meth="repeat">
+      <a:schemeClr val="dk1"/>
+    </dgm:txFillClrLst>
+    <dgm:txEffectClrLst/>
+  </dgm:styleLbl>
+  <dgm:styleLbl name="fgAccFollowNode1">
+    <dgm:fillClrLst meth="repeat">
+      <a:schemeClr val="accent1">
+        <a:alpha val="90000"/>
+        <a:tint val="40000"/>
+      </a:schemeClr>
+    </dgm:fillClrLst>
+    <dgm:linClrLst meth="repeat">
+      <a:schemeClr val="accent1">
+        <a:alpha val="90000"/>
+        <a:tint val="40000"/>
+      </a:schemeClr>
+    </dgm:linClrLst>
+    <dgm:effectClrLst/>
+    <dgm:txLinClrLst/>
+    <dgm:txFillClrLst meth="repeat">
+      <a:schemeClr val="dk1"/>
+    </dgm:txFillClrLst>
+    <dgm:txEffectClrLst/>
+  </dgm:styleLbl>
+  <dgm:styleLbl name="alignAccFollowNode1">
+    <dgm:fillClrLst meth="repeat">
+      <a:schemeClr val="accent1">
+        <a:alpha val="90000"/>
+        <a:tint val="40000"/>
+      </a:schemeClr>
+    </dgm:fillClrLst>
+    <dgm:linClrLst meth="repeat">
+      <a:schemeClr val="accent1">
+        <a:alpha val="90000"/>
+        <a:tint val="40000"/>
+      </a:schemeClr>
+    </dgm:linClrLst>
+    <dgm:effectClrLst/>
+    <dgm:txLinClrLst/>
+    <dgm:txFillClrLst meth="repeat">
+      <a:schemeClr val="dk1"/>
+    </dgm:txFillClrLst>
+    <dgm:txEffectClrLst/>
+  </dgm:styleLbl>
+  <dgm:styleLbl name="bgAccFollowNode1">
+    <dgm:fillClrLst meth="repeat">
+      <a:schemeClr val="accent1">
+        <a:alpha val="90000"/>
+        <a:tint val="40000"/>
+      </a:schemeClr>
+    </dgm:fillClrLst>
+    <dgm:linClrLst meth="repeat">
+      <a:schemeClr val="accent1">
+        <a:alpha val="90000"/>
+        <a:tint val="40000"/>
+      </a:schemeClr>
+    </dgm:linClrLst>
+    <dgm:effectClrLst/>
+    <dgm:txLinClrLst/>
+    <dgm:txFillClrLst meth="repeat">
+      <a:schemeClr val="dk1"/>
+    </dgm:txFillClrLst>
+    <dgm:txEffectClrLst/>
+  </dgm:styleLbl>
+  <dgm:styleLbl name="fgAcc0">
+    <dgm:fillClrLst meth="repeat">
+      <a:schemeClr val="lt1">
+        <a:alpha val="90000"/>
+      </a:schemeClr>
+    </dgm:fillClrLst>
+    <dgm:linClrLst meth="repeat">
+      <a:schemeClr val="accent1"/>
+    </dgm:linClrLst>
+    <dgm:effectClrLst/>
+    <dgm:txLinClrLst/>
+    <dgm:txFillClrLst meth="repeat">
+      <a:schemeClr val="dk1"/>
+    </dgm:txFillClrLst>
+    <dgm:txEffectClrLst/>
+  </dgm:styleLbl>
+  <dgm:styleLbl name="fgAcc2">
+    <dgm:fillClrLst meth="repeat">
+      <a:schemeClr val="lt1">
+        <a:alpha val="90000"/>
+      </a:schemeClr>
+    </dgm:fillClrLst>
+    <dgm:linClrLst meth="repeat">
+      <a:schemeClr val="accent1"/>
+    </dgm:linClrLst>
+    <dgm:effectClrLst/>
+    <dgm:txLinClrLst/>
+    <dgm:txFillClrLst meth="repeat">
+      <a:schemeClr val="dk1"/>
+    </dgm:txFillClrLst>
+    <dgm:txEffectClrLst/>
+  </dgm:styleLbl>
+  <dgm:styleLbl name="fgAcc3">
+    <dgm:fillClrLst meth="repeat">
+      <a:schemeClr val="lt1">
+        <a:alpha val="90000"/>
+      </a:schemeClr>
+    </dgm:fillClrLst>
+    <dgm:linClrLst meth="repeat">
+      <a:schemeClr val="accent1"/>
+    </dgm:linClrLst>
+    <dgm:effectClrLst/>
+    <dgm:txLinClrLst/>
+    <dgm:txFillClrLst meth="repeat">
+      <a:schemeClr val="dk1"/>
+    </dgm:txFillClrLst>
+    <dgm:txEffectClrLst/>
+  </dgm:styleLbl>
+  <dgm:styleLbl name="fgAcc4">
+    <dgm:fillClrLst meth="repeat">
+      <a:schemeClr val="lt1">
+        <a:alpha val="90000"/>
+      </a:schemeClr>
+    </dgm:fillClrLst>
+    <dgm:linClrLst meth="repeat">
+      <a:schemeClr val="accent1"/>
+    </dgm:linClrLst>
+    <dgm:effectClrLst/>
+    <dgm:txLinClrLst/>
+    <dgm:txFillClrLst meth="repeat">
+      <a:schemeClr val="dk1"/>
+    </dgm:txFillClrLst>
+    <dgm:txEffectClrLst/>
+  </dgm:styleLbl>
+  <dgm:styleLbl name="bgShp">
+    <dgm:fillClrLst meth="repeat">
+      <a:schemeClr val="accent1">
+        <a:tint val="40000"/>
+      </a:schemeClr>
+    </dgm:fillClrLst>
+    <dgm:linClrLst meth="repeat">
+      <a:schemeClr val="accent1"/>
+    </dgm:linClrLst>
+    <dgm:effectClrLst/>
+    <dgm:txLinClrLst/>
+    <dgm:txFillClrLst meth="repeat">
+      <a:schemeClr val="dk1"/>
+    </dgm:txFillClrLst>
+    <dgm:txEffectClrLst/>
+  </dgm:styleLbl>
+  <dgm:styleLbl name="dkBgShp">
+    <dgm:fillClrLst meth="repeat">
+      <a:schemeClr val="accent1">
+        <a:shade val="80000"/>
+      </a:schemeClr>
+    </dgm:fillClrLst>
+    <dgm:linClrLst meth="repeat">
+      <a:schemeClr val="accent1"/>
+    </dgm:linClrLst>
+    <dgm:effectClrLst/>
+    <dgm:txLinClrLst/>
+    <dgm:txFillClrLst meth="repeat">
+      <a:schemeClr val="lt1"/>
+    </dgm:txFillClrLst>
+    <dgm:txEffectClrLst/>
+  </dgm:styleLbl>
+  <dgm:styleLbl name="trBgShp">
+    <dgm:fillClrLst meth="repeat">
+      <a:schemeClr val="accent1">
+        <a:tint val="50000"/>
+        <a:alpha val="40000"/>
+      </a:schemeClr>
+    </dgm:fillClrLst>
+    <dgm:linClrLst meth="repeat">
+      <a:schemeClr val="accent1"/>
+    </dgm:linClrLst>
+    <dgm:effectClrLst/>
+    <dgm:txLinClrLst/>
+    <dgm:txFillClrLst meth="repeat">
+      <a:schemeClr val="lt1"/>
+    </dgm:txFillClrLst>
+    <dgm:txEffectClrLst/>
+  </dgm:styleLbl>
+  <dgm:styleLbl name="fgShp">
+    <dgm:fillClrLst meth="repeat">
+      <a:schemeClr val="accent1">
+        <a:tint val="60000"/>
+      </a:schemeClr>
+    </dgm:fillClrLst>
+    <dgm:linClrLst meth="repeat">
+      <a:schemeClr val="lt1"/>
+    </dgm:linClrLst>
+    <dgm:effectClrLst/>
+    <dgm:txLinClrLst/>
+    <dgm:txFillClrLst meth="repeat">
+      <a:schemeClr val="dk1"/>
+    </dgm:txFillClrLst>
+    <dgm:txEffectClrLst/>
+  </dgm:styleLbl>
+  <dgm:styleLbl name="revTx">
+    <dgm:fillClrLst meth="repeat">
+      <a:schemeClr val="lt1">
+        <a:alpha val="0"/>
+      </a:schemeClr>
+    </dgm:fillClrLst>
+    <dgm:linClrLst meth="repeat">
+      <a:schemeClr val="dk1">
+        <a:alpha val="0"/>
+      </a:schemeClr>
+    </dgm:linClrLst>
+    <dgm:effectClrLst/>
+    <dgm:txLinClrLst/>
+    <dgm:txFillClrLst meth="repeat">
+      <a:schemeClr val="tx1"/>
+    </dgm:txFillClrLst>
+    <dgm:txEffectClrLst/>
+  </dgm:styleLbl>
+</dgm:colorsDef>
+</file>
+
+<file path=ppt/diagrams/data1.xml><?xml version="1.0" encoding="utf-8"?>
+<dgm:dataModel xmlns:dgm="http://schemas.openxmlformats.org/drawingml/2006/diagram" xmlns:a="http://schemas.openxmlformats.org/drawingml/2006/main">
+  <dgm:ptLst>
+    <dgm:pt modelId="{5DF445E0-5A51-4BAD-B601-72F11135176F}" type="doc">
+      <dgm:prSet loTypeId="urn:microsoft.com/office/officeart/2009/3/layout/IncreasingArrowsProcess" loCatId="process" qsTypeId="urn:microsoft.com/office/officeart/2005/8/quickstyle/simple1" qsCatId="simple" csTypeId="urn:microsoft.com/office/officeart/2005/8/colors/accent1_2" csCatId="accent1" phldr="1"/>
+      <dgm:spPr/>
+      <dgm:t>
+        <a:bodyPr/>
+        <a:lstStyle/>
+        <a:p>
+          <a:endParaRPr lang="en-US"/>
+        </a:p>
+      </dgm:t>
+    </dgm:pt>
+    <dgm:pt modelId="{6C282A22-F54D-4B76-8E81-1A9AED980850}">
+      <dgm:prSet phldrT="[文本]"/>
+      <dgm:spPr/>
+      <dgm:t>
+        <a:bodyPr/>
+        <a:lstStyle/>
+        <a:p>
+          <a:r>
+            <a:rPr lang="en-US" dirty="0"/>
+            <a:t>INTEL 4004</a:t>
+          </a:r>
+        </a:p>
+      </dgm:t>
+    </dgm:pt>
+    <dgm:pt modelId="{A176B1FA-BE49-413A-BDCE-585356E39F65}" type="parTrans" cxnId="{64E3CFE5-3540-4860-AF77-56E5EDD280A6}">
+      <dgm:prSet/>
+      <dgm:spPr/>
+      <dgm:t>
+        <a:bodyPr/>
+        <a:lstStyle/>
+        <a:p>
+          <a:endParaRPr lang="en-US"/>
+        </a:p>
+      </dgm:t>
+    </dgm:pt>
+    <dgm:pt modelId="{320CAE06-356D-4570-AF41-0FEA0377189C}" type="sibTrans" cxnId="{64E3CFE5-3540-4860-AF77-56E5EDD280A6}">
+      <dgm:prSet/>
+      <dgm:spPr/>
+      <dgm:t>
+        <a:bodyPr/>
+        <a:lstStyle/>
+        <a:p>
+          <a:endParaRPr lang="en-US"/>
+        </a:p>
+      </dgm:t>
+    </dgm:pt>
+    <dgm:pt modelId="{ECAC7B9A-CF93-420C-89BE-D0D32951D267}">
+      <dgm:prSet phldrT="[文本]"/>
+      <dgm:spPr/>
+      <dgm:t>
+        <a:bodyPr/>
+        <a:lstStyle/>
+        <a:p>
+          <a:r>
+            <a:rPr lang="en-US" dirty="0"/>
+            <a:t>Intel released the 4004 micro-processor</a:t>
+          </a:r>
+        </a:p>
+      </dgm:t>
+    </dgm:pt>
+    <dgm:pt modelId="{191834EA-8527-4918-912B-01EE71C1FC79}" type="parTrans" cxnId="{C6A784DD-E457-43A9-905E-3E541B0F8C0B}">
+      <dgm:prSet/>
+      <dgm:spPr/>
+      <dgm:t>
+        <a:bodyPr/>
+        <a:lstStyle/>
+        <a:p>
+          <a:endParaRPr lang="en-US"/>
+        </a:p>
+      </dgm:t>
+    </dgm:pt>
+    <dgm:pt modelId="{36B7F9FB-6087-4409-B097-385A3E18E900}" type="sibTrans" cxnId="{C6A784DD-E457-43A9-905E-3E541B0F8C0B}">
+      <dgm:prSet/>
+      <dgm:spPr/>
+      <dgm:t>
+        <a:bodyPr/>
+        <a:lstStyle/>
+        <a:p>
+          <a:endParaRPr lang="en-US"/>
+        </a:p>
+      </dgm:t>
+    </dgm:pt>
+    <dgm:pt modelId="{FDBEEF20-252A-43A2-9FBC-85C672BC7AB7}">
+      <dgm:prSet phldrT="[文本]"/>
+      <dgm:spPr/>
+      <dgm:t>
+        <a:bodyPr/>
+        <a:lstStyle/>
+        <a:p>
+          <a:r>
+            <a:rPr lang="en-US" dirty="0"/>
+            <a:t>First x86 CPU</a:t>
+          </a:r>
+        </a:p>
+      </dgm:t>
+    </dgm:pt>
+    <dgm:pt modelId="{B578F778-EC1A-4A4B-AE92-407FE04BCC20}" type="parTrans" cxnId="{AD89CB21-0B6D-4B7D-B1AE-DD1019F8CE88}">
+      <dgm:prSet/>
+      <dgm:spPr/>
+      <dgm:t>
+        <a:bodyPr/>
+        <a:lstStyle/>
+        <a:p>
+          <a:endParaRPr lang="en-US"/>
+        </a:p>
+      </dgm:t>
+    </dgm:pt>
+    <dgm:pt modelId="{B815828A-67BC-4FAB-B177-EF674866B752}" type="sibTrans" cxnId="{AD89CB21-0B6D-4B7D-B1AE-DD1019F8CE88}">
+      <dgm:prSet/>
+      <dgm:spPr/>
+      <dgm:t>
+        <a:bodyPr/>
+        <a:lstStyle/>
+        <a:p>
+          <a:endParaRPr lang="en-US"/>
+        </a:p>
+      </dgm:t>
+    </dgm:pt>
+    <dgm:pt modelId="{0A7BEF9D-C450-46F3-8C39-9E154B3A2E66}">
+      <dgm:prSet phldrT="[文本]"/>
+      <dgm:spPr/>
+      <dgm:t>
+        <a:bodyPr/>
+        <a:lstStyle/>
+        <a:p>
+          <a:r>
+            <a:rPr lang="en-US" dirty="0"/>
+            <a:t>INTEL 80386</a:t>
+          </a:r>
+        </a:p>
+      </dgm:t>
+    </dgm:pt>
+    <dgm:pt modelId="{10221DD3-3B39-42D4-89CE-84849247FD9C}" type="parTrans" cxnId="{1D313D55-F6B9-47ED-96E7-E47F7248E510}">
+      <dgm:prSet/>
+      <dgm:spPr/>
+      <dgm:t>
+        <a:bodyPr/>
+        <a:lstStyle/>
+        <a:p>
+          <a:endParaRPr lang="en-US"/>
+        </a:p>
+      </dgm:t>
+    </dgm:pt>
+    <dgm:pt modelId="{0A5A2C97-B86E-414A-8B70-B259F4ACFC1F}" type="sibTrans" cxnId="{1D313D55-F6B9-47ED-96E7-E47F7248E510}">
+      <dgm:prSet/>
+      <dgm:spPr/>
+      <dgm:t>
+        <a:bodyPr/>
+        <a:lstStyle/>
+        <a:p>
+          <a:endParaRPr lang="en-US"/>
+        </a:p>
+      </dgm:t>
+    </dgm:pt>
+    <dgm:pt modelId="{B9BB8FDD-FF76-403B-A353-54C59C45C92E}">
+      <dgm:prSet phldrT="[文本]"/>
+      <dgm:spPr/>
+      <dgm:t>
+        <a:bodyPr/>
+        <a:lstStyle/>
+        <a:p>
+          <a:r>
+            <a:rPr lang="en-US" dirty="0"/>
+            <a:t>INTEL 8086</a:t>
+          </a:r>
+        </a:p>
+      </dgm:t>
+    </dgm:pt>
+    <dgm:pt modelId="{20AF918E-E783-4844-A498-3516809220D8}" type="sibTrans" cxnId="{4EEF6183-938C-4239-9CB8-03E44EB20999}">
+      <dgm:prSet/>
+      <dgm:spPr/>
+      <dgm:t>
+        <a:bodyPr/>
+        <a:lstStyle/>
+        <a:p>
+          <a:endParaRPr lang="en-US"/>
+        </a:p>
+      </dgm:t>
+    </dgm:pt>
+    <dgm:pt modelId="{490CE179-B0A4-49AF-ACFF-8B9108EA0F81}" type="parTrans" cxnId="{4EEF6183-938C-4239-9CB8-03E44EB20999}">
+      <dgm:prSet/>
+      <dgm:spPr/>
+      <dgm:t>
+        <a:bodyPr/>
+        <a:lstStyle/>
+        <a:p>
+          <a:endParaRPr lang="en-US"/>
+        </a:p>
+      </dgm:t>
+    </dgm:pt>
+    <dgm:pt modelId="{3E1C0FC1-DF5C-45A5-8F5C-2B133E705897}">
+      <dgm:prSet phldrT="[文本]"/>
+      <dgm:spPr/>
+      <dgm:t>
+        <a:bodyPr/>
+        <a:lstStyle/>
+        <a:p>
+          <a:r>
+            <a:rPr lang="en-US" dirty="0"/>
+            <a:t>First of its kind!</a:t>
+          </a:r>
+        </a:p>
+      </dgm:t>
+    </dgm:pt>
+    <dgm:pt modelId="{703624D7-0CDD-4AD7-AAEA-E4FD9A3FEECA}" type="parTrans" cxnId="{BDC010A3-88E4-488B-9423-A046774E4F95}">
+      <dgm:prSet/>
+      <dgm:spPr/>
+      <dgm:t>
+        <a:bodyPr/>
+        <a:lstStyle/>
+        <a:p>
+          <a:endParaRPr lang="en-US"/>
+        </a:p>
+      </dgm:t>
+    </dgm:pt>
+    <dgm:pt modelId="{26E21821-DEBB-495A-BB7F-62DD80E7DEA5}" type="sibTrans" cxnId="{BDC010A3-88E4-488B-9423-A046774E4F95}">
+      <dgm:prSet/>
+      <dgm:spPr/>
+      <dgm:t>
+        <a:bodyPr/>
+        <a:lstStyle/>
+        <a:p>
+          <a:endParaRPr lang="en-US"/>
+        </a:p>
+      </dgm:t>
+    </dgm:pt>
+    <dgm:pt modelId="{DA6D307B-5E39-40BC-BCEF-B99BB80C762B}">
+      <dgm:prSet phldrT="[文本]"/>
+      <dgm:spPr/>
+      <dgm:t>
+        <a:bodyPr/>
+        <a:lstStyle/>
+        <a:p>
+          <a:r>
+            <a:rPr lang="en-US" dirty="0"/>
+            <a:t>The basic framework for computers today</a:t>
+          </a:r>
+        </a:p>
+      </dgm:t>
+    </dgm:pt>
+    <dgm:pt modelId="{E3624FAE-7E2A-4F26-8940-5A77F84E717F}" type="parTrans" cxnId="{FC1B5D80-C807-474A-A9F6-15DE93FE9AB2}">
+      <dgm:prSet/>
+      <dgm:spPr/>
+      <dgm:t>
+        <a:bodyPr/>
+        <a:lstStyle/>
+        <a:p>
+          <a:endParaRPr lang="en-US"/>
+        </a:p>
+      </dgm:t>
+    </dgm:pt>
+    <dgm:pt modelId="{A942D448-F4A5-4645-AAA7-002CF1C33648}" type="sibTrans" cxnId="{FC1B5D80-C807-474A-A9F6-15DE93FE9AB2}">
+      <dgm:prSet/>
+      <dgm:spPr/>
+      <dgm:t>
+        <a:bodyPr/>
+        <a:lstStyle/>
+        <a:p>
+          <a:endParaRPr lang="en-US"/>
+        </a:p>
+      </dgm:t>
+    </dgm:pt>
+    <dgm:pt modelId="{86765082-9661-4B5D-AB0D-AEF15E36F333}">
+      <dgm:prSet phldrT="[文本]"/>
+      <dgm:spPr/>
+      <dgm:t>
+        <a:bodyPr/>
+        <a:lstStyle/>
+        <a:p>
+          <a:r>
+            <a:rPr lang="en-US" dirty="0"/>
+            <a:t>Enhanced architecture</a:t>
+          </a:r>
+        </a:p>
+      </dgm:t>
+    </dgm:pt>
+    <dgm:pt modelId="{4303F67F-9690-4F87-9B91-C8C6B9BD4DFF}" type="parTrans" cxnId="{4FCE8439-CC80-48C0-A773-4C570512E8F7}">
+      <dgm:prSet/>
+      <dgm:spPr/>
+      <dgm:t>
+        <a:bodyPr/>
+        <a:lstStyle/>
+        <a:p>
+          <a:endParaRPr lang="en-US"/>
+        </a:p>
+      </dgm:t>
+    </dgm:pt>
+    <dgm:pt modelId="{28C44353-0312-4FFB-9CAC-CE15F8AC4185}" type="sibTrans" cxnId="{4FCE8439-CC80-48C0-A773-4C570512E8F7}">
+      <dgm:prSet/>
+      <dgm:spPr/>
+      <dgm:t>
+        <a:bodyPr/>
+        <a:lstStyle/>
+        <a:p>
+          <a:endParaRPr lang="en-US"/>
+        </a:p>
+      </dgm:t>
+    </dgm:pt>
+    <dgm:pt modelId="{633EC44C-5E0D-412C-ACFA-33C9CB3E21D3}">
+      <dgm:prSet phldrT="[文本]"/>
+      <dgm:spPr/>
+      <dgm:t>
+        <a:bodyPr/>
+        <a:lstStyle/>
+        <a:p>
+          <a:r>
+            <a:rPr lang="en-US" dirty="0"/>
+            <a:t>i386/IA-32/x86</a:t>
+          </a:r>
+        </a:p>
+        <a:p>
+          <a:r>
+            <a:rPr lang="en-US" dirty="0"/>
+            <a:t>Lots off software built on that</a:t>
+          </a:r>
+        </a:p>
+      </dgm:t>
+    </dgm:pt>
+    <dgm:pt modelId="{2CA1308A-BFAE-412E-AE00-4744FDBF175C}" type="parTrans" cxnId="{B2EEAA8B-B08E-47CC-B88A-74028E69A3DD}">
+      <dgm:prSet/>
+      <dgm:spPr/>
+      <dgm:t>
+        <a:bodyPr/>
+        <a:lstStyle/>
+        <a:p>
+          <a:endParaRPr lang="en-US"/>
+        </a:p>
+      </dgm:t>
+    </dgm:pt>
+    <dgm:pt modelId="{48547E68-E2B3-4FBA-AD34-5CFA0786483A}" type="sibTrans" cxnId="{B2EEAA8B-B08E-47CC-B88A-74028E69A3DD}">
+      <dgm:prSet/>
+      <dgm:spPr/>
+      <dgm:t>
+        <a:bodyPr/>
+        <a:lstStyle/>
+        <a:p>
+          <a:endParaRPr lang="en-US"/>
+        </a:p>
+      </dgm:t>
+    </dgm:pt>
+    <dgm:pt modelId="{0C2FF55B-F8AD-46D4-9BE7-B943F2534A43}" type="pres">
+      <dgm:prSet presAssocID="{5DF445E0-5A51-4BAD-B601-72F11135176F}" presName="Name0" presStyleCnt="0">
+        <dgm:presLayoutVars>
+          <dgm:chMax val="5"/>
+          <dgm:chPref val="5"/>
+          <dgm:dir/>
+          <dgm:animLvl val="lvl"/>
+        </dgm:presLayoutVars>
+      </dgm:prSet>
+      <dgm:spPr/>
+    </dgm:pt>
+    <dgm:pt modelId="{074D2627-ABDD-4E32-8062-16E77524B9D9}" type="pres">
+      <dgm:prSet presAssocID="{6C282A22-F54D-4B76-8E81-1A9AED980850}" presName="parentText1" presStyleLbl="node1" presStyleIdx="0" presStyleCnt="3">
+        <dgm:presLayoutVars>
+          <dgm:chMax/>
+          <dgm:chPref val="3"/>
+          <dgm:bulletEnabled val="1"/>
+        </dgm:presLayoutVars>
+      </dgm:prSet>
+      <dgm:spPr/>
+    </dgm:pt>
+    <dgm:pt modelId="{BF414749-F4BC-462D-927E-AE1A572C81ED}" type="pres">
+      <dgm:prSet presAssocID="{6C282A22-F54D-4B76-8E81-1A9AED980850}" presName="childText1" presStyleLbl="solidAlignAcc1" presStyleIdx="0" presStyleCnt="3">
+        <dgm:presLayoutVars>
+          <dgm:chMax val="0"/>
+          <dgm:chPref val="0"/>
+          <dgm:bulletEnabled val="1"/>
+        </dgm:presLayoutVars>
+      </dgm:prSet>
+      <dgm:spPr/>
+    </dgm:pt>
+    <dgm:pt modelId="{DEED29C1-F1BA-4CD1-88D2-3292D3502EE0}" type="pres">
+      <dgm:prSet presAssocID="{B9BB8FDD-FF76-403B-A353-54C59C45C92E}" presName="parentText2" presStyleLbl="node1" presStyleIdx="1" presStyleCnt="3">
+        <dgm:presLayoutVars>
+          <dgm:chMax/>
+          <dgm:chPref val="3"/>
+          <dgm:bulletEnabled val="1"/>
+        </dgm:presLayoutVars>
+      </dgm:prSet>
+      <dgm:spPr/>
+    </dgm:pt>
+    <dgm:pt modelId="{A38D9CB2-4112-413B-81E4-944C3DB1F772}" type="pres">
+      <dgm:prSet presAssocID="{B9BB8FDD-FF76-403B-A353-54C59C45C92E}" presName="childText2" presStyleLbl="solidAlignAcc1" presStyleIdx="1" presStyleCnt="3">
+        <dgm:presLayoutVars>
+          <dgm:chMax val="0"/>
+          <dgm:chPref val="0"/>
+          <dgm:bulletEnabled val="1"/>
+        </dgm:presLayoutVars>
+      </dgm:prSet>
+      <dgm:spPr/>
+    </dgm:pt>
+    <dgm:pt modelId="{EF100C32-F332-457A-A032-33C21DFEC964}" type="pres">
+      <dgm:prSet presAssocID="{0A7BEF9D-C450-46F3-8C39-9E154B3A2E66}" presName="parentText3" presStyleLbl="node1" presStyleIdx="2" presStyleCnt="3">
+        <dgm:presLayoutVars>
+          <dgm:chMax/>
+          <dgm:chPref val="3"/>
+          <dgm:bulletEnabled val="1"/>
+        </dgm:presLayoutVars>
+      </dgm:prSet>
+      <dgm:spPr/>
+    </dgm:pt>
+    <dgm:pt modelId="{CEA41906-0802-4BF1-9DD1-F5EEAF260156}" type="pres">
+      <dgm:prSet presAssocID="{0A7BEF9D-C450-46F3-8C39-9E154B3A2E66}" presName="childText3" presStyleLbl="solidAlignAcc1" presStyleIdx="2" presStyleCnt="3">
+        <dgm:presLayoutVars>
+          <dgm:chMax val="0"/>
+          <dgm:chPref val="0"/>
+          <dgm:bulletEnabled val="1"/>
+        </dgm:presLayoutVars>
+      </dgm:prSet>
+      <dgm:spPr/>
+    </dgm:pt>
+  </dgm:ptLst>
+  <dgm:cxnLst>
+    <dgm:cxn modelId="{AD89CB21-0B6D-4B7D-B1AE-DD1019F8CE88}" srcId="{B9BB8FDD-FF76-403B-A353-54C59C45C92E}" destId="{FDBEEF20-252A-43A2-9FBC-85C672BC7AB7}" srcOrd="0" destOrd="0" parTransId="{B578F778-EC1A-4A4B-AE92-407FE04BCC20}" sibTransId="{B815828A-67BC-4FAB-B177-EF674866B752}"/>
+    <dgm:cxn modelId="{34DF732B-EB57-4085-8181-3C1F3AF0DD7D}" type="presOf" srcId="{0A7BEF9D-C450-46F3-8C39-9E154B3A2E66}" destId="{EF100C32-F332-457A-A032-33C21DFEC964}" srcOrd="0" destOrd="0" presId="urn:microsoft.com/office/officeart/2009/3/layout/IncreasingArrowsProcess"/>
+    <dgm:cxn modelId="{4FCE8439-CC80-48C0-A773-4C570512E8F7}" srcId="{0A7BEF9D-C450-46F3-8C39-9E154B3A2E66}" destId="{86765082-9661-4B5D-AB0D-AEF15E36F333}" srcOrd="0" destOrd="0" parTransId="{4303F67F-9690-4F87-9B91-C8C6B9BD4DFF}" sibTransId="{28C44353-0312-4FFB-9CAC-CE15F8AC4185}"/>
+    <dgm:cxn modelId="{B161DC61-61D7-4CD5-9065-1272D3D463F6}" type="presOf" srcId="{3E1C0FC1-DF5C-45A5-8F5C-2B133E705897}" destId="{BF414749-F4BC-462D-927E-AE1A572C81ED}" srcOrd="0" destOrd="1" presId="urn:microsoft.com/office/officeart/2009/3/layout/IncreasingArrowsProcess"/>
+    <dgm:cxn modelId="{5A95AC4A-371A-457F-8EAD-2746131C7458}" type="presOf" srcId="{DA6D307B-5E39-40BC-BCEF-B99BB80C762B}" destId="{A38D9CB2-4112-413B-81E4-944C3DB1F772}" srcOrd="0" destOrd="1" presId="urn:microsoft.com/office/officeart/2009/3/layout/IncreasingArrowsProcess"/>
+    <dgm:cxn modelId="{4EDC6170-2DBA-47DF-9E94-8457FA6E7818}" type="presOf" srcId="{86765082-9661-4B5D-AB0D-AEF15E36F333}" destId="{CEA41906-0802-4BF1-9DD1-F5EEAF260156}" srcOrd="0" destOrd="0" presId="urn:microsoft.com/office/officeart/2009/3/layout/IncreasingArrowsProcess"/>
+    <dgm:cxn modelId="{1D313D55-F6B9-47ED-96E7-E47F7248E510}" srcId="{5DF445E0-5A51-4BAD-B601-72F11135176F}" destId="{0A7BEF9D-C450-46F3-8C39-9E154B3A2E66}" srcOrd="2" destOrd="0" parTransId="{10221DD3-3B39-42D4-89CE-84849247FD9C}" sibTransId="{0A5A2C97-B86E-414A-8B70-B259F4ACFC1F}"/>
+    <dgm:cxn modelId="{FC1B5D80-C807-474A-A9F6-15DE93FE9AB2}" srcId="{B9BB8FDD-FF76-403B-A353-54C59C45C92E}" destId="{DA6D307B-5E39-40BC-BCEF-B99BB80C762B}" srcOrd="1" destOrd="0" parTransId="{E3624FAE-7E2A-4F26-8940-5A77F84E717F}" sibTransId="{A942D448-F4A5-4645-AAA7-002CF1C33648}"/>
+    <dgm:cxn modelId="{1D75EB82-5B85-4390-9F8C-391352583BAF}" type="presOf" srcId="{5DF445E0-5A51-4BAD-B601-72F11135176F}" destId="{0C2FF55B-F8AD-46D4-9BE7-B943F2534A43}" srcOrd="0" destOrd="0" presId="urn:microsoft.com/office/officeart/2009/3/layout/IncreasingArrowsProcess"/>
+    <dgm:cxn modelId="{4EEF6183-938C-4239-9CB8-03E44EB20999}" srcId="{5DF445E0-5A51-4BAD-B601-72F11135176F}" destId="{B9BB8FDD-FF76-403B-A353-54C59C45C92E}" srcOrd="1" destOrd="0" parTransId="{490CE179-B0A4-49AF-ACFF-8B9108EA0F81}" sibTransId="{20AF918E-E783-4844-A498-3516809220D8}"/>
+    <dgm:cxn modelId="{B2EEAA8B-B08E-47CC-B88A-74028E69A3DD}" srcId="{0A7BEF9D-C450-46F3-8C39-9E154B3A2E66}" destId="{633EC44C-5E0D-412C-ACFA-33C9CB3E21D3}" srcOrd="1" destOrd="0" parTransId="{2CA1308A-BFAE-412E-AE00-4744FDBF175C}" sibTransId="{48547E68-E2B3-4FBA-AD34-5CFA0786483A}"/>
+    <dgm:cxn modelId="{32C5F694-F51F-4330-817F-FCABADEA550F}" type="presOf" srcId="{633EC44C-5E0D-412C-ACFA-33C9CB3E21D3}" destId="{CEA41906-0802-4BF1-9DD1-F5EEAF260156}" srcOrd="0" destOrd="1" presId="urn:microsoft.com/office/officeart/2009/3/layout/IncreasingArrowsProcess"/>
+    <dgm:cxn modelId="{4A9A6E9E-F9A3-4637-97EA-B529FF2043AB}" type="presOf" srcId="{6C282A22-F54D-4B76-8E81-1A9AED980850}" destId="{074D2627-ABDD-4E32-8062-16E77524B9D9}" srcOrd="0" destOrd="0" presId="urn:microsoft.com/office/officeart/2009/3/layout/IncreasingArrowsProcess"/>
+    <dgm:cxn modelId="{BDC010A3-88E4-488B-9423-A046774E4F95}" srcId="{6C282A22-F54D-4B76-8E81-1A9AED980850}" destId="{3E1C0FC1-DF5C-45A5-8F5C-2B133E705897}" srcOrd="1" destOrd="0" parTransId="{703624D7-0CDD-4AD7-AAEA-E4FD9A3FEECA}" sibTransId="{26E21821-DEBB-495A-BB7F-62DD80E7DEA5}"/>
+    <dgm:cxn modelId="{806F01B6-9510-4754-8245-AD5DB2C8106B}" type="presOf" srcId="{ECAC7B9A-CF93-420C-89BE-D0D32951D267}" destId="{BF414749-F4BC-462D-927E-AE1A572C81ED}" srcOrd="0" destOrd="0" presId="urn:microsoft.com/office/officeart/2009/3/layout/IncreasingArrowsProcess"/>
+    <dgm:cxn modelId="{28274EC6-32A7-4327-AF31-0ABA345B250A}" type="presOf" srcId="{B9BB8FDD-FF76-403B-A353-54C59C45C92E}" destId="{DEED29C1-F1BA-4CD1-88D2-3292D3502EE0}" srcOrd="0" destOrd="0" presId="urn:microsoft.com/office/officeart/2009/3/layout/IncreasingArrowsProcess"/>
+    <dgm:cxn modelId="{C6A784DD-E457-43A9-905E-3E541B0F8C0B}" srcId="{6C282A22-F54D-4B76-8E81-1A9AED980850}" destId="{ECAC7B9A-CF93-420C-89BE-D0D32951D267}" srcOrd="0" destOrd="0" parTransId="{191834EA-8527-4918-912B-01EE71C1FC79}" sibTransId="{36B7F9FB-6087-4409-B097-385A3E18E900}"/>
+    <dgm:cxn modelId="{64E3CFE5-3540-4860-AF77-56E5EDD280A6}" srcId="{5DF445E0-5A51-4BAD-B601-72F11135176F}" destId="{6C282A22-F54D-4B76-8E81-1A9AED980850}" srcOrd="0" destOrd="0" parTransId="{A176B1FA-BE49-413A-BDCE-585356E39F65}" sibTransId="{320CAE06-356D-4570-AF41-0FEA0377189C}"/>
+    <dgm:cxn modelId="{8B72BBFD-5FFB-472B-93FD-E86D3FDED764}" type="presOf" srcId="{FDBEEF20-252A-43A2-9FBC-85C672BC7AB7}" destId="{A38D9CB2-4112-413B-81E4-944C3DB1F772}" srcOrd="0" destOrd="0" presId="urn:microsoft.com/office/officeart/2009/3/layout/IncreasingArrowsProcess"/>
+    <dgm:cxn modelId="{EBE28208-EC20-4659-811F-870E6D22930D}" type="presParOf" srcId="{0C2FF55B-F8AD-46D4-9BE7-B943F2534A43}" destId="{074D2627-ABDD-4E32-8062-16E77524B9D9}" srcOrd="0" destOrd="0" presId="urn:microsoft.com/office/officeart/2009/3/layout/IncreasingArrowsProcess"/>
+    <dgm:cxn modelId="{C611AFD6-A451-4440-B503-A071F5012592}" type="presParOf" srcId="{0C2FF55B-F8AD-46D4-9BE7-B943F2534A43}" destId="{BF414749-F4BC-462D-927E-AE1A572C81ED}" srcOrd="1" destOrd="0" presId="urn:microsoft.com/office/officeart/2009/3/layout/IncreasingArrowsProcess"/>
+    <dgm:cxn modelId="{D36EA0F4-57E3-467A-90E0-05BE51DD83EC}" type="presParOf" srcId="{0C2FF55B-F8AD-46D4-9BE7-B943F2534A43}" destId="{DEED29C1-F1BA-4CD1-88D2-3292D3502EE0}" srcOrd="2" destOrd="0" presId="urn:microsoft.com/office/officeart/2009/3/layout/IncreasingArrowsProcess"/>
+    <dgm:cxn modelId="{FA5E2C70-3F47-4CD9-85A7-771102C0E258}" type="presParOf" srcId="{0C2FF55B-F8AD-46D4-9BE7-B943F2534A43}" destId="{A38D9CB2-4112-413B-81E4-944C3DB1F772}" srcOrd="3" destOrd="0" presId="urn:microsoft.com/office/officeart/2009/3/layout/IncreasingArrowsProcess"/>
+    <dgm:cxn modelId="{1D8A06F0-E38C-4B14-ADD3-DCA4445BE61F}" type="presParOf" srcId="{0C2FF55B-F8AD-46D4-9BE7-B943F2534A43}" destId="{EF100C32-F332-457A-A032-33C21DFEC964}" srcOrd="4" destOrd="0" presId="urn:microsoft.com/office/officeart/2009/3/layout/IncreasingArrowsProcess"/>
+    <dgm:cxn modelId="{6C68B13B-9F82-410B-B3E3-764CB360C4B0}" type="presParOf" srcId="{0C2FF55B-F8AD-46D4-9BE7-B943F2534A43}" destId="{CEA41906-0802-4BF1-9DD1-F5EEAF260156}" srcOrd="5" destOrd="0" presId="urn:microsoft.com/office/officeart/2009/3/layout/IncreasingArrowsProcess"/>
+  </dgm:cxnLst>
+  <dgm:bg/>
+  <dgm:whole/>
+  <dgm:extLst>
+    <a:ext uri="http://schemas.microsoft.com/office/drawing/2008/diagram">
+      <dsp:dataModelExt xmlns:dsp="http://schemas.microsoft.com/office/drawing/2008/diagram" relId="rId6" minVer="http://schemas.openxmlformats.org/drawingml/2006/diagram"/>
+    </a:ext>
+  </dgm:extLst>
+</dgm:dataModel>
+</file>
+
+<file path=ppt/diagrams/drawing1.xml><?xml version="1.0" encoding="utf-8"?>
+<dsp:drawing xmlns:dgm="http://schemas.openxmlformats.org/drawingml/2006/diagram" xmlns:dsp="http://schemas.microsoft.com/office/drawing/2008/diagram" xmlns:a="http://schemas.openxmlformats.org/drawingml/2006/main">
+  <dsp:spTree>
+    <dsp:nvGrpSpPr>
+      <dsp:cNvPr id="0" name=""/>
+      <dsp:cNvGrpSpPr/>
+    </dsp:nvGrpSpPr>
+    <dsp:grpSpPr/>
+    <dsp:sp modelId="{074D2627-ABDD-4E32-8062-16E77524B9D9}">
+      <dsp:nvSpPr>
+        <dsp:cNvPr id="0" name=""/>
+        <dsp:cNvSpPr/>
+      </dsp:nvSpPr>
+      <dsp:spPr>
+        <a:xfrm>
+          <a:off x="608717" y="10282"/>
+          <a:ext cx="9142589" cy="1331509"/>
+        </a:xfrm>
+        <a:prstGeom prst="rightArrow">
+          <a:avLst>
+            <a:gd name="adj1" fmla="val 50000"/>
+            <a:gd name="adj2" fmla="val 50000"/>
+          </a:avLst>
+        </a:prstGeom>
+        <a:solidFill>
+          <a:schemeClr val="accent1">
+            <a:hueOff val="0"/>
+            <a:satOff val="0"/>
+            <a:lumOff val="0"/>
+            <a:alphaOff val="0"/>
+          </a:schemeClr>
+        </a:solidFill>
+        <a:ln w="25400" cap="flat" cmpd="sng" algn="ctr">
+          <a:solidFill>
+            <a:schemeClr val="lt1">
+              <a:hueOff val="0"/>
+              <a:satOff val="0"/>
+              <a:lumOff val="0"/>
+              <a:alphaOff val="0"/>
+            </a:schemeClr>
+          </a:solidFill>
+          <a:miter lim="800000"/>
+        </a:ln>
+        <a:effectLst/>
+      </dsp:spPr>
+      <dsp:style>
+        <a:lnRef idx="2">
+          <a:scrgbClr r="0" g="0" b="0"/>
+        </a:lnRef>
+        <a:fillRef idx="1">
+          <a:scrgbClr r="0" g="0" b="0"/>
+        </a:fillRef>
+        <a:effectRef idx="0">
+          <a:scrgbClr r="0" g="0" b="0"/>
+        </a:effectRef>
+        <a:fontRef idx="minor">
+          <a:schemeClr val="lt1"/>
+        </a:fontRef>
+      </dsp:style>
+      <dsp:txBody>
+        <a:bodyPr spcFirstLastPara="0" vert="horz" wrap="square" lIns="102870" tIns="102870" rIns="254000" bIns="211377" numCol="1" spcCol="1270" anchor="ctr" anchorCtr="0">
+          <a:noAutofit/>
+        </a:bodyPr>
+        <a:lstStyle/>
+        <a:p>
+          <a:pPr marL="0" lvl="0" indent="0" algn="l" defTabSz="1200150">
+            <a:lnSpc>
+              <a:spcPct val="90000"/>
+            </a:lnSpc>
+            <a:spcBef>
+              <a:spcPct val="0"/>
+            </a:spcBef>
+            <a:spcAft>
+              <a:spcPct val="35000"/>
+            </a:spcAft>
+            <a:buNone/>
+          </a:pPr>
+          <a:r>
+            <a:rPr lang="en-US" sz="2700" kern="1200" dirty="0"/>
+            <a:t>INTEL 4004</a:t>
+          </a:r>
+        </a:p>
+      </dsp:txBody>
+      <dsp:txXfrm>
+        <a:off x="608717" y="343159"/>
+        <a:ext cx="8809712" cy="665755"/>
+      </dsp:txXfrm>
+    </dsp:sp>
+    <dsp:sp modelId="{BF414749-F4BC-462D-927E-AE1A572C81ED}">
+      <dsp:nvSpPr>
+        <dsp:cNvPr id="0" name=""/>
+        <dsp:cNvSpPr/>
+      </dsp:nvSpPr>
+      <dsp:spPr>
+        <a:xfrm>
+          <a:off x="608717" y="1037068"/>
+          <a:ext cx="2815917" cy="2564977"/>
+        </a:xfrm>
+        <a:prstGeom prst="rect">
+          <a:avLst/>
+        </a:prstGeom>
+        <a:solidFill>
+          <a:schemeClr val="lt1">
+            <a:hueOff val="0"/>
+            <a:satOff val="0"/>
+            <a:lumOff val="0"/>
+            <a:alphaOff val="0"/>
+          </a:schemeClr>
+        </a:solidFill>
+        <a:ln w="25400" cap="flat" cmpd="sng" algn="ctr">
+          <a:solidFill>
+            <a:schemeClr val="accent1">
+              <a:hueOff val="0"/>
+              <a:satOff val="0"/>
+              <a:lumOff val="0"/>
+              <a:alphaOff val="0"/>
+            </a:schemeClr>
+          </a:solidFill>
+          <a:miter lim="800000"/>
+        </a:ln>
+        <a:effectLst/>
+      </dsp:spPr>
+      <dsp:style>
+        <a:lnRef idx="2">
+          <a:scrgbClr r="0" g="0" b="0"/>
+        </a:lnRef>
+        <a:fillRef idx="1">
+          <a:scrgbClr r="0" g="0" b="0"/>
+        </a:fillRef>
+        <a:effectRef idx="0">
+          <a:scrgbClr r="0" g="0" b="0"/>
+        </a:effectRef>
+        <a:fontRef idx="minor"/>
+      </dsp:style>
+      <dsp:txBody>
+        <a:bodyPr spcFirstLastPara="0" vert="horz" wrap="square" lIns="102870" tIns="102870" rIns="102870" bIns="102870" numCol="1" spcCol="1270" anchor="t" anchorCtr="0">
+          <a:noAutofit/>
+        </a:bodyPr>
+        <a:lstStyle/>
+        <a:p>
+          <a:pPr marL="0" lvl="0" indent="0" algn="l" defTabSz="1200150">
+            <a:lnSpc>
+              <a:spcPct val="90000"/>
+            </a:lnSpc>
+            <a:spcBef>
+              <a:spcPct val="0"/>
+            </a:spcBef>
+            <a:spcAft>
+              <a:spcPct val="35000"/>
+            </a:spcAft>
+            <a:buNone/>
+          </a:pPr>
+          <a:r>
+            <a:rPr lang="en-US" sz="2700" kern="1200" dirty="0"/>
+            <a:t>Intel released the 4004 micro-processor</a:t>
+          </a:r>
+        </a:p>
+        <a:p>
+          <a:pPr marL="0" lvl="0" indent="0" algn="l" defTabSz="1200150">
+            <a:lnSpc>
+              <a:spcPct val="90000"/>
+            </a:lnSpc>
+            <a:spcBef>
+              <a:spcPct val="0"/>
+            </a:spcBef>
+            <a:spcAft>
+              <a:spcPct val="35000"/>
+            </a:spcAft>
+            <a:buNone/>
+          </a:pPr>
+          <a:r>
+            <a:rPr lang="en-US" sz="2700" kern="1200" dirty="0"/>
+            <a:t>First of its kind!</a:t>
+          </a:r>
+        </a:p>
+      </dsp:txBody>
+      <dsp:txXfrm>
+        <a:off x="608717" y="1037068"/>
+        <a:ext cx="2815917" cy="2564977"/>
+      </dsp:txXfrm>
+    </dsp:sp>
+    <dsp:sp modelId="{DEED29C1-F1BA-4CD1-88D2-3292D3502EE0}">
+      <dsp:nvSpPr>
+        <dsp:cNvPr id="0" name=""/>
+        <dsp:cNvSpPr/>
+      </dsp:nvSpPr>
+      <dsp:spPr>
+        <a:xfrm>
+          <a:off x="3424635" y="454119"/>
+          <a:ext cx="6326671" cy="1331509"/>
+        </a:xfrm>
+        <a:prstGeom prst="rightArrow">
+          <a:avLst>
+            <a:gd name="adj1" fmla="val 50000"/>
+            <a:gd name="adj2" fmla="val 50000"/>
+          </a:avLst>
+        </a:prstGeom>
+        <a:solidFill>
+          <a:schemeClr val="accent1">
+            <a:hueOff val="0"/>
+            <a:satOff val="0"/>
+            <a:lumOff val="0"/>
+            <a:alphaOff val="0"/>
+          </a:schemeClr>
+        </a:solidFill>
+        <a:ln w="25400" cap="flat" cmpd="sng" algn="ctr">
+          <a:solidFill>
+            <a:schemeClr val="lt1">
+              <a:hueOff val="0"/>
+              <a:satOff val="0"/>
+              <a:lumOff val="0"/>
+              <a:alphaOff val="0"/>
+            </a:schemeClr>
+          </a:solidFill>
+          <a:miter lim="800000"/>
+        </a:ln>
+        <a:effectLst/>
+      </dsp:spPr>
+      <dsp:style>
+        <a:lnRef idx="2">
+          <a:scrgbClr r="0" g="0" b="0"/>
+        </a:lnRef>
+        <a:fillRef idx="1">
+          <a:scrgbClr r="0" g="0" b="0"/>
+        </a:fillRef>
+        <a:effectRef idx="0">
+          <a:scrgbClr r="0" g="0" b="0"/>
+        </a:effectRef>
+        <a:fontRef idx="minor">
+          <a:schemeClr val="lt1"/>
+        </a:fontRef>
+      </dsp:style>
+      <dsp:txBody>
+        <a:bodyPr spcFirstLastPara="0" vert="horz" wrap="square" lIns="102870" tIns="102870" rIns="254000" bIns="211377" numCol="1" spcCol="1270" anchor="ctr" anchorCtr="0">
+          <a:noAutofit/>
+        </a:bodyPr>
+        <a:lstStyle/>
+        <a:p>
+          <a:pPr marL="0" lvl="0" indent="0" algn="l" defTabSz="1200150">
+            <a:lnSpc>
+              <a:spcPct val="90000"/>
+            </a:lnSpc>
+            <a:spcBef>
+              <a:spcPct val="0"/>
+            </a:spcBef>
+            <a:spcAft>
+              <a:spcPct val="35000"/>
+            </a:spcAft>
+            <a:buNone/>
+          </a:pPr>
+          <a:r>
+            <a:rPr lang="en-US" sz="2700" kern="1200" dirty="0"/>
+            <a:t>INTEL 8086</a:t>
+          </a:r>
+        </a:p>
+      </dsp:txBody>
+      <dsp:txXfrm>
+        <a:off x="3424635" y="786996"/>
+        <a:ext cx="5993794" cy="665755"/>
+      </dsp:txXfrm>
+    </dsp:sp>
+    <dsp:sp modelId="{A38D9CB2-4112-413B-81E4-944C3DB1F772}">
+      <dsp:nvSpPr>
+        <dsp:cNvPr id="0" name=""/>
+        <dsp:cNvSpPr/>
+      </dsp:nvSpPr>
+      <dsp:spPr>
+        <a:xfrm>
+          <a:off x="3424635" y="1480905"/>
+          <a:ext cx="2815917" cy="2564977"/>
+        </a:xfrm>
+        <a:prstGeom prst="rect">
+          <a:avLst/>
+        </a:prstGeom>
+        <a:solidFill>
+          <a:schemeClr val="lt1">
+            <a:hueOff val="0"/>
+            <a:satOff val="0"/>
+            <a:lumOff val="0"/>
+            <a:alphaOff val="0"/>
+          </a:schemeClr>
+        </a:solidFill>
+        <a:ln w="25400" cap="flat" cmpd="sng" algn="ctr">
+          <a:solidFill>
+            <a:schemeClr val="accent1">
+              <a:hueOff val="0"/>
+              <a:satOff val="0"/>
+              <a:lumOff val="0"/>
+              <a:alphaOff val="0"/>
+            </a:schemeClr>
+          </a:solidFill>
+          <a:miter lim="800000"/>
+        </a:ln>
+        <a:effectLst/>
+      </dsp:spPr>
+      <dsp:style>
+        <a:lnRef idx="2">
+          <a:scrgbClr r="0" g="0" b="0"/>
+        </a:lnRef>
+        <a:fillRef idx="1">
+          <a:scrgbClr r="0" g="0" b="0"/>
+        </a:fillRef>
+        <a:effectRef idx="0">
+          <a:scrgbClr r="0" g="0" b="0"/>
+        </a:effectRef>
+        <a:fontRef idx="minor"/>
+      </dsp:style>
+      <dsp:txBody>
+        <a:bodyPr spcFirstLastPara="0" vert="horz" wrap="square" lIns="102870" tIns="102870" rIns="102870" bIns="102870" numCol="1" spcCol="1270" anchor="t" anchorCtr="0">
+          <a:noAutofit/>
+        </a:bodyPr>
+        <a:lstStyle/>
+        <a:p>
+          <a:pPr marL="0" lvl="0" indent="0" algn="l" defTabSz="1200150">
+            <a:lnSpc>
+              <a:spcPct val="90000"/>
+            </a:lnSpc>
+            <a:spcBef>
+              <a:spcPct val="0"/>
+            </a:spcBef>
+            <a:spcAft>
+              <a:spcPct val="35000"/>
+            </a:spcAft>
+            <a:buNone/>
+          </a:pPr>
+          <a:r>
+            <a:rPr lang="en-US" sz="2700" kern="1200" dirty="0"/>
+            <a:t>First x86 CPU</a:t>
+          </a:r>
+        </a:p>
+        <a:p>
+          <a:pPr marL="0" lvl="0" indent="0" algn="l" defTabSz="1200150">
+            <a:lnSpc>
+              <a:spcPct val="90000"/>
+            </a:lnSpc>
+            <a:spcBef>
+              <a:spcPct val="0"/>
+            </a:spcBef>
+            <a:spcAft>
+              <a:spcPct val="35000"/>
+            </a:spcAft>
+            <a:buNone/>
+          </a:pPr>
+          <a:r>
+            <a:rPr lang="en-US" sz="2700" kern="1200" dirty="0"/>
+            <a:t>The basic framework for computers today</a:t>
+          </a:r>
+        </a:p>
+      </dsp:txBody>
+      <dsp:txXfrm>
+        <a:off x="3424635" y="1480905"/>
+        <a:ext cx="2815917" cy="2564977"/>
+      </dsp:txXfrm>
+    </dsp:sp>
+    <dsp:sp modelId="{EF100C32-F332-457A-A032-33C21DFEC964}">
+      <dsp:nvSpPr>
+        <dsp:cNvPr id="0" name=""/>
+        <dsp:cNvSpPr/>
+      </dsp:nvSpPr>
+      <dsp:spPr>
+        <a:xfrm>
+          <a:off x="6240552" y="897955"/>
+          <a:ext cx="3510754" cy="1331509"/>
+        </a:xfrm>
+        <a:prstGeom prst="rightArrow">
+          <a:avLst>
+            <a:gd name="adj1" fmla="val 50000"/>
+            <a:gd name="adj2" fmla="val 50000"/>
+          </a:avLst>
+        </a:prstGeom>
+        <a:solidFill>
+          <a:schemeClr val="accent1">
+            <a:hueOff val="0"/>
+            <a:satOff val="0"/>
+            <a:lumOff val="0"/>
+            <a:alphaOff val="0"/>
+          </a:schemeClr>
+        </a:solidFill>
+        <a:ln w="25400" cap="flat" cmpd="sng" algn="ctr">
+          <a:solidFill>
+            <a:schemeClr val="lt1">
+              <a:hueOff val="0"/>
+              <a:satOff val="0"/>
+              <a:lumOff val="0"/>
+              <a:alphaOff val="0"/>
+            </a:schemeClr>
+          </a:solidFill>
+          <a:miter lim="800000"/>
+        </a:ln>
+        <a:effectLst/>
+      </dsp:spPr>
+      <dsp:style>
+        <a:lnRef idx="2">
+          <a:scrgbClr r="0" g="0" b="0"/>
+        </a:lnRef>
+        <a:fillRef idx="1">
+          <a:scrgbClr r="0" g="0" b="0"/>
+        </a:fillRef>
+        <a:effectRef idx="0">
+          <a:scrgbClr r="0" g="0" b="0"/>
+        </a:effectRef>
+        <a:fontRef idx="minor">
+          <a:schemeClr val="lt1"/>
+        </a:fontRef>
+      </dsp:style>
+      <dsp:txBody>
+        <a:bodyPr spcFirstLastPara="0" vert="horz" wrap="square" lIns="102870" tIns="102870" rIns="254000" bIns="211377" numCol="1" spcCol="1270" anchor="ctr" anchorCtr="0">
+          <a:noAutofit/>
+        </a:bodyPr>
+        <a:lstStyle/>
+        <a:p>
+          <a:pPr marL="0" lvl="0" indent="0" algn="l" defTabSz="1200150">
+            <a:lnSpc>
+              <a:spcPct val="90000"/>
+            </a:lnSpc>
+            <a:spcBef>
+              <a:spcPct val="0"/>
+            </a:spcBef>
+            <a:spcAft>
+              <a:spcPct val="35000"/>
+            </a:spcAft>
+            <a:buNone/>
+          </a:pPr>
+          <a:r>
+            <a:rPr lang="en-US" sz="2700" kern="1200" dirty="0"/>
+            <a:t>INTEL 80386</a:t>
+          </a:r>
+        </a:p>
+      </dsp:txBody>
+      <dsp:txXfrm>
+        <a:off x="6240552" y="1230832"/>
+        <a:ext cx="3177877" cy="665755"/>
+      </dsp:txXfrm>
+    </dsp:sp>
+    <dsp:sp modelId="{CEA41906-0802-4BF1-9DD1-F5EEAF260156}">
+      <dsp:nvSpPr>
+        <dsp:cNvPr id="0" name=""/>
+        <dsp:cNvSpPr/>
+      </dsp:nvSpPr>
+      <dsp:spPr>
+        <a:xfrm>
+          <a:off x="6240552" y="1924741"/>
+          <a:ext cx="2815917" cy="2527438"/>
+        </a:xfrm>
+        <a:prstGeom prst="rect">
+          <a:avLst/>
+        </a:prstGeom>
+        <a:solidFill>
+          <a:schemeClr val="lt1">
+            <a:hueOff val="0"/>
+            <a:satOff val="0"/>
+            <a:lumOff val="0"/>
+            <a:alphaOff val="0"/>
+          </a:schemeClr>
+        </a:solidFill>
+        <a:ln w="25400" cap="flat" cmpd="sng" algn="ctr">
+          <a:solidFill>
+            <a:schemeClr val="accent1">
+              <a:hueOff val="0"/>
+              <a:satOff val="0"/>
+              <a:lumOff val="0"/>
+              <a:alphaOff val="0"/>
+            </a:schemeClr>
+          </a:solidFill>
+          <a:miter lim="800000"/>
+        </a:ln>
+        <a:effectLst/>
+      </dsp:spPr>
+      <dsp:style>
+        <a:lnRef idx="2">
+          <a:scrgbClr r="0" g="0" b="0"/>
+        </a:lnRef>
+        <a:fillRef idx="1">
+          <a:scrgbClr r="0" g="0" b="0"/>
+        </a:fillRef>
+        <a:effectRef idx="0">
+          <a:scrgbClr r="0" g="0" b="0"/>
+        </a:effectRef>
+        <a:fontRef idx="minor"/>
+      </dsp:style>
+      <dsp:txBody>
+        <a:bodyPr spcFirstLastPara="0" vert="horz" wrap="square" lIns="102870" tIns="102870" rIns="102870" bIns="102870" numCol="1" spcCol="1270" anchor="t" anchorCtr="0">
+          <a:noAutofit/>
+        </a:bodyPr>
+        <a:lstStyle/>
+        <a:p>
+          <a:pPr marL="0" lvl="0" indent="0" algn="l" defTabSz="1200150">
+            <a:lnSpc>
+              <a:spcPct val="90000"/>
+            </a:lnSpc>
+            <a:spcBef>
+              <a:spcPct val="0"/>
+            </a:spcBef>
+            <a:spcAft>
+              <a:spcPct val="35000"/>
+            </a:spcAft>
+            <a:buNone/>
+          </a:pPr>
+          <a:r>
+            <a:rPr lang="en-US" sz="2700" kern="1200" dirty="0"/>
+            <a:t>Enhanced architecture</a:t>
+          </a:r>
+        </a:p>
+        <a:p>
+          <a:pPr marL="0" lvl="0" indent="0" algn="l" defTabSz="1200150">
+            <a:lnSpc>
+              <a:spcPct val="90000"/>
+            </a:lnSpc>
+            <a:spcBef>
+              <a:spcPct val="0"/>
+            </a:spcBef>
+            <a:spcAft>
+              <a:spcPct val="35000"/>
+            </a:spcAft>
+            <a:buNone/>
+          </a:pPr>
+          <a:r>
+            <a:rPr lang="en-US" sz="2700" kern="1200" dirty="0"/>
+            <a:t>i386/IA-32/x86</a:t>
+          </a:r>
+        </a:p>
+        <a:p>
+          <a:pPr marL="0" lvl="0" indent="0" algn="l" defTabSz="1200150">
+            <a:lnSpc>
+              <a:spcPct val="90000"/>
+            </a:lnSpc>
+            <a:spcBef>
+              <a:spcPct val="0"/>
+            </a:spcBef>
+            <a:spcAft>
+              <a:spcPct val="35000"/>
+            </a:spcAft>
+            <a:buNone/>
+          </a:pPr>
+          <a:r>
+            <a:rPr lang="en-US" sz="2700" kern="1200" dirty="0"/>
+            <a:t>Lots off software built on that</a:t>
+          </a:r>
+        </a:p>
+      </dsp:txBody>
+      <dsp:txXfrm>
+        <a:off x="6240552" y="1924741"/>
+        <a:ext cx="2815917" cy="2527438"/>
+      </dsp:txXfrm>
+    </dsp:sp>
+  </dsp:spTree>
+</dsp:drawing>
+</file>
+
+<file path=ppt/diagrams/layout1.xml><?xml version="1.0" encoding="utf-8"?>
+<dgm:layoutDef xmlns:dgm="http://schemas.openxmlformats.org/drawingml/2006/diagram" xmlns:a="http://schemas.openxmlformats.org/drawingml/2006/main" uniqueId="urn:microsoft.com/office/officeart/2009/3/layout/IncreasingArrowsProcess">
+  <dgm:title val=""/>
+  <dgm:desc val=""/>
+  <dgm:catLst>
+    <dgm:cat type="process" pri="5500"/>
+  </dgm:catLst>
+  <dgm:sampData>
+    <dgm:dataModel>
+      <dgm:ptLst>
+        <dgm:pt modelId="0" type="doc"/>
+        <dgm:pt modelId="10">
+          <dgm:prSet phldr="1"/>
+        </dgm:pt>
+        <dgm:pt modelId="11">
+          <dgm:prSet phldr="1"/>
+        </dgm:pt>
+        <dgm:pt modelId="20">
+          <dgm:prSet phldr="1"/>
+        </dgm:pt>
+        <dgm:pt modelId="21">
+          <dgm:prSet phldr="1"/>
+        </dgm:pt>
+        <dgm:pt modelId="30">
+          <dgm:prSet phldr="1"/>
+        </dgm:pt>
+        <dgm:pt modelId="31">
+          <dgm:prSet phldr="1"/>
+        </dgm:pt>
+      </dgm:ptLst>
+      <dgm:cxnLst>
+        <dgm:cxn modelId="40" srcId="0" destId="10" srcOrd="0" destOrd="0"/>
+        <dgm:cxn modelId="12" srcId="10" destId="11" srcOrd="0" destOrd="0"/>
+        <dgm:cxn modelId="50" srcId="0" destId="20" srcOrd="1" destOrd="0"/>
+        <dgm:cxn modelId="22" srcId="20" destId="21" srcOrd="0" destOrd="0"/>
+        <dgm:cxn modelId="60" srcId="0" destId="30" srcOrd="2" destOrd="0"/>
+        <dgm:cxn modelId="32" srcId="30" destId="31" srcOrd="0" destOrd="0"/>
+      </dgm:cxnLst>
+      <dgm:bg/>
+      <dgm:whole/>
+    </dgm:dataModel>
+  </dgm:sampData>
+  <dgm:styleData>
+    <dgm:dataModel>
+      <dgm:ptLst>
+        <dgm:pt modelId="0" type="doc"/>
+        <dgm:pt modelId="10">
+          <dgm:prSet phldr="1"/>
+        </dgm:pt>
+        <dgm:pt modelId="11">
+          <dgm:prSet phldr="1"/>
+        </dgm:pt>
+        <dgm:pt modelId="20">
+          <dgm:prSet phldr="1"/>
+        </dgm:pt>
+        <dgm:pt modelId="21">
+          <dgm:prSet phldr="1"/>
+        </dgm:pt>
+      </dgm:ptLst>
+      <dgm:cxnLst>
+        <dgm:cxn modelId="40" srcId="0" destId="10" srcOrd="0" destOrd="0"/>
+        <dgm:cxn modelId="12" srcId="10" destId="11" srcOrd="0" destOrd="0"/>
+        <dgm:cxn modelId="50" srcId="0" destId="20" srcOrd="1" destOrd="0"/>
+        <dgm:cxn modelId="22" srcId="20" destId="21" srcOrd="0" destOrd="0"/>
+      </dgm:cxnLst>
+      <dgm:bg/>
+      <dgm:whole/>
+    </dgm:dataModel>
+  </dgm:styleData>
+  <dgm:clrData>
+    <dgm:dataModel>
+      <dgm:ptLst>
+        <dgm:pt modelId="0" type="doc"/>
+        <dgm:pt modelId="10">
+          <dgm:prSet phldr="1"/>
+        </dgm:pt>
+        <dgm:pt modelId="11">
+          <dgm:prSet phldr="1"/>
+        </dgm:pt>
+        <dgm:pt modelId="20">
+          <dgm:prSet phldr="1"/>
+        </dgm:pt>
+        <dgm:pt modelId="21">
+          <dgm:prSet phldr="1"/>
+        </dgm:pt>
+        <dgm:pt modelId="30">
+          <dgm:prSet phldr="1"/>
+        </dgm:pt>
+        <dgm:pt modelId="31">
+          <dgm:prSet phldr="1"/>
+        </dgm:pt>
+      </dgm:ptLst>
+      <dgm:cxnLst>
+        <dgm:cxn modelId="40" srcId="0" destId="10" srcOrd="0" destOrd="0"/>
+        <dgm:cxn modelId="12" srcId="10" destId="11" srcOrd="0" destOrd="0"/>
+        <dgm:cxn modelId="50" srcId="0" destId="20" srcOrd="1" destOrd="0"/>
+        <dgm:cxn modelId="22" srcId="20" destId="21" srcOrd="0" destOrd="0"/>
+        <dgm:cxn modelId="60" srcId="0" destId="30" srcOrd="2" destOrd="0"/>
+        <dgm:cxn modelId="32" srcId="30" destId="31" srcOrd="0" destOrd="0"/>
+      </dgm:cxnLst>
+      <dgm:bg/>
+      <dgm:whole/>
+    </dgm:dataModel>
+  </dgm:clrData>
+  <dgm:layoutNode name="Name0">
+    <dgm:varLst>
+      <dgm:chMax val="5"/>
+      <dgm:chPref val="5"/>
+      <dgm:dir/>
+      <dgm:animLvl val="lvl"/>
+    </dgm:varLst>
+    <dgm:shape xmlns:r="http://schemas.openxmlformats.org/officeDocument/2006/relationships" r:blip="">
+      <dgm:adjLst/>
+    </dgm:shape>
+    <dgm:choose name="Name1">
+      <dgm:if name="Name2" axis="ch" ptType="node" func="cnt" op="equ" val="1">
+        <dgm:choose name="Name3">
+          <dgm:if name="Name4" axis="ch ch" ptType="node node" func="cnt" op="equ" val="0">
+            <dgm:alg type="composite">
+              <dgm:param type="ar" val="6.8662"/>
+            </dgm:alg>
+            <dgm:choose name="Name5">
+              <dgm:if name="Name6" func="var" arg="dir" op="equ" val="norm">
+                <dgm:constrLst>
+                  <dgm:constr type="primFontSz" for="des" forName="parentText1" val="65"/>
+                  <dgm:constr type="l" for="ch" forName="parentText1" refType="w" fact="0"/>
+                  <dgm:constr type="t" for="ch" forName="parentText1" refType="h" fact="0"/>
+                  <dgm:constr type="w" for="ch" forName="parentText1" refType="w"/>
+                  <dgm:constr type="h" for="ch" forName="parentText1" refType="h"/>
+                </dgm:constrLst>
+              </dgm:if>
+              <dgm:else name="Name7">
+                <dgm:constrLst>
+                  <dgm:constr type="primFontSz" for="des" forName="parentText1" val="65"/>
+                  <dgm:constr type="l" for="ch" forName="parentText1" refType="w" fact="0"/>
+                  <dgm:constr type="t" for="ch" forName="parentText1" refType="h" fact="0"/>
+                  <dgm:constr type="w" for="ch" forName="parentText1" refType="w"/>
+                  <dgm:constr type="h" for="ch" forName="parentText1" refType="h"/>
+                </dgm:constrLst>
+              </dgm:else>
+            </dgm:choose>
+          </dgm:if>
+          <dgm:else name="Name8">
+            <dgm:alg type="composite">
+              <dgm:param type="ar" val="1.9864"/>
+            </dgm:alg>
+            <dgm:choose name="Name9">
+              <dgm:if name="Name10" func="var" arg="dir" op="equ" val="norm">
+                <dgm:constrLst>
+                  <dgm:constr type="primFontSz" for="des" forName="childText1" val="65"/>
+                  <dgm:constr type="primFontSz" for="des" forName="parentText1" val="65"/>
+                  <dgm:constr type="primFontSz" for="des" forName="childText1" refType="primFontSz" refFor="des" refForName="parentText1" op="lte"/>
+                  <dgm:constr type="l" for="ch" forName="parentText1" refType="w" fact="0"/>
+                  <dgm:constr type="t" for="ch" forName="parentText1" refType="h" fact="0"/>
+                  <dgm:constr type="w" for="ch" forName="parentText1" refType="w"/>
+                  <dgm:constr type="h" for="ch" forName="parentText1" refType="h" fact="0.2893"/>
+                  <dgm:constr type="l" for="ch" forName="childText1" refType="w" fact="0"/>
+                  <dgm:constr type="t" for="ch" forName="childText1" refType="h" fact="0.224"/>
+                  <dgm:constr type="w" for="ch" forName="childText1" refType="w" fact="0.9241"/>
+                  <dgm:constr type="h" for="ch" forName="childText1" refType="h" fact="0.776"/>
+                </dgm:constrLst>
+              </dgm:if>
+              <dgm:else name="Name11">
+                <dgm:constrLst>
+                  <dgm:constr type="primFontSz" for="des" forName="childText1" val="65"/>
+                  <dgm:constr type="primFontSz" for="des" forName="parentText1" val="65"/>
+                  <dgm:constr type="primFontSz" for="des" forName="childText1" refType="primFontSz" refFor="des" refForName="parentText1" op="lte"/>
+                  <dgm:constr type="l" for="ch" forName="parentText1" refType="w" fact="0"/>
+                  <dgm:constr type="t" for="ch" forName="parentText1" refType="h" fact="0"/>
+                  <dgm:constr type="w" for="ch" forName="parentText1" refType="w"/>
+                  <dgm:constr type="h" for="ch" forName="parentText1" refType="h" fact="0.2893"/>
+                  <dgm:constr type="l" for="ch" forName="childText1" refType="w" fact="0.076"/>
+                  <dgm:constr type="t" for="ch" forName="childText1" refType="h" fact="0.224"/>
+                  <dgm:constr type="w" for="ch" forName="childText1" refType="w" fact="0.9241"/>
+                  <dgm:constr type="h" for="ch" forName="childText1" refType="h" fact="0.776"/>
+                </dgm:constrLst>
+              </dgm:else>
+            </dgm:choose>
+          </dgm:else>
+        </dgm:choose>
+      </dgm:if>
+      <dgm:if name="Name12" axis="ch" ptType="node" func="cnt" op="equ" val="2">
+        <dgm:choose name="Name13">
+          <dgm:if name="Name14" axis="ch ch" ptType="node node" func="cnt" op="equ" val="0">
+            <dgm:alg type="composite">
+              <dgm:param type="ar" val="5.1498"/>
+            </dgm:alg>
+            <dgm:choose name="Name15">
+              <dgm:if name="Name16" func="var" arg="dir" op="equ" val="norm">
+                <dgm:constrLst>
+                  <dgm:constr type="primFontSz" for="des" forName="parentText1" val="65"/>
+                  <dgm:constr type="primFontSz" for="des" forName="parentText2" refType="primFontSz" refFor="des" refForName="parentText1" op="equ"/>
+                  <dgm:constr type="l" for="ch" forName="parentText1" refType="w" fact="0"/>
+                  <dgm:constr type="t" for="ch" forName="parentText1" refType="h" fact="0"/>
+                  <dgm:constr type="w" for="ch" forName="parentText1" refType="w"/>
+                  <dgm:constr type="h" for="ch" forName="parentText1" refType="h" fact="0.7501"/>
+                  <dgm:constr type="l" for="ch" forName="parentText2" refType="w" fact="0.462"/>
+                  <dgm:constr type="t" for="ch" forName="parentText2" refType="h" fact="0.2499"/>
+                  <dgm:constr type="w" for="ch" forName="parentText2" refType="w" fact="0.538"/>
+                  <dgm:constr type="h" for="ch" forName="parentText2" refType="h" fact="0.7501"/>
+                </dgm:constrLst>
+              </dgm:if>
+              <dgm:else name="Name17">
+                <dgm:constrLst>
+                  <dgm:constr type="primFontSz" for="des" forName="parentText1" val="65"/>
+                  <dgm:constr type="primFontSz" for="des" forName="parentText2" refType="primFontSz" refFor="des" refForName="parentText1" op="equ"/>
+                  <dgm:constr type="l" for="ch" forName="parentText1" refType="w" fact="0"/>
+                  <dgm:constr type="t" for="ch" forName="parentText1" refType="h" fact="0"/>
+                  <dgm:constr type="w" for="ch" forName="parentText1" refType="w"/>
+                  <dgm:constr type="h" for="ch" forName="parentText1" refType="h" fact="0.7501"/>
+                  <dgm:constr type="l" for="ch" forName="parentText2" refType="w" fact="0"/>
+                  <dgm:constr type="t" for="ch" forName="parentText2" refType="h" fact="0.2499"/>
+                  <dgm:constr type="w" for="ch" forName="parentText2" refType="w" fact="0.538"/>
+                  <dgm:constr type="h" for="ch" forName="parentText2" refType="h" fact="0.7501"/>
+                </dgm:constrLst>
+              </dgm:else>
+            </dgm:choose>
+          </dgm:if>
+          <dgm:else name="Name18">
+            <dgm:alg type="composite">
+              <dgm:param type="ar" val="2.0563"/>
+            </dgm:alg>
+            <dgm:choose name="Name19">
+              <dgm:if name="Name20" func="var" arg="dir" op="equ" val="norm">
+                <dgm:constrLst>
+                  <dgm:constr type="primFontSz" for="des" forName="childText1" val="65"/>
+                  <dgm:constr type="primFontSz" for="des" forName="parentText1" val="65"/>
+                  <dgm:constr type="primFontSz" for="des" forName="childText1" refType="primFontSz" refFor="des" refForName="parentText1" op="lte"/>
+                  <dgm:constr type="primFontSz" for="des" forName="childText2" refType="primFontSz" refFor="des" refForName="parentText1" op="lte"/>
+                  <dgm:constr type="primFontSz" for="des" forName="childText1" refType="primFontSz" refFor="des" refForName="parentText2" op="lte"/>
+                  <dgm:constr type="primFontSz" for="des" forName="childText2" refType="primFontSz" refFor="des" refForName="parentText2" op="lte"/>
+                  <dgm:constr type="primFontSz" for="des" forName="parentText2" refType="primFontSz" refFor="des" refForName="parentText1" op="equ"/>
+                  <dgm:constr type="primFontSz" for="des" forName="childText2" refType="primFontSz" refFor="des" refForName="childText1" op="equ"/>
+                  <dgm:constr type="l" for="ch" forName="parentText1" refType="w" fact="0"/>
+                  <dgm:constr type="t" for="ch" forName="parentText1" refType="h" fact="0"/>
+                  <dgm:constr type="w" for="ch" forName="parentText1" refType="w"/>
+                  <dgm:constr type="h" for="ch" forName="parentText1" refType="h" fact="0.2995"/>
+                  <dgm:constr type="l" for="ch" forName="parentText2" refType="w" fact="0.462"/>
+                  <dgm:constr type="t" for="ch" forName="parentText2" refType="h" fact="0.0998"/>
+                  <dgm:constr type="w" for="ch" forName="parentText2" refType="w" fact="0.538"/>
+                  <dgm:constr type="h" for="ch" forName="parentText2" refType="h" fact="0.2995"/>
+                  <dgm:constr type="l" for="ch" forName="childText1" refType="w" fact="0"/>
+                  <dgm:constr type="t" for="ch" forName="childText1" refType="h" fact="0.2317"/>
+                  <dgm:constr type="w" for="ch" forName="childText1" refType="w" fact="0.462"/>
+                  <dgm:constr type="h" for="ch" forName="childText1" refType="h" fact="0.6685"/>
+                  <dgm:constr type="l" for="ch" forName="childText2" refType="w" fact="0.462"/>
+                  <dgm:constr type="t" for="ch" forName="childText2" refType="h" fact="0.3315"/>
+                  <dgm:constr type="w" for="ch" forName="childText2" refType="w" fact="0.462"/>
+                  <dgm:constr type="h" for="ch" forName="childText2" refType="h" fact="0.6685"/>
+                </dgm:constrLst>
+              </dgm:if>
+              <dgm:else name="Name21">
+                <dgm:constrLst>
+                  <dgm:constr type="primFontSz" for="des" forName="childText1" val="65"/>
+                  <dgm:constr type="primFontSz" for="des" forName="parentText1" val="65"/>
+                  <dgm:constr type="primFontSz" for="des" forName="childText1" refType="primFontSz" refFor="des" refForName="parentText1" op="lte"/>
+                  <dgm:constr type="primFontSz" for="des" forName="childText2" refType="primFontSz" refFor="des" refForName="parentText1" op="lte"/>
+                  <dgm:constr type="primFontSz" for="des" forName="childText1" refType="primFontSz" refFor="des" refForName="parentText2" op="lte"/>
+                  <dgm:constr type="primFontSz" for="des" forName="childText2" refType="primFontSz" refFor="des" refForName="parentText2" op="lte"/>
+                  <dgm:constr type="primFontSz" for="des" forName="parentText2" refType="primFontSz" refFor="des" refForName="parentText1" op="equ"/>
+                  <dgm:constr type="primFontSz" for="des" forName="childText2" refType="primFontSz" refFor="des" refForName="childText1" op="equ"/>
+                  <dgm:constr type="l" for="ch" forName="parentText1" refType="w" fact="0"/>
+                  <dgm:constr type="t" for="ch" forName="parentText1" refType="h" fact="0"/>
+                  <dgm:constr type="w" for="ch" forName="parentText1" refType="w"/>
+                  <dgm:constr type="h" for="ch" forName="parentText1" refType="h" fact="0.2995"/>
+                  <dgm:constr type="l" for="ch" forName="parentText2" refType="w" fact="0"/>
+                  <dgm:constr type="t" for="ch" forName="parentText2" refType="h" fact="0.0998"/>
+                  <dgm:constr type="w" for="ch" forName="parentText2" refType="w" fact="0.538"/>
+                  <dgm:constr type="h" for="ch" forName="parentText2" refType="h" fact="0.2995"/>
+                  <dgm:constr type="l" for="ch" forName="childText1" refType="w" fact="0.538"/>
+                  <dgm:constr type="t" for="ch" forName="childText1" refType="h" fact="0.2317"/>
+                  <dgm:constr type="w" for="ch" forName="childText1" refType="w" fact="0.462"/>
+                  <dgm:constr type="h" for="ch" forName="childText1" refType="h" fact="0.6685"/>
+                  <dgm:constr type="l" for="ch" forName="childText2" refType="w" fact="0.076"/>
+                  <dgm:constr type="t" for="ch" forName="childText2" refType="h" fact="0.3315"/>
+                  <dgm:constr type="w" for="ch" forName="childText2" refType="w" fact="0.462"/>
+                  <dgm:constr type="h" for="ch" forName="childText2" refType="h" fact="0.6685"/>
+                </dgm:constrLst>
+              </dgm:else>
+            </dgm:choose>
+          </dgm:else>
+        </dgm:choose>
+      </dgm:if>
+      <dgm:if name="Name22" axis="ch" ptType="node" func="cnt" op="equ" val="3">
+        <dgm:choose name="Name23">
+          <dgm:if name="Name24" axis="ch ch" ptType="node node" func="cnt" op="equ" val="0">
+            <dgm:alg type="composite">
+              <dgm:param type="ar" val="4.1198"/>
+            </dgm:alg>
+            <dgm:choose name="Name25">
+              <dgm:if name="Name26" func="var" arg="dir" op="equ" val="norm">
+                <dgm:constrLst>
+                  <dgm:constr type="primFontSz" for="des" forName="parentText1" val="65"/>
+                  <dgm:constr type="primFontSz" for="des" forName="parentText2" refType="primFontSz" refFor="des" refForName="parentText1" op="equ"/>
+                  <dgm:constr type="primFontSz" for="des" forName="parentText3" refType="primFontSz" refFor="des" refForName="parentText1" op="equ"/>
+                  <dgm:constr type="l" for="ch" forName="parentText1" refType="w" fact="0"/>
+                  <dgm:constr type="t" for="ch" forName="parentText1" refType="h" fact="0"/>
+                  <dgm:constr type="w" for="ch" forName="parentText1" refType="w"/>
+                  <dgm:constr type="h" for="ch" forName="parentText1" refType="h" fact="0.6"/>
+                  <dgm:constr type="l" for="ch" forName="parentText2" refType="w" fact="0.308"/>
+                  <dgm:constr type="t" for="ch" forName="parentText2" refType="h" fact="0.2"/>
+                  <dgm:constr type="w" for="ch" forName="parentText2" refType="w" fact="0.692"/>
+                  <dgm:constr type="h" for="ch" forName="parentText2" refType="h" fact="0.6"/>
+                  <dgm:constr type="l" for="ch" forName="parentText3" refType="w" fact="0.616"/>
+                  <dgm:constr type="t" for="ch" forName="parentText3" refType="h" fact="0.4"/>
+                  <dgm:constr type="w" for="ch" forName="parentText3" refType="w" fact="0.384"/>
+                  <dgm:constr type="h" for="ch" forName="parentText3" refType="h" fact="0.6"/>
+                </dgm:constrLst>
+              </dgm:if>
+              <dgm:else name="Name27">
+                <dgm:constrLst>
+                  <dgm:constr type="primFontSz" for="des" forName="parentText1" val="65"/>
+                  <dgm:constr type="primFontSz" for="des" forName="parentText2" refType="primFontSz" refFor="des" refForName="parentText1" op="equ"/>
+                  <dgm:constr type="primFontSz" for="des" forName="parentText3" refType="primFontSz" refFor="des" refForName="parentText1" op="equ"/>
+                  <dgm:constr type="l" for="ch" forName="parentText1" refType="w" fact="0"/>
+                  <dgm:constr type="t" for="ch" forName="parentText1" refType="h" fact="0"/>
+                  <dgm:constr type="w" for="ch" forName="parentText1" refType="w"/>
+                  <dgm:constr type="h" for="ch" forName="parentText1" refType="h" fact="0.6"/>
+                  <dgm:constr type="l" for="ch" forName="parentText2" refType="w" fact="0"/>
+                  <dgm:constr type="t" for="ch" forName="parentText2" refType="h" fact="0.2"/>
+                  <dgm:constr type="w" for="ch" forName="parentText2" refType="w" fact="0.692"/>
+                  <dgm:constr type="h" for="ch" forName="parentText2" refType="h" fact="0.6"/>
+                  <dgm:constr type="l" for="ch" forName="parentText3" refType="w" fact="0"/>
+                  <dgm:constr type="t" for="ch" forName="parentText3" refType="h" fact="0.4"/>
+                  <dgm:constr type="w" for="ch" forName="parentText3" refType="w" fact="0.384"/>
+                  <dgm:constr type="h" for="ch" forName="parentText3" refType="h" fact="0.6"/>
+                </dgm:constrLst>
+              </dgm:else>
+            </dgm:choose>
+          </dgm:if>
+          <dgm:else name="Name28">
+            <dgm:alg type="composite">
+              <dgm:param type="ar" val="2.0702"/>
+            </dgm:alg>
+            <dgm:choose name="Name29">
+              <dgm:if name="Name30" func="var" arg="dir" op="equ" val="norm">
+                <dgm:constrLst>
+                  <dgm:constr type="primFontSz" for="des" forName="childText1" val="65"/>
+                  <dgm:constr type="primFontSz" for="des" forName="parentText1" val="65"/>
+                  <dgm:constr type="primFontSz" for="des" forName="childText1" refType="primFontSz" refFor="des" refForName="parentText1" op="lte"/>
+                  <dgm:constr type="primFontSz" for="des" forName="childText2" refType="primFontSz" refFor="des" refForName="parentText1" op="lte"/>
+                  <dgm:constr type="primFontSz" for="des" forName="childText3" refType="primFontSz" refFor="des" refForName="parentText1" op="lte"/>
+                  <dgm:constr type="primFontSz" for="des" forName="childText1" refType="primFontSz" refFor="des" refForName="parentText2" op="lte"/>
+                  <dgm:constr type="primFontSz" for="des" forName="childText2" refType="primFontSz" refFor="des" refForName="parentText2" op="lte"/>
+                  <dgm:constr type="primFontSz" for="des" forName="childText3" refType="primFontSz" refFor="des" refForName="parentText2" op="lte"/>
+                  <dgm:constr type="primFontSz" for="des" forName="childText1" refType="primFontSz" refFor="des" refForName="parentText3" op="lte"/>
+                  <dgm:constr type="primFontSz" for="des" forName="childText2" refType="primFontSz" refFor="des" refForName="parentText3" op="lte"/>
+                  <dgm:constr type="primFontSz" for="des" forName="childText3" refType="primFontSz" refFor="des" refForName="parentText3" op="lte"/>
+                  <dgm:constr type="primFontSz" for="des" forName="parentText2" refType="primFontSz" refFor="des" refForName="parentText1" op="equ"/>
+                  <dgm:constr type="primFontSz" for="des" forName="parentText3" refType="primFontSz" refFor="des" refForName="parentText1" op="equ"/>
+                  <dgm:constr type="primFontSz" for="des" forName="childText2" refType="primFontSz" refFor="des" refForName="childText1" op="equ"/>
+                  <dgm:constr type="primFontSz" for="des" forName="childText3" refType="primFontSz" refFor="des" refForName="childText1" op="equ"/>
+                  <dgm:constr type="l" for="ch" forName="childText1" refType="w" fact="0"/>
+                  <dgm:constr type="t" for="ch" forName="childText1" refType="h" fact="0.2325"/>
+                  <dgm:constr type="w" for="ch" forName="childText1" refType="w" fact="0.308"/>
+                  <dgm:constr type="h" for="ch" forName="childText1" refType="h" fact="0.5808"/>
+                  <dgm:constr type="l" for="ch" forName="childText2" refType="w" fact="0.308"/>
+                  <dgm:constr type="t" for="ch" forName="childText2" refType="h" fact="0.333"/>
+                  <dgm:constr type="w" for="ch" forName="childText2" refType="w" fact="0.308"/>
+                  <dgm:constr type="h" for="ch" forName="childText2" refType="h" fact="0.5808"/>
+                  <dgm:constr type="l" for="ch" forName="childText3" refType="w" fact="0.616"/>
+                  <dgm:constr type="t" for="ch" forName="childText3" refType="h" fact="0.4335"/>
+                  <dgm:constr type="w" for="ch" forName="childText3" refType="w" fact="0.308"/>
+                  <dgm:constr type="h" for="ch" forName="childText3" refType="h" fact="0.5723"/>
+                  <dgm:constr type="l" for="ch" forName="parentText1" refType="w" fact="0"/>
+                  <dgm:constr type="t" for="ch" forName="parentText1" refType="h" fact="0"/>
+                  <dgm:constr type="w" for="ch" forName="parentText1" refType="w"/>
+                  <dgm:constr type="h" for="ch" forName="parentText1" refType="h" fact="0.3015"/>
+                  <dgm:constr type="l" for="ch" forName="parentText2" refType="w" fact="0.308"/>
+                  <dgm:constr type="t" for="ch" forName="parentText2" refType="h" fact="0.1005"/>
+                  <dgm:constr type="w" for="ch" forName="parentText2" refType="w" fact="0.692"/>
+                  <dgm:constr type="h" for="ch" forName="parentText2" refType="h" fact="0.3015"/>
+                  <dgm:constr type="l" for="ch" forName="parentText3" refType="w" fact="0.616"/>
+                  <dgm:constr type="t" for="ch" forName="parentText3" refType="h" fact="0.201"/>
+                  <dgm:constr type="w" for="ch" forName="parentText3" refType="w" fact="0.384"/>
+                  <dgm:constr type="h" for="ch" forName="parentText3" refType="h" fact="0.3015"/>
+                </dgm:constrLst>
+              </dgm:if>
+              <dgm:else name="Name31">
+                <dgm:constrLst>
+                  <dgm:constr type="primFontSz" for="des" forName="childText1" val="65"/>
+                  <dgm:constr type="primFontSz" for="des" forName="parentText1" val="65"/>
+                  <dgm:constr type="primFontSz" for="des" forName="childText1" refType="primFontSz" refFor="des" refForName="parentText1" op="lte"/>
+                  <dgm:constr type="primFontSz" for="des" forName="childText2" refType="primFontSz" refFor="des" refForName="parentText1" op="lte"/>
+                  <dgm:constr type="primFontSz" for="des" forName="childText3" refType="primFontSz" refFor="des" refForName="parentText1" op="lte"/>
+                  <dgm:constr type="primFontSz" for="des" forName="childText1" refType="primFontSz" refFor="des" refForName="parentText2" op="lte"/>
+                  <dgm:constr type="primFontSz" for="des" forName="childText2" refType="primFontSz" refFor="des" refForName="parentText2" op="lte"/>
+                  <dgm:constr type="primFontSz" for="des" forName="childText3" refType="primFontSz" refFor="des" refForName="parentText2" op="lte"/>
+                  <dgm:constr type="primFontSz" for="des" forName="childText1" refType="primFontSz" refFor="des" refForName="parentText3" op="lte"/>
+                  <dgm:constr type="primFontSz" for="des" forName="childText2" refType="primFontSz" refFor="des" refForName="parentText3" op="lte"/>
+                  <dgm:constr type="primFontSz" for="des" forName="childText3" refType="primFontSz" refFor="des" refForName="parentText3" op="lte"/>
+                  <dgm:constr type="primFontSz" for="des" forName="parentText2" refType="primFontSz" refFor="des" refForName="parentText1" op="equ"/>
+                  <dgm:constr type="primFontSz" for="des" forName="parentText3" refType="primFontSz" refFor="des" refForName="parentText1" op="equ"/>
+                  <dgm:constr type="primFontSz" for="des" forName="childText2" refType="primFontSz" refFor="des" refForName="childText1" op="equ"/>
+                  <dgm:constr type="primFontSz" for="des" forName="childText3" refType="primFontSz" refFor="des" refForName="childText1" op="equ"/>
+                  <dgm:constr type="l" for="ch" forName="childText1" refType="w" fact="0.692"/>
+                  <dgm:constr type="t" for="ch" forName="childText1" refType="h" fact="0.2325"/>
+                  <dgm:constr type="w" for="ch" forName="childText1" refType="w" fact="0.308"/>
+                  <dgm:constr type="h" for="ch" forName="childText1" refType="h" fact="0.5808"/>
+                  <dgm:constr type="l" for="ch" forName="childText2" refType="w" fact="0.384"/>
+                  <dgm:constr type="t" for="ch" forName="childText2" refType="h" fact="0.333"/>
+                  <dgm:constr type="w" for="ch" forName="childText2" refType="w" fact="0.308"/>
+                  <dgm:constr type="h" for="ch" forName="childText2" refType="h" fact="0.5808"/>
+                  <dgm:constr type="l" for="ch" forName="childText3" refType="w" fact="0.076"/>
+                  <dgm:constr type="t" for="ch" forName="childText3" refType="h" fact="0.4335"/>
+                  <dgm:constr type="w" for="ch" forName="childText3" refType="w" fact="0.308"/>
+                  <dgm:constr type="h" for="ch" forName="childText3" refType="h" fact="0.5723"/>
+                  <dgm:constr type="l" for="ch" forName="parentText1" refType="w" fact="0"/>
+                  <dgm:constr type="t" for="ch" forName="parentText1" refType="h" fact="0"/>
+                  <dgm:constr type="w" for="ch" forName="parentText1" refType="w"/>
+                  <dgm:constr type="h" for="ch" forName="parentText1" refType="h" fact="0.3015"/>
+                  <dgm:constr type="l" for="ch" forName="parentText2" refType="w" fact="0"/>
+                  <dgm:constr type="t" for="ch" forName="parentText2" refType="h" fact="0.1005"/>
+                  <dgm:constr type="w" for="ch" forName="parentText2" refType="w" fact="0.692"/>
+                  <dgm:constr type="h" for="ch" forName="parentText2" refType="h" fact="0.3015"/>
+                  <dgm:constr type="l" for="ch" forName="parentText3" refType="w" fact="0"/>
+                  <dgm:constr type="t" for="ch" forName="parentText3" refType="h" fact="0.201"/>
+                  <dgm:constr type="w" for="ch" forName="parentText3" refType="w" fact="0.384"/>
+                  <dgm:constr type="h" for="ch" forName="parentText3" refType="h" fact="0.3015"/>
+                </dgm:constrLst>
+              </dgm:else>
+            </dgm:choose>
+          </dgm:else>
+        </dgm:choose>
+      </dgm:if>
+      <dgm:if name="Name32" axis="ch" ptType="node" func="cnt" op="equ" val="4">
+        <dgm:choose name="Name33">
+          <dgm:if name="Name34" axis="ch ch" ptType="node node" func="cnt" op="equ" val="0">
+            <dgm:alg type="composite">
+              <dgm:param type="ar" val="3.435"/>
+            </dgm:alg>
+            <dgm:choose name="Name35">
+              <dgm:if name="Name36" func="var" arg="dir" op="equ" val="norm">
+                <dgm:constrLst>
+                  <dgm:constr type="primFontSz" for="des" forName="parentText1" val="65"/>
+                  <dgm:constr type="primFontSz" for="des" forName="parentText2" refType="primFontSz" refFor="des" refForName="parentText1" op="equ"/>
+                  <dgm:constr type="primFontSz" for="des" forName="parentText3" refType="primFontSz" refFor="des" refForName="parentText1" op="equ"/>
+                  <dgm:constr type="primFontSz" for="des" forName="parentText4" refType="primFontSz" refFor="des" refForName="parentText1" op="equ"/>
+                  <dgm:constr type="l" for="ch" forName="parentText1" refType="w" fact="0"/>
+                  <dgm:constr type="t" for="ch" forName="parentText1" refType="h" fact="0"/>
+                  <dgm:constr type="w" for="ch" forName="parentText1" refType="w"/>
+                  <dgm:constr type="h" for="ch" forName="parentText1" refType="h" fact="0.5001"/>
+                  <dgm:constr type="l" for="ch" forName="parentText2" refType="w" fact="0.2305"/>
+                  <dgm:constr type="t" for="ch" forName="parentText2" refType="h" fact="0.1666"/>
+                  <dgm:constr type="w" for="ch" forName="parentText2" refType="w" fact="0.7695"/>
+                  <dgm:constr type="h" for="ch" forName="parentText2" refType="h" fact="0.5001"/>
+                  <dgm:constr type="l" for="ch" forName="parentText3" refType="w" fact="0.461"/>
+                  <dgm:constr type="t" for="ch" forName="parentText3" refType="h" fact="0.3333"/>
+                  <dgm:constr type="w" for="ch" forName="parentText3" refType="w" fact="0.539"/>
+                  <dgm:constr type="h" for="ch" forName="parentText3" refType="h" fact="0.5001"/>
+                  <dgm:constr type="l" for="ch" forName="parentText4" refType="w" fact="0.6915"/>
+                  <dgm:constr type="t" for="ch" forName="parentText4" refType="h" fact="0.4999"/>
+                  <dgm:constr type="w" for="ch" forName="parentText4" refType="w" fact="0.3085"/>
+                  <dgm:constr type="h" for="ch" forName="parentText4" refType="h" fact="0.5001"/>
+                </dgm:constrLst>
+              </dgm:if>
+              <dgm:else name="Name37">
+                <dgm:constrLst>
+                  <dgm:constr type="primFontSz" for="des" forName="parentText1" val="65"/>
+                  <dgm:constr type="primFontSz" for="des" forName="parentText2" refType="primFontSz" refFor="des" refForName="parentText1" op="equ"/>
+                  <dgm:constr type="primFontSz" for="des" forName="parentText3" refType="primFontSz" refFor="des" refForName="parentText1" op="equ"/>
+                  <dgm:constr type="primFontSz" for="des" forName="parentText4" refType="primFontSz" refFor="des" refForName="parentText1" op="equ"/>
+                  <dgm:constr type="l" for="ch" forName="parentText1" refType="w" fact="0"/>
+                  <dgm:constr type="t" for="ch" forName="parentText1" refType="h" fact="0"/>
+                  <dgm:constr type="w" for="ch" forName="parentText1" refType="w"/>
+                  <dgm:constr type="h" for="ch" forName="parentText1" refType="h" fact="0.5001"/>
+                  <dgm:constr type="l" for="ch" forName="parentText2" refType="w" fact="0"/>
+                  <dgm:constr type="t" for="ch" forName="parentText2" refType="h" fact="0.1666"/>
+                  <dgm:constr type="w" for="ch" forName="parentText2" refType="w" fact="0.7695"/>
+                  <dgm:constr type="h" for="ch" forName="parentText2" refType="h" fact="0.5001"/>
+                  <dgm:constr type="l" for="ch" forName="parentText3" refType="w" fact="0"/>
+                  <dgm:constr type="t" for="ch" forName="parentText3" refType="h" fact="0.3333"/>
+                  <dgm:constr type="w" for="ch" forName="parentText3" refType="w" fact="0.539"/>
+                  <dgm:constr type="h" for="ch" forName="parentText3" refType="h" fact="0.5001"/>
+                  <dgm:constr type="l" for="ch" forName="parentText4" refType="w" fact="0"/>
+                  <dgm:constr type="t" for="ch" forName="parentText4" refType="h" fact="0.4999"/>
+                  <dgm:constr type="w" for="ch" forName="parentText4" refType="w" fact="0.3085"/>
+                  <dgm:constr type="h" for="ch" forName="parentText4" refType="h" fact="0.5001"/>
+                </dgm:constrLst>
+              </dgm:else>
+            </dgm:choose>
+          </dgm:if>
+          <dgm:else name="Name38">
+            <dgm:alg type="composite">
+              <dgm:param type="ar" val="1.9377"/>
+            </dgm:alg>
+            <dgm:choose name="Name39">
+              <dgm:if name="Name40" func="var" arg="dir" op="equ" val="norm">
+                <dgm:constrLst>
+                  <dgm:constr type="primFontSz" for="des" forName="childText1" val="65"/>
+                  <dgm:constr type="primFontSz" for="des" forName="parentText1" val="65"/>
+                  <dgm:constr type="primFontSz" for="des" forName="childText1" refType="primFontSz" refFor="des" refForName="parentText1" op="lte"/>
+                  <dgm:constr type="primFontSz" for="des" forName="childText2" refType="primFontSz" refFor="des" refForName="parentText1" op="lte"/>
+                  <dgm:constr type="primFontSz" for="des" forName="childText3" refType="primFontSz" refFor="des" refForName="parentText1" op="lte"/>
+                  <dgm:constr type="primFontSz" for="des" forName="childText4" refType="primFontSz" refFor="des" refForName="parentText1" op="lte"/>
+                  <dgm:constr type="primFontSz" for="des" forName="childText1" refType="primFontSz" refFor="des" refForName="parentText2" op="lte"/>
+                  <dgm:constr type="primFontSz" for="des" forName="childText2" refType="primFontSz" refFor="des" refForName="parentText2" op="lte"/>
+                  <dgm:constr type="primFontSz" for="des" forName="childText3" refType="primFontSz" refFor="des" refForName="parentText2" op="lte"/>
+                  <dgm:constr type="primFontSz" for="des" forName="childText4" refType="primFontSz" refFor="des" refForName="parentText2" op="lte"/>
+                  <dgm:constr type="primFontSz" for="des" forName="childText1" refType="primFontSz" refFor="des" refForName="parentText3" op="lte"/>
+                  <dgm:constr type="primFontSz" for="des" forName="childText2" refType="primFontSz" refFor="des" refForName="parentText3" op="lte"/>
+                  <dgm:constr type="primFontSz" for="des" forName="childText3" refType="primFontSz" refFor="des" refForName="parentText3" op="lte"/>
+                  <dgm:constr type="primFontSz" for="des" forName="childText4" refType="primFontSz" refFor="des" refForName="parentText3" op="lte"/>
+                  <dgm:constr type="primFontSz" for="des" forName="childText1" refType="primFontSz" refFor="des" refForName="parentText4" op="lte"/>
+                  <dgm:constr type="primFontSz" for="des" forName="childText2" refType="primFontSz" refFor="des" refForName="parentText4" op="lte"/>
+                  <dgm:constr type="primFontSz" for="des" forName="childText3" refType="primFontSz" refFor="des" refForName="parentText4" op="lte"/>
+                  <dgm:constr type="primFontSz" for="des" forName="childText4" refType="primFontSz" refFor="des" refForName="parentText4" op="lte"/>
+                  <dgm:constr type="primFontSz" for="des" forName="parentText2" refType="primFontSz" refFor="des" refForName="parentText1" op="equ"/>
+                  <dgm:constr type="primFontSz" for="des" forName="parentText3" refType="primFontSz" refFor="des" refForName="parentText1" op="equ"/>
+                  <dgm:constr type="primFontSz" for="des" forName="parentText4" refType="primFontSz" refFor="des" refForName="parentText1" op="equ"/>
+                  <dgm:constr type="primFontSz" for="des" forName="childText2" refType="primFontSz" refFor="des" refForName="childText1" op="equ"/>
+                  <dgm:constr type="primFontSz" for="des" forName="childText3" refType="primFontSz" refFor="des" refForName="childText1" op="equ"/>
+                  <dgm:constr type="primFontSz" for="des" forName="childText4" refType="primFontSz" refFor="des" refForName="childText1" op="equ"/>
+                  <dgm:constr type="l" for="ch" forName="childText1" refType="w" fact="0"/>
+                  <dgm:constr type="t" for="ch" forName="childText1" refType="h" fact="0.218"/>
+                  <dgm:constr type="w" for="ch" forName="childText1" refType="w" fact="0.2305"/>
+                  <dgm:constr type="h" for="ch" forName="childText1" refType="h" fact="0.5218"/>
+                  <dgm:constr type="l" for="ch" forName="childText2" refType="w" fact="0.2305"/>
+                  <dgm:constr type="t" for="ch" forName="childText2" refType="h" fact="0.312"/>
+                  <dgm:constr type="w" for="ch" forName="childText2" refType="w" fact="0.2305"/>
+                  <dgm:constr type="h" for="ch" forName="childText2" refType="h" fact="0.5085"/>
+                  <dgm:constr type="l" for="ch" forName="childText3" refType="w" fact="0.461"/>
+                  <dgm:constr type="t" for="ch" forName="childText3" refType="h" fact="0.406"/>
+                  <dgm:constr type="w" for="ch" forName="childText3" refType="w" fact="0.2305"/>
+                  <dgm:constr type="h" for="ch" forName="childText3" refType="h" fact="0.5119"/>
+                  <dgm:constr type="l" for="ch" forName="childText4" refType="w" fact="0.6915"/>
+                  <dgm:constr type="t" for="ch" forName="childText4" refType="h" fact="0.5"/>
+                  <dgm:constr type="w" for="ch" forName="childText4" refType="w" fact="0.2326"/>
+                  <dgm:constr type="h" for="ch" forName="childText4" refType="h" fact="0.5179"/>
+                  <dgm:constr type="l" for="ch" forName="parentText1" refType="w" fact="0"/>
+                  <dgm:constr type="t" for="ch" forName="parentText1" refType="h" fact="0"/>
+                  <dgm:constr type="w" for="ch" forName="parentText1" refType="w"/>
+                  <dgm:constr type="h" for="ch" forName="parentText1" refType="h" fact="0.2821"/>
+                  <dgm:constr type="l" for="ch" forName="parentText2" refType="w" fact="0.2305"/>
+                  <dgm:constr type="t" for="ch" forName="parentText2" refType="h" fact="0.094"/>
+                  <dgm:constr type="w" for="ch" forName="parentText2" refType="w" fact="0.7695"/>
+                  <dgm:constr type="h" for="ch" forName="parentText2" refType="h" fact="0.2821"/>
+                  <dgm:constr type="l" for="ch" forName="parentText3" refType="w" fact="0.461"/>
+                  <dgm:constr type="t" for="ch" forName="parentText3" refType="h" fact="0.188"/>
+                  <dgm:constr type="w" for="ch" forName="parentText3" refType="w" fact="0.539"/>
+                  <dgm:constr type="h" for="ch" forName="parentText3" refType="h" fact="0.2821"/>
+                  <dgm:constr type="l" for="ch" forName="parentText4" refType="w" fact="0.6915"/>
+                  <dgm:constr type="t" for="ch" forName="parentText4" refType="h" fact="0.282"/>
+                  <dgm:constr type="w" for="ch" forName="parentText4" refType="w" fact="0.3085"/>
+                  <dgm:constr type="h" for="ch" forName="parentText4" refType="h" fact="0.2821"/>
+                </dgm:constrLst>
+              </dgm:if>
+              <dgm:else name="Name41">
+                <dgm:constrLst>
+                  <dgm:constr type="primFontSz" for="des" forName="childText1" val="65"/>
+                  <dgm:constr type="primFontSz" for="des" forName="parentText1" val="65"/>
+                  <dgm:constr type="primFontSz" for="des" forName="childText1" refType="primFontSz" refFor="des" refForName="parentText1" op="lte"/>
+                  <dgm:constr type="primFontSz" for="des" forName="childText2" refType="primFontSz" refFor="des" refForName="parentText1" op="lte"/>
+                  <dgm:constr type="primFontSz" for="des" forName="childText3" refType="primFontSz" refFor="des" refForName="parentText1" op="lte"/>
+                  <dgm:constr type="primFontSz" for="des" forName="childText4" refType="primFontSz" refFor="des" refForName="parentText1" op="lte"/>
+                  <dgm:constr type="primFontSz" for="des" forName="childText1" refType="primFontSz" refFor="des" refForName="parentText2" op="lte"/>
+                  <dgm:constr type="primFontSz" for="des" forName="childText2" refType="primFontSz" refFor="des" refForName="parentText2" op="lte"/>
+                  <dgm:constr type="primFontSz" for="des" forName="childText3" refType="primFontSz" refFor="des" refForName="parentText2" op="lte"/>
+                  <dgm:constr type="primFontSz" for="des" forName="childText4" refType="primFontSz" refFor="des" refForName="parentText2" op="lte"/>
+                  <dgm:constr type="primFontSz" for="des" forName="childText1" refType="primFontSz" refFor="des" refForName="parentText3" op="lte"/>
+                  <dgm:constr type="primFontSz" for="des" forName="childText2" refType="primFontSz" refFor="des" refForName="parentText3" op="lte"/>
+                  <dgm:constr type="primFontSz" for="des" forName="childText3" refType="primFontSz" refFor="des" refForName="parentText3" op="lte"/>
+                  <dgm:constr type="primFontSz" for="des" forName="childText4" refType="primFontSz" refFor="des" refForName="parentText3" op="lte"/>
+                  <dgm:constr type="primFontSz" for="des" forName="childText1" refType="primFontSz" refFor="des" refForName="parentText4" op="lte"/>
+                  <dgm:constr type="primFontSz" for="des" forName="childText2" refType="primFontSz" refFor="des" refForName="parentText4" op="lte"/>
+                  <dgm:constr type="primFontSz" for="des" forName="childText3" refType="primFontSz" refFor="des" refForName="parentText4" op="lte"/>
+                  <dgm:constr type="primFontSz" for="des" forName="childText4" refType="primFontSz" refFor="des" refForName="parentText4" op="lte"/>
+                  <dgm:constr type="primFontSz" for="des" forName="parentText2" refType="primFontSz" refFor="des" refForName="parentText1" op="equ"/>
+                  <dgm:constr type="primFontSz" for="des" forName="parentText3" refType="primFontSz" refFor="des" refForName="parentText1" op="equ"/>
+                  <dgm:constr type="primFontSz" for="des" forName="parentText4" refType="primFontSz" refFor="des" refForName="parentText1" op="equ"/>
+                  <dgm:constr type="primFontSz" for="des" forName="childText2" refType="primFontSz" refFor="des" refForName="childText1" op="equ"/>
+                  <dgm:constr type="primFontSz" for="des" forName="childText3" refType="primFontSz" refFor="des" refForName="childText1" op="equ"/>
+                  <dgm:constr type="primFontSz" for="des" forName="childText4" refType="primFontSz" refFor="des" refForName="childText1" op="equ"/>
+                  <dgm:constr type="l" for="ch" forName="childText1" refType="w" fact="0.7695"/>
+                  <dgm:constr type="t" for="ch" forName="childText1" refType="h" fact="0.218"/>
+                  <dgm:constr type="w" for="ch" forName="childText1" refType="w" fact="0.2305"/>
+                  <dgm:constr type="h" for="ch" forName="childText1" refType="h" fact="0.5218"/>
+                  <dgm:constr type="l" for="ch" forName="childText2" refType="w" fact="0.539"/>
+                  <dgm:constr type="t" for="ch" forName="childText2" refType="h" fact="0.312"/>
+                  <dgm:constr type="w" for="ch" forName="childText2" refType="w" fact="0.2305"/>
+                  <dgm:constr type="h" for="ch" forName="childText2" refType="h" fact="0.5085"/>
+                  <dgm:constr type="l" for="ch" forName="childText3" refType="w" fact="0.3085"/>
+                  <dgm:constr type="t" for="ch" forName="childText3" refType="h" fact="0.406"/>
+                  <dgm:constr type="w" for="ch" forName="childText3" refType="w" fact="0.2305"/>
+                  <dgm:constr type="h" for="ch" forName="childText3" refType="h" fact="0.5119"/>
+                  <dgm:constr type="l" for="ch" forName="childText4" refType="w" fact="0.076"/>
+                  <dgm:constr type="t" for="ch" forName="childText4" refType="h" fact="0.5"/>
+                  <dgm:constr type="w" for="ch" forName="childText4" refType="w" fact="0.2346"/>
+                  <dgm:constr type="h" for="ch" forName="childText4" refType="h" fact="0.5179"/>
+                  <dgm:constr type="l" for="ch" forName="parentText1" refType="w" fact="0"/>
+                  <dgm:constr type="t" for="ch" forName="parentText1" refType="h" fact="0"/>
+                  <dgm:constr type="w" for="ch" forName="parentText1" refType="w"/>
+                  <dgm:constr type="h" for="ch" forName="parentText1" refType="h" fact="0.2821"/>
+                  <dgm:constr type="l" for="ch" forName="parentText2" refType="w" fact="0"/>
+                  <dgm:constr type="t" for="ch" forName="parentText2" refType="h" fact="0.094"/>
+                  <dgm:constr type="w" for="ch" forName="parentText2" refType="w" fact="0.7695"/>
+                  <dgm:constr type="h" for="ch" forName="parentText2" refType="h" fact="0.2821"/>
+                  <dgm:constr type="l" for="ch" forName="parentText3" refType="w" fact="0"/>
+                  <dgm:constr type="t" for="ch" forName="parentText3" refType="h" fact="0.188"/>
+                  <dgm:constr type="w" for="ch" forName="parentText3" refType="w" fact="0.539"/>
+                  <dgm:constr type="h" for="ch" forName="parentText3" refType="h" fact="0.2821"/>
+                  <dgm:constr type="l" for="ch" forName="parentText4" refType="w" fact="0"/>
+                  <dgm:constr type="t" for="ch" forName="parentText4" refType="h" fact="0.282"/>
+                  <dgm:constr type="w" for="ch" forName="parentText4" refType="w" fact="0.3085"/>
+                  <dgm:constr type="h" for="ch" forName="parentText4" refType="h" fact="0.2821"/>
+                </dgm:constrLst>
+              </dgm:else>
+            </dgm:choose>
+          </dgm:else>
+        </dgm:choose>
+      </dgm:if>
+      <dgm:else name="Name42">
+        <dgm:choose name="Name43">
+          <dgm:if name="Name44" axis="ch ch" ptType="node node" func="cnt" op="equ" val="0">
+            <dgm:alg type="composite">
+              <dgm:param type="ar" val="2.9463"/>
+            </dgm:alg>
+            <dgm:choose name="Name45">
+              <dgm:if name="Name46" func="var" arg="dir" op="equ" val="norm">
+                <dgm:constrLst>
+                  <dgm:constr type="primFontSz" for="des" forName="parentText1" val="65"/>
+                  <dgm:constr type="primFontSz" for="des" forName="parentText2" refType="primFontSz" refFor="des" refForName="parentText1" op="equ"/>
+                  <dgm:constr type="primFontSz" for="des" forName="parentText3" refType="primFontSz" refFor="des" refForName="parentText1" op="equ"/>
+                  <dgm:constr type="primFontSz" for="des" forName="parentText4" refType="primFontSz" refFor="des" refForName="parentText1" op="equ"/>
+                  <dgm:constr type="primFontSz" for="des" forName="parentText5" refType="primFontSz" refFor="des" refForName="parentText1" op="equ"/>
+                  <dgm:constr type="l" for="ch" forName="parentText1" refType="w" fact="0"/>
+                  <dgm:constr type="t" for="ch" forName="parentText1" refType="h" fact="0"/>
+                  <dgm:constr type="w" for="ch" forName="parentText1" refType="w"/>
+                  <dgm:constr type="h" for="ch" forName="parentText1" refType="h" fact="0.4285"/>
+                  <dgm:constr type="l" for="ch" forName="parentText2" refType="w" fact="0.1848"/>
+                  <dgm:constr type="t" for="ch" forName="parentText2" refType="h" fact="0.1429"/>
+                  <dgm:constr type="w" for="ch" forName="parentText2" refType="w" fact="0.8152"/>
+                  <dgm:constr type="h" for="ch" forName="parentText2" refType="h" fact="0.4285"/>
+                  <dgm:constr type="l" for="ch" forName="parentText3" refType="w" fact="0.3696"/>
+                  <dgm:constr type="t" for="ch" forName="parentText3" refType="h" fact="0.2858"/>
+                  <dgm:constr type="w" for="ch" forName="parentText3" refType="w" fact="0.6304"/>
+                  <dgm:constr type="h" for="ch" forName="parentText3" refType="h" fact="0.4285"/>
+                  <dgm:constr type="l" for="ch" forName="parentText4" refType="w" fact="0.5545"/>
+                  <dgm:constr type="t" for="ch" forName="parentText4" refType="h" fact="0.4286"/>
+                  <dgm:constr type="w" for="ch" forName="parentText4" refType="w" fact="0.4455"/>
+                  <dgm:constr type="h" for="ch" forName="parentText4" refType="h" fact="0.4285"/>
+                  <dgm:constr type="l" for="ch" forName="parentText5" refType="w" fact="0.7393"/>
+                  <dgm:constr type="t" for="ch" forName="parentText5" refType="h" fact="0.5715"/>
+                  <dgm:constr type="w" for="ch" forName="parentText5" refType="w" fact="0.2607"/>
+                  <dgm:constr type="h" for="ch" forName="parentText5" refType="h" fact="0.4285"/>
+                </dgm:constrLst>
+              </dgm:if>
+              <dgm:else name="Name47">
+                <dgm:constrLst>
+                  <dgm:constr type="primFontSz" for="des" forName="parentText1" val="65"/>
+                  <dgm:constr type="primFontSz" for="des" forName="parentText2" refType="primFontSz" refFor="des" refForName="parentText1" op="equ"/>
+                  <dgm:constr type="primFontSz" for="des" forName="parentText3" refType="primFontSz" refFor="des" refForName="parentText1" op="equ"/>
+                  <dgm:constr type="primFontSz" for="des" forName="parentText4" refType="primFontSz" refFor="des" refForName="parentText1" op="equ"/>
+                  <dgm:constr type="primFontSz" for="des" forName="parentText5" refType="primFontSz" refFor="des" refForName="parentText1" op="equ"/>
+                  <dgm:constr type="l" for="ch" forName="parentText1" refType="w" fact="0"/>
+                  <dgm:constr type="t" for="ch" forName="parentText1" refType="h" fact="0"/>
+                  <dgm:constr type="w" for="ch" forName="parentText1" refType="w"/>
+                  <dgm:constr type="h" for="ch" forName="parentText1" refType="h" fact="0.4285"/>
+                  <dgm:constr type="l" for="ch" forName="parentText2" refType="w" fact="0"/>
+                  <dgm:constr type="t" for="ch" forName="parentText2" refType="h" fact="0.1429"/>
+                  <dgm:constr type="w" for="ch" forName="parentText2" refType="w" fact="0.8152"/>
+                  <dgm:constr type="h" for="ch" forName="parentText2" refType="h" fact="0.4285"/>
+                  <dgm:constr type="l" for="ch" forName="parentText3" refType="w" fact="0"/>
+                  <dgm:constr type="t" for="ch" forName="parentText3" refType="h" fact="0.2858"/>
+                  <dgm:constr type="w" for="ch" forName="parentText3" refType="w" fact="0.6304"/>
+                  <dgm:constr type="h" for="ch" forName="parentText3" refType="h" fact="0.4285"/>
+                  <dgm:constr type="l" for="ch" forName="parentText4" refType="w" fact="0"/>
+                  <dgm:constr type="t" for="ch" forName="parentText4" refType="h" fact="0.4286"/>
+                  <dgm:constr type="w" for="ch" forName="parentText4" refType="w" fact="0.4455"/>
+                  <dgm:constr type="h" for="ch" forName="parentText4" refType="h" fact="0.4285"/>
+                  <dgm:constr type="l" for="ch" forName="parentText5" refType="w" fact="0"/>
+                  <dgm:constr type="t" for="ch" forName="parentText5" refType="h" fact="0.5715"/>
+                  <dgm:constr type="w" for="ch" forName="parentText5" refType="w" fact="0.2607"/>
+                  <dgm:constr type="h" for="ch" forName="parentText5" refType="h" fact="0.4285"/>
+                </dgm:constrLst>
+              </dgm:else>
+            </dgm:choose>
+          </dgm:if>
+          <dgm:else name="Name48">
+            <dgm:alg type="composite">
+              <dgm:param type="ar" val="1.7837"/>
+            </dgm:alg>
+            <dgm:choose name="Name49">
+              <dgm:if name="Name50" func="var" arg="dir" op="equ" val="norm">
+                <dgm:constrLst>
+                  <dgm:constr type="primFontSz" for="des" forName="childText1" val="65"/>
+                  <dgm:constr type="primFontSz" for="des" forName="parentText1" val="65"/>
+                  <dgm:constr type="primFontSz" for="des" forName="childText1" refType="primFontSz" refFor="des" refForName="parentText1" op="lte"/>
+                  <dgm:constr type="primFontSz" for="des" forName="childText2" refType="primFontSz" refFor="des" refForName="parentText1" op="lte"/>
+                  <dgm:constr type="primFontSz" for="des" forName="childText3" refType="primFontSz" refFor="des" refForName="parentText1" op="lte"/>
+                  <dgm:constr type="primFontSz" for="des" forName="childText4" refType="primFontSz" refFor="des" refForName="parentText1" op="lte"/>
+                  <dgm:constr type="primFontSz" for="des" forName="childText5" refType="primFontSz" refFor="des" refForName="parentText1" op="lte"/>
+                  <dgm:constr type="primFontSz" for="des" forName="childText1" refType="primFontSz" refFor="des" refForName="parentText2" op="lte"/>
+                  <dgm:constr type="primFontSz" for="des" forName="childText2" refType="primFontSz" refFor="des" refForName="parentText2" op="lte"/>
+                  <dgm:constr type="primFontSz" for="des" forName="childText3" refType="primFontSz" refFor="des" refForName="parentText2" op="lte"/>
+                  <dgm:constr type="primFontSz" for="des" forName="childText4" refType="primFontSz" refFor="des" refForName="parentText2" op="lte"/>
+                  <dgm:constr type="primFontSz" for="des" forName="childText5" refType="primFontSz" refFor="des" refForName="parentText2" op="lte"/>
+                  <dgm:constr type="primFontSz" for="des" forName="childText1" refType="primFontSz" refFor="des" refForName="parentText3" op="lte"/>
+                  <dgm:constr type="primFontSz" for="des" forName="childText2" refType="primFontSz" refFor="des" refForName="parentText3" op="lte"/>
+                  <dgm:constr type="primFontSz" for="des" forName="childText3" refType="primFontSz" refFor="des" refForName="parentText3" op="lte"/>
+                  <dgm:constr type="primFontSz" for="des" forName="childText4" refType="primFontSz" refFor="des" refForName="parentText3" op="lte"/>
+                  <dgm:constr type="primFontSz" for="des" forName="childText5" refType="primFontSz" refFor="des" refForName="parentText3" op="lte"/>
+                  <dgm:constr type="primFontSz" for="des" forName="childText1" refType="primFontSz" refFor="des" refForName="parentText4" op="lte"/>
+                  <dgm:constr type="primFontSz" for="des" forName="childText2" refType="primFontSz" refFor="des" refForName="parentText4" op="lte"/>
+                  <dgm:constr type="primFontSz" for="des" forName="childText3" refType="primFontSz" refFor="des" refForName="parentText4" op="lte"/>
+                  <dgm:constr type="primFontSz" for="des" forName="childText4" refType="primFontSz" refFor="des" refForName="parentText4" op="lte"/>
+                  <dgm:constr type="primFontSz" for="des" forName="childText5" refType="primFontSz" refFor="des" refForName="parentText4" op="lte"/>
+                  <dgm:constr type="primFontSz" for="des" forName="childText1" refType="primFontSz" refFor="des" refForName="parentText5" op="lte"/>
+                  <dgm:constr type="primFontSz" for="des" forName="childText2" refType="primFontSz" refFor="des" refForName="parentText5" op="lte"/>
+                  <dgm:constr type="primFontSz" for="des" forName="childText3" refType="primFontSz" refFor="des" refForName="parentText5" op="lte"/>
+                  <dgm:constr type="primFontSz" for="des" forName="childText4" refType="primFontSz" refFor="des" refForName="parentText5" op="lte"/>
+                  <dgm:constr type="primFontSz" for="des" forName="childText5" refType="primFontSz" refFor="des" refForName="parentText5" op="lte"/>
+                  <dgm:constr type="primFontSz" for="des" forName="parentText2" refType="primFontSz" refFor="des" refForName="parentText1" op="equ"/>
+                  <dgm:constr type="primFontSz" for="des" forName="parentText3" refType="primFontSz" refFor="des" refForName="parentText1" op="equ"/>
+                  <dgm:constr type="primFontSz" for="des" forName="parentText4" refType="primFontSz" refFor="des" refForName="parentText1" op="equ"/>
+                  <dgm:constr type="primFontSz" for="des" forName="parentText5" refType="primFontSz" refFor="des" refForName="parentText1" op="equ"/>
+                  <dgm:constr type="primFontSz" for="des" forName="childText2" refType="primFontSz" refFor="des" refForName="childText1" op="equ"/>
+                  <dgm:constr type="primFontSz" for="des" forName="childText3" refType="primFontSz" refFor="des" refForName="childText1" op="equ"/>
+                  <dgm:constr type="primFontSz" for="des" forName="childText4" refType="primFontSz" refFor="des" refForName="childText1" op="equ"/>
+                  <dgm:constr type="primFontSz" for="des" forName="childText5" refType="primFontSz" refFor="des" refForName="childText1" op="equ"/>
+                  <dgm:constr type="l" for="ch" forName="childText1" refType="w" fact="0"/>
+                  <dgm:constr type="t" for="ch" forName="childText1" refType="h" fact="0.1997"/>
+                  <dgm:constr type="w" for="ch" forName="childText1" refType="w" fact="0.18482"/>
+                  <dgm:constr type="h" for="ch" forName="childText1" refType="h" fact="0.4763"/>
+                  <dgm:constr type="l" for="ch" forName="childText2" refType="w" fact="0.1848"/>
+                  <dgm:constr type="t" for="ch" forName="childText2" refType="h" fact="0.2862"/>
+                  <dgm:constr type="w" for="ch" forName="childText2" refType="w" fact="0.18482"/>
+                  <dgm:constr type="h" for="ch" forName="childText2" refType="h" fact="0.4763"/>
+                  <dgm:constr type="l" for="ch" forName="childText3" refType="w" fact="0.3696"/>
+                  <dgm:constr type="t" for="ch" forName="childText3" refType="h" fact="0.3727"/>
+                  <dgm:constr type="w" for="ch" forName="childText3" refType="w" fact="0.18482"/>
+                  <dgm:constr type="h" for="ch" forName="childText3" refType="h" fact="0.4763"/>
+                  <dgm:constr type="l" for="ch" forName="childText4" refType="w" fact="0.5545"/>
+                  <dgm:constr type="t" for="ch" forName="childText4" refType="h" fact="0.4592"/>
+                  <dgm:constr type="w" for="ch" forName="childText4" refType="w" fact="0.18482"/>
+                  <dgm:constr type="h" for="ch" forName="childText4" refType="h" fact="0.4763"/>
+                  <dgm:constr type="l" for="ch" forName="childText5" refType="w" fact="0.7393"/>
+                  <dgm:constr type="t" for="ch" forName="childText5" refType="h" fact="0.5457"/>
+                  <dgm:constr type="w" for="ch" forName="childText5" refType="w" fact="0.18482"/>
+                  <dgm:constr type="h" for="ch" forName="childText5" refType="h" fact="0.4763"/>
+                  <dgm:constr type="l" for="ch" forName="parentText1" refType="w" fact="0"/>
+                  <dgm:constr type="t" for="ch" forName="parentText1" refType="h" fact="0"/>
+                  <dgm:constr type="w" for="ch" forName="parentText1" refType="w"/>
+                  <dgm:constr type="h" for="ch" forName="parentText1" refType="h" fact="0.2594"/>
+                  <dgm:constr type="l" for="ch" forName="parentText2" refType="w" fact="0.1848"/>
+                  <dgm:constr type="t" for="ch" forName="parentText2" refType="h" fact="0.0865"/>
+                  <dgm:constr type="w" for="ch" forName="parentText2" refType="w" fact="0.8152"/>
+                  <dgm:constr type="h" for="ch" forName="parentText2" refType="h" fact="0.2594"/>
+                  <dgm:constr type="l" for="ch" forName="parentText3" refType="w" fact="0.3696"/>
+                  <dgm:constr type="t" for="ch" forName="parentText3" refType="h" fact="0.173"/>
+                  <dgm:constr type="w" for="ch" forName="parentText3" refType="w" fact="0.6304"/>
+                  <dgm:constr type="h" for="ch" forName="parentText3" refType="h" fact="0.2594"/>
+                  <dgm:constr type="l" for="ch" forName="parentText4" refType="w" fact="0.5545"/>
+                  <dgm:constr type="t" for="ch" forName="parentText4" refType="h" fact="0.2595"/>
+                  <dgm:constr type="w" for="ch" forName="parentText4" refType="w" fact="0.4455"/>
+                  <dgm:constr type="h" for="ch" forName="parentText4" refType="h" fact="0.2594"/>
+                  <dgm:constr type="l" for="ch" forName="parentText5" refType="w" fact="0.7393"/>
+                  <dgm:constr type="t" for="ch" forName="parentText5" refType="h" fact="0.346"/>
+                  <dgm:constr type="w" for="ch" forName="parentText5" refType="w" fact="0.2607"/>
+                  <dgm:constr type="h" for="ch" forName="parentText5" refType="h" fact="0.2594"/>
+                </dgm:constrLst>
+              </dgm:if>
+              <dgm:else name="Name51">
+                <dgm:constrLst>
+                  <dgm:constr type="primFontSz" for="des" forName="childText1" val="65"/>
+                  <dgm:constr type="primFontSz" for="des" forName="parentText1" val="65"/>
+                  <dgm:constr type="primFontSz" for="des" forName="childText1" refType="primFontSz" refFor="des" refForName="parentText1" op="lte"/>
+                  <dgm:constr type="primFontSz" for="des" forName="childText2" refType="primFontSz" refFor="des" refForName="parentText1" op="lte"/>
+                  <dgm:constr type="primFontSz" for="des" forName="childText3" refType="primFontSz" refFor="des" refForName="parentText1" op="lte"/>
+                  <dgm:constr type="primFontSz" for="des" forName="childText4" refType="primFontSz" refFor="des" refForName="parentText1" op="lte"/>
+                  <dgm:constr type="primFontSz" for="des" forName="childText5" refType="primFontSz" refFor="des" refForName="parentText1" op="lte"/>
+                  <dgm:constr type="primFontSz" for="des" forName="childText1" refType="primFontSz" refFor="des" refForName="parentText2" op="lte"/>
+                  <dgm:constr type="primFontSz" for="des" forName="childText2" refType="primFontSz" refFor="des" refForName="parentText2" op="lte"/>
+                  <dgm:constr type="primFontSz" for="des" forName="childText3" refType="primFontSz" refFor="des" refForName="parentText2" op="lte"/>
+                  <dgm:constr type="primFontSz" for="des" forName="childText4" refType="primFontSz" refFor="des" refForName="parentText2" op="lte"/>
+                  <dgm:constr type="primFontSz" for="des" forName="childText5" refType="primFontSz" refFor="des" refForName="parentText2" op="lte"/>
+                  <dgm:constr type="primFontSz" for="des" forName="childText1" refType="primFontSz" refFor="des" refForName="parentText3" op="lte"/>
+                  <dgm:constr type="primFontSz" for="des" forName="childText2" refType="primFontSz" refFor="des" refForName="parentText3" op="lte"/>
+                  <dgm:constr type="primFontSz" for="des" forName="childText3" refType="primFontSz" refFor="des" refForName="parentText3" op="lte"/>
+                  <dgm:constr type="primFontSz" for="des" forName="childText4" refType="primFontSz" refFor="des" refForName="parentText3" op="lte"/>
+                  <dgm:constr type="primFontSz" for="des" forName="childText5" refType="primFontSz" refFor="des" refForName="parentText3" op="lte"/>
+                  <dgm:constr type="primFontSz" for="des" forName="childText1" refType="primFontSz" refFor="des" refForName="parentText4" op="lte"/>
+                  <dgm:constr type="primFontSz" for="des" forName="childText2" refType="primFontSz" refFor="des" refForName="parentText4" op="lte"/>
+                  <dgm:constr type="primFontSz" for="des" forName="childText3" refType="primFontSz" refFor="des" refForName="parentText4" op="lte"/>
+                  <dgm:constr type="primFontSz" for="des" forName="childText4" refType="primFontSz" refFor="des" refForName="parentText4" op="lte"/>
+                  <dgm:constr type="primFontSz" for="des" forName="childText5" refType="primFontSz" refFor="des" refForName="parentText4" op="lte"/>
+                  <dgm:constr type="primFontSz" for="des" forName="childText1" refType="primFontSz" refFor="des" refForName="parentText5" op="lte"/>
+                  <dgm:constr type="primFontSz" for="des" forName="childText2" refType="primFontSz" refFor="des" refForName="parentText5" op="lte"/>
+                  <dgm:constr type="primFontSz" for="des" forName="childText3" refType="primFontSz" refFor="des" refForName="parentText5" op="lte"/>
+                  <dgm:constr type="primFontSz" for="des" forName="childText4" refType="primFontSz" refFor="des" refForName="parentText5" op="lte"/>
+                  <dgm:constr type="primFontSz" for="des" forName="childText5" refType="primFontSz" refFor="des" refForName="parentText5" op="lte"/>
+                  <dgm:constr type="primFontSz" for="des" forName="parentText2" refType="primFontSz" refFor="des" refForName="parentText1" op="equ"/>
+                  <dgm:constr type="primFontSz" for="des" forName="parentText3" refType="primFontSz" refFor="des" refForName="parentText1" op="equ"/>
+                  <dgm:constr type="primFontSz" for="des" forName="parentText4" refType="primFontSz" refFor="des" refForName="parentText1" op="equ"/>
+                  <dgm:constr type="primFontSz" for="des" forName="parentText5" refType="primFontSz" refFor="des" refForName="parentText1" op="equ"/>
+                  <dgm:constr type="primFontSz" for="des" forName="childText2" refType="primFontSz" refFor="des" refForName="childText1" op="equ"/>
+                  <dgm:constr type="primFontSz" for="des" forName="childText3" refType="primFontSz" refFor="des" refForName="childText1" op="equ"/>
+                  <dgm:constr type="primFontSz" for="des" forName="childText4" refType="primFontSz" refFor="des" refForName="childText1" op="equ"/>
+                  <dgm:constr type="primFontSz" for="des" forName="childText5" refType="primFontSz" refFor="des" refForName="childText1" op="equ"/>
+                  <dgm:constr type="l" for="ch" forName="childText1" refType="w" fact="0.81518"/>
+                  <dgm:constr type="t" for="ch" forName="childText1" refType="h" fact="0.1997"/>
+                  <dgm:constr type="w" for="ch" forName="childText1" refType="w" fact="0.18482"/>
+                  <dgm:constr type="h" for="ch" forName="childText1" refType="h" fact="0.4763"/>
+                  <dgm:constr type="l" for="ch" forName="childText2" refType="w" fact="0.63036"/>
+                  <dgm:constr type="t" for="ch" forName="childText2" refType="h" fact="0.2862"/>
+                  <dgm:constr type="w" for="ch" forName="childText2" refType="w" fact="0.18482"/>
+                  <dgm:constr type="h" for="ch" forName="childText2" refType="h" fact="0.4763"/>
+                  <dgm:constr type="l" for="ch" forName="childText3" refType="w" fact="0.44554"/>
+                  <dgm:constr type="t" for="ch" forName="childText3" refType="h" fact="0.3727"/>
+                  <dgm:constr type="w" for="ch" forName="childText3" refType="w" fact="0.18482"/>
+                  <dgm:constr type="h" for="ch" forName="childText3" refType="h" fact="0.4763"/>
+                  <dgm:constr type="l" for="ch" forName="childText4" refType="w" fact="0.26072"/>
+                  <dgm:constr type="t" for="ch" forName="childText4" refType="h" fact="0.4592"/>
+                  <dgm:constr type="w" for="ch" forName="childText4" refType="w" fact="0.18482"/>
+                  <dgm:constr type="h" for="ch" forName="childText4" refType="h" fact="0.4763"/>
+                  <dgm:constr type="l" for="ch" forName="childText5" refType="w" fact="0.0759"/>
+                  <dgm:constr type="t" for="ch" forName="childText5" refType="h" fact="0.5457"/>
+                  <dgm:constr type="w" for="ch" forName="childText5" refType="w" fact="0.18482"/>
+                  <dgm:constr type="h" for="ch" forName="childText5" refType="h" fact="0.4763"/>
+                  <dgm:constr type="l" for="ch" forName="parentText1" refType="w" fact="0"/>
+                  <dgm:constr type="t" for="ch" forName="parentText1" refType="h" fact="0"/>
+                  <dgm:constr type="w" for="ch" forName="parentText1" refType="w"/>
+                  <dgm:constr type="h" for="ch" forName="parentText1" refType="h" fact="0.2594"/>
+                  <dgm:constr type="l" for="ch" forName="parentText2" refType="w" fact="0"/>
+                  <dgm:constr type="t" for="ch" forName="parentText2" refType="h" fact="0.0865"/>
+                  <dgm:constr type="w" for="ch" forName="parentText2" refType="w" fact="0.8152"/>
+                  <dgm:constr type="h" for="ch" forName="parentText2" refType="h" fact="0.2594"/>
+                  <dgm:constr type="l" for="ch" forName="parentText3" refType="w" fact="0"/>
+                  <dgm:constr type="t" for="ch" forName="parentText3" refType="h" fact="0.173"/>
+                  <dgm:constr type="w" for="ch" forName="parentText3" refType="w" fact="0.6304"/>
+                  <dgm:constr type="h" for="ch" forName="parentText3" refType="h" fact="0.2594"/>
+                  <dgm:constr type="l" for="ch" forName="parentText4" refType="w" fact="0"/>
+                  <dgm:constr type="t" for="ch" forName="parentText4" refType="h" fact="0.2595"/>
+                  <dgm:constr type="w" for="ch" forName="parentText4" refType="w" fact="0.4455"/>
+                  <dgm:constr type="h" for="ch" forName="parentText4" refType="h" fact="0.2594"/>
+                  <dgm:constr type="l" for="ch" forName="parentText5" refType="w" fact="0"/>
+                  <dgm:constr type="t" for="ch" forName="parentText5" refType="h" fact="0.346"/>
+                  <dgm:constr type="w" for="ch" forName="parentText5" refType="w" fact="0.2607"/>
+                  <dgm:constr type="h" for="ch" forName="parentText5" refType="h" fact="0.2594"/>
+                </dgm:constrLst>
+              </dgm:else>
+            </dgm:choose>
+          </dgm:else>
+        </dgm:choose>
+      </dgm:else>
+    </dgm:choose>
+    <dgm:forEach name="Name52" axis="ch" ptType="node" cnt="1">
+      <dgm:layoutNode name="parentText1" styleLbl="node1">
+        <dgm:varLst>
+          <dgm:chMax/>
+          <dgm:chPref val="3"/>
+          <dgm:bulletEnabled val="1"/>
+        </dgm:varLst>
+        <dgm:choose name="Name53">
+          <dgm:if name="Name54" func="var" arg="dir" op="equ" val="norm">
+            <dgm:alg type="tx">
+              <dgm:param type="parTxLTRAlign" val="l"/>
+            </dgm:alg>
+            <dgm:shape xmlns:r="http://schemas.openxmlformats.org/officeDocument/2006/relationships" type="rightArrow" r:blip="">
+              <dgm:adjLst>
+                <dgm:adj idx="1" val="0.5"/>
+                <dgm:adj idx="2" val="0.5"/>
+              </dgm:adjLst>
+            </dgm:shape>
+            <dgm:constrLst>
+              <dgm:constr type="lMarg" refType="primFontSz" fact="0.3"/>
+              <dgm:constr type="rMarg" val="20"/>
+              <dgm:constr type="tMarg" refType="primFontSz" fact="0.3"/>
+              <dgm:constr type="bMarg" refType="h" fact="0.45"/>
+            </dgm:constrLst>
+          </dgm:if>
+          <dgm:else name="Name55">
+            <dgm:alg type="tx">
+              <dgm:param type="parTxLTRAlign" val="r"/>
+            </dgm:alg>
+            <dgm:shape xmlns:r="http://schemas.openxmlformats.org/officeDocument/2006/relationships" type="leftArrow" r:blip="">
+              <dgm:adjLst>
+                <dgm:adj idx="1" val="0.5"/>
+                <dgm:adj idx="2" val="0.5"/>
+              </dgm:adjLst>
+            </dgm:shape>
+            <dgm:constrLst>
+              <dgm:constr type="lMarg" val="20"/>
+              <dgm:constr type="rMarg" refType="primFontSz" fact="0.3"/>
+              <dgm:constr type="tMarg" refType="primFontSz" fact="0.3"/>
+              <dgm:constr type="bMarg" refType="h" fact="0.45"/>
+            </dgm:constrLst>
+          </dgm:else>
+        </dgm:choose>
+        <dgm:presOf axis="self" ptType="node"/>
+        <dgm:ruleLst>
+          <dgm:rule type="primFontSz" val="5" fact="NaN" max="NaN"/>
+        </dgm:ruleLst>
+      </dgm:layoutNode>
+      <dgm:choose name="Name56">
+        <dgm:if name="Name57" axis="ch" ptType="node" func="cnt" op="gte" val="1">
+          <dgm:layoutNode name="childText1" styleLbl="solidAlignAcc1">
+            <dgm:varLst>
+              <dgm:chMax val="0"/>
+              <dgm:chPref val="0"/>
+              <dgm:bulletEnabled val="1"/>
+            </dgm:varLst>
+            <dgm:alg type="tx">
+              <dgm:param type="txAnchorVert" val="t"/>
+              <dgm:param type="parTxLTRAlign" val="l"/>
+            </dgm:alg>
+            <dgm:shape xmlns:r="http://schemas.openxmlformats.org/officeDocument/2006/relationships" type="rect" r:blip="">
+              <dgm:adjLst/>
+            </dgm:shape>
+            <dgm:presOf axis="des" ptType="node"/>
+            <dgm:constrLst>
+              <dgm:constr type="lMarg" refType="primFontSz" fact="0.3"/>
+              <dgm:constr type="rMarg" refType="primFontSz" fact="0.3"/>
+              <dgm:constr type="tMarg" refType="primFontSz" fact="0.3"/>
+              <dgm:constr type="bMarg" refType="primFontSz" fact="0.3"/>
+            </dgm:constrLst>
+            <dgm:ruleLst>
+              <dgm:rule type="primFontSz" val="5" fact="NaN" max="NaN"/>
+            </dgm:ruleLst>
+          </dgm:layoutNode>
+        </dgm:if>
+        <dgm:else name="Name58"/>
+      </dgm:choose>
+    </dgm:forEach>
+    <dgm:forEach name="Name59" axis="ch" ptType="node" st="2" cnt="1">
+      <dgm:layoutNode name="parentText2" styleLbl="node1">
+        <dgm:varLst>
+          <dgm:chMax/>
+          <dgm:chPref val="3"/>
+          <dgm:bulletEnabled val="1"/>
+        </dgm:varLst>
+        <dgm:choose name="Name60">
+          <dgm:if name="Name61" func="var" arg="dir" op="equ" val="norm">
+            <dgm:alg type="tx">
+              <dgm:param type="parTxLTRAlign" val="l"/>
+            </dgm:alg>
+            <dgm:shape xmlns:r="http://schemas.openxmlformats.org/officeDocument/2006/relationships" type="rightArrow" r:blip="">
+              <dgm:adjLst>
+                <dgm:adj idx="1" val="0.5"/>
+                <dgm:adj idx="2" val="0.5"/>
+              </dgm:adjLst>
+            </dgm:shape>
+            <dgm:constrLst>
+              <dgm:constr type="lMarg" refType="primFontSz" fact="0.3"/>
+              <dgm:constr type="rMarg" val="20"/>
+              <dgm:constr type="tMarg" refType="primFontSz" fact="0.3"/>
+              <dgm:constr type="bMarg" refType="h" fact="0.45"/>
+            </dgm:constrLst>
+          </dgm:if>
+          <dgm:else name="Name62">
+            <dgm:alg type="tx">
+              <dgm:param type="parTxLTRAlign" val="r"/>
+            </dgm:alg>
+            <dgm:shape xmlns:r="http://schemas.openxmlformats.org/officeDocument/2006/relationships" type="leftArrow" r:blip="">
+              <dgm:adjLst>
+                <dgm:adj idx="1" val="0.5"/>
+                <dgm:adj idx="2" val="0.5"/>
+              </dgm:adjLst>
+            </dgm:shape>
+            <dgm:constrLst>
+              <dgm:constr type="lMarg" val="20"/>
+              <dgm:constr type="rMarg" refType="primFontSz" fact="0.3"/>
+              <dgm:constr type="tMarg" refType="primFontSz" fact="0.3"/>
+              <dgm:constr type="bMarg" refType="h" fact="0.45"/>
+            </dgm:constrLst>
+          </dgm:else>
+        </dgm:choose>
+        <dgm:presOf axis="self" ptType="node"/>
+        <dgm:ruleLst>
+          <dgm:rule type="primFontSz" val="5" fact="NaN" max="NaN"/>
+        </dgm:ruleLst>
+      </dgm:layoutNode>
+      <dgm:choose name="Name63">
+        <dgm:if name="Name64" axis="ch" ptType="node" func="cnt" op="gte" val="1">
+          <dgm:layoutNode name="childText2" styleLbl="solidAlignAcc1">
+            <dgm:varLst>
+              <dgm:chMax val="0"/>
+              <dgm:chPref val="0"/>
+              <dgm:bulletEnabled val="1"/>
+            </dgm:varLst>
+            <dgm:alg type="tx">
+              <dgm:param type="txAnchorVert" val="t"/>
+              <dgm:param type="parTxLTRAlign" val="l"/>
+            </dgm:alg>
+            <dgm:shape xmlns:r="http://schemas.openxmlformats.org/officeDocument/2006/relationships" type="rect" r:blip="">
+              <dgm:adjLst/>
+            </dgm:shape>
+            <dgm:presOf axis="des" ptType="node"/>
+            <dgm:constrLst>
+              <dgm:constr type="lMarg" refType="primFontSz" fact="0.3"/>
+              <dgm:constr type="rMarg" refType="primFontSz" fact="0.3"/>
+              <dgm:constr type="tMarg" refType="primFontSz" fact="0.3"/>
+              <dgm:constr type="bMarg" refType="primFontSz" fact="0.3"/>
+            </dgm:constrLst>
+            <dgm:ruleLst>
+              <dgm:rule type="primFontSz" val="5" fact="NaN" max="NaN"/>
+            </dgm:ruleLst>
+          </dgm:layoutNode>
+        </dgm:if>
+        <dgm:else name="Name65"/>
+      </dgm:choose>
+    </dgm:forEach>
+    <dgm:forEach name="Name66" axis="ch" ptType="node" st="3" cnt="1">
+      <dgm:layoutNode name="parentText3" styleLbl="node1">
+        <dgm:varLst>
+          <dgm:chMax/>
+          <dgm:chPref val="3"/>
+          <dgm:bulletEnabled val="1"/>
+        </dgm:varLst>
+        <dgm:choose name="Name67">
+          <dgm:if name="Name68" func="var" arg="dir" op="equ" val="norm">
+            <dgm:alg type="tx">
+              <dgm:param type="parTxLTRAlign" val="l"/>
+            </dgm:alg>
+            <dgm:shape xmlns:r="http://schemas.openxmlformats.org/officeDocument/2006/relationships" type="rightArrow" r:blip="">
+              <dgm:adjLst>
+                <dgm:adj idx="1" val="0.5"/>
+                <dgm:adj idx="2" val="0.5"/>
+              </dgm:adjLst>
+            </dgm:shape>
+            <dgm:constrLst>
+              <dgm:constr type="lMarg" refType="primFontSz" fact="0.3"/>
+              <dgm:constr type="rMarg" val="20"/>
+              <dgm:constr type="tMarg" refType="primFontSz" fact="0.3"/>
+              <dgm:constr type="bMarg" refType="h" fact="0.45"/>
+            </dgm:constrLst>
+          </dgm:if>
+          <dgm:else name="Name69">
+            <dgm:alg type="tx">
+              <dgm:param type="parTxLTRAlign" val="r"/>
+            </dgm:alg>
+            <dgm:shape xmlns:r="http://schemas.openxmlformats.org/officeDocument/2006/relationships" type="leftArrow" r:blip="">
+              <dgm:adjLst>
+                <dgm:adj idx="1" val="0.5"/>
+                <dgm:adj idx="2" val="0.5"/>
+              </dgm:adjLst>
+            </dgm:shape>
+            <dgm:constrLst>
+              <dgm:constr type="lMarg" val="20"/>
+              <dgm:constr type="rMarg" refType="primFontSz" fact="0.3"/>
+              <dgm:constr type="tMarg" refType="primFontSz" fact="0.3"/>
+              <dgm:constr type="bMarg" refType="h" fact="0.45"/>
+            </dgm:constrLst>
+          </dgm:else>
+        </dgm:choose>
+        <dgm:presOf axis="self" ptType="node"/>
+        <dgm:ruleLst>
+          <dgm:rule type="primFontSz" val="5" fact="NaN" max="NaN"/>
+        </dgm:ruleLst>
+      </dgm:layoutNode>
+      <dgm:choose name="Name70">
+        <dgm:if name="Name71" axis="ch" ptType="node" func="cnt" op="gte" val="1">
+          <dgm:layoutNode name="childText3" styleLbl="solidAlignAcc1">
+            <dgm:varLst>
+              <dgm:chMax val="0"/>
+              <dgm:chPref val="0"/>
+              <dgm:bulletEnabled val="1"/>
+            </dgm:varLst>
+            <dgm:alg type="tx">
+              <dgm:param type="txAnchorVert" val="t"/>
+              <dgm:param type="parTxLTRAlign" val="l"/>
+            </dgm:alg>
+            <dgm:shape xmlns:r="http://schemas.openxmlformats.org/officeDocument/2006/relationships" type="rect" r:blip="">
+              <dgm:adjLst/>
+            </dgm:shape>
+            <dgm:presOf axis="des" ptType="node"/>
+            <dgm:constrLst>
+              <dgm:constr type="lMarg" refType="primFontSz" fact="0.3"/>
+              <dgm:constr type="rMarg" refType="primFontSz" fact="0.3"/>
+              <dgm:constr type="tMarg" refType="primFontSz" fact="0.3"/>
+              <dgm:constr type="bMarg" refType="primFontSz" fact="0.3"/>
+            </dgm:constrLst>
+            <dgm:ruleLst>
+              <dgm:rule type="primFontSz" val="5" fact="NaN" max="NaN"/>
+            </dgm:ruleLst>
+          </dgm:layoutNode>
+        </dgm:if>
+        <dgm:else name="Name72"/>
+      </dgm:choose>
+    </dgm:forEach>
+    <dgm:forEach name="Name73" axis="ch" ptType="node" st="4" cnt="1">
+      <dgm:layoutNode name="parentText4" styleLbl="node1">
+        <dgm:varLst>
+          <dgm:chMax/>
+          <dgm:chPref val="3"/>
+          <dgm:bulletEnabled val="1"/>
+        </dgm:varLst>
+        <dgm:choose name="Name74">
+          <dgm:if name="Name75" func="var" arg="dir" op="equ" val="norm">
+            <dgm:alg type="tx">
+              <dgm:param type="parTxLTRAlign" val="l"/>
+            </dgm:alg>
+            <dgm:shape xmlns:r="http://schemas.openxmlformats.org/officeDocument/2006/relationships" type="rightArrow" r:blip="">
+              <dgm:adjLst>
+                <dgm:adj idx="1" val="0.5"/>
+                <dgm:adj idx="2" val="0.5"/>
+              </dgm:adjLst>
+            </dgm:shape>
+            <dgm:constrLst>
+              <dgm:constr type="lMarg" refType="primFontSz" fact="0.3"/>
+              <dgm:constr type="rMarg" val="20"/>
+              <dgm:constr type="tMarg" refType="primFontSz" fact="0.3"/>
+              <dgm:constr type="bMarg" refType="h" fact="0.45"/>
+            </dgm:constrLst>
+          </dgm:if>
+          <dgm:else name="Name76">
+            <dgm:alg type="tx">
+              <dgm:param type="parTxLTRAlign" val="r"/>
+            </dgm:alg>
+            <dgm:shape xmlns:r="http://schemas.openxmlformats.org/officeDocument/2006/relationships" type="leftArrow" r:blip="">
+              <dgm:adjLst>
+                <dgm:adj idx="1" val="0.5"/>
+                <dgm:adj idx="2" val="0.5"/>
+              </dgm:adjLst>
+            </dgm:shape>
+            <dgm:constrLst>
+              <dgm:constr type="lMarg" val="20"/>
+              <dgm:constr type="rMarg" refType="primFontSz" fact="0.3"/>
+              <dgm:constr type="tMarg" refType="primFontSz" fact="0.3"/>
+              <dgm:constr type="bMarg" refType="h" fact="0.45"/>
+            </dgm:constrLst>
+          </dgm:else>
+        </dgm:choose>
+        <dgm:presOf axis="self" ptType="node"/>
+        <dgm:ruleLst>
+          <dgm:rule type="primFontSz" val="5" fact="NaN" max="NaN"/>
+        </dgm:ruleLst>
+      </dgm:layoutNode>
+      <dgm:choose name="Name77">
+        <dgm:if name="Name78" axis="ch" ptType="node" func="cnt" op="gte" val="1">
+          <dgm:layoutNode name="childText4" styleLbl="solidAlignAcc1">
+            <dgm:varLst>
+              <dgm:chMax val="0"/>
+              <dgm:chPref val="0"/>
+              <dgm:bulletEnabled val="1"/>
+            </dgm:varLst>
+            <dgm:alg type="tx">
+              <dgm:param type="txAnchorVert" val="t"/>
+              <dgm:param type="parTxLTRAlign" val="l"/>
+            </dgm:alg>
+            <dgm:shape xmlns:r="http://schemas.openxmlformats.org/officeDocument/2006/relationships" type="rect" r:blip="">
+              <dgm:adjLst/>
+            </dgm:shape>
+            <dgm:presOf axis="des" ptType="node"/>
+            <dgm:constrLst>
+              <dgm:constr type="lMarg" refType="primFontSz" fact="0.3"/>
+              <dgm:constr type="rMarg" refType="primFontSz" fact="0.3"/>
+              <dgm:constr type="tMarg" refType="primFontSz" fact="0.3"/>
+              <dgm:constr type="bMarg" refType="primFontSz" fact="0.3"/>
+            </dgm:constrLst>
+            <dgm:ruleLst>
+              <dgm:rule type="primFontSz" val="5" fact="NaN" max="NaN"/>
+            </dgm:ruleLst>
+          </dgm:layoutNode>
+        </dgm:if>
+        <dgm:else name="Name79"/>
+      </dgm:choose>
+    </dgm:forEach>
+    <dgm:forEach name="Name80" axis="ch" ptType="node" st="5" cnt="1">
+      <dgm:layoutNode name="parentText5" styleLbl="node1">
+        <dgm:varLst>
+          <dgm:chMax/>
+          <dgm:chPref val="3"/>
+          <dgm:bulletEnabled val="1"/>
+        </dgm:varLst>
+        <dgm:choose name="Name81">
+          <dgm:if name="Name82" func="var" arg="dir" op="equ" val="norm">
+            <dgm:alg type="tx">
+              <dgm:param type="parTxLTRAlign" val="l"/>
+            </dgm:alg>
+            <dgm:shape xmlns:r="http://schemas.openxmlformats.org/officeDocument/2006/relationships" type="rightArrow" r:blip="">
+              <dgm:adjLst>
+                <dgm:adj idx="1" val="0.5"/>
+                <dgm:adj idx="2" val="0.5"/>
+              </dgm:adjLst>
+            </dgm:shape>
+            <dgm:constrLst>
+              <dgm:constr type="lMarg" refType="primFontSz" fact="0.3"/>
+              <dgm:constr type="rMarg" val="20"/>
+              <dgm:constr type="tMarg" refType="primFontSz" fact="0.3"/>
+              <dgm:constr type="bMarg" refType="h" fact="0.45"/>
+            </dgm:constrLst>
+          </dgm:if>
+          <dgm:else name="Name83">
+            <dgm:alg type="tx">
+              <dgm:param type="parTxLTRAlign" val="r"/>
+            </dgm:alg>
+            <dgm:shape xmlns:r="http://schemas.openxmlformats.org/officeDocument/2006/relationships" type="leftArrow" r:blip="">
+              <dgm:adjLst>
+                <dgm:adj idx="1" val="0.5"/>
+                <dgm:adj idx="2" val="0.5"/>
+              </dgm:adjLst>
+            </dgm:shape>
+            <dgm:constrLst>
+              <dgm:constr type="lMarg" val="20"/>
+              <dgm:constr type="rMarg" refType="primFontSz" fact="0.3"/>
+              <dgm:constr type="tMarg" refType="primFontSz" fact="0.3"/>
+              <dgm:constr type="bMarg" refType="h" fact="0.45"/>
+            </dgm:constrLst>
+          </dgm:else>
+        </dgm:choose>
+        <dgm:presOf axis="self" ptType="node"/>
+        <dgm:ruleLst>
+          <dgm:rule type="primFontSz" val="5" fact="NaN" max="NaN"/>
+        </dgm:ruleLst>
+      </dgm:layoutNode>
+      <dgm:choose name="Name84">
+        <dgm:if name="Name85" axis="ch" ptType="node" func="cnt" op="gte" val="1">
+          <dgm:layoutNode name="childText5" styleLbl="solidAlignAcc1">
+            <dgm:varLst>
+              <dgm:chMax val="0"/>
+              <dgm:chPref val="0"/>
+              <dgm:bulletEnabled val="1"/>
+            </dgm:varLst>
+            <dgm:alg type="tx">
+              <dgm:param type="txAnchorVert" val="t"/>
+              <dgm:param type="parTxLTRAlign" val="l"/>
+            </dgm:alg>
+            <dgm:shape xmlns:r="http://schemas.openxmlformats.org/officeDocument/2006/relationships" type="rect" r:blip="">
+              <dgm:adjLst/>
+            </dgm:shape>
+            <dgm:presOf axis="des" ptType="node"/>
+            <dgm:constrLst>
+              <dgm:constr type="lMarg" refType="primFontSz" fact="0.3"/>
+              <dgm:constr type="rMarg" refType="primFontSz" fact="0.3"/>
+              <dgm:constr type="tMarg" refType="primFontSz" fact="0.3"/>
+              <dgm:constr type="bMarg" refType="primFontSz" fact="0.3"/>
+            </dgm:constrLst>
+            <dgm:ruleLst>
+              <dgm:rule type="primFontSz" val="5" fact="NaN" max="NaN"/>
+            </dgm:ruleLst>
+          </dgm:layoutNode>
+        </dgm:if>
+        <dgm:else name="Name86"/>
+      </dgm:choose>
+    </dgm:forEach>
+  </dgm:layoutNode>
+</dgm:layoutDef>
+</file>
+
+<file path=ppt/diagrams/quickStyle1.xml><?xml version="1.0" encoding="utf-8"?>
+<dgm:styleDef xmlns:dgm="http://schemas.openxmlformats.org/drawingml/2006/diagram" xmlns:a="http://schemas.openxmlformats.org/drawingml/2006/main" uniqueId="urn:microsoft.com/office/officeart/2005/8/quickstyle/simple1">
+  <dgm:title val=""/>
+  <dgm:desc val=""/>
+  <dgm:catLst>
+    <dgm:cat type="simple" pri="10100"/>
+  </dgm:catLst>
+  <dgm:scene3d>
+    <a:camera prst="orthographicFront"/>
+    <a:lightRig rig="threePt" dir="t"/>
+  </dgm:scene3d>
+  <dgm:styleLbl name="node0">
+    <dgm:scene3d>
+      <a:camera prst="orthographicFront"/>
+      <a:lightRig rig="threePt" dir="t"/>
+    </dgm:scene3d>
+    <dgm:sp3d/>
+    <dgm:txPr/>
+    <dgm:style>
+      <a:lnRef idx="2">
+        <a:scrgbClr r="0" g="0" b="0"/>
+      </a:lnRef>
+      <a:fillRef idx="1">
+        <a:scrgbClr r="0" g="0" b="0"/>
+      </a:fillRef>
+      <a:effectRef idx="0">
+        <a:scrgbClr r="0" g="0" b="0"/>
+      </a:effectRef>
+      <a:fontRef idx="minor">
+        <a:schemeClr val="lt1"/>
+      </a:fontRef>
+    </dgm:style>
+  </dgm:styleLbl>
+  <dgm:styleLbl name="lnNode1">
+    <dgm:scene3d>
+      <a:camera prst="orthographicFront"/>
+      <a:lightRig rig="threePt" dir="t"/>
+    </dgm:scene3d>
+    <dgm:sp3d/>
+    <dgm:txPr/>
+    <dgm:style>
+      <a:lnRef idx="2">
+        <a:scrgbClr r="0" g="0" b="0"/>
+      </a:lnRef>
+      <a:fillRef idx="1">
+        <a:scrgbClr r="0" g="0" b="0"/>
+      </a:fillRef>
+      <a:effectRef idx="0">
+        <a:scrgbClr r="0" g="0" b="0"/>
+      </a:effectRef>
+      <a:fontRef idx="minor">
+        <a:schemeClr val="lt1"/>
+      </a:fontRef>
+    </dgm:style>
+  </dgm:styleLbl>
+  <dgm:styleLbl name="vennNode1">
+    <dgm:scene3d>
+      <a:camera prst="orthographicFront"/>
+      <a:lightRig rig="threePt" dir="t"/>
+    </dgm:scene3d>
+    <dgm:sp3d/>
+    <dgm:txPr/>
+    <dgm:style>
+      <a:lnRef idx="2">
+        <a:scrgbClr r="0" g="0" b="0"/>
+      </a:lnRef>
+      <a:fillRef idx="1">
+        <a:scrgbClr r="0" g="0" b="0"/>
+      </a:fillRef>
+      <a:effectRef idx="0">
+        <a:scrgbClr r="0" g="0" b="0"/>
+      </a:effectRef>
+      <a:fontRef idx="minor">
+        <a:schemeClr val="tx1"/>
+      </a:fontRef>
+    </dgm:style>
+  </dgm:styleLbl>
+  <dgm:styleLbl name="alignNode1">
+    <dgm:scene3d>
+      <a:camera prst="orthographicFront"/>
+      <a:lightRig rig="threePt" dir="t"/>
+    </dgm:scene3d>
+    <dgm:sp3d/>
+    <dgm:txPr/>
+    <dgm:style>
+      <a:lnRef idx="2">
+        <a:scrgbClr r="0" g="0" b="0"/>
+      </a:lnRef>
+      <a:fillRef idx="1">
+        <a:scrgbClr r="0" g="0" b="0"/>
+      </a:fillRef>
+      <a:effectRef idx="0">
+        <a:scrgbClr r="0" g="0" b="0"/>
+      </a:effectRef>
+      <a:fontRef idx="minor">
+        <a:schemeClr val="lt1"/>
+      </a:fontRef>
+    </dgm:style>
+  </dgm:styleLbl>
+  <dgm:styleLbl name="node1">
+    <dgm:scene3d>
+      <a:camera prst="orthographicFront"/>
+      <a:lightRig rig="threePt" dir="t"/>
+    </dgm:scene3d>
+    <dgm:sp3d/>
+    <dgm:txPr/>
+    <dgm:style>
+      <a:lnRef idx="2">
+        <a:scrgbClr r="0" g="0" b="0"/>
+      </a:lnRef>
+      <a:fillRef idx="1">
+        <a:scrgbClr r="0" g="0" b="0"/>
+      </a:fillRef>
+      <a:effectRef idx="0">
+        <a:scrgbClr r="0" g="0" b="0"/>
+      </a:effectRef>
+      <a:fontRef idx="minor">
+        <a:schemeClr val="lt1"/>
+      </a:fontRef>
+    </dgm:style>
+  </dgm:styleLbl>
+  <dgm:styleLbl name="node2">
+    <dgm:scene3d>
+      <a:camera prst="orthographicFront"/>
+      <a:lightRig rig="threePt" dir="t"/>
+    </dgm:scene3d>
+    <dgm:sp3d/>
+    <dgm:txPr/>
+    <dgm:style>
+      <a:lnRef idx="2">
+        <a:scrgbClr r="0" g="0" b="0"/>
+      </a:lnRef>
+      <a:fillRef idx="1">
+        <a:scrgbClr r="0" g="0" b="0"/>
+      </a:fillRef>
+      <a:effectRef idx="0">
+        <a:scrgbClr r="0" g="0" b="0"/>
+      </a:effectRef>
+      <a:fontRef idx="minor">
+        <a:schemeClr val="lt1"/>
+      </a:fontRef>
+    </dgm:style>
+  </dgm:styleLbl>
+  <dgm:styleLbl name="node3">
+    <dgm:scene3d>
+      <a:camera prst="orthographicFront"/>
+      <a:lightRig rig="threePt" dir="t"/>
+    </dgm:scene3d>
+    <dgm:sp3d/>
+    <dgm:txPr/>
+    <dgm:style>
+      <a:lnRef idx="2">
+        <a:scrgbClr r="0" g="0" b="0"/>
+      </a:lnRef>
+      <a:fillRef idx="1">
+        <a:scrgbClr r="0" g="0" b="0"/>
+      </a:fillRef>
+      <a:effectRef idx="0">
+        <a:scrgbClr r="0" g="0" b="0"/>
+      </a:effectRef>
+      <a:fontRef idx="minor">
+        <a:schemeClr val="lt1"/>
+      </a:fontRef>
+    </dgm:style>
+  </dgm:styleLbl>
+  <dgm:styleLbl name="node4">
+    <dgm:scene3d>
+      <a:camera prst="orthographicFront"/>
+      <a:lightRig rig="threePt" dir="t"/>
+    </dgm:scene3d>
+    <dgm:sp3d/>
+    <dgm:txPr/>
+    <dgm:style>
+      <a:lnRef idx="2">
+        <a:scrgbClr r="0" g="0" b="0"/>
+      </a:lnRef>
+      <a:fillRef idx="1">
+        <a:scrgbClr r="0" g="0" b="0"/>
+      </a:fillRef>
+      <a:effectRef idx="0">
+        <a:scrgbClr r="0" g="0" b="0"/>
+      </a:effectRef>
+      <a:fontRef idx="minor">
+        <a:schemeClr val="lt1"/>
+      </a:fontRef>
+    </dgm:style>
+  </dgm:styleLbl>
+  <dgm:styleLbl name="fgImgPlace1">
+    <dgm:scene3d>
+      <a:camera prst="orthographicFront"/>
+      <a:lightRig rig="threePt" dir="t"/>
+    </dgm:scene3d>
+    <dgm:sp3d/>
+    <dgm:txPr/>
+    <dgm:style>
+      <a:lnRef idx="2">
+        <a:scrgbClr r="0" g="0" b="0"/>
+      </a:lnRef>
+      <a:fillRef idx="1">
+        <a:scrgbClr r="0" g="0" b="0"/>
+      </a:fillRef>
+      <a:effectRef idx="0">
+        <a:scrgbClr r="0" g="0" b="0"/>
+      </a:effectRef>
+      <a:fontRef idx="minor"/>
+    </dgm:style>
+  </dgm:styleLbl>
+  <dgm:styleLbl name="alignImgPlace1">
+    <dgm:scene3d>
+      <a:camera prst="orthographicFront"/>
+      <a:lightRig rig="threePt" dir="t"/>
+    </dgm:scene3d>
+    <dgm:sp3d/>
+    <dgm:txPr/>
+    <dgm:style>
+      <a:lnRef idx="2">
+        <a:scrgbClr r="0" g="0" b="0"/>
+      </a:lnRef>
+      <a:fillRef idx="1">
+        <a:scrgbClr r="0" g="0" b="0"/>
+      </a:fillRef>
+      <a:effectRef idx="0">
+        <a:scrgbClr r="0" g="0" b="0"/>
+      </a:effectRef>
+      <a:fontRef idx="minor"/>
+    </dgm:style>
+  </dgm:styleLbl>
+  <dgm:styleLbl name="bgImgPlace1">
+    <dgm:scene3d>
+      <a:camera prst="orthographicFront"/>
+      <a:lightRig rig="threePt" dir="t"/>
+    </dgm:scene3d>
+    <dgm:sp3d/>
+    <dgm:txPr/>
+    <dgm:style>
+      <a:lnRef idx="2">
+        <a:scrgbClr r="0" g="0" b="0"/>
+      </a:lnRef>
+      <a:fillRef idx="1">
+        <a:scrgbClr r="0" g="0" b="0"/>
+      </a:fillRef>
+      <a:effectRef idx="0">
+        <a:scrgbClr r="0" g="0" b="0"/>
+      </a:effectRef>
+      <a:fontRef idx="minor"/>
+    </dgm:style>
+  </dgm:styleLbl>
+  <dgm:styleLbl name="sibTrans2D1">
+    <dgm:scene3d>
+      <a:camera prst="orthographicFront"/>
+      <a:lightRig rig="threePt" dir="t"/>
+    </dgm:scene3d>
+    <dgm:sp3d/>
+    <dgm:txPr/>
+    <dgm:style>
+      <a:lnRef idx="0">
+        <a:scrgbClr r="0" g="0" b="0"/>
+      </a:lnRef>
+      <a:fillRef idx="1">
+        <a:scrgbClr r="0" g="0" b="0"/>
+      </a:fillRef>
+      <a:effectRef idx="0">
+        <a:scrgbClr r="0" g="0" b="0"/>
+      </a:effectRef>
+      <a:fontRef idx="minor">
+        <a:schemeClr val="lt1"/>
+      </a:fontRef>
+    </dgm:style>
+  </dgm:styleLbl>
+  <dgm:styleLbl name="fgSibTrans2D1">
+    <dgm:scene3d>
+      <a:camera prst="orthographicFront"/>
+      <a:lightRig rig="threePt" dir="t"/>
+    </dgm:scene3d>
+    <dgm:sp3d/>
+    <dgm:txPr/>
+    <dgm:style>
+      <a:lnRef idx="0">
+        <a:scrgbClr r="0" g="0" b="0"/>
+      </a:lnRef>
+      <a:fillRef idx="1">
+        <a:scrgbClr r="0" g="0" b="0"/>
+      </a:fillRef>
+      <a:effectRef idx="0">
+        <a:scrgbClr r="0" g="0" b="0"/>
+      </a:effectRef>
+      <a:fontRef idx="minor">
+        <a:schemeClr val="lt1"/>
+      </a:fontRef>
+    </dgm:style>
+  </dgm:styleLbl>
+  <dgm:styleLbl name="bgSibTrans2D1">
+    <dgm:scene3d>
+      <a:camera prst="orthographicFront"/>
+      <a:lightRig rig="threePt" dir="t"/>
+    </dgm:scene3d>
+    <dgm:sp3d/>
+    <dgm:txPr/>
+    <dgm:style>
+      <a:lnRef idx="0">
+        <a:scrgbClr r="0" g="0" b="0"/>
+      </a:lnRef>
+      <a:fillRef idx="1">
+        <a:scrgbClr r="0" g="0" b="0"/>
+      </a:fillRef>
+      <a:effectRef idx="0">
+        <a:scrgbClr r="0" g="0" b="0"/>
+      </a:effectRef>
+      <a:fontRef idx="minor">
+        <a:schemeClr val="lt1"/>
+      </a:fontRef>
+    </dgm:style>
+  </dgm:styleLbl>
+  <dgm:styleLbl name="sibTrans1D1">
+    <dgm:scene3d>
+      <a:camera prst="orthographicFront"/>
+      <a:lightRig rig="threePt" dir="t"/>
+    </dgm:scene3d>
+    <dgm:sp3d/>
+    <dgm:txPr/>
+    <dgm:style>
+      <a:lnRef idx="1">
+        <a:scrgbClr r="0" g="0" b="0"/>
+      </a:lnRef>
+      <a:fillRef idx="0">
+        <a:scrgbClr r="0" g="0" b="0"/>
+      </a:fillRef>
+      <a:effectRef idx="0">
+        <a:scrgbClr r="0" g="0" b="0"/>
+      </a:effectRef>
+      <a:fontRef idx="minor"/>
+    </dgm:style>
+  </dgm:styleLbl>
+  <dgm:styleLbl name="callout">
+    <dgm:scene3d>
+      <a:camera prst="orthographicFront"/>
+      <a:lightRig rig="threePt" dir="t"/>
+    </dgm:scene3d>
+    <dgm:sp3d/>
+    <dgm:txPr/>
+    <dgm:style>
+      <a:lnRef idx="2">
+        <a:scrgbClr r="0" g="0" b="0"/>
+      </a:lnRef>
+      <a:fillRef idx="1">
+        <a:scrgbClr r="0" g="0" b="0"/>
+      </a:fillRef>
+      <a:effectRef idx="0">
+        <a:scrgbClr r="0" g="0" b="0"/>
+      </a:effectRef>
+      <a:fontRef idx="minor"/>
+    </dgm:style>
+  </dgm:styleLbl>
+  <dgm:styleLbl name="asst0">
+    <dgm:scene3d>
+      <a:camera prst="orthographicFront"/>
+      <a:lightRig rig="threePt" dir="t"/>
+    </dgm:scene3d>
+    <dgm:sp3d/>
+    <dgm:txPr/>
+    <dgm:style>
+      <a:lnRef idx="2">
+        <a:scrgbClr r="0" g="0" b="0"/>
+      </a:lnRef>
+      <a:fillRef idx="1">
+        <a:scrgbClr r="0" g="0" b="0"/>
+      </a:fillRef>
+      <a:effectRef idx="0">
+        <a:scrgbClr r="0" g="0" b="0"/>
+      </a:effectRef>
+      <a:fontRef idx="minor">
+        <a:schemeClr val="lt1"/>
+      </a:fontRef>
+    </dgm:style>
+  </dgm:styleLbl>
+  <dgm:styleLbl name="asst1">
+    <dgm:scene3d>
+      <a:camera prst="orthographicFront"/>
+      <a:lightRig rig="threePt" dir="t"/>
+    </dgm:scene3d>
+    <dgm:sp3d/>
+    <dgm:txPr/>
+    <dgm:style>
+      <a:lnRef idx="2">
+        <a:scrgbClr r="0" g="0" b="0"/>
+      </a:lnRef>
+      <a:fillRef idx="1">
+        <a:scrgbClr r="0" g="0" b="0"/>
+      </a:fillRef>
+      <a:effectRef idx="0">
+        <a:scrgbClr r="0" g="0" b="0"/>
+      </a:effectRef>
+      <a:fontRef idx="minor">
+        <a:schemeClr val="lt1"/>
+      </a:fontRef>
+    </dgm:style>
+  </dgm:styleLbl>
+  <dgm:styleLbl name="asst2">
+    <dgm:scene3d>
+      <a:camera prst="orthographicFront"/>
+      <a:lightRig rig="threePt" dir="t"/>
+    </dgm:scene3d>
+    <dgm:sp3d/>
+    <dgm:txPr/>
+    <dgm:style>
+      <a:lnRef idx="2">
+        <a:scrgbClr r="0" g="0" b="0"/>
+      </a:lnRef>
+      <a:fillRef idx="1">
+        <a:scrgbClr r="0" g="0" b="0"/>
+      </a:fillRef>
+      <a:effectRef idx="0">
+        <a:scrgbClr r="0" g="0" b="0"/>
+      </a:effectRef>
+      <a:fontRef idx="minor">
+        <a:schemeClr val="lt1"/>
+      </a:fontRef>
+    </dgm:style>
+  </dgm:styleLbl>
+  <dgm:styleLbl name="asst3">
+    <dgm:scene3d>
+      <a:camera prst="orthographicFront"/>
+      <a:lightRig rig="threePt" dir="t"/>
+    </dgm:scene3d>
+    <dgm:sp3d/>
+    <dgm:txPr/>
+    <dgm:style>
+      <a:lnRef idx="2">
+        <a:scrgbClr r="0" g="0" b="0"/>
+      </a:lnRef>
+      <a:fillRef idx="1">
+        <a:scrgbClr r="0" g="0" b="0"/>
+      </a:fillRef>
+      <a:effectRef idx="0">
+        <a:scrgbClr r="0" g="0" b="0"/>
+      </a:effectRef>
+      <a:fontRef idx="minor">
+        <a:schemeClr val="lt1"/>
+      </a:fontRef>
+    </dgm:style>
+  </dgm:styleLbl>
+  <dgm:styleLbl name="asst4">
+    <dgm:scene3d>
+      <a:camera prst="orthographicFront"/>
+      <a:lightRig rig="threePt" dir="t"/>
+    </dgm:scene3d>
+    <dgm:sp3d/>
+    <dgm:txPr/>
+    <dgm:style>
+      <a:lnRef idx="2">
+        <a:scrgbClr r="0" g="0" b="0"/>
+      </a:lnRef>
+      <a:fillRef idx="1">
+        <a:scrgbClr r="0" g="0" b="0"/>
+      </a:fillRef>
+      <a:effectRef idx="0">
+        <a:scrgbClr r="0" g="0" b="0"/>
+      </a:effectRef>
+      <a:fontRef idx="minor">
+        <a:schemeClr val="lt1"/>
+      </a:fontRef>
+    </dgm:style>
+  </dgm:styleLbl>
+  <dgm:styleLbl name="parChTrans2D1">
+    <dgm:scene3d>
+      <a:camera prst="orthographicFront"/>
+      <a:lightRig rig="threePt" dir="t"/>
+    </dgm:scene3d>
+    <dgm:sp3d/>
+    <dgm:txPr/>
+    <dgm:style>
+      <a:lnRef idx="2">
+        <a:scrgbClr r="0" g="0" b="0"/>
+      </a:lnRef>
+      <a:fillRef idx="1">
+        <a:scrgbClr r="0" g="0" b="0"/>
+      </a:fillRef>
+      <a:effectRef idx="0">
+        <a:scrgbClr r="0" g="0" b="0"/>
+      </a:effectRef>
+      <a:fontRef idx="minor">
+        <a:schemeClr val="lt1"/>
+      </a:fontRef>
+    </dgm:style>
+  </dgm:styleLbl>
+  <dgm:styleLbl name="parChTrans2D2">
+    <dgm:scene3d>
+      <a:camera prst="orthographicFront"/>
+      <a:lightRig rig="threePt" dir="t"/>
+    </dgm:scene3d>
+    <dgm:sp3d/>
+    <dgm:txPr/>
+    <dgm:style>
+      <a:lnRef idx="2">
+        <a:scrgbClr r="0" g="0" b="0"/>
+      </a:lnRef>
+      <a:fillRef idx="1">
+        <a:scrgbClr r="0" g="0" b="0"/>
+      </a:fillRef>
+      <a:effectRef idx="0">
+        <a:scrgbClr r="0" g="0" b="0"/>
+      </a:effectRef>
+      <a:fontRef idx="minor">
+        <a:schemeClr val="lt1"/>
+      </a:fontRef>
+    </dgm:style>
+  </dgm:styleLbl>
+  <dgm:styleLbl name="parChTrans2D3">
+    <dgm:scene3d>
+      <a:camera prst="orthographicFront"/>
+      <a:lightRig rig="threePt" dir="t"/>
+    </dgm:scene3d>
+    <dgm:sp3d/>
+    <dgm:txPr/>
+    <dgm:style>
+      <a:lnRef idx="2">
+        <a:scrgbClr r="0" g="0" b="0"/>
+      </a:lnRef>
+      <a:fillRef idx="1">
+        <a:scrgbClr r="0" g="0" b="0"/>
+      </a:fillRef>
+      <a:effectRef idx="0">
+        <a:scrgbClr r="0" g="0" b="0"/>
+      </a:effectRef>
+      <a:fontRef idx="minor">
+        <a:schemeClr val="lt1"/>
+      </a:fontRef>
+    </dgm:style>
+  </dgm:styleLbl>
+  <dgm:styleLbl name="parChTrans2D4">
+    <dgm:scene3d>
+      <a:camera prst="orthographicFront"/>
+      <a:lightRig rig="threePt" dir="t"/>
+    </dgm:scene3d>
+    <dgm:sp3d/>
+    <dgm:txPr/>
+    <dgm:style>
+      <a:lnRef idx="2">
+        <a:scrgbClr r="0" g="0" b="0"/>
+      </a:lnRef>
+      <a:fillRef idx="1">
+        <a:scrgbClr r="0" g="0" b="0"/>
+      </a:fillRef>
+      <a:effectRef idx="0">
+        <a:scrgbClr r="0" g="0" b="0"/>
+      </a:effectRef>
+      <a:fontRef idx="minor">
+        <a:schemeClr val="lt1"/>
+      </a:fontRef>
+    </dgm:style>
+  </dgm:styleLbl>
+  <dgm:styleLbl name="parChTrans1D1">
+    <dgm:scene3d>
+      <a:camera prst="orthographicFront"/>
+      <a:lightRig rig="threePt" dir="t"/>
+    </dgm:scene3d>
+    <dgm:sp3d/>
+    <dgm:txPr/>
+    <dgm:style>
+      <a:lnRef idx="2">
+        <a:scrgbClr r="0" g="0" b="0"/>
+      </a:lnRef>
+      <a:fillRef idx="0">
+        <a:scrgbClr r="0" g="0" b="0"/>
+      </a:fillRef>
+      <a:effectRef idx="0">
+        <a:scrgbClr r="0" g="0" b="0"/>
+      </a:effectRef>
+      <a:fontRef idx="minor"/>
+    </dgm:style>
+  </dgm:styleLbl>
+  <dgm:styleLbl name="parChTrans1D2">
+    <dgm:scene3d>
+      <a:camera prst="orthographicFront"/>
+      <a:lightRig rig="threePt" dir="t"/>
+    </dgm:scene3d>
+    <dgm:sp3d/>
+    <dgm:txPr/>
+    <dgm:style>
+      <a:lnRef idx="2">
+        <a:scrgbClr r="0" g="0" b="0"/>
+      </a:lnRef>
+      <a:fillRef idx="0">
+        <a:scrgbClr r="0" g="0" b="0"/>
+      </a:fillRef>
+      <a:effectRef idx="0">
+        <a:scrgbClr r="0" g="0" b="0"/>
+      </a:effectRef>
+      <a:fontRef idx="minor"/>
+    </dgm:style>
+  </dgm:styleLbl>
+  <dgm:styleLbl name="parChTrans1D3">
+    <dgm:scene3d>
+      <a:camera prst="orthographicFront"/>
+      <a:lightRig rig="threePt" dir="t"/>
+    </dgm:scene3d>
+    <dgm:sp3d/>
+    <dgm:txPr/>
+    <dgm:style>
+      <a:lnRef idx="2">
+        <a:scrgbClr r="0" g="0" b="0"/>
+      </a:lnRef>
+      <a:fillRef idx="0">
+        <a:scrgbClr r="0" g="0" b="0"/>
+      </a:fillRef>
+      <a:effectRef idx="0">
+        <a:scrgbClr r="0" g="0" b="0"/>
+      </a:effectRef>
+      <a:fontRef idx="minor"/>
+    </dgm:style>
+  </dgm:styleLbl>
+  <dgm:styleLbl name="parChTrans1D4">
+    <dgm:scene3d>
+      <a:camera prst="orthographicFront"/>
+      <a:lightRig rig="threePt" dir="t"/>
+    </dgm:scene3d>
+    <dgm:sp3d/>
+    <dgm:txPr/>
+    <dgm:style>
+      <a:lnRef idx="2">
+        <a:scrgbClr r="0" g="0" b="0"/>
+      </a:lnRef>
+      <a:fillRef idx="0">
+        <a:scrgbClr r="0" g="0" b="0"/>
+      </a:fillRef>
+      <a:effectRef idx="0">
+        <a:scrgbClr r="0" g="0" b="0"/>
+      </a:effectRef>
+      <a:fontRef idx="minor"/>
+    </dgm:style>
+  </dgm:styleLbl>
+  <dgm:styleLbl name="fgAcc1">
+    <dgm:scene3d>
+      <a:camera prst="orthographicFront"/>
+      <a:lightRig rig="threePt" dir="t"/>
+    </dgm:scene3d>
+    <dgm:sp3d/>
+    <dgm:txPr/>
+    <dgm:style>
+      <a:lnRef idx="2">
+        <a:scrgbClr r="0" g="0" b="0"/>
+      </a:lnRef>
+      <a:fillRef idx="1">
+        <a:scrgbClr r="0" g="0" b="0"/>
+      </a:fillRef>
+      <a:effectRef idx="0">
+        <a:scrgbClr r="0" g="0" b="0"/>
+      </a:effectRef>
+      <a:fontRef idx="minor"/>
+    </dgm:style>
+  </dgm:styleLbl>
+  <dgm:styleLbl name="conFgAcc1">
+    <dgm:scene3d>
+      <a:camera prst="orthographicFront"/>
+      <a:lightRig rig="threePt" dir="t"/>
+    </dgm:scene3d>
+    <dgm:sp3d/>
+    <dgm:txPr/>
+    <dgm:style>
+      <a:lnRef idx="2">
+        <a:scrgbClr r="0" g="0" b="0"/>
+      </a:lnRef>
+      <a:fillRef idx="1">
+        <a:scrgbClr r="0" g="0" b="0"/>
+      </a:fillRef>
+      <a:effectRef idx="0">
+        <a:scrgbClr r="0" g="0" b="0"/>
+      </a:effectRef>
+      <a:fontRef idx="minor"/>
+    </dgm:style>
+  </dgm:styleLbl>
+  <dgm:styleLbl name="alignAcc1">
+    <dgm:scene3d>
+      <a:camera prst="orthographicFront"/>
+      <a:lightRig rig="threePt" dir="t"/>
+    </dgm:scene3d>
+    <dgm:sp3d/>
+    <dgm:txPr/>
+    <dgm:style>
+      <a:lnRef idx="2">
+        <a:scrgbClr r="0" g="0" b="0"/>
+      </a:lnRef>
+      <a:fillRef idx="1">
+        <a:scrgbClr r="0" g="0" b="0"/>
+      </a:fillRef>
+      <a:effectRef idx="0">
+        <a:scrgbClr r="0" g="0" b="0"/>
+      </a:effectRef>
+      <a:fontRef idx="minor"/>
+    </dgm:style>
+  </dgm:styleLbl>
+  <dgm:styleLbl name="trAlignAcc1">
+    <dgm:scene3d>
+      <a:camera prst="orthographicFront"/>
+      <a:lightRig rig="threePt" dir="t"/>
+    </dgm:scene3d>
+    <dgm:sp3d/>
+    <dgm:txPr/>
+    <dgm:style>
+      <a:lnRef idx="1">
+        <a:scrgbClr r="0" g="0" b="0"/>
+      </a:lnRef>
+      <a:fillRef idx="1">
+        <a:scrgbClr r="0" g="0" b="0"/>
+      </a:fillRef>
+      <a:effectRef idx="0">
+        <a:scrgbClr r="0" g="0" b="0"/>
+      </a:effectRef>
+      <a:fontRef idx="minor"/>
+    </dgm:style>
+  </dgm:styleLbl>
+  <dgm:styleLbl name="bgAcc1">
+    <dgm:scene3d>
+      <a:camera prst="orthographicFront"/>
+      <a:lightRig rig="threePt" dir="t"/>
+    </dgm:scene3d>
+    <dgm:sp3d/>
+    <dgm:txPr/>
+    <dgm:style>
+      <a:lnRef idx="2">
+        <a:scrgbClr r="0" g="0" b="0"/>
+      </a:lnRef>
+      <a:fillRef idx="1">
+        <a:scrgbClr r="0" g="0" b="0"/>
+      </a:fillRef>
+      <a:effectRef idx="0">
+        <a:scrgbClr r="0" g="0" b="0"/>
+      </a:effectRef>
+      <a:fontRef idx="minor"/>
+    </dgm:style>
+  </dgm:styleLbl>
+  <dgm:styleLbl name="solidFgAcc1">
+    <dgm:scene3d>
+      <a:camera prst="orthographicFront"/>
+      <a:lightRig rig="threePt" dir="t"/>
+    </dgm:scene3d>
+    <dgm:sp3d/>
+    <dgm:txPr/>
+    <dgm:style>
+      <a:lnRef idx="2">
+        <a:scrgbClr r="0" g="0" b="0"/>
+      </a:lnRef>
+      <a:fillRef idx="1">
+        <a:scrgbClr r="0" g="0" b="0"/>
+      </a:fillRef>
+      <a:effectRef idx="0">
+        <a:scrgbClr r="0" g="0" b="0"/>
+      </a:effectRef>
+      <a:fontRef idx="minor"/>
+    </dgm:style>
+  </dgm:styleLbl>
+  <dgm:styleLbl name="solidAlignAcc1">
+    <dgm:scene3d>
+      <a:camera prst="orthographicFront"/>
+      <a:lightRig rig="threePt" dir="t"/>
+    </dgm:scene3d>
+    <dgm:sp3d/>
+    <dgm:txPr/>
+    <dgm:style>
+      <a:lnRef idx="2">
+        <a:scrgbClr r="0" g="0" b="0"/>
+      </a:lnRef>
+      <a:fillRef idx="1">
+        <a:scrgbClr r="0" g="0" b="0"/>
+      </a:fillRef>
+      <a:effectRef idx="0">
+        <a:scrgbClr r="0" g="0" b="0"/>
+      </a:effectRef>
+      <a:fontRef idx="minor"/>
+    </dgm:style>
+  </dgm:styleLbl>
+  <dgm:styleLbl name="solidBgAcc1">
+    <dgm:scene3d>
+      <a:camera prst="orthographicFront"/>
+      <a:lightRig rig="threePt" dir="t"/>
+    </dgm:scene3d>
+    <dgm:sp3d/>
+    <dgm:txPr/>
+    <dgm:style>
+      <a:lnRef idx="2">
+        <a:scrgbClr r="0" g="0" b="0"/>
+      </a:lnRef>
+      <a:fillRef idx="1">
+        <a:scrgbClr r="0" g="0" b="0"/>
+      </a:fillRef>
+      <a:effectRef idx="0">
+        <a:scrgbClr r="0" g="0" b="0"/>
+      </a:effectRef>
+      <a:fontRef idx="minor"/>
+    </dgm:style>
+  </dgm:styleLbl>
+  <dgm:styleLbl name="fgAccFollowNode1">
+    <dgm:scene3d>
+      <a:camera prst="orthographicFront"/>
+      <a:lightRig rig="threePt" dir="t"/>
+    </dgm:scene3d>
+    <dgm:sp3d/>
+    <dgm:txPr/>
+    <dgm:style>
+      <a:lnRef idx="2">
+        <a:scrgbClr r="0" g="0" b="0"/>
+      </a:lnRef>
+      <a:fillRef idx="1">
+        <a:scrgbClr r="0" g="0" b="0"/>
+      </a:fillRef>
+      <a:effectRef idx="0">
+        <a:scrgbClr r="0" g="0" b="0"/>
+      </a:effectRef>
+      <a:fontRef idx="minor"/>
+    </dgm:style>
+  </dgm:styleLbl>
+  <dgm:styleLbl name="alignAccFollowNode1">
+    <dgm:scene3d>
+      <a:camera prst="orthographicFront"/>
+      <a:lightRig rig="threePt" dir="t"/>
+    </dgm:scene3d>
+    <dgm:sp3d/>
+    <dgm:txPr/>
+    <dgm:style>
+      <a:lnRef idx="2">
+        <a:scrgbClr r="0" g="0" b="0"/>
+      </a:lnRef>
+      <a:fillRef idx="1">
+        <a:scrgbClr r="0" g="0" b="0"/>
+      </a:fillRef>
+      <a:effectRef idx="0">
+        <a:scrgbClr r="0" g="0" b="0"/>
+      </a:effectRef>
+      <a:fontRef idx="minor"/>
+    </dgm:style>
+  </dgm:styleLbl>
+  <dgm:styleLbl name="bgAccFollowNode1">
+    <dgm:scene3d>
+      <a:camera prst="orthographicFront"/>
+      <a:lightRig rig="threePt" dir="t"/>
+    </dgm:scene3d>
+    <dgm:sp3d/>
+    <dgm:txPr/>
+    <dgm:style>
+      <a:lnRef idx="2">
+        <a:scrgbClr r="0" g="0" b="0"/>
+      </a:lnRef>
+      <a:fillRef idx="1">
+        <a:scrgbClr r="0" g="0" b="0"/>
+      </a:fillRef>
+      <a:effectRef idx="0">
+        <a:scrgbClr r="0" g="0" b="0"/>
+      </a:effectRef>
+      <a:fontRef idx="minor"/>
+    </dgm:style>
+  </dgm:styleLbl>
+  <dgm:styleLbl name="fgAcc0">
+    <dgm:scene3d>
+      <a:camera prst="orthographicFront"/>
+      <a:lightRig rig="threePt" dir="t"/>
+    </dgm:scene3d>
+    <dgm:sp3d/>
+    <dgm:txPr/>
+    <dgm:style>
+      <a:lnRef idx="2">
+        <a:scrgbClr r="0" g="0" b="0"/>
+      </a:lnRef>
+      <a:fillRef idx="1">
+        <a:scrgbClr r="0" g="0" b="0"/>
+      </a:fillRef>
+      <a:effectRef idx="0">
+        <a:scrgbClr r="0" g="0" b="0"/>
+      </a:effectRef>
+      <a:fontRef idx="minor"/>
+    </dgm:style>
+  </dgm:styleLbl>
+  <dgm:styleLbl name="fgAcc2">
+    <dgm:scene3d>
+      <a:camera prst="orthographicFront"/>
+      <a:lightRig rig="threePt" dir="t"/>
+    </dgm:scene3d>
+    <dgm:sp3d/>
+    <dgm:txPr/>
+    <dgm:style>
+      <a:lnRef idx="2">
+        <a:scrgbClr r="0" g="0" b="0"/>
+      </a:lnRef>
+      <a:fillRef idx="1">
+        <a:scrgbClr r="0" g="0" b="0"/>
+      </a:fillRef>
+      <a:effectRef idx="0">
+        <a:scrgbClr r="0" g="0" b="0"/>
+      </a:effectRef>
+      <a:fontRef idx="minor"/>
+    </dgm:style>
+  </dgm:styleLbl>
+  <dgm:styleLbl name="fgAcc3">
+    <dgm:scene3d>
+      <a:camera prst="orthographicFront"/>
+      <a:lightRig rig="threePt" dir="t"/>
+    </dgm:scene3d>
+    <dgm:sp3d/>
+    <dgm:txPr/>
+    <dgm:style>
+      <a:lnRef idx="2">
+        <a:scrgbClr r="0" g="0" b="0"/>
+      </a:lnRef>
+      <a:fillRef idx="1">
+        <a:scrgbClr r="0" g="0" b="0"/>
+      </a:fillRef>
+      <a:effectRef idx="0">
+        <a:scrgbClr r="0" g="0" b="0"/>
+      </a:effectRef>
+      <a:fontRef idx="minor"/>
+    </dgm:style>
+  </dgm:styleLbl>
+  <dgm:styleLbl name="fgAcc4">
+    <dgm:scene3d>
+      <a:camera prst="orthographicFront"/>
+      <a:lightRig rig="threePt" dir="t"/>
+    </dgm:scene3d>
+    <dgm:sp3d/>
+    <dgm:txPr/>
+    <dgm:style>
+      <a:lnRef idx="2">
+        <a:scrgbClr r="0" g="0" b="0"/>
+      </a:lnRef>
+      <a:fillRef idx="1">
+        <a:scrgbClr r="0" g="0" b="0"/>
+      </a:fillRef>
+      <a:effectRef idx="0">
+        <a:scrgbClr r="0" g="0" b="0"/>
+      </a:effectRef>
+      <a:fontRef idx="minor"/>
+    </dgm:style>
+  </dgm:styleLbl>
+  <dgm:styleLbl name="bgShp">
+    <dgm:scene3d>
+      <a:camera prst="orthographicFront"/>
+      <a:lightRig rig="threePt" dir="t"/>
+    </dgm:scene3d>
+    <dgm:sp3d/>
+    <dgm:txPr/>
+    <dgm:style>
+      <a:lnRef idx="0">
+        <a:scrgbClr r="0" g="0" b="0"/>
+      </a:lnRef>
+      <a:fillRef idx="1">
+        <a:scrgbClr r="0" g="0" b="0"/>
+      </a:fillRef>
+      <a:effectRef idx="0">
+        <a:scrgbClr r="0" g="0" b="0"/>
+      </a:effectRef>
+      <a:fontRef idx="minor"/>
+    </dgm:style>
+  </dgm:styleLbl>
+  <dgm:styleLbl name="dkBgShp">
+    <dgm:scene3d>
+      <a:camera prst="orthographicFront"/>
+      <a:lightRig rig="threePt" dir="t"/>
+    </dgm:scene3d>
+    <dgm:sp3d/>
+    <dgm:txPr/>
+    <dgm:style>
+      <a:lnRef idx="0">
+        <a:scrgbClr r="0" g="0" b="0"/>
+      </a:lnRef>
+      <a:fillRef idx="1">
+        <a:scrgbClr r="0" g="0" b="0"/>
+      </a:fillRef>
+      <a:effectRef idx="0">
+        <a:scrgbClr r="0" g="0" b="0"/>
+      </a:effectRef>
+      <a:fontRef idx="minor"/>
+    </dgm:style>
+  </dgm:styleLbl>
+  <dgm:styleLbl name="trBgShp">
+    <dgm:scene3d>
+      <a:camera prst="orthographicFront"/>
+      <a:lightRig rig="threePt" dir="t"/>
+    </dgm:scene3d>
+    <dgm:sp3d/>
+    <dgm:txPr/>
+    <dgm:style>
+      <a:lnRef idx="0">
+        <a:scrgbClr r="0" g="0" b="0"/>
+      </a:lnRef>
+      <a:fillRef idx="1">
+        <a:scrgbClr r="0" g="0" b="0"/>
+      </a:fillRef>
+      <a:effectRef idx="0">
+        <a:scrgbClr r="0" g="0" b="0"/>
+      </a:effectRef>
+      <a:fontRef idx="minor"/>
+    </dgm:style>
+  </dgm:styleLbl>
+  <dgm:styleLbl name="fgShp">
+    <dgm:scene3d>
+      <a:camera prst="orthographicFront"/>
+      <a:lightRig rig="threePt" dir="t"/>
+    </dgm:scene3d>
+    <dgm:sp3d/>
+    <dgm:txPr/>
+    <dgm:style>
+      <a:lnRef idx="2">
+        <a:scrgbClr r="0" g="0" b="0"/>
+      </a:lnRef>
+      <a:fillRef idx="1">
+        <a:scrgbClr r="0" g="0" b="0"/>
+      </a:fillRef>
+      <a:effectRef idx="0">
+        <a:scrgbClr r="0" g="0" b="0"/>
+      </a:effectRef>
+      <a:fontRef idx="minor"/>
+    </dgm:style>
+  </dgm:styleLbl>
+  <dgm:styleLbl name="revTx">
+    <dgm:scene3d>
+      <a:camera prst="orthographicFront"/>
+      <a:lightRig rig="threePt" dir="t"/>
+    </dgm:scene3d>
+    <dgm:sp3d/>
+    <dgm:txPr/>
+    <dgm:style>
+      <a:lnRef idx="0">
+        <a:scrgbClr r="0" g="0" b="0"/>
+      </a:lnRef>
+      <a:fillRef idx="0">
+        <a:scrgbClr r="0" g="0" b="0"/>
+      </a:fillRef>
+      <a:effectRef idx="0">
+        <a:scrgbClr r="0" g="0" b="0"/>
+      </a:effectRef>
+      <a:fontRef idx="minor"/>
+    </dgm:style>
+  </dgm:styleLbl>
+</dgm:styleDef>
 </file>
 
 <file path=ppt/handoutMasters/handoutMaster1.xml><?xml version="1.0" encoding="utf-8"?>
@@ -4124,10 +8148,20 @@
         </p:nvSpPr>
         <p:spPr/>
         <p:txBody>
-          <a:bodyPr/>
+          <a:bodyPr>
+            <a:normAutofit/>
+          </a:bodyPr>
           <a:lstStyle/>
           <a:p>
-            <a:endParaRPr lang="zh-CN" altLang="en-US"/>
+            <a:r>
+              <a:rPr lang="en-US" altLang="zh-CN" sz="6000" dirty="0">
+                <a:latin typeface="+mn-lt"/>
+              </a:rPr>
+              <a:t>HISTORY OF THE CPU</a:t>
+            </a:r>
+            <a:endParaRPr lang="zh-CN" altLang="en-US" sz="6000" dirty="0">
+              <a:latin typeface="+mn-lt"/>
+            </a:endParaRPr>
           </a:p>
         </p:txBody>
       </p:sp>
@@ -4152,7 +8186,11 @@
           <a:bodyPr/>
           <a:lstStyle/>
           <a:p>
-            <a:endParaRPr lang="zh-CN" altLang="en-US"/>
+            <a:r>
+              <a:rPr lang="en-US" altLang="zh-CN" cap="none" dirty="0"/>
+              <a:t>C3G6 KEVIN (#44), LEO (#8)</a:t>
+            </a:r>
+            <a:endParaRPr lang="zh-CN" altLang="en-US" cap="none" dirty="0"/>
           </a:p>
         </p:txBody>
       </p:sp>
@@ -4160,6 +8198,107 @@
     <p:extLst>
       <p:ext uri="{BB962C8B-B14F-4D97-AF65-F5344CB8AC3E}">
         <p14:creationId xmlns:p14="http://schemas.microsoft.com/office/powerpoint/2010/main" val="148406465"/>
+      </p:ext>
+    </p:extLst>
+  </p:cSld>
+  <p:clrMapOvr>
+    <a:masterClrMapping/>
+  </p:clrMapOvr>
+  <mc:AlternateContent xmlns:mc="http://schemas.openxmlformats.org/markup-compatibility/2006" xmlns:p14="http://schemas.microsoft.com/office/powerpoint/2010/main">
+    <mc:Choice Requires="p14">
+      <p:transition spd="med" p14:dur="700">
+        <p:fade/>
+      </p:transition>
+    </mc:Choice>
+    <mc:Fallback xmlns="">
+      <p:transition spd="med">
+        <p:fade/>
+      </p:transition>
+    </mc:Fallback>
+  </mc:AlternateContent>
+</p:sld>
+</file>
+
+<file path=ppt/slides/slide2.xml><?xml version="1.0" encoding="utf-8"?>
+<p:sld xmlns:a="http://schemas.openxmlformats.org/drawingml/2006/main" xmlns:r="http://schemas.openxmlformats.org/officeDocument/2006/relationships" xmlns:p="http://schemas.openxmlformats.org/presentationml/2006/main">
+  <p:cSld>
+    <p:spTree>
+      <p:nvGrpSpPr>
+        <p:cNvPr id="1" name=""/>
+        <p:cNvGrpSpPr/>
+        <p:nvPr/>
+      </p:nvGrpSpPr>
+      <p:grpSpPr>
+        <a:xfrm>
+          <a:off x="0" y="0"/>
+          <a:ext cx="0" cy="0"/>
+          <a:chOff x="0" y="0"/>
+          <a:chExt cx="0" cy="0"/>
+        </a:xfrm>
+      </p:grpSpPr>
+      <p:sp>
+        <p:nvSpPr>
+          <p:cNvPr id="2" name="标题 1">
+            <a:extLst>
+              <a:ext uri="{FF2B5EF4-FFF2-40B4-BE49-F238E27FC236}">
+                <a16:creationId xmlns:a16="http://schemas.microsoft.com/office/drawing/2014/main" id="{D526DB0D-3D52-422E-9239-DC71A8AB258C}"/>
+              </a:ext>
+            </a:extLst>
+          </p:cNvPr>
+          <p:cNvSpPr>
+            <a:spLocks noGrp="1"/>
+          </p:cNvSpPr>
+          <p:nvPr>
+            <p:ph type="title"/>
+          </p:nvPr>
+        </p:nvSpPr>
+        <p:spPr/>
+        <p:txBody>
+          <a:bodyPr/>
+          <a:lstStyle/>
+          <a:p>
+            <a:r>
+              <a:rPr lang="en-US" dirty="0"/>
+              <a:t>THE BEGINNING</a:t>
+            </a:r>
+          </a:p>
+        </p:txBody>
+      </p:sp>
+      <p:graphicFrame>
+        <p:nvGraphicFramePr>
+          <p:cNvPr id="4" name="内容占位符 3">
+            <a:extLst>
+              <a:ext uri="{FF2B5EF4-FFF2-40B4-BE49-F238E27FC236}">
+                <a16:creationId xmlns:a16="http://schemas.microsoft.com/office/drawing/2014/main" id="{47C3D8CB-1389-4688-99B2-FB539119685F}"/>
+              </a:ext>
+            </a:extLst>
+          </p:cNvPr>
+          <p:cNvGraphicFramePr>
+            <a:graphicFrameLocks noGrp="1"/>
+          </p:cNvGraphicFramePr>
+          <p:nvPr>
+            <p:ph idx="1"/>
+            <p:extLst>
+              <p:ext uri="{D42A27DB-BD31-4B8C-83A1-F6EECF244321}">
+                <p14:modId xmlns:p14="http://schemas.microsoft.com/office/powerpoint/2010/main" val="3326574071"/>
+              </p:ext>
+            </p:extLst>
+          </p:nvPr>
+        </p:nvGraphicFramePr>
+        <p:xfrm>
+          <a:off x="1219200" y="1701800"/>
+          <a:ext cx="10360025" cy="4462463"/>
+        </p:xfrm>
+        <a:graphic>
+          <a:graphicData uri="http://schemas.openxmlformats.org/drawingml/2006/diagram">
+            <dgm:relIds xmlns:dgm="http://schemas.openxmlformats.org/drawingml/2006/diagram" xmlns:r="http://schemas.openxmlformats.org/officeDocument/2006/relationships" r:dm="rId2" r:lo="rId3" r:qs="rId4" r:cs="rId5"/>
+          </a:graphicData>
+        </a:graphic>
+      </p:graphicFrame>
+    </p:spTree>
+    <p:extLst>
+      <p:ext uri="{BB962C8B-B14F-4D97-AF65-F5344CB8AC3E}">
+        <p14:creationId xmlns:p14="http://schemas.microsoft.com/office/powerpoint/2010/main" val="1193832535"/>
       </p:ext>
     </p:extLst>
   </p:cSld>
@@ -5072,6 +9211,1055 @@
 </file>
 
 <file path=customXml/item1.xml><?xml version="1.0" encoding="utf-8"?>
+<ct:contentTypeSchema xmlns:ct="http://schemas.microsoft.com/office/2006/metadata/contentType" xmlns:ma="http://schemas.microsoft.com/office/2006/metadata/properties/metaAttributes" ct:_="" ma:_="" ma:contentTypeName="TemplateFile" ma:contentTypeID="0x0101006EDDDB5EE6D98C44930B742096920B300400F5B6D36B3EF94B4E9A635CDF2A18F5B8" ma:contentTypeVersion="72" ma:contentTypeDescription="Create a new document." ma:contentTypeScope="" ma:versionID="a23e56308344d904b51738559c3d67c9">
+  <xsd:schema xmlns:xsd="http://www.w3.org/2001/XMLSchema" xmlns:xs="http://www.w3.org/2001/XMLSchema" xmlns:p="http://schemas.microsoft.com/office/2006/metadata/properties" xmlns:ns2="4873beb7-5857-4685-be1f-d57550cc96cc" targetNamespace="http://schemas.microsoft.com/office/2006/metadata/properties" ma:root="true" ma:fieldsID="cd0908cc4600e77bf5da051303e00c8d" ns2:_="">
+    <xsd:import namespace="4873beb7-5857-4685-be1f-d57550cc96cc"/>
+    <xsd:element name="properties">
+      <xsd:complexType>
+        <xsd:sequence>
+          <xsd:element name="documentManagement">
+            <xsd:complexType>
+              <xsd:all>
+                <xsd:element ref="ns2:AcquiredFrom" minOccurs="0"/>
+                <xsd:element ref="ns2:UACurrentWords" minOccurs="0"/>
+                <xsd:element ref="ns2:TPApplication" minOccurs="0"/>
+                <xsd:element ref="ns2:ApprovalLog" minOccurs="0"/>
+                <xsd:element ref="ns2:ApprovalStatus" minOccurs="0"/>
+                <xsd:element ref="ns2:AssetStart" minOccurs="0"/>
+                <xsd:element ref="ns2:AssetExpire" minOccurs="0"/>
+                <xsd:element ref="ns2:AssetId" minOccurs="0"/>
+                <xsd:element ref="ns2:IsSearchable" minOccurs="0"/>
+                <xsd:element ref="ns2:AssetType" minOccurs="0"/>
+                <xsd:element ref="ns2:APAuthor" minOccurs="0"/>
+                <xsd:element ref="ns2:AverageRating" minOccurs="0"/>
+                <xsd:element ref="ns2:BlockPublish" minOccurs="0"/>
+                <xsd:element ref="ns2:BugNumber" minOccurs="0"/>
+                <xsd:element ref="ns2:CampaignTagsTaxHTField0" minOccurs="0"/>
+                <xsd:element ref="ns2:TPClientViewer" minOccurs="0"/>
+                <xsd:element ref="ns2:ClipArtFilename" minOccurs="0"/>
+                <xsd:element ref="ns2:TPCommandLine" minOccurs="0"/>
+                <xsd:element ref="ns2:TPComponent" minOccurs="0"/>
+                <xsd:element ref="ns2:ContentItem" minOccurs="0"/>
+                <xsd:element ref="ns2:CrawlForDependencies" minOccurs="0"/>
+                <xsd:element ref="ns2:CSXHash" minOccurs="0"/>
+                <xsd:element ref="ns2:CSXSubmissionMarket" minOccurs="0"/>
+                <xsd:element ref="ns2:CSXUpdate" minOccurs="0"/>
+                <xsd:element ref="ns2:IntlLangReviewDate" minOccurs="0"/>
+                <xsd:element ref="ns2:IsDeleted" minOccurs="0"/>
+                <xsd:element ref="ns2:APDescription" minOccurs="0"/>
+                <xsd:element ref="ns2:DirectSourceMarket" minOccurs="0"/>
+                <xsd:element ref="ns2:Downloads" minOccurs="0"/>
+                <xsd:element ref="ns2:DSATActionTaken" minOccurs="0"/>
+                <xsd:element ref="ns2:APEditor" minOccurs="0"/>
+                <xsd:element ref="ns2:EditorialStatus" minOccurs="0"/>
+                <xsd:element ref="ns2:EditorialTags" minOccurs="0"/>
+                <xsd:element ref="ns2:TPExecutable" minOccurs="0"/>
+                <xsd:element ref="ns2:FeatureTagsTaxHTField0" minOccurs="0"/>
+                <xsd:element ref="ns2:TPFriendlyName" minOccurs="0"/>
+                <xsd:element ref="ns2:FriendlyTitle" minOccurs="0"/>
+                <xsd:element ref="ns2:PrimaryImageGen" minOccurs="0"/>
+                <xsd:element ref="ns2:HandoffToMSDN" minOccurs="0"/>
+                <xsd:element ref="ns2:InProjectListLookup" minOccurs="0"/>
+                <xsd:element ref="ns2:TPInstallLocation" minOccurs="0"/>
+                <xsd:element ref="ns2:InternalTagsTaxHTField0" minOccurs="0"/>
+                <xsd:element ref="ns2:IntlLangReview" minOccurs="0"/>
+                <xsd:element ref="ns2:IntlLangReviewer" minOccurs="0"/>
+                <xsd:element ref="ns2:MarketSpecific" minOccurs="0"/>
+                <xsd:element ref="ns2:LastCompleteVersionLookup" minOccurs="0"/>
+                <xsd:element ref="ns2:LastHandOff" minOccurs="0"/>
+                <xsd:element ref="ns2:LastModifiedDateTime" minOccurs="0"/>
+                <xsd:element ref="ns2:LastPreviewErrorLookup" minOccurs="0"/>
+                <xsd:element ref="ns2:LastPreviewResultLookup" minOccurs="0"/>
+                <xsd:element ref="ns2:LastPreviewAttemptDateLookup" minOccurs="0"/>
+                <xsd:element ref="ns2:LastPreviewedByLookup" minOccurs="0"/>
+                <xsd:element ref="ns2:LastPreviewTimeLookup" minOccurs="0"/>
+                <xsd:element ref="ns2:LastPreviewVersionLookup" minOccurs="0"/>
+                <xsd:element ref="ns2:LastPublishErrorLookup" minOccurs="0"/>
+                <xsd:element ref="ns2:LastPublishResultLookup" minOccurs="0"/>
+                <xsd:element ref="ns2:LastPublishAttemptDateLookup" minOccurs="0"/>
+                <xsd:element ref="ns2:LastPublishedByLookup" minOccurs="0"/>
+                <xsd:element ref="ns2:LastPublishTimeLookup" minOccurs="0"/>
+                <xsd:element ref="ns2:LastPublishVersionLookup" minOccurs="0"/>
+                <xsd:element ref="ns2:TPLaunchHelpLinkType" minOccurs="0"/>
+                <xsd:element ref="ns2:LegacyData" minOccurs="0"/>
+                <xsd:element ref="ns2:TPLaunchHelpLink" minOccurs="0"/>
+                <xsd:element ref="ns2:LocComments" minOccurs="0"/>
+                <xsd:element ref="ns2:LocLastLocAttemptVersionLookup" minOccurs="0"/>
+                <xsd:element ref="ns2:LocLastLocAttemptVersionTypeLookup" minOccurs="0"/>
+                <xsd:element ref="ns2:LocManualTestRequired" minOccurs="0"/>
+                <xsd:element ref="ns2:LocMarketGroupTiers2" minOccurs="0"/>
+                <xsd:element ref="ns2:LocNewPublishedVersionLookup" minOccurs="0"/>
+                <xsd:element ref="ns2:LocOverallHandbackStatusLookup" minOccurs="0"/>
+                <xsd:element ref="ns2:LocOverallLocStatusLookup" minOccurs="0"/>
+                <xsd:element ref="ns2:LocOverallPreviewStatusLookup" minOccurs="0"/>
+                <xsd:element ref="ns2:LocOverallPublishStatusLookup" minOccurs="0"/>
+                <xsd:element ref="ns2:IntlLocPriority" minOccurs="0"/>
+                <xsd:element ref="ns2:LocProcessedForHandoffsLookup" minOccurs="0"/>
+                <xsd:element ref="ns2:LocProcessedForMarketsLookup" minOccurs="0"/>
+                <xsd:element ref="ns2:LocPublishedDependentAssetsLookup" minOccurs="0"/>
+                <xsd:element ref="ns2:LocPublishedLinkedAssetsLookup" minOccurs="0"/>
+                <xsd:element ref="ns2:LocRecommendedHandoff" minOccurs="0"/>
+                <xsd:element ref="ns2:LocalizationTagsTaxHTField0" minOccurs="0"/>
+                <xsd:element ref="ns2:MachineTranslated" minOccurs="0"/>
+                <xsd:element ref="ns2:Manager" minOccurs="0"/>
+                <xsd:element ref="ns2:Markets" minOccurs="0"/>
+                <xsd:element ref="ns2:Milestone" minOccurs="0"/>
+                <xsd:element ref="ns2:TPNamespace" minOccurs="0"/>
+                <xsd:element ref="ns2:NumericId" minOccurs="0"/>
+                <xsd:element ref="ns2:NumOfRatingsLookup" minOccurs="0"/>
+                <xsd:element ref="ns2:OOCacheId" minOccurs="0"/>
+                <xsd:element ref="ns2:OpenTemplate" minOccurs="0"/>
+                <xsd:element ref="ns2:OriginAsset" minOccurs="0"/>
+                <xsd:element ref="ns2:OriginalRelease" minOccurs="0"/>
+                <xsd:element ref="ns2:OriginalSourceMarket" minOccurs="0"/>
+                <xsd:element ref="ns2:OutputCachingOn" minOccurs="0"/>
+                <xsd:element ref="ns2:ParentAssetId" minOccurs="0"/>
+                <xsd:element ref="ns2:PlannedPubDate" minOccurs="0"/>
+                <xsd:element ref="ns2:PolicheckWords" minOccurs="0"/>
+                <xsd:element ref="ns2:BusinessGroup" minOccurs="0"/>
+                <xsd:element ref="ns2:UAProjectedTotalWords" minOccurs="0"/>
+                <xsd:element ref="ns2:Provider" minOccurs="0"/>
+                <xsd:element ref="ns2:Providers" minOccurs="0"/>
+                <xsd:element ref="ns2:PublishStatusLookup" minOccurs="0"/>
+                <xsd:element ref="ns2:PublishTargets" minOccurs="0"/>
+                <xsd:element ref="ns2:RecommendationsModifier" minOccurs="0"/>
+                <xsd:element ref="ns2:ArtSampleDocs" minOccurs="0"/>
+                <xsd:element ref="ns2:ScenarioTagsTaxHTField0" minOccurs="0"/>
+                <xsd:element ref="ns2:ShowIn" minOccurs="0"/>
+                <xsd:element ref="ns2:SourceTitle" minOccurs="0"/>
+                <xsd:element ref="ns2:CSXSubmissionDate" minOccurs="0"/>
+                <xsd:element ref="ns2:SubmitterId" minOccurs="0"/>
+                <xsd:element ref="ns2:TaxCatchAll" minOccurs="0"/>
+                <xsd:element ref="ns2:TaxCatchAllLabel" minOccurs="0"/>
+                <xsd:element ref="ns2:TemplateStatus" minOccurs="0"/>
+                <xsd:element ref="ns2:TemplateTemplateType" minOccurs="0"/>
+                <xsd:element ref="ns2:ThumbnailAssetId" minOccurs="0"/>
+                <xsd:element ref="ns2:TimesCloned" minOccurs="0"/>
+                <xsd:element ref="ns2:TrustLevel" minOccurs="0"/>
+                <xsd:element ref="ns2:UALocComments" minOccurs="0"/>
+                <xsd:element ref="ns2:UALocRecommendation" minOccurs="0"/>
+                <xsd:element ref="ns2:UANotes" minOccurs="0"/>
+                <xsd:element ref="ns2:TPAppVersion" minOccurs="0"/>
+                <xsd:element ref="ns2:VoteCount" minOccurs="0"/>
+              </xsd:all>
+            </xsd:complexType>
+          </xsd:element>
+        </xsd:sequence>
+      </xsd:complexType>
+    </xsd:element>
+  </xsd:schema>
+  <xsd:schema xmlns:xsd="http://www.w3.org/2001/XMLSchema" xmlns:xs="http://www.w3.org/2001/XMLSchema" xmlns:dms="http://schemas.microsoft.com/office/2006/documentManagement/types" xmlns:pc="http://schemas.microsoft.com/office/infopath/2007/PartnerControls" targetNamespace="4873beb7-5857-4685-be1f-d57550cc96cc" elementFormDefault="qualified">
+    <xsd:import namespace="http://schemas.microsoft.com/office/2006/documentManagement/types"/>
+    <xsd:import namespace="http://schemas.microsoft.com/office/infopath/2007/PartnerControls"/>
+    <xsd:element name="AcquiredFrom" ma:index="1" nillable="true" ma:displayName="Acquired From" ma:default="Internal MS" ma:internalName="AcquiredFrom" ma:readOnly="false">
+      <xsd:simpleType>
+        <xsd:restriction base="dms:Choice">
+          <xsd:enumeration value="Internal MS"/>
+          <xsd:enumeration value="Community"/>
+          <xsd:enumeration value="MVP"/>
+          <xsd:enumeration value="Publisher"/>
+          <xsd:enumeration value="Partner"/>
+          <xsd:enumeration value="None"/>
+        </xsd:restriction>
+      </xsd:simpleType>
+    </xsd:element>
+    <xsd:element name="UACurrentWords" ma:index="2" nillable="true" ma:displayName="Actual Word Count" ma:default="" ma:internalName="UACurrentWords" ma:readOnly="false">
+      <xsd:simpleType>
+        <xsd:restriction base="dms:Unknown"/>
+      </xsd:simpleType>
+    </xsd:element>
+    <xsd:element name="TPApplication" ma:index="3" nillable="true" ma:displayName="Application to Open Template With" ma:default="" ma:internalName="TPApplication">
+      <xsd:simpleType>
+        <xsd:restriction base="dms:Text"/>
+      </xsd:simpleType>
+    </xsd:element>
+    <xsd:element name="ApprovalLog" ma:index="4" nillable="true" ma:displayName="Approval Log" ma:default="" ma:hidden="true" ma:internalName="ApprovalLog" ma:readOnly="false">
+      <xsd:simpleType>
+        <xsd:restriction base="dms:Note"/>
+      </xsd:simpleType>
+    </xsd:element>
+    <xsd:element name="ApprovalStatus" ma:index="5" nillable="true" ma:displayName="Approval Status" ma:default="InProgress" ma:internalName="ApprovalStatus" ma:readOnly="false">
+      <xsd:simpleType>
+        <xsd:restriction base="dms:Choice">
+          <xsd:enumeration value="InProgress"/>
+          <xsd:enumeration value="Rejected"/>
+          <xsd:enumeration value="Questionable"/>
+          <xsd:enumeration value="ApprovedAutomatic"/>
+          <xsd:enumeration value="ApprovedManual"/>
+          <xsd:enumeration value="On Hold"/>
+          <xsd:enumeration value="Needs Review"/>
+          <xsd:enumeration value="A Violation"/>
+          <xsd:enumeration value="Unpublished Violation"/>
+        </xsd:restriction>
+      </xsd:simpleType>
+    </xsd:element>
+    <xsd:element name="AssetStart" ma:index="6" nillable="true" ma:displayName="Asset Begin Date" ma:default="[Today]" ma:internalName="AssetStart" ma:readOnly="false">
+      <xsd:simpleType>
+        <xsd:restriction base="dms:DateTime"/>
+      </xsd:simpleType>
+    </xsd:element>
+    <xsd:element name="AssetExpire" ma:index="7" nillable="true" ma:displayName="Asset End Date" ma:default="2029-01-01T08:00:00Z" ma:format="DateTime" ma:internalName="AssetExpire" ma:readOnly="false">
+      <xsd:simpleType>
+        <xsd:restriction base="dms:DateTime"/>
+      </xsd:simpleType>
+    </xsd:element>
+    <xsd:element name="AssetId" ma:index="8" nillable="true" ma:displayName="Asset ID" ma:default="" ma:indexed="true" ma:internalName="AssetId" ma:readOnly="false">
+      <xsd:simpleType>
+        <xsd:restriction base="dms:Text">
+          <xsd:maxLength value="255"/>
+        </xsd:restriction>
+      </xsd:simpleType>
+    </xsd:element>
+    <xsd:element name="IsSearchable" ma:index="9" nillable="true" ma:displayName="Asset Searchable?" ma:default="true" ma:internalName="IsSearchable" ma:readOnly="false">
+      <xsd:simpleType>
+        <xsd:restriction base="dms:Boolean"/>
+      </xsd:simpleType>
+    </xsd:element>
+    <xsd:element name="AssetType" ma:index="10" nillable="true" ma:displayName="Asset Type" ma:default="" ma:internalName="AssetType" ma:readOnly="false">
+      <xsd:simpleType>
+        <xsd:restriction base="dms:Unknown"/>
+      </xsd:simpleType>
+    </xsd:element>
+    <xsd:element name="APAuthor" ma:index="11" nillable="true" ma:displayName="Author" ma:default="" ma:list="UserInfo" ma:internalName="APAuthor" ma:readOnly="false">
+      <xsd:complexType>
+        <xsd:complexContent>
+          <xsd:extension base="dms:User">
+            <xsd:sequence>
+              <xsd:element name="UserInfo" minOccurs="0" maxOccurs="unbounded">
+                <xsd:complexType>
+                  <xsd:sequence>
+                    <xsd:element name="DisplayName" type="xsd:string" minOccurs="0"/>
+                    <xsd:element name="AccountId" type="dms:UserId" minOccurs="0" nillable="true"/>
+                    <xsd:element name="AccountType" type="xsd:string" minOccurs="0"/>
+                  </xsd:sequence>
+                </xsd:complexType>
+              </xsd:element>
+            </xsd:sequence>
+          </xsd:extension>
+        </xsd:complexContent>
+      </xsd:complexType>
+    </xsd:element>
+    <xsd:element name="AverageRating" ma:index="12" nillable="true" ma:displayName="Average Rating" ma:internalName="AverageRating" ma:readOnly="false">
+      <xsd:simpleType>
+        <xsd:restriction base="dms:Text"/>
+      </xsd:simpleType>
+    </xsd:element>
+    <xsd:element name="BlockPublish" ma:index="13" nillable="true" ma:displayName="Block from Publishing?" ma:default="" ma:internalName="BlockPublish" ma:readOnly="false">
+      <xsd:simpleType>
+        <xsd:restriction base="dms:Boolean"/>
+      </xsd:simpleType>
+    </xsd:element>
+    <xsd:element name="BugNumber" ma:index="14" nillable="true" ma:displayName="Bug Number" ma:default="" ma:internalName="BugNumber" ma:readOnly="false">
+      <xsd:simpleType>
+        <xsd:restriction base="dms:Text"/>
+      </xsd:simpleType>
+    </xsd:element>
+    <xsd:element name="CampaignTagsTaxHTField0" ma:index="16" nillable="true" ma:taxonomy="true" ma:internalName="CampaignTagsTaxHTField0" ma:taxonomyFieldName="CampaignTags" ma:displayName="Campaigns" ma:readOnly="false" ma:default="" ma:fieldId="{1df42cc3-2301-4f11-a52a-6ead923c29ed}" ma:taxonomyMulti="true" ma:sspId="8f79753a-75d3-41f5-8ca3-40b843941b4f" ma:termSetId="ca0e50d4-faa1-44ce-961e-bb1441c60e66" ma:anchorId="00000000-0000-0000-0000-000000000000" ma:open="false" ma:isKeyword="false">
+      <xsd:complexType>
+        <xsd:sequence>
+          <xsd:element ref="pc:Terms" minOccurs="0" maxOccurs="1"/>
+        </xsd:sequence>
+      </xsd:complexType>
+    </xsd:element>
+    <xsd:element name="TPClientViewer" ma:index="17" nillable="true" ma:displayName="Client Viewer" ma:default="" ma:internalName="TPClientViewer">
+      <xsd:simpleType>
+        <xsd:restriction base="dms:Text"/>
+      </xsd:simpleType>
+    </xsd:element>
+    <xsd:element name="ClipArtFilename" ma:index="18" nillable="true" ma:displayName="Clip Art Name" ma:default="" ma:internalName="ClipArtFilename" ma:readOnly="false">
+      <xsd:simpleType>
+        <xsd:restriction base="dms:Text"/>
+      </xsd:simpleType>
+    </xsd:element>
+    <xsd:element name="TPCommandLine" ma:index="19" nillable="true" ma:displayName="Command Line" ma:default="" ma:internalName="TPCommandLine">
+      <xsd:simpleType>
+        <xsd:restriction base="dms:Text"/>
+      </xsd:simpleType>
+    </xsd:element>
+    <xsd:element name="TPComponent" ma:index="20" nillable="true" ma:displayName="Component" ma:default="" ma:internalName="TPComponent">
+      <xsd:simpleType>
+        <xsd:restriction base="dms:Text"/>
+      </xsd:simpleType>
+    </xsd:element>
+    <xsd:element name="ContentItem" ma:index="21" nillable="true" ma:displayName="Content Item" ma:default="" ma:hidden="true" ma:internalName="ContentItem" ma:readOnly="false">
+      <xsd:simpleType>
+        <xsd:restriction base="dms:Unknown"/>
+      </xsd:simpleType>
+    </xsd:element>
+    <xsd:element name="CrawlForDependencies" ma:index="23" nillable="true" ma:displayName="Crawl for Dependencies?" ma:default="true" ma:internalName="CrawlForDependencies" ma:readOnly="false">
+      <xsd:simpleType>
+        <xsd:restriction base="dms:Boolean"/>
+      </xsd:simpleType>
+    </xsd:element>
+    <xsd:element name="CSXHash" ma:index="26" nillable="true" ma:displayName="CSX Hash" ma:default="" ma:indexed="true" ma:internalName="CSXHash" ma:readOnly="false">
+      <xsd:simpleType>
+        <xsd:restriction base="dms:Text"/>
+      </xsd:simpleType>
+    </xsd:element>
+    <xsd:element name="CSXSubmissionMarket" ma:index="27" nillable="true" ma:displayName="CSX Submission Market" ma:default="" ma:list="{2FBD1B11-2ACE-4FDC-B5A3-635D4ADF6F1B}" ma:internalName="CSXSubmissionMarket" ma:readOnly="false" ma:showField="MarketName" ma:web="4873beb7-5857-4685-be1f-d57550cc96cc">
+      <xsd:simpleType>
+        <xsd:restriction base="dms:Lookup"/>
+      </xsd:simpleType>
+    </xsd:element>
+    <xsd:element name="CSXUpdate" ma:index="28" nillable="true" ma:displayName="CSX Updated?" ma:default="false" ma:internalName="CSXUpdate" ma:readOnly="false">
+      <xsd:simpleType>
+        <xsd:restriction base="dms:Boolean"/>
+      </xsd:simpleType>
+    </xsd:element>
+    <xsd:element name="IntlLangReviewDate" ma:index="29" nillable="true" ma:displayName="Date to Complete Intl QA" ma:default="" ma:internalName="IntlLangReviewDate" ma:readOnly="false">
+      <xsd:simpleType>
+        <xsd:restriction base="dms:DateTime"/>
+      </xsd:simpleType>
+    </xsd:element>
+    <xsd:element name="IsDeleted" ma:index="30" nillable="true" ma:displayName="Deleted?" ma:default="" ma:internalName="IsDeleted" ma:readOnly="false">
+      <xsd:simpleType>
+        <xsd:restriction base="dms:Boolean"/>
+      </xsd:simpleType>
+    </xsd:element>
+    <xsd:element name="APDescription" ma:index="31" nillable="true" ma:displayName="Description" ma:default="" ma:internalName="APDescription" ma:readOnly="false">
+      <xsd:simpleType>
+        <xsd:restriction base="dms:Note"/>
+      </xsd:simpleType>
+    </xsd:element>
+    <xsd:element name="DirectSourceMarket" ma:index="32" nillable="true" ma:displayName="Direct Source Market Group" ma:default="" ma:internalName="DirectSourceMarket" ma:readOnly="false">
+      <xsd:simpleType>
+        <xsd:restriction base="dms:Text"/>
+      </xsd:simpleType>
+    </xsd:element>
+    <xsd:element name="Downloads" ma:index="33" nillable="true" ma:displayName="Downloads" ma:default="0" ma:hidden="true" ma:internalName="Downloads" ma:readOnly="false">
+      <xsd:simpleType>
+        <xsd:restriction base="dms:Unknown"/>
+      </xsd:simpleType>
+    </xsd:element>
+    <xsd:element name="DSATActionTaken" ma:index="34" nillable="true" ma:displayName="DSAT Action Taken" ma:default="" ma:internalName="DSATActionTaken" ma:readOnly="false">
+      <xsd:simpleType>
+        <xsd:restriction base="dms:Choice">
+          <xsd:enumeration value="Best Bets"/>
+          <xsd:enumeration value="Expire"/>
+          <xsd:enumeration value="Hide"/>
+          <xsd:enumeration value="None"/>
+        </xsd:restriction>
+      </xsd:simpleType>
+    </xsd:element>
+    <xsd:element name="APEditor" ma:index="35" nillable="true" ma:displayName="Editor" ma:default="" ma:list="UserInfo" ma:internalName="APEditor" ma:readOnly="false">
+      <xsd:complexType>
+        <xsd:complexContent>
+          <xsd:extension base="dms:User">
+            <xsd:sequence>
+              <xsd:element name="UserInfo" minOccurs="0" maxOccurs="unbounded">
+                <xsd:complexType>
+                  <xsd:sequence>
+                    <xsd:element name="DisplayName" type="xsd:string" minOccurs="0"/>
+                    <xsd:element name="AccountId" type="dms:UserId" minOccurs="0" nillable="true"/>
+                    <xsd:element name="AccountType" type="xsd:string" minOccurs="0"/>
+                  </xsd:sequence>
+                </xsd:complexType>
+              </xsd:element>
+            </xsd:sequence>
+          </xsd:extension>
+        </xsd:complexContent>
+      </xsd:complexType>
+    </xsd:element>
+    <xsd:element name="EditorialStatus" ma:index="36" nillable="true" ma:displayName="Editorial Status" ma:default="" ma:internalName="EditorialStatus" ma:readOnly="false">
+      <xsd:simpleType>
+        <xsd:restriction base="dms:Unknown"/>
+      </xsd:simpleType>
+    </xsd:element>
+    <xsd:element name="EditorialTags" ma:index="37" nillable="true" ma:displayName="Editorial Tags" ma:default="" ma:internalName="EditorialTags">
+      <xsd:simpleType>
+        <xsd:restriction base="dms:Unknown"/>
+      </xsd:simpleType>
+    </xsd:element>
+    <xsd:element name="TPExecutable" ma:index="38" nillable="true" ma:displayName="Executable" ma:default="" ma:internalName="TPExecutable">
+      <xsd:simpleType>
+        <xsd:restriction base="dms:Text"/>
+      </xsd:simpleType>
+    </xsd:element>
+    <xsd:element name="FeatureTagsTaxHTField0" ma:index="40" nillable="true" ma:taxonomy="true" ma:internalName="FeatureTagsTaxHTField0" ma:taxonomyFieldName="FeatureTags" ma:displayName="Features" ma:readOnly="false" ma:default="" ma:fieldId="{7fc0d542-15c6-4882-a8e3-13bca44403fb}" ma:taxonomyMulti="true" ma:sspId="8f79753a-75d3-41f5-8ca3-40b843941b4f" ma:termSetId="f1ab6845-967d-4854-a0ba-4ec07f0f8113" ma:anchorId="00000000-0000-0000-0000-000000000000" ma:open="false" ma:isKeyword="false">
+      <xsd:complexType>
+        <xsd:sequence>
+          <xsd:element ref="pc:Terms" minOccurs="0" maxOccurs="1"/>
+        </xsd:sequence>
+      </xsd:complexType>
+    </xsd:element>
+    <xsd:element name="TPFriendlyName" ma:index="41" nillable="true" ma:displayName="Friendly Name" ma:default="" ma:internalName="TPFriendlyName">
+      <xsd:simpleType>
+        <xsd:restriction base="dms:Text"/>
+      </xsd:simpleType>
+    </xsd:element>
+    <xsd:element name="FriendlyTitle" ma:index="42" nillable="true" ma:displayName="Friendly Title" ma:default="" ma:description="Shorter title to be used when displaying search results" ma:internalName="FriendlyTitle" ma:readOnly="false">
+      <xsd:simpleType>
+        <xsd:restriction base="dms:Text"/>
+      </xsd:simpleType>
+    </xsd:element>
+    <xsd:element name="PrimaryImageGen" ma:index="43" nillable="true" ma:displayName="Generate Images?" ma:default="true" ma:internalName="PrimaryImageGen">
+      <xsd:simpleType>
+        <xsd:restriction base="dms:Boolean"/>
+      </xsd:simpleType>
+    </xsd:element>
+    <xsd:element name="HandoffToMSDN" ma:index="44" nillable="true" ma:displayName="Handoff To MSDN Date" ma:default="" ma:internalName="HandoffToMSDN" ma:readOnly="false">
+      <xsd:simpleType>
+        <xsd:restriction base="dms:DateTime"/>
+      </xsd:simpleType>
+    </xsd:element>
+    <xsd:element name="InProjectListLookup" ma:index="45" nillable="true" ma:displayName="InProjectListLookup" ma:list="{9E343742-310B-4684-A24C-1D137CB4B230}" ma:internalName="InProjectListLookup" ma:readOnly="true" ma:showField="InProjectList" ma:web="4873beb7-5857-4685-be1f-d57550cc96cc">
+      <xsd:complexType>
+        <xsd:complexContent>
+          <xsd:extension base="dms:MultiChoiceLookup">
+            <xsd:sequence>
+              <xsd:element name="Value" type="dms:Lookup" maxOccurs="unbounded" minOccurs="0" nillable="true"/>
+            </xsd:sequence>
+          </xsd:extension>
+        </xsd:complexContent>
+      </xsd:complexType>
+    </xsd:element>
+    <xsd:element name="TPInstallLocation" ma:index="46" nillable="true" ma:displayName="Install Location" ma:default="" ma:internalName="TPInstallLocation">
+      <xsd:simpleType>
+        <xsd:restriction base="dms:Text"/>
+      </xsd:simpleType>
+    </xsd:element>
+    <xsd:element name="InternalTagsTaxHTField0" ma:index="48" nillable="true" ma:taxonomy="true" ma:internalName="InternalTagsTaxHTField0" ma:taxonomyFieldName="InternalTags" ma:displayName="Internal Tags" ma:readOnly="false" ma:default="" ma:fieldId="{1490b8a4-2706-41ec-b5e3-73176dccf34e}" ma:taxonomyMulti="true" ma:sspId="8f79753a-75d3-41f5-8ca3-40b843941b4f" ma:termSetId="82b6639e-f7fc-4c18-ad2d-003a6e707765" ma:anchorId="00000000-0000-0000-0000-000000000000" ma:open="false" ma:isKeyword="false">
+      <xsd:complexType>
+        <xsd:sequence>
+          <xsd:element ref="pc:Terms" minOccurs="0" maxOccurs="1"/>
+        </xsd:sequence>
+      </xsd:complexType>
+    </xsd:element>
+    <xsd:element name="IntlLangReview" ma:index="49" nillable="true" ma:displayName="Intl Lang QA Review Required?" ma:default="" ma:internalName="IntlLangReview" ma:readOnly="false">
+      <xsd:simpleType>
+        <xsd:restriction base="dms:Boolean"/>
+      </xsd:simpleType>
+    </xsd:element>
+    <xsd:element name="IntlLangReviewer" ma:index="50" nillable="true" ma:displayName="Intl Lang QA Reviewer" ma:default="" ma:internalName="IntlLangReviewer" ma:readOnly="false">
+      <xsd:simpleType>
+        <xsd:restriction base="dms:Text"/>
+      </xsd:simpleType>
+    </xsd:element>
+    <xsd:element name="MarketSpecific" ma:index="51" nillable="true" ma:displayName="Is Market Specific?" ma:default="" ma:internalName="MarketSpecific" ma:readOnly="false">
+      <xsd:simpleType>
+        <xsd:restriction base="dms:Boolean"/>
+      </xsd:simpleType>
+    </xsd:element>
+    <xsd:element name="LastCompleteVersionLookup" ma:index="52" nillable="true" ma:displayName="Last Complete Version Lookup" ma:default="" ma:list="{9E343742-310B-4684-A24C-1D137CB4B230}" ma:internalName="LastCompleteVersionLookup" ma:readOnly="true" ma:showField="LastCompleteVersion" ma:web="4873beb7-5857-4685-be1f-d57550cc96cc">
+      <xsd:complexType>
+        <xsd:complexContent>
+          <xsd:extension base="dms:MultiChoiceLookup">
+            <xsd:sequence>
+              <xsd:element name="Value" type="dms:Lookup" maxOccurs="unbounded" minOccurs="0" nillable="true"/>
+            </xsd:sequence>
+          </xsd:extension>
+        </xsd:complexContent>
+      </xsd:complexType>
+    </xsd:element>
+    <xsd:element name="LastHandOff" ma:index="53" nillable="true" ma:displayName="Last Hand-off" ma:default="" ma:internalName="LastHandOff" ma:readOnly="false">
+      <xsd:simpleType>
+        <xsd:restriction base="dms:DateTime"/>
+      </xsd:simpleType>
+    </xsd:element>
+    <xsd:element name="LastModifiedDateTime" ma:index="54" nillable="true" ma:displayName="Last Modified Date" ma:default="" ma:internalName="LastModifiedDateTime" ma:readOnly="false">
+      <xsd:simpleType>
+        <xsd:restriction base="dms:DateTime"/>
+      </xsd:simpleType>
+    </xsd:element>
+    <xsd:element name="LastPreviewErrorLookup" ma:index="55" nillable="true" ma:displayName="Last Preview Attempt Error" ma:default="" ma:list="{9E343742-310B-4684-A24C-1D137CB4B230}" ma:internalName="LastPreviewErrorLookup" ma:readOnly="true" ma:showField="LastPreviewError" ma:web="4873beb7-5857-4685-be1f-d57550cc96cc">
+      <xsd:complexType>
+        <xsd:complexContent>
+          <xsd:extension base="dms:MultiChoiceLookup">
+            <xsd:sequence>
+              <xsd:element name="Value" type="dms:Lookup" maxOccurs="unbounded" minOccurs="0" nillable="true"/>
+            </xsd:sequence>
+          </xsd:extension>
+        </xsd:complexContent>
+      </xsd:complexType>
+    </xsd:element>
+    <xsd:element name="LastPreviewResultLookup" ma:index="56" nillable="true" ma:displayName="Last Preview Attempt Result" ma:default="" ma:list="{9E343742-310B-4684-A24C-1D137CB4B230}" ma:internalName="LastPreviewResultLookup" ma:readOnly="true" ma:showField="LastPreviewResult" ma:web="4873beb7-5857-4685-be1f-d57550cc96cc">
+      <xsd:complexType>
+        <xsd:complexContent>
+          <xsd:extension base="dms:MultiChoiceLookup">
+            <xsd:sequence>
+              <xsd:element name="Value" type="dms:Lookup" maxOccurs="unbounded" minOccurs="0" nillable="true"/>
+            </xsd:sequence>
+          </xsd:extension>
+        </xsd:complexContent>
+      </xsd:complexType>
+    </xsd:element>
+    <xsd:element name="LastPreviewAttemptDateLookup" ma:index="57" nillable="true" ma:displayName="Last Preview Attempted On" ma:default="" ma:list="{9E343742-310B-4684-A24C-1D137CB4B230}" ma:internalName="LastPreviewAttemptDateLookup" ma:readOnly="true" ma:showField="LastPreviewAttemptDate" ma:web="4873beb7-5857-4685-be1f-d57550cc96cc">
+      <xsd:complexType>
+        <xsd:complexContent>
+          <xsd:extension base="dms:MultiChoiceLookup">
+            <xsd:sequence>
+              <xsd:element name="Value" type="dms:Lookup" maxOccurs="unbounded" minOccurs="0" nillable="true"/>
+            </xsd:sequence>
+          </xsd:extension>
+        </xsd:complexContent>
+      </xsd:complexType>
+    </xsd:element>
+    <xsd:element name="LastPreviewedByLookup" ma:index="58" nillable="true" ma:displayName="Last Previewed By" ma:default="" ma:list="{9E343742-310B-4684-A24C-1D137CB4B230}" ma:internalName="LastPreviewedByLookup" ma:readOnly="true" ma:showField="LastPreviewedBy" ma:web="4873beb7-5857-4685-be1f-d57550cc96cc">
+      <xsd:complexType>
+        <xsd:complexContent>
+          <xsd:extension base="dms:MultiChoiceLookup">
+            <xsd:sequence>
+              <xsd:element name="Value" type="dms:Lookup" maxOccurs="unbounded" minOccurs="0" nillable="true"/>
+            </xsd:sequence>
+          </xsd:extension>
+        </xsd:complexContent>
+      </xsd:complexType>
+    </xsd:element>
+    <xsd:element name="LastPreviewTimeLookup" ma:index="59" nillable="true" ma:displayName="Last Previewed Date" ma:default="" ma:list="{9E343742-310B-4684-A24C-1D137CB4B230}" ma:internalName="LastPreviewTimeLookup" ma:readOnly="true" ma:showField="LastPreviewTime" ma:web="4873beb7-5857-4685-be1f-d57550cc96cc">
+      <xsd:complexType>
+        <xsd:complexContent>
+          <xsd:extension base="dms:MultiChoiceLookup">
+            <xsd:sequence>
+              <xsd:element name="Value" type="dms:Lookup" maxOccurs="unbounded" minOccurs="0" nillable="true"/>
+            </xsd:sequence>
+          </xsd:extension>
+        </xsd:complexContent>
+      </xsd:complexType>
+    </xsd:element>
+    <xsd:element name="LastPreviewVersionLookup" ma:index="60" nillable="true" ma:displayName="Last Previewed Version" ma:default="" ma:list="{9E343742-310B-4684-A24C-1D137CB4B230}" ma:internalName="LastPreviewVersionLookup" ma:readOnly="true" ma:showField="LastPreviewVersion" ma:web="4873beb7-5857-4685-be1f-d57550cc96cc">
+      <xsd:complexType>
+        <xsd:complexContent>
+          <xsd:extension base="dms:MultiChoiceLookup">
+            <xsd:sequence>
+              <xsd:element name="Value" type="dms:Lookup" maxOccurs="unbounded" minOccurs="0" nillable="true"/>
+            </xsd:sequence>
+          </xsd:extension>
+        </xsd:complexContent>
+      </xsd:complexType>
+    </xsd:element>
+    <xsd:element name="LastPublishErrorLookup" ma:index="61" nillable="true" ma:displayName="Last Publish Attempt Error" ma:default="" ma:list="{9E343742-310B-4684-A24C-1D137CB4B230}" ma:internalName="LastPublishErrorLookup" ma:readOnly="true" ma:showField="LastPublishError" ma:web="4873beb7-5857-4685-be1f-d57550cc96cc">
+      <xsd:complexType>
+        <xsd:complexContent>
+          <xsd:extension base="dms:MultiChoiceLookup">
+            <xsd:sequence>
+              <xsd:element name="Value" type="dms:Lookup" maxOccurs="unbounded" minOccurs="0" nillable="true"/>
+            </xsd:sequence>
+          </xsd:extension>
+        </xsd:complexContent>
+      </xsd:complexType>
+    </xsd:element>
+    <xsd:element name="LastPublishResultLookup" ma:index="62" nillable="true" ma:displayName="Last Publish Attempt Result" ma:default="" ma:list="{9E343742-310B-4684-A24C-1D137CB4B230}" ma:internalName="LastPublishResultLookup" ma:readOnly="true" ma:showField="LastPublishResult" ma:web="4873beb7-5857-4685-be1f-d57550cc96cc">
+      <xsd:complexType>
+        <xsd:complexContent>
+          <xsd:extension base="dms:MultiChoiceLookup">
+            <xsd:sequence>
+              <xsd:element name="Value" type="dms:Lookup" maxOccurs="unbounded" minOccurs="0" nillable="true"/>
+            </xsd:sequence>
+          </xsd:extension>
+        </xsd:complexContent>
+      </xsd:complexType>
+    </xsd:element>
+    <xsd:element name="LastPublishAttemptDateLookup" ma:index="63" nillable="true" ma:displayName="Last Publish Attempted On" ma:default="" ma:list="{9E343742-310B-4684-A24C-1D137CB4B230}" ma:internalName="LastPublishAttemptDateLookup" ma:readOnly="true" ma:showField="LastPublishAttemptDate" ma:web="4873beb7-5857-4685-be1f-d57550cc96cc">
+      <xsd:complexType>
+        <xsd:complexContent>
+          <xsd:extension base="dms:MultiChoiceLookup">
+            <xsd:sequence>
+              <xsd:element name="Value" type="dms:Lookup" maxOccurs="unbounded" minOccurs="0" nillable="true"/>
+            </xsd:sequence>
+          </xsd:extension>
+        </xsd:complexContent>
+      </xsd:complexType>
+    </xsd:element>
+    <xsd:element name="LastPublishedByLookup" ma:index="64" nillable="true" ma:displayName="Last Published By" ma:default="" ma:list="{9E343742-310B-4684-A24C-1D137CB4B230}" ma:internalName="LastPublishedByLookup" ma:readOnly="true" ma:showField="LastPublishedBy" ma:web="4873beb7-5857-4685-be1f-d57550cc96cc">
+      <xsd:complexType>
+        <xsd:complexContent>
+          <xsd:extension base="dms:MultiChoiceLookup">
+            <xsd:sequence>
+              <xsd:element name="Value" type="dms:Lookup" maxOccurs="unbounded" minOccurs="0" nillable="true"/>
+            </xsd:sequence>
+          </xsd:extension>
+        </xsd:complexContent>
+      </xsd:complexType>
+    </xsd:element>
+    <xsd:element name="LastPublishTimeLookup" ma:index="65" nillable="true" ma:displayName="Last Published Date" ma:default="" ma:list="{9E343742-310B-4684-A24C-1D137CB4B230}" ma:internalName="LastPublishTimeLookup" ma:readOnly="true" ma:showField="LastPublishTime" ma:web="4873beb7-5857-4685-be1f-d57550cc96cc">
+      <xsd:complexType>
+        <xsd:complexContent>
+          <xsd:extension base="dms:MultiChoiceLookup">
+            <xsd:sequence>
+              <xsd:element name="Value" type="dms:Lookup" maxOccurs="unbounded" minOccurs="0" nillable="true"/>
+            </xsd:sequence>
+          </xsd:extension>
+        </xsd:complexContent>
+      </xsd:complexType>
+    </xsd:element>
+    <xsd:element name="LastPublishVersionLookup" ma:index="66" nillable="true" ma:displayName="Last Published Version" ma:default="" ma:list="{9E343742-310B-4684-A24C-1D137CB4B230}" ma:internalName="LastPublishVersionLookup" ma:readOnly="true" ma:showField="LastPublishVersion" ma:web="4873beb7-5857-4685-be1f-d57550cc96cc">
+      <xsd:complexType>
+        <xsd:complexContent>
+          <xsd:extension base="dms:MultiChoiceLookup">
+            <xsd:sequence>
+              <xsd:element name="Value" type="dms:Lookup" maxOccurs="unbounded" minOccurs="0" nillable="true"/>
+            </xsd:sequence>
+          </xsd:extension>
+        </xsd:complexContent>
+      </xsd:complexType>
+    </xsd:element>
+    <xsd:element name="TPLaunchHelpLinkType" ma:index="67" nillable="true" ma:displayName="Launch Help Link Type" ma:default="Template" ma:internalName="TPLaunchHelpLinkType">
+      <xsd:simpleType>
+        <xsd:restriction base="dms:Choice">
+          <xsd:enumeration value="Template"/>
+          <xsd:enumeration value="Training"/>
+          <xsd:enumeration value="URL"/>
+          <xsd:enumeration value="None"/>
+        </xsd:restriction>
+      </xsd:simpleType>
+    </xsd:element>
+    <xsd:element name="LegacyData" ma:index="68" nillable="true" ma:displayName="Legacy Data" ma:default="" ma:internalName="LegacyData" ma:readOnly="false">
+      <xsd:simpleType>
+        <xsd:restriction base="dms:Note"/>
+      </xsd:simpleType>
+    </xsd:element>
+    <xsd:element name="TPLaunchHelpLink" ma:index="69" nillable="true" ma:displayName="Link to Launch Help Topic" ma:default="" ma:internalName="TPLaunchHelpLink">
+      <xsd:simpleType>
+        <xsd:restriction base="dms:Text"/>
+      </xsd:simpleType>
+    </xsd:element>
+    <xsd:element name="LocComments" ma:index="70" nillable="true" ma:displayName="Loc Approval Comments" ma:default="" ma:internalName="LocComments" ma:readOnly="false">
+      <xsd:simpleType>
+        <xsd:restriction base="dms:Note"/>
+      </xsd:simpleType>
+    </xsd:element>
+    <xsd:element name="LocLastLocAttemptVersionLookup" ma:index="71" nillable="true" ma:displayName="Loc Last Loc Attempt Version" ma:default="" ma:list="{7DD1DCEC-E449-43D3-891F-7DC62F62AD21}" ma:internalName="LocLastLocAttemptVersionLookup" ma:readOnly="false" ma:showField="LastLocAttemptVersion" ma:web="4873beb7-5857-4685-be1f-d57550cc96cc">
+      <xsd:simpleType>
+        <xsd:restriction base="dms:Lookup"/>
+      </xsd:simpleType>
+    </xsd:element>
+    <xsd:element name="LocLastLocAttemptVersionTypeLookup" ma:index="72" nillable="true" ma:displayName="Loc Last Loc Attempt Version Type" ma:default="" ma:list="{7DD1DCEC-E449-43D3-891F-7DC62F62AD21}" ma:internalName="LocLastLocAttemptVersionTypeLookup" ma:readOnly="true" ma:showField="LastLocAttemptVersionType" ma:web="4873beb7-5857-4685-be1f-d57550cc96cc">
+      <xsd:simpleType>
+        <xsd:restriction base="dms:Lookup"/>
+      </xsd:simpleType>
+    </xsd:element>
+    <xsd:element name="LocManualTestRequired" ma:index="73" nillable="true" ma:displayName="Loc Manual Test Required" ma:default="" ma:internalName="LocManualTestRequired" ma:readOnly="false">
+      <xsd:simpleType>
+        <xsd:restriction base="dms:Boolean"/>
+      </xsd:simpleType>
+    </xsd:element>
+    <xsd:element name="LocMarketGroupTiers2" ma:index="74" nillable="true" ma:displayName="Loc Market Group Tiers" ma:internalName="LocMarketGroupTiers2" ma:readOnly="false">
+      <xsd:simpleType>
+        <xsd:restriction base="dms:Unknown"/>
+      </xsd:simpleType>
+    </xsd:element>
+    <xsd:element name="LocNewPublishedVersionLookup" ma:index="75" nillable="true" ma:displayName="Loc New Published Version Lookup" ma:default="" ma:list="{7DD1DCEC-E449-43D3-891F-7DC62F62AD21}" ma:internalName="LocNewPublishedVersionLookup" ma:readOnly="true" ma:showField="NewPublishedVersion" ma:web="4873beb7-5857-4685-be1f-d57550cc96cc">
+      <xsd:simpleType>
+        <xsd:restriction base="dms:Lookup"/>
+      </xsd:simpleType>
+    </xsd:element>
+    <xsd:element name="LocOverallHandbackStatusLookup" ma:index="76" nillable="true" ma:displayName="Loc Overall Handback Status" ma:default="" ma:list="{7DD1DCEC-E449-43D3-891F-7DC62F62AD21}" ma:internalName="LocOverallHandbackStatusLookup" ma:readOnly="true" ma:showField="OverallHandbackStatus" ma:web="4873beb7-5857-4685-be1f-d57550cc96cc">
+      <xsd:simpleType>
+        <xsd:restriction base="dms:Lookup"/>
+      </xsd:simpleType>
+    </xsd:element>
+    <xsd:element name="LocOverallLocStatusLookup" ma:index="77" nillable="true" ma:displayName="Loc Overall Localize Status" ma:default="" ma:list="{7DD1DCEC-E449-43D3-891F-7DC62F62AD21}" ma:internalName="LocOverallLocStatusLookup" ma:readOnly="true" ma:showField="OverallLocStatus" ma:web="4873beb7-5857-4685-be1f-d57550cc96cc">
+      <xsd:simpleType>
+        <xsd:restriction base="dms:Lookup"/>
+      </xsd:simpleType>
+    </xsd:element>
+    <xsd:element name="LocOverallPreviewStatusLookup" ma:index="78" nillable="true" ma:displayName="Loc Overall Preview Status" ma:default="" ma:list="{7DD1DCEC-E449-43D3-891F-7DC62F62AD21}" ma:internalName="LocOverallPreviewStatusLookup" ma:readOnly="true" ma:showField="OverallPreviewStatus" ma:web="4873beb7-5857-4685-be1f-d57550cc96cc">
+      <xsd:simpleType>
+        <xsd:restriction base="dms:Lookup"/>
+      </xsd:simpleType>
+    </xsd:element>
+    <xsd:element name="LocOverallPublishStatusLookup" ma:index="79" nillable="true" ma:displayName="Loc Overall Publish Status" ma:default="" ma:list="{7DD1DCEC-E449-43D3-891F-7DC62F62AD21}" ma:internalName="LocOverallPublishStatusLookup" ma:readOnly="true" ma:showField="OverallPublishStatus" ma:web="4873beb7-5857-4685-be1f-d57550cc96cc">
+      <xsd:simpleType>
+        <xsd:restriction base="dms:Lookup"/>
+      </xsd:simpleType>
+    </xsd:element>
+    <xsd:element name="IntlLocPriority" ma:index="80" nillable="true" ma:displayName="Loc Priority" ma:default="" ma:internalName="IntlLocPriority" ma:readOnly="false">
+      <xsd:simpleType>
+        <xsd:restriction base="dms:Unknown"/>
+      </xsd:simpleType>
+    </xsd:element>
+    <xsd:element name="LocProcessedForHandoffsLookup" ma:index="81" nillable="true" ma:displayName="Loc Processed For Handoffs" ma:default="" ma:list="{7DD1DCEC-E449-43D3-891F-7DC62F62AD21}" ma:internalName="LocProcessedForHandoffsLookup" ma:readOnly="true" ma:showField="ProcessedForHandoffs" ma:web="4873beb7-5857-4685-be1f-d57550cc96cc">
+      <xsd:simpleType>
+        <xsd:restriction base="dms:Lookup"/>
+      </xsd:simpleType>
+    </xsd:element>
+    <xsd:element name="LocProcessedForMarketsLookup" ma:index="82" nillable="true" ma:displayName="Loc Processed For Markets" ma:default="" ma:list="{7DD1DCEC-E449-43D3-891F-7DC62F62AD21}" ma:internalName="LocProcessedForMarketsLookup" ma:readOnly="true" ma:showField="ProcessedForMarkets" ma:web="4873beb7-5857-4685-be1f-d57550cc96cc">
+      <xsd:simpleType>
+        <xsd:restriction base="dms:Lookup"/>
+      </xsd:simpleType>
+    </xsd:element>
+    <xsd:element name="LocPublishedDependentAssetsLookup" ma:index="83" nillable="true" ma:displayName="Loc Published Dependent Assets" ma:default="" ma:list="{7DD1DCEC-E449-43D3-891F-7DC62F62AD21}" ma:internalName="LocPublishedDependentAssetsLookup" ma:readOnly="true" ma:showField="PublishedDependentAssets" ma:web="4873beb7-5857-4685-be1f-d57550cc96cc">
+      <xsd:simpleType>
+        <xsd:restriction base="dms:Lookup"/>
+      </xsd:simpleType>
+    </xsd:element>
+    <xsd:element name="LocPublishedLinkedAssetsLookup" ma:index="84" nillable="true" ma:displayName="Loc Published Linked Assets" ma:default="" ma:list="{7DD1DCEC-E449-43D3-891F-7DC62F62AD21}" ma:internalName="LocPublishedLinkedAssetsLookup" ma:readOnly="true" ma:showField="PublishedLinkedAssets" ma:web="4873beb7-5857-4685-be1f-d57550cc96cc">
+      <xsd:simpleType>
+        <xsd:restriction base="dms:Lookup"/>
+      </xsd:simpleType>
+    </xsd:element>
+    <xsd:element name="LocRecommendedHandoff" ma:index="85" nillable="true" ma:displayName="Loc Recommended Handoff" ma:default="" ma:indexed="true" ma:internalName="LocRecommendedHandoff" ma:readOnly="false">
+      <xsd:simpleType>
+        <xsd:restriction base="dms:Text"/>
+      </xsd:simpleType>
+    </xsd:element>
+    <xsd:element name="LocalizationTagsTaxHTField0" ma:index="87" nillable="true" ma:taxonomy="true" ma:internalName="LocalizationTagsTaxHTField0" ma:taxonomyFieldName="LocalizationTags" ma:displayName="Localization Tags" ma:readOnly="false" ma:default="" ma:fieldId="{00f02cb3-2c7c-424a-9c61-10e9b6878429}" ma:taxonomyMulti="true" ma:sspId="8f79753a-75d3-41f5-8ca3-40b843941b4f" ma:termSetId="5b7703a5-8e8b-4b58-8b31-1cea35331da3" ma:anchorId="00000000-0000-0000-0000-000000000000" ma:open="false" ma:isKeyword="false">
+      <xsd:complexType>
+        <xsd:sequence>
+          <xsd:element ref="pc:Terms" minOccurs="0" maxOccurs="1"/>
+        </xsd:sequence>
+      </xsd:complexType>
+    </xsd:element>
+    <xsd:element name="MachineTranslated" ma:index="88" nillable="true" ma:displayName="Machine Translated" ma:default="" ma:internalName="MachineTranslated" ma:readOnly="false">
+      <xsd:simpleType>
+        <xsd:restriction base="dms:Boolean"/>
+      </xsd:simpleType>
+    </xsd:element>
+    <xsd:element name="Manager" ma:index="89" nillable="true" ma:displayName="Manager" ma:hidden="true" ma:internalName="Manager" ma:readOnly="false">
+      <xsd:simpleType>
+        <xsd:restriction base="dms:Text"/>
+      </xsd:simpleType>
+    </xsd:element>
+    <xsd:element name="Markets" ma:index="90" nillable="true" ma:displayName="Markets" ma:default="" ma:description="Leave blank to show in all markets" ma:list="{2FBD1B11-2ACE-4FDC-B5A3-635D4ADF6F1B}" ma:internalName="Markets" ma:readOnly="false" ma:showField="MarketName" ma:web="4873beb7-5857-4685-be1f-d57550cc96cc">
+      <xsd:complexType>
+        <xsd:complexContent>
+          <xsd:extension base="dms:MultiChoiceLookup">
+            <xsd:sequence>
+              <xsd:element name="Value" type="dms:Lookup" maxOccurs="unbounded" minOccurs="0" nillable="true"/>
+            </xsd:sequence>
+          </xsd:extension>
+        </xsd:complexContent>
+      </xsd:complexType>
+    </xsd:element>
+    <xsd:element name="Milestone" ma:index="91" nillable="true" ma:displayName="Milestone" ma:default="" ma:internalName="Milestone" ma:readOnly="false">
+      <xsd:simpleType>
+        <xsd:restriction base="dms:Unknown"/>
+      </xsd:simpleType>
+    </xsd:element>
+    <xsd:element name="TPNamespace" ma:index="94" nillable="true" ma:displayName="Namespace" ma:default="" ma:internalName="TPNamespace">
+      <xsd:simpleType>
+        <xsd:restriction base="dms:Text"/>
+      </xsd:simpleType>
+    </xsd:element>
+    <xsd:element name="NumericId" ma:index="95" nillable="true" ma:displayName="Numeric ID" ma:default="" ma:indexed="true" ma:internalName="NumericId" ma:readOnly="false">
+      <xsd:simpleType>
+        <xsd:restriction base="dms:Number"/>
+      </xsd:simpleType>
+    </xsd:element>
+    <xsd:element name="NumOfRatingsLookup" ma:index="96" nillable="true" ma:displayName="NumOfRatings" ma:default="" ma:list="{9E343742-310B-4684-A24C-1D137CB4B230}" ma:internalName="NumOfRatingsLookup" ma:readOnly="true" ma:showField="NumOfRatings" ma:web="4873beb7-5857-4685-be1f-d57550cc96cc">
+      <xsd:complexType>
+        <xsd:complexContent>
+          <xsd:extension base="dms:MultiChoiceLookup">
+            <xsd:sequence>
+              <xsd:element name="Value" type="dms:Lookup" maxOccurs="unbounded" minOccurs="0" nillable="true"/>
+            </xsd:sequence>
+          </xsd:extension>
+        </xsd:complexContent>
+      </xsd:complexType>
+    </xsd:element>
+    <xsd:element name="OOCacheId" ma:index="97" nillable="true" ma:displayName="OOCacheId" ma:internalName="OOCacheId" ma:readOnly="false">
+      <xsd:simpleType>
+        <xsd:restriction base="dms:Text"/>
+      </xsd:simpleType>
+    </xsd:element>
+    <xsd:element name="OpenTemplate" ma:index="98" nillable="true" ma:displayName="Open Template" ma:default="true" ma:internalName="OpenTemplate">
+      <xsd:simpleType>
+        <xsd:restriction base="dms:Boolean"/>
+      </xsd:simpleType>
+    </xsd:element>
+    <xsd:element name="OriginAsset" ma:index="99" nillable="true" ma:displayName="Origin Asset" ma:default="" ma:internalName="OriginAsset" ma:readOnly="false">
+      <xsd:simpleType>
+        <xsd:restriction base="dms:Text"/>
+      </xsd:simpleType>
+    </xsd:element>
+    <xsd:element name="OriginalRelease" ma:index="100" nillable="true" ma:displayName="Original Release" ma:default="15" ma:internalName="OriginalRelease" ma:readOnly="false">
+      <xsd:simpleType>
+        <xsd:restriction base="dms:Choice">
+          <xsd:enumeration value="14"/>
+          <xsd:enumeration value="15"/>
+          <xsd:enumeration value="16"/>
+        </xsd:restriction>
+      </xsd:simpleType>
+    </xsd:element>
+    <xsd:element name="OriginalSourceMarket" ma:index="101" nillable="true" ma:displayName="Original Source Market Group" ma:default="" ma:internalName="OriginalSourceMarket" ma:readOnly="false">
+      <xsd:simpleType>
+        <xsd:restriction base="dms:Text"/>
+      </xsd:simpleType>
+    </xsd:element>
+    <xsd:element name="OutputCachingOn" ma:index="102" nillable="true" ma:displayName="Output Caching" ma:default="true" ma:hidden="true" ma:internalName="OutputCachingOn" ma:readOnly="false">
+      <xsd:simpleType>
+        <xsd:restriction base="dms:Boolean"/>
+      </xsd:simpleType>
+    </xsd:element>
+    <xsd:element name="ParentAssetId" ma:index="103" nillable="true" ma:displayName="Parent Asset Id" ma:default="" ma:internalName="ParentAssetId" ma:readOnly="false">
+      <xsd:simpleType>
+        <xsd:restriction base="dms:Text"/>
+      </xsd:simpleType>
+    </xsd:element>
+    <xsd:element name="PlannedPubDate" ma:index="104" nillable="true" ma:displayName="Planned Publish Date" ma:default="" ma:indexed="true" ma:internalName="PlannedPubDate" ma:readOnly="false">
+      <xsd:simpleType>
+        <xsd:restriction base="dms:DateTime"/>
+      </xsd:simpleType>
+    </xsd:element>
+    <xsd:element name="PolicheckWords" ma:index="105" nillable="true" ma:displayName="Policheck Words" ma:default="" ma:internalName="PolicheckWords" ma:readOnly="false">
+      <xsd:simpleType>
+        <xsd:restriction base="dms:Text"/>
+      </xsd:simpleType>
+    </xsd:element>
+    <xsd:element name="BusinessGroup" ma:index="106" nillable="true" ma:displayName="Product Division Owner" ma:default="" ma:internalName="BusinessGroup" ma:readOnly="false">
+      <xsd:simpleType>
+        <xsd:restriction base="dms:Unknown"/>
+      </xsd:simpleType>
+    </xsd:element>
+    <xsd:element name="UAProjectedTotalWords" ma:index="107" nillable="true" ma:displayName="Projected Word Count" ma:default="" ma:internalName="UAProjectedTotalWords" ma:readOnly="false">
+      <xsd:simpleType>
+        <xsd:restriction base="dms:Unknown"/>
+      </xsd:simpleType>
+    </xsd:element>
+    <xsd:element name="Provider" ma:index="108" nillable="true" ma:displayName="Provider" ma:default="" ma:internalName="Provider" ma:readOnly="false">
+      <xsd:simpleType>
+        <xsd:restriction base="dms:Unknown"/>
+      </xsd:simpleType>
+    </xsd:element>
+    <xsd:element name="Providers" ma:index="109" nillable="true" ma:displayName="Providers" ma:default="" ma:internalName="Providers">
+      <xsd:simpleType>
+        <xsd:restriction base="dms:Unknown"/>
+      </xsd:simpleType>
+    </xsd:element>
+    <xsd:element name="PublishStatusLookup" ma:index="110" nillable="true" ma:displayName="Publish Status" ma:default="" ma:list="{9E343742-310B-4684-A24C-1D137CB4B230}" ma:internalName="PublishStatusLookup" ma:readOnly="false" ma:showField="PublishStatus" ma:web="4873beb7-5857-4685-be1f-d57550cc96cc">
+      <xsd:complexType>
+        <xsd:complexContent>
+          <xsd:extension base="dms:MultiChoiceLookup">
+            <xsd:sequence>
+              <xsd:element name="Value" type="dms:Lookup" maxOccurs="unbounded" minOccurs="0" nillable="true"/>
+            </xsd:sequence>
+          </xsd:extension>
+        </xsd:complexContent>
+      </xsd:complexType>
+    </xsd:element>
+    <xsd:element name="PublishTargets" ma:index="111" nillable="true" ma:displayName="Publish Target" ma:default="OfficeOnlineVNext" ma:internalName="PublishTargets" ma:readOnly="false">
+      <xsd:simpleType>
+        <xsd:restriction base="dms:Unknown"/>
+      </xsd:simpleType>
+    </xsd:element>
+    <xsd:element name="RecommendationsModifier" ma:index="112" nillable="true" ma:displayName="Recommendations Modifier" ma:default="" ma:internalName="RecommendationsModifier" ma:readOnly="false">
+      <xsd:simpleType>
+        <xsd:restriction base="dms:Number"/>
+      </xsd:simpleType>
+    </xsd:element>
+    <xsd:element name="ArtSampleDocs" ma:index="113" nillable="true" ma:displayName="Sample Docs" ma:default="" ma:hidden="true" ma:internalName="ArtSampleDocs" ma:readOnly="false">
+      <xsd:simpleType>
+        <xsd:restriction base="dms:Text"/>
+      </xsd:simpleType>
+    </xsd:element>
+    <xsd:element name="ScenarioTagsTaxHTField0" ma:index="115" nillable="true" ma:taxonomy="true" ma:internalName="ScenarioTagsTaxHTField0" ma:taxonomyFieldName="ScenarioTags" ma:displayName="Scenarios" ma:readOnly="false" ma:default="" ma:fieldId="{93aef74d-6c78-4815-8310-51477dceeccc}" ma:taxonomyMulti="true" ma:sspId="8f79753a-75d3-41f5-8ca3-40b843941b4f" ma:termSetId="4b7d5f16-e2f2-4fc0-bab3-6e8b931e57d6" ma:anchorId="00000000-0000-0000-0000-000000000000" ma:open="false" ma:isKeyword="false">
+      <xsd:complexType>
+        <xsd:sequence>
+          <xsd:element ref="pc:Terms" minOccurs="0" maxOccurs="1"/>
+        </xsd:sequence>
+      </xsd:complexType>
+    </xsd:element>
+    <xsd:element name="ShowIn" ma:index="117" nillable="true" ma:displayName="Show In" ma:default="Show everywhere" ma:internalName="ShowIn" ma:readOnly="false">
+      <xsd:simpleType>
+        <xsd:restriction base="dms:Choice">
+          <xsd:enumeration value="Hide on web"/>
+          <xsd:enumeration value="On Web no search"/>
+          <xsd:enumeration value="Show everywhere"/>
+          <xsd:enumeration value="Special use only"/>
+        </xsd:restriction>
+      </xsd:simpleType>
+    </xsd:element>
+    <xsd:element name="SourceTitle" ma:index="118" nillable="true" ma:displayName="Source Title" ma:default="" ma:indexed="true" ma:internalName="SourceTitle" ma:readOnly="false">
+      <xsd:simpleType>
+        <xsd:restriction base="dms:Text"/>
+      </xsd:simpleType>
+    </xsd:element>
+    <xsd:element name="CSXSubmissionDate" ma:index="119" nillable="true" ma:displayName="Submission Date" ma:default="" ma:internalName="CSXSubmissionDate" ma:readOnly="false">
+      <xsd:simpleType>
+        <xsd:restriction base="dms:DateTime"/>
+      </xsd:simpleType>
+    </xsd:element>
+    <xsd:element name="SubmitterId" ma:index="120" nillable="true" ma:displayName="Submitter ID" ma:default="" ma:internalName="SubmitterId" ma:readOnly="false">
+      <xsd:simpleType>
+        <xsd:restriction base="dms:Text"/>
+      </xsd:simpleType>
+    </xsd:element>
+    <xsd:element name="TaxCatchAll" ma:index="121" nillable="true" ma:displayName="Taxonomy Catch All Column" ma:hidden="true" ma:list="{530f955b-6704-4601-bd83-f81d87f1e440}" ma:internalName="TaxCatchAll" ma:showField="CatchAllData" ma:web="4873beb7-5857-4685-be1f-d57550cc96cc">
+      <xsd:complexType>
+        <xsd:complexContent>
+          <xsd:extension base="dms:MultiChoiceLookup">
+            <xsd:sequence>
+              <xsd:element name="Value" type="dms:Lookup" maxOccurs="unbounded" minOccurs="0" nillable="true"/>
+            </xsd:sequence>
+          </xsd:extension>
+        </xsd:complexContent>
+      </xsd:complexType>
+    </xsd:element>
+    <xsd:element name="TaxCatchAllLabel" ma:index="122" nillable="true" ma:displayName="Taxonomy Catch All Column1" ma:hidden="true" ma:list="{530f955b-6704-4601-bd83-f81d87f1e440}" ma:internalName="TaxCatchAllLabel" ma:readOnly="true" ma:showField="CatchAllDataLabel" ma:web="4873beb7-5857-4685-be1f-d57550cc96cc">
+      <xsd:complexType>
+        <xsd:complexContent>
+          <xsd:extension base="dms:MultiChoiceLookup">
+            <xsd:sequence>
+              <xsd:element name="Value" type="dms:Lookup" maxOccurs="unbounded" minOccurs="0" nillable="true"/>
+            </xsd:sequence>
+          </xsd:extension>
+        </xsd:complexContent>
+      </xsd:complexType>
+    </xsd:element>
+    <xsd:element name="TemplateStatus" ma:index="123" nillable="true" ma:displayName="Template Status" ma:default="" ma:internalName="TemplateStatus">
+      <xsd:simpleType>
+        <xsd:restriction base="dms:Unknown"/>
+      </xsd:simpleType>
+    </xsd:element>
+    <xsd:element name="TemplateTemplateType" ma:index="124" nillable="true" ma:displayName="Template Type" ma:default="" ma:internalName="TemplateTemplateType">
+      <xsd:simpleType>
+        <xsd:restriction base="dms:Unknown"/>
+      </xsd:simpleType>
+    </xsd:element>
+    <xsd:element name="ThumbnailAssetId" ma:index="125" nillable="true" ma:displayName="Thumbnail Image Asset" ma:default="" ma:internalName="ThumbnailAssetId" ma:readOnly="false">
+      <xsd:simpleType>
+        <xsd:restriction base="dms:Text"/>
+      </xsd:simpleType>
+    </xsd:element>
+    <xsd:element name="TimesCloned" ma:index="126" nillable="true" ma:displayName="Times Cloned" ma:default="" ma:internalName="TimesCloned" ma:readOnly="false">
+      <xsd:simpleType>
+        <xsd:restriction base="dms:Number"/>
+      </xsd:simpleType>
+    </xsd:element>
+    <xsd:element name="TrustLevel" ma:index="128" nillable="true" ma:displayName="Trust Level" ma:default="1 Microsoft Managed Content" ma:internalName="TrustLevel" ma:readOnly="false">
+      <xsd:simpleType>
+        <xsd:restriction base="dms:Unknown"/>
+      </xsd:simpleType>
+    </xsd:element>
+    <xsd:element name="UALocComments" ma:index="129" nillable="true" ma:displayName="UA Loc Comments" ma:default="" ma:internalName="UALocComments" ma:readOnly="false">
+      <xsd:simpleType>
+        <xsd:restriction base="dms:Note"/>
+      </xsd:simpleType>
+    </xsd:element>
+    <xsd:element name="UALocRecommendation" ma:index="130" nillable="true" ma:displayName="UA Loc Recommendation" ma:default="Localize" ma:internalName="UALocRecommendation" ma:readOnly="false">
+      <xsd:simpleType>
+        <xsd:restriction base="dms:Choice">
+          <xsd:enumeration value="Localize"/>
+          <xsd:enumeration value="Never Localize"/>
+          <xsd:enumeration value="Priority Localize"/>
+        </xsd:restriction>
+      </xsd:simpleType>
+    </xsd:element>
+    <xsd:element name="UANotes" ma:index="131" nillable="true" ma:displayName="UA Notes" ma:default="" ma:internalName="UANotes" ma:readOnly="false">
+      <xsd:simpleType>
+        <xsd:restriction base="dms:Note"/>
+      </xsd:simpleType>
+    </xsd:element>
+    <xsd:element name="TPAppVersion" ma:index="132" nillable="true" ma:displayName="Version" ma:default="" ma:internalName="TPAppVersion">
+      <xsd:simpleType>
+        <xsd:restriction base="dms:Text"/>
+      </xsd:simpleType>
+    </xsd:element>
+    <xsd:element name="VoteCount" ma:index="133" nillable="true" ma:displayName="Vote Count" ma:default="" ma:internalName="VoteCount" ma:readOnly="false">
+      <xsd:simpleType>
+        <xsd:restriction base="dms:Unknown"/>
+      </xsd:simpleType>
+    </xsd:element>
+  </xsd:schema>
+  <xsd:schema xmlns="http://schemas.openxmlformats.org/package/2006/metadata/core-properties" xmlns:xsd="http://www.w3.org/2001/XMLSchema" xmlns:xsi="http://www.w3.org/2001/XMLSchema-instance" xmlns:dc="http://purl.org/dc/elements/1.1/" xmlns:dcterms="http://purl.org/dc/terms/" xmlns:odoc="http://schemas.microsoft.com/internal/obd" targetNamespace="http://schemas.openxmlformats.org/package/2006/metadata/core-properties" elementFormDefault="qualified" attributeFormDefault="unqualified" blockDefault="#all">
+    <xsd:import namespace="http://purl.org/dc/elements/1.1/" schemaLocation="http://dublincore.org/schemas/xmls/qdc/2003/04/02/dc.xsd"/>
+    <xsd:import namespace="http://purl.org/dc/terms/" schemaLocation="http://dublincore.org/schemas/xmls/qdc/2003/04/02/dcterms.xsd"/>
+    <xsd:element name="coreProperties" type="CT_coreProperties"/>
+    <xsd:complexType name="CT_coreProperties">
+      <xsd:all>
+        <xsd:element ref="dc:creator" minOccurs="0" maxOccurs="1"/>
+        <xsd:element ref="dcterms:created" minOccurs="0" maxOccurs="1"/>
+        <xsd:element ref="dc:identifier" minOccurs="0" maxOccurs="1"/>
+        <xsd:element name="contentType" minOccurs="0" maxOccurs="1" type="xsd:string" ma:index="22" ma:displayName="Content Type"/>
+        <xsd:element ref="dc:title" minOccurs="0" maxOccurs="1" ma:index="127" ma:displayName="Title"/>
+        <xsd:element ref="dc:subject" minOccurs="0" maxOccurs="1"/>
+        <xsd:element ref="dc:description" minOccurs="0" maxOccurs="1"/>
+        <xsd:element name="keywords" minOccurs="0" maxOccurs="1" type="xsd:string"/>
+        <xsd:element ref="dc:language" minOccurs="0" maxOccurs="1"/>
+        <xsd:element name="category" minOccurs="0" maxOccurs="1" type="xsd:string"/>
+        <xsd:element name="version" minOccurs="0" maxOccurs="1" type="xsd:string"/>
+        <xsd:element name="revision" minOccurs="0" maxOccurs="1" type="xsd:string">
+          <xsd:annotation>
+            <xsd:documentation>
+                        This value indicates the number of saves or revisions. The application is responsible for updating this value after each revision.
+                    </xsd:documentation>
+          </xsd:annotation>
+        </xsd:element>
+        <xsd:element name="lastModifiedBy" minOccurs="0" maxOccurs="1" type="xsd:string"/>
+        <xsd:element ref="dcterms:modified" minOccurs="0" maxOccurs="1"/>
+        <xsd:element name="contentStatus" minOccurs="0" maxOccurs="1" type="xsd:string"/>
+      </xsd:all>
+    </xsd:complexType>
+  </xsd:schema>
+  <xs:schema xmlns:pc="http://schemas.microsoft.com/office/infopath/2007/PartnerControls" xmlns:xs="http://www.w3.org/2001/XMLSchema" targetNamespace="http://schemas.microsoft.com/office/infopath/2007/PartnerControls" elementFormDefault="qualified" attributeFormDefault="unqualified">
+    <xs:element name="Person">
+      <xs:complexType>
+        <xs:sequence>
+          <xs:element ref="pc:DisplayName" minOccurs="0"/>
+          <xs:element ref="pc:AccountId" minOccurs="0"/>
+          <xs:element ref="pc:AccountType" minOccurs="0"/>
+        </xs:sequence>
+      </xs:complexType>
+    </xs:element>
+    <xs:element name="DisplayName" type="xs:string"/>
+    <xs:element name="AccountId" type="xs:string"/>
+    <xs:element name="AccountType" type="xs:string"/>
+    <xs:element name="BDCAssociatedEntity">
+      <xs:complexType>
+        <xs:sequence>
+          <xs:element ref="pc:BDCEntity" minOccurs="0" maxOccurs="unbounded"/>
+        </xs:sequence>
+        <xs:attribute ref="pc:EntityNamespace"/>
+        <xs:attribute ref="pc:EntityName"/>
+        <xs:attribute ref="pc:SystemInstanceName"/>
+        <xs:attribute ref="pc:AssociationName"/>
+      </xs:complexType>
+    </xs:element>
+    <xs:attribute name="EntityNamespace" type="xs:string"/>
+    <xs:attribute name="EntityName" type="xs:string"/>
+    <xs:attribute name="SystemInstanceName" type="xs:string"/>
+    <xs:attribute name="AssociationName" type="xs:string"/>
+    <xs:element name="BDCEntity">
+      <xs:complexType>
+        <xs:sequence>
+          <xs:element ref="pc:EntityDisplayName" minOccurs="0"/>
+          <xs:element ref="pc:EntityInstanceReference" minOccurs="0"/>
+          <xs:element ref="pc:EntityId1" minOccurs="0"/>
+          <xs:element ref="pc:EntityId2" minOccurs="0"/>
+          <xs:element ref="pc:EntityId3" minOccurs="0"/>
+          <xs:element ref="pc:EntityId4" minOccurs="0"/>
+          <xs:element ref="pc:EntityId5" minOccurs="0"/>
+        </xs:sequence>
+      </xs:complexType>
+    </xs:element>
+    <xs:element name="EntityDisplayName" type="xs:string"/>
+    <xs:element name="EntityInstanceReference" type="xs:string"/>
+    <xs:element name="EntityId1" type="xs:string"/>
+    <xs:element name="EntityId2" type="xs:string"/>
+    <xs:element name="EntityId3" type="xs:string"/>
+    <xs:element name="EntityId4" type="xs:string"/>
+    <xs:element name="EntityId5" type="xs:string"/>
+    <xs:element name="Terms">
+      <xs:complexType>
+        <xs:sequence>
+          <xs:element ref="pc:TermInfo" minOccurs="0" maxOccurs="unbounded"/>
+        </xs:sequence>
+      </xs:complexType>
+    </xs:element>
+    <xs:element name="TermInfo">
+      <xs:complexType>
+        <xs:sequence>
+          <xs:element ref="pc:TermName" minOccurs="0"/>
+          <xs:element ref="pc:TermId" minOccurs="0"/>
+        </xs:sequence>
+      </xs:complexType>
+    </xs:element>
+    <xs:element name="TermName" type="xs:string"/>
+    <xs:element name="TermId" type="xs:string"/>
+  </xs:schema>
+</ct:contentTypeSchema>
+</file>
+
+<file path=customXml/item2.xml><?xml version="1.0" encoding="utf-8"?>
+<?mso-contentType ?>
+<FormTemplates xmlns="http://schemas.microsoft.com/sharepoint/v3/contenttype/forms">
+  <Display>DocumentLibraryForm</Display>
+  <Edit>AssetEditForm</Edit>
+  <New>DocumentLibraryForm</New>
+</FormTemplates>
+</file>
+
+<file path=customXml/item3.xml><?xml version="1.0" encoding="utf-8"?>
 <p:properties xmlns:p="http://schemas.microsoft.com/office/2006/metadata/properties" xmlns:xsi="http://www.w3.org/2001/XMLSchema-instance" xmlns:pc="http://schemas.microsoft.com/office/infopath/2007/PartnerControls">
   <documentManagement>
     <LocPublishedLinkedAssetsLookup xmlns="4873beb7-5857-4685-be1f-d57550cc96cc" xsi:nil="true"/>
@@ -5207,1080 +10395,7 @@
 </p:properties>
 </file>
 
-<file path=customXml/item2.xml><?xml version="1.0" encoding="utf-8"?>
-<?mso-contentType ?>
-<FormTemplates xmlns="http://schemas.microsoft.com/sharepoint/v3/contenttype/forms">
-  <Display>DocumentLibraryForm</Display>
-  <Edit>AssetEditForm</Edit>
-  <New>DocumentLibraryForm</New>
-</FormTemplates>
-</file>
-
-<file path=customXml/item3.xml><?xml version="1.0" encoding="utf-8"?>
-<ct:contentTypeSchema xmlns:ct="http://schemas.microsoft.com/office/2006/metadata/contentType" xmlns:ma="http://schemas.microsoft.com/office/2006/metadata/properties/metaAttributes" ct:_="" ma:_="" ma:contentTypeName="TemplateFile" ma:contentTypeID="0x0101006EDDDB5EE6D98C44930B742096920B300400F5B6D36B3EF94B4E9A635CDF2A18F5B8" ma:contentTypeVersion="72" ma:contentTypeDescription="Create a new document." ma:contentTypeScope="" ma:versionID="a23e56308344d904b51738559c3d67c9">
-  <xsd:schema xmlns:xsd="http://www.w3.org/2001/XMLSchema" xmlns:xs="http://www.w3.org/2001/XMLSchema" xmlns:p="http://schemas.microsoft.com/office/2006/metadata/properties" xmlns:ns2="4873beb7-5857-4685-be1f-d57550cc96cc" targetNamespace="http://schemas.microsoft.com/office/2006/metadata/properties" ma:root="true" ma:fieldsID="cd0908cc4600e77bf5da051303e00c8d" ns2:_="">
-    <xsd:import namespace="4873beb7-5857-4685-be1f-d57550cc96cc"/>
-    <xsd:element name="properties">
-      <xsd:complexType>
-        <xsd:sequence>
-          <xsd:element name="documentManagement">
-            <xsd:complexType>
-              <xsd:all>
-                <xsd:element ref="ns2:AcquiredFrom" minOccurs="0"/>
-                <xsd:element ref="ns2:UACurrentWords" minOccurs="0"/>
-                <xsd:element ref="ns2:TPApplication" minOccurs="0"/>
-                <xsd:element ref="ns2:ApprovalLog" minOccurs="0"/>
-                <xsd:element ref="ns2:ApprovalStatus" minOccurs="0"/>
-                <xsd:element ref="ns2:AssetStart" minOccurs="0"/>
-                <xsd:element ref="ns2:AssetExpire" minOccurs="0"/>
-                <xsd:element ref="ns2:AssetId" minOccurs="0"/>
-                <xsd:element ref="ns2:IsSearchable" minOccurs="0"/>
-                <xsd:element ref="ns2:AssetType" minOccurs="0"/>
-                <xsd:element ref="ns2:APAuthor" minOccurs="0"/>
-                <xsd:element ref="ns2:AverageRating" minOccurs="0"/>
-                <xsd:element ref="ns2:BlockPublish" minOccurs="0"/>
-                <xsd:element ref="ns2:BugNumber" minOccurs="0"/>
-                <xsd:element ref="ns2:CampaignTagsTaxHTField0" minOccurs="0"/>
-                <xsd:element ref="ns2:TPClientViewer" minOccurs="0"/>
-                <xsd:element ref="ns2:ClipArtFilename" minOccurs="0"/>
-                <xsd:element ref="ns2:TPCommandLine" minOccurs="0"/>
-                <xsd:element ref="ns2:TPComponent" minOccurs="0"/>
-                <xsd:element ref="ns2:ContentItem" minOccurs="0"/>
-                <xsd:element ref="ns2:CrawlForDependencies" minOccurs="0"/>
-                <xsd:element ref="ns2:CSXHash" minOccurs="0"/>
-                <xsd:element ref="ns2:CSXSubmissionMarket" minOccurs="0"/>
-                <xsd:element ref="ns2:CSXUpdate" minOccurs="0"/>
-                <xsd:element ref="ns2:IntlLangReviewDate" minOccurs="0"/>
-                <xsd:element ref="ns2:IsDeleted" minOccurs="0"/>
-                <xsd:element ref="ns2:APDescription" minOccurs="0"/>
-                <xsd:element ref="ns2:DirectSourceMarket" minOccurs="0"/>
-                <xsd:element ref="ns2:Downloads" minOccurs="0"/>
-                <xsd:element ref="ns2:DSATActionTaken" minOccurs="0"/>
-                <xsd:element ref="ns2:APEditor" minOccurs="0"/>
-                <xsd:element ref="ns2:EditorialStatus" minOccurs="0"/>
-                <xsd:element ref="ns2:EditorialTags" minOccurs="0"/>
-                <xsd:element ref="ns2:TPExecutable" minOccurs="0"/>
-                <xsd:element ref="ns2:FeatureTagsTaxHTField0" minOccurs="0"/>
-                <xsd:element ref="ns2:TPFriendlyName" minOccurs="0"/>
-                <xsd:element ref="ns2:FriendlyTitle" minOccurs="0"/>
-                <xsd:element ref="ns2:PrimaryImageGen" minOccurs="0"/>
-                <xsd:element ref="ns2:HandoffToMSDN" minOccurs="0"/>
-                <xsd:element ref="ns2:InProjectListLookup" minOccurs="0"/>
-                <xsd:element ref="ns2:TPInstallLocation" minOccurs="0"/>
-                <xsd:element ref="ns2:InternalTagsTaxHTField0" minOccurs="0"/>
-                <xsd:element ref="ns2:IntlLangReview" minOccurs="0"/>
-                <xsd:element ref="ns2:IntlLangReviewer" minOccurs="0"/>
-                <xsd:element ref="ns2:MarketSpecific" minOccurs="0"/>
-                <xsd:element ref="ns2:LastCompleteVersionLookup" minOccurs="0"/>
-                <xsd:element ref="ns2:LastHandOff" minOccurs="0"/>
-                <xsd:element ref="ns2:LastModifiedDateTime" minOccurs="0"/>
-                <xsd:element ref="ns2:LastPreviewErrorLookup" minOccurs="0"/>
-                <xsd:element ref="ns2:LastPreviewResultLookup" minOccurs="0"/>
-                <xsd:element ref="ns2:LastPreviewAttemptDateLookup" minOccurs="0"/>
-                <xsd:element ref="ns2:LastPreviewedByLookup" minOccurs="0"/>
-                <xsd:element ref="ns2:LastPreviewTimeLookup" minOccurs="0"/>
-                <xsd:element ref="ns2:LastPreviewVersionLookup" minOccurs="0"/>
-                <xsd:element ref="ns2:LastPublishErrorLookup" minOccurs="0"/>
-                <xsd:element ref="ns2:LastPublishResultLookup" minOccurs="0"/>
-                <xsd:element ref="ns2:LastPublishAttemptDateLookup" minOccurs="0"/>
-                <xsd:element ref="ns2:LastPublishedByLookup" minOccurs="0"/>
-                <xsd:element ref="ns2:LastPublishTimeLookup" minOccurs="0"/>
-                <xsd:element ref="ns2:LastPublishVersionLookup" minOccurs="0"/>
-                <xsd:element ref="ns2:TPLaunchHelpLinkType" minOccurs="0"/>
-                <xsd:element ref="ns2:LegacyData" minOccurs="0"/>
-                <xsd:element ref="ns2:TPLaunchHelpLink" minOccurs="0"/>
-                <xsd:element ref="ns2:LocComments" minOccurs="0"/>
-                <xsd:element ref="ns2:LocLastLocAttemptVersionLookup" minOccurs="0"/>
-                <xsd:element ref="ns2:LocLastLocAttemptVersionTypeLookup" minOccurs="0"/>
-                <xsd:element ref="ns2:LocManualTestRequired" minOccurs="0"/>
-                <xsd:element ref="ns2:LocMarketGroupTiers2" minOccurs="0"/>
-                <xsd:element ref="ns2:LocNewPublishedVersionLookup" minOccurs="0"/>
-                <xsd:element ref="ns2:LocOverallHandbackStatusLookup" minOccurs="0"/>
-                <xsd:element ref="ns2:LocOverallLocStatusLookup" minOccurs="0"/>
-                <xsd:element ref="ns2:LocOverallPreviewStatusLookup" minOccurs="0"/>
-                <xsd:element ref="ns2:LocOverallPublishStatusLookup" minOccurs="0"/>
-                <xsd:element ref="ns2:IntlLocPriority" minOccurs="0"/>
-                <xsd:element ref="ns2:LocProcessedForHandoffsLookup" minOccurs="0"/>
-                <xsd:element ref="ns2:LocProcessedForMarketsLookup" minOccurs="0"/>
-                <xsd:element ref="ns2:LocPublishedDependentAssetsLookup" minOccurs="0"/>
-                <xsd:element ref="ns2:LocPublishedLinkedAssetsLookup" minOccurs="0"/>
-                <xsd:element ref="ns2:LocRecommendedHandoff" minOccurs="0"/>
-                <xsd:element ref="ns2:LocalizationTagsTaxHTField0" minOccurs="0"/>
-                <xsd:element ref="ns2:MachineTranslated" minOccurs="0"/>
-                <xsd:element ref="ns2:Manager" minOccurs="0"/>
-                <xsd:element ref="ns2:Markets" minOccurs="0"/>
-                <xsd:element ref="ns2:Milestone" minOccurs="0"/>
-                <xsd:element ref="ns2:TPNamespace" minOccurs="0"/>
-                <xsd:element ref="ns2:NumericId" minOccurs="0"/>
-                <xsd:element ref="ns2:NumOfRatingsLookup" minOccurs="0"/>
-                <xsd:element ref="ns2:OOCacheId" minOccurs="0"/>
-                <xsd:element ref="ns2:OpenTemplate" minOccurs="0"/>
-                <xsd:element ref="ns2:OriginAsset" minOccurs="0"/>
-                <xsd:element ref="ns2:OriginalRelease" minOccurs="0"/>
-                <xsd:element ref="ns2:OriginalSourceMarket" minOccurs="0"/>
-                <xsd:element ref="ns2:OutputCachingOn" minOccurs="0"/>
-                <xsd:element ref="ns2:ParentAssetId" minOccurs="0"/>
-                <xsd:element ref="ns2:PlannedPubDate" minOccurs="0"/>
-                <xsd:element ref="ns2:PolicheckWords" minOccurs="0"/>
-                <xsd:element ref="ns2:BusinessGroup" minOccurs="0"/>
-                <xsd:element ref="ns2:UAProjectedTotalWords" minOccurs="0"/>
-                <xsd:element ref="ns2:Provider" minOccurs="0"/>
-                <xsd:element ref="ns2:Providers" minOccurs="0"/>
-                <xsd:element ref="ns2:PublishStatusLookup" minOccurs="0"/>
-                <xsd:element ref="ns2:PublishTargets" minOccurs="0"/>
-                <xsd:element ref="ns2:RecommendationsModifier" minOccurs="0"/>
-                <xsd:element ref="ns2:ArtSampleDocs" minOccurs="0"/>
-                <xsd:element ref="ns2:ScenarioTagsTaxHTField0" minOccurs="0"/>
-                <xsd:element ref="ns2:ShowIn" minOccurs="0"/>
-                <xsd:element ref="ns2:SourceTitle" minOccurs="0"/>
-                <xsd:element ref="ns2:CSXSubmissionDate" minOccurs="0"/>
-                <xsd:element ref="ns2:SubmitterId" minOccurs="0"/>
-                <xsd:element ref="ns2:TaxCatchAll" minOccurs="0"/>
-                <xsd:element ref="ns2:TaxCatchAllLabel" minOccurs="0"/>
-                <xsd:element ref="ns2:TemplateStatus" minOccurs="0"/>
-                <xsd:element ref="ns2:TemplateTemplateType" minOccurs="0"/>
-                <xsd:element ref="ns2:ThumbnailAssetId" minOccurs="0"/>
-                <xsd:element ref="ns2:TimesCloned" minOccurs="0"/>
-                <xsd:element ref="ns2:TrustLevel" minOccurs="0"/>
-                <xsd:element ref="ns2:UALocComments" minOccurs="0"/>
-                <xsd:element ref="ns2:UALocRecommendation" minOccurs="0"/>
-                <xsd:element ref="ns2:UANotes" minOccurs="0"/>
-                <xsd:element ref="ns2:TPAppVersion" minOccurs="0"/>
-                <xsd:element ref="ns2:VoteCount" minOccurs="0"/>
-              </xsd:all>
-            </xsd:complexType>
-          </xsd:element>
-        </xsd:sequence>
-      </xsd:complexType>
-    </xsd:element>
-  </xsd:schema>
-  <xsd:schema xmlns:xsd="http://www.w3.org/2001/XMLSchema" xmlns:xs="http://www.w3.org/2001/XMLSchema" xmlns:dms="http://schemas.microsoft.com/office/2006/documentManagement/types" xmlns:pc="http://schemas.microsoft.com/office/infopath/2007/PartnerControls" targetNamespace="4873beb7-5857-4685-be1f-d57550cc96cc" elementFormDefault="qualified">
-    <xsd:import namespace="http://schemas.microsoft.com/office/2006/documentManagement/types"/>
-    <xsd:import namespace="http://schemas.microsoft.com/office/infopath/2007/PartnerControls"/>
-    <xsd:element name="AcquiredFrom" ma:index="1" nillable="true" ma:displayName="Acquired From" ma:default="Internal MS" ma:internalName="AcquiredFrom" ma:readOnly="false">
-      <xsd:simpleType>
-        <xsd:restriction base="dms:Choice">
-          <xsd:enumeration value="Internal MS"/>
-          <xsd:enumeration value="Community"/>
-          <xsd:enumeration value="MVP"/>
-          <xsd:enumeration value="Publisher"/>
-          <xsd:enumeration value="Partner"/>
-          <xsd:enumeration value="None"/>
-        </xsd:restriction>
-      </xsd:simpleType>
-    </xsd:element>
-    <xsd:element name="UACurrentWords" ma:index="2" nillable="true" ma:displayName="Actual Word Count" ma:default="" ma:internalName="UACurrentWords" ma:readOnly="false">
-      <xsd:simpleType>
-        <xsd:restriction base="dms:Unknown"/>
-      </xsd:simpleType>
-    </xsd:element>
-    <xsd:element name="TPApplication" ma:index="3" nillable="true" ma:displayName="Application to Open Template With" ma:default="" ma:internalName="TPApplication">
-      <xsd:simpleType>
-        <xsd:restriction base="dms:Text"/>
-      </xsd:simpleType>
-    </xsd:element>
-    <xsd:element name="ApprovalLog" ma:index="4" nillable="true" ma:displayName="Approval Log" ma:default="" ma:hidden="true" ma:internalName="ApprovalLog" ma:readOnly="false">
-      <xsd:simpleType>
-        <xsd:restriction base="dms:Note"/>
-      </xsd:simpleType>
-    </xsd:element>
-    <xsd:element name="ApprovalStatus" ma:index="5" nillable="true" ma:displayName="Approval Status" ma:default="InProgress" ma:internalName="ApprovalStatus" ma:readOnly="false">
-      <xsd:simpleType>
-        <xsd:restriction base="dms:Choice">
-          <xsd:enumeration value="InProgress"/>
-          <xsd:enumeration value="Rejected"/>
-          <xsd:enumeration value="Questionable"/>
-          <xsd:enumeration value="ApprovedAutomatic"/>
-          <xsd:enumeration value="ApprovedManual"/>
-          <xsd:enumeration value="On Hold"/>
-          <xsd:enumeration value="Needs Review"/>
-          <xsd:enumeration value="A Violation"/>
-          <xsd:enumeration value="Unpublished Violation"/>
-        </xsd:restriction>
-      </xsd:simpleType>
-    </xsd:element>
-    <xsd:element name="AssetStart" ma:index="6" nillable="true" ma:displayName="Asset Begin Date" ma:default="[Today]" ma:internalName="AssetStart" ma:readOnly="false">
-      <xsd:simpleType>
-        <xsd:restriction base="dms:DateTime"/>
-      </xsd:simpleType>
-    </xsd:element>
-    <xsd:element name="AssetExpire" ma:index="7" nillable="true" ma:displayName="Asset End Date" ma:default="2029-01-01T08:00:00Z" ma:format="DateTime" ma:internalName="AssetExpire" ma:readOnly="false">
-      <xsd:simpleType>
-        <xsd:restriction base="dms:DateTime"/>
-      </xsd:simpleType>
-    </xsd:element>
-    <xsd:element name="AssetId" ma:index="8" nillable="true" ma:displayName="Asset ID" ma:default="" ma:indexed="true" ma:internalName="AssetId" ma:readOnly="false">
-      <xsd:simpleType>
-        <xsd:restriction base="dms:Text">
-          <xsd:maxLength value="255"/>
-        </xsd:restriction>
-      </xsd:simpleType>
-    </xsd:element>
-    <xsd:element name="IsSearchable" ma:index="9" nillable="true" ma:displayName="Asset Searchable?" ma:default="true" ma:internalName="IsSearchable" ma:readOnly="false">
-      <xsd:simpleType>
-        <xsd:restriction base="dms:Boolean"/>
-      </xsd:simpleType>
-    </xsd:element>
-    <xsd:element name="AssetType" ma:index="10" nillable="true" ma:displayName="Asset Type" ma:default="" ma:internalName="AssetType" ma:readOnly="false">
-      <xsd:simpleType>
-        <xsd:restriction base="dms:Unknown"/>
-      </xsd:simpleType>
-    </xsd:element>
-    <xsd:element name="APAuthor" ma:index="11" nillable="true" ma:displayName="Author" ma:default="" ma:list="UserInfo" ma:internalName="APAuthor" ma:readOnly="false">
-      <xsd:complexType>
-        <xsd:complexContent>
-          <xsd:extension base="dms:User">
-            <xsd:sequence>
-              <xsd:element name="UserInfo" minOccurs="0" maxOccurs="unbounded">
-                <xsd:complexType>
-                  <xsd:sequence>
-                    <xsd:element name="DisplayName" type="xsd:string" minOccurs="0"/>
-                    <xsd:element name="AccountId" type="dms:UserId" minOccurs="0" nillable="true"/>
-                    <xsd:element name="AccountType" type="xsd:string" minOccurs="0"/>
-                  </xsd:sequence>
-                </xsd:complexType>
-              </xsd:element>
-            </xsd:sequence>
-          </xsd:extension>
-        </xsd:complexContent>
-      </xsd:complexType>
-    </xsd:element>
-    <xsd:element name="AverageRating" ma:index="12" nillable="true" ma:displayName="Average Rating" ma:internalName="AverageRating" ma:readOnly="false">
-      <xsd:simpleType>
-        <xsd:restriction base="dms:Text"/>
-      </xsd:simpleType>
-    </xsd:element>
-    <xsd:element name="BlockPublish" ma:index="13" nillable="true" ma:displayName="Block from Publishing?" ma:default="" ma:internalName="BlockPublish" ma:readOnly="false">
-      <xsd:simpleType>
-        <xsd:restriction base="dms:Boolean"/>
-      </xsd:simpleType>
-    </xsd:element>
-    <xsd:element name="BugNumber" ma:index="14" nillable="true" ma:displayName="Bug Number" ma:default="" ma:internalName="BugNumber" ma:readOnly="false">
-      <xsd:simpleType>
-        <xsd:restriction base="dms:Text"/>
-      </xsd:simpleType>
-    </xsd:element>
-    <xsd:element name="CampaignTagsTaxHTField0" ma:index="16" nillable="true" ma:taxonomy="true" ma:internalName="CampaignTagsTaxHTField0" ma:taxonomyFieldName="CampaignTags" ma:displayName="Campaigns" ma:readOnly="false" ma:default="" ma:fieldId="{1df42cc3-2301-4f11-a52a-6ead923c29ed}" ma:taxonomyMulti="true" ma:sspId="8f79753a-75d3-41f5-8ca3-40b843941b4f" ma:termSetId="ca0e50d4-faa1-44ce-961e-bb1441c60e66" ma:anchorId="00000000-0000-0000-0000-000000000000" ma:open="false" ma:isKeyword="false">
-      <xsd:complexType>
-        <xsd:sequence>
-          <xsd:element ref="pc:Terms" minOccurs="0" maxOccurs="1"/>
-        </xsd:sequence>
-      </xsd:complexType>
-    </xsd:element>
-    <xsd:element name="TPClientViewer" ma:index="17" nillable="true" ma:displayName="Client Viewer" ma:default="" ma:internalName="TPClientViewer">
-      <xsd:simpleType>
-        <xsd:restriction base="dms:Text"/>
-      </xsd:simpleType>
-    </xsd:element>
-    <xsd:element name="ClipArtFilename" ma:index="18" nillable="true" ma:displayName="Clip Art Name" ma:default="" ma:internalName="ClipArtFilename" ma:readOnly="false">
-      <xsd:simpleType>
-        <xsd:restriction base="dms:Text"/>
-      </xsd:simpleType>
-    </xsd:element>
-    <xsd:element name="TPCommandLine" ma:index="19" nillable="true" ma:displayName="Command Line" ma:default="" ma:internalName="TPCommandLine">
-      <xsd:simpleType>
-        <xsd:restriction base="dms:Text"/>
-      </xsd:simpleType>
-    </xsd:element>
-    <xsd:element name="TPComponent" ma:index="20" nillable="true" ma:displayName="Component" ma:default="" ma:internalName="TPComponent">
-      <xsd:simpleType>
-        <xsd:restriction base="dms:Text"/>
-      </xsd:simpleType>
-    </xsd:element>
-    <xsd:element name="ContentItem" ma:index="21" nillable="true" ma:displayName="Content Item" ma:default="" ma:hidden="true" ma:internalName="ContentItem" ma:readOnly="false">
-      <xsd:simpleType>
-        <xsd:restriction base="dms:Unknown"/>
-      </xsd:simpleType>
-    </xsd:element>
-    <xsd:element name="CrawlForDependencies" ma:index="23" nillable="true" ma:displayName="Crawl for Dependencies?" ma:default="true" ma:internalName="CrawlForDependencies" ma:readOnly="false">
-      <xsd:simpleType>
-        <xsd:restriction base="dms:Boolean"/>
-      </xsd:simpleType>
-    </xsd:element>
-    <xsd:element name="CSXHash" ma:index="26" nillable="true" ma:displayName="CSX Hash" ma:default="" ma:indexed="true" ma:internalName="CSXHash" ma:readOnly="false">
-      <xsd:simpleType>
-        <xsd:restriction base="dms:Text"/>
-      </xsd:simpleType>
-    </xsd:element>
-    <xsd:element name="CSXSubmissionMarket" ma:index="27" nillable="true" ma:displayName="CSX Submission Market" ma:default="" ma:list="{2FBD1B11-2ACE-4FDC-B5A3-635D4ADF6F1B}" ma:internalName="CSXSubmissionMarket" ma:readOnly="false" ma:showField="MarketName" ma:web="4873beb7-5857-4685-be1f-d57550cc96cc">
-      <xsd:simpleType>
-        <xsd:restriction base="dms:Lookup"/>
-      </xsd:simpleType>
-    </xsd:element>
-    <xsd:element name="CSXUpdate" ma:index="28" nillable="true" ma:displayName="CSX Updated?" ma:default="false" ma:internalName="CSXUpdate" ma:readOnly="false">
-      <xsd:simpleType>
-        <xsd:restriction base="dms:Boolean"/>
-      </xsd:simpleType>
-    </xsd:element>
-    <xsd:element name="IntlLangReviewDate" ma:index="29" nillable="true" ma:displayName="Date to Complete Intl QA" ma:default="" ma:internalName="IntlLangReviewDate" ma:readOnly="false">
-      <xsd:simpleType>
-        <xsd:restriction base="dms:DateTime"/>
-      </xsd:simpleType>
-    </xsd:element>
-    <xsd:element name="IsDeleted" ma:index="30" nillable="true" ma:displayName="Deleted?" ma:default="" ma:internalName="IsDeleted" ma:readOnly="false">
-      <xsd:simpleType>
-        <xsd:restriction base="dms:Boolean"/>
-      </xsd:simpleType>
-    </xsd:element>
-    <xsd:element name="APDescription" ma:index="31" nillable="true" ma:displayName="Description" ma:default="" ma:internalName="APDescription" ma:readOnly="false">
-      <xsd:simpleType>
-        <xsd:restriction base="dms:Note"/>
-      </xsd:simpleType>
-    </xsd:element>
-    <xsd:element name="DirectSourceMarket" ma:index="32" nillable="true" ma:displayName="Direct Source Market Group" ma:default="" ma:internalName="DirectSourceMarket" ma:readOnly="false">
-      <xsd:simpleType>
-        <xsd:restriction base="dms:Text"/>
-      </xsd:simpleType>
-    </xsd:element>
-    <xsd:element name="Downloads" ma:index="33" nillable="true" ma:displayName="Downloads" ma:default="0" ma:hidden="true" ma:internalName="Downloads" ma:readOnly="false">
-      <xsd:simpleType>
-        <xsd:restriction base="dms:Unknown"/>
-      </xsd:simpleType>
-    </xsd:element>
-    <xsd:element name="DSATActionTaken" ma:index="34" nillable="true" ma:displayName="DSAT Action Taken" ma:default="" ma:internalName="DSATActionTaken" ma:readOnly="false">
-      <xsd:simpleType>
-        <xsd:restriction base="dms:Choice">
-          <xsd:enumeration value="Best Bets"/>
-          <xsd:enumeration value="Expire"/>
-          <xsd:enumeration value="Hide"/>
-          <xsd:enumeration value="None"/>
-        </xsd:restriction>
-      </xsd:simpleType>
-    </xsd:element>
-    <xsd:element name="APEditor" ma:index="35" nillable="true" ma:displayName="Editor" ma:default="" ma:list="UserInfo" ma:internalName="APEditor" ma:readOnly="false">
-      <xsd:complexType>
-        <xsd:complexContent>
-          <xsd:extension base="dms:User">
-            <xsd:sequence>
-              <xsd:element name="UserInfo" minOccurs="0" maxOccurs="unbounded">
-                <xsd:complexType>
-                  <xsd:sequence>
-                    <xsd:element name="DisplayName" type="xsd:string" minOccurs="0"/>
-                    <xsd:element name="AccountId" type="dms:UserId" minOccurs="0" nillable="true"/>
-                    <xsd:element name="AccountType" type="xsd:string" minOccurs="0"/>
-                  </xsd:sequence>
-                </xsd:complexType>
-              </xsd:element>
-            </xsd:sequence>
-          </xsd:extension>
-        </xsd:complexContent>
-      </xsd:complexType>
-    </xsd:element>
-    <xsd:element name="EditorialStatus" ma:index="36" nillable="true" ma:displayName="Editorial Status" ma:default="" ma:internalName="EditorialStatus" ma:readOnly="false">
-      <xsd:simpleType>
-        <xsd:restriction base="dms:Unknown"/>
-      </xsd:simpleType>
-    </xsd:element>
-    <xsd:element name="EditorialTags" ma:index="37" nillable="true" ma:displayName="Editorial Tags" ma:default="" ma:internalName="EditorialTags">
-      <xsd:simpleType>
-        <xsd:restriction base="dms:Unknown"/>
-      </xsd:simpleType>
-    </xsd:element>
-    <xsd:element name="TPExecutable" ma:index="38" nillable="true" ma:displayName="Executable" ma:default="" ma:internalName="TPExecutable">
-      <xsd:simpleType>
-        <xsd:restriction base="dms:Text"/>
-      </xsd:simpleType>
-    </xsd:element>
-    <xsd:element name="FeatureTagsTaxHTField0" ma:index="40" nillable="true" ma:taxonomy="true" ma:internalName="FeatureTagsTaxHTField0" ma:taxonomyFieldName="FeatureTags" ma:displayName="Features" ma:readOnly="false" ma:default="" ma:fieldId="{7fc0d542-15c6-4882-a8e3-13bca44403fb}" ma:taxonomyMulti="true" ma:sspId="8f79753a-75d3-41f5-8ca3-40b843941b4f" ma:termSetId="f1ab6845-967d-4854-a0ba-4ec07f0f8113" ma:anchorId="00000000-0000-0000-0000-000000000000" ma:open="false" ma:isKeyword="false">
-      <xsd:complexType>
-        <xsd:sequence>
-          <xsd:element ref="pc:Terms" minOccurs="0" maxOccurs="1"/>
-        </xsd:sequence>
-      </xsd:complexType>
-    </xsd:element>
-    <xsd:element name="TPFriendlyName" ma:index="41" nillable="true" ma:displayName="Friendly Name" ma:default="" ma:internalName="TPFriendlyName">
-      <xsd:simpleType>
-        <xsd:restriction base="dms:Text"/>
-      </xsd:simpleType>
-    </xsd:element>
-    <xsd:element name="FriendlyTitle" ma:index="42" nillable="true" ma:displayName="Friendly Title" ma:default="" ma:description="Shorter title to be used when displaying search results" ma:internalName="FriendlyTitle" ma:readOnly="false">
-      <xsd:simpleType>
-        <xsd:restriction base="dms:Text"/>
-      </xsd:simpleType>
-    </xsd:element>
-    <xsd:element name="PrimaryImageGen" ma:index="43" nillable="true" ma:displayName="Generate Images?" ma:default="true" ma:internalName="PrimaryImageGen">
-      <xsd:simpleType>
-        <xsd:restriction base="dms:Boolean"/>
-      </xsd:simpleType>
-    </xsd:element>
-    <xsd:element name="HandoffToMSDN" ma:index="44" nillable="true" ma:displayName="Handoff To MSDN Date" ma:default="" ma:internalName="HandoffToMSDN" ma:readOnly="false">
-      <xsd:simpleType>
-        <xsd:restriction base="dms:DateTime"/>
-      </xsd:simpleType>
-    </xsd:element>
-    <xsd:element name="InProjectListLookup" ma:index="45" nillable="true" ma:displayName="InProjectListLookup" ma:list="{9E343742-310B-4684-A24C-1D137CB4B230}" ma:internalName="InProjectListLookup" ma:readOnly="true" ma:showField="InProjectList" ma:web="4873beb7-5857-4685-be1f-d57550cc96cc">
-      <xsd:complexType>
-        <xsd:complexContent>
-          <xsd:extension base="dms:MultiChoiceLookup">
-            <xsd:sequence>
-              <xsd:element name="Value" type="dms:Lookup" maxOccurs="unbounded" minOccurs="0" nillable="true"/>
-            </xsd:sequence>
-          </xsd:extension>
-        </xsd:complexContent>
-      </xsd:complexType>
-    </xsd:element>
-    <xsd:element name="TPInstallLocation" ma:index="46" nillable="true" ma:displayName="Install Location" ma:default="" ma:internalName="TPInstallLocation">
-      <xsd:simpleType>
-        <xsd:restriction base="dms:Text"/>
-      </xsd:simpleType>
-    </xsd:element>
-    <xsd:element name="InternalTagsTaxHTField0" ma:index="48" nillable="true" ma:taxonomy="true" ma:internalName="InternalTagsTaxHTField0" ma:taxonomyFieldName="InternalTags" ma:displayName="Internal Tags" ma:readOnly="false" ma:default="" ma:fieldId="{1490b8a4-2706-41ec-b5e3-73176dccf34e}" ma:taxonomyMulti="true" ma:sspId="8f79753a-75d3-41f5-8ca3-40b843941b4f" ma:termSetId="82b6639e-f7fc-4c18-ad2d-003a6e707765" ma:anchorId="00000000-0000-0000-0000-000000000000" ma:open="false" ma:isKeyword="false">
-      <xsd:complexType>
-        <xsd:sequence>
-          <xsd:element ref="pc:Terms" minOccurs="0" maxOccurs="1"/>
-        </xsd:sequence>
-      </xsd:complexType>
-    </xsd:element>
-    <xsd:element name="IntlLangReview" ma:index="49" nillable="true" ma:displayName="Intl Lang QA Review Required?" ma:default="" ma:internalName="IntlLangReview" ma:readOnly="false">
-      <xsd:simpleType>
-        <xsd:restriction base="dms:Boolean"/>
-      </xsd:simpleType>
-    </xsd:element>
-    <xsd:element name="IntlLangReviewer" ma:index="50" nillable="true" ma:displayName="Intl Lang QA Reviewer" ma:default="" ma:internalName="IntlLangReviewer" ma:readOnly="false">
-      <xsd:simpleType>
-        <xsd:restriction base="dms:Text"/>
-      </xsd:simpleType>
-    </xsd:element>
-    <xsd:element name="MarketSpecific" ma:index="51" nillable="true" ma:displayName="Is Market Specific?" ma:default="" ma:internalName="MarketSpecific" ma:readOnly="false">
-      <xsd:simpleType>
-        <xsd:restriction base="dms:Boolean"/>
-      </xsd:simpleType>
-    </xsd:element>
-    <xsd:element name="LastCompleteVersionLookup" ma:index="52" nillable="true" ma:displayName="Last Complete Version Lookup" ma:default="" ma:list="{9E343742-310B-4684-A24C-1D137CB4B230}" ma:internalName="LastCompleteVersionLookup" ma:readOnly="true" ma:showField="LastCompleteVersion" ma:web="4873beb7-5857-4685-be1f-d57550cc96cc">
-      <xsd:complexType>
-        <xsd:complexContent>
-          <xsd:extension base="dms:MultiChoiceLookup">
-            <xsd:sequence>
-              <xsd:element name="Value" type="dms:Lookup" maxOccurs="unbounded" minOccurs="0" nillable="true"/>
-            </xsd:sequence>
-          </xsd:extension>
-        </xsd:complexContent>
-      </xsd:complexType>
-    </xsd:element>
-    <xsd:element name="LastHandOff" ma:index="53" nillable="true" ma:displayName="Last Hand-off" ma:default="" ma:internalName="LastHandOff" ma:readOnly="false">
-      <xsd:simpleType>
-        <xsd:restriction base="dms:DateTime"/>
-      </xsd:simpleType>
-    </xsd:element>
-    <xsd:element name="LastModifiedDateTime" ma:index="54" nillable="true" ma:displayName="Last Modified Date" ma:default="" ma:internalName="LastModifiedDateTime" ma:readOnly="false">
-      <xsd:simpleType>
-        <xsd:restriction base="dms:DateTime"/>
-      </xsd:simpleType>
-    </xsd:element>
-    <xsd:element name="LastPreviewErrorLookup" ma:index="55" nillable="true" ma:displayName="Last Preview Attempt Error" ma:default="" ma:list="{9E343742-310B-4684-A24C-1D137CB4B230}" ma:internalName="LastPreviewErrorLookup" ma:readOnly="true" ma:showField="LastPreviewError" ma:web="4873beb7-5857-4685-be1f-d57550cc96cc">
-      <xsd:complexType>
-        <xsd:complexContent>
-          <xsd:extension base="dms:MultiChoiceLookup">
-            <xsd:sequence>
-              <xsd:element name="Value" type="dms:Lookup" maxOccurs="unbounded" minOccurs="0" nillable="true"/>
-            </xsd:sequence>
-          </xsd:extension>
-        </xsd:complexContent>
-      </xsd:complexType>
-    </xsd:element>
-    <xsd:element name="LastPreviewResultLookup" ma:index="56" nillable="true" ma:displayName="Last Preview Attempt Result" ma:default="" ma:list="{9E343742-310B-4684-A24C-1D137CB4B230}" ma:internalName="LastPreviewResultLookup" ma:readOnly="true" ma:showField="LastPreviewResult" ma:web="4873beb7-5857-4685-be1f-d57550cc96cc">
-      <xsd:complexType>
-        <xsd:complexContent>
-          <xsd:extension base="dms:MultiChoiceLookup">
-            <xsd:sequence>
-              <xsd:element name="Value" type="dms:Lookup" maxOccurs="unbounded" minOccurs="0" nillable="true"/>
-            </xsd:sequence>
-          </xsd:extension>
-        </xsd:complexContent>
-      </xsd:complexType>
-    </xsd:element>
-    <xsd:element name="LastPreviewAttemptDateLookup" ma:index="57" nillable="true" ma:displayName="Last Preview Attempted On" ma:default="" ma:list="{9E343742-310B-4684-A24C-1D137CB4B230}" ma:internalName="LastPreviewAttemptDateLookup" ma:readOnly="true" ma:showField="LastPreviewAttemptDate" ma:web="4873beb7-5857-4685-be1f-d57550cc96cc">
-      <xsd:complexType>
-        <xsd:complexContent>
-          <xsd:extension base="dms:MultiChoiceLookup">
-            <xsd:sequence>
-              <xsd:element name="Value" type="dms:Lookup" maxOccurs="unbounded" minOccurs="0" nillable="true"/>
-            </xsd:sequence>
-          </xsd:extension>
-        </xsd:complexContent>
-      </xsd:complexType>
-    </xsd:element>
-    <xsd:element name="LastPreviewedByLookup" ma:index="58" nillable="true" ma:displayName="Last Previewed By" ma:default="" ma:list="{9E343742-310B-4684-A24C-1D137CB4B230}" ma:internalName="LastPreviewedByLookup" ma:readOnly="true" ma:showField="LastPreviewedBy" ma:web="4873beb7-5857-4685-be1f-d57550cc96cc">
-      <xsd:complexType>
-        <xsd:complexContent>
-          <xsd:extension base="dms:MultiChoiceLookup">
-            <xsd:sequence>
-              <xsd:element name="Value" type="dms:Lookup" maxOccurs="unbounded" minOccurs="0" nillable="true"/>
-            </xsd:sequence>
-          </xsd:extension>
-        </xsd:complexContent>
-      </xsd:complexType>
-    </xsd:element>
-    <xsd:element name="LastPreviewTimeLookup" ma:index="59" nillable="true" ma:displayName="Last Previewed Date" ma:default="" ma:list="{9E343742-310B-4684-A24C-1D137CB4B230}" ma:internalName="LastPreviewTimeLookup" ma:readOnly="true" ma:showField="LastPreviewTime" ma:web="4873beb7-5857-4685-be1f-d57550cc96cc">
-      <xsd:complexType>
-        <xsd:complexContent>
-          <xsd:extension base="dms:MultiChoiceLookup">
-            <xsd:sequence>
-              <xsd:element name="Value" type="dms:Lookup" maxOccurs="unbounded" minOccurs="0" nillable="true"/>
-            </xsd:sequence>
-          </xsd:extension>
-        </xsd:complexContent>
-      </xsd:complexType>
-    </xsd:element>
-    <xsd:element name="LastPreviewVersionLookup" ma:index="60" nillable="true" ma:displayName="Last Previewed Version" ma:default="" ma:list="{9E343742-310B-4684-A24C-1D137CB4B230}" ma:internalName="LastPreviewVersionLookup" ma:readOnly="true" ma:showField="LastPreviewVersion" ma:web="4873beb7-5857-4685-be1f-d57550cc96cc">
-      <xsd:complexType>
-        <xsd:complexContent>
-          <xsd:extension base="dms:MultiChoiceLookup">
-            <xsd:sequence>
-              <xsd:element name="Value" type="dms:Lookup" maxOccurs="unbounded" minOccurs="0" nillable="true"/>
-            </xsd:sequence>
-          </xsd:extension>
-        </xsd:complexContent>
-      </xsd:complexType>
-    </xsd:element>
-    <xsd:element name="LastPublishErrorLookup" ma:index="61" nillable="true" ma:displayName="Last Publish Attempt Error" ma:default="" ma:list="{9E343742-310B-4684-A24C-1D137CB4B230}" ma:internalName="LastPublishErrorLookup" ma:readOnly="true" ma:showField="LastPublishError" ma:web="4873beb7-5857-4685-be1f-d57550cc96cc">
-      <xsd:complexType>
-        <xsd:complexContent>
-          <xsd:extension base="dms:MultiChoiceLookup">
-            <xsd:sequence>
-              <xsd:element name="Value" type="dms:Lookup" maxOccurs="unbounded" minOccurs="0" nillable="true"/>
-            </xsd:sequence>
-          </xsd:extension>
-        </xsd:complexContent>
-      </xsd:complexType>
-    </xsd:element>
-    <xsd:element name="LastPublishResultLookup" ma:index="62" nillable="true" ma:displayName="Last Publish Attempt Result" ma:default="" ma:list="{9E343742-310B-4684-A24C-1D137CB4B230}" ma:internalName="LastPublishResultLookup" ma:readOnly="true" ma:showField="LastPublishResult" ma:web="4873beb7-5857-4685-be1f-d57550cc96cc">
-      <xsd:complexType>
-        <xsd:complexContent>
-          <xsd:extension base="dms:MultiChoiceLookup">
-            <xsd:sequence>
-              <xsd:element name="Value" type="dms:Lookup" maxOccurs="unbounded" minOccurs="0" nillable="true"/>
-            </xsd:sequence>
-          </xsd:extension>
-        </xsd:complexContent>
-      </xsd:complexType>
-    </xsd:element>
-    <xsd:element name="LastPublishAttemptDateLookup" ma:index="63" nillable="true" ma:displayName="Last Publish Attempted On" ma:default="" ma:list="{9E343742-310B-4684-A24C-1D137CB4B230}" ma:internalName="LastPublishAttemptDateLookup" ma:readOnly="true" ma:showField="LastPublishAttemptDate" ma:web="4873beb7-5857-4685-be1f-d57550cc96cc">
-      <xsd:complexType>
-        <xsd:complexContent>
-          <xsd:extension base="dms:MultiChoiceLookup">
-            <xsd:sequence>
-              <xsd:element name="Value" type="dms:Lookup" maxOccurs="unbounded" minOccurs="0" nillable="true"/>
-            </xsd:sequence>
-          </xsd:extension>
-        </xsd:complexContent>
-      </xsd:complexType>
-    </xsd:element>
-    <xsd:element name="LastPublishedByLookup" ma:index="64" nillable="true" ma:displayName="Last Published By" ma:default="" ma:list="{9E343742-310B-4684-A24C-1D137CB4B230}" ma:internalName="LastPublishedByLookup" ma:readOnly="true" ma:showField="LastPublishedBy" ma:web="4873beb7-5857-4685-be1f-d57550cc96cc">
-      <xsd:complexType>
-        <xsd:complexContent>
-          <xsd:extension base="dms:MultiChoiceLookup">
-            <xsd:sequence>
-              <xsd:element name="Value" type="dms:Lookup" maxOccurs="unbounded" minOccurs="0" nillable="true"/>
-            </xsd:sequence>
-          </xsd:extension>
-        </xsd:complexContent>
-      </xsd:complexType>
-    </xsd:element>
-    <xsd:element name="LastPublishTimeLookup" ma:index="65" nillable="true" ma:displayName="Last Published Date" ma:default="" ma:list="{9E343742-310B-4684-A24C-1D137CB4B230}" ma:internalName="LastPublishTimeLookup" ma:readOnly="true" ma:showField="LastPublishTime" ma:web="4873beb7-5857-4685-be1f-d57550cc96cc">
-      <xsd:complexType>
-        <xsd:complexContent>
-          <xsd:extension base="dms:MultiChoiceLookup">
-            <xsd:sequence>
-              <xsd:element name="Value" type="dms:Lookup" maxOccurs="unbounded" minOccurs="0" nillable="true"/>
-            </xsd:sequence>
-          </xsd:extension>
-        </xsd:complexContent>
-      </xsd:complexType>
-    </xsd:element>
-    <xsd:element name="LastPublishVersionLookup" ma:index="66" nillable="true" ma:displayName="Last Published Version" ma:default="" ma:list="{9E343742-310B-4684-A24C-1D137CB4B230}" ma:internalName="LastPublishVersionLookup" ma:readOnly="true" ma:showField="LastPublishVersion" ma:web="4873beb7-5857-4685-be1f-d57550cc96cc">
-      <xsd:complexType>
-        <xsd:complexContent>
-          <xsd:extension base="dms:MultiChoiceLookup">
-            <xsd:sequence>
-              <xsd:element name="Value" type="dms:Lookup" maxOccurs="unbounded" minOccurs="0" nillable="true"/>
-            </xsd:sequence>
-          </xsd:extension>
-        </xsd:complexContent>
-      </xsd:complexType>
-    </xsd:element>
-    <xsd:element name="TPLaunchHelpLinkType" ma:index="67" nillable="true" ma:displayName="Launch Help Link Type" ma:default="Template" ma:internalName="TPLaunchHelpLinkType">
-      <xsd:simpleType>
-        <xsd:restriction base="dms:Choice">
-          <xsd:enumeration value="Template"/>
-          <xsd:enumeration value="Training"/>
-          <xsd:enumeration value="URL"/>
-          <xsd:enumeration value="None"/>
-        </xsd:restriction>
-      </xsd:simpleType>
-    </xsd:element>
-    <xsd:element name="LegacyData" ma:index="68" nillable="true" ma:displayName="Legacy Data" ma:default="" ma:internalName="LegacyData" ma:readOnly="false">
-      <xsd:simpleType>
-        <xsd:restriction base="dms:Note"/>
-      </xsd:simpleType>
-    </xsd:element>
-    <xsd:element name="TPLaunchHelpLink" ma:index="69" nillable="true" ma:displayName="Link to Launch Help Topic" ma:default="" ma:internalName="TPLaunchHelpLink">
-      <xsd:simpleType>
-        <xsd:restriction base="dms:Text"/>
-      </xsd:simpleType>
-    </xsd:element>
-    <xsd:element name="LocComments" ma:index="70" nillable="true" ma:displayName="Loc Approval Comments" ma:default="" ma:internalName="LocComments" ma:readOnly="false">
-      <xsd:simpleType>
-        <xsd:restriction base="dms:Note"/>
-      </xsd:simpleType>
-    </xsd:element>
-    <xsd:element name="LocLastLocAttemptVersionLookup" ma:index="71" nillable="true" ma:displayName="Loc Last Loc Attempt Version" ma:default="" ma:list="{7DD1DCEC-E449-43D3-891F-7DC62F62AD21}" ma:internalName="LocLastLocAttemptVersionLookup" ma:readOnly="false" ma:showField="LastLocAttemptVersion" ma:web="4873beb7-5857-4685-be1f-d57550cc96cc">
-      <xsd:simpleType>
-        <xsd:restriction base="dms:Lookup"/>
-      </xsd:simpleType>
-    </xsd:element>
-    <xsd:element name="LocLastLocAttemptVersionTypeLookup" ma:index="72" nillable="true" ma:displayName="Loc Last Loc Attempt Version Type" ma:default="" ma:list="{7DD1DCEC-E449-43D3-891F-7DC62F62AD21}" ma:internalName="LocLastLocAttemptVersionTypeLookup" ma:readOnly="true" ma:showField="LastLocAttemptVersionType" ma:web="4873beb7-5857-4685-be1f-d57550cc96cc">
-      <xsd:simpleType>
-        <xsd:restriction base="dms:Lookup"/>
-      </xsd:simpleType>
-    </xsd:element>
-    <xsd:element name="LocManualTestRequired" ma:index="73" nillable="true" ma:displayName="Loc Manual Test Required" ma:default="" ma:internalName="LocManualTestRequired" ma:readOnly="false">
-      <xsd:simpleType>
-        <xsd:restriction base="dms:Boolean"/>
-      </xsd:simpleType>
-    </xsd:element>
-    <xsd:element name="LocMarketGroupTiers2" ma:index="74" nillable="true" ma:displayName="Loc Market Group Tiers" ma:internalName="LocMarketGroupTiers2" ma:readOnly="false">
-      <xsd:simpleType>
-        <xsd:restriction base="dms:Unknown"/>
-      </xsd:simpleType>
-    </xsd:element>
-    <xsd:element name="LocNewPublishedVersionLookup" ma:index="75" nillable="true" ma:displayName="Loc New Published Version Lookup" ma:default="" ma:list="{7DD1DCEC-E449-43D3-891F-7DC62F62AD21}" ma:internalName="LocNewPublishedVersionLookup" ma:readOnly="true" ma:showField="NewPublishedVersion" ma:web="4873beb7-5857-4685-be1f-d57550cc96cc">
-      <xsd:simpleType>
-        <xsd:restriction base="dms:Lookup"/>
-      </xsd:simpleType>
-    </xsd:element>
-    <xsd:element name="LocOverallHandbackStatusLookup" ma:index="76" nillable="true" ma:displayName="Loc Overall Handback Status" ma:default="" ma:list="{7DD1DCEC-E449-43D3-891F-7DC62F62AD21}" ma:internalName="LocOverallHandbackStatusLookup" ma:readOnly="true" ma:showField="OverallHandbackStatus" ma:web="4873beb7-5857-4685-be1f-d57550cc96cc">
-      <xsd:simpleType>
-        <xsd:restriction base="dms:Lookup"/>
-      </xsd:simpleType>
-    </xsd:element>
-    <xsd:element name="LocOverallLocStatusLookup" ma:index="77" nillable="true" ma:displayName="Loc Overall Localize Status" ma:default="" ma:list="{7DD1DCEC-E449-43D3-891F-7DC62F62AD21}" ma:internalName="LocOverallLocStatusLookup" ma:readOnly="true" ma:showField="OverallLocStatus" ma:web="4873beb7-5857-4685-be1f-d57550cc96cc">
-      <xsd:simpleType>
-        <xsd:restriction base="dms:Lookup"/>
-      </xsd:simpleType>
-    </xsd:element>
-    <xsd:element name="LocOverallPreviewStatusLookup" ma:index="78" nillable="true" ma:displayName="Loc Overall Preview Status" ma:default="" ma:list="{7DD1DCEC-E449-43D3-891F-7DC62F62AD21}" ma:internalName="LocOverallPreviewStatusLookup" ma:readOnly="true" ma:showField="OverallPreviewStatus" ma:web="4873beb7-5857-4685-be1f-d57550cc96cc">
-      <xsd:simpleType>
-        <xsd:restriction base="dms:Lookup"/>
-      </xsd:simpleType>
-    </xsd:element>
-    <xsd:element name="LocOverallPublishStatusLookup" ma:index="79" nillable="true" ma:displayName="Loc Overall Publish Status" ma:default="" ma:list="{7DD1DCEC-E449-43D3-891F-7DC62F62AD21}" ma:internalName="LocOverallPublishStatusLookup" ma:readOnly="true" ma:showField="OverallPublishStatus" ma:web="4873beb7-5857-4685-be1f-d57550cc96cc">
-      <xsd:simpleType>
-        <xsd:restriction base="dms:Lookup"/>
-      </xsd:simpleType>
-    </xsd:element>
-    <xsd:element name="IntlLocPriority" ma:index="80" nillable="true" ma:displayName="Loc Priority" ma:default="" ma:internalName="IntlLocPriority" ma:readOnly="false">
-      <xsd:simpleType>
-        <xsd:restriction base="dms:Unknown"/>
-      </xsd:simpleType>
-    </xsd:element>
-    <xsd:element name="LocProcessedForHandoffsLookup" ma:index="81" nillable="true" ma:displayName="Loc Processed For Handoffs" ma:default="" ma:list="{7DD1DCEC-E449-43D3-891F-7DC62F62AD21}" ma:internalName="LocProcessedForHandoffsLookup" ma:readOnly="true" ma:showField="ProcessedForHandoffs" ma:web="4873beb7-5857-4685-be1f-d57550cc96cc">
-      <xsd:simpleType>
-        <xsd:restriction base="dms:Lookup"/>
-      </xsd:simpleType>
-    </xsd:element>
-    <xsd:element name="LocProcessedForMarketsLookup" ma:index="82" nillable="true" ma:displayName="Loc Processed For Markets" ma:default="" ma:list="{7DD1DCEC-E449-43D3-891F-7DC62F62AD21}" ma:internalName="LocProcessedForMarketsLookup" ma:readOnly="true" ma:showField="ProcessedForMarkets" ma:web="4873beb7-5857-4685-be1f-d57550cc96cc">
-      <xsd:simpleType>
-        <xsd:restriction base="dms:Lookup"/>
-      </xsd:simpleType>
-    </xsd:element>
-    <xsd:element name="LocPublishedDependentAssetsLookup" ma:index="83" nillable="true" ma:displayName="Loc Published Dependent Assets" ma:default="" ma:list="{7DD1DCEC-E449-43D3-891F-7DC62F62AD21}" ma:internalName="LocPublishedDependentAssetsLookup" ma:readOnly="true" ma:showField="PublishedDependentAssets" ma:web="4873beb7-5857-4685-be1f-d57550cc96cc">
-      <xsd:simpleType>
-        <xsd:restriction base="dms:Lookup"/>
-      </xsd:simpleType>
-    </xsd:element>
-    <xsd:element name="LocPublishedLinkedAssetsLookup" ma:index="84" nillable="true" ma:displayName="Loc Published Linked Assets" ma:default="" ma:list="{7DD1DCEC-E449-43D3-891F-7DC62F62AD21}" ma:internalName="LocPublishedLinkedAssetsLookup" ma:readOnly="true" ma:showField="PublishedLinkedAssets" ma:web="4873beb7-5857-4685-be1f-d57550cc96cc">
-      <xsd:simpleType>
-        <xsd:restriction base="dms:Lookup"/>
-      </xsd:simpleType>
-    </xsd:element>
-    <xsd:element name="LocRecommendedHandoff" ma:index="85" nillable="true" ma:displayName="Loc Recommended Handoff" ma:default="" ma:indexed="true" ma:internalName="LocRecommendedHandoff" ma:readOnly="false">
-      <xsd:simpleType>
-        <xsd:restriction base="dms:Text"/>
-      </xsd:simpleType>
-    </xsd:element>
-    <xsd:element name="LocalizationTagsTaxHTField0" ma:index="87" nillable="true" ma:taxonomy="true" ma:internalName="LocalizationTagsTaxHTField0" ma:taxonomyFieldName="LocalizationTags" ma:displayName="Localization Tags" ma:readOnly="false" ma:default="" ma:fieldId="{00f02cb3-2c7c-424a-9c61-10e9b6878429}" ma:taxonomyMulti="true" ma:sspId="8f79753a-75d3-41f5-8ca3-40b843941b4f" ma:termSetId="5b7703a5-8e8b-4b58-8b31-1cea35331da3" ma:anchorId="00000000-0000-0000-0000-000000000000" ma:open="false" ma:isKeyword="false">
-      <xsd:complexType>
-        <xsd:sequence>
-          <xsd:element ref="pc:Terms" minOccurs="0" maxOccurs="1"/>
-        </xsd:sequence>
-      </xsd:complexType>
-    </xsd:element>
-    <xsd:element name="MachineTranslated" ma:index="88" nillable="true" ma:displayName="Machine Translated" ma:default="" ma:internalName="MachineTranslated" ma:readOnly="false">
-      <xsd:simpleType>
-        <xsd:restriction base="dms:Boolean"/>
-      </xsd:simpleType>
-    </xsd:element>
-    <xsd:element name="Manager" ma:index="89" nillable="true" ma:displayName="Manager" ma:hidden="true" ma:internalName="Manager" ma:readOnly="false">
-      <xsd:simpleType>
-        <xsd:restriction base="dms:Text"/>
-      </xsd:simpleType>
-    </xsd:element>
-    <xsd:element name="Markets" ma:index="90" nillable="true" ma:displayName="Markets" ma:default="" ma:description="Leave blank to show in all markets" ma:list="{2FBD1B11-2ACE-4FDC-B5A3-635D4ADF6F1B}" ma:internalName="Markets" ma:readOnly="false" ma:showField="MarketName" ma:web="4873beb7-5857-4685-be1f-d57550cc96cc">
-      <xsd:complexType>
-        <xsd:complexContent>
-          <xsd:extension base="dms:MultiChoiceLookup">
-            <xsd:sequence>
-              <xsd:element name="Value" type="dms:Lookup" maxOccurs="unbounded" minOccurs="0" nillable="true"/>
-            </xsd:sequence>
-          </xsd:extension>
-        </xsd:complexContent>
-      </xsd:complexType>
-    </xsd:element>
-    <xsd:element name="Milestone" ma:index="91" nillable="true" ma:displayName="Milestone" ma:default="" ma:internalName="Milestone" ma:readOnly="false">
-      <xsd:simpleType>
-        <xsd:restriction base="dms:Unknown"/>
-      </xsd:simpleType>
-    </xsd:element>
-    <xsd:element name="TPNamespace" ma:index="94" nillable="true" ma:displayName="Namespace" ma:default="" ma:internalName="TPNamespace">
-      <xsd:simpleType>
-        <xsd:restriction base="dms:Text"/>
-      </xsd:simpleType>
-    </xsd:element>
-    <xsd:element name="NumericId" ma:index="95" nillable="true" ma:displayName="Numeric ID" ma:default="" ma:indexed="true" ma:internalName="NumericId" ma:readOnly="false">
-      <xsd:simpleType>
-        <xsd:restriction base="dms:Number"/>
-      </xsd:simpleType>
-    </xsd:element>
-    <xsd:element name="NumOfRatingsLookup" ma:index="96" nillable="true" ma:displayName="NumOfRatings" ma:default="" ma:list="{9E343742-310B-4684-A24C-1D137CB4B230}" ma:internalName="NumOfRatingsLookup" ma:readOnly="true" ma:showField="NumOfRatings" ma:web="4873beb7-5857-4685-be1f-d57550cc96cc">
-      <xsd:complexType>
-        <xsd:complexContent>
-          <xsd:extension base="dms:MultiChoiceLookup">
-            <xsd:sequence>
-              <xsd:element name="Value" type="dms:Lookup" maxOccurs="unbounded" minOccurs="0" nillable="true"/>
-            </xsd:sequence>
-          </xsd:extension>
-        </xsd:complexContent>
-      </xsd:complexType>
-    </xsd:element>
-    <xsd:element name="OOCacheId" ma:index="97" nillable="true" ma:displayName="OOCacheId" ma:internalName="OOCacheId" ma:readOnly="false">
-      <xsd:simpleType>
-        <xsd:restriction base="dms:Text"/>
-      </xsd:simpleType>
-    </xsd:element>
-    <xsd:element name="OpenTemplate" ma:index="98" nillable="true" ma:displayName="Open Template" ma:default="true" ma:internalName="OpenTemplate">
-      <xsd:simpleType>
-        <xsd:restriction base="dms:Boolean"/>
-      </xsd:simpleType>
-    </xsd:element>
-    <xsd:element name="OriginAsset" ma:index="99" nillable="true" ma:displayName="Origin Asset" ma:default="" ma:internalName="OriginAsset" ma:readOnly="false">
-      <xsd:simpleType>
-        <xsd:restriction base="dms:Text"/>
-      </xsd:simpleType>
-    </xsd:element>
-    <xsd:element name="OriginalRelease" ma:index="100" nillable="true" ma:displayName="Original Release" ma:default="15" ma:internalName="OriginalRelease" ma:readOnly="false">
-      <xsd:simpleType>
-        <xsd:restriction base="dms:Choice">
-          <xsd:enumeration value="14"/>
-          <xsd:enumeration value="15"/>
-          <xsd:enumeration value="16"/>
-        </xsd:restriction>
-      </xsd:simpleType>
-    </xsd:element>
-    <xsd:element name="OriginalSourceMarket" ma:index="101" nillable="true" ma:displayName="Original Source Market Group" ma:default="" ma:internalName="OriginalSourceMarket" ma:readOnly="false">
-      <xsd:simpleType>
-        <xsd:restriction base="dms:Text"/>
-      </xsd:simpleType>
-    </xsd:element>
-    <xsd:element name="OutputCachingOn" ma:index="102" nillable="true" ma:displayName="Output Caching" ma:default="true" ma:hidden="true" ma:internalName="OutputCachingOn" ma:readOnly="false">
-      <xsd:simpleType>
-        <xsd:restriction base="dms:Boolean"/>
-      </xsd:simpleType>
-    </xsd:element>
-    <xsd:element name="ParentAssetId" ma:index="103" nillable="true" ma:displayName="Parent Asset Id" ma:default="" ma:internalName="ParentAssetId" ma:readOnly="false">
-      <xsd:simpleType>
-        <xsd:restriction base="dms:Text"/>
-      </xsd:simpleType>
-    </xsd:element>
-    <xsd:element name="PlannedPubDate" ma:index="104" nillable="true" ma:displayName="Planned Publish Date" ma:default="" ma:indexed="true" ma:internalName="PlannedPubDate" ma:readOnly="false">
-      <xsd:simpleType>
-        <xsd:restriction base="dms:DateTime"/>
-      </xsd:simpleType>
-    </xsd:element>
-    <xsd:element name="PolicheckWords" ma:index="105" nillable="true" ma:displayName="Policheck Words" ma:default="" ma:internalName="PolicheckWords" ma:readOnly="false">
-      <xsd:simpleType>
-        <xsd:restriction base="dms:Text"/>
-      </xsd:simpleType>
-    </xsd:element>
-    <xsd:element name="BusinessGroup" ma:index="106" nillable="true" ma:displayName="Product Division Owner" ma:default="" ma:internalName="BusinessGroup" ma:readOnly="false">
-      <xsd:simpleType>
-        <xsd:restriction base="dms:Unknown"/>
-      </xsd:simpleType>
-    </xsd:element>
-    <xsd:element name="UAProjectedTotalWords" ma:index="107" nillable="true" ma:displayName="Projected Word Count" ma:default="" ma:internalName="UAProjectedTotalWords" ma:readOnly="false">
-      <xsd:simpleType>
-        <xsd:restriction base="dms:Unknown"/>
-      </xsd:simpleType>
-    </xsd:element>
-    <xsd:element name="Provider" ma:index="108" nillable="true" ma:displayName="Provider" ma:default="" ma:internalName="Provider" ma:readOnly="false">
-      <xsd:simpleType>
-        <xsd:restriction base="dms:Unknown"/>
-      </xsd:simpleType>
-    </xsd:element>
-    <xsd:element name="Providers" ma:index="109" nillable="true" ma:displayName="Providers" ma:default="" ma:internalName="Providers">
-      <xsd:simpleType>
-        <xsd:restriction base="dms:Unknown"/>
-      </xsd:simpleType>
-    </xsd:element>
-    <xsd:element name="PublishStatusLookup" ma:index="110" nillable="true" ma:displayName="Publish Status" ma:default="" ma:list="{9E343742-310B-4684-A24C-1D137CB4B230}" ma:internalName="PublishStatusLookup" ma:readOnly="false" ma:showField="PublishStatus" ma:web="4873beb7-5857-4685-be1f-d57550cc96cc">
-      <xsd:complexType>
-        <xsd:complexContent>
-          <xsd:extension base="dms:MultiChoiceLookup">
-            <xsd:sequence>
-              <xsd:element name="Value" type="dms:Lookup" maxOccurs="unbounded" minOccurs="0" nillable="true"/>
-            </xsd:sequence>
-          </xsd:extension>
-        </xsd:complexContent>
-      </xsd:complexType>
-    </xsd:element>
-    <xsd:element name="PublishTargets" ma:index="111" nillable="true" ma:displayName="Publish Target" ma:default="OfficeOnlineVNext" ma:internalName="PublishTargets" ma:readOnly="false">
-      <xsd:simpleType>
-        <xsd:restriction base="dms:Unknown"/>
-      </xsd:simpleType>
-    </xsd:element>
-    <xsd:element name="RecommendationsModifier" ma:index="112" nillable="true" ma:displayName="Recommendations Modifier" ma:default="" ma:internalName="RecommendationsModifier" ma:readOnly="false">
-      <xsd:simpleType>
-        <xsd:restriction base="dms:Number"/>
-      </xsd:simpleType>
-    </xsd:element>
-    <xsd:element name="ArtSampleDocs" ma:index="113" nillable="true" ma:displayName="Sample Docs" ma:default="" ma:hidden="true" ma:internalName="ArtSampleDocs" ma:readOnly="false">
-      <xsd:simpleType>
-        <xsd:restriction base="dms:Text"/>
-      </xsd:simpleType>
-    </xsd:element>
-    <xsd:element name="ScenarioTagsTaxHTField0" ma:index="115" nillable="true" ma:taxonomy="true" ma:internalName="ScenarioTagsTaxHTField0" ma:taxonomyFieldName="ScenarioTags" ma:displayName="Scenarios" ma:readOnly="false" ma:default="" ma:fieldId="{93aef74d-6c78-4815-8310-51477dceeccc}" ma:taxonomyMulti="true" ma:sspId="8f79753a-75d3-41f5-8ca3-40b843941b4f" ma:termSetId="4b7d5f16-e2f2-4fc0-bab3-6e8b931e57d6" ma:anchorId="00000000-0000-0000-0000-000000000000" ma:open="false" ma:isKeyword="false">
-      <xsd:complexType>
-        <xsd:sequence>
-          <xsd:element ref="pc:Terms" minOccurs="0" maxOccurs="1"/>
-        </xsd:sequence>
-      </xsd:complexType>
-    </xsd:element>
-    <xsd:element name="ShowIn" ma:index="117" nillable="true" ma:displayName="Show In" ma:default="Show everywhere" ma:internalName="ShowIn" ma:readOnly="false">
-      <xsd:simpleType>
-        <xsd:restriction base="dms:Choice">
-          <xsd:enumeration value="Hide on web"/>
-          <xsd:enumeration value="On Web no search"/>
-          <xsd:enumeration value="Show everywhere"/>
-          <xsd:enumeration value="Special use only"/>
-        </xsd:restriction>
-      </xsd:simpleType>
-    </xsd:element>
-    <xsd:element name="SourceTitle" ma:index="118" nillable="true" ma:displayName="Source Title" ma:default="" ma:indexed="true" ma:internalName="SourceTitle" ma:readOnly="false">
-      <xsd:simpleType>
-        <xsd:restriction base="dms:Text"/>
-      </xsd:simpleType>
-    </xsd:element>
-    <xsd:element name="CSXSubmissionDate" ma:index="119" nillable="true" ma:displayName="Submission Date" ma:default="" ma:internalName="CSXSubmissionDate" ma:readOnly="false">
-      <xsd:simpleType>
-        <xsd:restriction base="dms:DateTime"/>
-      </xsd:simpleType>
-    </xsd:element>
-    <xsd:element name="SubmitterId" ma:index="120" nillable="true" ma:displayName="Submitter ID" ma:default="" ma:internalName="SubmitterId" ma:readOnly="false">
-      <xsd:simpleType>
-        <xsd:restriction base="dms:Text"/>
-      </xsd:simpleType>
-    </xsd:element>
-    <xsd:element name="TaxCatchAll" ma:index="121" nillable="true" ma:displayName="Taxonomy Catch All Column" ma:hidden="true" ma:list="{530f955b-6704-4601-bd83-f81d87f1e440}" ma:internalName="TaxCatchAll" ma:showField="CatchAllData" ma:web="4873beb7-5857-4685-be1f-d57550cc96cc">
-      <xsd:complexType>
-        <xsd:complexContent>
-          <xsd:extension base="dms:MultiChoiceLookup">
-            <xsd:sequence>
-              <xsd:element name="Value" type="dms:Lookup" maxOccurs="unbounded" minOccurs="0" nillable="true"/>
-            </xsd:sequence>
-          </xsd:extension>
-        </xsd:complexContent>
-      </xsd:complexType>
-    </xsd:element>
-    <xsd:element name="TaxCatchAllLabel" ma:index="122" nillable="true" ma:displayName="Taxonomy Catch All Column1" ma:hidden="true" ma:list="{530f955b-6704-4601-bd83-f81d87f1e440}" ma:internalName="TaxCatchAllLabel" ma:readOnly="true" ma:showField="CatchAllDataLabel" ma:web="4873beb7-5857-4685-be1f-d57550cc96cc">
-      <xsd:complexType>
-        <xsd:complexContent>
-          <xsd:extension base="dms:MultiChoiceLookup">
-            <xsd:sequence>
-              <xsd:element name="Value" type="dms:Lookup" maxOccurs="unbounded" minOccurs="0" nillable="true"/>
-            </xsd:sequence>
-          </xsd:extension>
-        </xsd:complexContent>
-      </xsd:complexType>
-    </xsd:element>
-    <xsd:element name="TemplateStatus" ma:index="123" nillable="true" ma:displayName="Template Status" ma:default="" ma:internalName="TemplateStatus">
-      <xsd:simpleType>
-        <xsd:restriction base="dms:Unknown"/>
-      </xsd:simpleType>
-    </xsd:element>
-    <xsd:element name="TemplateTemplateType" ma:index="124" nillable="true" ma:displayName="Template Type" ma:default="" ma:internalName="TemplateTemplateType">
-      <xsd:simpleType>
-        <xsd:restriction base="dms:Unknown"/>
-      </xsd:simpleType>
-    </xsd:element>
-    <xsd:element name="ThumbnailAssetId" ma:index="125" nillable="true" ma:displayName="Thumbnail Image Asset" ma:default="" ma:internalName="ThumbnailAssetId" ma:readOnly="false">
-      <xsd:simpleType>
-        <xsd:restriction base="dms:Text"/>
-      </xsd:simpleType>
-    </xsd:element>
-    <xsd:element name="TimesCloned" ma:index="126" nillable="true" ma:displayName="Times Cloned" ma:default="" ma:internalName="TimesCloned" ma:readOnly="false">
-      <xsd:simpleType>
-        <xsd:restriction base="dms:Number"/>
-      </xsd:simpleType>
-    </xsd:element>
-    <xsd:element name="TrustLevel" ma:index="128" nillable="true" ma:displayName="Trust Level" ma:default="1 Microsoft Managed Content" ma:internalName="TrustLevel" ma:readOnly="false">
-      <xsd:simpleType>
-        <xsd:restriction base="dms:Unknown"/>
-      </xsd:simpleType>
-    </xsd:element>
-    <xsd:element name="UALocComments" ma:index="129" nillable="true" ma:displayName="UA Loc Comments" ma:default="" ma:internalName="UALocComments" ma:readOnly="false">
-      <xsd:simpleType>
-        <xsd:restriction base="dms:Note"/>
-      </xsd:simpleType>
-    </xsd:element>
-    <xsd:element name="UALocRecommendation" ma:index="130" nillable="true" ma:displayName="UA Loc Recommendation" ma:default="Localize" ma:internalName="UALocRecommendation" ma:readOnly="false">
-      <xsd:simpleType>
-        <xsd:restriction base="dms:Choice">
-          <xsd:enumeration value="Localize"/>
-          <xsd:enumeration value="Never Localize"/>
-          <xsd:enumeration value="Priority Localize"/>
-        </xsd:restriction>
-      </xsd:simpleType>
-    </xsd:element>
-    <xsd:element name="UANotes" ma:index="131" nillable="true" ma:displayName="UA Notes" ma:default="" ma:internalName="UANotes" ma:readOnly="false">
-      <xsd:simpleType>
-        <xsd:restriction base="dms:Note"/>
-      </xsd:simpleType>
-    </xsd:element>
-    <xsd:element name="TPAppVersion" ma:index="132" nillable="true" ma:displayName="Version" ma:default="" ma:internalName="TPAppVersion">
-      <xsd:simpleType>
-        <xsd:restriction base="dms:Text"/>
-      </xsd:simpleType>
-    </xsd:element>
-    <xsd:element name="VoteCount" ma:index="133" nillable="true" ma:displayName="Vote Count" ma:default="" ma:internalName="VoteCount" ma:readOnly="false">
-      <xsd:simpleType>
-        <xsd:restriction base="dms:Unknown"/>
-      </xsd:simpleType>
-    </xsd:element>
-  </xsd:schema>
-  <xsd:schema xmlns="http://schemas.openxmlformats.org/package/2006/metadata/core-properties" xmlns:xsd="http://www.w3.org/2001/XMLSchema" xmlns:xsi="http://www.w3.org/2001/XMLSchema-instance" xmlns:dc="http://purl.org/dc/elements/1.1/" xmlns:dcterms="http://purl.org/dc/terms/" xmlns:odoc="http://schemas.microsoft.com/internal/obd" targetNamespace="http://schemas.openxmlformats.org/package/2006/metadata/core-properties" elementFormDefault="qualified" attributeFormDefault="unqualified" blockDefault="#all">
-    <xsd:import namespace="http://purl.org/dc/elements/1.1/" schemaLocation="http://dublincore.org/schemas/xmls/qdc/2003/04/02/dc.xsd"/>
-    <xsd:import namespace="http://purl.org/dc/terms/" schemaLocation="http://dublincore.org/schemas/xmls/qdc/2003/04/02/dcterms.xsd"/>
-    <xsd:element name="coreProperties" type="CT_coreProperties"/>
-    <xsd:complexType name="CT_coreProperties">
-      <xsd:all>
-        <xsd:element ref="dc:creator" minOccurs="0" maxOccurs="1"/>
-        <xsd:element ref="dcterms:created" minOccurs="0" maxOccurs="1"/>
-        <xsd:element ref="dc:identifier" minOccurs="0" maxOccurs="1"/>
-        <xsd:element name="contentType" minOccurs="0" maxOccurs="1" type="xsd:string" ma:index="22" ma:displayName="Content Type"/>
-        <xsd:element ref="dc:title" minOccurs="0" maxOccurs="1" ma:index="127" ma:displayName="Title"/>
-        <xsd:element ref="dc:subject" minOccurs="0" maxOccurs="1"/>
-        <xsd:element ref="dc:description" minOccurs="0" maxOccurs="1"/>
-        <xsd:element name="keywords" minOccurs="0" maxOccurs="1" type="xsd:string"/>
-        <xsd:element ref="dc:language" minOccurs="0" maxOccurs="1"/>
-        <xsd:element name="category" minOccurs="0" maxOccurs="1" type="xsd:string"/>
-        <xsd:element name="version" minOccurs="0" maxOccurs="1" type="xsd:string"/>
-        <xsd:element name="revision" minOccurs="0" maxOccurs="1" type="xsd:string">
-          <xsd:annotation>
-            <xsd:documentation>
-                        This value indicates the number of saves or revisions. The application is responsible for updating this value after each revision.
-                    </xsd:documentation>
-          </xsd:annotation>
-        </xsd:element>
-        <xsd:element name="lastModifiedBy" minOccurs="0" maxOccurs="1" type="xsd:string"/>
-        <xsd:element ref="dcterms:modified" minOccurs="0" maxOccurs="1"/>
-        <xsd:element name="contentStatus" minOccurs="0" maxOccurs="1" type="xsd:string"/>
-      </xsd:all>
-    </xsd:complexType>
-  </xsd:schema>
-  <xs:schema xmlns:pc="http://schemas.microsoft.com/office/infopath/2007/PartnerControls" xmlns:xs="http://www.w3.org/2001/XMLSchema" targetNamespace="http://schemas.microsoft.com/office/infopath/2007/PartnerControls" elementFormDefault="qualified" attributeFormDefault="unqualified">
-    <xs:element name="Person">
-      <xs:complexType>
-        <xs:sequence>
-          <xs:element ref="pc:DisplayName" minOccurs="0"/>
-          <xs:element ref="pc:AccountId" minOccurs="0"/>
-          <xs:element ref="pc:AccountType" minOccurs="0"/>
-        </xs:sequence>
-      </xs:complexType>
-    </xs:element>
-    <xs:element name="DisplayName" type="xs:string"/>
-    <xs:element name="AccountId" type="xs:string"/>
-    <xs:element name="AccountType" type="xs:string"/>
-    <xs:element name="BDCAssociatedEntity">
-      <xs:complexType>
-        <xs:sequence>
-          <xs:element ref="pc:BDCEntity" minOccurs="0" maxOccurs="unbounded"/>
-        </xs:sequence>
-        <xs:attribute ref="pc:EntityNamespace"/>
-        <xs:attribute ref="pc:EntityName"/>
-        <xs:attribute ref="pc:SystemInstanceName"/>
-        <xs:attribute ref="pc:AssociationName"/>
-      </xs:complexType>
-    </xs:element>
-    <xs:attribute name="EntityNamespace" type="xs:string"/>
-    <xs:attribute name="EntityName" type="xs:string"/>
-    <xs:attribute name="SystemInstanceName" type="xs:string"/>
-    <xs:attribute name="AssociationName" type="xs:string"/>
-    <xs:element name="BDCEntity">
-      <xs:complexType>
-        <xs:sequence>
-          <xs:element ref="pc:EntityDisplayName" minOccurs="0"/>
-          <xs:element ref="pc:EntityInstanceReference" minOccurs="0"/>
-          <xs:element ref="pc:EntityId1" minOccurs="0"/>
-          <xs:element ref="pc:EntityId2" minOccurs="0"/>
-          <xs:element ref="pc:EntityId3" minOccurs="0"/>
-          <xs:element ref="pc:EntityId4" minOccurs="0"/>
-          <xs:element ref="pc:EntityId5" minOccurs="0"/>
-        </xs:sequence>
-      </xs:complexType>
-    </xs:element>
-    <xs:element name="EntityDisplayName" type="xs:string"/>
-    <xs:element name="EntityInstanceReference" type="xs:string"/>
-    <xs:element name="EntityId1" type="xs:string"/>
-    <xs:element name="EntityId2" type="xs:string"/>
-    <xs:element name="EntityId3" type="xs:string"/>
-    <xs:element name="EntityId4" type="xs:string"/>
-    <xs:element name="EntityId5" type="xs:string"/>
-    <xs:element name="Terms">
-      <xs:complexType>
-        <xs:sequence>
-          <xs:element ref="pc:TermInfo" minOccurs="0" maxOccurs="unbounded"/>
-        </xs:sequence>
-      </xs:complexType>
-    </xs:element>
-    <xs:element name="TermInfo">
-      <xs:complexType>
-        <xs:sequence>
-          <xs:element ref="pc:TermName" minOccurs="0"/>
-          <xs:element ref="pc:TermId" minOccurs="0"/>
-        </xs:sequence>
-      </xs:complexType>
-    </xs:element>
-    <xs:element name="TermName" type="xs:string"/>
-    <xs:element name="TermId" type="xs:string"/>
-  </xs:schema>
-</ct:contentTypeSchema>
-</file>
-
 <file path=customXml/itemProps1.xml><?xml version="1.0" encoding="utf-8"?>
-<ds:datastoreItem xmlns:ds="http://schemas.openxmlformats.org/officeDocument/2006/customXml" ds:itemID="{60C67BEE-D13F-4BD2-98A5-34D8A0977F68}">
-  <ds:schemaRefs>
-    <ds:schemaRef ds:uri="4873beb7-5857-4685-be1f-d57550cc96cc"/>
-    <ds:schemaRef ds:uri="http://schemas.openxmlformats.org/package/2006/metadata/core-properties"/>
-    <ds:schemaRef ds:uri="http://purl.org/dc/terms/"/>
-    <ds:schemaRef ds:uri="http://schemas.microsoft.com/office/2006/documentManagement/types"/>
-    <ds:schemaRef ds:uri="http://purl.org/dc/elements/1.1/"/>
-    <ds:schemaRef ds:uri="http://schemas.microsoft.com/office/2006/metadata/properties"/>
-    <ds:schemaRef ds:uri="http://schemas.microsoft.com/office/infopath/2007/PartnerControls"/>
-    <ds:schemaRef ds:uri="http://www.w3.org/XML/1998/namespace"/>
-    <ds:schemaRef ds:uri="http://purl.org/dc/dcmitype/"/>
-  </ds:schemaRefs>
-</ds:datastoreItem>
-</file>
-
-<file path=customXml/itemProps2.xml><?xml version="1.0" encoding="utf-8"?>
-<ds:datastoreItem xmlns:ds="http://schemas.openxmlformats.org/officeDocument/2006/customXml" ds:itemID="{3836F65B-1B07-41EE-A0E8-BC6EF3855225}">
-  <ds:schemaRefs>
-    <ds:schemaRef ds:uri="http://schemas.microsoft.com/sharepoint/v3/contenttype/forms"/>
-  </ds:schemaRefs>
-</ds:datastoreItem>
-</file>
-
-<file path=customXml/itemProps3.xml><?xml version="1.0" encoding="utf-8"?>
 <ds:datastoreItem xmlns:ds="http://schemas.openxmlformats.org/officeDocument/2006/customXml" ds:itemID="{A09BF4D4-EF60-4196-BFC3-9462D607978C}">
   <ds:schemaRefs>
     <ds:schemaRef ds:uri="http://schemas.microsoft.com/office/2006/metadata/contentType"/>
@@ -6296,4 +10411,28 @@
     <ds:schemaRef ds:uri="http://schemas.microsoft.com/internal/obd"/>
   </ds:schemaRefs>
 </ds:datastoreItem>
+</file>
+
+<file path=customXml/itemProps2.xml><?xml version="1.0" encoding="utf-8"?>
+<ds:datastoreItem xmlns:ds="http://schemas.openxmlformats.org/officeDocument/2006/customXml" ds:itemID="{3836F65B-1B07-41EE-A0E8-BC6EF3855225}">
+  <ds:schemaRefs>
+    <ds:schemaRef ds:uri="http://schemas.microsoft.com/sharepoint/v3/contenttype/forms"/>
+  </ds:schemaRefs>
+</ds:datastoreItem>
+</file>
+
+<file path=customXml/itemProps3.xml><?xml version="1.0" encoding="utf-8"?>
+<ds:datastoreItem xmlns:ds="http://schemas.openxmlformats.org/officeDocument/2006/customXml" ds:itemID="{60C67BEE-D13F-4BD2-98A5-34D8A0977F68}">
+  <ds:schemaRefs>
+    <ds:schemaRef ds:uri="4873beb7-5857-4685-be1f-d57550cc96cc"/>
+    <ds:schemaRef ds:uri="http://schemas.openxmlformats.org/package/2006/metadata/core-properties"/>
+    <ds:schemaRef ds:uri="http://purl.org/dc/terms/"/>
+    <ds:schemaRef ds:uri="http://schemas.microsoft.com/office/2006/documentManagement/types"/>
+    <ds:schemaRef ds:uri="http://purl.org/dc/elements/1.1/"/>
+    <ds:schemaRef ds:uri="http://schemas.microsoft.com/office/2006/metadata/properties"/>
+    <ds:schemaRef ds:uri="http://schemas.microsoft.com/office/infopath/2007/PartnerControls"/>
+    <ds:schemaRef ds:uri="http://www.w3.org/XML/1998/namespace"/>
+    <ds:schemaRef ds:uri="http://purl.org/dc/dcmitype/"/>
+  </ds:schemaRefs>
+</ds:datastoreItem>
 </file>
--- a/template.pptx
+++ b/template.pptx
@@ -5,14 +5,17 @@
     <p:sldMasterId id="2147483660" r:id="rId4"/>
   </p:sldMasterIdLst>
   <p:notesMasterIdLst>
-    <p:notesMasterId r:id="rId7"/>
+    <p:notesMasterId r:id="rId10"/>
   </p:notesMasterIdLst>
   <p:handoutMasterIdLst>
-    <p:handoutMasterId r:id="rId8"/>
+    <p:handoutMasterId r:id="rId11"/>
   </p:handoutMasterIdLst>
   <p:sldIdLst>
     <p:sldId id="256" r:id="rId5"/>
     <p:sldId id="257" r:id="rId6"/>
+    <p:sldId id="258" r:id="rId7"/>
+    <p:sldId id="259" r:id="rId8"/>
+    <p:sldId id="260" r:id="rId9"/>
   </p:sldIdLst>
   <p:sldSz cx="12188825" cy="6858000"/>
   <p:notesSz cx="6858000" cy="9144000"/>
@@ -112,6 +115,23 @@
     </a:lvl9pPr>
   </p:defaultTextStyle>
   <p:extLst>
+    <p:ext uri="{521415D9-36F7-43E2-AB2F-B90AF26B5E84}">
+      <p14:sectionLst xmlns:p14="http://schemas.microsoft.com/office/powerpoint/2010/main">
+        <p14:section name="默认节" id="{EC2C75A3-22FB-486F-A51F-A1F914DF7550}">
+          <p14:sldIdLst>
+            <p14:sldId id="256"/>
+            <p14:sldId id="257"/>
+            <p14:sldId id="258"/>
+          </p14:sldIdLst>
+        </p14:section>
+        <p14:section name="x64" id="{C9D4B7B4-B519-4B75-9D8F-D21C842E7A7F}">
+          <p14:sldIdLst>
+            <p14:sldId id="259"/>
+            <p14:sldId id="260"/>
+          </p14:sldIdLst>
+        </p14:section>
+      </p14:sectionLst>
+    </p:ext>
     <p:ext uri="{EFAFB233-063F-42B5-8137-9DF3F51BA10A}">
       <p15:sldGuideLst xmlns:p15="http://schemas.microsoft.com/office/powerpoint/2012/main">
         <p15:guide id="1" orient="horz" pos="2160">
@@ -913,9 +933,10 @@
         <a:lstStyle/>
         <a:p>
           <a:r>
-            <a:rPr lang="en-US" dirty="0"/>
-            <a:t>INTEL 4004</a:t>
+            <a:rPr lang="en-US"/>
+            <a:t>1971 – INTEL 4004</a:t>
           </a:r>
+          <a:endParaRPr lang="en-US" dirty="0"/>
         </a:p>
       </dgm:t>
     </dgm:pt>
@@ -1057,8 +1078,12 @@
         <a:lstStyle/>
         <a:p>
           <a:r>
+            <a:rPr lang="en-US"/>
+            <a:t>1978 – INTEL </a:t>
+          </a:r>
+          <a:r>
             <a:rPr lang="en-US" dirty="0"/>
-            <a:t>INTEL 8086</a:t>
+            <a:t>8086</a:t>
           </a:r>
         </a:p>
       </dgm:t>
@@ -1207,8 +1232,12 @@
         </a:p>
         <a:p>
           <a:r>
+            <a:rPr lang="en-US"/>
+            <a:t>Lots of </a:t>
+          </a:r>
+          <a:r>
             <a:rPr lang="en-US" dirty="0"/>
-            <a:t>Lots off software built on that</a:t>
+            <a:t>software built on that</a:t>
           </a:r>
         </a:p>
       </dgm:t>
@@ -1422,9 +1451,10 @@
             <a:buNone/>
           </a:pPr>
           <a:r>
-            <a:rPr lang="en-US" sz="2700" kern="1200" dirty="0"/>
-            <a:t>INTEL 4004</a:t>
+            <a:rPr lang="en-US" sz="2700" kern="1200"/>
+            <a:t>1971 – INTEL 4004</a:t>
           </a:r>
+          <a:endParaRPr lang="en-US" sz="2700" kern="1200" dirty="0"/>
         </a:p>
       </dsp:txBody>
       <dsp:txXfrm>
@@ -1595,8 +1625,12 @@
             <a:buNone/>
           </a:pPr>
           <a:r>
+            <a:rPr lang="en-US" sz="2700" kern="1200"/>
+            <a:t>1978 – INTEL </a:t>
+          </a:r>
+          <a:r>
             <a:rPr lang="en-US" sz="2700" kern="1200" dirty="0"/>
-            <a:t>INTEL 8086</a:t>
+            <a:t>8086</a:t>
           </a:r>
         </a:p>
       </dsp:txBody>
@@ -1879,8 +1913,12 @@
             <a:buNone/>
           </a:pPr>
           <a:r>
+            <a:rPr lang="en-US" sz="2700" kern="1200"/>
+            <a:t>Lots of </a:t>
+          </a:r>
+          <a:r>
             <a:rPr lang="en-US" sz="2700" kern="1200" dirty="0"/>
-            <a:t>Lots off software built on that</a:t>
+            <a:t>software built on that</a:t>
           </a:r>
         </a:p>
       </dsp:txBody>
@@ -4258,7 +4296,7 @@
                 <a:ea typeface="微软雅黑" panose="020B0503020204020204" pitchFamily="34" charset="-122"/>
               </a:rPr>
               <a:pPr algn="r" rtl="0"/>
-              <a:t>2020/5/17</a:t>
+              <a:t>2020/5/19</a:t>
             </a:fld>
             <a:endParaRPr lang="zh-CN" altLang="en-US" dirty="0">
               <a:latin typeface="微软雅黑" panose="020B0503020204020204" pitchFamily="34" charset="-122"/>
@@ -4540,7 +4578,7 @@
                 <a:ea typeface="微软雅黑" panose="020B0503020204020204" pitchFamily="34" charset="-122"/>
               </a:rPr>
               <a:pPr algn="r" rtl="0"/>
-              <a:t>2020/5/17</a:t>
+              <a:t>2020/5/19</a:t>
             </a:fld>
             <a:endParaRPr lang="zh-CN" altLang="en-US" dirty="0">
               <a:latin typeface="微软雅黑" panose="020B0503020204020204" pitchFamily="34" charset="-122"/>
@@ -5510,7 +5548,7 @@
             <a:fld id="{A0F08F57-8AF4-4192-8C0E-F86A12100C7B}" type="datetime1">
               <a:rPr lang="zh-CN" altLang="en-US" smtClean="0"/>
               <a:pPr/>
-              <a:t>2020/5/17</a:t>
+              <a:t>2020/5/19</a:t>
             </a:fld>
             <a:endParaRPr lang="zh-CN" altLang="en-US" dirty="0"/>
           </a:p>
@@ -5583,13 +5621,13 @@
   <p:clrMapOvr>
     <a:masterClrMapping/>
   </p:clrMapOvr>
-  <mc:AlternateContent xmlns:mc="http://schemas.openxmlformats.org/markup-compatibility/2006" xmlns:p14="http://schemas.microsoft.com/office/powerpoint/2010/main">
-    <mc:Choice Requires="p14">
+  <mc:AlternateContent xmlns:mc="http://schemas.openxmlformats.org/markup-compatibility/2006">
+    <mc:Choice xmlns:p14="http://schemas.microsoft.com/office/powerpoint/2010/main" Requires="p14">
       <p:transition spd="med" p14:dur="700">
         <p:fade/>
       </p:transition>
     </mc:Choice>
-    <mc:Fallback xmlns="">
+    <mc:Fallback>
       <p:transition spd="med">
         <p:fade/>
       </p:transition>
@@ -5704,7 +5742,7 @@
             <a:fld id="{A0F08F57-8AF4-4192-8C0E-F86A12100C7B}" type="datetime1">
               <a:rPr lang="zh-CN" altLang="en-US" smtClean="0"/>
               <a:pPr/>
-              <a:t>2020/5/17</a:t>
+              <a:t>2020/5/19</a:t>
             </a:fld>
             <a:endParaRPr lang="zh-CN" altLang="en-US" dirty="0"/>
           </a:p>
@@ -5764,13 +5802,13 @@
   <p:clrMapOvr>
     <a:masterClrMapping/>
   </p:clrMapOvr>
-  <mc:AlternateContent xmlns:mc="http://schemas.openxmlformats.org/markup-compatibility/2006" xmlns:p14="http://schemas.microsoft.com/office/powerpoint/2010/main">
-    <mc:Choice Requires="p14">
+  <mc:AlternateContent xmlns:mc="http://schemas.openxmlformats.org/markup-compatibility/2006">
+    <mc:Choice xmlns:p14="http://schemas.microsoft.com/office/powerpoint/2010/main" Requires="p14">
       <p:transition spd="med" p14:dur="700">
         <p:fade/>
       </p:transition>
     </mc:Choice>
-    <mc:Fallback xmlns="">
+    <mc:Fallback>
       <p:transition spd="med">
         <p:fade/>
       </p:transition>
@@ -6141,7 +6179,7 @@
             <a:fld id="{A0F08F57-8AF4-4192-8C0E-F86A12100C7B}" type="datetime1">
               <a:rPr lang="zh-CN" altLang="en-US" smtClean="0"/>
               <a:pPr/>
-              <a:t>2020/5/17</a:t>
+              <a:t>2020/5/19</a:t>
             </a:fld>
             <a:endParaRPr lang="zh-CN" altLang="en-US" dirty="0"/>
           </a:p>
@@ -6201,13 +6239,13 @@
   <p:clrMapOvr>
     <a:masterClrMapping/>
   </p:clrMapOvr>
-  <mc:AlternateContent xmlns:mc="http://schemas.openxmlformats.org/markup-compatibility/2006" xmlns:p14="http://schemas.microsoft.com/office/powerpoint/2010/main">
-    <mc:Choice Requires="p14">
+  <mc:AlternateContent xmlns:mc="http://schemas.openxmlformats.org/markup-compatibility/2006">
+    <mc:Choice xmlns:p14="http://schemas.microsoft.com/office/powerpoint/2010/main" Requires="p14">
       <p:transition spd="med" p14:dur="700">
         <p:fade/>
       </p:transition>
     </mc:Choice>
-    <mc:Fallback xmlns="">
+    <mc:Fallback>
       <p:transition spd="med">
         <p:fade/>
       </p:transition>
@@ -6397,7 +6435,7 @@
             <a:fld id="{A0F08F57-8AF4-4192-8C0E-F86A12100C7B}" type="datetime1">
               <a:rPr lang="zh-CN" altLang="en-US" smtClean="0"/>
               <a:pPr/>
-              <a:t>2020/5/17</a:t>
+              <a:t>2020/5/19</a:t>
             </a:fld>
             <a:endParaRPr lang="zh-CN" altLang="en-US" dirty="0"/>
           </a:p>
@@ -6457,13 +6495,13 @@
   <p:clrMapOvr>
     <a:masterClrMapping/>
   </p:clrMapOvr>
-  <mc:AlternateContent xmlns:mc="http://schemas.openxmlformats.org/markup-compatibility/2006" xmlns:p14="http://schemas.microsoft.com/office/powerpoint/2010/main">
-    <mc:Choice Requires="p14">
+  <mc:AlternateContent xmlns:mc="http://schemas.openxmlformats.org/markup-compatibility/2006">
+    <mc:Choice xmlns:p14="http://schemas.microsoft.com/office/powerpoint/2010/main" Requires="p14">
       <p:transition spd="med" p14:dur="700">
         <p:fade/>
       </p:transition>
     </mc:Choice>
-    <mc:Fallback xmlns="">
+    <mc:Fallback>
       <p:transition spd="med">
         <p:fade/>
       </p:transition>
@@ -6803,7 +6841,7 @@
             <a:fld id="{A0F08F57-8AF4-4192-8C0E-F86A12100C7B}" type="datetime1">
               <a:rPr lang="zh-CN" altLang="en-US" smtClean="0"/>
               <a:pPr/>
-              <a:t>2020/5/17</a:t>
+              <a:t>2020/5/19</a:t>
             </a:fld>
             <a:endParaRPr lang="zh-CN" altLang="en-US" dirty="0"/>
           </a:p>
@@ -6863,13 +6901,13 @@
   <p:clrMapOvr>
     <a:masterClrMapping/>
   </p:clrMapOvr>
-  <mc:AlternateContent xmlns:mc="http://schemas.openxmlformats.org/markup-compatibility/2006" xmlns:p14="http://schemas.microsoft.com/office/powerpoint/2010/main">
-    <mc:Choice Requires="p14">
+  <mc:AlternateContent xmlns:mc="http://schemas.openxmlformats.org/markup-compatibility/2006">
+    <mc:Choice xmlns:p14="http://schemas.microsoft.com/office/powerpoint/2010/main" Requires="p14">
       <p:transition spd="med" p14:dur="700">
         <p:fade/>
       </p:transition>
     </mc:Choice>
-    <mc:Fallback xmlns="">
+    <mc:Fallback>
       <p:transition spd="med">
         <p:fade/>
       </p:transition>
@@ -6941,7 +6979,7 @@
             <a:fld id="{A0F08F57-8AF4-4192-8C0E-F86A12100C7B}" type="datetime1">
               <a:rPr lang="zh-CN" altLang="en-US" smtClean="0"/>
               <a:pPr/>
-              <a:t>2020/5/17</a:t>
+              <a:t>2020/5/19</a:t>
             </a:fld>
             <a:endParaRPr lang="zh-CN" altLang="en-US" dirty="0"/>
           </a:p>
@@ -7001,13 +7039,13 @@
   <p:clrMapOvr>
     <a:masterClrMapping/>
   </p:clrMapOvr>
-  <mc:AlternateContent xmlns:mc="http://schemas.openxmlformats.org/markup-compatibility/2006" xmlns:p14="http://schemas.microsoft.com/office/powerpoint/2010/main">
-    <mc:Choice Requires="p14">
+  <mc:AlternateContent xmlns:mc="http://schemas.openxmlformats.org/markup-compatibility/2006">
+    <mc:Choice xmlns:p14="http://schemas.microsoft.com/office/powerpoint/2010/main" Requires="p14">
       <p:transition spd="med" p14:dur="700">
         <p:fade/>
       </p:transition>
     </mc:Choice>
-    <mc:Fallback xmlns="">
+    <mc:Fallback>
       <p:transition spd="med">
         <p:fade/>
       </p:transition>
@@ -7051,7 +7089,7 @@
             <a:fld id="{A0F08F57-8AF4-4192-8C0E-F86A12100C7B}" type="datetime1">
               <a:rPr lang="zh-CN" altLang="en-US" smtClean="0"/>
               <a:pPr/>
-              <a:t>2020/5/17</a:t>
+              <a:t>2020/5/19</a:t>
             </a:fld>
             <a:endParaRPr lang="zh-CN" altLang="en-US" dirty="0"/>
           </a:p>
@@ -7111,13 +7149,13 @@
   <p:clrMapOvr>
     <a:masterClrMapping/>
   </p:clrMapOvr>
-  <mc:AlternateContent xmlns:mc="http://schemas.openxmlformats.org/markup-compatibility/2006" xmlns:p14="http://schemas.microsoft.com/office/powerpoint/2010/main">
-    <mc:Choice Requires="p14">
+  <mc:AlternateContent xmlns:mc="http://schemas.openxmlformats.org/markup-compatibility/2006">
+    <mc:Choice xmlns:p14="http://schemas.microsoft.com/office/powerpoint/2010/main" Requires="p14">
       <p:transition spd="med" p14:dur="700">
         <p:fade/>
       </p:transition>
     </mc:Choice>
-    <mc:Fallback xmlns="">
+    <mc:Fallback>
       <p:transition spd="med">
         <p:fade/>
       </p:transition>
@@ -7660,7 +7698,7 @@
             <a:fld id="{A0F08F57-8AF4-4192-8C0E-F86A12100C7B}" type="datetime1">
               <a:rPr lang="zh-CN" altLang="en-US" smtClean="0"/>
               <a:pPr/>
-              <a:t>2020/5/17</a:t>
+              <a:t>2020/5/19</a:t>
             </a:fld>
             <a:endParaRPr lang="zh-CN" altLang="en-US" dirty="0"/>
           </a:p>
@@ -7766,13 +7804,13 @@
     <p:sldLayoutId id="2147483666" r:id="rId6"/>
     <p:sldLayoutId id="2147483667" r:id="rId7"/>
   </p:sldLayoutIdLst>
-  <mc:AlternateContent xmlns:mc="http://schemas.openxmlformats.org/markup-compatibility/2006" xmlns:p14="http://schemas.microsoft.com/office/powerpoint/2010/main">
-    <mc:Choice Requires="p14">
+  <mc:AlternateContent xmlns:mc="http://schemas.openxmlformats.org/markup-compatibility/2006">
+    <mc:Choice xmlns:p14="http://schemas.microsoft.com/office/powerpoint/2010/main" Requires="p14">
       <p:transition spd="med" p14:dur="700">
         <p:fade/>
       </p:transition>
     </mc:Choice>
-    <mc:Fallback xmlns="">
+    <mc:Fallback>
       <p:transition spd="med">
         <p:fade/>
       </p:transition>
@@ -8204,13 +8242,13 @@
   <p:clrMapOvr>
     <a:masterClrMapping/>
   </p:clrMapOvr>
-  <mc:AlternateContent xmlns:mc="http://schemas.openxmlformats.org/markup-compatibility/2006" xmlns:p14="http://schemas.microsoft.com/office/powerpoint/2010/main">
-    <mc:Choice Requires="p14">
+  <mc:AlternateContent xmlns:mc="http://schemas.openxmlformats.org/markup-compatibility/2006">
+    <mc:Choice xmlns:p14="http://schemas.microsoft.com/office/powerpoint/2010/main" Requires="p14">
       <p:transition spd="med" p14:dur="700">
         <p:fade/>
       </p:transition>
     </mc:Choice>
-    <mc:Fallback xmlns="">
+    <mc:Fallback>
       <p:transition spd="med">
         <p:fade/>
       </p:transition>
@@ -8258,8 +8296,12 @@
           <a:lstStyle/>
           <a:p>
             <a:r>
+              <a:rPr lang="en-US"/>
+              <a:t>x86 – THE </a:t>
+            </a:r>
+            <a:r>
               <a:rPr lang="en-US" dirty="0"/>
-              <a:t>THE BEGINNING</a:t>
+              <a:t>BEGINNING</a:t>
             </a:r>
           </a:p>
         </p:txBody>
@@ -8280,7 +8322,7 @@
             <p:ph idx="1"/>
             <p:extLst>
               <p:ext uri="{D42A27DB-BD31-4B8C-83A1-F6EECF244321}">
-                <p14:modId xmlns:p14="http://schemas.microsoft.com/office/powerpoint/2010/main" val="3326574071"/>
+                <p14:modId xmlns:p14="http://schemas.microsoft.com/office/powerpoint/2010/main" val="3717167191"/>
               </p:ext>
             </p:extLst>
           </p:nvPr>
@@ -8305,13 +8347,369 @@
   <p:clrMapOvr>
     <a:masterClrMapping/>
   </p:clrMapOvr>
-  <mc:AlternateContent xmlns:mc="http://schemas.openxmlformats.org/markup-compatibility/2006" xmlns:p14="http://schemas.microsoft.com/office/powerpoint/2010/main">
-    <mc:Choice Requires="p14">
+  <mc:AlternateContent xmlns:mc="http://schemas.openxmlformats.org/markup-compatibility/2006">
+    <mc:Choice xmlns:p14="http://schemas.microsoft.com/office/powerpoint/2010/main" Requires="p14">
       <p:transition spd="med" p14:dur="700">
         <p:fade/>
       </p:transition>
     </mc:Choice>
-    <mc:Fallback xmlns="">
+    <mc:Fallback>
+      <p:transition spd="med">
+        <p:fade/>
+      </p:transition>
+    </mc:Fallback>
+  </mc:AlternateContent>
+</p:sld>
+</file>
+
+<file path=ppt/slides/slide3.xml><?xml version="1.0" encoding="utf-8"?>
+<p:sld xmlns:a="http://schemas.openxmlformats.org/drawingml/2006/main" xmlns:r="http://schemas.openxmlformats.org/officeDocument/2006/relationships" xmlns:p="http://schemas.openxmlformats.org/presentationml/2006/main">
+  <p:cSld>
+    <p:spTree>
+      <p:nvGrpSpPr>
+        <p:cNvPr id="1" name=""/>
+        <p:cNvGrpSpPr/>
+        <p:nvPr/>
+      </p:nvGrpSpPr>
+      <p:grpSpPr>
+        <a:xfrm>
+          <a:off x="0" y="0"/>
+          <a:ext cx="0" cy="0"/>
+          <a:chOff x="0" y="0"/>
+          <a:chExt cx="0" cy="0"/>
+        </a:xfrm>
+      </p:grpSpPr>
+      <p:sp>
+        <p:nvSpPr>
+          <p:cNvPr id="2" name="标题 1">
+            <a:extLst>
+              <a:ext uri="{FF2B5EF4-FFF2-40B4-BE49-F238E27FC236}">
+                <a16:creationId xmlns:a16="http://schemas.microsoft.com/office/drawing/2014/main" id="{BD1402E4-FB08-49E7-A601-4BC66BA98EB4}"/>
+              </a:ext>
+            </a:extLst>
+          </p:cNvPr>
+          <p:cNvSpPr>
+            <a:spLocks noGrp="1"/>
+          </p:cNvSpPr>
+          <p:nvPr>
+            <p:ph type="title"/>
+          </p:nvPr>
+        </p:nvSpPr>
+        <p:spPr/>
+        <p:txBody>
+          <a:bodyPr>
+            <a:normAutofit/>
+          </a:bodyPr>
+          <a:lstStyle/>
+          <a:p>
+            <a:r>
+              <a:rPr lang="en-US" altLang="zh-CN"/>
+              <a:t>x64 – THE CHANGE</a:t>
+            </a:r>
+            <a:endParaRPr lang="zh-CN" altLang="en-US"/>
+          </a:p>
+        </p:txBody>
+      </p:sp>
+      <p:sp>
+        <p:nvSpPr>
+          <p:cNvPr id="3" name="内容占位符 2">
+            <a:extLst>
+              <a:ext uri="{FF2B5EF4-FFF2-40B4-BE49-F238E27FC236}">
+                <a16:creationId xmlns:a16="http://schemas.microsoft.com/office/drawing/2014/main" id="{44FF31D4-A770-4611-9A75-3BDB9537B570}"/>
+              </a:ext>
+            </a:extLst>
+          </p:cNvPr>
+          <p:cNvSpPr>
+            <a:spLocks noGrp="1"/>
+          </p:cNvSpPr>
+          <p:nvPr>
+            <p:ph idx="1"/>
+          </p:nvPr>
+        </p:nvSpPr>
+        <p:spPr/>
+        <p:txBody>
+          <a:bodyPr anchor="ctr">
+            <a:normAutofit/>
+          </a:bodyPr>
+          <a:lstStyle/>
+          <a:p>
+            <a:pPr marL="0" indent="0" algn="ctr">
+              <a:buNone/>
+            </a:pPr>
+            <a:r>
+              <a:rPr lang="en-US" altLang="zh-CN" sz="18000"/>
+              <a:t>2003</a:t>
+            </a:r>
+            <a:endParaRPr lang="zh-CN" altLang="en-US" sz="18000"/>
+          </a:p>
+        </p:txBody>
+      </p:sp>
+      <mc:AlternateContent xmlns:mc="http://schemas.openxmlformats.org/markup-compatibility/2006">
+        <mc:Choice xmlns:psez="http://schemas.microsoft.com/office/powerpoint/2016/sectionzoom" Requires="psez">
+          <p:graphicFrame>
+            <p:nvGraphicFramePr>
+              <p:cNvPr id="5" name="节缩放定位 4">
+                <a:extLst>
+                  <a:ext uri="{FF2B5EF4-FFF2-40B4-BE49-F238E27FC236}">
+                    <a16:creationId xmlns:a16="http://schemas.microsoft.com/office/drawing/2014/main" id="{C2F2F253-15BA-4FE0-BA02-01285F1E7F24}"/>
+                  </a:ext>
+                </a:extLst>
+              </p:cNvPr>
+              <p:cNvGraphicFramePr>
+                <a:graphicFrameLocks noChangeAspect="1"/>
+              </p:cNvGraphicFramePr>
+              <p:nvPr>
+                <p:extLst>
+                  <p:ext uri="{D42A27DB-BD31-4B8C-83A1-F6EECF244321}">
+                    <p14:modId xmlns:p14="http://schemas.microsoft.com/office/powerpoint/2010/main" val="120735334"/>
+                  </p:ext>
+                </p:extLst>
+              </p:nvPr>
+            </p:nvGraphicFramePr>
+            <p:xfrm rot="16200000">
+              <a:off x="5284941" y="3628872"/>
+              <a:ext cx="914003" cy="514261"/>
+            </p:xfrm>
+            <a:graphic>
+              <a:graphicData uri="http://schemas.microsoft.com/office/powerpoint/2016/sectionzoom">
+                <psez:sectionZm>
+                  <psez:sectionZmObj sectionId="{C9D4B7B4-B519-4B75-9D8F-D21C842E7A7F}">
+                    <psez:zmPr id="{923E729F-4B93-411B-ABC0-49FA46E5F74B}" transitionDur="1000">
+                      <p166:blipFill xmlns:p166="http://schemas.microsoft.com/office/powerpoint/2016/6/main">
+                        <a:blip r:embed="rId2"/>
+                        <a:stretch>
+                          <a:fillRect/>
+                        </a:stretch>
+                      </p166:blipFill>
+                      <p166:spPr xmlns:p166="http://schemas.microsoft.com/office/powerpoint/2016/6/main">
+                        <a:xfrm rot="16200000">
+                          <a:off x="0" y="0"/>
+                          <a:ext cx="914003" cy="514261"/>
+                        </a:xfrm>
+                        <a:prstGeom prst="rect">
+                          <a:avLst/>
+                        </a:prstGeom>
+                        <a:ln w="3175">
+                          <a:noFill/>
+                        </a:ln>
+                      </p166:spPr>
+                    </psez:zmPr>
+                  </psez:sectionZmObj>
+                </psez:sectionZm>
+              </a:graphicData>
+            </a:graphic>
+          </p:graphicFrame>
+        </mc:Choice>
+        <mc:Fallback>
+          <p:pic>
+            <p:nvPicPr>
+              <p:cNvPr id="5" name="节缩放定位 4">
+                <a:hlinkClick r:id="rId3" action="ppaction://hlinksldjump"/>
+                <a:extLst>
+                  <a:ext uri="{FF2B5EF4-FFF2-40B4-BE49-F238E27FC236}">
+                    <a16:creationId xmlns:a16="http://schemas.microsoft.com/office/drawing/2014/main" id="{C2F2F253-15BA-4FE0-BA02-01285F1E7F24}"/>
+                  </a:ext>
+                </a:extLst>
+              </p:cNvPr>
+              <p:cNvPicPr>
+                <a:picLocks noGrp="1" noRot="1" noChangeAspect="1" noMove="1" noResize="1" noEditPoints="1" noAdjustHandles="1" noChangeArrowheads="1" noChangeShapeType="1"/>
+              </p:cNvPicPr>
+              <p:nvPr/>
+            </p:nvPicPr>
+            <p:blipFill>
+              <a:blip r:embed="rId2"/>
+              <a:stretch>
+                <a:fillRect/>
+              </a:stretch>
+            </p:blipFill>
+            <p:spPr>
+              <a:xfrm rot="16200000">
+                <a:off x="5284941" y="3628872"/>
+                <a:ext cx="914003" cy="514261"/>
+              </a:xfrm>
+              <a:prstGeom prst="rect">
+                <a:avLst/>
+              </a:prstGeom>
+              <a:ln w="3175">
+                <a:noFill/>
+              </a:ln>
+            </p:spPr>
+          </p:pic>
+        </mc:Fallback>
+      </mc:AlternateContent>
+    </p:spTree>
+    <p:extLst>
+      <p:ext uri="{BB962C8B-B14F-4D97-AF65-F5344CB8AC3E}">
+        <p14:creationId xmlns:p14="http://schemas.microsoft.com/office/powerpoint/2010/main" val="2005849330"/>
+      </p:ext>
+    </p:extLst>
+  </p:cSld>
+  <p:clrMapOvr>
+    <a:masterClrMapping/>
+  </p:clrMapOvr>
+  <mc:AlternateContent xmlns:mc="http://schemas.openxmlformats.org/markup-compatibility/2006">
+    <mc:Choice xmlns:p14="http://schemas.microsoft.com/office/powerpoint/2010/main" Requires="p14">
+      <p:transition spd="med" p14:dur="700">
+        <p:fade/>
+      </p:transition>
+    </mc:Choice>
+    <mc:Fallback>
+      <p:transition spd="med">
+        <p:fade/>
+      </p:transition>
+    </mc:Fallback>
+  </mc:AlternateContent>
+</p:sld>
+</file>
+
+<file path=ppt/slides/slide4.xml><?xml version="1.0" encoding="utf-8"?>
+<p:sld xmlns:a="http://schemas.openxmlformats.org/drawingml/2006/main" xmlns:r="http://schemas.openxmlformats.org/officeDocument/2006/relationships" xmlns:p="http://schemas.openxmlformats.org/presentationml/2006/main">
+  <p:cSld>
+    <p:spTree>
+      <p:nvGrpSpPr>
+        <p:cNvPr id="1" name=""/>
+        <p:cNvGrpSpPr/>
+        <p:nvPr/>
+      </p:nvGrpSpPr>
+      <p:grpSpPr>
+        <a:xfrm>
+          <a:off x="0" y="0"/>
+          <a:ext cx="0" cy="0"/>
+          <a:chOff x="0" y="0"/>
+          <a:chExt cx="0" cy="0"/>
+        </a:xfrm>
+      </p:grpSpPr>
+    </p:spTree>
+    <p:extLst>
+      <p:ext uri="{BB962C8B-B14F-4D97-AF65-F5344CB8AC3E}">
+        <p14:creationId xmlns:p14="http://schemas.microsoft.com/office/powerpoint/2010/main" val="939815734"/>
+      </p:ext>
+    </p:extLst>
+  </p:cSld>
+  <p:clrMapOvr>
+    <a:masterClrMapping/>
+  </p:clrMapOvr>
+  <mc:AlternateContent xmlns:mc="http://schemas.openxmlformats.org/markup-compatibility/2006">
+    <mc:Choice xmlns:p14="http://schemas.microsoft.com/office/powerpoint/2010/main" Requires="p14">
+      <p:transition spd="med" p14:dur="700" advTm="0">
+        <p:fade/>
+      </p:transition>
+    </mc:Choice>
+    <mc:Fallback>
+      <p:transition spd="med" advTm="0">
+        <p:fade/>
+      </p:transition>
+    </mc:Fallback>
+  </mc:AlternateContent>
+</p:sld>
+</file>
+
+<file path=ppt/slides/slide5.xml><?xml version="1.0" encoding="utf-8"?>
+<p:sld xmlns:a="http://schemas.openxmlformats.org/drawingml/2006/main" xmlns:r="http://schemas.openxmlformats.org/officeDocument/2006/relationships" xmlns:p="http://schemas.openxmlformats.org/presentationml/2006/main">
+  <p:cSld>
+    <p:spTree>
+      <p:nvGrpSpPr>
+        <p:cNvPr id="1" name=""/>
+        <p:cNvGrpSpPr/>
+        <p:nvPr/>
+      </p:nvGrpSpPr>
+      <p:grpSpPr>
+        <a:xfrm>
+          <a:off x="0" y="0"/>
+          <a:ext cx="0" cy="0"/>
+          <a:chOff x="0" y="0"/>
+          <a:chExt cx="0" cy="0"/>
+        </a:xfrm>
+      </p:grpSpPr>
+      <p:sp>
+        <p:nvSpPr>
+          <p:cNvPr id="2" name="标题 1">
+            <a:extLst>
+              <a:ext uri="{FF2B5EF4-FFF2-40B4-BE49-F238E27FC236}">
+                <a16:creationId xmlns:a16="http://schemas.microsoft.com/office/drawing/2014/main" id="{796463EA-57C8-4A9E-8497-B342F1867E32}"/>
+              </a:ext>
+            </a:extLst>
+          </p:cNvPr>
+          <p:cNvSpPr>
+            <a:spLocks noGrp="1"/>
+          </p:cNvSpPr>
+          <p:nvPr>
+            <p:ph type="title"/>
+          </p:nvPr>
+        </p:nvSpPr>
+        <p:spPr/>
+        <p:txBody>
+          <a:bodyPr>
+            <a:normAutofit/>
+          </a:bodyPr>
+          <a:lstStyle/>
+          <a:p>
+            <a:r>
+              <a:rPr lang="en-US" altLang="zh-CN"/>
+              <a:t>2003 – AMD “OPTERON”</a:t>
+            </a:r>
+            <a:endParaRPr lang="zh-CN" altLang="en-US"/>
+          </a:p>
+        </p:txBody>
+      </p:sp>
+      <p:sp>
+        <p:nvSpPr>
+          <p:cNvPr id="3" name="内容占位符 2">
+            <a:extLst>
+              <a:ext uri="{FF2B5EF4-FFF2-40B4-BE49-F238E27FC236}">
+                <a16:creationId xmlns:a16="http://schemas.microsoft.com/office/drawing/2014/main" id="{1E4D2C9B-3738-4869-BD9D-0A48F7E73D2B}"/>
+              </a:ext>
+            </a:extLst>
+          </p:cNvPr>
+          <p:cNvSpPr>
+            <a:spLocks noGrp="1"/>
+          </p:cNvSpPr>
+          <p:nvPr>
+            <p:ph idx="1"/>
+          </p:nvPr>
+        </p:nvSpPr>
+        <p:spPr/>
+        <p:txBody>
+          <a:bodyPr/>
+          <a:lstStyle/>
+          <a:p>
+            <a:r>
+              <a:rPr lang="en-US" altLang="zh-CN"/>
+              <a:t>Introducing x64 framework</a:t>
+            </a:r>
+          </a:p>
+          <a:p>
+            <a:r>
+              <a:rPr lang="en-US" altLang="zh-CN"/>
+              <a:t>Originally based on the K8 architecture</a:t>
+            </a:r>
+          </a:p>
+          <a:p>
+            <a:r>
+              <a:rPr lang="en-US" altLang="zh-CN"/>
+              <a:t>(yes, it’s still updated regularly to this day)</a:t>
+            </a:r>
+            <a:endParaRPr lang="zh-CN" altLang="en-US"/>
+          </a:p>
+        </p:txBody>
+      </p:sp>
+    </p:spTree>
+    <p:extLst>
+      <p:ext uri="{BB962C8B-B14F-4D97-AF65-F5344CB8AC3E}">
+        <p14:creationId xmlns:p14="http://schemas.microsoft.com/office/powerpoint/2010/main" val="2901066595"/>
+      </p:ext>
+    </p:extLst>
+  </p:cSld>
+  <p:clrMapOvr>
+    <a:masterClrMapping/>
+  </p:clrMapOvr>
+  <mc:AlternateContent xmlns:mc="http://schemas.openxmlformats.org/markup-compatibility/2006">
+    <mc:Choice xmlns:p14="http://schemas.microsoft.com/office/powerpoint/2010/main" Requires="p14">
+      <p:transition spd="med" p14:dur="700">
+        <p:fade/>
+      </p:transition>
+    </mc:Choice>
+    <mc:Fallback>
       <p:transition spd="med">
         <p:fade/>
       </p:transition>
@@ -9211,6 +9609,151 @@
 </file>
 
 <file path=customXml/item1.xml><?xml version="1.0" encoding="utf-8"?>
+<p:properties xmlns:p="http://schemas.microsoft.com/office/2006/metadata/properties" xmlns:xsi="http://www.w3.org/2001/XMLSchema-instance" xmlns:pc="http://schemas.microsoft.com/office/infopath/2007/PartnerControls">
+  <documentManagement>
+    <LocPublishedLinkedAssetsLookup xmlns="4873beb7-5857-4685-be1f-d57550cc96cc" xsi:nil="true"/>
+    <ApprovalStatus xmlns="4873beb7-5857-4685-be1f-d57550cc96cc">InProgress</ApprovalStatus>
+    <MarketSpecific xmlns="4873beb7-5857-4685-be1f-d57550cc96cc">false</MarketSpecific>
+    <LocComments xmlns="4873beb7-5857-4685-be1f-d57550cc96cc" xsi:nil="true"/>
+    <LocLastLocAttemptVersionTypeLookup xmlns="4873beb7-5857-4685-be1f-d57550cc96cc" xsi:nil="true"/>
+    <DirectSourceMarket xmlns="4873beb7-5857-4685-be1f-d57550cc96cc" xsi:nil="true"/>
+    <ThumbnailAssetId xmlns="4873beb7-5857-4685-be1f-d57550cc96cc" xsi:nil="true"/>
+    <PrimaryImageGen xmlns="4873beb7-5857-4685-be1f-d57550cc96cc">false</PrimaryImageGen>
+    <LocNewPublishedVersionLookup xmlns="4873beb7-5857-4685-be1f-d57550cc96cc" xsi:nil="true"/>
+    <LegacyData xmlns="4873beb7-5857-4685-be1f-d57550cc96cc" xsi:nil="true"/>
+    <LocRecommendedHandoff xmlns="4873beb7-5857-4685-be1f-d57550cc96cc" xsi:nil="true"/>
+    <BusinessGroup xmlns="4873beb7-5857-4685-be1f-d57550cc96cc" xsi:nil="true"/>
+    <BlockPublish xmlns="4873beb7-5857-4685-be1f-d57550cc96cc">false</BlockPublish>
+    <TPFriendlyName xmlns="4873beb7-5857-4685-be1f-d57550cc96cc" xsi:nil="true"/>
+    <LocOverallPublishStatusLookup xmlns="4873beb7-5857-4685-be1f-d57550cc96cc" xsi:nil="true"/>
+    <NumericId xmlns="4873beb7-5857-4685-be1f-d57550cc96cc" xsi:nil="true"/>
+    <APEditor xmlns="4873beb7-5857-4685-be1f-d57550cc96cc">
+      <UserInfo>
+        <DisplayName/>
+        <AccountId xsi:nil="true"/>
+        <AccountType/>
+      </UserInfo>
+    </APEditor>
+    <SourceTitle xmlns="4873beb7-5857-4685-be1f-d57550cc96cc" xsi:nil="true"/>
+    <OpenTemplate xmlns="4873beb7-5857-4685-be1f-d57550cc96cc">true</OpenTemplate>
+    <LocOverallLocStatusLookup xmlns="4873beb7-5857-4685-be1f-d57550cc96cc" xsi:nil="true"/>
+    <UALocComments xmlns="4873beb7-5857-4685-be1f-d57550cc96cc" xsi:nil="true"/>
+    <ParentAssetId xmlns="4873beb7-5857-4685-be1f-d57550cc96cc" xsi:nil="true"/>
+    <IntlLangReviewDate xmlns="4873beb7-5857-4685-be1f-d57550cc96cc" xsi:nil="true"/>
+    <FeatureTagsTaxHTField0 xmlns="4873beb7-5857-4685-be1f-d57550cc96cc">
+      <Terms xmlns="http://schemas.microsoft.com/office/infopath/2007/PartnerControls"/>
+    </FeatureTagsTaxHTField0>
+    <PublishStatusLookup xmlns="4873beb7-5857-4685-be1f-d57550cc96cc">
+      <Value>1345093</Value>
+    </PublishStatusLookup>
+    <Providers xmlns="4873beb7-5857-4685-be1f-d57550cc96cc" xsi:nil="true"/>
+    <MachineTranslated xmlns="4873beb7-5857-4685-be1f-d57550cc96cc">false</MachineTranslated>
+    <OriginalSourceMarket xmlns="4873beb7-5857-4685-be1f-d57550cc96cc" xsi:nil="true"/>
+    <APDescription xmlns="4873beb7-5857-4685-be1f-d57550cc96cc">This simple template design works for technology and  businesses, but it's versatile enough to use in other contexts.  It features multiple slide layouts designed for widescreen (16x9 resolution) and includes a sample SmartArt list and chart that are easily editable.</APDescription>
+    <ClipArtFilename xmlns="4873beb7-5857-4685-be1f-d57550cc96cc" xsi:nil="true"/>
+    <ContentItem xmlns="4873beb7-5857-4685-be1f-d57550cc96cc" xsi:nil="true"/>
+    <TPInstallLocation xmlns="4873beb7-5857-4685-be1f-d57550cc96cc" xsi:nil="true"/>
+    <PublishTargets xmlns="4873beb7-5857-4685-be1f-d57550cc96cc">OfficeOnlineVNext</PublishTargets>
+    <TimesCloned xmlns="4873beb7-5857-4685-be1f-d57550cc96cc" xsi:nil="true"/>
+    <AssetStart xmlns="4873beb7-5857-4685-be1f-d57550cc96cc">2011-11-26T00:30:00+00:00</AssetStart>
+    <Provider xmlns="4873beb7-5857-4685-be1f-d57550cc96cc" xsi:nil="true"/>
+    <AcquiredFrom xmlns="4873beb7-5857-4685-be1f-d57550cc96cc">Internal MS</AcquiredFrom>
+    <FriendlyTitle xmlns="4873beb7-5857-4685-be1f-d57550cc96cc" xsi:nil="true"/>
+    <LastHandOff xmlns="4873beb7-5857-4685-be1f-d57550cc96cc" xsi:nil="true"/>
+    <TPClientViewer xmlns="4873beb7-5857-4685-be1f-d57550cc96cc" xsi:nil="true"/>
+    <TemplateStatus xmlns="4873beb7-5857-4685-be1f-d57550cc96cc">Complete</TemplateStatus>
+    <Downloads xmlns="4873beb7-5857-4685-be1f-d57550cc96cc">0</Downloads>
+    <OOCacheId xmlns="4873beb7-5857-4685-be1f-d57550cc96cc" xsi:nil="true"/>
+    <IsDeleted xmlns="4873beb7-5857-4685-be1f-d57550cc96cc">false</IsDeleted>
+    <LocPublishedDependentAssetsLookup xmlns="4873beb7-5857-4685-be1f-d57550cc96cc" xsi:nil="true"/>
+    <TPExecutable xmlns="4873beb7-5857-4685-be1f-d57550cc96cc" xsi:nil="true"/>
+    <EditorialTags xmlns="4873beb7-5857-4685-be1f-d57550cc96cc" xsi:nil="true"/>
+    <SubmitterId xmlns="4873beb7-5857-4685-be1f-d57550cc96cc" xsi:nil="true"/>
+    <ApprovalLog xmlns="4873beb7-5857-4685-be1f-d57550cc96cc" xsi:nil="true"/>
+    <AssetType xmlns="4873beb7-5857-4685-be1f-d57550cc96cc">TP</AssetType>
+    <BugNumber xmlns="4873beb7-5857-4685-be1f-d57550cc96cc" xsi:nil="true"/>
+    <CSXSubmissionDate xmlns="4873beb7-5857-4685-be1f-d57550cc96cc" xsi:nil="true"/>
+    <CSXUpdate xmlns="4873beb7-5857-4685-be1f-d57550cc96cc">false</CSXUpdate>
+    <Milestone xmlns="4873beb7-5857-4685-be1f-d57550cc96cc" xsi:nil="true"/>
+    <RecommendationsModifier xmlns="4873beb7-5857-4685-be1f-d57550cc96cc" xsi:nil="true"/>
+    <OriginAsset xmlns="4873beb7-5857-4685-be1f-d57550cc96cc" xsi:nil="true"/>
+    <TPComponent xmlns="4873beb7-5857-4685-be1f-d57550cc96cc" xsi:nil="true"/>
+    <AssetId xmlns="4873beb7-5857-4685-be1f-d57550cc96cc">TP102787989</AssetId>
+    <IntlLocPriority xmlns="4873beb7-5857-4685-be1f-d57550cc96cc" xsi:nil="true"/>
+    <PolicheckWords xmlns="4873beb7-5857-4685-be1f-d57550cc96cc" xsi:nil="true"/>
+    <TPLaunchHelpLink xmlns="4873beb7-5857-4685-be1f-d57550cc96cc" xsi:nil="true"/>
+    <TPApplication xmlns="4873beb7-5857-4685-be1f-d57550cc96cc" xsi:nil="true"/>
+    <CrawlForDependencies xmlns="4873beb7-5857-4685-be1f-d57550cc96cc">false</CrawlForDependencies>
+    <HandoffToMSDN xmlns="4873beb7-5857-4685-be1f-d57550cc96cc" xsi:nil="true"/>
+    <PlannedPubDate xmlns="4873beb7-5857-4685-be1f-d57550cc96cc" xsi:nil="true"/>
+    <IntlLangReviewer xmlns="4873beb7-5857-4685-be1f-d57550cc96cc" xsi:nil="true"/>
+    <TrustLevel xmlns="4873beb7-5857-4685-be1f-d57550cc96cc">1 Microsoft Managed Content</TrustLevel>
+    <LocLastLocAttemptVersionLookup xmlns="4873beb7-5857-4685-be1f-d57550cc96cc">694266</LocLastLocAttemptVersionLookup>
+    <LocProcessedForHandoffsLookup xmlns="4873beb7-5857-4685-be1f-d57550cc96cc" xsi:nil="true"/>
+    <IsSearchable xmlns="4873beb7-5857-4685-be1f-d57550cc96cc">true</IsSearchable>
+    <TemplateTemplateType xmlns="4873beb7-5857-4685-be1f-d57550cc96cc">PowerPoint Presentation Template</TemplateTemplateType>
+    <CampaignTagsTaxHTField0 xmlns="4873beb7-5857-4685-be1f-d57550cc96cc">
+      <Terms xmlns="http://schemas.microsoft.com/office/infopath/2007/PartnerControls"/>
+    </CampaignTagsTaxHTField0>
+    <TPNamespace xmlns="4873beb7-5857-4685-be1f-d57550cc96cc" xsi:nil="true"/>
+    <LocOverallPreviewStatusLookup xmlns="4873beb7-5857-4685-be1f-d57550cc96cc" xsi:nil="true"/>
+    <TaxCatchAll xmlns="4873beb7-5857-4685-be1f-d57550cc96cc"/>
+    <Markets xmlns="4873beb7-5857-4685-be1f-d57550cc96cc"/>
+    <UAProjectedTotalWords xmlns="4873beb7-5857-4685-be1f-d57550cc96cc" xsi:nil="true"/>
+    <IntlLangReview xmlns="4873beb7-5857-4685-be1f-d57550cc96cc" xsi:nil="true"/>
+    <OutputCachingOn xmlns="4873beb7-5857-4685-be1f-d57550cc96cc">false</OutputCachingOn>
+    <AverageRating xmlns="4873beb7-5857-4685-be1f-d57550cc96cc" xsi:nil="true"/>
+    <APAuthor xmlns="4873beb7-5857-4685-be1f-d57550cc96cc">
+      <UserInfo>
+        <DisplayName>REDMOND\kristaa</DisplayName>
+        <AccountId>136</AccountId>
+        <AccountType/>
+      </UserInfo>
+    </APAuthor>
+    <LocManualTestRequired xmlns="4873beb7-5857-4685-be1f-d57550cc96cc">false</LocManualTestRequired>
+    <TPCommandLine xmlns="4873beb7-5857-4685-be1f-d57550cc96cc" xsi:nil="true"/>
+    <TPAppVersion xmlns="4873beb7-5857-4685-be1f-d57550cc96cc" xsi:nil="true"/>
+    <EditorialStatus xmlns="4873beb7-5857-4685-be1f-d57550cc96cc">Complete</EditorialStatus>
+    <LastModifiedDateTime xmlns="4873beb7-5857-4685-be1f-d57550cc96cc" xsi:nil="true"/>
+    <ScenarioTagsTaxHTField0 xmlns="4873beb7-5857-4685-be1f-d57550cc96cc">
+      <Terms xmlns="http://schemas.microsoft.com/office/infopath/2007/PartnerControls"/>
+    </ScenarioTagsTaxHTField0>
+    <LocProcessedForMarketsLookup xmlns="4873beb7-5857-4685-be1f-d57550cc96cc" xsi:nil="true"/>
+    <TPLaunchHelpLinkType xmlns="4873beb7-5857-4685-be1f-d57550cc96cc">Template</TPLaunchHelpLinkType>
+    <OriginalRelease xmlns="4873beb7-5857-4685-be1f-d57550cc96cc">15</OriginalRelease>
+    <LocalizationTagsTaxHTField0 xmlns="4873beb7-5857-4685-be1f-d57550cc96cc">
+      <Terms xmlns="http://schemas.microsoft.com/office/infopath/2007/PartnerControls"/>
+    </LocalizationTagsTaxHTField0>
+    <UACurrentWords xmlns="4873beb7-5857-4685-be1f-d57550cc96cc" xsi:nil="true"/>
+    <ArtSampleDocs xmlns="4873beb7-5857-4685-be1f-d57550cc96cc" xsi:nil="true"/>
+    <UALocRecommendation xmlns="4873beb7-5857-4685-be1f-d57550cc96cc">Localize</UALocRecommendation>
+    <Manager xmlns="4873beb7-5857-4685-be1f-d57550cc96cc" xsi:nil="true"/>
+    <LocOverallHandbackStatusLookup xmlns="4873beb7-5857-4685-be1f-d57550cc96cc" xsi:nil="true"/>
+    <ShowIn xmlns="4873beb7-5857-4685-be1f-d57550cc96cc">Show everywhere</ShowIn>
+    <UANotes xmlns="4873beb7-5857-4685-be1f-d57550cc96cc" xsi:nil="true"/>
+    <InternalTagsTaxHTField0 xmlns="4873beb7-5857-4685-be1f-d57550cc96cc">
+      <Terms xmlns="http://schemas.microsoft.com/office/infopath/2007/PartnerControls"/>
+    </InternalTagsTaxHTField0>
+    <CSXHash xmlns="4873beb7-5857-4685-be1f-d57550cc96cc" xsi:nil="true"/>
+    <VoteCount xmlns="4873beb7-5857-4685-be1f-d57550cc96cc" xsi:nil="true"/>
+    <AssetExpire xmlns="4873beb7-5857-4685-be1f-d57550cc96cc">2029-05-12T07:00:00+00:00</AssetExpire>
+    <DSATActionTaken xmlns="4873beb7-5857-4685-be1f-d57550cc96cc" xsi:nil="true"/>
+    <CSXSubmissionMarket xmlns="4873beb7-5857-4685-be1f-d57550cc96cc" xsi:nil="true"/>
+    <LocMarketGroupTiers2 xmlns="4873beb7-5857-4685-be1f-d57550cc96cc" xsi:nil="true"/>
+  </documentManagement>
+</p:properties>
+</file>
+
+<file path=customXml/item2.xml><?xml version="1.0" encoding="utf-8"?>
+<?mso-contentType ?>
+<FormTemplates xmlns="http://schemas.microsoft.com/sharepoint/v3/contenttype/forms">
+  <Display>DocumentLibraryForm</Display>
+  <Edit>AssetEditForm</Edit>
+  <New>DocumentLibraryForm</New>
+</FormTemplates>
+</file>
+
+<file path=customXml/item3.xml><?xml version="1.0" encoding="utf-8"?>
 <ct:contentTypeSchema xmlns:ct="http://schemas.microsoft.com/office/2006/metadata/contentType" xmlns:ma="http://schemas.microsoft.com/office/2006/metadata/properties/metaAttributes" ct:_="" ma:_="" ma:contentTypeName="TemplateFile" ma:contentTypeID="0x0101006EDDDB5EE6D98C44930B742096920B300400F5B6D36B3EF94B4E9A635CDF2A18F5B8" ma:contentTypeVersion="72" ma:contentTypeDescription="Create a new document." ma:contentTypeScope="" ma:versionID="a23e56308344d904b51738559c3d67c9">
   <xsd:schema xmlns:xsd="http://www.w3.org/2001/XMLSchema" xmlns:xs="http://www.w3.org/2001/XMLSchema" xmlns:p="http://schemas.microsoft.com/office/2006/metadata/properties" xmlns:ns2="4873beb7-5857-4685-be1f-d57550cc96cc" targetNamespace="http://schemas.microsoft.com/office/2006/metadata/properties" ma:root="true" ma:fieldsID="cd0908cc4600e77bf5da051303e00c8d" ns2:_="">
     <xsd:import namespace="4873beb7-5857-4685-be1f-d57550cc96cc"/>
@@ -10250,152 +10793,31 @@
 </ct:contentTypeSchema>
 </file>
 
-<file path=customXml/item2.xml><?xml version="1.0" encoding="utf-8"?>
-<?mso-contentType ?>
-<FormTemplates xmlns="http://schemas.microsoft.com/sharepoint/v3/contenttype/forms">
-  <Display>DocumentLibraryForm</Display>
-  <Edit>AssetEditForm</Edit>
-  <New>DocumentLibraryForm</New>
-</FormTemplates>
+<file path=customXml/itemProps1.xml><?xml version="1.0" encoding="utf-8"?>
+<ds:datastoreItem xmlns:ds="http://schemas.openxmlformats.org/officeDocument/2006/customXml" ds:itemID="{60C67BEE-D13F-4BD2-98A5-34D8A0977F68}">
+  <ds:schemaRefs>
+    <ds:schemaRef ds:uri="4873beb7-5857-4685-be1f-d57550cc96cc"/>
+    <ds:schemaRef ds:uri="http://schemas.openxmlformats.org/package/2006/metadata/core-properties"/>
+    <ds:schemaRef ds:uri="http://purl.org/dc/terms/"/>
+    <ds:schemaRef ds:uri="http://schemas.microsoft.com/office/2006/documentManagement/types"/>
+    <ds:schemaRef ds:uri="http://purl.org/dc/elements/1.1/"/>
+    <ds:schemaRef ds:uri="http://schemas.microsoft.com/office/2006/metadata/properties"/>
+    <ds:schemaRef ds:uri="http://schemas.microsoft.com/office/infopath/2007/PartnerControls"/>
+    <ds:schemaRef ds:uri="http://www.w3.org/XML/1998/namespace"/>
+    <ds:schemaRef ds:uri="http://purl.org/dc/dcmitype/"/>
+  </ds:schemaRefs>
+</ds:datastoreItem>
 </file>
 
-<file path=customXml/item3.xml><?xml version="1.0" encoding="utf-8"?>
-<p:properties xmlns:p="http://schemas.microsoft.com/office/2006/metadata/properties" xmlns:xsi="http://www.w3.org/2001/XMLSchema-instance" xmlns:pc="http://schemas.microsoft.com/office/infopath/2007/PartnerControls">
-  <documentManagement>
-    <LocPublishedLinkedAssetsLookup xmlns="4873beb7-5857-4685-be1f-d57550cc96cc" xsi:nil="true"/>
-    <ApprovalStatus xmlns="4873beb7-5857-4685-be1f-d57550cc96cc">InProgress</ApprovalStatus>
-    <MarketSpecific xmlns="4873beb7-5857-4685-be1f-d57550cc96cc">false</MarketSpecific>
-    <LocComments xmlns="4873beb7-5857-4685-be1f-d57550cc96cc" xsi:nil="true"/>
-    <LocLastLocAttemptVersionTypeLookup xmlns="4873beb7-5857-4685-be1f-d57550cc96cc" xsi:nil="true"/>
-    <DirectSourceMarket xmlns="4873beb7-5857-4685-be1f-d57550cc96cc" xsi:nil="true"/>
-    <ThumbnailAssetId xmlns="4873beb7-5857-4685-be1f-d57550cc96cc" xsi:nil="true"/>
-    <PrimaryImageGen xmlns="4873beb7-5857-4685-be1f-d57550cc96cc">false</PrimaryImageGen>
-    <LocNewPublishedVersionLookup xmlns="4873beb7-5857-4685-be1f-d57550cc96cc" xsi:nil="true"/>
-    <LegacyData xmlns="4873beb7-5857-4685-be1f-d57550cc96cc" xsi:nil="true"/>
-    <LocRecommendedHandoff xmlns="4873beb7-5857-4685-be1f-d57550cc96cc" xsi:nil="true"/>
-    <BusinessGroup xmlns="4873beb7-5857-4685-be1f-d57550cc96cc" xsi:nil="true"/>
-    <BlockPublish xmlns="4873beb7-5857-4685-be1f-d57550cc96cc">false</BlockPublish>
-    <TPFriendlyName xmlns="4873beb7-5857-4685-be1f-d57550cc96cc" xsi:nil="true"/>
-    <LocOverallPublishStatusLookup xmlns="4873beb7-5857-4685-be1f-d57550cc96cc" xsi:nil="true"/>
-    <NumericId xmlns="4873beb7-5857-4685-be1f-d57550cc96cc" xsi:nil="true"/>
-    <APEditor xmlns="4873beb7-5857-4685-be1f-d57550cc96cc">
-      <UserInfo>
-        <DisplayName/>
-        <AccountId xsi:nil="true"/>
-        <AccountType/>
-      </UserInfo>
-    </APEditor>
-    <SourceTitle xmlns="4873beb7-5857-4685-be1f-d57550cc96cc" xsi:nil="true"/>
-    <OpenTemplate xmlns="4873beb7-5857-4685-be1f-d57550cc96cc">true</OpenTemplate>
-    <LocOverallLocStatusLookup xmlns="4873beb7-5857-4685-be1f-d57550cc96cc" xsi:nil="true"/>
-    <UALocComments xmlns="4873beb7-5857-4685-be1f-d57550cc96cc" xsi:nil="true"/>
-    <ParentAssetId xmlns="4873beb7-5857-4685-be1f-d57550cc96cc" xsi:nil="true"/>
-    <IntlLangReviewDate xmlns="4873beb7-5857-4685-be1f-d57550cc96cc" xsi:nil="true"/>
-    <FeatureTagsTaxHTField0 xmlns="4873beb7-5857-4685-be1f-d57550cc96cc">
-      <Terms xmlns="http://schemas.microsoft.com/office/infopath/2007/PartnerControls"/>
-    </FeatureTagsTaxHTField0>
-    <PublishStatusLookup xmlns="4873beb7-5857-4685-be1f-d57550cc96cc">
-      <Value>1345093</Value>
-    </PublishStatusLookup>
-    <Providers xmlns="4873beb7-5857-4685-be1f-d57550cc96cc" xsi:nil="true"/>
-    <MachineTranslated xmlns="4873beb7-5857-4685-be1f-d57550cc96cc">false</MachineTranslated>
-    <OriginalSourceMarket xmlns="4873beb7-5857-4685-be1f-d57550cc96cc" xsi:nil="true"/>
-    <APDescription xmlns="4873beb7-5857-4685-be1f-d57550cc96cc">This simple template design works for technology and  businesses, but it's versatile enough to use in other contexts.  It features multiple slide layouts designed for widescreen (16x9 resolution) and includes a sample SmartArt list and chart that are easily editable.</APDescription>
-    <ClipArtFilename xmlns="4873beb7-5857-4685-be1f-d57550cc96cc" xsi:nil="true"/>
-    <ContentItem xmlns="4873beb7-5857-4685-be1f-d57550cc96cc" xsi:nil="true"/>
-    <TPInstallLocation xmlns="4873beb7-5857-4685-be1f-d57550cc96cc" xsi:nil="true"/>
-    <PublishTargets xmlns="4873beb7-5857-4685-be1f-d57550cc96cc">OfficeOnlineVNext</PublishTargets>
-    <TimesCloned xmlns="4873beb7-5857-4685-be1f-d57550cc96cc" xsi:nil="true"/>
-    <AssetStart xmlns="4873beb7-5857-4685-be1f-d57550cc96cc">2011-11-26T00:30:00+00:00</AssetStart>
-    <Provider xmlns="4873beb7-5857-4685-be1f-d57550cc96cc" xsi:nil="true"/>
-    <AcquiredFrom xmlns="4873beb7-5857-4685-be1f-d57550cc96cc">Internal MS</AcquiredFrom>
-    <FriendlyTitle xmlns="4873beb7-5857-4685-be1f-d57550cc96cc" xsi:nil="true"/>
-    <LastHandOff xmlns="4873beb7-5857-4685-be1f-d57550cc96cc" xsi:nil="true"/>
-    <TPClientViewer xmlns="4873beb7-5857-4685-be1f-d57550cc96cc" xsi:nil="true"/>
-    <TemplateStatus xmlns="4873beb7-5857-4685-be1f-d57550cc96cc">Complete</TemplateStatus>
-    <Downloads xmlns="4873beb7-5857-4685-be1f-d57550cc96cc">0</Downloads>
-    <OOCacheId xmlns="4873beb7-5857-4685-be1f-d57550cc96cc" xsi:nil="true"/>
-    <IsDeleted xmlns="4873beb7-5857-4685-be1f-d57550cc96cc">false</IsDeleted>
-    <LocPublishedDependentAssetsLookup xmlns="4873beb7-5857-4685-be1f-d57550cc96cc" xsi:nil="true"/>
-    <TPExecutable xmlns="4873beb7-5857-4685-be1f-d57550cc96cc" xsi:nil="true"/>
-    <EditorialTags xmlns="4873beb7-5857-4685-be1f-d57550cc96cc" xsi:nil="true"/>
-    <SubmitterId xmlns="4873beb7-5857-4685-be1f-d57550cc96cc" xsi:nil="true"/>
-    <ApprovalLog xmlns="4873beb7-5857-4685-be1f-d57550cc96cc" xsi:nil="true"/>
-    <AssetType xmlns="4873beb7-5857-4685-be1f-d57550cc96cc">TP</AssetType>
-    <BugNumber xmlns="4873beb7-5857-4685-be1f-d57550cc96cc" xsi:nil="true"/>
-    <CSXSubmissionDate xmlns="4873beb7-5857-4685-be1f-d57550cc96cc" xsi:nil="true"/>
-    <CSXUpdate xmlns="4873beb7-5857-4685-be1f-d57550cc96cc">false</CSXUpdate>
-    <Milestone xmlns="4873beb7-5857-4685-be1f-d57550cc96cc" xsi:nil="true"/>
-    <RecommendationsModifier xmlns="4873beb7-5857-4685-be1f-d57550cc96cc" xsi:nil="true"/>
-    <OriginAsset xmlns="4873beb7-5857-4685-be1f-d57550cc96cc" xsi:nil="true"/>
-    <TPComponent xmlns="4873beb7-5857-4685-be1f-d57550cc96cc" xsi:nil="true"/>
-    <AssetId xmlns="4873beb7-5857-4685-be1f-d57550cc96cc">TP102787989</AssetId>
-    <IntlLocPriority xmlns="4873beb7-5857-4685-be1f-d57550cc96cc" xsi:nil="true"/>
-    <PolicheckWords xmlns="4873beb7-5857-4685-be1f-d57550cc96cc" xsi:nil="true"/>
-    <TPLaunchHelpLink xmlns="4873beb7-5857-4685-be1f-d57550cc96cc" xsi:nil="true"/>
-    <TPApplication xmlns="4873beb7-5857-4685-be1f-d57550cc96cc" xsi:nil="true"/>
-    <CrawlForDependencies xmlns="4873beb7-5857-4685-be1f-d57550cc96cc">false</CrawlForDependencies>
-    <HandoffToMSDN xmlns="4873beb7-5857-4685-be1f-d57550cc96cc" xsi:nil="true"/>
-    <PlannedPubDate xmlns="4873beb7-5857-4685-be1f-d57550cc96cc" xsi:nil="true"/>
-    <IntlLangReviewer xmlns="4873beb7-5857-4685-be1f-d57550cc96cc" xsi:nil="true"/>
-    <TrustLevel xmlns="4873beb7-5857-4685-be1f-d57550cc96cc">1 Microsoft Managed Content</TrustLevel>
-    <LocLastLocAttemptVersionLookup xmlns="4873beb7-5857-4685-be1f-d57550cc96cc">694266</LocLastLocAttemptVersionLookup>
-    <LocProcessedForHandoffsLookup xmlns="4873beb7-5857-4685-be1f-d57550cc96cc" xsi:nil="true"/>
-    <IsSearchable xmlns="4873beb7-5857-4685-be1f-d57550cc96cc">true</IsSearchable>
-    <TemplateTemplateType xmlns="4873beb7-5857-4685-be1f-d57550cc96cc">PowerPoint Presentation Template</TemplateTemplateType>
-    <CampaignTagsTaxHTField0 xmlns="4873beb7-5857-4685-be1f-d57550cc96cc">
-      <Terms xmlns="http://schemas.microsoft.com/office/infopath/2007/PartnerControls"/>
-    </CampaignTagsTaxHTField0>
-    <TPNamespace xmlns="4873beb7-5857-4685-be1f-d57550cc96cc" xsi:nil="true"/>
-    <LocOverallPreviewStatusLookup xmlns="4873beb7-5857-4685-be1f-d57550cc96cc" xsi:nil="true"/>
-    <TaxCatchAll xmlns="4873beb7-5857-4685-be1f-d57550cc96cc"/>
-    <Markets xmlns="4873beb7-5857-4685-be1f-d57550cc96cc"/>
-    <UAProjectedTotalWords xmlns="4873beb7-5857-4685-be1f-d57550cc96cc" xsi:nil="true"/>
-    <IntlLangReview xmlns="4873beb7-5857-4685-be1f-d57550cc96cc" xsi:nil="true"/>
-    <OutputCachingOn xmlns="4873beb7-5857-4685-be1f-d57550cc96cc">false</OutputCachingOn>
-    <AverageRating xmlns="4873beb7-5857-4685-be1f-d57550cc96cc" xsi:nil="true"/>
-    <APAuthor xmlns="4873beb7-5857-4685-be1f-d57550cc96cc">
-      <UserInfo>
-        <DisplayName>REDMOND\kristaa</DisplayName>
-        <AccountId>136</AccountId>
-        <AccountType/>
-      </UserInfo>
-    </APAuthor>
-    <LocManualTestRequired xmlns="4873beb7-5857-4685-be1f-d57550cc96cc">false</LocManualTestRequired>
-    <TPCommandLine xmlns="4873beb7-5857-4685-be1f-d57550cc96cc" xsi:nil="true"/>
-    <TPAppVersion xmlns="4873beb7-5857-4685-be1f-d57550cc96cc" xsi:nil="true"/>
-    <EditorialStatus xmlns="4873beb7-5857-4685-be1f-d57550cc96cc">Complete</EditorialStatus>
-    <LastModifiedDateTime xmlns="4873beb7-5857-4685-be1f-d57550cc96cc" xsi:nil="true"/>
-    <ScenarioTagsTaxHTField0 xmlns="4873beb7-5857-4685-be1f-d57550cc96cc">
-      <Terms xmlns="http://schemas.microsoft.com/office/infopath/2007/PartnerControls"/>
-    </ScenarioTagsTaxHTField0>
-    <LocProcessedForMarketsLookup xmlns="4873beb7-5857-4685-be1f-d57550cc96cc" xsi:nil="true"/>
-    <TPLaunchHelpLinkType xmlns="4873beb7-5857-4685-be1f-d57550cc96cc">Template</TPLaunchHelpLinkType>
-    <OriginalRelease xmlns="4873beb7-5857-4685-be1f-d57550cc96cc">15</OriginalRelease>
-    <LocalizationTagsTaxHTField0 xmlns="4873beb7-5857-4685-be1f-d57550cc96cc">
-      <Terms xmlns="http://schemas.microsoft.com/office/infopath/2007/PartnerControls"/>
-    </LocalizationTagsTaxHTField0>
-    <UACurrentWords xmlns="4873beb7-5857-4685-be1f-d57550cc96cc" xsi:nil="true"/>
-    <ArtSampleDocs xmlns="4873beb7-5857-4685-be1f-d57550cc96cc" xsi:nil="true"/>
-    <UALocRecommendation xmlns="4873beb7-5857-4685-be1f-d57550cc96cc">Localize</UALocRecommendation>
-    <Manager xmlns="4873beb7-5857-4685-be1f-d57550cc96cc" xsi:nil="true"/>
-    <LocOverallHandbackStatusLookup xmlns="4873beb7-5857-4685-be1f-d57550cc96cc" xsi:nil="true"/>
-    <ShowIn xmlns="4873beb7-5857-4685-be1f-d57550cc96cc">Show everywhere</ShowIn>
-    <UANotes xmlns="4873beb7-5857-4685-be1f-d57550cc96cc" xsi:nil="true"/>
-    <InternalTagsTaxHTField0 xmlns="4873beb7-5857-4685-be1f-d57550cc96cc">
-      <Terms xmlns="http://schemas.microsoft.com/office/infopath/2007/PartnerControls"/>
-    </InternalTagsTaxHTField0>
-    <CSXHash xmlns="4873beb7-5857-4685-be1f-d57550cc96cc" xsi:nil="true"/>
-    <VoteCount xmlns="4873beb7-5857-4685-be1f-d57550cc96cc" xsi:nil="true"/>
-    <AssetExpire xmlns="4873beb7-5857-4685-be1f-d57550cc96cc">2029-05-12T07:00:00+00:00</AssetExpire>
-    <DSATActionTaken xmlns="4873beb7-5857-4685-be1f-d57550cc96cc" xsi:nil="true"/>
-    <CSXSubmissionMarket xmlns="4873beb7-5857-4685-be1f-d57550cc96cc" xsi:nil="true"/>
-    <LocMarketGroupTiers2 xmlns="4873beb7-5857-4685-be1f-d57550cc96cc" xsi:nil="true"/>
-  </documentManagement>
-</p:properties>
+<file path=customXml/itemProps2.xml><?xml version="1.0" encoding="utf-8"?>
+<ds:datastoreItem xmlns:ds="http://schemas.openxmlformats.org/officeDocument/2006/customXml" ds:itemID="{3836F65B-1B07-41EE-A0E8-BC6EF3855225}">
+  <ds:schemaRefs>
+    <ds:schemaRef ds:uri="http://schemas.microsoft.com/sharepoint/v3/contenttype/forms"/>
+  </ds:schemaRefs>
+</ds:datastoreItem>
 </file>
 
-<file path=customXml/itemProps1.xml><?xml version="1.0" encoding="utf-8"?>
+<file path=customXml/itemProps3.xml><?xml version="1.0" encoding="utf-8"?>
 <ds:datastoreItem xmlns:ds="http://schemas.openxmlformats.org/officeDocument/2006/customXml" ds:itemID="{A09BF4D4-EF60-4196-BFC3-9462D607978C}">
   <ds:schemaRefs>
     <ds:schemaRef ds:uri="http://schemas.microsoft.com/office/2006/metadata/contentType"/>
@@ -10411,28 +10833,4 @@
     <ds:schemaRef ds:uri="http://schemas.microsoft.com/internal/obd"/>
   </ds:schemaRefs>
 </ds:datastoreItem>
-</file>
-
-<file path=customXml/itemProps2.xml><?xml version="1.0" encoding="utf-8"?>
-<ds:datastoreItem xmlns:ds="http://schemas.openxmlformats.org/officeDocument/2006/customXml" ds:itemID="{3836F65B-1B07-41EE-A0E8-BC6EF3855225}">
-  <ds:schemaRefs>
-    <ds:schemaRef ds:uri="http://schemas.microsoft.com/sharepoint/v3/contenttype/forms"/>
-  </ds:schemaRefs>
-</ds:datastoreItem>
-</file>
-
-<file path=customXml/itemProps3.xml><?xml version="1.0" encoding="utf-8"?>
-<ds:datastoreItem xmlns:ds="http://schemas.openxmlformats.org/officeDocument/2006/customXml" ds:itemID="{60C67BEE-D13F-4BD2-98A5-34D8A0977F68}">
-  <ds:schemaRefs>
-    <ds:schemaRef ds:uri="4873beb7-5857-4685-be1f-d57550cc96cc"/>
-    <ds:schemaRef ds:uri="http://schemas.openxmlformats.org/package/2006/metadata/core-properties"/>
-    <ds:schemaRef ds:uri="http://purl.org/dc/terms/"/>
-    <ds:schemaRef ds:uri="http://schemas.microsoft.com/office/2006/documentManagement/types"/>
-    <ds:schemaRef ds:uri="http://purl.org/dc/elements/1.1/"/>
-    <ds:schemaRef ds:uri="http://schemas.microsoft.com/office/2006/metadata/properties"/>
-    <ds:schemaRef ds:uri="http://schemas.microsoft.com/office/infopath/2007/PartnerControls"/>
-    <ds:schemaRef ds:uri="http://www.w3.org/XML/1998/namespace"/>
-    <ds:schemaRef ds:uri="http://purl.org/dc/dcmitype/"/>
-  </ds:schemaRefs>
-</ds:datastoreItem>
 </file>
--- a/template.pptx
+++ b/template.pptx
@@ -5,17 +5,23 @@
     <p:sldMasterId id="2147483660" r:id="rId4"/>
   </p:sldMasterIdLst>
   <p:notesMasterIdLst>
-    <p:notesMasterId r:id="rId10"/>
+    <p:notesMasterId r:id="rId16"/>
   </p:notesMasterIdLst>
   <p:handoutMasterIdLst>
-    <p:handoutMasterId r:id="rId11"/>
+    <p:handoutMasterId r:id="rId17"/>
   </p:handoutMasterIdLst>
   <p:sldIdLst>
     <p:sldId id="256" r:id="rId5"/>
-    <p:sldId id="257" r:id="rId6"/>
-    <p:sldId id="258" r:id="rId7"/>
-    <p:sldId id="259" r:id="rId8"/>
-    <p:sldId id="260" r:id="rId9"/>
+    <p:sldId id="264" r:id="rId6"/>
+    <p:sldId id="262" r:id="rId7"/>
+    <p:sldId id="263" r:id="rId8"/>
+    <p:sldId id="265" r:id="rId9"/>
+    <p:sldId id="267" r:id="rId10"/>
+    <p:sldId id="258" r:id="rId11"/>
+    <p:sldId id="259" r:id="rId12"/>
+    <p:sldId id="260" r:id="rId13"/>
+    <p:sldId id="266" r:id="rId14"/>
+    <p:sldId id="268" r:id="rId15"/>
   </p:sldIdLst>
   <p:sldSz cx="12188825" cy="6858000"/>
   <p:notesSz cx="6858000" cy="9144000"/>
@@ -117,10 +123,14 @@
   <p:extLst>
     <p:ext uri="{521415D9-36F7-43E2-AB2F-B90AF26B5E84}">
       <p14:sectionLst xmlns:p14="http://schemas.microsoft.com/office/powerpoint/2010/main">
-        <p14:section name="默认节" id="{EC2C75A3-22FB-486F-A51F-A1F914DF7550}">
+        <p14:section name="x86" id="{EC2C75A3-22FB-486F-A51F-A1F914DF7550}">
           <p14:sldIdLst>
             <p14:sldId id="256"/>
-            <p14:sldId id="257"/>
+            <p14:sldId id="264"/>
+            <p14:sldId id="262"/>
+            <p14:sldId id="263"/>
+            <p14:sldId id="265"/>
+            <p14:sldId id="267"/>
             <p14:sldId id="258"/>
           </p14:sldIdLst>
         </p14:section>
@@ -128,6 +138,8 @@
           <p14:sldIdLst>
             <p14:sldId id="259"/>
             <p14:sldId id="260"/>
+            <p14:sldId id="266"/>
+            <p14:sldId id="268"/>
           </p14:sldIdLst>
         </p14:section>
       </p14:sectionLst>
@@ -162,4047 +174,6 @@
     </p:ext>
   </p:extLst>
 </p:presentation>
-</file>
-
-<file path=ppt/diagrams/colors1.xml><?xml version="1.0" encoding="utf-8"?>
-<dgm:colorsDef xmlns:dgm="http://schemas.openxmlformats.org/drawingml/2006/diagram" xmlns:a="http://schemas.openxmlformats.org/drawingml/2006/main" uniqueId="urn:microsoft.com/office/officeart/2005/8/colors/accent1_2">
-  <dgm:title val=""/>
-  <dgm:desc val=""/>
-  <dgm:catLst>
-    <dgm:cat type="accent1" pri="11200"/>
-  </dgm:catLst>
-  <dgm:styleLbl name="node0">
-    <dgm:fillClrLst meth="repeat">
-      <a:schemeClr val="accent1"/>
-    </dgm:fillClrLst>
-    <dgm:linClrLst meth="repeat">
-      <a:schemeClr val="lt1"/>
-    </dgm:linClrLst>
-    <dgm:effectClrLst/>
-    <dgm:txLinClrLst/>
-    <dgm:txFillClrLst/>
-    <dgm:txEffectClrLst/>
-  </dgm:styleLbl>
-  <dgm:styleLbl name="alignNode1">
-    <dgm:fillClrLst meth="repeat">
-      <a:schemeClr val="accent1"/>
-    </dgm:fillClrLst>
-    <dgm:linClrLst meth="repeat">
-      <a:schemeClr val="accent1"/>
-    </dgm:linClrLst>
-    <dgm:effectClrLst/>
-    <dgm:txLinClrLst/>
-    <dgm:txFillClrLst/>
-    <dgm:txEffectClrLst/>
-  </dgm:styleLbl>
-  <dgm:styleLbl name="node1">
-    <dgm:fillClrLst meth="repeat">
-      <a:schemeClr val="accent1"/>
-    </dgm:fillClrLst>
-    <dgm:linClrLst meth="repeat">
-      <a:schemeClr val="lt1"/>
-    </dgm:linClrLst>
-    <dgm:effectClrLst/>
-    <dgm:txLinClrLst/>
-    <dgm:txFillClrLst/>
-    <dgm:txEffectClrLst/>
-  </dgm:styleLbl>
-  <dgm:styleLbl name="lnNode1">
-    <dgm:fillClrLst meth="repeat">
-      <a:schemeClr val="accent1"/>
-    </dgm:fillClrLst>
-    <dgm:linClrLst meth="repeat">
-      <a:schemeClr val="lt1"/>
-    </dgm:linClrLst>
-    <dgm:effectClrLst/>
-    <dgm:txLinClrLst/>
-    <dgm:txFillClrLst/>
-    <dgm:txEffectClrLst/>
-  </dgm:styleLbl>
-  <dgm:styleLbl name="vennNode1">
-    <dgm:fillClrLst meth="repeat">
-      <a:schemeClr val="accent1">
-        <a:alpha val="50000"/>
-      </a:schemeClr>
-    </dgm:fillClrLst>
-    <dgm:linClrLst meth="repeat">
-      <a:schemeClr val="lt1"/>
-    </dgm:linClrLst>
-    <dgm:effectClrLst/>
-    <dgm:txLinClrLst/>
-    <dgm:txFillClrLst/>
-    <dgm:txEffectClrLst/>
-  </dgm:styleLbl>
-  <dgm:styleLbl name="node2">
-    <dgm:fillClrLst meth="repeat">
-      <a:schemeClr val="accent1"/>
-    </dgm:fillClrLst>
-    <dgm:linClrLst meth="repeat">
-      <a:schemeClr val="lt1"/>
-    </dgm:linClrLst>
-    <dgm:effectClrLst/>
-    <dgm:txLinClrLst/>
-    <dgm:txFillClrLst/>
-    <dgm:txEffectClrLst/>
-  </dgm:styleLbl>
-  <dgm:styleLbl name="node3">
-    <dgm:fillClrLst meth="repeat">
-      <a:schemeClr val="accent1"/>
-    </dgm:fillClrLst>
-    <dgm:linClrLst meth="repeat">
-      <a:schemeClr val="lt1"/>
-    </dgm:linClrLst>
-    <dgm:effectClrLst/>
-    <dgm:txLinClrLst/>
-    <dgm:txFillClrLst/>
-    <dgm:txEffectClrLst/>
-  </dgm:styleLbl>
-  <dgm:styleLbl name="node4">
-    <dgm:fillClrLst meth="repeat">
-      <a:schemeClr val="accent1"/>
-    </dgm:fillClrLst>
-    <dgm:linClrLst meth="repeat">
-      <a:schemeClr val="lt1"/>
-    </dgm:linClrLst>
-    <dgm:effectClrLst/>
-    <dgm:txLinClrLst/>
-    <dgm:txFillClrLst/>
-    <dgm:txEffectClrLst/>
-  </dgm:styleLbl>
-  <dgm:styleLbl name="fgImgPlace1">
-    <dgm:fillClrLst meth="repeat">
-      <a:schemeClr val="accent1">
-        <a:tint val="50000"/>
-      </a:schemeClr>
-    </dgm:fillClrLst>
-    <dgm:linClrLst meth="repeat">
-      <a:schemeClr val="lt1"/>
-    </dgm:linClrLst>
-    <dgm:effectClrLst/>
-    <dgm:txLinClrLst/>
-    <dgm:txFillClrLst meth="repeat">
-      <a:schemeClr val="lt1"/>
-    </dgm:txFillClrLst>
-    <dgm:txEffectClrLst/>
-  </dgm:styleLbl>
-  <dgm:styleLbl name="alignImgPlace1">
-    <dgm:fillClrLst meth="repeat">
-      <a:schemeClr val="accent1">
-        <a:tint val="50000"/>
-      </a:schemeClr>
-    </dgm:fillClrLst>
-    <dgm:linClrLst meth="repeat">
-      <a:schemeClr val="lt1"/>
-    </dgm:linClrLst>
-    <dgm:effectClrLst/>
-    <dgm:txLinClrLst/>
-    <dgm:txFillClrLst meth="repeat">
-      <a:schemeClr val="lt1"/>
-    </dgm:txFillClrLst>
-    <dgm:txEffectClrLst/>
-  </dgm:styleLbl>
-  <dgm:styleLbl name="bgImgPlace1">
-    <dgm:fillClrLst meth="repeat">
-      <a:schemeClr val="accent1">
-        <a:tint val="50000"/>
-      </a:schemeClr>
-    </dgm:fillClrLst>
-    <dgm:linClrLst meth="repeat">
-      <a:schemeClr val="lt1"/>
-    </dgm:linClrLst>
-    <dgm:effectClrLst/>
-    <dgm:txLinClrLst/>
-    <dgm:txFillClrLst meth="repeat">
-      <a:schemeClr val="lt1"/>
-    </dgm:txFillClrLst>
-    <dgm:txEffectClrLst/>
-  </dgm:styleLbl>
-  <dgm:styleLbl name="sibTrans2D1">
-    <dgm:fillClrLst meth="repeat">
-      <a:schemeClr val="accent1">
-        <a:tint val="60000"/>
-      </a:schemeClr>
-    </dgm:fillClrLst>
-    <dgm:linClrLst meth="repeat">
-      <a:schemeClr val="accent1">
-        <a:tint val="60000"/>
-      </a:schemeClr>
-    </dgm:linClrLst>
-    <dgm:effectClrLst/>
-    <dgm:txLinClrLst/>
-    <dgm:txFillClrLst/>
-    <dgm:txEffectClrLst/>
-  </dgm:styleLbl>
-  <dgm:styleLbl name="fgSibTrans2D1">
-    <dgm:fillClrLst meth="repeat">
-      <a:schemeClr val="accent1">
-        <a:tint val="60000"/>
-      </a:schemeClr>
-    </dgm:fillClrLst>
-    <dgm:linClrLst meth="repeat">
-      <a:schemeClr val="accent1">
-        <a:tint val="60000"/>
-      </a:schemeClr>
-    </dgm:linClrLst>
-    <dgm:effectClrLst/>
-    <dgm:txLinClrLst/>
-    <dgm:txFillClrLst/>
-    <dgm:txEffectClrLst/>
-  </dgm:styleLbl>
-  <dgm:styleLbl name="bgSibTrans2D1">
-    <dgm:fillClrLst meth="repeat">
-      <a:schemeClr val="accent1">
-        <a:tint val="60000"/>
-      </a:schemeClr>
-    </dgm:fillClrLst>
-    <dgm:linClrLst meth="repeat">
-      <a:schemeClr val="accent1">
-        <a:tint val="60000"/>
-      </a:schemeClr>
-    </dgm:linClrLst>
-    <dgm:effectClrLst/>
-    <dgm:txLinClrLst/>
-    <dgm:txFillClrLst/>
-    <dgm:txEffectClrLst/>
-  </dgm:styleLbl>
-  <dgm:styleLbl name="sibTrans1D1">
-    <dgm:fillClrLst meth="repeat">
-      <a:schemeClr val="accent1"/>
-    </dgm:fillClrLst>
-    <dgm:linClrLst meth="repeat">
-      <a:schemeClr val="accent1"/>
-    </dgm:linClrLst>
-    <dgm:effectClrLst/>
-    <dgm:txLinClrLst/>
-    <dgm:txFillClrLst meth="repeat">
-      <a:schemeClr val="tx1"/>
-    </dgm:txFillClrLst>
-    <dgm:txEffectClrLst/>
-  </dgm:styleLbl>
-  <dgm:styleLbl name="callout">
-    <dgm:fillClrLst meth="repeat">
-      <a:schemeClr val="accent1"/>
-    </dgm:fillClrLst>
-    <dgm:linClrLst meth="repeat">
-      <a:schemeClr val="accent1">
-        <a:tint val="50000"/>
-      </a:schemeClr>
-    </dgm:linClrLst>
-    <dgm:effectClrLst/>
-    <dgm:txLinClrLst/>
-    <dgm:txFillClrLst meth="repeat">
-      <a:schemeClr val="tx1"/>
-    </dgm:txFillClrLst>
-    <dgm:txEffectClrLst/>
-  </dgm:styleLbl>
-  <dgm:styleLbl name="asst0">
-    <dgm:fillClrLst meth="repeat">
-      <a:schemeClr val="accent1"/>
-    </dgm:fillClrLst>
-    <dgm:linClrLst meth="repeat">
-      <a:schemeClr val="lt1"/>
-    </dgm:linClrLst>
-    <dgm:effectClrLst/>
-    <dgm:txLinClrLst/>
-    <dgm:txFillClrLst/>
-    <dgm:txEffectClrLst/>
-  </dgm:styleLbl>
-  <dgm:styleLbl name="asst1">
-    <dgm:fillClrLst meth="repeat">
-      <a:schemeClr val="accent1"/>
-    </dgm:fillClrLst>
-    <dgm:linClrLst meth="repeat">
-      <a:schemeClr val="lt1"/>
-    </dgm:linClrLst>
-    <dgm:effectClrLst/>
-    <dgm:txLinClrLst/>
-    <dgm:txFillClrLst/>
-    <dgm:txEffectClrLst/>
-  </dgm:styleLbl>
-  <dgm:styleLbl name="asst2">
-    <dgm:fillClrLst meth="repeat">
-      <a:schemeClr val="accent1"/>
-    </dgm:fillClrLst>
-    <dgm:linClrLst meth="repeat">
-      <a:schemeClr val="lt1"/>
-    </dgm:linClrLst>
-    <dgm:effectClrLst/>
-    <dgm:txLinClrLst/>
-    <dgm:txFillClrLst/>
-    <dgm:txEffectClrLst/>
-  </dgm:styleLbl>
-  <dgm:styleLbl name="asst3">
-    <dgm:fillClrLst meth="repeat">
-      <a:schemeClr val="accent1"/>
-    </dgm:fillClrLst>
-    <dgm:linClrLst meth="repeat">
-      <a:schemeClr val="lt1"/>
-    </dgm:linClrLst>
-    <dgm:effectClrLst/>
-    <dgm:txLinClrLst/>
-    <dgm:txFillClrLst/>
-    <dgm:txEffectClrLst/>
-  </dgm:styleLbl>
-  <dgm:styleLbl name="asst4">
-    <dgm:fillClrLst meth="repeat">
-      <a:schemeClr val="accent1"/>
-    </dgm:fillClrLst>
-    <dgm:linClrLst meth="repeat">
-      <a:schemeClr val="lt1"/>
-    </dgm:linClrLst>
-    <dgm:effectClrLst/>
-    <dgm:txLinClrLst/>
-    <dgm:txFillClrLst/>
-    <dgm:txEffectClrLst/>
-  </dgm:styleLbl>
-  <dgm:styleLbl name="parChTrans2D1">
-    <dgm:fillClrLst meth="repeat">
-      <a:schemeClr val="accent1">
-        <a:tint val="60000"/>
-      </a:schemeClr>
-    </dgm:fillClrLst>
-    <dgm:linClrLst meth="repeat">
-      <a:schemeClr val="accent1">
-        <a:tint val="60000"/>
-      </a:schemeClr>
-    </dgm:linClrLst>
-    <dgm:effectClrLst/>
-    <dgm:txLinClrLst/>
-    <dgm:txFillClrLst meth="repeat">
-      <a:schemeClr val="lt1"/>
-    </dgm:txFillClrLst>
-    <dgm:txEffectClrLst/>
-  </dgm:styleLbl>
-  <dgm:styleLbl name="parChTrans2D2">
-    <dgm:fillClrLst meth="repeat">
-      <a:schemeClr val="accent1"/>
-    </dgm:fillClrLst>
-    <dgm:linClrLst meth="repeat">
-      <a:schemeClr val="accent1"/>
-    </dgm:linClrLst>
-    <dgm:effectClrLst/>
-    <dgm:txLinClrLst/>
-    <dgm:txFillClrLst meth="repeat">
-      <a:schemeClr val="lt1"/>
-    </dgm:txFillClrLst>
-    <dgm:txEffectClrLst/>
-  </dgm:styleLbl>
-  <dgm:styleLbl name="parChTrans2D3">
-    <dgm:fillClrLst meth="repeat">
-      <a:schemeClr val="accent1"/>
-    </dgm:fillClrLst>
-    <dgm:linClrLst meth="repeat">
-      <a:schemeClr val="accent1"/>
-    </dgm:linClrLst>
-    <dgm:effectClrLst/>
-    <dgm:txLinClrLst/>
-    <dgm:txFillClrLst meth="repeat">
-      <a:schemeClr val="lt1"/>
-    </dgm:txFillClrLst>
-    <dgm:txEffectClrLst/>
-  </dgm:styleLbl>
-  <dgm:styleLbl name="parChTrans2D4">
-    <dgm:fillClrLst meth="repeat">
-      <a:schemeClr val="accent1"/>
-    </dgm:fillClrLst>
-    <dgm:linClrLst meth="repeat">
-      <a:schemeClr val="accent1"/>
-    </dgm:linClrLst>
-    <dgm:effectClrLst/>
-    <dgm:txLinClrLst/>
-    <dgm:txFillClrLst meth="repeat">
-      <a:schemeClr val="lt1"/>
-    </dgm:txFillClrLst>
-    <dgm:txEffectClrLst/>
-  </dgm:styleLbl>
-  <dgm:styleLbl name="parChTrans1D1">
-    <dgm:fillClrLst meth="repeat">
-      <a:schemeClr val="accent1"/>
-    </dgm:fillClrLst>
-    <dgm:linClrLst meth="repeat">
-      <a:schemeClr val="accent1">
-        <a:shade val="60000"/>
-      </a:schemeClr>
-    </dgm:linClrLst>
-    <dgm:effectClrLst/>
-    <dgm:txLinClrLst/>
-    <dgm:txFillClrLst meth="repeat">
-      <a:schemeClr val="tx1"/>
-    </dgm:txFillClrLst>
-    <dgm:txEffectClrLst/>
-  </dgm:styleLbl>
-  <dgm:styleLbl name="parChTrans1D2">
-    <dgm:fillClrLst meth="repeat">
-      <a:schemeClr val="accent1"/>
-    </dgm:fillClrLst>
-    <dgm:linClrLst meth="repeat">
-      <a:schemeClr val="accent1">
-        <a:shade val="60000"/>
-      </a:schemeClr>
-    </dgm:linClrLst>
-    <dgm:effectClrLst/>
-    <dgm:txLinClrLst/>
-    <dgm:txFillClrLst meth="repeat">
-      <a:schemeClr val="tx1"/>
-    </dgm:txFillClrLst>
-    <dgm:txEffectClrLst/>
-  </dgm:styleLbl>
-  <dgm:styleLbl name="parChTrans1D3">
-    <dgm:fillClrLst meth="repeat">
-      <a:schemeClr val="accent1"/>
-    </dgm:fillClrLst>
-    <dgm:linClrLst meth="repeat">
-      <a:schemeClr val="accent1">
-        <a:shade val="80000"/>
-      </a:schemeClr>
-    </dgm:linClrLst>
-    <dgm:effectClrLst/>
-    <dgm:txLinClrLst/>
-    <dgm:txFillClrLst meth="repeat">
-      <a:schemeClr val="tx1"/>
-    </dgm:txFillClrLst>
-    <dgm:txEffectClrLst/>
-  </dgm:styleLbl>
-  <dgm:styleLbl name="parChTrans1D4">
-    <dgm:fillClrLst meth="repeat">
-      <a:schemeClr val="accent1"/>
-    </dgm:fillClrLst>
-    <dgm:linClrLst meth="repeat">
-      <a:schemeClr val="accent1">
-        <a:shade val="80000"/>
-      </a:schemeClr>
-    </dgm:linClrLst>
-    <dgm:effectClrLst/>
-    <dgm:txLinClrLst/>
-    <dgm:txFillClrLst meth="repeat">
-      <a:schemeClr val="tx1"/>
-    </dgm:txFillClrLst>
-    <dgm:txEffectClrLst/>
-  </dgm:styleLbl>
-  <dgm:styleLbl name="fgAcc1">
-    <dgm:fillClrLst meth="repeat">
-      <a:schemeClr val="lt1">
-        <a:alpha val="90000"/>
-      </a:schemeClr>
-    </dgm:fillClrLst>
-    <dgm:linClrLst meth="repeat">
-      <a:schemeClr val="accent1"/>
-    </dgm:linClrLst>
-    <dgm:effectClrLst/>
-    <dgm:txLinClrLst/>
-    <dgm:txFillClrLst meth="repeat">
-      <a:schemeClr val="dk1"/>
-    </dgm:txFillClrLst>
-    <dgm:txEffectClrLst/>
-  </dgm:styleLbl>
-  <dgm:styleLbl name="conFgAcc1">
-    <dgm:fillClrLst meth="repeat">
-      <a:schemeClr val="lt1">
-        <a:alpha val="90000"/>
-      </a:schemeClr>
-    </dgm:fillClrLst>
-    <dgm:linClrLst meth="repeat">
-      <a:schemeClr val="accent1"/>
-    </dgm:linClrLst>
-    <dgm:effectClrLst/>
-    <dgm:txLinClrLst/>
-    <dgm:txFillClrLst meth="repeat">
-      <a:schemeClr val="dk1"/>
-    </dgm:txFillClrLst>
-    <dgm:txEffectClrLst/>
-  </dgm:styleLbl>
-  <dgm:styleLbl name="alignAcc1">
-    <dgm:fillClrLst meth="repeat">
-      <a:schemeClr val="lt1">
-        <a:alpha val="90000"/>
-      </a:schemeClr>
-    </dgm:fillClrLst>
-    <dgm:linClrLst meth="repeat">
-      <a:schemeClr val="accent1"/>
-    </dgm:linClrLst>
-    <dgm:effectClrLst/>
-    <dgm:txLinClrLst/>
-    <dgm:txFillClrLst meth="repeat">
-      <a:schemeClr val="dk1"/>
-    </dgm:txFillClrLst>
-    <dgm:txEffectClrLst/>
-  </dgm:styleLbl>
-  <dgm:styleLbl name="trAlignAcc1">
-    <dgm:fillClrLst meth="repeat">
-      <a:schemeClr val="lt1">
-        <a:alpha val="40000"/>
-      </a:schemeClr>
-    </dgm:fillClrLst>
-    <dgm:linClrLst meth="repeat">
-      <a:schemeClr val="accent1"/>
-    </dgm:linClrLst>
-    <dgm:effectClrLst/>
-    <dgm:txLinClrLst/>
-    <dgm:txFillClrLst meth="repeat">
-      <a:schemeClr val="dk1"/>
-    </dgm:txFillClrLst>
-    <dgm:txEffectClrLst/>
-  </dgm:styleLbl>
-  <dgm:styleLbl name="bgAcc1">
-    <dgm:fillClrLst meth="repeat">
-      <a:schemeClr val="lt1">
-        <a:alpha val="90000"/>
-      </a:schemeClr>
-    </dgm:fillClrLst>
-    <dgm:linClrLst meth="repeat">
-      <a:schemeClr val="accent1"/>
-    </dgm:linClrLst>
-    <dgm:effectClrLst/>
-    <dgm:txLinClrLst/>
-    <dgm:txFillClrLst meth="repeat">
-      <a:schemeClr val="dk1"/>
-    </dgm:txFillClrLst>
-    <dgm:txEffectClrLst/>
-  </dgm:styleLbl>
-  <dgm:styleLbl name="solidFgAcc1">
-    <dgm:fillClrLst meth="repeat">
-      <a:schemeClr val="lt1"/>
-    </dgm:fillClrLst>
-    <dgm:linClrLst meth="repeat">
-      <a:schemeClr val="accent1"/>
-    </dgm:linClrLst>
-    <dgm:effectClrLst/>
-    <dgm:txLinClrLst/>
-    <dgm:txFillClrLst meth="repeat">
-      <a:schemeClr val="dk1"/>
-    </dgm:txFillClrLst>
-    <dgm:txEffectClrLst/>
-  </dgm:styleLbl>
-  <dgm:styleLbl name="solidAlignAcc1">
-    <dgm:fillClrLst meth="repeat">
-      <a:schemeClr val="lt1"/>
-    </dgm:fillClrLst>
-    <dgm:linClrLst meth="repeat">
-      <a:schemeClr val="accent1"/>
-    </dgm:linClrLst>
-    <dgm:effectClrLst/>
-    <dgm:txLinClrLst/>
-    <dgm:txFillClrLst meth="repeat">
-      <a:schemeClr val="dk1"/>
-    </dgm:txFillClrLst>
-    <dgm:txEffectClrLst/>
-  </dgm:styleLbl>
-  <dgm:styleLbl name="solidBgAcc1">
-    <dgm:fillClrLst meth="repeat">
-      <a:schemeClr val="lt1"/>
-    </dgm:fillClrLst>
-    <dgm:linClrLst meth="repeat">
-      <a:schemeClr val="accent1"/>
-    </dgm:linClrLst>
-    <dgm:effectClrLst/>
-    <dgm:txLinClrLst/>
-    <dgm:txFillClrLst meth="repeat">
-      <a:schemeClr val="dk1"/>
-    </dgm:txFillClrLst>
-    <dgm:txEffectClrLst/>
-  </dgm:styleLbl>
-  <dgm:styleLbl name="fgAccFollowNode1">
-    <dgm:fillClrLst meth="repeat">
-      <a:schemeClr val="accent1">
-        <a:alpha val="90000"/>
-        <a:tint val="40000"/>
-      </a:schemeClr>
-    </dgm:fillClrLst>
-    <dgm:linClrLst meth="repeat">
-      <a:schemeClr val="accent1">
-        <a:alpha val="90000"/>
-        <a:tint val="40000"/>
-      </a:schemeClr>
-    </dgm:linClrLst>
-    <dgm:effectClrLst/>
-    <dgm:txLinClrLst/>
-    <dgm:txFillClrLst meth="repeat">
-      <a:schemeClr val="dk1"/>
-    </dgm:txFillClrLst>
-    <dgm:txEffectClrLst/>
-  </dgm:styleLbl>
-  <dgm:styleLbl name="alignAccFollowNode1">
-    <dgm:fillClrLst meth="repeat">
-      <a:schemeClr val="accent1">
-        <a:alpha val="90000"/>
-        <a:tint val="40000"/>
-      </a:schemeClr>
-    </dgm:fillClrLst>
-    <dgm:linClrLst meth="repeat">
-      <a:schemeClr val="accent1">
-        <a:alpha val="90000"/>
-        <a:tint val="40000"/>
-      </a:schemeClr>
-    </dgm:linClrLst>
-    <dgm:effectClrLst/>
-    <dgm:txLinClrLst/>
-    <dgm:txFillClrLst meth="repeat">
-      <a:schemeClr val="dk1"/>
-    </dgm:txFillClrLst>
-    <dgm:txEffectClrLst/>
-  </dgm:styleLbl>
-  <dgm:styleLbl name="bgAccFollowNode1">
-    <dgm:fillClrLst meth="repeat">
-      <a:schemeClr val="accent1">
-        <a:alpha val="90000"/>
-        <a:tint val="40000"/>
-      </a:schemeClr>
-    </dgm:fillClrLst>
-    <dgm:linClrLst meth="repeat">
-      <a:schemeClr val="accent1">
-        <a:alpha val="90000"/>
-        <a:tint val="40000"/>
-      </a:schemeClr>
-    </dgm:linClrLst>
-    <dgm:effectClrLst/>
-    <dgm:txLinClrLst/>
-    <dgm:txFillClrLst meth="repeat">
-      <a:schemeClr val="dk1"/>
-    </dgm:txFillClrLst>
-    <dgm:txEffectClrLst/>
-  </dgm:styleLbl>
-  <dgm:styleLbl name="fgAcc0">
-    <dgm:fillClrLst meth="repeat">
-      <a:schemeClr val="lt1">
-        <a:alpha val="90000"/>
-      </a:schemeClr>
-    </dgm:fillClrLst>
-    <dgm:linClrLst meth="repeat">
-      <a:schemeClr val="accent1"/>
-    </dgm:linClrLst>
-    <dgm:effectClrLst/>
-    <dgm:txLinClrLst/>
-    <dgm:txFillClrLst meth="repeat">
-      <a:schemeClr val="dk1"/>
-    </dgm:txFillClrLst>
-    <dgm:txEffectClrLst/>
-  </dgm:styleLbl>
-  <dgm:styleLbl name="fgAcc2">
-    <dgm:fillClrLst meth="repeat">
-      <a:schemeClr val="lt1">
-        <a:alpha val="90000"/>
-      </a:schemeClr>
-    </dgm:fillClrLst>
-    <dgm:linClrLst meth="repeat">
-      <a:schemeClr val="accent1"/>
-    </dgm:linClrLst>
-    <dgm:effectClrLst/>
-    <dgm:txLinClrLst/>
-    <dgm:txFillClrLst meth="repeat">
-      <a:schemeClr val="dk1"/>
-    </dgm:txFillClrLst>
-    <dgm:txEffectClrLst/>
-  </dgm:styleLbl>
-  <dgm:styleLbl name="fgAcc3">
-    <dgm:fillClrLst meth="repeat">
-      <a:schemeClr val="lt1">
-        <a:alpha val="90000"/>
-      </a:schemeClr>
-    </dgm:fillClrLst>
-    <dgm:linClrLst meth="repeat">
-      <a:schemeClr val="accent1"/>
-    </dgm:linClrLst>
-    <dgm:effectClrLst/>
-    <dgm:txLinClrLst/>
-    <dgm:txFillClrLst meth="repeat">
-      <a:schemeClr val="dk1"/>
-    </dgm:txFillClrLst>
-    <dgm:txEffectClrLst/>
-  </dgm:styleLbl>
-  <dgm:styleLbl name="fgAcc4">
-    <dgm:fillClrLst meth="repeat">
-      <a:schemeClr val="lt1">
-        <a:alpha val="90000"/>
-      </a:schemeClr>
-    </dgm:fillClrLst>
-    <dgm:linClrLst meth="repeat">
-      <a:schemeClr val="accent1"/>
-    </dgm:linClrLst>
-    <dgm:effectClrLst/>
-    <dgm:txLinClrLst/>
-    <dgm:txFillClrLst meth="repeat">
-      <a:schemeClr val="dk1"/>
-    </dgm:txFillClrLst>
-    <dgm:txEffectClrLst/>
-  </dgm:styleLbl>
-  <dgm:styleLbl name="bgShp">
-    <dgm:fillClrLst meth="repeat">
-      <a:schemeClr val="accent1">
-        <a:tint val="40000"/>
-      </a:schemeClr>
-    </dgm:fillClrLst>
-    <dgm:linClrLst meth="repeat">
-      <a:schemeClr val="accent1"/>
-    </dgm:linClrLst>
-    <dgm:effectClrLst/>
-    <dgm:txLinClrLst/>
-    <dgm:txFillClrLst meth="repeat">
-      <a:schemeClr val="dk1"/>
-    </dgm:txFillClrLst>
-    <dgm:txEffectClrLst/>
-  </dgm:styleLbl>
-  <dgm:styleLbl name="dkBgShp">
-    <dgm:fillClrLst meth="repeat">
-      <a:schemeClr val="accent1">
-        <a:shade val="80000"/>
-      </a:schemeClr>
-    </dgm:fillClrLst>
-    <dgm:linClrLst meth="repeat">
-      <a:schemeClr val="accent1"/>
-    </dgm:linClrLst>
-    <dgm:effectClrLst/>
-    <dgm:txLinClrLst/>
-    <dgm:txFillClrLst meth="repeat">
-      <a:schemeClr val="lt1"/>
-    </dgm:txFillClrLst>
-    <dgm:txEffectClrLst/>
-  </dgm:styleLbl>
-  <dgm:styleLbl name="trBgShp">
-    <dgm:fillClrLst meth="repeat">
-      <a:schemeClr val="accent1">
-        <a:tint val="50000"/>
-        <a:alpha val="40000"/>
-      </a:schemeClr>
-    </dgm:fillClrLst>
-    <dgm:linClrLst meth="repeat">
-      <a:schemeClr val="accent1"/>
-    </dgm:linClrLst>
-    <dgm:effectClrLst/>
-    <dgm:txLinClrLst/>
-    <dgm:txFillClrLst meth="repeat">
-      <a:schemeClr val="lt1"/>
-    </dgm:txFillClrLst>
-    <dgm:txEffectClrLst/>
-  </dgm:styleLbl>
-  <dgm:styleLbl name="fgShp">
-    <dgm:fillClrLst meth="repeat">
-      <a:schemeClr val="accent1">
-        <a:tint val="60000"/>
-      </a:schemeClr>
-    </dgm:fillClrLst>
-    <dgm:linClrLst meth="repeat">
-      <a:schemeClr val="lt1"/>
-    </dgm:linClrLst>
-    <dgm:effectClrLst/>
-    <dgm:txLinClrLst/>
-    <dgm:txFillClrLst meth="repeat">
-      <a:schemeClr val="dk1"/>
-    </dgm:txFillClrLst>
-    <dgm:txEffectClrLst/>
-  </dgm:styleLbl>
-  <dgm:styleLbl name="revTx">
-    <dgm:fillClrLst meth="repeat">
-      <a:schemeClr val="lt1">
-        <a:alpha val="0"/>
-      </a:schemeClr>
-    </dgm:fillClrLst>
-    <dgm:linClrLst meth="repeat">
-      <a:schemeClr val="dk1">
-        <a:alpha val="0"/>
-      </a:schemeClr>
-    </dgm:linClrLst>
-    <dgm:effectClrLst/>
-    <dgm:txLinClrLst/>
-    <dgm:txFillClrLst meth="repeat">
-      <a:schemeClr val="tx1"/>
-    </dgm:txFillClrLst>
-    <dgm:txEffectClrLst/>
-  </dgm:styleLbl>
-</dgm:colorsDef>
-</file>
-
-<file path=ppt/diagrams/data1.xml><?xml version="1.0" encoding="utf-8"?>
-<dgm:dataModel xmlns:dgm="http://schemas.openxmlformats.org/drawingml/2006/diagram" xmlns:a="http://schemas.openxmlformats.org/drawingml/2006/main">
-  <dgm:ptLst>
-    <dgm:pt modelId="{5DF445E0-5A51-4BAD-B601-72F11135176F}" type="doc">
-      <dgm:prSet loTypeId="urn:microsoft.com/office/officeart/2009/3/layout/IncreasingArrowsProcess" loCatId="process" qsTypeId="urn:microsoft.com/office/officeart/2005/8/quickstyle/simple1" qsCatId="simple" csTypeId="urn:microsoft.com/office/officeart/2005/8/colors/accent1_2" csCatId="accent1" phldr="1"/>
-      <dgm:spPr/>
-      <dgm:t>
-        <a:bodyPr/>
-        <a:lstStyle/>
-        <a:p>
-          <a:endParaRPr lang="en-US"/>
-        </a:p>
-      </dgm:t>
-    </dgm:pt>
-    <dgm:pt modelId="{6C282A22-F54D-4B76-8E81-1A9AED980850}">
-      <dgm:prSet phldrT="[文本]"/>
-      <dgm:spPr/>
-      <dgm:t>
-        <a:bodyPr/>
-        <a:lstStyle/>
-        <a:p>
-          <a:r>
-            <a:rPr lang="en-US"/>
-            <a:t>1971 – INTEL 4004</a:t>
-          </a:r>
-          <a:endParaRPr lang="en-US" dirty="0"/>
-        </a:p>
-      </dgm:t>
-    </dgm:pt>
-    <dgm:pt modelId="{A176B1FA-BE49-413A-BDCE-585356E39F65}" type="parTrans" cxnId="{64E3CFE5-3540-4860-AF77-56E5EDD280A6}">
-      <dgm:prSet/>
-      <dgm:spPr/>
-      <dgm:t>
-        <a:bodyPr/>
-        <a:lstStyle/>
-        <a:p>
-          <a:endParaRPr lang="en-US"/>
-        </a:p>
-      </dgm:t>
-    </dgm:pt>
-    <dgm:pt modelId="{320CAE06-356D-4570-AF41-0FEA0377189C}" type="sibTrans" cxnId="{64E3CFE5-3540-4860-AF77-56E5EDD280A6}">
-      <dgm:prSet/>
-      <dgm:spPr/>
-      <dgm:t>
-        <a:bodyPr/>
-        <a:lstStyle/>
-        <a:p>
-          <a:endParaRPr lang="en-US"/>
-        </a:p>
-      </dgm:t>
-    </dgm:pt>
-    <dgm:pt modelId="{ECAC7B9A-CF93-420C-89BE-D0D32951D267}">
-      <dgm:prSet phldrT="[文本]"/>
-      <dgm:spPr/>
-      <dgm:t>
-        <a:bodyPr/>
-        <a:lstStyle/>
-        <a:p>
-          <a:r>
-            <a:rPr lang="en-US" dirty="0"/>
-            <a:t>Intel released the 4004 micro-processor</a:t>
-          </a:r>
-        </a:p>
-      </dgm:t>
-    </dgm:pt>
-    <dgm:pt modelId="{191834EA-8527-4918-912B-01EE71C1FC79}" type="parTrans" cxnId="{C6A784DD-E457-43A9-905E-3E541B0F8C0B}">
-      <dgm:prSet/>
-      <dgm:spPr/>
-      <dgm:t>
-        <a:bodyPr/>
-        <a:lstStyle/>
-        <a:p>
-          <a:endParaRPr lang="en-US"/>
-        </a:p>
-      </dgm:t>
-    </dgm:pt>
-    <dgm:pt modelId="{36B7F9FB-6087-4409-B097-385A3E18E900}" type="sibTrans" cxnId="{C6A784DD-E457-43A9-905E-3E541B0F8C0B}">
-      <dgm:prSet/>
-      <dgm:spPr/>
-      <dgm:t>
-        <a:bodyPr/>
-        <a:lstStyle/>
-        <a:p>
-          <a:endParaRPr lang="en-US"/>
-        </a:p>
-      </dgm:t>
-    </dgm:pt>
-    <dgm:pt modelId="{FDBEEF20-252A-43A2-9FBC-85C672BC7AB7}">
-      <dgm:prSet phldrT="[文本]"/>
-      <dgm:spPr/>
-      <dgm:t>
-        <a:bodyPr/>
-        <a:lstStyle/>
-        <a:p>
-          <a:r>
-            <a:rPr lang="en-US" dirty="0"/>
-            <a:t>First x86 CPU</a:t>
-          </a:r>
-        </a:p>
-      </dgm:t>
-    </dgm:pt>
-    <dgm:pt modelId="{B578F778-EC1A-4A4B-AE92-407FE04BCC20}" type="parTrans" cxnId="{AD89CB21-0B6D-4B7D-B1AE-DD1019F8CE88}">
-      <dgm:prSet/>
-      <dgm:spPr/>
-      <dgm:t>
-        <a:bodyPr/>
-        <a:lstStyle/>
-        <a:p>
-          <a:endParaRPr lang="en-US"/>
-        </a:p>
-      </dgm:t>
-    </dgm:pt>
-    <dgm:pt modelId="{B815828A-67BC-4FAB-B177-EF674866B752}" type="sibTrans" cxnId="{AD89CB21-0B6D-4B7D-B1AE-DD1019F8CE88}">
-      <dgm:prSet/>
-      <dgm:spPr/>
-      <dgm:t>
-        <a:bodyPr/>
-        <a:lstStyle/>
-        <a:p>
-          <a:endParaRPr lang="en-US"/>
-        </a:p>
-      </dgm:t>
-    </dgm:pt>
-    <dgm:pt modelId="{0A7BEF9D-C450-46F3-8C39-9E154B3A2E66}">
-      <dgm:prSet phldrT="[文本]"/>
-      <dgm:spPr/>
-      <dgm:t>
-        <a:bodyPr/>
-        <a:lstStyle/>
-        <a:p>
-          <a:r>
-            <a:rPr lang="en-US" dirty="0"/>
-            <a:t>INTEL 80386</a:t>
-          </a:r>
-        </a:p>
-      </dgm:t>
-    </dgm:pt>
-    <dgm:pt modelId="{10221DD3-3B39-42D4-89CE-84849247FD9C}" type="parTrans" cxnId="{1D313D55-F6B9-47ED-96E7-E47F7248E510}">
-      <dgm:prSet/>
-      <dgm:spPr/>
-      <dgm:t>
-        <a:bodyPr/>
-        <a:lstStyle/>
-        <a:p>
-          <a:endParaRPr lang="en-US"/>
-        </a:p>
-      </dgm:t>
-    </dgm:pt>
-    <dgm:pt modelId="{0A5A2C97-B86E-414A-8B70-B259F4ACFC1F}" type="sibTrans" cxnId="{1D313D55-F6B9-47ED-96E7-E47F7248E510}">
-      <dgm:prSet/>
-      <dgm:spPr/>
-      <dgm:t>
-        <a:bodyPr/>
-        <a:lstStyle/>
-        <a:p>
-          <a:endParaRPr lang="en-US"/>
-        </a:p>
-      </dgm:t>
-    </dgm:pt>
-    <dgm:pt modelId="{B9BB8FDD-FF76-403B-A353-54C59C45C92E}">
-      <dgm:prSet phldrT="[文本]"/>
-      <dgm:spPr/>
-      <dgm:t>
-        <a:bodyPr/>
-        <a:lstStyle/>
-        <a:p>
-          <a:r>
-            <a:rPr lang="en-US"/>
-            <a:t>1978 – INTEL </a:t>
-          </a:r>
-          <a:r>
-            <a:rPr lang="en-US" dirty="0"/>
-            <a:t>8086</a:t>
-          </a:r>
-        </a:p>
-      </dgm:t>
-    </dgm:pt>
-    <dgm:pt modelId="{20AF918E-E783-4844-A498-3516809220D8}" type="sibTrans" cxnId="{4EEF6183-938C-4239-9CB8-03E44EB20999}">
-      <dgm:prSet/>
-      <dgm:spPr/>
-      <dgm:t>
-        <a:bodyPr/>
-        <a:lstStyle/>
-        <a:p>
-          <a:endParaRPr lang="en-US"/>
-        </a:p>
-      </dgm:t>
-    </dgm:pt>
-    <dgm:pt modelId="{490CE179-B0A4-49AF-ACFF-8B9108EA0F81}" type="parTrans" cxnId="{4EEF6183-938C-4239-9CB8-03E44EB20999}">
-      <dgm:prSet/>
-      <dgm:spPr/>
-      <dgm:t>
-        <a:bodyPr/>
-        <a:lstStyle/>
-        <a:p>
-          <a:endParaRPr lang="en-US"/>
-        </a:p>
-      </dgm:t>
-    </dgm:pt>
-    <dgm:pt modelId="{3E1C0FC1-DF5C-45A5-8F5C-2B133E705897}">
-      <dgm:prSet phldrT="[文本]"/>
-      <dgm:spPr/>
-      <dgm:t>
-        <a:bodyPr/>
-        <a:lstStyle/>
-        <a:p>
-          <a:r>
-            <a:rPr lang="en-US" dirty="0"/>
-            <a:t>First of its kind!</a:t>
-          </a:r>
-        </a:p>
-      </dgm:t>
-    </dgm:pt>
-    <dgm:pt modelId="{703624D7-0CDD-4AD7-AAEA-E4FD9A3FEECA}" type="parTrans" cxnId="{BDC010A3-88E4-488B-9423-A046774E4F95}">
-      <dgm:prSet/>
-      <dgm:spPr/>
-      <dgm:t>
-        <a:bodyPr/>
-        <a:lstStyle/>
-        <a:p>
-          <a:endParaRPr lang="en-US"/>
-        </a:p>
-      </dgm:t>
-    </dgm:pt>
-    <dgm:pt modelId="{26E21821-DEBB-495A-BB7F-62DD80E7DEA5}" type="sibTrans" cxnId="{BDC010A3-88E4-488B-9423-A046774E4F95}">
-      <dgm:prSet/>
-      <dgm:spPr/>
-      <dgm:t>
-        <a:bodyPr/>
-        <a:lstStyle/>
-        <a:p>
-          <a:endParaRPr lang="en-US"/>
-        </a:p>
-      </dgm:t>
-    </dgm:pt>
-    <dgm:pt modelId="{DA6D307B-5E39-40BC-BCEF-B99BB80C762B}">
-      <dgm:prSet phldrT="[文本]"/>
-      <dgm:spPr/>
-      <dgm:t>
-        <a:bodyPr/>
-        <a:lstStyle/>
-        <a:p>
-          <a:r>
-            <a:rPr lang="en-US" dirty="0"/>
-            <a:t>The basic framework for computers today</a:t>
-          </a:r>
-        </a:p>
-      </dgm:t>
-    </dgm:pt>
-    <dgm:pt modelId="{E3624FAE-7E2A-4F26-8940-5A77F84E717F}" type="parTrans" cxnId="{FC1B5D80-C807-474A-A9F6-15DE93FE9AB2}">
-      <dgm:prSet/>
-      <dgm:spPr/>
-      <dgm:t>
-        <a:bodyPr/>
-        <a:lstStyle/>
-        <a:p>
-          <a:endParaRPr lang="en-US"/>
-        </a:p>
-      </dgm:t>
-    </dgm:pt>
-    <dgm:pt modelId="{A942D448-F4A5-4645-AAA7-002CF1C33648}" type="sibTrans" cxnId="{FC1B5D80-C807-474A-A9F6-15DE93FE9AB2}">
-      <dgm:prSet/>
-      <dgm:spPr/>
-      <dgm:t>
-        <a:bodyPr/>
-        <a:lstStyle/>
-        <a:p>
-          <a:endParaRPr lang="en-US"/>
-        </a:p>
-      </dgm:t>
-    </dgm:pt>
-    <dgm:pt modelId="{86765082-9661-4B5D-AB0D-AEF15E36F333}">
-      <dgm:prSet phldrT="[文本]"/>
-      <dgm:spPr/>
-      <dgm:t>
-        <a:bodyPr/>
-        <a:lstStyle/>
-        <a:p>
-          <a:r>
-            <a:rPr lang="en-US" dirty="0"/>
-            <a:t>Enhanced architecture</a:t>
-          </a:r>
-        </a:p>
-      </dgm:t>
-    </dgm:pt>
-    <dgm:pt modelId="{4303F67F-9690-4F87-9B91-C8C6B9BD4DFF}" type="parTrans" cxnId="{4FCE8439-CC80-48C0-A773-4C570512E8F7}">
-      <dgm:prSet/>
-      <dgm:spPr/>
-      <dgm:t>
-        <a:bodyPr/>
-        <a:lstStyle/>
-        <a:p>
-          <a:endParaRPr lang="en-US"/>
-        </a:p>
-      </dgm:t>
-    </dgm:pt>
-    <dgm:pt modelId="{28C44353-0312-4FFB-9CAC-CE15F8AC4185}" type="sibTrans" cxnId="{4FCE8439-CC80-48C0-A773-4C570512E8F7}">
-      <dgm:prSet/>
-      <dgm:spPr/>
-      <dgm:t>
-        <a:bodyPr/>
-        <a:lstStyle/>
-        <a:p>
-          <a:endParaRPr lang="en-US"/>
-        </a:p>
-      </dgm:t>
-    </dgm:pt>
-    <dgm:pt modelId="{633EC44C-5E0D-412C-ACFA-33C9CB3E21D3}">
-      <dgm:prSet phldrT="[文本]"/>
-      <dgm:spPr/>
-      <dgm:t>
-        <a:bodyPr/>
-        <a:lstStyle/>
-        <a:p>
-          <a:r>
-            <a:rPr lang="en-US" dirty="0"/>
-            <a:t>i386/IA-32/x86</a:t>
-          </a:r>
-        </a:p>
-        <a:p>
-          <a:r>
-            <a:rPr lang="en-US"/>
-            <a:t>Lots of </a:t>
-          </a:r>
-          <a:r>
-            <a:rPr lang="en-US" dirty="0"/>
-            <a:t>software built on that</a:t>
-          </a:r>
-        </a:p>
-      </dgm:t>
-    </dgm:pt>
-    <dgm:pt modelId="{2CA1308A-BFAE-412E-AE00-4744FDBF175C}" type="parTrans" cxnId="{B2EEAA8B-B08E-47CC-B88A-74028E69A3DD}">
-      <dgm:prSet/>
-      <dgm:spPr/>
-      <dgm:t>
-        <a:bodyPr/>
-        <a:lstStyle/>
-        <a:p>
-          <a:endParaRPr lang="en-US"/>
-        </a:p>
-      </dgm:t>
-    </dgm:pt>
-    <dgm:pt modelId="{48547E68-E2B3-4FBA-AD34-5CFA0786483A}" type="sibTrans" cxnId="{B2EEAA8B-B08E-47CC-B88A-74028E69A3DD}">
-      <dgm:prSet/>
-      <dgm:spPr/>
-      <dgm:t>
-        <a:bodyPr/>
-        <a:lstStyle/>
-        <a:p>
-          <a:endParaRPr lang="en-US"/>
-        </a:p>
-      </dgm:t>
-    </dgm:pt>
-    <dgm:pt modelId="{0C2FF55B-F8AD-46D4-9BE7-B943F2534A43}" type="pres">
-      <dgm:prSet presAssocID="{5DF445E0-5A51-4BAD-B601-72F11135176F}" presName="Name0" presStyleCnt="0">
-        <dgm:presLayoutVars>
-          <dgm:chMax val="5"/>
-          <dgm:chPref val="5"/>
-          <dgm:dir/>
-          <dgm:animLvl val="lvl"/>
-        </dgm:presLayoutVars>
-      </dgm:prSet>
-      <dgm:spPr/>
-    </dgm:pt>
-    <dgm:pt modelId="{074D2627-ABDD-4E32-8062-16E77524B9D9}" type="pres">
-      <dgm:prSet presAssocID="{6C282A22-F54D-4B76-8E81-1A9AED980850}" presName="parentText1" presStyleLbl="node1" presStyleIdx="0" presStyleCnt="3">
-        <dgm:presLayoutVars>
-          <dgm:chMax/>
-          <dgm:chPref val="3"/>
-          <dgm:bulletEnabled val="1"/>
-        </dgm:presLayoutVars>
-      </dgm:prSet>
-      <dgm:spPr/>
-    </dgm:pt>
-    <dgm:pt modelId="{BF414749-F4BC-462D-927E-AE1A572C81ED}" type="pres">
-      <dgm:prSet presAssocID="{6C282A22-F54D-4B76-8E81-1A9AED980850}" presName="childText1" presStyleLbl="solidAlignAcc1" presStyleIdx="0" presStyleCnt="3">
-        <dgm:presLayoutVars>
-          <dgm:chMax val="0"/>
-          <dgm:chPref val="0"/>
-          <dgm:bulletEnabled val="1"/>
-        </dgm:presLayoutVars>
-      </dgm:prSet>
-      <dgm:spPr/>
-    </dgm:pt>
-    <dgm:pt modelId="{DEED29C1-F1BA-4CD1-88D2-3292D3502EE0}" type="pres">
-      <dgm:prSet presAssocID="{B9BB8FDD-FF76-403B-A353-54C59C45C92E}" presName="parentText2" presStyleLbl="node1" presStyleIdx="1" presStyleCnt="3">
-        <dgm:presLayoutVars>
-          <dgm:chMax/>
-          <dgm:chPref val="3"/>
-          <dgm:bulletEnabled val="1"/>
-        </dgm:presLayoutVars>
-      </dgm:prSet>
-      <dgm:spPr/>
-    </dgm:pt>
-    <dgm:pt modelId="{A38D9CB2-4112-413B-81E4-944C3DB1F772}" type="pres">
-      <dgm:prSet presAssocID="{B9BB8FDD-FF76-403B-A353-54C59C45C92E}" presName="childText2" presStyleLbl="solidAlignAcc1" presStyleIdx="1" presStyleCnt="3">
-        <dgm:presLayoutVars>
-          <dgm:chMax val="0"/>
-          <dgm:chPref val="0"/>
-          <dgm:bulletEnabled val="1"/>
-        </dgm:presLayoutVars>
-      </dgm:prSet>
-      <dgm:spPr/>
-    </dgm:pt>
-    <dgm:pt modelId="{EF100C32-F332-457A-A032-33C21DFEC964}" type="pres">
-      <dgm:prSet presAssocID="{0A7BEF9D-C450-46F3-8C39-9E154B3A2E66}" presName="parentText3" presStyleLbl="node1" presStyleIdx="2" presStyleCnt="3">
-        <dgm:presLayoutVars>
-          <dgm:chMax/>
-          <dgm:chPref val="3"/>
-          <dgm:bulletEnabled val="1"/>
-        </dgm:presLayoutVars>
-      </dgm:prSet>
-      <dgm:spPr/>
-    </dgm:pt>
-    <dgm:pt modelId="{CEA41906-0802-4BF1-9DD1-F5EEAF260156}" type="pres">
-      <dgm:prSet presAssocID="{0A7BEF9D-C450-46F3-8C39-9E154B3A2E66}" presName="childText3" presStyleLbl="solidAlignAcc1" presStyleIdx="2" presStyleCnt="3">
-        <dgm:presLayoutVars>
-          <dgm:chMax val="0"/>
-          <dgm:chPref val="0"/>
-          <dgm:bulletEnabled val="1"/>
-        </dgm:presLayoutVars>
-      </dgm:prSet>
-      <dgm:spPr/>
-    </dgm:pt>
-  </dgm:ptLst>
-  <dgm:cxnLst>
-    <dgm:cxn modelId="{AD89CB21-0B6D-4B7D-B1AE-DD1019F8CE88}" srcId="{B9BB8FDD-FF76-403B-A353-54C59C45C92E}" destId="{FDBEEF20-252A-43A2-9FBC-85C672BC7AB7}" srcOrd="0" destOrd="0" parTransId="{B578F778-EC1A-4A4B-AE92-407FE04BCC20}" sibTransId="{B815828A-67BC-4FAB-B177-EF674866B752}"/>
-    <dgm:cxn modelId="{34DF732B-EB57-4085-8181-3C1F3AF0DD7D}" type="presOf" srcId="{0A7BEF9D-C450-46F3-8C39-9E154B3A2E66}" destId="{EF100C32-F332-457A-A032-33C21DFEC964}" srcOrd="0" destOrd="0" presId="urn:microsoft.com/office/officeart/2009/3/layout/IncreasingArrowsProcess"/>
-    <dgm:cxn modelId="{4FCE8439-CC80-48C0-A773-4C570512E8F7}" srcId="{0A7BEF9D-C450-46F3-8C39-9E154B3A2E66}" destId="{86765082-9661-4B5D-AB0D-AEF15E36F333}" srcOrd="0" destOrd="0" parTransId="{4303F67F-9690-4F87-9B91-C8C6B9BD4DFF}" sibTransId="{28C44353-0312-4FFB-9CAC-CE15F8AC4185}"/>
-    <dgm:cxn modelId="{B161DC61-61D7-4CD5-9065-1272D3D463F6}" type="presOf" srcId="{3E1C0FC1-DF5C-45A5-8F5C-2B133E705897}" destId="{BF414749-F4BC-462D-927E-AE1A572C81ED}" srcOrd="0" destOrd="1" presId="urn:microsoft.com/office/officeart/2009/3/layout/IncreasingArrowsProcess"/>
-    <dgm:cxn modelId="{5A95AC4A-371A-457F-8EAD-2746131C7458}" type="presOf" srcId="{DA6D307B-5E39-40BC-BCEF-B99BB80C762B}" destId="{A38D9CB2-4112-413B-81E4-944C3DB1F772}" srcOrd="0" destOrd="1" presId="urn:microsoft.com/office/officeart/2009/3/layout/IncreasingArrowsProcess"/>
-    <dgm:cxn modelId="{4EDC6170-2DBA-47DF-9E94-8457FA6E7818}" type="presOf" srcId="{86765082-9661-4B5D-AB0D-AEF15E36F333}" destId="{CEA41906-0802-4BF1-9DD1-F5EEAF260156}" srcOrd="0" destOrd="0" presId="urn:microsoft.com/office/officeart/2009/3/layout/IncreasingArrowsProcess"/>
-    <dgm:cxn modelId="{1D313D55-F6B9-47ED-96E7-E47F7248E510}" srcId="{5DF445E0-5A51-4BAD-B601-72F11135176F}" destId="{0A7BEF9D-C450-46F3-8C39-9E154B3A2E66}" srcOrd="2" destOrd="0" parTransId="{10221DD3-3B39-42D4-89CE-84849247FD9C}" sibTransId="{0A5A2C97-B86E-414A-8B70-B259F4ACFC1F}"/>
-    <dgm:cxn modelId="{FC1B5D80-C807-474A-A9F6-15DE93FE9AB2}" srcId="{B9BB8FDD-FF76-403B-A353-54C59C45C92E}" destId="{DA6D307B-5E39-40BC-BCEF-B99BB80C762B}" srcOrd="1" destOrd="0" parTransId="{E3624FAE-7E2A-4F26-8940-5A77F84E717F}" sibTransId="{A942D448-F4A5-4645-AAA7-002CF1C33648}"/>
-    <dgm:cxn modelId="{1D75EB82-5B85-4390-9F8C-391352583BAF}" type="presOf" srcId="{5DF445E0-5A51-4BAD-B601-72F11135176F}" destId="{0C2FF55B-F8AD-46D4-9BE7-B943F2534A43}" srcOrd="0" destOrd="0" presId="urn:microsoft.com/office/officeart/2009/3/layout/IncreasingArrowsProcess"/>
-    <dgm:cxn modelId="{4EEF6183-938C-4239-9CB8-03E44EB20999}" srcId="{5DF445E0-5A51-4BAD-B601-72F11135176F}" destId="{B9BB8FDD-FF76-403B-A353-54C59C45C92E}" srcOrd="1" destOrd="0" parTransId="{490CE179-B0A4-49AF-ACFF-8B9108EA0F81}" sibTransId="{20AF918E-E783-4844-A498-3516809220D8}"/>
-    <dgm:cxn modelId="{B2EEAA8B-B08E-47CC-B88A-74028E69A3DD}" srcId="{0A7BEF9D-C450-46F3-8C39-9E154B3A2E66}" destId="{633EC44C-5E0D-412C-ACFA-33C9CB3E21D3}" srcOrd="1" destOrd="0" parTransId="{2CA1308A-BFAE-412E-AE00-4744FDBF175C}" sibTransId="{48547E68-E2B3-4FBA-AD34-5CFA0786483A}"/>
-    <dgm:cxn modelId="{32C5F694-F51F-4330-817F-FCABADEA550F}" type="presOf" srcId="{633EC44C-5E0D-412C-ACFA-33C9CB3E21D3}" destId="{CEA41906-0802-4BF1-9DD1-F5EEAF260156}" srcOrd="0" destOrd="1" presId="urn:microsoft.com/office/officeart/2009/3/layout/IncreasingArrowsProcess"/>
-    <dgm:cxn modelId="{4A9A6E9E-F9A3-4637-97EA-B529FF2043AB}" type="presOf" srcId="{6C282A22-F54D-4B76-8E81-1A9AED980850}" destId="{074D2627-ABDD-4E32-8062-16E77524B9D9}" srcOrd="0" destOrd="0" presId="urn:microsoft.com/office/officeart/2009/3/layout/IncreasingArrowsProcess"/>
-    <dgm:cxn modelId="{BDC010A3-88E4-488B-9423-A046774E4F95}" srcId="{6C282A22-F54D-4B76-8E81-1A9AED980850}" destId="{3E1C0FC1-DF5C-45A5-8F5C-2B133E705897}" srcOrd="1" destOrd="0" parTransId="{703624D7-0CDD-4AD7-AAEA-E4FD9A3FEECA}" sibTransId="{26E21821-DEBB-495A-BB7F-62DD80E7DEA5}"/>
-    <dgm:cxn modelId="{806F01B6-9510-4754-8245-AD5DB2C8106B}" type="presOf" srcId="{ECAC7B9A-CF93-420C-89BE-D0D32951D267}" destId="{BF414749-F4BC-462D-927E-AE1A572C81ED}" srcOrd="0" destOrd="0" presId="urn:microsoft.com/office/officeart/2009/3/layout/IncreasingArrowsProcess"/>
-    <dgm:cxn modelId="{28274EC6-32A7-4327-AF31-0ABA345B250A}" type="presOf" srcId="{B9BB8FDD-FF76-403B-A353-54C59C45C92E}" destId="{DEED29C1-F1BA-4CD1-88D2-3292D3502EE0}" srcOrd="0" destOrd="0" presId="urn:microsoft.com/office/officeart/2009/3/layout/IncreasingArrowsProcess"/>
-    <dgm:cxn modelId="{C6A784DD-E457-43A9-905E-3E541B0F8C0B}" srcId="{6C282A22-F54D-4B76-8E81-1A9AED980850}" destId="{ECAC7B9A-CF93-420C-89BE-D0D32951D267}" srcOrd="0" destOrd="0" parTransId="{191834EA-8527-4918-912B-01EE71C1FC79}" sibTransId="{36B7F9FB-6087-4409-B097-385A3E18E900}"/>
-    <dgm:cxn modelId="{64E3CFE5-3540-4860-AF77-56E5EDD280A6}" srcId="{5DF445E0-5A51-4BAD-B601-72F11135176F}" destId="{6C282A22-F54D-4B76-8E81-1A9AED980850}" srcOrd="0" destOrd="0" parTransId="{A176B1FA-BE49-413A-BDCE-585356E39F65}" sibTransId="{320CAE06-356D-4570-AF41-0FEA0377189C}"/>
-    <dgm:cxn modelId="{8B72BBFD-5FFB-472B-93FD-E86D3FDED764}" type="presOf" srcId="{FDBEEF20-252A-43A2-9FBC-85C672BC7AB7}" destId="{A38D9CB2-4112-413B-81E4-944C3DB1F772}" srcOrd="0" destOrd="0" presId="urn:microsoft.com/office/officeart/2009/3/layout/IncreasingArrowsProcess"/>
-    <dgm:cxn modelId="{EBE28208-EC20-4659-811F-870E6D22930D}" type="presParOf" srcId="{0C2FF55B-F8AD-46D4-9BE7-B943F2534A43}" destId="{074D2627-ABDD-4E32-8062-16E77524B9D9}" srcOrd="0" destOrd="0" presId="urn:microsoft.com/office/officeart/2009/3/layout/IncreasingArrowsProcess"/>
-    <dgm:cxn modelId="{C611AFD6-A451-4440-B503-A071F5012592}" type="presParOf" srcId="{0C2FF55B-F8AD-46D4-9BE7-B943F2534A43}" destId="{BF414749-F4BC-462D-927E-AE1A572C81ED}" srcOrd="1" destOrd="0" presId="urn:microsoft.com/office/officeart/2009/3/layout/IncreasingArrowsProcess"/>
-    <dgm:cxn modelId="{D36EA0F4-57E3-467A-90E0-05BE51DD83EC}" type="presParOf" srcId="{0C2FF55B-F8AD-46D4-9BE7-B943F2534A43}" destId="{DEED29C1-F1BA-4CD1-88D2-3292D3502EE0}" srcOrd="2" destOrd="0" presId="urn:microsoft.com/office/officeart/2009/3/layout/IncreasingArrowsProcess"/>
-    <dgm:cxn modelId="{FA5E2C70-3F47-4CD9-85A7-771102C0E258}" type="presParOf" srcId="{0C2FF55B-F8AD-46D4-9BE7-B943F2534A43}" destId="{A38D9CB2-4112-413B-81E4-944C3DB1F772}" srcOrd="3" destOrd="0" presId="urn:microsoft.com/office/officeart/2009/3/layout/IncreasingArrowsProcess"/>
-    <dgm:cxn modelId="{1D8A06F0-E38C-4B14-ADD3-DCA4445BE61F}" type="presParOf" srcId="{0C2FF55B-F8AD-46D4-9BE7-B943F2534A43}" destId="{EF100C32-F332-457A-A032-33C21DFEC964}" srcOrd="4" destOrd="0" presId="urn:microsoft.com/office/officeart/2009/3/layout/IncreasingArrowsProcess"/>
-    <dgm:cxn modelId="{6C68B13B-9F82-410B-B3E3-764CB360C4B0}" type="presParOf" srcId="{0C2FF55B-F8AD-46D4-9BE7-B943F2534A43}" destId="{CEA41906-0802-4BF1-9DD1-F5EEAF260156}" srcOrd="5" destOrd="0" presId="urn:microsoft.com/office/officeart/2009/3/layout/IncreasingArrowsProcess"/>
-  </dgm:cxnLst>
-  <dgm:bg/>
-  <dgm:whole/>
-  <dgm:extLst>
-    <a:ext uri="http://schemas.microsoft.com/office/drawing/2008/diagram">
-      <dsp:dataModelExt xmlns:dsp="http://schemas.microsoft.com/office/drawing/2008/diagram" relId="rId6" minVer="http://schemas.openxmlformats.org/drawingml/2006/diagram"/>
-    </a:ext>
-  </dgm:extLst>
-</dgm:dataModel>
-</file>
-
-<file path=ppt/diagrams/drawing1.xml><?xml version="1.0" encoding="utf-8"?>
-<dsp:drawing xmlns:dgm="http://schemas.openxmlformats.org/drawingml/2006/diagram" xmlns:dsp="http://schemas.microsoft.com/office/drawing/2008/diagram" xmlns:a="http://schemas.openxmlformats.org/drawingml/2006/main">
-  <dsp:spTree>
-    <dsp:nvGrpSpPr>
-      <dsp:cNvPr id="0" name=""/>
-      <dsp:cNvGrpSpPr/>
-    </dsp:nvGrpSpPr>
-    <dsp:grpSpPr/>
-    <dsp:sp modelId="{074D2627-ABDD-4E32-8062-16E77524B9D9}">
-      <dsp:nvSpPr>
-        <dsp:cNvPr id="0" name=""/>
-        <dsp:cNvSpPr/>
-      </dsp:nvSpPr>
-      <dsp:spPr>
-        <a:xfrm>
-          <a:off x="608717" y="10282"/>
-          <a:ext cx="9142589" cy="1331509"/>
-        </a:xfrm>
-        <a:prstGeom prst="rightArrow">
-          <a:avLst>
-            <a:gd name="adj1" fmla="val 50000"/>
-            <a:gd name="adj2" fmla="val 50000"/>
-          </a:avLst>
-        </a:prstGeom>
-        <a:solidFill>
-          <a:schemeClr val="accent1">
-            <a:hueOff val="0"/>
-            <a:satOff val="0"/>
-            <a:lumOff val="0"/>
-            <a:alphaOff val="0"/>
-          </a:schemeClr>
-        </a:solidFill>
-        <a:ln w="25400" cap="flat" cmpd="sng" algn="ctr">
-          <a:solidFill>
-            <a:schemeClr val="lt1">
-              <a:hueOff val="0"/>
-              <a:satOff val="0"/>
-              <a:lumOff val="0"/>
-              <a:alphaOff val="0"/>
-            </a:schemeClr>
-          </a:solidFill>
-          <a:miter lim="800000"/>
-        </a:ln>
-        <a:effectLst/>
-      </dsp:spPr>
-      <dsp:style>
-        <a:lnRef idx="2">
-          <a:scrgbClr r="0" g="0" b="0"/>
-        </a:lnRef>
-        <a:fillRef idx="1">
-          <a:scrgbClr r="0" g="0" b="0"/>
-        </a:fillRef>
-        <a:effectRef idx="0">
-          <a:scrgbClr r="0" g="0" b="0"/>
-        </a:effectRef>
-        <a:fontRef idx="minor">
-          <a:schemeClr val="lt1"/>
-        </a:fontRef>
-      </dsp:style>
-      <dsp:txBody>
-        <a:bodyPr spcFirstLastPara="0" vert="horz" wrap="square" lIns="102870" tIns="102870" rIns="254000" bIns="211377" numCol="1" spcCol="1270" anchor="ctr" anchorCtr="0">
-          <a:noAutofit/>
-        </a:bodyPr>
-        <a:lstStyle/>
-        <a:p>
-          <a:pPr marL="0" lvl="0" indent="0" algn="l" defTabSz="1200150">
-            <a:lnSpc>
-              <a:spcPct val="90000"/>
-            </a:lnSpc>
-            <a:spcBef>
-              <a:spcPct val="0"/>
-            </a:spcBef>
-            <a:spcAft>
-              <a:spcPct val="35000"/>
-            </a:spcAft>
-            <a:buNone/>
-          </a:pPr>
-          <a:r>
-            <a:rPr lang="en-US" sz="2700" kern="1200"/>
-            <a:t>1971 – INTEL 4004</a:t>
-          </a:r>
-          <a:endParaRPr lang="en-US" sz="2700" kern="1200" dirty="0"/>
-        </a:p>
-      </dsp:txBody>
-      <dsp:txXfrm>
-        <a:off x="608717" y="343159"/>
-        <a:ext cx="8809712" cy="665755"/>
-      </dsp:txXfrm>
-    </dsp:sp>
-    <dsp:sp modelId="{BF414749-F4BC-462D-927E-AE1A572C81ED}">
-      <dsp:nvSpPr>
-        <dsp:cNvPr id="0" name=""/>
-        <dsp:cNvSpPr/>
-      </dsp:nvSpPr>
-      <dsp:spPr>
-        <a:xfrm>
-          <a:off x="608717" y="1037068"/>
-          <a:ext cx="2815917" cy="2564977"/>
-        </a:xfrm>
-        <a:prstGeom prst="rect">
-          <a:avLst/>
-        </a:prstGeom>
-        <a:solidFill>
-          <a:schemeClr val="lt1">
-            <a:hueOff val="0"/>
-            <a:satOff val="0"/>
-            <a:lumOff val="0"/>
-            <a:alphaOff val="0"/>
-          </a:schemeClr>
-        </a:solidFill>
-        <a:ln w="25400" cap="flat" cmpd="sng" algn="ctr">
-          <a:solidFill>
-            <a:schemeClr val="accent1">
-              <a:hueOff val="0"/>
-              <a:satOff val="0"/>
-              <a:lumOff val="0"/>
-              <a:alphaOff val="0"/>
-            </a:schemeClr>
-          </a:solidFill>
-          <a:miter lim="800000"/>
-        </a:ln>
-        <a:effectLst/>
-      </dsp:spPr>
-      <dsp:style>
-        <a:lnRef idx="2">
-          <a:scrgbClr r="0" g="0" b="0"/>
-        </a:lnRef>
-        <a:fillRef idx="1">
-          <a:scrgbClr r="0" g="0" b="0"/>
-        </a:fillRef>
-        <a:effectRef idx="0">
-          <a:scrgbClr r="0" g="0" b="0"/>
-        </a:effectRef>
-        <a:fontRef idx="minor"/>
-      </dsp:style>
-      <dsp:txBody>
-        <a:bodyPr spcFirstLastPara="0" vert="horz" wrap="square" lIns="102870" tIns="102870" rIns="102870" bIns="102870" numCol="1" spcCol="1270" anchor="t" anchorCtr="0">
-          <a:noAutofit/>
-        </a:bodyPr>
-        <a:lstStyle/>
-        <a:p>
-          <a:pPr marL="0" lvl="0" indent="0" algn="l" defTabSz="1200150">
-            <a:lnSpc>
-              <a:spcPct val="90000"/>
-            </a:lnSpc>
-            <a:spcBef>
-              <a:spcPct val="0"/>
-            </a:spcBef>
-            <a:spcAft>
-              <a:spcPct val="35000"/>
-            </a:spcAft>
-            <a:buNone/>
-          </a:pPr>
-          <a:r>
-            <a:rPr lang="en-US" sz="2700" kern="1200" dirty="0"/>
-            <a:t>Intel released the 4004 micro-processor</a:t>
-          </a:r>
-        </a:p>
-        <a:p>
-          <a:pPr marL="0" lvl="0" indent="0" algn="l" defTabSz="1200150">
-            <a:lnSpc>
-              <a:spcPct val="90000"/>
-            </a:lnSpc>
-            <a:spcBef>
-              <a:spcPct val="0"/>
-            </a:spcBef>
-            <a:spcAft>
-              <a:spcPct val="35000"/>
-            </a:spcAft>
-            <a:buNone/>
-          </a:pPr>
-          <a:r>
-            <a:rPr lang="en-US" sz="2700" kern="1200" dirty="0"/>
-            <a:t>First of its kind!</a:t>
-          </a:r>
-        </a:p>
-      </dsp:txBody>
-      <dsp:txXfrm>
-        <a:off x="608717" y="1037068"/>
-        <a:ext cx="2815917" cy="2564977"/>
-      </dsp:txXfrm>
-    </dsp:sp>
-    <dsp:sp modelId="{DEED29C1-F1BA-4CD1-88D2-3292D3502EE0}">
-      <dsp:nvSpPr>
-        <dsp:cNvPr id="0" name=""/>
-        <dsp:cNvSpPr/>
-      </dsp:nvSpPr>
-      <dsp:spPr>
-        <a:xfrm>
-          <a:off x="3424635" y="454119"/>
-          <a:ext cx="6326671" cy="1331509"/>
-        </a:xfrm>
-        <a:prstGeom prst="rightArrow">
-          <a:avLst>
-            <a:gd name="adj1" fmla="val 50000"/>
-            <a:gd name="adj2" fmla="val 50000"/>
-          </a:avLst>
-        </a:prstGeom>
-        <a:solidFill>
-          <a:schemeClr val="accent1">
-            <a:hueOff val="0"/>
-            <a:satOff val="0"/>
-            <a:lumOff val="0"/>
-            <a:alphaOff val="0"/>
-          </a:schemeClr>
-        </a:solidFill>
-        <a:ln w="25400" cap="flat" cmpd="sng" algn="ctr">
-          <a:solidFill>
-            <a:schemeClr val="lt1">
-              <a:hueOff val="0"/>
-              <a:satOff val="0"/>
-              <a:lumOff val="0"/>
-              <a:alphaOff val="0"/>
-            </a:schemeClr>
-          </a:solidFill>
-          <a:miter lim="800000"/>
-        </a:ln>
-        <a:effectLst/>
-      </dsp:spPr>
-      <dsp:style>
-        <a:lnRef idx="2">
-          <a:scrgbClr r="0" g="0" b="0"/>
-        </a:lnRef>
-        <a:fillRef idx="1">
-          <a:scrgbClr r="0" g="0" b="0"/>
-        </a:fillRef>
-        <a:effectRef idx="0">
-          <a:scrgbClr r="0" g="0" b="0"/>
-        </a:effectRef>
-        <a:fontRef idx="minor">
-          <a:schemeClr val="lt1"/>
-        </a:fontRef>
-      </dsp:style>
-      <dsp:txBody>
-        <a:bodyPr spcFirstLastPara="0" vert="horz" wrap="square" lIns="102870" tIns="102870" rIns="254000" bIns="211377" numCol="1" spcCol="1270" anchor="ctr" anchorCtr="0">
-          <a:noAutofit/>
-        </a:bodyPr>
-        <a:lstStyle/>
-        <a:p>
-          <a:pPr marL="0" lvl="0" indent="0" algn="l" defTabSz="1200150">
-            <a:lnSpc>
-              <a:spcPct val="90000"/>
-            </a:lnSpc>
-            <a:spcBef>
-              <a:spcPct val="0"/>
-            </a:spcBef>
-            <a:spcAft>
-              <a:spcPct val="35000"/>
-            </a:spcAft>
-            <a:buNone/>
-          </a:pPr>
-          <a:r>
-            <a:rPr lang="en-US" sz="2700" kern="1200"/>
-            <a:t>1978 – INTEL </a:t>
-          </a:r>
-          <a:r>
-            <a:rPr lang="en-US" sz="2700" kern="1200" dirty="0"/>
-            <a:t>8086</a:t>
-          </a:r>
-        </a:p>
-      </dsp:txBody>
-      <dsp:txXfrm>
-        <a:off x="3424635" y="786996"/>
-        <a:ext cx="5993794" cy="665755"/>
-      </dsp:txXfrm>
-    </dsp:sp>
-    <dsp:sp modelId="{A38D9CB2-4112-413B-81E4-944C3DB1F772}">
-      <dsp:nvSpPr>
-        <dsp:cNvPr id="0" name=""/>
-        <dsp:cNvSpPr/>
-      </dsp:nvSpPr>
-      <dsp:spPr>
-        <a:xfrm>
-          <a:off x="3424635" y="1480905"/>
-          <a:ext cx="2815917" cy="2564977"/>
-        </a:xfrm>
-        <a:prstGeom prst="rect">
-          <a:avLst/>
-        </a:prstGeom>
-        <a:solidFill>
-          <a:schemeClr val="lt1">
-            <a:hueOff val="0"/>
-            <a:satOff val="0"/>
-            <a:lumOff val="0"/>
-            <a:alphaOff val="0"/>
-          </a:schemeClr>
-        </a:solidFill>
-        <a:ln w="25400" cap="flat" cmpd="sng" algn="ctr">
-          <a:solidFill>
-            <a:schemeClr val="accent1">
-              <a:hueOff val="0"/>
-              <a:satOff val="0"/>
-              <a:lumOff val="0"/>
-              <a:alphaOff val="0"/>
-            </a:schemeClr>
-          </a:solidFill>
-          <a:miter lim="800000"/>
-        </a:ln>
-        <a:effectLst/>
-      </dsp:spPr>
-      <dsp:style>
-        <a:lnRef idx="2">
-          <a:scrgbClr r="0" g="0" b="0"/>
-        </a:lnRef>
-        <a:fillRef idx="1">
-          <a:scrgbClr r="0" g="0" b="0"/>
-        </a:fillRef>
-        <a:effectRef idx="0">
-          <a:scrgbClr r="0" g="0" b="0"/>
-        </a:effectRef>
-        <a:fontRef idx="minor"/>
-      </dsp:style>
-      <dsp:txBody>
-        <a:bodyPr spcFirstLastPara="0" vert="horz" wrap="square" lIns="102870" tIns="102870" rIns="102870" bIns="102870" numCol="1" spcCol="1270" anchor="t" anchorCtr="0">
-          <a:noAutofit/>
-        </a:bodyPr>
-        <a:lstStyle/>
-        <a:p>
-          <a:pPr marL="0" lvl="0" indent="0" algn="l" defTabSz="1200150">
-            <a:lnSpc>
-              <a:spcPct val="90000"/>
-            </a:lnSpc>
-            <a:spcBef>
-              <a:spcPct val="0"/>
-            </a:spcBef>
-            <a:spcAft>
-              <a:spcPct val="35000"/>
-            </a:spcAft>
-            <a:buNone/>
-          </a:pPr>
-          <a:r>
-            <a:rPr lang="en-US" sz="2700" kern="1200" dirty="0"/>
-            <a:t>First x86 CPU</a:t>
-          </a:r>
-        </a:p>
-        <a:p>
-          <a:pPr marL="0" lvl="0" indent="0" algn="l" defTabSz="1200150">
-            <a:lnSpc>
-              <a:spcPct val="90000"/>
-            </a:lnSpc>
-            <a:spcBef>
-              <a:spcPct val="0"/>
-            </a:spcBef>
-            <a:spcAft>
-              <a:spcPct val="35000"/>
-            </a:spcAft>
-            <a:buNone/>
-          </a:pPr>
-          <a:r>
-            <a:rPr lang="en-US" sz="2700" kern="1200" dirty="0"/>
-            <a:t>The basic framework for computers today</a:t>
-          </a:r>
-        </a:p>
-      </dsp:txBody>
-      <dsp:txXfrm>
-        <a:off x="3424635" y="1480905"/>
-        <a:ext cx="2815917" cy="2564977"/>
-      </dsp:txXfrm>
-    </dsp:sp>
-    <dsp:sp modelId="{EF100C32-F332-457A-A032-33C21DFEC964}">
-      <dsp:nvSpPr>
-        <dsp:cNvPr id="0" name=""/>
-        <dsp:cNvSpPr/>
-      </dsp:nvSpPr>
-      <dsp:spPr>
-        <a:xfrm>
-          <a:off x="6240552" y="897955"/>
-          <a:ext cx="3510754" cy="1331509"/>
-        </a:xfrm>
-        <a:prstGeom prst="rightArrow">
-          <a:avLst>
-            <a:gd name="adj1" fmla="val 50000"/>
-            <a:gd name="adj2" fmla="val 50000"/>
-          </a:avLst>
-        </a:prstGeom>
-        <a:solidFill>
-          <a:schemeClr val="accent1">
-            <a:hueOff val="0"/>
-            <a:satOff val="0"/>
-            <a:lumOff val="0"/>
-            <a:alphaOff val="0"/>
-          </a:schemeClr>
-        </a:solidFill>
-        <a:ln w="25400" cap="flat" cmpd="sng" algn="ctr">
-          <a:solidFill>
-            <a:schemeClr val="lt1">
-              <a:hueOff val="0"/>
-              <a:satOff val="0"/>
-              <a:lumOff val="0"/>
-              <a:alphaOff val="0"/>
-            </a:schemeClr>
-          </a:solidFill>
-          <a:miter lim="800000"/>
-        </a:ln>
-        <a:effectLst/>
-      </dsp:spPr>
-      <dsp:style>
-        <a:lnRef idx="2">
-          <a:scrgbClr r="0" g="0" b="0"/>
-        </a:lnRef>
-        <a:fillRef idx="1">
-          <a:scrgbClr r="0" g="0" b="0"/>
-        </a:fillRef>
-        <a:effectRef idx="0">
-          <a:scrgbClr r="0" g="0" b="0"/>
-        </a:effectRef>
-        <a:fontRef idx="minor">
-          <a:schemeClr val="lt1"/>
-        </a:fontRef>
-      </dsp:style>
-      <dsp:txBody>
-        <a:bodyPr spcFirstLastPara="0" vert="horz" wrap="square" lIns="102870" tIns="102870" rIns="254000" bIns="211377" numCol="1" spcCol="1270" anchor="ctr" anchorCtr="0">
-          <a:noAutofit/>
-        </a:bodyPr>
-        <a:lstStyle/>
-        <a:p>
-          <a:pPr marL="0" lvl="0" indent="0" algn="l" defTabSz="1200150">
-            <a:lnSpc>
-              <a:spcPct val="90000"/>
-            </a:lnSpc>
-            <a:spcBef>
-              <a:spcPct val="0"/>
-            </a:spcBef>
-            <a:spcAft>
-              <a:spcPct val="35000"/>
-            </a:spcAft>
-            <a:buNone/>
-          </a:pPr>
-          <a:r>
-            <a:rPr lang="en-US" sz="2700" kern="1200" dirty="0"/>
-            <a:t>INTEL 80386</a:t>
-          </a:r>
-        </a:p>
-      </dsp:txBody>
-      <dsp:txXfrm>
-        <a:off x="6240552" y="1230832"/>
-        <a:ext cx="3177877" cy="665755"/>
-      </dsp:txXfrm>
-    </dsp:sp>
-    <dsp:sp modelId="{CEA41906-0802-4BF1-9DD1-F5EEAF260156}">
-      <dsp:nvSpPr>
-        <dsp:cNvPr id="0" name=""/>
-        <dsp:cNvSpPr/>
-      </dsp:nvSpPr>
-      <dsp:spPr>
-        <a:xfrm>
-          <a:off x="6240552" y="1924741"/>
-          <a:ext cx="2815917" cy="2527438"/>
-        </a:xfrm>
-        <a:prstGeom prst="rect">
-          <a:avLst/>
-        </a:prstGeom>
-        <a:solidFill>
-          <a:schemeClr val="lt1">
-            <a:hueOff val="0"/>
-            <a:satOff val="0"/>
-            <a:lumOff val="0"/>
-            <a:alphaOff val="0"/>
-          </a:schemeClr>
-        </a:solidFill>
-        <a:ln w="25400" cap="flat" cmpd="sng" algn="ctr">
-          <a:solidFill>
-            <a:schemeClr val="accent1">
-              <a:hueOff val="0"/>
-              <a:satOff val="0"/>
-              <a:lumOff val="0"/>
-              <a:alphaOff val="0"/>
-            </a:schemeClr>
-          </a:solidFill>
-          <a:miter lim="800000"/>
-        </a:ln>
-        <a:effectLst/>
-      </dsp:spPr>
-      <dsp:style>
-        <a:lnRef idx="2">
-          <a:scrgbClr r="0" g="0" b="0"/>
-        </a:lnRef>
-        <a:fillRef idx="1">
-          <a:scrgbClr r="0" g="0" b="0"/>
-        </a:fillRef>
-        <a:effectRef idx="0">
-          <a:scrgbClr r="0" g="0" b="0"/>
-        </a:effectRef>
-        <a:fontRef idx="minor"/>
-      </dsp:style>
-      <dsp:txBody>
-        <a:bodyPr spcFirstLastPara="0" vert="horz" wrap="square" lIns="102870" tIns="102870" rIns="102870" bIns="102870" numCol="1" spcCol="1270" anchor="t" anchorCtr="0">
-          <a:noAutofit/>
-        </a:bodyPr>
-        <a:lstStyle/>
-        <a:p>
-          <a:pPr marL="0" lvl="0" indent="0" algn="l" defTabSz="1200150">
-            <a:lnSpc>
-              <a:spcPct val="90000"/>
-            </a:lnSpc>
-            <a:spcBef>
-              <a:spcPct val="0"/>
-            </a:spcBef>
-            <a:spcAft>
-              <a:spcPct val="35000"/>
-            </a:spcAft>
-            <a:buNone/>
-          </a:pPr>
-          <a:r>
-            <a:rPr lang="en-US" sz="2700" kern="1200" dirty="0"/>
-            <a:t>Enhanced architecture</a:t>
-          </a:r>
-        </a:p>
-        <a:p>
-          <a:pPr marL="0" lvl="0" indent="0" algn="l" defTabSz="1200150">
-            <a:lnSpc>
-              <a:spcPct val="90000"/>
-            </a:lnSpc>
-            <a:spcBef>
-              <a:spcPct val="0"/>
-            </a:spcBef>
-            <a:spcAft>
-              <a:spcPct val="35000"/>
-            </a:spcAft>
-            <a:buNone/>
-          </a:pPr>
-          <a:r>
-            <a:rPr lang="en-US" sz="2700" kern="1200" dirty="0"/>
-            <a:t>i386/IA-32/x86</a:t>
-          </a:r>
-        </a:p>
-        <a:p>
-          <a:pPr marL="0" lvl="0" indent="0" algn="l" defTabSz="1200150">
-            <a:lnSpc>
-              <a:spcPct val="90000"/>
-            </a:lnSpc>
-            <a:spcBef>
-              <a:spcPct val="0"/>
-            </a:spcBef>
-            <a:spcAft>
-              <a:spcPct val="35000"/>
-            </a:spcAft>
-            <a:buNone/>
-          </a:pPr>
-          <a:r>
-            <a:rPr lang="en-US" sz="2700" kern="1200"/>
-            <a:t>Lots of </a:t>
-          </a:r>
-          <a:r>
-            <a:rPr lang="en-US" sz="2700" kern="1200" dirty="0"/>
-            <a:t>software built on that</a:t>
-          </a:r>
-        </a:p>
-      </dsp:txBody>
-      <dsp:txXfrm>
-        <a:off x="6240552" y="1924741"/>
-        <a:ext cx="2815917" cy="2527438"/>
-      </dsp:txXfrm>
-    </dsp:sp>
-  </dsp:spTree>
-</dsp:drawing>
-</file>
-
-<file path=ppt/diagrams/layout1.xml><?xml version="1.0" encoding="utf-8"?>
-<dgm:layoutDef xmlns:dgm="http://schemas.openxmlformats.org/drawingml/2006/diagram" xmlns:a="http://schemas.openxmlformats.org/drawingml/2006/main" uniqueId="urn:microsoft.com/office/officeart/2009/3/layout/IncreasingArrowsProcess">
-  <dgm:title val=""/>
-  <dgm:desc val=""/>
-  <dgm:catLst>
-    <dgm:cat type="process" pri="5500"/>
-  </dgm:catLst>
-  <dgm:sampData>
-    <dgm:dataModel>
-      <dgm:ptLst>
-        <dgm:pt modelId="0" type="doc"/>
-        <dgm:pt modelId="10">
-          <dgm:prSet phldr="1"/>
-        </dgm:pt>
-        <dgm:pt modelId="11">
-          <dgm:prSet phldr="1"/>
-        </dgm:pt>
-        <dgm:pt modelId="20">
-          <dgm:prSet phldr="1"/>
-        </dgm:pt>
-        <dgm:pt modelId="21">
-          <dgm:prSet phldr="1"/>
-        </dgm:pt>
-        <dgm:pt modelId="30">
-          <dgm:prSet phldr="1"/>
-        </dgm:pt>
-        <dgm:pt modelId="31">
-          <dgm:prSet phldr="1"/>
-        </dgm:pt>
-      </dgm:ptLst>
-      <dgm:cxnLst>
-        <dgm:cxn modelId="40" srcId="0" destId="10" srcOrd="0" destOrd="0"/>
-        <dgm:cxn modelId="12" srcId="10" destId="11" srcOrd="0" destOrd="0"/>
-        <dgm:cxn modelId="50" srcId="0" destId="20" srcOrd="1" destOrd="0"/>
-        <dgm:cxn modelId="22" srcId="20" destId="21" srcOrd="0" destOrd="0"/>
-        <dgm:cxn modelId="60" srcId="0" destId="30" srcOrd="2" destOrd="0"/>
-        <dgm:cxn modelId="32" srcId="30" destId="31" srcOrd="0" destOrd="0"/>
-      </dgm:cxnLst>
-      <dgm:bg/>
-      <dgm:whole/>
-    </dgm:dataModel>
-  </dgm:sampData>
-  <dgm:styleData>
-    <dgm:dataModel>
-      <dgm:ptLst>
-        <dgm:pt modelId="0" type="doc"/>
-        <dgm:pt modelId="10">
-          <dgm:prSet phldr="1"/>
-        </dgm:pt>
-        <dgm:pt modelId="11">
-          <dgm:prSet phldr="1"/>
-        </dgm:pt>
-        <dgm:pt modelId="20">
-          <dgm:prSet phldr="1"/>
-        </dgm:pt>
-        <dgm:pt modelId="21">
-          <dgm:prSet phldr="1"/>
-        </dgm:pt>
-      </dgm:ptLst>
-      <dgm:cxnLst>
-        <dgm:cxn modelId="40" srcId="0" destId="10" srcOrd="0" destOrd="0"/>
-        <dgm:cxn modelId="12" srcId="10" destId="11" srcOrd="0" destOrd="0"/>
-        <dgm:cxn modelId="50" srcId="0" destId="20" srcOrd="1" destOrd="0"/>
-        <dgm:cxn modelId="22" srcId="20" destId="21" srcOrd="0" destOrd="0"/>
-      </dgm:cxnLst>
-      <dgm:bg/>
-      <dgm:whole/>
-    </dgm:dataModel>
-  </dgm:styleData>
-  <dgm:clrData>
-    <dgm:dataModel>
-      <dgm:ptLst>
-        <dgm:pt modelId="0" type="doc"/>
-        <dgm:pt modelId="10">
-          <dgm:prSet phldr="1"/>
-        </dgm:pt>
-        <dgm:pt modelId="11">
-          <dgm:prSet phldr="1"/>
-        </dgm:pt>
-        <dgm:pt modelId="20">
-          <dgm:prSet phldr="1"/>
-        </dgm:pt>
-        <dgm:pt modelId="21">
-          <dgm:prSet phldr="1"/>
-        </dgm:pt>
-        <dgm:pt modelId="30">
-          <dgm:prSet phldr="1"/>
-        </dgm:pt>
-        <dgm:pt modelId="31">
-          <dgm:prSet phldr="1"/>
-        </dgm:pt>
-      </dgm:ptLst>
-      <dgm:cxnLst>
-        <dgm:cxn modelId="40" srcId="0" destId="10" srcOrd="0" destOrd="0"/>
-        <dgm:cxn modelId="12" srcId="10" destId="11" srcOrd="0" destOrd="0"/>
-        <dgm:cxn modelId="50" srcId="0" destId="20" srcOrd="1" destOrd="0"/>
-        <dgm:cxn modelId="22" srcId="20" destId="21" srcOrd="0" destOrd="0"/>
-        <dgm:cxn modelId="60" srcId="0" destId="30" srcOrd="2" destOrd="0"/>
-        <dgm:cxn modelId="32" srcId="30" destId="31" srcOrd="0" destOrd="0"/>
-      </dgm:cxnLst>
-      <dgm:bg/>
-      <dgm:whole/>
-    </dgm:dataModel>
-  </dgm:clrData>
-  <dgm:layoutNode name="Name0">
-    <dgm:varLst>
-      <dgm:chMax val="5"/>
-      <dgm:chPref val="5"/>
-      <dgm:dir/>
-      <dgm:animLvl val="lvl"/>
-    </dgm:varLst>
-    <dgm:shape xmlns:r="http://schemas.openxmlformats.org/officeDocument/2006/relationships" r:blip="">
-      <dgm:adjLst/>
-    </dgm:shape>
-    <dgm:choose name="Name1">
-      <dgm:if name="Name2" axis="ch" ptType="node" func="cnt" op="equ" val="1">
-        <dgm:choose name="Name3">
-          <dgm:if name="Name4" axis="ch ch" ptType="node node" func="cnt" op="equ" val="0">
-            <dgm:alg type="composite">
-              <dgm:param type="ar" val="6.8662"/>
-            </dgm:alg>
-            <dgm:choose name="Name5">
-              <dgm:if name="Name6" func="var" arg="dir" op="equ" val="norm">
-                <dgm:constrLst>
-                  <dgm:constr type="primFontSz" for="des" forName="parentText1" val="65"/>
-                  <dgm:constr type="l" for="ch" forName="parentText1" refType="w" fact="0"/>
-                  <dgm:constr type="t" for="ch" forName="parentText1" refType="h" fact="0"/>
-                  <dgm:constr type="w" for="ch" forName="parentText1" refType="w"/>
-                  <dgm:constr type="h" for="ch" forName="parentText1" refType="h"/>
-                </dgm:constrLst>
-              </dgm:if>
-              <dgm:else name="Name7">
-                <dgm:constrLst>
-                  <dgm:constr type="primFontSz" for="des" forName="parentText1" val="65"/>
-                  <dgm:constr type="l" for="ch" forName="parentText1" refType="w" fact="0"/>
-                  <dgm:constr type="t" for="ch" forName="parentText1" refType="h" fact="0"/>
-                  <dgm:constr type="w" for="ch" forName="parentText1" refType="w"/>
-                  <dgm:constr type="h" for="ch" forName="parentText1" refType="h"/>
-                </dgm:constrLst>
-              </dgm:else>
-            </dgm:choose>
-          </dgm:if>
-          <dgm:else name="Name8">
-            <dgm:alg type="composite">
-              <dgm:param type="ar" val="1.9864"/>
-            </dgm:alg>
-            <dgm:choose name="Name9">
-              <dgm:if name="Name10" func="var" arg="dir" op="equ" val="norm">
-                <dgm:constrLst>
-                  <dgm:constr type="primFontSz" for="des" forName="childText1" val="65"/>
-                  <dgm:constr type="primFontSz" for="des" forName="parentText1" val="65"/>
-                  <dgm:constr type="primFontSz" for="des" forName="childText1" refType="primFontSz" refFor="des" refForName="parentText1" op="lte"/>
-                  <dgm:constr type="l" for="ch" forName="parentText1" refType="w" fact="0"/>
-                  <dgm:constr type="t" for="ch" forName="parentText1" refType="h" fact="0"/>
-                  <dgm:constr type="w" for="ch" forName="parentText1" refType="w"/>
-                  <dgm:constr type="h" for="ch" forName="parentText1" refType="h" fact="0.2893"/>
-                  <dgm:constr type="l" for="ch" forName="childText1" refType="w" fact="0"/>
-                  <dgm:constr type="t" for="ch" forName="childText1" refType="h" fact="0.224"/>
-                  <dgm:constr type="w" for="ch" forName="childText1" refType="w" fact="0.9241"/>
-                  <dgm:constr type="h" for="ch" forName="childText1" refType="h" fact="0.776"/>
-                </dgm:constrLst>
-              </dgm:if>
-              <dgm:else name="Name11">
-                <dgm:constrLst>
-                  <dgm:constr type="primFontSz" for="des" forName="childText1" val="65"/>
-                  <dgm:constr type="primFontSz" for="des" forName="parentText1" val="65"/>
-                  <dgm:constr type="primFontSz" for="des" forName="childText1" refType="primFontSz" refFor="des" refForName="parentText1" op="lte"/>
-                  <dgm:constr type="l" for="ch" forName="parentText1" refType="w" fact="0"/>
-                  <dgm:constr type="t" for="ch" forName="parentText1" refType="h" fact="0"/>
-                  <dgm:constr type="w" for="ch" forName="parentText1" refType="w"/>
-                  <dgm:constr type="h" for="ch" forName="parentText1" refType="h" fact="0.2893"/>
-                  <dgm:constr type="l" for="ch" forName="childText1" refType="w" fact="0.076"/>
-                  <dgm:constr type="t" for="ch" forName="childText1" refType="h" fact="0.224"/>
-                  <dgm:constr type="w" for="ch" forName="childText1" refType="w" fact="0.9241"/>
-                  <dgm:constr type="h" for="ch" forName="childText1" refType="h" fact="0.776"/>
-                </dgm:constrLst>
-              </dgm:else>
-            </dgm:choose>
-          </dgm:else>
-        </dgm:choose>
-      </dgm:if>
-      <dgm:if name="Name12" axis="ch" ptType="node" func="cnt" op="equ" val="2">
-        <dgm:choose name="Name13">
-          <dgm:if name="Name14" axis="ch ch" ptType="node node" func="cnt" op="equ" val="0">
-            <dgm:alg type="composite">
-              <dgm:param type="ar" val="5.1498"/>
-            </dgm:alg>
-            <dgm:choose name="Name15">
-              <dgm:if name="Name16" func="var" arg="dir" op="equ" val="norm">
-                <dgm:constrLst>
-                  <dgm:constr type="primFontSz" for="des" forName="parentText1" val="65"/>
-                  <dgm:constr type="primFontSz" for="des" forName="parentText2" refType="primFontSz" refFor="des" refForName="parentText1" op="equ"/>
-                  <dgm:constr type="l" for="ch" forName="parentText1" refType="w" fact="0"/>
-                  <dgm:constr type="t" for="ch" forName="parentText1" refType="h" fact="0"/>
-                  <dgm:constr type="w" for="ch" forName="parentText1" refType="w"/>
-                  <dgm:constr type="h" for="ch" forName="parentText1" refType="h" fact="0.7501"/>
-                  <dgm:constr type="l" for="ch" forName="parentText2" refType="w" fact="0.462"/>
-                  <dgm:constr type="t" for="ch" forName="parentText2" refType="h" fact="0.2499"/>
-                  <dgm:constr type="w" for="ch" forName="parentText2" refType="w" fact="0.538"/>
-                  <dgm:constr type="h" for="ch" forName="parentText2" refType="h" fact="0.7501"/>
-                </dgm:constrLst>
-              </dgm:if>
-              <dgm:else name="Name17">
-                <dgm:constrLst>
-                  <dgm:constr type="primFontSz" for="des" forName="parentText1" val="65"/>
-                  <dgm:constr type="primFontSz" for="des" forName="parentText2" refType="primFontSz" refFor="des" refForName="parentText1" op="equ"/>
-                  <dgm:constr type="l" for="ch" forName="parentText1" refType="w" fact="0"/>
-                  <dgm:constr type="t" for="ch" forName="parentText1" refType="h" fact="0"/>
-                  <dgm:constr type="w" for="ch" forName="parentText1" refType="w"/>
-                  <dgm:constr type="h" for="ch" forName="parentText1" refType="h" fact="0.7501"/>
-                  <dgm:constr type="l" for="ch" forName="parentText2" refType="w" fact="0"/>
-                  <dgm:constr type="t" for="ch" forName="parentText2" refType="h" fact="0.2499"/>
-                  <dgm:constr type="w" for="ch" forName="parentText2" refType="w" fact="0.538"/>
-                  <dgm:constr type="h" for="ch" forName="parentText2" refType="h" fact="0.7501"/>
-                </dgm:constrLst>
-              </dgm:else>
-            </dgm:choose>
-          </dgm:if>
-          <dgm:else name="Name18">
-            <dgm:alg type="composite">
-              <dgm:param type="ar" val="2.0563"/>
-            </dgm:alg>
-            <dgm:choose name="Name19">
-              <dgm:if name="Name20" func="var" arg="dir" op="equ" val="norm">
-                <dgm:constrLst>
-                  <dgm:constr type="primFontSz" for="des" forName="childText1" val="65"/>
-                  <dgm:constr type="primFontSz" for="des" forName="parentText1" val="65"/>
-                  <dgm:constr type="primFontSz" for="des" forName="childText1" refType="primFontSz" refFor="des" refForName="parentText1" op="lte"/>
-                  <dgm:constr type="primFontSz" for="des" forName="childText2" refType="primFontSz" refFor="des" refForName="parentText1" op="lte"/>
-                  <dgm:constr type="primFontSz" for="des" forName="childText1" refType="primFontSz" refFor="des" refForName="parentText2" op="lte"/>
-                  <dgm:constr type="primFontSz" for="des" forName="childText2" refType="primFontSz" refFor="des" refForName="parentText2" op="lte"/>
-                  <dgm:constr type="primFontSz" for="des" forName="parentText2" refType="primFontSz" refFor="des" refForName="parentText1" op="equ"/>
-                  <dgm:constr type="primFontSz" for="des" forName="childText2" refType="primFontSz" refFor="des" refForName="childText1" op="equ"/>
-                  <dgm:constr type="l" for="ch" forName="parentText1" refType="w" fact="0"/>
-                  <dgm:constr type="t" for="ch" forName="parentText1" refType="h" fact="0"/>
-                  <dgm:constr type="w" for="ch" forName="parentText1" refType="w"/>
-                  <dgm:constr type="h" for="ch" forName="parentText1" refType="h" fact="0.2995"/>
-                  <dgm:constr type="l" for="ch" forName="parentText2" refType="w" fact="0.462"/>
-                  <dgm:constr type="t" for="ch" forName="parentText2" refType="h" fact="0.0998"/>
-                  <dgm:constr type="w" for="ch" forName="parentText2" refType="w" fact="0.538"/>
-                  <dgm:constr type="h" for="ch" forName="parentText2" refType="h" fact="0.2995"/>
-                  <dgm:constr type="l" for="ch" forName="childText1" refType="w" fact="0"/>
-                  <dgm:constr type="t" for="ch" forName="childText1" refType="h" fact="0.2317"/>
-                  <dgm:constr type="w" for="ch" forName="childText1" refType="w" fact="0.462"/>
-                  <dgm:constr type="h" for="ch" forName="childText1" refType="h" fact="0.6685"/>
-                  <dgm:constr type="l" for="ch" forName="childText2" refType="w" fact="0.462"/>
-                  <dgm:constr type="t" for="ch" forName="childText2" refType="h" fact="0.3315"/>
-                  <dgm:constr type="w" for="ch" forName="childText2" refType="w" fact="0.462"/>
-                  <dgm:constr type="h" for="ch" forName="childText2" refType="h" fact="0.6685"/>
-                </dgm:constrLst>
-              </dgm:if>
-              <dgm:else name="Name21">
-                <dgm:constrLst>
-                  <dgm:constr type="primFontSz" for="des" forName="childText1" val="65"/>
-                  <dgm:constr type="primFontSz" for="des" forName="parentText1" val="65"/>
-                  <dgm:constr type="primFontSz" for="des" forName="childText1" refType="primFontSz" refFor="des" refForName="parentText1" op="lte"/>
-                  <dgm:constr type="primFontSz" for="des" forName="childText2" refType="primFontSz" refFor="des" refForName="parentText1" op="lte"/>
-                  <dgm:constr type="primFontSz" for="des" forName="childText1" refType="primFontSz" refFor="des" refForName="parentText2" op="lte"/>
-                  <dgm:constr type="primFontSz" for="des" forName="childText2" refType="primFontSz" refFor="des" refForName="parentText2" op="lte"/>
-                  <dgm:constr type="primFontSz" for="des" forName="parentText2" refType="primFontSz" refFor="des" refForName="parentText1" op="equ"/>
-                  <dgm:constr type="primFontSz" for="des" forName="childText2" refType="primFontSz" refFor="des" refForName="childText1" op="equ"/>
-                  <dgm:constr type="l" for="ch" forName="parentText1" refType="w" fact="0"/>
-                  <dgm:constr type="t" for="ch" forName="parentText1" refType="h" fact="0"/>
-                  <dgm:constr type="w" for="ch" forName="parentText1" refType="w"/>
-                  <dgm:constr type="h" for="ch" forName="parentText1" refType="h" fact="0.2995"/>
-                  <dgm:constr type="l" for="ch" forName="parentText2" refType="w" fact="0"/>
-                  <dgm:constr type="t" for="ch" forName="parentText2" refType="h" fact="0.0998"/>
-                  <dgm:constr type="w" for="ch" forName="parentText2" refType="w" fact="0.538"/>
-                  <dgm:constr type="h" for="ch" forName="parentText2" refType="h" fact="0.2995"/>
-                  <dgm:constr type="l" for="ch" forName="childText1" refType="w" fact="0.538"/>
-                  <dgm:constr type="t" for="ch" forName="childText1" refType="h" fact="0.2317"/>
-                  <dgm:constr type="w" for="ch" forName="childText1" refType="w" fact="0.462"/>
-                  <dgm:constr type="h" for="ch" forName="childText1" refType="h" fact="0.6685"/>
-                  <dgm:constr type="l" for="ch" forName="childText2" refType="w" fact="0.076"/>
-                  <dgm:constr type="t" for="ch" forName="childText2" refType="h" fact="0.3315"/>
-                  <dgm:constr type="w" for="ch" forName="childText2" refType="w" fact="0.462"/>
-                  <dgm:constr type="h" for="ch" forName="childText2" refType="h" fact="0.6685"/>
-                </dgm:constrLst>
-              </dgm:else>
-            </dgm:choose>
-          </dgm:else>
-        </dgm:choose>
-      </dgm:if>
-      <dgm:if name="Name22" axis="ch" ptType="node" func="cnt" op="equ" val="3">
-        <dgm:choose name="Name23">
-          <dgm:if name="Name24" axis="ch ch" ptType="node node" func="cnt" op="equ" val="0">
-            <dgm:alg type="composite">
-              <dgm:param type="ar" val="4.1198"/>
-            </dgm:alg>
-            <dgm:choose name="Name25">
-              <dgm:if name="Name26" func="var" arg="dir" op="equ" val="norm">
-                <dgm:constrLst>
-                  <dgm:constr type="primFontSz" for="des" forName="parentText1" val="65"/>
-                  <dgm:constr type="primFontSz" for="des" forName="parentText2" refType="primFontSz" refFor="des" refForName="parentText1" op="equ"/>
-                  <dgm:constr type="primFontSz" for="des" forName="parentText3" refType="primFontSz" refFor="des" refForName="parentText1" op="equ"/>
-                  <dgm:constr type="l" for="ch" forName="parentText1" refType="w" fact="0"/>
-                  <dgm:constr type="t" for="ch" forName="parentText1" refType="h" fact="0"/>
-                  <dgm:constr type="w" for="ch" forName="parentText1" refType="w"/>
-                  <dgm:constr type="h" for="ch" forName="parentText1" refType="h" fact="0.6"/>
-                  <dgm:constr type="l" for="ch" forName="parentText2" refType="w" fact="0.308"/>
-                  <dgm:constr type="t" for="ch" forName="parentText2" refType="h" fact="0.2"/>
-                  <dgm:constr type="w" for="ch" forName="parentText2" refType="w" fact="0.692"/>
-                  <dgm:constr type="h" for="ch" forName="parentText2" refType="h" fact="0.6"/>
-                  <dgm:constr type="l" for="ch" forName="parentText3" refType="w" fact="0.616"/>
-                  <dgm:constr type="t" for="ch" forName="parentText3" refType="h" fact="0.4"/>
-                  <dgm:constr type="w" for="ch" forName="parentText3" refType="w" fact="0.384"/>
-                  <dgm:constr type="h" for="ch" forName="parentText3" refType="h" fact="0.6"/>
-                </dgm:constrLst>
-              </dgm:if>
-              <dgm:else name="Name27">
-                <dgm:constrLst>
-                  <dgm:constr type="primFontSz" for="des" forName="parentText1" val="65"/>
-                  <dgm:constr type="primFontSz" for="des" forName="parentText2" refType="primFontSz" refFor="des" refForName="parentText1" op="equ"/>
-                  <dgm:constr type="primFontSz" for="des" forName="parentText3" refType="primFontSz" refFor="des" refForName="parentText1" op="equ"/>
-                  <dgm:constr type="l" for="ch" forName="parentText1" refType="w" fact="0"/>
-                  <dgm:constr type="t" for="ch" forName="parentText1" refType="h" fact="0"/>
-                  <dgm:constr type="w" for="ch" forName="parentText1" refType="w"/>
-                  <dgm:constr type="h" for="ch" forName="parentText1" refType="h" fact="0.6"/>
-                  <dgm:constr type="l" for="ch" forName="parentText2" refType="w" fact="0"/>
-                  <dgm:constr type="t" for="ch" forName="parentText2" refType="h" fact="0.2"/>
-                  <dgm:constr type="w" for="ch" forName="parentText2" refType="w" fact="0.692"/>
-                  <dgm:constr type="h" for="ch" forName="parentText2" refType="h" fact="0.6"/>
-                  <dgm:constr type="l" for="ch" forName="parentText3" refType="w" fact="0"/>
-                  <dgm:constr type="t" for="ch" forName="parentText3" refType="h" fact="0.4"/>
-                  <dgm:constr type="w" for="ch" forName="parentText3" refType="w" fact="0.384"/>
-                  <dgm:constr type="h" for="ch" forName="parentText3" refType="h" fact="0.6"/>
-                </dgm:constrLst>
-              </dgm:else>
-            </dgm:choose>
-          </dgm:if>
-          <dgm:else name="Name28">
-            <dgm:alg type="composite">
-              <dgm:param type="ar" val="2.0702"/>
-            </dgm:alg>
-            <dgm:choose name="Name29">
-              <dgm:if name="Name30" func="var" arg="dir" op="equ" val="norm">
-                <dgm:constrLst>
-                  <dgm:constr type="primFontSz" for="des" forName="childText1" val="65"/>
-                  <dgm:constr type="primFontSz" for="des" forName="parentText1" val="65"/>
-                  <dgm:constr type="primFontSz" for="des" forName="childText1" refType="primFontSz" refFor="des" refForName="parentText1" op="lte"/>
-                  <dgm:constr type="primFontSz" for="des" forName="childText2" refType="primFontSz" refFor="des" refForName="parentText1" op="lte"/>
-                  <dgm:constr type="primFontSz" for="des" forName="childText3" refType="primFontSz" refFor="des" refForName="parentText1" op="lte"/>
-                  <dgm:constr type="primFontSz" for="des" forName="childText1" refType="primFontSz" refFor="des" refForName="parentText2" op="lte"/>
-                  <dgm:constr type="primFontSz" for="des" forName="childText2" refType="primFontSz" refFor="des" refForName="parentText2" op="lte"/>
-                  <dgm:constr type="primFontSz" for="des" forName="childText3" refType="primFontSz" refFor="des" refForName="parentText2" op="lte"/>
-                  <dgm:constr type="primFontSz" for="des" forName="childText1" refType="primFontSz" refFor="des" refForName="parentText3" op="lte"/>
-                  <dgm:constr type="primFontSz" for="des" forName="childText2" refType="primFontSz" refFor="des" refForName="parentText3" op="lte"/>
-                  <dgm:constr type="primFontSz" for="des" forName="childText3" refType="primFontSz" refFor="des" refForName="parentText3" op="lte"/>
-                  <dgm:constr type="primFontSz" for="des" forName="parentText2" refType="primFontSz" refFor="des" refForName="parentText1" op="equ"/>
-                  <dgm:constr type="primFontSz" for="des" forName="parentText3" refType="primFontSz" refFor="des" refForName="parentText1" op="equ"/>
-                  <dgm:constr type="primFontSz" for="des" forName="childText2" refType="primFontSz" refFor="des" refForName="childText1" op="equ"/>
-                  <dgm:constr type="primFontSz" for="des" forName="childText3" refType="primFontSz" refFor="des" refForName="childText1" op="equ"/>
-                  <dgm:constr type="l" for="ch" forName="childText1" refType="w" fact="0"/>
-                  <dgm:constr type="t" for="ch" forName="childText1" refType="h" fact="0.2325"/>
-                  <dgm:constr type="w" for="ch" forName="childText1" refType="w" fact="0.308"/>
-                  <dgm:constr type="h" for="ch" forName="childText1" refType="h" fact="0.5808"/>
-                  <dgm:constr type="l" for="ch" forName="childText2" refType="w" fact="0.308"/>
-                  <dgm:constr type="t" for="ch" forName="childText2" refType="h" fact="0.333"/>
-                  <dgm:constr type="w" for="ch" forName="childText2" refType="w" fact="0.308"/>
-                  <dgm:constr type="h" for="ch" forName="childText2" refType="h" fact="0.5808"/>
-                  <dgm:constr type="l" for="ch" forName="childText3" refType="w" fact="0.616"/>
-                  <dgm:constr type="t" for="ch" forName="childText3" refType="h" fact="0.4335"/>
-                  <dgm:constr type="w" for="ch" forName="childText3" refType="w" fact="0.308"/>
-                  <dgm:constr type="h" for="ch" forName="childText3" refType="h" fact="0.5723"/>
-                  <dgm:constr type="l" for="ch" forName="parentText1" refType="w" fact="0"/>
-                  <dgm:constr type="t" for="ch" forName="parentText1" refType="h" fact="0"/>
-                  <dgm:constr type="w" for="ch" forName="parentText1" refType="w"/>
-                  <dgm:constr type="h" for="ch" forName="parentText1" refType="h" fact="0.3015"/>
-                  <dgm:constr type="l" for="ch" forName="parentText2" refType="w" fact="0.308"/>
-                  <dgm:constr type="t" for="ch" forName="parentText2" refType="h" fact="0.1005"/>
-                  <dgm:constr type="w" for="ch" forName="parentText2" refType="w" fact="0.692"/>
-                  <dgm:constr type="h" for="ch" forName="parentText2" refType="h" fact="0.3015"/>
-                  <dgm:constr type="l" for="ch" forName="parentText3" refType="w" fact="0.616"/>
-                  <dgm:constr type="t" for="ch" forName="parentText3" refType="h" fact="0.201"/>
-                  <dgm:constr type="w" for="ch" forName="parentText3" refType="w" fact="0.384"/>
-                  <dgm:constr type="h" for="ch" forName="parentText3" refType="h" fact="0.3015"/>
-                </dgm:constrLst>
-              </dgm:if>
-              <dgm:else name="Name31">
-                <dgm:constrLst>
-                  <dgm:constr type="primFontSz" for="des" forName="childText1" val="65"/>
-                  <dgm:constr type="primFontSz" for="des" forName="parentText1" val="65"/>
-                  <dgm:constr type="primFontSz" for="des" forName="childText1" refType="primFontSz" refFor="des" refForName="parentText1" op="lte"/>
-                  <dgm:constr type="primFontSz" for="des" forName="childText2" refType="primFontSz" refFor="des" refForName="parentText1" op="lte"/>
-                  <dgm:constr type="primFontSz" for="des" forName="childText3" refType="primFontSz" refFor="des" refForName="parentText1" op="lte"/>
-                  <dgm:constr type="primFontSz" for="des" forName="childText1" refType="primFontSz" refFor="des" refForName="parentText2" op="lte"/>
-                  <dgm:constr type="primFontSz" for="des" forName="childText2" refType="primFontSz" refFor="des" refForName="parentText2" op="lte"/>
-                  <dgm:constr type="primFontSz" for="des" forName="childText3" refType="primFontSz" refFor="des" refForName="parentText2" op="lte"/>
-                  <dgm:constr type="primFontSz" for="des" forName="childText1" refType="primFontSz" refFor="des" refForName="parentText3" op="lte"/>
-                  <dgm:constr type="primFontSz" for="des" forName="childText2" refType="primFontSz" refFor="des" refForName="parentText3" op="lte"/>
-                  <dgm:constr type="primFontSz" for="des" forName="childText3" refType="primFontSz" refFor="des" refForName="parentText3" op="lte"/>
-                  <dgm:constr type="primFontSz" for="des" forName="parentText2" refType="primFontSz" refFor="des" refForName="parentText1" op="equ"/>
-                  <dgm:constr type="primFontSz" for="des" forName="parentText3" refType="primFontSz" refFor="des" refForName="parentText1" op="equ"/>
-                  <dgm:constr type="primFontSz" for="des" forName="childText2" refType="primFontSz" refFor="des" refForName="childText1" op="equ"/>
-                  <dgm:constr type="primFontSz" for="des" forName="childText3" refType="primFontSz" refFor="des" refForName="childText1" op="equ"/>
-                  <dgm:constr type="l" for="ch" forName="childText1" refType="w" fact="0.692"/>
-                  <dgm:constr type="t" for="ch" forName="childText1" refType="h" fact="0.2325"/>
-                  <dgm:constr type="w" for="ch" forName="childText1" refType="w" fact="0.308"/>
-                  <dgm:constr type="h" for="ch" forName="childText1" refType="h" fact="0.5808"/>
-                  <dgm:constr type="l" for="ch" forName="childText2" refType="w" fact="0.384"/>
-                  <dgm:constr type="t" for="ch" forName="childText2" refType="h" fact="0.333"/>
-                  <dgm:constr type="w" for="ch" forName="childText2" refType="w" fact="0.308"/>
-                  <dgm:constr type="h" for="ch" forName="childText2" refType="h" fact="0.5808"/>
-                  <dgm:constr type="l" for="ch" forName="childText3" refType="w" fact="0.076"/>
-                  <dgm:constr type="t" for="ch" forName="childText3" refType="h" fact="0.4335"/>
-                  <dgm:constr type="w" for="ch" forName="childText3" refType="w" fact="0.308"/>
-                  <dgm:constr type="h" for="ch" forName="childText3" refType="h" fact="0.5723"/>
-                  <dgm:constr type="l" for="ch" forName="parentText1" refType="w" fact="0"/>
-                  <dgm:constr type="t" for="ch" forName="parentText1" refType="h" fact="0"/>
-                  <dgm:constr type="w" for="ch" forName="parentText1" refType="w"/>
-                  <dgm:constr type="h" for="ch" forName="parentText1" refType="h" fact="0.3015"/>
-                  <dgm:constr type="l" for="ch" forName="parentText2" refType="w" fact="0"/>
-                  <dgm:constr type="t" for="ch" forName="parentText2" refType="h" fact="0.1005"/>
-                  <dgm:constr type="w" for="ch" forName="parentText2" refType="w" fact="0.692"/>
-                  <dgm:constr type="h" for="ch" forName="parentText2" refType="h" fact="0.3015"/>
-                  <dgm:constr type="l" for="ch" forName="parentText3" refType="w" fact="0"/>
-                  <dgm:constr type="t" for="ch" forName="parentText3" refType="h" fact="0.201"/>
-                  <dgm:constr type="w" for="ch" forName="parentText3" refType="w" fact="0.384"/>
-                  <dgm:constr type="h" for="ch" forName="parentText3" refType="h" fact="0.3015"/>
-                </dgm:constrLst>
-              </dgm:else>
-            </dgm:choose>
-          </dgm:else>
-        </dgm:choose>
-      </dgm:if>
-      <dgm:if name="Name32" axis="ch" ptType="node" func="cnt" op="equ" val="4">
-        <dgm:choose name="Name33">
-          <dgm:if name="Name34" axis="ch ch" ptType="node node" func="cnt" op="equ" val="0">
-            <dgm:alg type="composite">
-              <dgm:param type="ar" val="3.435"/>
-            </dgm:alg>
-            <dgm:choose name="Name35">
-              <dgm:if name="Name36" func="var" arg="dir" op="equ" val="norm">
-                <dgm:constrLst>
-                  <dgm:constr type="primFontSz" for="des" forName="parentText1" val="65"/>
-                  <dgm:constr type="primFontSz" for="des" forName="parentText2" refType="primFontSz" refFor="des" refForName="parentText1" op="equ"/>
-                  <dgm:constr type="primFontSz" for="des" forName="parentText3" refType="primFontSz" refFor="des" refForName="parentText1" op="equ"/>
-                  <dgm:constr type="primFontSz" for="des" forName="parentText4" refType="primFontSz" refFor="des" refForName="parentText1" op="equ"/>
-                  <dgm:constr type="l" for="ch" forName="parentText1" refType="w" fact="0"/>
-                  <dgm:constr type="t" for="ch" forName="parentText1" refType="h" fact="0"/>
-                  <dgm:constr type="w" for="ch" forName="parentText1" refType="w"/>
-                  <dgm:constr type="h" for="ch" forName="parentText1" refType="h" fact="0.5001"/>
-                  <dgm:constr type="l" for="ch" forName="parentText2" refType="w" fact="0.2305"/>
-                  <dgm:constr type="t" for="ch" forName="parentText2" refType="h" fact="0.1666"/>
-                  <dgm:constr type="w" for="ch" forName="parentText2" refType="w" fact="0.7695"/>
-                  <dgm:constr type="h" for="ch" forName="parentText2" refType="h" fact="0.5001"/>
-                  <dgm:constr type="l" for="ch" forName="parentText3" refType="w" fact="0.461"/>
-                  <dgm:constr type="t" for="ch" forName="parentText3" refType="h" fact="0.3333"/>
-                  <dgm:constr type="w" for="ch" forName="parentText3" refType="w" fact="0.539"/>
-                  <dgm:constr type="h" for="ch" forName="parentText3" refType="h" fact="0.5001"/>
-                  <dgm:constr type="l" for="ch" forName="parentText4" refType="w" fact="0.6915"/>
-                  <dgm:constr type="t" for="ch" forName="parentText4" refType="h" fact="0.4999"/>
-                  <dgm:constr type="w" for="ch" forName="parentText4" refType="w" fact="0.3085"/>
-                  <dgm:constr type="h" for="ch" forName="parentText4" refType="h" fact="0.5001"/>
-                </dgm:constrLst>
-              </dgm:if>
-              <dgm:else name="Name37">
-                <dgm:constrLst>
-                  <dgm:constr type="primFontSz" for="des" forName="parentText1" val="65"/>
-                  <dgm:constr type="primFontSz" for="des" forName="parentText2" refType="primFontSz" refFor="des" refForName="parentText1" op="equ"/>
-                  <dgm:constr type="primFontSz" for="des" forName="parentText3" refType="primFontSz" refFor="des" refForName="parentText1" op="equ"/>
-                  <dgm:constr type="primFontSz" for="des" forName="parentText4" refType="primFontSz" refFor="des" refForName="parentText1" op="equ"/>
-                  <dgm:constr type="l" for="ch" forName="parentText1" refType="w" fact="0"/>
-                  <dgm:constr type="t" for="ch" forName="parentText1" refType="h" fact="0"/>
-                  <dgm:constr type="w" for="ch" forName="parentText1" refType="w"/>
-                  <dgm:constr type="h" for="ch" forName="parentText1" refType="h" fact="0.5001"/>
-                  <dgm:constr type="l" for="ch" forName="parentText2" refType="w" fact="0"/>
-                  <dgm:constr type="t" for="ch" forName="parentText2" refType="h" fact="0.1666"/>
-                  <dgm:constr type="w" for="ch" forName="parentText2" refType="w" fact="0.7695"/>
-                  <dgm:constr type="h" for="ch" forName="parentText2" refType="h" fact="0.5001"/>
-                  <dgm:constr type="l" for="ch" forName="parentText3" refType="w" fact="0"/>
-                  <dgm:constr type="t" for="ch" forName="parentText3" refType="h" fact="0.3333"/>
-                  <dgm:constr type="w" for="ch" forName="parentText3" refType="w" fact="0.539"/>
-                  <dgm:constr type="h" for="ch" forName="parentText3" refType="h" fact="0.5001"/>
-                  <dgm:constr type="l" for="ch" forName="parentText4" refType="w" fact="0"/>
-                  <dgm:constr type="t" for="ch" forName="parentText4" refType="h" fact="0.4999"/>
-                  <dgm:constr type="w" for="ch" forName="parentText4" refType="w" fact="0.3085"/>
-                  <dgm:constr type="h" for="ch" forName="parentText4" refType="h" fact="0.5001"/>
-                </dgm:constrLst>
-              </dgm:else>
-            </dgm:choose>
-          </dgm:if>
-          <dgm:else name="Name38">
-            <dgm:alg type="composite">
-              <dgm:param type="ar" val="1.9377"/>
-            </dgm:alg>
-            <dgm:choose name="Name39">
-              <dgm:if name="Name40" func="var" arg="dir" op="equ" val="norm">
-                <dgm:constrLst>
-                  <dgm:constr type="primFontSz" for="des" forName="childText1" val="65"/>
-                  <dgm:constr type="primFontSz" for="des" forName="parentText1" val="65"/>
-                  <dgm:constr type="primFontSz" for="des" forName="childText1" refType="primFontSz" refFor="des" refForName="parentText1" op="lte"/>
-                  <dgm:constr type="primFontSz" for="des" forName="childText2" refType="primFontSz" refFor="des" refForName="parentText1" op="lte"/>
-                  <dgm:constr type="primFontSz" for="des" forName="childText3" refType="primFontSz" refFor="des" refForName="parentText1" op="lte"/>
-                  <dgm:constr type="primFontSz" for="des" forName="childText4" refType="primFontSz" refFor="des" refForName="parentText1" op="lte"/>
-                  <dgm:constr type="primFontSz" for="des" forName="childText1" refType="primFontSz" refFor="des" refForName="parentText2" op="lte"/>
-                  <dgm:constr type="primFontSz" for="des" forName="childText2" refType="primFontSz" refFor="des" refForName="parentText2" op="lte"/>
-                  <dgm:constr type="primFontSz" for="des" forName="childText3" refType="primFontSz" refFor="des" refForName="parentText2" op="lte"/>
-                  <dgm:constr type="primFontSz" for="des" forName="childText4" refType="primFontSz" refFor="des" refForName="parentText2" op="lte"/>
-                  <dgm:constr type="primFontSz" for="des" forName="childText1" refType="primFontSz" refFor="des" refForName="parentText3" op="lte"/>
-                  <dgm:constr type="primFontSz" for="des" forName="childText2" refType="primFontSz" refFor="des" refForName="parentText3" op="lte"/>
-                  <dgm:constr type="primFontSz" for="des" forName="childText3" refType="primFontSz" refFor="des" refForName="parentText3" op="lte"/>
-                  <dgm:constr type="primFontSz" for="des" forName="childText4" refType="primFontSz" refFor="des" refForName="parentText3" op="lte"/>
-                  <dgm:constr type="primFontSz" for="des" forName="childText1" refType="primFontSz" refFor="des" refForName="parentText4" op="lte"/>
-                  <dgm:constr type="primFontSz" for="des" forName="childText2" refType="primFontSz" refFor="des" refForName="parentText4" op="lte"/>
-                  <dgm:constr type="primFontSz" for="des" forName="childText3" refType="primFontSz" refFor="des" refForName="parentText4" op="lte"/>
-                  <dgm:constr type="primFontSz" for="des" forName="childText4" refType="primFontSz" refFor="des" refForName="parentText4" op="lte"/>
-                  <dgm:constr type="primFontSz" for="des" forName="parentText2" refType="primFontSz" refFor="des" refForName="parentText1" op="equ"/>
-                  <dgm:constr type="primFontSz" for="des" forName="parentText3" refType="primFontSz" refFor="des" refForName="parentText1" op="equ"/>
-                  <dgm:constr type="primFontSz" for="des" forName="parentText4" refType="primFontSz" refFor="des" refForName="parentText1" op="equ"/>
-                  <dgm:constr type="primFontSz" for="des" forName="childText2" refType="primFontSz" refFor="des" refForName="childText1" op="equ"/>
-                  <dgm:constr type="primFontSz" for="des" forName="childText3" refType="primFontSz" refFor="des" refForName="childText1" op="equ"/>
-                  <dgm:constr type="primFontSz" for="des" forName="childText4" refType="primFontSz" refFor="des" refForName="childText1" op="equ"/>
-                  <dgm:constr type="l" for="ch" forName="childText1" refType="w" fact="0"/>
-                  <dgm:constr type="t" for="ch" forName="childText1" refType="h" fact="0.218"/>
-                  <dgm:constr type="w" for="ch" forName="childText1" refType="w" fact="0.2305"/>
-                  <dgm:constr type="h" for="ch" forName="childText1" refType="h" fact="0.5218"/>
-                  <dgm:constr type="l" for="ch" forName="childText2" refType="w" fact="0.2305"/>
-                  <dgm:constr type="t" for="ch" forName="childText2" refType="h" fact="0.312"/>
-                  <dgm:constr type="w" for="ch" forName="childText2" refType="w" fact="0.2305"/>
-                  <dgm:constr type="h" for="ch" forName="childText2" refType="h" fact="0.5085"/>
-                  <dgm:constr type="l" for="ch" forName="childText3" refType="w" fact="0.461"/>
-                  <dgm:constr type="t" for="ch" forName="childText3" refType="h" fact="0.406"/>
-                  <dgm:constr type="w" for="ch" forName="childText3" refType="w" fact="0.2305"/>
-                  <dgm:constr type="h" for="ch" forName="childText3" refType="h" fact="0.5119"/>
-                  <dgm:constr type="l" for="ch" forName="childText4" refType="w" fact="0.6915"/>
-                  <dgm:constr type="t" for="ch" forName="childText4" refType="h" fact="0.5"/>
-                  <dgm:constr type="w" for="ch" forName="childText4" refType="w" fact="0.2326"/>
-                  <dgm:constr type="h" for="ch" forName="childText4" refType="h" fact="0.5179"/>
-                  <dgm:constr type="l" for="ch" forName="parentText1" refType="w" fact="0"/>
-                  <dgm:constr type="t" for="ch" forName="parentText1" refType="h" fact="0"/>
-                  <dgm:constr type="w" for="ch" forName="parentText1" refType="w"/>
-                  <dgm:constr type="h" for="ch" forName="parentText1" refType="h" fact="0.2821"/>
-                  <dgm:constr type="l" for="ch" forName="parentText2" refType="w" fact="0.2305"/>
-                  <dgm:constr type="t" for="ch" forName="parentText2" refType="h" fact="0.094"/>
-                  <dgm:constr type="w" for="ch" forName="parentText2" refType="w" fact="0.7695"/>
-                  <dgm:constr type="h" for="ch" forName="parentText2" refType="h" fact="0.2821"/>
-                  <dgm:constr type="l" for="ch" forName="parentText3" refType="w" fact="0.461"/>
-                  <dgm:constr type="t" for="ch" forName="parentText3" refType="h" fact="0.188"/>
-                  <dgm:constr type="w" for="ch" forName="parentText3" refType="w" fact="0.539"/>
-                  <dgm:constr type="h" for="ch" forName="parentText3" refType="h" fact="0.2821"/>
-                  <dgm:constr type="l" for="ch" forName="parentText4" refType="w" fact="0.6915"/>
-                  <dgm:constr type="t" for="ch" forName="parentText4" refType="h" fact="0.282"/>
-                  <dgm:constr type="w" for="ch" forName="parentText4" refType="w" fact="0.3085"/>
-                  <dgm:constr type="h" for="ch" forName="parentText4" refType="h" fact="0.2821"/>
-                </dgm:constrLst>
-              </dgm:if>
-              <dgm:else name="Name41">
-                <dgm:constrLst>
-                  <dgm:constr type="primFontSz" for="des" forName="childText1" val="65"/>
-                  <dgm:constr type="primFontSz" for="des" forName="parentText1" val="65"/>
-                  <dgm:constr type="primFontSz" for="des" forName="childText1" refType="primFontSz" refFor="des" refForName="parentText1" op="lte"/>
-                  <dgm:constr type="primFontSz" for="des" forName="childText2" refType="primFontSz" refFor="des" refForName="parentText1" op="lte"/>
-                  <dgm:constr type="primFontSz" for="des" forName="childText3" refType="primFontSz" refFor="des" refForName="parentText1" op="lte"/>
-                  <dgm:constr type="primFontSz" for="des" forName="childText4" refType="primFontSz" refFor="des" refForName="parentText1" op="lte"/>
-                  <dgm:constr type="primFontSz" for="des" forName="childText1" refType="primFontSz" refFor="des" refForName="parentText2" op="lte"/>
-                  <dgm:constr type="primFontSz" for="des" forName="childText2" refType="primFontSz" refFor="des" refForName="parentText2" op="lte"/>
-                  <dgm:constr type="primFontSz" for="des" forName="childText3" refType="primFontSz" refFor="des" refForName="parentText2" op="lte"/>
-                  <dgm:constr type="primFontSz" for="des" forName="childText4" refType="primFontSz" refFor="des" refForName="parentText2" op="lte"/>
-                  <dgm:constr type="primFontSz" for="des" forName="childText1" refType="primFontSz" refFor="des" refForName="parentText3" op="lte"/>
-                  <dgm:constr type="primFontSz" for="des" forName="childText2" refType="primFontSz" refFor="des" refForName="parentText3" op="lte"/>
-                  <dgm:constr type="primFontSz" for="des" forName="childText3" refType="primFontSz" refFor="des" refForName="parentText3" op="lte"/>
-                  <dgm:constr type="primFontSz" for="des" forName="childText4" refType="primFontSz" refFor="des" refForName="parentText3" op="lte"/>
-                  <dgm:constr type="primFontSz" for="des" forName="childText1" refType="primFontSz" refFor="des" refForName="parentText4" op="lte"/>
-                  <dgm:constr type="primFontSz" for="des" forName="childText2" refType="primFontSz" refFor="des" refForName="parentText4" op="lte"/>
-                  <dgm:constr type="primFontSz" for="des" forName="childText3" refType="primFontSz" refFor="des" refForName="parentText4" op="lte"/>
-                  <dgm:constr type="primFontSz" for="des" forName="childText4" refType="primFontSz" refFor="des" refForName="parentText4" op="lte"/>
-                  <dgm:constr type="primFontSz" for="des" forName="parentText2" refType="primFontSz" refFor="des" refForName="parentText1" op="equ"/>
-                  <dgm:constr type="primFontSz" for="des" forName="parentText3" refType="primFontSz" refFor="des" refForName="parentText1" op="equ"/>
-                  <dgm:constr type="primFontSz" for="des" forName="parentText4" refType="primFontSz" refFor="des" refForName="parentText1" op="equ"/>
-                  <dgm:constr type="primFontSz" for="des" forName="childText2" refType="primFontSz" refFor="des" refForName="childText1" op="equ"/>
-                  <dgm:constr type="primFontSz" for="des" forName="childText3" refType="primFontSz" refFor="des" refForName="childText1" op="equ"/>
-                  <dgm:constr type="primFontSz" for="des" forName="childText4" refType="primFontSz" refFor="des" refForName="childText1" op="equ"/>
-                  <dgm:constr type="l" for="ch" forName="childText1" refType="w" fact="0.7695"/>
-                  <dgm:constr type="t" for="ch" forName="childText1" refType="h" fact="0.218"/>
-                  <dgm:constr type="w" for="ch" forName="childText1" refType="w" fact="0.2305"/>
-                  <dgm:constr type="h" for="ch" forName="childText1" refType="h" fact="0.5218"/>
-                  <dgm:constr type="l" for="ch" forName="childText2" refType="w" fact="0.539"/>
-                  <dgm:constr type="t" for="ch" forName="childText2" refType="h" fact="0.312"/>
-                  <dgm:constr type="w" for="ch" forName="childText2" refType="w" fact="0.2305"/>
-                  <dgm:constr type="h" for="ch" forName="childText2" refType="h" fact="0.5085"/>
-                  <dgm:constr type="l" for="ch" forName="childText3" refType="w" fact="0.3085"/>
-                  <dgm:constr type="t" for="ch" forName="childText3" refType="h" fact="0.406"/>
-                  <dgm:constr type="w" for="ch" forName="childText3" refType="w" fact="0.2305"/>
-                  <dgm:constr type="h" for="ch" forName="childText3" refType="h" fact="0.5119"/>
-                  <dgm:constr type="l" for="ch" forName="childText4" refType="w" fact="0.076"/>
-                  <dgm:constr type="t" for="ch" forName="childText4" refType="h" fact="0.5"/>
-                  <dgm:constr type="w" for="ch" forName="childText4" refType="w" fact="0.2346"/>
-                  <dgm:constr type="h" for="ch" forName="childText4" refType="h" fact="0.5179"/>
-                  <dgm:constr type="l" for="ch" forName="parentText1" refType="w" fact="0"/>
-                  <dgm:constr type="t" for="ch" forName="parentText1" refType="h" fact="0"/>
-                  <dgm:constr type="w" for="ch" forName="parentText1" refType="w"/>
-                  <dgm:constr type="h" for="ch" forName="parentText1" refType="h" fact="0.2821"/>
-                  <dgm:constr type="l" for="ch" forName="parentText2" refType="w" fact="0"/>
-                  <dgm:constr type="t" for="ch" forName="parentText2" refType="h" fact="0.094"/>
-                  <dgm:constr type="w" for="ch" forName="parentText2" refType="w" fact="0.7695"/>
-                  <dgm:constr type="h" for="ch" forName="parentText2" refType="h" fact="0.2821"/>
-                  <dgm:constr type="l" for="ch" forName="parentText3" refType="w" fact="0"/>
-                  <dgm:constr type="t" for="ch" forName="parentText3" refType="h" fact="0.188"/>
-                  <dgm:constr type="w" for="ch" forName="parentText3" refType="w" fact="0.539"/>
-                  <dgm:constr type="h" for="ch" forName="parentText3" refType="h" fact="0.2821"/>
-                  <dgm:constr type="l" for="ch" forName="parentText4" refType="w" fact="0"/>
-                  <dgm:constr type="t" for="ch" forName="parentText4" refType="h" fact="0.282"/>
-                  <dgm:constr type="w" for="ch" forName="parentText4" refType="w" fact="0.3085"/>
-                  <dgm:constr type="h" for="ch" forName="parentText4" refType="h" fact="0.2821"/>
-                </dgm:constrLst>
-              </dgm:else>
-            </dgm:choose>
-          </dgm:else>
-        </dgm:choose>
-      </dgm:if>
-      <dgm:else name="Name42">
-        <dgm:choose name="Name43">
-          <dgm:if name="Name44" axis="ch ch" ptType="node node" func="cnt" op="equ" val="0">
-            <dgm:alg type="composite">
-              <dgm:param type="ar" val="2.9463"/>
-            </dgm:alg>
-            <dgm:choose name="Name45">
-              <dgm:if name="Name46" func="var" arg="dir" op="equ" val="norm">
-                <dgm:constrLst>
-                  <dgm:constr type="primFontSz" for="des" forName="parentText1" val="65"/>
-                  <dgm:constr type="primFontSz" for="des" forName="parentText2" refType="primFontSz" refFor="des" refForName="parentText1" op="equ"/>
-                  <dgm:constr type="primFontSz" for="des" forName="parentText3" refType="primFontSz" refFor="des" refForName="parentText1" op="equ"/>
-                  <dgm:constr type="primFontSz" for="des" forName="parentText4" refType="primFontSz" refFor="des" refForName="parentText1" op="equ"/>
-                  <dgm:constr type="primFontSz" for="des" forName="parentText5" refType="primFontSz" refFor="des" refForName="parentText1" op="equ"/>
-                  <dgm:constr type="l" for="ch" forName="parentText1" refType="w" fact="0"/>
-                  <dgm:constr type="t" for="ch" forName="parentText1" refType="h" fact="0"/>
-                  <dgm:constr type="w" for="ch" forName="parentText1" refType="w"/>
-                  <dgm:constr type="h" for="ch" forName="parentText1" refType="h" fact="0.4285"/>
-                  <dgm:constr type="l" for="ch" forName="parentText2" refType="w" fact="0.1848"/>
-                  <dgm:constr type="t" for="ch" forName="parentText2" refType="h" fact="0.1429"/>
-                  <dgm:constr type="w" for="ch" forName="parentText2" refType="w" fact="0.8152"/>
-                  <dgm:constr type="h" for="ch" forName="parentText2" refType="h" fact="0.4285"/>
-                  <dgm:constr type="l" for="ch" forName="parentText3" refType="w" fact="0.3696"/>
-                  <dgm:constr type="t" for="ch" forName="parentText3" refType="h" fact="0.2858"/>
-                  <dgm:constr type="w" for="ch" forName="parentText3" refType="w" fact="0.6304"/>
-                  <dgm:constr type="h" for="ch" forName="parentText3" refType="h" fact="0.4285"/>
-                  <dgm:constr type="l" for="ch" forName="parentText4" refType="w" fact="0.5545"/>
-                  <dgm:constr type="t" for="ch" forName="parentText4" refType="h" fact="0.4286"/>
-                  <dgm:constr type="w" for="ch" forName="parentText4" refType="w" fact="0.4455"/>
-                  <dgm:constr type="h" for="ch" forName="parentText4" refType="h" fact="0.4285"/>
-                  <dgm:constr type="l" for="ch" forName="parentText5" refType="w" fact="0.7393"/>
-                  <dgm:constr type="t" for="ch" forName="parentText5" refType="h" fact="0.5715"/>
-                  <dgm:constr type="w" for="ch" forName="parentText5" refType="w" fact="0.2607"/>
-                  <dgm:constr type="h" for="ch" forName="parentText5" refType="h" fact="0.4285"/>
-                </dgm:constrLst>
-              </dgm:if>
-              <dgm:else name="Name47">
-                <dgm:constrLst>
-                  <dgm:constr type="primFontSz" for="des" forName="parentText1" val="65"/>
-                  <dgm:constr type="primFontSz" for="des" forName="parentText2" refType="primFontSz" refFor="des" refForName="parentText1" op="equ"/>
-                  <dgm:constr type="primFontSz" for="des" forName="parentText3" refType="primFontSz" refFor="des" refForName="parentText1" op="equ"/>
-                  <dgm:constr type="primFontSz" for="des" forName="parentText4" refType="primFontSz" refFor="des" refForName="parentText1" op="equ"/>
-                  <dgm:constr type="primFontSz" for="des" forName="parentText5" refType="primFontSz" refFor="des" refForName="parentText1" op="equ"/>
-                  <dgm:constr type="l" for="ch" forName="parentText1" refType="w" fact="0"/>
-                  <dgm:constr type="t" for="ch" forName="parentText1" refType="h" fact="0"/>
-                  <dgm:constr type="w" for="ch" forName="parentText1" refType="w"/>
-                  <dgm:constr type="h" for="ch" forName="parentText1" refType="h" fact="0.4285"/>
-                  <dgm:constr type="l" for="ch" forName="parentText2" refType="w" fact="0"/>
-                  <dgm:constr type="t" for="ch" forName="parentText2" refType="h" fact="0.1429"/>
-                  <dgm:constr type="w" for="ch" forName="parentText2" refType="w" fact="0.8152"/>
-                  <dgm:constr type="h" for="ch" forName="parentText2" refType="h" fact="0.4285"/>
-                  <dgm:constr type="l" for="ch" forName="parentText3" refType="w" fact="0"/>
-                  <dgm:constr type="t" for="ch" forName="parentText3" refType="h" fact="0.2858"/>
-                  <dgm:constr type="w" for="ch" forName="parentText3" refType="w" fact="0.6304"/>
-                  <dgm:constr type="h" for="ch" forName="parentText3" refType="h" fact="0.4285"/>
-                  <dgm:constr type="l" for="ch" forName="parentText4" refType="w" fact="0"/>
-                  <dgm:constr type="t" for="ch" forName="parentText4" refType="h" fact="0.4286"/>
-                  <dgm:constr type="w" for="ch" forName="parentText4" refType="w" fact="0.4455"/>
-                  <dgm:constr type="h" for="ch" forName="parentText4" refType="h" fact="0.4285"/>
-                  <dgm:constr type="l" for="ch" forName="parentText5" refType="w" fact="0"/>
-                  <dgm:constr type="t" for="ch" forName="parentText5" refType="h" fact="0.5715"/>
-                  <dgm:constr type="w" for="ch" forName="parentText5" refType="w" fact="0.2607"/>
-                  <dgm:constr type="h" for="ch" forName="parentText5" refType="h" fact="0.4285"/>
-                </dgm:constrLst>
-              </dgm:else>
-            </dgm:choose>
-          </dgm:if>
-          <dgm:else name="Name48">
-            <dgm:alg type="composite">
-              <dgm:param type="ar" val="1.7837"/>
-            </dgm:alg>
-            <dgm:choose name="Name49">
-              <dgm:if name="Name50" func="var" arg="dir" op="equ" val="norm">
-                <dgm:constrLst>
-                  <dgm:constr type="primFontSz" for="des" forName="childText1" val="65"/>
-                  <dgm:constr type="primFontSz" for="des" forName="parentText1" val="65"/>
-                  <dgm:constr type="primFontSz" for="des" forName="childText1" refType="primFontSz" refFor="des" refForName="parentText1" op="lte"/>
-                  <dgm:constr type="primFontSz" for="des" forName="childText2" refType="primFontSz" refFor="des" refForName="parentText1" op="lte"/>
-                  <dgm:constr type="primFontSz" for="des" forName="childText3" refType="primFontSz" refFor="des" refForName="parentText1" op="lte"/>
-                  <dgm:constr type="primFontSz" for="des" forName="childText4" refType="primFontSz" refFor="des" refForName="parentText1" op="lte"/>
-                  <dgm:constr type="primFontSz" for="des" forName="childText5" refType="primFontSz" refFor="des" refForName="parentText1" op="lte"/>
-                  <dgm:constr type="primFontSz" for="des" forName="childText1" refType="primFontSz" refFor="des" refForName="parentText2" op="lte"/>
-                  <dgm:constr type="primFontSz" for="des" forName="childText2" refType="primFontSz" refFor="des" refForName="parentText2" op="lte"/>
-                  <dgm:constr type="primFontSz" for="des" forName="childText3" refType="primFontSz" refFor="des" refForName="parentText2" op="lte"/>
-                  <dgm:constr type="primFontSz" for="des" forName="childText4" refType="primFontSz" refFor="des" refForName="parentText2" op="lte"/>
-                  <dgm:constr type="primFontSz" for="des" forName="childText5" refType="primFontSz" refFor="des" refForName="parentText2" op="lte"/>
-                  <dgm:constr type="primFontSz" for="des" forName="childText1" refType="primFontSz" refFor="des" refForName="parentText3" op="lte"/>
-                  <dgm:constr type="primFontSz" for="des" forName="childText2" refType="primFontSz" refFor="des" refForName="parentText3" op="lte"/>
-                  <dgm:constr type="primFontSz" for="des" forName="childText3" refType="primFontSz" refFor="des" refForName="parentText3" op="lte"/>
-                  <dgm:constr type="primFontSz" for="des" forName="childText4" refType="primFontSz" refFor="des" refForName="parentText3" op="lte"/>
-                  <dgm:constr type="primFontSz" for="des" forName="childText5" refType="primFontSz" refFor="des" refForName="parentText3" op="lte"/>
-                  <dgm:constr type="primFontSz" for="des" forName="childText1" refType="primFontSz" refFor="des" refForName="parentText4" op="lte"/>
-                  <dgm:constr type="primFontSz" for="des" forName="childText2" refType="primFontSz" refFor="des" refForName="parentText4" op="lte"/>
-                  <dgm:constr type="primFontSz" for="des" forName="childText3" refType="primFontSz" refFor="des" refForName="parentText4" op="lte"/>
-                  <dgm:constr type="primFontSz" for="des" forName="childText4" refType="primFontSz" refFor="des" refForName="parentText4" op="lte"/>
-                  <dgm:constr type="primFontSz" for="des" forName="childText5" refType="primFontSz" refFor="des" refForName="parentText4" op="lte"/>
-                  <dgm:constr type="primFontSz" for="des" forName="childText1" refType="primFontSz" refFor="des" refForName="parentText5" op="lte"/>
-                  <dgm:constr type="primFontSz" for="des" forName="childText2" refType="primFontSz" refFor="des" refForName="parentText5" op="lte"/>
-                  <dgm:constr type="primFontSz" for="des" forName="childText3" refType="primFontSz" refFor="des" refForName="parentText5" op="lte"/>
-                  <dgm:constr type="primFontSz" for="des" forName="childText4" refType="primFontSz" refFor="des" refForName="parentText5" op="lte"/>
-                  <dgm:constr type="primFontSz" for="des" forName="childText5" refType="primFontSz" refFor="des" refForName="parentText5" op="lte"/>
-                  <dgm:constr type="primFontSz" for="des" forName="parentText2" refType="primFontSz" refFor="des" refForName="parentText1" op="equ"/>
-                  <dgm:constr type="primFontSz" for="des" forName="parentText3" refType="primFontSz" refFor="des" refForName="parentText1" op="equ"/>
-                  <dgm:constr type="primFontSz" for="des" forName="parentText4" refType="primFontSz" refFor="des" refForName="parentText1" op="equ"/>
-                  <dgm:constr type="primFontSz" for="des" forName="parentText5" refType="primFontSz" refFor="des" refForName="parentText1" op="equ"/>
-                  <dgm:constr type="primFontSz" for="des" forName="childText2" refType="primFontSz" refFor="des" refForName="childText1" op="equ"/>
-                  <dgm:constr type="primFontSz" for="des" forName="childText3" refType="primFontSz" refFor="des" refForName="childText1" op="equ"/>
-                  <dgm:constr type="primFontSz" for="des" forName="childText4" refType="primFontSz" refFor="des" refForName="childText1" op="equ"/>
-                  <dgm:constr type="primFontSz" for="des" forName="childText5" refType="primFontSz" refFor="des" refForName="childText1" op="equ"/>
-                  <dgm:constr type="l" for="ch" forName="childText1" refType="w" fact="0"/>
-                  <dgm:constr type="t" for="ch" forName="childText1" refType="h" fact="0.1997"/>
-                  <dgm:constr type="w" for="ch" forName="childText1" refType="w" fact="0.18482"/>
-                  <dgm:constr type="h" for="ch" forName="childText1" refType="h" fact="0.4763"/>
-                  <dgm:constr type="l" for="ch" forName="childText2" refType="w" fact="0.1848"/>
-                  <dgm:constr type="t" for="ch" forName="childText2" refType="h" fact="0.2862"/>
-                  <dgm:constr type="w" for="ch" forName="childText2" refType="w" fact="0.18482"/>
-                  <dgm:constr type="h" for="ch" forName="childText2" refType="h" fact="0.4763"/>
-                  <dgm:constr type="l" for="ch" forName="childText3" refType="w" fact="0.3696"/>
-                  <dgm:constr type="t" for="ch" forName="childText3" refType="h" fact="0.3727"/>
-                  <dgm:constr type="w" for="ch" forName="childText3" refType="w" fact="0.18482"/>
-                  <dgm:constr type="h" for="ch" forName="childText3" refType="h" fact="0.4763"/>
-                  <dgm:constr type="l" for="ch" forName="childText4" refType="w" fact="0.5545"/>
-                  <dgm:constr type="t" for="ch" forName="childText4" refType="h" fact="0.4592"/>
-                  <dgm:constr type="w" for="ch" forName="childText4" refType="w" fact="0.18482"/>
-                  <dgm:constr type="h" for="ch" forName="childText4" refType="h" fact="0.4763"/>
-                  <dgm:constr type="l" for="ch" forName="childText5" refType="w" fact="0.7393"/>
-                  <dgm:constr type="t" for="ch" forName="childText5" refType="h" fact="0.5457"/>
-                  <dgm:constr type="w" for="ch" forName="childText5" refType="w" fact="0.18482"/>
-                  <dgm:constr type="h" for="ch" forName="childText5" refType="h" fact="0.4763"/>
-                  <dgm:constr type="l" for="ch" forName="parentText1" refType="w" fact="0"/>
-                  <dgm:constr type="t" for="ch" forName="parentText1" refType="h" fact="0"/>
-                  <dgm:constr type="w" for="ch" forName="parentText1" refType="w"/>
-                  <dgm:constr type="h" for="ch" forName="parentText1" refType="h" fact="0.2594"/>
-                  <dgm:constr type="l" for="ch" forName="parentText2" refType="w" fact="0.1848"/>
-                  <dgm:constr type="t" for="ch" forName="parentText2" refType="h" fact="0.0865"/>
-                  <dgm:constr type="w" for="ch" forName="parentText2" refType="w" fact="0.8152"/>
-                  <dgm:constr type="h" for="ch" forName="parentText2" refType="h" fact="0.2594"/>
-                  <dgm:constr type="l" for="ch" forName="parentText3" refType="w" fact="0.3696"/>
-                  <dgm:constr type="t" for="ch" forName="parentText3" refType="h" fact="0.173"/>
-                  <dgm:constr type="w" for="ch" forName="parentText3" refType="w" fact="0.6304"/>
-                  <dgm:constr type="h" for="ch" forName="parentText3" refType="h" fact="0.2594"/>
-                  <dgm:constr type="l" for="ch" forName="parentText4" refType="w" fact="0.5545"/>
-                  <dgm:constr type="t" for="ch" forName="parentText4" refType="h" fact="0.2595"/>
-                  <dgm:constr type="w" for="ch" forName="parentText4" refType="w" fact="0.4455"/>
-                  <dgm:constr type="h" for="ch" forName="parentText4" refType="h" fact="0.2594"/>
-                  <dgm:constr type="l" for="ch" forName="parentText5" refType="w" fact="0.7393"/>
-                  <dgm:constr type="t" for="ch" forName="parentText5" refType="h" fact="0.346"/>
-                  <dgm:constr type="w" for="ch" forName="parentText5" refType="w" fact="0.2607"/>
-                  <dgm:constr type="h" for="ch" forName="parentText5" refType="h" fact="0.2594"/>
-                </dgm:constrLst>
-              </dgm:if>
-              <dgm:else name="Name51">
-                <dgm:constrLst>
-                  <dgm:constr type="primFontSz" for="des" forName="childText1" val="65"/>
-                  <dgm:constr type="primFontSz" for="des" forName="parentText1" val="65"/>
-                  <dgm:constr type="primFontSz" for="des" forName="childText1" refType="primFontSz" refFor="des" refForName="parentText1" op="lte"/>
-                  <dgm:constr type="primFontSz" for="des" forName="childText2" refType="primFontSz" refFor="des" refForName="parentText1" op="lte"/>
-                  <dgm:constr type="primFontSz" for="des" forName="childText3" refType="primFontSz" refFor="des" refForName="parentText1" op="lte"/>
-                  <dgm:constr type="primFontSz" for="des" forName="childText4" refType="primFontSz" refFor="des" refForName="parentText1" op="lte"/>
-                  <dgm:constr type="primFontSz" for="des" forName="childText5" refType="primFontSz" refFor="des" refForName="parentText1" op="lte"/>
-                  <dgm:constr type="primFontSz" for="des" forName="childText1" refType="primFontSz" refFor="des" refForName="parentText2" op="lte"/>
-                  <dgm:constr type="primFontSz" for="des" forName="childText2" refType="primFontSz" refFor="des" refForName="parentText2" op="lte"/>
-                  <dgm:constr type="primFontSz" for="des" forName="childText3" refType="primFontSz" refFor="des" refForName="parentText2" op="lte"/>
-                  <dgm:constr type="primFontSz" for="des" forName="childText4" refType="primFontSz" refFor="des" refForName="parentText2" op="lte"/>
-                  <dgm:constr type="primFontSz" for="des" forName="childText5" refType="primFontSz" refFor="des" refForName="parentText2" op="lte"/>
-                  <dgm:constr type="primFontSz" for="des" forName="childText1" refType="primFontSz" refFor="des" refForName="parentText3" op="lte"/>
-                  <dgm:constr type="primFontSz" for="des" forName="childText2" refType="primFontSz" refFor="des" refForName="parentText3" op="lte"/>
-                  <dgm:constr type="primFontSz" for="des" forName="childText3" refType="primFontSz" refFor="des" refForName="parentText3" op="lte"/>
-                  <dgm:constr type="primFontSz" for="des" forName="childText4" refType="primFontSz" refFor="des" refForName="parentText3" op="lte"/>
-                  <dgm:constr type="primFontSz" for="des" forName="childText5" refType="primFontSz" refFor="des" refForName="parentText3" op="lte"/>
-                  <dgm:constr type="primFontSz" for="des" forName="childText1" refType="primFontSz" refFor="des" refForName="parentText4" op="lte"/>
-                  <dgm:constr type="primFontSz" for="des" forName="childText2" refType="primFontSz" refFor="des" refForName="parentText4" op="lte"/>
-                  <dgm:constr type="primFontSz" for="des" forName="childText3" refType="primFontSz" refFor="des" refForName="parentText4" op="lte"/>
-                  <dgm:constr type="primFontSz" for="des" forName="childText4" refType="primFontSz" refFor="des" refForName="parentText4" op="lte"/>
-                  <dgm:constr type="primFontSz" for="des" forName="childText5" refType="primFontSz" refFor="des" refForName="parentText4" op="lte"/>
-                  <dgm:constr type="primFontSz" for="des" forName="childText1" refType="primFontSz" refFor="des" refForName="parentText5" op="lte"/>
-                  <dgm:constr type="primFontSz" for="des" forName="childText2" refType="primFontSz" refFor="des" refForName="parentText5" op="lte"/>
-                  <dgm:constr type="primFontSz" for="des" forName="childText3" refType="primFontSz" refFor="des" refForName="parentText5" op="lte"/>
-                  <dgm:constr type="primFontSz" for="des" forName="childText4" refType="primFontSz" refFor="des" refForName="parentText5" op="lte"/>
-                  <dgm:constr type="primFontSz" for="des" forName="childText5" refType="primFontSz" refFor="des" refForName="parentText5" op="lte"/>
-                  <dgm:constr type="primFontSz" for="des" forName="parentText2" refType="primFontSz" refFor="des" refForName="parentText1" op="equ"/>
-                  <dgm:constr type="primFontSz" for="des" forName="parentText3" refType="primFontSz" refFor="des" refForName="parentText1" op="equ"/>
-                  <dgm:constr type="primFontSz" for="des" forName="parentText4" refType="primFontSz" refFor="des" refForName="parentText1" op="equ"/>
-                  <dgm:constr type="primFontSz" for="des" forName="parentText5" refType="primFontSz" refFor="des" refForName="parentText1" op="equ"/>
-                  <dgm:constr type="primFontSz" for="des" forName="childText2" refType="primFontSz" refFor="des" refForName="childText1" op="equ"/>
-                  <dgm:constr type="primFontSz" for="des" forName="childText3" refType="primFontSz" refFor="des" refForName="childText1" op="equ"/>
-                  <dgm:constr type="primFontSz" for="des" forName="childText4" refType="primFontSz" refFor="des" refForName="childText1" op="equ"/>
-                  <dgm:constr type="primFontSz" for="des" forName="childText5" refType="primFontSz" refFor="des" refForName="childText1" op="equ"/>
-                  <dgm:constr type="l" for="ch" forName="childText1" refType="w" fact="0.81518"/>
-                  <dgm:constr type="t" for="ch" forName="childText1" refType="h" fact="0.1997"/>
-                  <dgm:constr type="w" for="ch" forName="childText1" refType="w" fact="0.18482"/>
-                  <dgm:constr type="h" for="ch" forName="childText1" refType="h" fact="0.4763"/>
-                  <dgm:constr type="l" for="ch" forName="childText2" refType="w" fact="0.63036"/>
-                  <dgm:constr type="t" for="ch" forName="childText2" refType="h" fact="0.2862"/>
-                  <dgm:constr type="w" for="ch" forName="childText2" refType="w" fact="0.18482"/>
-                  <dgm:constr type="h" for="ch" forName="childText2" refType="h" fact="0.4763"/>
-                  <dgm:constr type="l" for="ch" forName="childText3" refType="w" fact="0.44554"/>
-                  <dgm:constr type="t" for="ch" forName="childText3" refType="h" fact="0.3727"/>
-                  <dgm:constr type="w" for="ch" forName="childText3" refType="w" fact="0.18482"/>
-                  <dgm:constr type="h" for="ch" forName="childText3" refType="h" fact="0.4763"/>
-                  <dgm:constr type="l" for="ch" forName="childText4" refType="w" fact="0.26072"/>
-                  <dgm:constr type="t" for="ch" forName="childText4" refType="h" fact="0.4592"/>
-                  <dgm:constr type="w" for="ch" forName="childText4" refType="w" fact="0.18482"/>
-                  <dgm:constr type="h" for="ch" forName="childText4" refType="h" fact="0.4763"/>
-                  <dgm:constr type="l" for="ch" forName="childText5" refType="w" fact="0.0759"/>
-                  <dgm:constr type="t" for="ch" forName="childText5" refType="h" fact="0.5457"/>
-                  <dgm:constr type="w" for="ch" forName="childText5" refType="w" fact="0.18482"/>
-                  <dgm:constr type="h" for="ch" forName="childText5" refType="h" fact="0.4763"/>
-                  <dgm:constr type="l" for="ch" forName="parentText1" refType="w" fact="0"/>
-                  <dgm:constr type="t" for="ch" forName="parentText1" refType="h" fact="0"/>
-                  <dgm:constr type="w" for="ch" forName="parentText1" refType="w"/>
-                  <dgm:constr type="h" for="ch" forName="parentText1" refType="h" fact="0.2594"/>
-                  <dgm:constr type="l" for="ch" forName="parentText2" refType="w" fact="0"/>
-                  <dgm:constr type="t" for="ch" forName="parentText2" refType="h" fact="0.0865"/>
-                  <dgm:constr type="w" for="ch" forName="parentText2" refType="w" fact="0.8152"/>
-                  <dgm:constr type="h" for="ch" forName="parentText2" refType="h" fact="0.2594"/>
-                  <dgm:constr type="l" for="ch" forName="parentText3" refType="w" fact="0"/>
-                  <dgm:constr type="t" for="ch" forName="parentText3" refType="h" fact="0.173"/>
-                  <dgm:constr type="w" for="ch" forName="parentText3" refType="w" fact="0.6304"/>
-                  <dgm:constr type="h" for="ch" forName="parentText3" refType="h" fact="0.2594"/>
-                  <dgm:constr type="l" for="ch" forName="parentText4" refType="w" fact="0"/>
-                  <dgm:constr type="t" for="ch" forName="parentText4" refType="h" fact="0.2595"/>
-                  <dgm:constr type="w" for="ch" forName="parentText4" refType="w" fact="0.4455"/>
-                  <dgm:constr type="h" for="ch" forName="parentText4" refType="h" fact="0.2594"/>
-                  <dgm:constr type="l" for="ch" forName="parentText5" refType="w" fact="0"/>
-                  <dgm:constr type="t" for="ch" forName="parentText5" refType="h" fact="0.346"/>
-                  <dgm:constr type="w" for="ch" forName="parentText5" refType="w" fact="0.2607"/>
-                  <dgm:constr type="h" for="ch" forName="parentText5" refType="h" fact="0.2594"/>
-                </dgm:constrLst>
-              </dgm:else>
-            </dgm:choose>
-          </dgm:else>
-        </dgm:choose>
-      </dgm:else>
-    </dgm:choose>
-    <dgm:forEach name="Name52" axis="ch" ptType="node" cnt="1">
-      <dgm:layoutNode name="parentText1" styleLbl="node1">
-        <dgm:varLst>
-          <dgm:chMax/>
-          <dgm:chPref val="3"/>
-          <dgm:bulletEnabled val="1"/>
-        </dgm:varLst>
-        <dgm:choose name="Name53">
-          <dgm:if name="Name54" func="var" arg="dir" op="equ" val="norm">
-            <dgm:alg type="tx">
-              <dgm:param type="parTxLTRAlign" val="l"/>
-            </dgm:alg>
-            <dgm:shape xmlns:r="http://schemas.openxmlformats.org/officeDocument/2006/relationships" type="rightArrow" r:blip="">
-              <dgm:adjLst>
-                <dgm:adj idx="1" val="0.5"/>
-                <dgm:adj idx="2" val="0.5"/>
-              </dgm:adjLst>
-            </dgm:shape>
-            <dgm:constrLst>
-              <dgm:constr type="lMarg" refType="primFontSz" fact="0.3"/>
-              <dgm:constr type="rMarg" val="20"/>
-              <dgm:constr type="tMarg" refType="primFontSz" fact="0.3"/>
-              <dgm:constr type="bMarg" refType="h" fact="0.45"/>
-            </dgm:constrLst>
-          </dgm:if>
-          <dgm:else name="Name55">
-            <dgm:alg type="tx">
-              <dgm:param type="parTxLTRAlign" val="r"/>
-            </dgm:alg>
-            <dgm:shape xmlns:r="http://schemas.openxmlformats.org/officeDocument/2006/relationships" type="leftArrow" r:blip="">
-              <dgm:adjLst>
-                <dgm:adj idx="1" val="0.5"/>
-                <dgm:adj idx="2" val="0.5"/>
-              </dgm:adjLst>
-            </dgm:shape>
-            <dgm:constrLst>
-              <dgm:constr type="lMarg" val="20"/>
-              <dgm:constr type="rMarg" refType="primFontSz" fact="0.3"/>
-              <dgm:constr type="tMarg" refType="primFontSz" fact="0.3"/>
-              <dgm:constr type="bMarg" refType="h" fact="0.45"/>
-            </dgm:constrLst>
-          </dgm:else>
-        </dgm:choose>
-        <dgm:presOf axis="self" ptType="node"/>
-        <dgm:ruleLst>
-          <dgm:rule type="primFontSz" val="5" fact="NaN" max="NaN"/>
-        </dgm:ruleLst>
-      </dgm:layoutNode>
-      <dgm:choose name="Name56">
-        <dgm:if name="Name57" axis="ch" ptType="node" func="cnt" op="gte" val="1">
-          <dgm:layoutNode name="childText1" styleLbl="solidAlignAcc1">
-            <dgm:varLst>
-              <dgm:chMax val="0"/>
-              <dgm:chPref val="0"/>
-              <dgm:bulletEnabled val="1"/>
-            </dgm:varLst>
-            <dgm:alg type="tx">
-              <dgm:param type="txAnchorVert" val="t"/>
-              <dgm:param type="parTxLTRAlign" val="l"/>
-            </dgm:alg>
-            <dgm:shape xmlns:r="http://schemas.openxmlformats.org/officeDocument/2006/relationships" type="rect" r:blip="">
-              <dgm:adjLst/>
-            </dgm:shape>
-            <dgm:presOf axis="des" ptType="node"/>
-            <dgm:constrLst>
-              <dgm:constr type="lMarg" refType="primFontSz" fact="0.3"/>
-              <dgm:constr type="rMarg" refType="primFontSz" fact="0.3"/>
-              <dgm:constr type="tMarg" refType="primFontSz" fact="0.3"/>
-              <dgm:constr type="bMarg" refType="primFontSz" fact="0.3"/>
-            </dgm:constrLst>
-            <dgm:ruleLst>
-              <dgm:rule type="primFontSz" val="5" fact="NaN" max="NaN"/>
-            </dgm:ruleLst>
-          </dgm:layoutNode>
-        </dgm:if>
-        <dgm:else name="Name58"/>
-      </dgm:choose>
-    </dgm:forEach>
-    <dgm:forEach name="Name59" axis="ch" ptType="node" st="2" cnt="1">
-      <dgm:layoutNode name="parentText2" styleLbl="node1">
-        <dgm:varLst>
-          <dgm:chMax/>
-          <dgm:chPref val="3"/>
-          <dgm:bulletEnabled val="1"/>
-        </dgm:varLst>
-        <dgm:choose name="Name60">
-          <dgm:if name="Name61" func="var" arg="dir" op="equ" val="norm">
-            <dgm:alg type="tx">
-              <dgm:param type="parTxLTRAlign" val="l"/>
-            </dgm:alg>
-            <dgm:shape xmlns:r="http://schemas.openxmlformats.org/officeDocument/2006/relationships" type="rightArrow" r:blip="">
-              <dgm:adjLst>
-                <dgm:adj idx="1" val="0.5"/>
-                <dgm:adj idx="2" val="0.5"/>
-              </dgm:adjLst>
-            </dgm:shape>
-            <dgm:constrLst>
-              <dgm:constr type="lMarg" refType="primFontSz" fact="0.3"/>
-              <dgm:constr type="rMarg" val="20"/>
-              <dgm:constr type="tMarg" refType="primFontSz" fact="0.3"/>
-              <dgm:constr type="bMarg" refType="h" fact="0.45"/>
-            </dgm:constrLst>
-          </dgm:if>
-          <dgm:else name="Name62">
-            <dgm:alg type="tx">
-              <dgm:param type="parTxLTRAlign" val="r"/>
-            </dgm:alg>
-            <dgm:shape xmlns:r="http://schemas.openxmlformats.org/officeDocument/2006/relationships" type="leftArrow" r:blip="">
-              <dgm:adjLst>
-                <dgm:adj idx="1" val="0.5"/>
-                <dgm:adj idx="2" val="0.5"/>
-              </dgm:adjLst>
-            </dgm:shape>
-            <dgm:constrLst>
-              <dgm:constr type="lMarg" val="20"/>
-              <dgm:constr type="rMarg" refType="primFontSz" fact="0.3"/>
-              <dgm:constr type="tMarg" refType="primFontSz" fact="0.3"/>
-              <dgm:constr type="bMarg" refType="h" fact="0.45"/>
-            </dgm:constrLst>
-          </dgm:else>
-        </dgm:choose>
-        <dgm:presOf axis="self" ptType="node"/>
-        <dgm:ruleLst>
-          <dgm:rule type="primFontSz" val="5" fact="NaN" max="NaN"/>
-        </dgm:ruleLst>
-      </dgm:layoutNode>
-      <dgm:choose name="Name63">
-        <dgm:if name="Name64" axis="ch" ptType="node" func="cnt" op="gte" val="1">
-          <dgm:layoutNode name="childText2" styleLbl="solidAlignAcc1">
-            <dgm:varLst>
-              <dgm:chMax val="0"/>
-              <dgm:chPref val="0"/>
-              <dgm:bulletEnabled val="1"/>
-            </dgm:varLst>
-            <dgm:alg type="tx">
-              <dgm:param type="txAnchorVert" val="t"/>
-              <dgm:param type="parTxLTRAlign" val="l"/>
-            </dgm:alg>
-            <dgm:shape xmlns:r="http://schemas.openxmlformats.org/officeDocument/2006/relationships" type="rect" r:blip="">
-              <dgm:adjLst/>
-            </dgm:shape>
-            <dgm:presOf axis="des" ptType="node"/>
-            <dgm:constrLst>
-              <dgm:constr type="lMarg" refType="primFontSz" fact="0.3"/>
-              <dgm:constr type="rMarg" refType="primFontSz" fact="0.3"/>
-              <dgm:constr type="tMarg" refType="primFontSz" fact="0.3"/>
-              <dgm:constr type="bMarg" refType="primFontSz" fact="0.3"/>
-            </dgm:constrLst>
-            <dgm:ruleLst>
-              <dgm:rule type="primFontSz" val="5" fact="NaN" max="NaN"/>
-            </dgm:ruleLst>
-          </dgm:layoutNode>
-        </dgm:if>
-        <dgm:else name="Name65"/>
-      </dgm:choose>
-    </dgm:forEach>
-    <dgm:forEach name="Name66" axis="ch" ptType="node" st="3" cnt="1">
-      <dgm:layoutNode name="parentText3" styleLbl="node1">
-        <dgm:varLst>
-          <dgm:chMax/>
-          <dgm:chPref val="3"/>
-          <dgm:bulletEnabled val="1"/>
-        </dgm:varLst>
-        <dgm:choose name="Name67">
-          <dgm:if name="Name68" func="var" arg="dir" op="equ" val="norm">
-            <dgm:alg type="tx">
-              <dgm:param type="parTxLTRAlign" val="l"/>
-            </dgm:alg>
-            <dgm:shape xmlns:r="http://schemas.openxmlformats.org/officeDocument/2006/relationships" type="rightArrow" r:blip="">
-              <dgm:adjLst>
-                <dgm:adj idx="1" val="0.5"/>
-                <dgm:adj idx="2" val="0.5"/>
-              </dgm:adjLst>
-            </dgm:shape>
-            <dgm:constrLst>
-              <dgm:constr type="lMarg" refType="primFontSz" fact="0.3"/>
-              <dgm:constr type="rMarg" val="20"/>
-              <dgm:constr type="tMarg" refType="primFontSz" fact="0.3"/>
-              <dgm:constr type="bMarg" refType="h" fact="0.45"/>
-            </dgm:constrLst>
-          </dgm:if>
-          <dgm:else name="Name69">
-            <dgm:alg type="tx">
-              <dgm:param type="parTxLTRAlign" val="r"/>
-            </dgm:alg>
-            <dgm:shape xmlns:r="http://schemas.openxmlformats.org/officeDocument/2006/relationships" type="leftArrow" r:blip="">
-              <dgm:adjLst>
-                <dgm:adj idx="1" val="0.5"/>
-                <dgm:adj idx="2" val="0.5"/>
-              </dgm:adjLst>
-            </dgm:shape>
-            <dgm:constrLst>
-              <dgm:constr type="lMarg" val="20"/>
-              <dgm:constr type="rMarg" refType="primFontSz" fact="0.3"/>
-              <dgm:constr type="tMarg" refType="primFontSz" fact="0.3"/>
-              <dgm:constr type="bMarg" refType="h" fact="0.45"/>
-            </dgm:constrLst>
-          </dgm:else>
-        </dgm:choose>
-        <dgm:presOf axis="self" ptType="node"/>
-        <dgm:ruleLst>
-          <dgm:rule type="primFontSz" val="5" fact="NaN" max="NaN"/>
-        </dgm:ruleLst>
-      </dgm:layoutNode>
-      <dgm:choose name="Name70">
-        <dgm:if name="Name71" axis="ch" ptType="node" func="cnt" op="gte" val="1">
-          <dgm:layoutNode name="childText3" styleLbl="solidAlignAcc1">
-            <dgm:varLst>
-              <dgm:chMax val="0"/>
-              <dgm:chPref val="0"/>
-              <dgm:bulletEnabled val="1"/>
-            </dgm:varLst>
-            <dgm:alg type="tx">
-              <dgm:param type="txAnchorVert" val="t"/>
-              <dgm:param type="parTxLTRAlign" val="l"/>
-            </dgm:alg>
-            <dgm:shape xmlns:r="http://schemas.openxmlformats.org/officeDocument/2006/relationships" type="rect" r:blip="">
-              <dgm:adjLst/>
-            </dgm:shape>
-            <dgm:presOf axis="des" ptType="node"/>
-            <dgm:constrLst>
-              <dgm:constr type="lMarg" refType="primFontSz" fact="0.3"/>
-              <dgm:constr type="rMarg" refType="primFontSz" fact="0.3"/>
-              <dgm:constr type="tMarg" refType="primFontSz" fact="0.3"/>
-              <dgm:constr type="bMarg" refType="primFontSz" fact="0.3"/>
-            </dgm:constrLst>
-            <dgm:ruleLst>
-              <dgm:rule type="primFontSz" val="5" fact="NaN" max="NaN"/>
-            </dgm:ruleLst>
-          </dgm:layoutNode>
-        </dgm:if>
-        <dgm:else name="Name72"/>
-      </dgm:choose>
-    </dgm:forEach>
-    <dgm:forEach name="Name73" axis="ch" ptType="node" st="4" cnt="1">
-      <dgm:layoutNode name="parentText4" styleLbl="node1">
-        <dgm:varLst>
-          <dgm:chMax/>
-          <dgm:chPref val="3"/>
-          <dgm:bulletEnabled val="1"/>
-        </dgm:varLst>
-        <dgm:choose name="Name74">
-          <dgm:if name="Name75" func="var" arg="dir" op="equ" val="norm">
-            <dgm:alg type="tx">
-              <dgm:param type="parTxLTRAlign" val="l"/>
-            </dgm:alg>
-            <dgm:shape xmlns:r="http://schemas.openxmlformats.org/officeDocument/2006/relationships" type="rightArrow" r:blip="">
-              <dgm:adjLst>
-                <dgm:adj idx="1" val="0.5"/>
-                <dgm:adj idx="2" val="0.5"/>
-              </dgm:adjLst>
-            </dgm:shape>
-            <dgm:constrLst>
-              <dgm:constr type="lMarg" refType="primFontSz" fact="0.3"/>
-              <dgm:constr type="rMarg" val="20"/>
-              <dgm:constr type="tMarg" refType="primFontSz" fact="0.3"/>
-              <dgm:constr type="bMarg" refType="h" fact="0.45"/>
-            </dgm:constrLst>
-          </dgm:if>
-          <dgm:else name="Name76">
-            <dgm:alg type="tx">
-              <dgm:param type="parTxLTRAlign" val="r"/>
-            </dgm:alg>
-            <dgm:shape xmlns:r="http://schemas.openxmlformats.org/officeDocument/2006/relationships" type="leftArrow" r:blip="">
-              <dgm:adjLst>
-                <dgm:adj idx="1" val="0.5"/>
-                <dgm:adj idx="2" val="0.5"/>
-              </dgm:adjLst>
-            </dgm:shape>
-            <dgm:constrLst>
-              <dgm:constr type="lMarg" val="20"/>
-              <dgm:constr type="rMarg" refType="primFontSz" fact="0.3"/>
-              <dgm:constr type="tMarg" refType="primFontSz" fact="0.3"/>
-              <dgm:constr type="bMarg" refType="h" fact="0.45"/>
-            </dgm:constrLst>
-          </dgm:else>
-        </dgm:choose>
-        <dgm:presOf axis="self" ptType="node"/>
-        <dgm:ruleLst>
-          <dgm:rule type="primFontSz" val="5" fact="NaN" max="NaN"/>
-        </dgm:ruleLst>
-      </dgm:layoutNode>
-      <dgm:choose name="Name77">
-        <dgm:if name="Name78" axis="ch" ptType="node" func="cnt" op="gte" val="1">
-          <dgm:layoutNode name="childText4" styleLbl="solidAlignAcc1">
-            <dgm:varLst>
-              <dgm:chMax val="0"/>
-              <dgm:chPref val="0"/>
-              <dgm:bulletEnabled val="1"/>
-            </dgm:varLst>
-            <dgm:alg type="tx">
-              <dgm:param type="txAnchorVert" val="t"/>
-              <dgm:param type="parTxLTRAlign" val="l"/>
-            </dgm:alg>
-            <dgm:shape xmlns:r="http://schemas.openxmlformats.org/officeDocument/2006/relationships" type="rect" r:blip="">
-              <dgm:adjLst/>
-            </dgm:shape>
-            <dgm:presOf axis="des" ptType="node"/>
-            <dgm:constrLst>
-              <dgm:constr type="lMarg" refType="primFontSz" fact="0.3"/>
-              <dgm:constr type="rMarg" refType="primFontSz" fact="0.3"/>
-              <dgm:constr type="tMarg" refType="primFontSz" fact="0.3"/>
-              <dgm:constr type="bMarg" refType="primFontSz" fact="0.3"/>
-            </dgm:constrLst>
-            <dgm:ruleLst>
-              <dgm:rule type="primFontSz" val="5" fact="NaN" max="NaN"/>
-            </dgm:ruleLst>
-          </dgm:layoutNode>
-        </dgm:if>
-        <dgm:else name="Name79"/>
-      </dgm:choose>
-    </dgm:forEach>
-    <dgm:forEach name="Name80" axis="ch" ptType="node" st="5" cnt="1">
-      <dgm:layoutNode name="parentText5" styleLbl="node1">
-        <dgm:varLst>
-          <dgm:chMax/>
-          <dgm:chPref val="3"/>
-          <dgm:bulletEnabled val="1"/>
-        </dgm:varLst>
-        <dgm:choose name="Name81">
-          <dgm:if name="Name82" func="var" arg="dir" op="equ" val="norm">
-            <dgm:alg type="tx">
-              <dgm:param type="parTxLTRAlign" val="l"/>
-            </dgm:alg>
-            <dgm:shape xmlns:r="http://schemas.openxmlformats.org/officeDocument/2006/relationships" type="rightArrow" r:blip="">
-              <dgm:adjLst>
-                <dgm:adj idx="1" val="0.5"/>
-                <dgm:adj idx="2" val="0.5"/>
-              </dgm:adjLst>
-            </dgm:shape>
-            <dgm:constrLst>
-              <dgm:constr type="lMarg" refType="primFontSz" fact="0.3"/>
-              <dgm:constr type="rMarg" val="20"/>
-              <dgm:constr type="tMarg" refType="primFontSz" fact="0.3"/>
-              <dgm:constr type="bMarg" refType="h" fact="0.45"/>
-            </dgm:constrLst>
-          </dgm:if>
-          <dgm:else name="Name83">
-            <dgm:alg type="tx">
-              <dgm:param type="parTxLTRAlign" val="r"/>
-            </dgm:alg>
-            <dgm:shape xmlns:r="http://schemas.openxmlformats.org/officeDocument/2006/relationships" type="leftArrow" r:blip="">
-              <dgm:adjLst>
-                <dgm:adj idx="1" val="0.5"/>
-                <dgm:adj idx="2" val="0.5"/>
-              </dgm:adjLst>
-            </dgm:shape>
-            <dgm:constrLst>
-              <dgm:constr type="lMarg" val="20"/>
-              <dgm:constr type="rMarg" refType="primFontSz" fact="0.3"/>
-              <dgm:constr type="tMarg" refType="primFontSz" fact="0.3"/>
-              <dgm:constr type="bMarg" refType="h" fact="0.45"/>
-            </dgm:constrLst>
-          </dgm:else>
-        </dgm:choose>
-        <dgm:presOf axis="self" ptType="node"/>
-        <dgm:ruleLst>
-          <dgm:rule type="primFontSz" val="5" fact="NaN" max="NaN"/>
-        </dgm:ruleLst>
-      </dgm:layoutNode>
-      <dgm:choose name="Name84">
-        <dgm:if name="Name85" axis="ch" ptType="node" func="cnt" op="gte" val="1">
-          <dgm:layoutNode name="childText5" styleLbl="solidAlignAcc1">
-            <dgm:varLst>
-              <dgm:chMax val="0"/>
-              <dgm:chPref val="0"/>
-              <dgm:bulletEnabled val="1"/>
-            </dgm:varLst>
-            <dgm:alg type="tx">
-              <dgm:param type="txAnchorVert" val="t"/>
-              <dgm:param type="parTxLTRAlign" val="l"/>
-            </dgm:alg>
-            <dgm:shape xmlns:r="http://schemas.openxmlformats.org/officeDocument/2006/relationships" type="rect" r:blip="">
-              <dgm:adjLst/>
-            </dgm:shape>
-            <dgm:presOf axis="des" ptType="node"/>
-            <dgm:constrLst>
-              <dgm:constr type="lMarg" refType="primFontSz" fact="0.3"/>
-              <dgm:constr type="rMarg" refType="primFontSz" fact="0.3"/>
-              <dgm:constr type="tMarg" refType="primFontSz" fact="0.3"/>
-              <dgm:constr type="bMarg" refType="primFontSz" fact="0.3"/>
-            </dgm:constrLst>
-            <dgm:ruleLst>
-              <dgm:rule type="primFontSz" val="5" fact="NaN" max="NaN"/>
-            </dgm:ruleLst>
-          </dgm:layoutNode>
-        </dgm:if>
-        <dgm:else name="Name86"/>
-      </dgm:choose>
-    </dgm:forEach>
-  </dgm:layoutNode>
-</dgm:layoutDef>
-</file>
-
-<file path=ppt/diagrams/quickStyle1.xml><?xml version="1.0" encoding="utf-8"?>
-<dgm:styleDef xmlns:dgm="http://schemas.openxmlformats.org/drawingml/2006/diagram" xmlns:a="http://schemas.openxmlformats.org/drawingml/2006/main" uniqueId="urn:microsoft.com/office/officeart/2005/8/quickstyle/simple1">
-  <dgm:title val=""/>
-  <dgm:desc val=""/>
-  <dgm:catLst>
-    <dgm:cat type="simple" pri="10100"/>
-  </dgm:catLst>
-  <dgm:scene3d>
-    <a:camera prst="orthographicFront"/>
-    <a:lightRig rig="threePt" dir="t"/>
-  </dgm:scene3d>
-  <dgm:styleLbl name="node0">
-    <dgm:scene3d>
-      <a:camera prst="orthographicFront"/>
-      <a:lightRig rig="threePt" dir="t"/>
-    </dgm:scene3d>
-    <dgm:sp3d/>
-    <dgm:txPr/>
-    <dgm:style>
-      <a:lnRef idx="2">
-        <a:scrgbClr r="0" g="0" b="0"/>
-      </a:lnRef>
-      <a:fillRef idx="1">
-        <a:scrgbClr r="0" g="0" b="0"/>
-      </a:fillRef>
-      <a:effectRef idx="0">
-        <a:scrgbClr r="0" g="0" b="0"/>
-      </a:effectRef>
-      <a:fontRef idx="minor">
-        <a:schemeClr val="lt1"/>
-      </a:fontRef>
-    </dgm:style>
-  </dgm:styleLbl>
-  <dgm:styleLbl name="lnNode1">
-    <dgm:scene3d>
-      <a:camera prst="orthographicFront"/>
-      <a:lightRig rig="threePt" dir="t"/>
-    </dgm:scene3d>
-    <dgm:sp3d/>
-    <dgm:txPr/>
-    <dgm:style>
-      <a:lnRef idx="2">
-        <a:scrgbClr r="0" g="0" b="0"/>
-      </a:lnRef>
-      <a:fillRef idx="1">
-        <a:scrgbClr r="0" g="0" b="0"/>
-      </a:fillRef>
-      <a:effectRef idx="0">
-        <a:scrgbClr r="0" g="0" b="0"/>
-      </a:effectRef>
-      <a:fontRef idx="minor">
-        <a:schemeClr val="lt1"/>
-      </a:fontRef>
-    </dgm:style>
-  </dgm:styleLbl>
-  <dgm:styleLbl name="vennNode1">
-    <dgm:scene3d>
-      <a:camera prst="orthographicFront"/>
-      <a:lightRig rig="threePt" dir="t"/>
-    </dgm:scene3d>
-    <dgm:sp3d/>
-    <dgm:txPr/>
-    <dgm:style>
-      <a:lnRef idx="2">
-        <a:scrgbClr r="0" g="0" b="0"/>
-      </a:lnRef>
-      <a:fillRef idx="1">
-        <a:scrgbClr r="0" g="0" b="0"/>
-      </a:fillRef>
-      <a:effectRef idx="0">
-        <a:scrgbClr r="0" g="0" b="0"/>
-      </a:effectRef>
-      <a:fontRef idx="minor">
-        <a:schemeClr val="tx1"/>
-      </a:fontRef>
-    </dgm:style>
-  </dgm:styleLbl>
-  <dgm:styleLbl name="alignNode1">
-    <dgm:scene3d>
-      <a:camera prst="orthographicFront"/>
-      <a:lightRig rig="threePt" dir="t"/>
-    </dgm:scene3d>
-    <dgm:sp3d/>
-    <dgm:txPr/>
-    <dgm:style>
-      <a:lnRef idx="2">
-        <a:scrgbClr r="0" g="0" b="0"/>
-      </a:lnRef>
-      <a:fillRef idx="1">
-        <a:scrgbClr r="0" g="0" b="0"/>
-      </a:fillRef>
-      <a:effectRef idx="0">
-        <a:scrgbClr r="0" g="0" b="0"/>
-      </a:effectRef>
-      <a:fontRef idx="minor">
-        <a:schemeClr val="lt1"/>
-      </a:fontRef>
-    </dgm:style>
-  </dgm:styleLbl>
-  <dgm:styleLbl name="node1">
-    <dgm:scene3d>
-      <a:camera prst="orthographicFront"/>
-      <a:lightRig rig="threePt" dir="t"/>
-    </dgm:scene3d>
-    <dgm:sp3d/>
-    <dgm:txPr/>
-    <dgm:style>
-      <a:lnRef idx="2">
-        <a:scrgbClr r="0" g="0" b="0"/>
-      </a:lnRef>
-      <a:fillRef idx="1">
-        <a:scrgbClr r="0" g="0" b="0"/>
-      </a:fillRef>
-      <a:effectRef idx="0">
-        <a:scrgbClr r="0" g="0" b="0"/>
-      </a:effectRef>
-      <a:fontRef idx="minor">
-        <a:schemeClr val="lt1"/>
-      </a:fontRef>
-    </dgm:style>
-  </dgm:styleLbl>
-  <dgm:styleLbl name="node2">
-    <dgm:scene3d>
-      <a:camera prst="orthographicFront"/>
-      <a:lightRig rig="threePt" dir="t"/>
-    </dgm:scene3d>
-    <dgm:sp3d/>
-    <dgm:txPr/>
-    <dgm:style>
-      <a:lnRef idx="2">
-        <a:scrgbClr r="0" g="0" b="0"/>
-      </a:lnRef>
-      <a:fillRef idx="1">
-        <a:scrgbClr r="0" g="0" b="0"/>
-      </a:fillRef>
-      <a:effectRef idx="0">
-        <a:scrgbClr r="0" g="0" b="0"/>
-      </a:effectRef>
-      <a:fontRef idx="minor">
-        <a:schemeClr val="lt1"/>
-      </a:fontRef>
-    </dgm:style>
-  </dgm:styleLbl>
-  <dgm:styleLbl name="node3">
-    <dgm:scene3d>
-      <a:camera prst="orthographicFront"/>
-      <a:lightRig rig="threePt" dir="t"/>
-    </dgm:scene3d>
-    <dgm:sp3d/>
-    <dgm:txPr/>
-    <dgm:style>
-      <a:lnRef idx="2">
-        <a:scrgbClr r="0" g="0" b="0"/>
-      </a:lnRef>
-      <a:fillRef idx="1">
-        <a:scrgbClr r="0" g="0" b="0"/>
-      </a:fillRef>
-      <a:effectRef idx="0">
-        <a:scrgbClr r="0" g="0" b="0"/>
-      </a:effectRef>
-      <a:fontRef idx="minor">
-        <a:schemeClr val="lt1"/>
-      </a:fontRef>
-    </dgm:style>
-  </dgm:styleLbl>
-  <dgm:styleLbl name="node4">
-    <dgm:scene3d>
-      <a:camera prst="orthographicFront"/>
-      <a:lightRig rig="threePt" dir="t"/>
-    </dgm:scene3d>
-    <dgm:sp3d/>
-    <dgm:txPr/>
-    <dgm:style>
-      <a:lnRef idx="2">
-        <a:scrgbClr r="0" g="0" b="0"/>
-      </a:lnRef>
-      <a:fillRef idx="1">
-        <a:scrgbClr r="0" g="0" b="0"/>
-      </a:fillRef>
-      <a:effectRef idx="0">
-        <a:scrgbClr r="0" g="0" b="0"/>
-      </a:effectRef>
-      <a:fontRef idx="minor">
-        <a:schemeClr val="lt1"/>
-      </a:fontRef>
-    </dgm:style>
-  </dgm:styleLbl>
-  <dgm:styleLbl name="fgImgPlace1">
-    <dgm:scene3d>
-      <a:camera prst="orthographicFront"/>
-      <a:lightRig rig="threePt" dir="t"/>
-    </dgm:scene3d>
-    <dgm:sp3d/>
-    <dgm:txPr/>
-    <dgm:style>
-      <a:lnRef idx="2">
-        <a:scrgbClr r="0" g="0" b="0"/>
-      </a:lnRef>
-      <a:fillRef idx="1">
-        <a:scrgbClr r="0" g="0" b="0"/>
-      </a:fillRef>
-      <a:effectRef idx="0">
-        <a:scrgbClr r="0" g="0" b="0"/>
-      </a:effectRef>
-      <a:fontRef idx="minor"/>
-    </dgm:style>
-  </dgm:styleLbl>
-  <dgm:styleLbl name="alignImgPlace1">
-    <dgm:scene3d>
-      <a:camera prst="orthographicFront"/>
-      <a:lightRig rig="threePt" dir="t"/>
-    </dgm:scene3d>
-    <dgm:sp3d/>
-    <dgm:txPr/>
-    <dgm:style>
-      <a:lnRef idx="2">
-        <a:scrgbClr r="0" g="0" b="0"/>
-      </a:lnRef>
-      <a:fillRef idx="1">
-        <a:scrgbClr r="0" g="0" b="0"/>
-      </a:fillRef>
-      <a:effectRef idx="0">
-        <a:scrgbClr r="0" g="0" b="0"/>
-      </a:effectRef>
-      <a:fontRef idx="minor"/>
-    </dgm:style>
-  </dgm:styleLbl>
-  <dgm:styleLbl name="bgImgPlace1">
-    <dgm:scene3d>
-      <a:camera prst="orthographicFront"/>
-      <a:lightRig rig="threePt" dir="t"/>
-    </dgm:scene3d>
-    <dgm:sp3d/>
-    <dgm:txPr/>
-    <dgm:style>
-      <a:lnRef idx="2">
-        <a:scrgbClr r="0" g="0" b="0"/>
-      </a:lnRef>
-      <a:fillRef idx="1">
-        <a:scrgbClr r="0" g="0" b="0"/>
-      </a:fillRef>
-      <a:effectRef idx="0">
-        <a:scrgbClr r="0" g="0" b="0"/>
-      </a:effectRef>
-      <a:fontRef idx="minor"/>
-    </dgm:style>
-  </dgm:styleLbl>
-  <dgm:styleLbl name="sibTrans2D1">
-    <dgm:scene3d>
-      <a:camera prst="orthographicFront"/>
-      <a:lightRig rig="threePt" dir="t"/>
-    </dgm:scene3d>
-    <dgm:sp3d/>
-    <dgm:txPr/>
-    <dgm:style>
-      <a:lnRef idx="0">
-        <a:scrgbClr r="0" g="0" b="0"/>
-      </a:lnRef>
-      <a:fillRef idx="1">
-        <a:scrgbClr r="0" g="0" b="0"/>
-      </a:fillRef>
-      <a:effectRef idx="0">
-        <a:scrgbClr r="0" g="0" b="0"/>
-      </a:effectRef>
-      <a:fontRef idx="minor">
-        <a:schemeClr val="lt1"/>
-      </a:fontRef>
-    </dgm:style>
-  </dgm:styleLbl>
-  <dgm:styleLbl name="fgSibTrans2D1">
-    <dgm:scene3d>
-      <a:camera prst="orthographicFront"/>
-      <a:lightRig rig="threePt" dir="t"/>
-    </dgm:scene3d>
-    <dgm:sp3d/>
-    <dgm:txPr/>
-    <dgm:style>
-      <a:lnRef idx="0">
-        <a:scrgbClr r="0" g="0" b="0"/>
-      </a:lnRef>
-      <a:fillRef idx="1">
-        <a:scrgbClr r="0" g="0" b="0"/>
-      </a:fillRef>
-      <a:effectRef idx="0">
-        <a:scrgbClr r="0" g="0" b="0"/>
-      </a:effectRef>
-      <a:fontRef idx="minor">
-        <a:schemeClr val="lt1"/>
-      </a:fontRef>
-    </dgm:style>
-  </dgm:styleLbl>
-  <dgm:styleLbl name="bgSibTrans2D1">
-    <dgm:scene3d>
-      <a:camera prst="orthographicFront"/>
-      <a:lightRig rig="threePt" dir="t"/>
-    </dgm:scene3d>
-    <dgm:sp3d/>
-    <dgm:txPr/>
-    <dgm:style>
-      <a:lnRef idx="0">
-        <a:scrgbClr r="0" g="0" b="0"/>
-      </a:lnRef>
-      <a:fillRef idx="1">
-        <a:scrgbClr r="0" g="0" b="0"/>
-      </a:fillRef>
-      <a:effectRef idx="0">
-        <a:scrgbClr r="0" g="0" b="0"/>
-      </a:effectRef>
-      <a:fontRef idx="minor">
-        <a:schemeClr val="lt1"/>
-      </a:fontRef>
-    </dgm:style>
-  </dgm:styleLbl>
-  <dgm:styleLbl name="sibTrans1D1">
-    <dgm:scene3d>
-      <a:camera prst="orthographicFront"/>
-      <a:lightRig rig="threePt" dir="t"/>
-    </dgm:scene3d>
-    <dgm:sp3d/>
-    <dgm:txPr/>
-    <dgm:style>
-      <a:lnRef idx="1">
-        <a:scrgbClr r="0" g="0" b="0"/>
-      </a:lnRef>
-      <a:fillRef idx="0">
-        <a:scrgbClr r="0" g="0" b="0"/>
-      </a:fillRef>
-      <a:effectRef idx="0">
-        <a:scrgbClr r="0" g="0" b="0"/>
-      </a:effectRef>
-      <a:fontRef idx="minor"/>
-    </dgm:style>
-  </dgm:styleLbl>
-  <dgm:styleLbl name="callout">
-    <dgm:scene3d>
-      <a:camera prst="orthographicFront"/>
-      <a:lightRig rig="threePt" dir="t"/>
-    </dgm:scene3d>
-    <dgm:sp3d/>
-    <dgm:txPr/>
-    <dgm:style>
-      <a:lnRef idx="2">
-        <a:scrgbClr r="0" g="0" b="0"/>
-      </a:lnRef>
-      <a:fillRef idx="1">
-        <a:scrgbClr r="0" g="0" b="0"/>
-      </a:fillRef>
-      <a:effectRef idx="0">
-        <a:scrgbClr r="0" g="0" b="0"/>
-      </a:effectRef>
-      <a:fontRef idx="minor"/>
-    </dgm:style>
-  </dgm:styleLbl>
-  <dgm:styleLbl name="asst0">
-    <dgm:scene3d>
-      <a:camera prst="orthographicFront"/>
-      <a:lightRig rig="threePt" dir="t"/>
-    </dgm:scene3d>
-    <dgm:sp3d/>
-    <dgm:txPr/>
-    <dgm:style>
-      <a:lnRef idx="2">
-        <a:scrgbClr r="0" g="0" b="0"/>
-      </a:lnRef>
-      <a:fillRef idx="1">
-        <a:scrgbClr r="0" g="0" b="0"/>
-      </a:fillRef>
-      <a:effectRef idx="0">
-        <a:scrgbClr r="0" g="0" b="0"/>
-      </a:effectRef>
-      <a:fontRef idx="minor">
-        <a:schemeClr val="lt1"/>
-      </a:fontRef>
-    </dgm:style>
-  </dgm:styleLbl>
-  <dgm:styleLbl name="asst1">
-    <dgm:scene3d>
-      <a:camera prst="orthographicFront"/>
-      <a:lightRig rig="threePt" dir="t"/>
-    </dgm:scene3d>
-    <dgm:sp3d/>
-    <dgm:txPr/>
-    <dgm:style>
-      <a:lnRef idx="2">
-        <a:scrgbClr r="0" g="0" b="0"/>
-      </a:lnRef>
-      <a:fillRef idx="1">
-        <a:scrgbClr r="0" g="0" b="0"/>
-      </a:fillRef>
-      <a:effectRef idx="0">
-        <a:scrgbClr r="0" g="0" b="0"/>
-      </a:effectRef>
-      <a:fontRef idx="minor">
-        <a:schemeClr val="lt1"/>
-      </a:fontRef>
-    </dgm:style>
-  </dgm:styleLbl>
-  <dgm:styleLbl name="asst2">
-    <dgm:scene3d>
-      <a:camera prst="orthographicFront"/>
-      <a:lightRig rig="threePt" dir="t"/>
-    </dgm:scene3d>
-    <dgm:sp3d/>
-    <dgm:txPr/>
-    <dgm:style>
-      <a:lnRef idx="2">
-        <a:scrgbClr r="0" g="0" b="0"/>
-      </a:lnRef>
-      <a:fillRef idx="1">
-        <a:scrgbClr r="0" g="0" b="0"/>
-      </a:fillRef>
-      <a:effectRef idx="0">
-        <a:scrgbClr r="0" g="0" b="0"/>
-      </a:effectRef>
-      <a:fontRef idx="minor">
-        <a:schemeClr val="lt1"/>
-      </a:fontRef>
-    </dgm:style>
-  </dgm:styleLbl>
-  <dgm:styleLbl name="asst3">
-    <dgm:scene3d>
-      <a:camera prst="orthographicFront"/>
-      <a:lightRig rig="threePt" dir="t"/>
-    </dgm:scene3d>
-    <dgm:sp3d/>
-    <dgm:txPr/>
-    <dgm:style>
-      <a:lnRef idx="2">
-        <a:scrgbClr r="0" g="0" b="0"/>
-      </a:lnRef>
-      <a:fillRef idx="1">
-        <a:scrgbClr r="0" g="0" b="0"/>
-      </a:fillRef>
-      <a:effectRef idx="0">
-        <a:scrgbClr r="0" g="0" b="0"/>
-      </a:effectRef>
-      <a:fontRef idx="minor">
-        <a:schemeClr val="lt1"/>
-      </a:fontRef>
-    </dgm:style>
-  </dgm:styleLbl>
-  <dgm:styleLbl name="asst4">
-    <dgm:scene3d>
-      <a:camera prst="orthographicFront"/>
-      <a:lightRig rig="threePt" dir="t"/>
-    </dgm:scene3d>
-    <dgm:sp3d/>
-    <dgm:txPr/>
-    <dgm:style>
-      <a:lnRef idx="2">
-        <a:scrgbClr r="0" g="0" b="0"/>
-      </a:lnRef>
-      <a:fillRef idx="1">
-        <a:scrgbClr r="0" g="0" b="0"/>
-      </a:fillRef>
-      <a:effectRef idx="0">
-        <a:scrgbClr r="0" g="0" b="0"/>
-      </a:effectRef>
-      <a:fontRef idx="minor">
-        <a:schemeClr val="lt1"/>
-      </a:fontRef>
-    </dgm:style>
-  </dgm:styleLbl>
-  <dgm:styleLbl name="parChTrans2D1">
-    <dgm:scene3d>
-      <a:camera prst="orthographicFront"/>
-      <a:lightRig rig="threePt" dir="t"/>
-    </dgm:scene3d>
-    <dgm:sp3d/>
-    <dgm:txPr/>
-    <dgm:style>
-      <a:lnRef idx="2">
-        <a:scrgbClr r="0" g="0" b="0"/>
-      </a:lnRef>
-      <a:fillRef idx="1">
-        <a:scrgbClr r="0" g="0" b="0"/>
-      </a:fillRef>
-      <a:effectRef idx="0">
-        <a:scrgbClr r="0" g="0" b="0"/>
-      </a:effectRef>
-      <a:fontRef idx="minor">
-        <a:schemeClr val="lt1"/>
-      </a:fontRef>
-    </dgm:style>
-  </dgm:styleLbl>
-  <dgm:styleLbl name="parChTrans2D2">
-    <dgm:scene3d>
-      <a:camera prst="orthographicFront"/>
-      <a:lightRig rig="threePt" dir="t"/>
-    </dgm:scene3d>
-    <dgm:sp3d/>
-    <dgm:txPr/>
-    <dgm:style>
-      <a:lnRef idx="2">
-        <a:scrgbClr r="0" g="0" b="0"/>
-      </a:lnRef>
-      <a:fillRef idx="1">
-        <a:scrgbClr r="0" g="0" b="0"/>
-      </a:fillRef>
-      <a:effectRef idx="0">
-        <a:scrgbClr r="0" g="0" b="0"/>
-      </a:effectRef>
-      <a:fontRef idx="minor">
-        <a:schemeClr val="lt1"/>
-      </a:fontRef>
-    </dgm:style>
-  </dgm:styleLbl>
-  <dgm:styleLbl name="parChTrans2D3">
-    <dgm:scene3d>
-      <a:camera prst="orthographicFront"/>
-      <a:lightRig rig="threePt" dir="t"/>
-    </dgm:scene3d>
-    <dgm:sp3d/>
-    <dgm:txPr/>
-    <dgm:style>
-      <a:lnRef idx="2">
-        <a:scrgbClr r="0" g="0" b="0"/>
-      </a:lnRef>
-      <a:fillRef idx="1">
-        <a:scrgbClr r="0" g="0" b="0"/>
-      </a:fillRef>
-      <a:effectRef idx="0">
-        <a:scrgbClr r="0" g="0" b="0"/>
-      </a:effectRef>
-      <a:fontRef idx="minor">
-        <a:schemeClr val="lt1"/>
-      </a:fontRef>
-    </dgm:style>
-  </dgm:styleLbl>
-  <dgm:styleLbl name="parChTrans2D4">
-    <dgm:scene3d>
-      <a:camera prst="orthographicFront"/>
-      <a:lightRig rig="threePt" dir="t"/>
-    </dgm:scene3d>
-    <dgm:sp3d/>
-    <dgm:txPr/>
-    <dgm:style>
-      <a:lnRef idx="2">
-        <a:scrgbClr r="0" g="0" b="0"/>
-      </a:lnRef>
-      <a:fillRef idx="1">
-        <a:scrgbClr r="0" g="0" b="0"/>
-      </a:fillRef>
-      <a:effectRef idx="0">
-        <a:scrgbClr r="0" g="0" b="0"/>
-      </a:effectRef>
-      <a:fontRef idx="minor">
-        <a:schemeClr val="lt1"/>
-      </a:fontRef>
-    </dgm:style>
-  </dgm:styleLbl>
-  <dgm:styleLbl name="parChTrans1D1">
-    <dgm:scene3d>
-      <a:camera prst="orthographicFront"/>
-      <a:lightRig rig="threePt" dir="t"/>
-    </dgm:scene3d>
-    <dgm:sp3d/>
-    <dgm:txPr/>
-    <dgm:style>
-      <a:lnRef idx="2">
-        <a:scrgbClr r="0" g="0" b="0"/>
-      </a:lnRef>
-      <a:fillRef idx="0">
-        <a:scrgbClr r="0" g="0" b="0"/>
-      </a:fillRef>
-      <a:effectRef idx="0">
-        <a:scrgbClr r="0" g="0" b="0"/>
-      </a:effectRef>
-      <a:fontRef idx="minor"/>
-    </dgm:style>
-  </dgm:styleLbl>
-  <dgm:styleLbl name="parChTrans1D2">
-    <dgm:scene3d>
-      <a:camera prst="orthographicFront"/>
-      <a:lightRig rig="threePt" dir="t"/>
-    </dgm:scene3d>
-    <dgm:sp3d/>
-    <dgm:txPr/>
-    <dgm:style>
-      <a:lnRef idx="2">
-        <a:scrgbClr r="0" g="0" b="0"/>
-      </a:lnRef>
-      <a:fillRef idx="0">
-        <a:scrgbClr r="0" g="0" b="0"/>
-      </a:fillRef>
-      <a:effectRef idx="0">
-        <a:scrgbClr r="0" g="0" b="0"/>
-      </a:effectRef>
-      <a:fontRef idx="minor"/>
-    </dgm:style>
-  </dgm:styleLbl>
-  <dgm:styleLbl name="parChTrans1D3">
-    <dgm:scene3d>
-      <a:camera prst="orthographicFront"/>
-      <a:lightRig rig="threePt" dir="t"/>
-    </dgm:scene3d>
-    <dgm:sp3d/>
-    <dgm:txPr/>
-    <dgm:style>
-      <a:lnRef idx="2">
-        <a:scrgbClr r="0" g="0" b="0"/>
-      </a:lnRef>
-      <a:fillRef idx="0">
-        <a:scrgbClr r="0" g="0" b="0"/>
-      </a:fillRef>
-      <a:effectRef idx="0">
-        <a:scrgbClr r="0" g="0" b="0"/>
-      </a:effectRef>
-      <a:fontRef idx="minor"/>
-    </dgm:style>
-  </dgm:styleLbl>
-  <dgm:styleLbl name="parChTrans1D4">
-    <dgm:scene3d>
-      <a:camera prst="orthographicFront"/>
-      <a:lightRig rig="threePt" dir="t"/>
-    </dgm:scene3d>
-    <dgm:sp3d/>
-    <dgm:txPr/>
-    <dgm:style>
-      <a:lnRef idx="2">
-        <a:scrgbClr r="0" g="0" b="0"/>
-      </a:lnRef>
-      <a:fillRef idx="0">
-        <a:scrgbClr r="0" g="0" b="0"/>
-      </a:fillRef>
-      <a:effectRef idx="0">
-        <a:scrgbClr r="0" g="0" b="0"/>
-      </a:effectRef>
-      <a:fontRef idx="minor"/>
-    </dgm:style>
-  </dgm:styleLbl>
-  <dgm:styleLbl name="fgAcc1">
-    <dgm:scene3d>
-      <a:camera prst="orthographicFront"/>
-      <a:lightRig rig="threePt" dir="t"/>
-    </dgm:scene3d>
-    <dgm:sp3d/>
-    <dgm:txPr/>
-    <dgm:style>
-      <a:lnRef idx="2">
-        <a:scrgbClr r="0" g="0" b="0"/>
-      </a:lnRef>
-      <a:fillRef idx="1">
-        <a:scrgbClr r="0" g="0" b="0"/>
-      </a:fillRef>
-      <a:effectRef idx="0">
-        <a:scrgbClr r="0" g="0" b="0"/>
-      </a:effectRef>
-      <a:fontRef idx="minor"/>
-    </dgm:style>
-  </dgm:styleLbl>
-  <dgm:styleLbl name="conFgAcc1">
-    <dgm:scene3d>
-      <a:camera prst="orthographicFront"/>
-      <a:lightRig rig="threePt" dir="t"/>
-    </dgm:scene3d>
-    <dgm:sp3d/>
-    <dgm:txPr/>
-    <dgm:style>
-      <a:lnRef idx="2">
-        <a:scrgbClr r="0" g="0" b="0"/>
-      </a:lnRef>
-      <a:fillRef idx="1">
-        <a:scrgbClr r="0" g="0" b="0"/>
-      </a:fillRef>
-      <a:effectRef idx="0">
-        <a:scrgbClr r="0" g="0" b="0"/>
-      </a:effectRef>
-      <a:fontRef idx="minor"/>
-    </dgm:style>
-  </dgm:styleLbl>
-  <dgm:styleLbl name="alignAcc1">
-    <dgm:scene3d>
-      <a:camera prst="orthographicFront"/>
-      <a:lightRig rig="threePt" dir="t"/>
-    </dgm:scene3d>
-    <dgm:sp3d/>
-    <dgm:txPr/>
-    <dgm:style>
-      <a:lnRef idx="2">
-        <a:scrgbClr r="0" g="0" b="0"/>
-      </a:lnRef>
-      <a:fillRef idx="1">
-        <a:scrgbClr r="0" g="0" b="0"/>
-      </a:fillRef>
-      <a:effectRef idx="0">
-        <a:scrgbClr r="0" g="0" b="0"/>
-      </a:effectRef>
-      <a:fontRef idx="minor"/>
-    </dgm:style>
-  </dgm:styleLbl>
-  <dgm:styleLbl name="trAlignAcc1">
-    <dgm:scene3d>
-      <a:camera prst="orthographicFront"/>
-      <a:lightRig rig="threePt" dir="t"/>
-    </dgm:scene3d>
-    <dgm:sp3d/>
-    <dgm:txPr/>
-    <dgm:style>
-      <a:lnRef idx="1">
-        <a:scrgbClr r="0" g="0" b="0"/>
-      </a:lnRef>
-      <a:fillRef idx="1">
-        <a:scrgbClr r="0" g="0" b="0"/>
-      </a:fillRef>
-      <a:effectRef idx="0">
-        <a:scrgbClr r="0" g="0" b="0"/>
-      </a:effectRef>
-      <a:fontRef idx="minor"/>
-    </dgm:style>
-  </dgm:styleLbl>
-  <dgm:styleLbl name="bgAcc1">
-    <dgm:scene3d>
-      <a:camera prst="orthographicFront"/>
-      <a:lightRig rig="threePt" dir="t"/>
-    </dgm:scene3d>
-    <dgm:sp3d/>
-    <dgm:txPr/>
-    <dgm:style>
-      <a:lnRef idx="2">
-        <a:scrgbClr r="0" g="0" b="0"/>
-      </a:lnRef>
-      <a:fillRef idx="1">
-        <a:scrgbClr r="0" g="0" b="0"/>
-      </a:fillRef>
-      <a:effectRef idx="0">
-        <a:scrgbClr r="0" g="0" b="0"/>
-      </a:effectRef>
-      <a:fontRef idx="minor"/>
-    </dgm:style>
-  </dgm:styleLbl>
-  <dgm:styleLbl name="solidFgAcc1">
-    <dgm:scene3d>
-      <a:camera prst="orthographicFront"/>
-      <a:lightRig rig="threePt" dir="t"/>
-    </dgm:scene3d>
-    <dgm:sp3d/>
-    <dgm:txPr/>
-    <dgm:style>
-      <a:lnRef idx="2">
-        <a:scrgbClr r="0" g="0" b="0"/>
-      </a:lnRef>
-      <a:fillRef idx="1">
-        <a:scrgbClr r="0" g="0" b="0"/>
-      </a:fillRef>
-      <a:effectRef idx="0">
-        <a:scrgbClr r="0" g="0" b="0"/>
-      </a:effectRef>
-      <a:fontRef idx="minor"/>
-    </dgm:style>
-  </dgm:styleLbl>
-  <dgm:styleLbl name="solidAlignAcc1">
-    <dgm:scene3d>
-      <a:camera prst="orthographicFront"/>
-      <a:lightRig rig="threePt" dir="t"/>
-    </dgm:scene3d>
-    <dgm:sp3d/>
-    <dgm:txPr/>
-    <dgm:style>
-      <a:lnRef idx="2">
-        <a:scrgbClr r="0" g="0" b="0"/>
-      </a:lnRef>
-      <a:fillRef idx="1">
-        <a:scrgbClr r="0" g="0" b="0"/>
-      </a:fillRef>
-      <a:effectRef idx="0">
-        <a:scrgbClr r="0" g="0" b="0"/>
-      </a:effectRef>
-      <a:fontRef idx="minor"/>
-    </dgm:style>
-  </dgm:styleLbl>
-  <dgm:styleLbl name="solidBgAcc1">
-    <dgm:scene3d>
-      <a:camera prst="orthographicFront"/>
-      <a:lightRig rig="threePt" dir="t"/>
-    </dgm:scene3d>
-    <dgm:sp3d/>
-    <dgm:txPr/>
-    <dgm:style>
-      <a:lnRef idx="2">
-        <a:scrgbClr r="0" g="0" b="0"/>
-      </a:lnRef>
-      <a:fillRef idx="1">
-        <a:scrgbClr r="0" g="0" b="0"/>
-      </a:fillRef>
-      <a:effectRef idx="0">
-        <a:scrgbClr r="0" g="0" b="0"/>
-      </a:effectRef>
-      <a:fontRef idx="minor"/>
-    </dgm:style>
-  </dgm:styleLbl>
-  <dgm:styleLbl name="fgAccFollowNode1">
-    <dgm:scene3d>
-      <a:camera prst="orthographicFront"/>
-      <a:lightRig rig="threePt" dir="t"/>
-    </dgm:scene3d>
-    <dgm:sp3d/>
-    <dgm:txPr/>
-    <dgm:style>
-      <a:lnRef idx="2">
-        <a:scrgbClr r="0" g="0" b="0"/>
-      </a:lnRef>
-      <a:fillRef idx="1">
-        <a:scrgbClr r="0" g="0" b="0"/>
-      </a:fillRef>
-      <a:effectRef idx="0">
-        <a:scrgbClr r="0" g="0" b="0"/>
-      </a:effectRef>
-      <a:fontRef idx="minor"/>
-    </dgm:style>
-  </dgm:styleLbl>
-  <dgm:styleLbl name="alignAccFollowNode1">
-    <dgm:scene3d>
-      <a:camera prst="orthographicFront"/>
-      <a:lightRig rig="threePt" dir="t"/>
-    </dgm:scene3d>
-    <dgm:sp3d/>
-    <dgm:txPr/>
-    <dgm:style>
-      <a:lnRef idx="2">
-        <a:scrgbClr r="0" g="0" b="0"/>
-      </a:lnRef>
-      <a:fillRef idx="1">
-        <a:scrgbClr r="0" g="0" b="0"/>
-      </a:fillRef>
-      <a:effectRef idx="0">
-        <a:scrgbClr r="0" g="0" b="0"/>
-      </a:effectRef>
-      <a:fontRef idx="minor"/>
-    </dgm:style>
-  </dgm:styleLbl>
-  <dgm:styleLbl name="bgAccFollowNode1">
-    <dgm:scene3d>
-      <a:camera prst="orthographicFront"/>
-      <a:lightRig rig="threePt" dir="t"/>
-    </dgm:scene3d>
-    <dgm:sp3d/>
-    <dgm:txPr/>
-    <dgm:style>
-      <a:lnRef idx="2">
-        <a:scrgbClr r="0" g="0" b="0"/>
-      </a:lnRef>
-      <a:fillRef idx="1">
-        <a:scrgbClr r="0" g="0" b="0"/>
-      </a:fillRef>
-      <a:effectRef idx="0">
-        <a:scrgbClr r="0" g="0" b="0"/>
-      </a:effectRef>
-      <a:fontRef idx="minor"/>
-    </dgm:style>
-  </dgm:styleLbl>
-  <dgm:styleLbl name="fgAcc0">
-    <dgm:scene3d>
-      <a:camera prst="orthographicFront"/>
-      <a:lightRig rig="threePt" dir="t"/>
-    </dgm:scene3d>
-    <dgm:sp3d/>
-    <dgm:txPr/>
-    <dgm:style>
-      <a:lnRef idx="2">
-        <a:scrgbClr r="0" g="0" b="0"/>
-      </a:lnRef>
-      <a:fillRef idx="1">
-        <a:scrgbClr r="0" g="0" b="0"/>
-      </a:fillRef>
-      <a:effectRef idx="0">
-        <a:scrgbClr r="0" g="0" b="0"/>
-      </a:effectRef>
-      <a:fontRef idx="minor"/>
-    </dgm:style>
-  </dgm:styleLbl>
-  <dgm:styleLbl name="fgAcc2">
-    <dgm:scene3d>
-      <a:camera prst="orthographicFront"/>
-      <a:lightRig rig="threePt" dir="t"/>
-    </dgm:scene3d>
-    <dgm:sp3d/>
-    <dgm:txPr/>
-    <dgm:style>
-      <a:lnRef idx="2">
-        <a:scrgbClr r="0" g="0" b="0"/>
-      </a:lnRef>
-      <a:fillRef idx="1">
-        <a:scrgbClr r="0" g="0" b="0"/>
-      </a:fillRef>
-      <a:effectRef idx="0">
-        <a:scrgbClr r="0" g="0" b="0"/>
-      </a:effectRef>
-      <a:fontRef idx="minor"/>
-    </dgm:style>
-  </dgm:styleLbl>
-  <dgm:styleLbl name="fgAcc3">
-    <dgm:scene3d>
-      <a:camera prst="orthographicFront"/>
-      <a:lightRig rig="threePt" dir="t"/>
-    </dgm:scene3d>
-    <dgm:sp3d/>
-    <dgm:txPr/>
-    <dgm:style>
-      <a:lnRef idx="2">
-        <a:scrgbClr r="0" g="0" b="0"/>
-      </a:lnRef>
-      <a:fillRef idx="1">
-        <a:scrgbClr r="0" g="0" b="0"/>
-      </a:fillRef>
-      <a:effectRef idx="0">
-        <a:scrgbClr r="0" g="0" b="0"/>
-      </a:effectRef>
-      <a:fontRef idx="minor"/>
-    </dgm:style>
-  </dgm:styleLbl>
-  <dgm:styleLbl name="fgAcc4">
-    <dgm:scene3d>
-      <a:camera prst="orthographicFront"/>
-      <a:lightRig rig="threePt" dir="t"/>
-    </dgm:scene3d>
-    <dgm:sp3d/>
-    <dgm:txPr/>
-    <dgm:style>
-      <a:lnRef idx="2">
-        <a:scrgbClr r="0" g="0" b="0"/>
-      </a:lnRef>
-      <a:fillRef idx="1">
-        <a:scrgbClr r="0" g="0" b="0"/>
-      </a:fillRef>
-      <a:effectRef idx="0">
-        <a:scrgbClr r="0" g="0" b="0"/>
-      </a:effectRef>
-      <a:fontRef idx="minor"/>
-    </dgm:style>
-  </dgm:styleLbl>
-  <dgm:styleLbl name="bgShp">
-    <dgm:scene3d>
-      <a:camera prst="orthographicFront"/>
-      <a:lightRig rig="threePt" dir="t"/>
-    </dgm:scene3d>
-    <dgm:sp3d/>
-    <dgm:txPr/>
-    <dgm:style>
-      <a:lnRef idx="0">
-        <a:scrgbClr r="0" g="0" b="0"/>
-      </a:lnRef>
-      <a:fillRef idx="1">
-        <a:scrgbClr r="0" g="0" b="0"/>
-      </a:fillRef>
-      <a:effectRef idx="0">
-        <a:scrgbClr r="0" g="0" b="0"/>
-      </a:effectRef>
-      <a:fontRef idx="minor"/>
-    </dgm:style>
-  </dgm:styleLbl>
-  <dgm:styleLbl name="dkBgShp">
-    <dgm:scene3d>
-      <a:camera prst="orthographicFront"/>
-      <a:lightRig rig="threePt" dir="t"/>
-    </dgm:scene3d>
-    <dgm:sp3d/>
-    <dgm:txPr/>
-    <dgm:style>
-      <a:lnRef idx="0">
-        <a:scrgbClr r="0" g="0" b="0"/>
-      </a:lnRef>
-      <a:fillRef idx="1">
-        <a:scrgbClr r="0" g="0" b="0"/>
-      </a:fillRef>
-      <a:effectRef idx="0">
-        <a:scrgbClr r="0" g="0" b="0"/>
-      </a:effectRef>
-      <a:fontRef idx="minor"/>
-    </dgm:style>
-  </dgm:styleLbl>
-  <dgm:styleLbl name="trBgShp">
-    <dgm:scene3d>
-      <a:camera prst="orthographicFront"/>
-      <a:lightRig rig="threePt" dir="t"/>
-    </dgm:scene3d>
-    <dgm:sp3d/>
-    <dgm:txPr/>
-    <dgm:style>
-      <a:lnRef idx="0">
-        <a:scrgbClr r="0" g="0" b="0"/>
-      </a:lnRef>
-      <a:fillRef idx="1">
-        <a:scrgbClr r="0" g="0" b="0"/>
-      </a:fillRef>
-      <a:effectRef idx="0">
-        <a:scrgbClr r="0" g="0" b="0"/>
-      </a:effectRef>
-      <a:fontRef idx="minor"/>
-    </dgm:style>
-  </dgm:styleLbl>
-  <dgm:styleLbl name="fgShp">
-    <dgm:scene3d>
-      <a:camera prst="orthographicFront"/>
-      <a:lightRig rig="threePt" dir="t"/>
-    </dgm:scene3d>
-    <dgm:sp3d/>
-    <dgm:txPr/>
-    <dgm:style>
-      <a:lnRef idx="2">
-        <a:scrgbClr r="0" g="0" b="0"/>
-      </a:lnRef>
-      <a:fillRef idx="1">
-        <a:scrgbClr r="0" g="0" b="0"/>
-      </a:fillRef>
-      <a:effectRef idx="0">
-        <a:scrgbClr r="0" g="0" b="0"/>
-      </a:effectRef>
-      <a:fontRef idx="minor"/>
-    </dgm:style>
-  </dgm:styleLbl>
-  <dgm:styleLbl name="revTx">
-    <dgm:scene3d>
-      <a:camera prst="orthographicFront"/>
-      <a:lightRig rig="threePt" dir="t"/>
-    </dgm:scene3d>
-    <dgm:sp3d/>
-    <dgm:txPr/>
-    <dgm:style>
-      <a:lnRef idx="0">
-        <a:scrgbClr r="0" g="0" b="0"/>
-      </a:lnRef>
-      <a:fillRef idx="0">
-        <a:scrgbClr r="0" g="0" b="0"/>
-      </a:fillRef>
-      <a:effectRef idx="0">
-        <a:scrgbClr r="0" g="0" b="0"/>
-      </a:effectRef>
-      <a:fontRef idx="minor"/>
-    </dgm:style>
-  </dgm:styleLbl>
-</dgm:styleDef>
 </file>
 
 <file path=ppt/handoutMasters/handoutMaster1.xml><?xml version="1.0" encoding="utf-8"?>
@@ -5621,13 +1592,13 @@
   <p:clrMapOvr>
     <a:masterClrMapping/>
   </p:clrMapOvr>
-  <mc:AlternateContent xmlns:mc="http://schemas.openxmlformats.org/markup-compatibility/2006">
-    <mc:Choice xmlns:p14="http://schemas.microsoft.com/office/powerpoint/2010/main" Requires="p14">
+  <mc:AlternateContent xmlns:mc="http://schemas.openxmlformats.org/markup-compatibility/2006" xmlns:p14="http://schemas.microsoft.com/office/powerpoint/2010/main">
+    <mc:Choice Requires="p14">
       <p:transition spd="med" p14:dur="700">
         <p:fade/>
       </p:transition>
     </mc:Choice>
-    <mc:Fallback>
+    <mc:Fallback xmlns="">
       <p:transition spd="med">
         <p:fade/>
       </p:transition>
@@ -5802,13 +1773,13 @@
   <p:clrMapOvr>
     <a:masterClrMapping/>
   </p:clrMapOvr>
-  <mc:AlternateContent xmlns:mc="http://schemas.openxmlformats.org/markup-compatibility/2006">
-    <mc:Choice xmlns:p14="http://schemas.microsoft.com/office/powerpoint/2010/main" Requires="p14">
+  <mc:AlternateContent xmlns:mc="http://schemas.openxmlformats.org/markup-compatibility/2006" xmlns:p14="http://schemas.microsoft.com/office/powerpoint/2010/main">
+    <mc:Choice Requires="p14">
       <p:transition spd="med" p14:dur="700">
         <p:fade/>
       </p:transition>
     </mc:Choice>
-    <mc:Fallback>
+    <mc:Fallback xmlns="">
       <p:transition spd="med">
         <p:fade/>
       </p:transition>
@@ -6239,13 +2210,13 @@
   <p:clrMapOvr>
     <a:masterClrMapping/>
   </p:clrMapOvr>
-  <mc:AlternateContent xmlns:mc="http://schemas.openxmlformats.org/markup-compatibility/2006">
-    <mc:Choice xmlns:p14="http://schemas.microsoft.com/office/powerpoint/2010/main" Requires="p14">
+  <mc:AlternateContent xmlns:mc="http://schemas.openxmlformats.org/markup-compatibility/2006" xmlns:p14="http://schemas.microsoft.com/office/powerpoint/2010/main">
+    <mc:Choice Requires="p14">
       <p:transition spd="med" p14:dur="700">
         <p:fade/>
       </p:transition>
     </mc:Choice>
-    <mc:Fallback>
+    <mc:Fallback xmlns="">
       <p:transition spd="med">
         <p:fade/>
       </p:transition>
@@ -6495,13 +2466,13 @@
   <p:clrMapOvr>
     <a:masterClrMapping/>
   </p:clrMapOvr>
-  <mc:AlternateContent xmlns:mc="http://schemas.openxmlformats.org/markup-compatibility/2006">
-    <mc:Choice xmlns:p14="http://schemas.microsoft.com/office/powerpoint/2010/main" Requires="p14">
+  <mc:AlternateContent xmlns:mc="http://schemas.openxmlformats.org/markup-compatibility/2006" xmlns:p14="http://schemas.microsoft.com/office/powerpoint/2010/main">
+    <mc:Choice Requires="p14">
       <p:transition spd="med" p14:dur="700">
         <p:fade/>
       </p:transition>
     </mc:Choice>
-    <mc:Fallback>
+    <mc:Fallback xmlns="">
       <p:transition spd="med">
         <p:fade/>
       </p:transition>
@@ -6901,13 +2872,13 @@
   <p:clrMapOvr>
     <a:masterClrMapping/>
   </p:clrMapOvr>
-  <mc:AlternateContent xmlns:mc="http://schemas.openxmlformats.org/markup-compatibility/2006">
-    <mc:Choice xmlns:p14="http://schemas.microsoft.com/office/powerpoint/2010/main" Requires="p14">
+  <mc:AlternateContent xmlns:mc="http://schemas.openxmlformats.org/markup-compatibility/2006" xmlns:p14="http://schemas.microsoft.com/office/powerpoint/2010/main">
+    <mc:Choice Requires="p14">
       <p:transition spd="med" p14:dur="700">
         <p:fade/>
       </p:transition>
     </mc:Choice>
-    <mc:Fallback>
+    <mc:Fallback xmlns="">
       <p:transition spd="med">
         <p:fade/>
       </p:transition>
@@ -7039,13 +3010,13 @@
   <p:clrMapOvr>
     <a:masterClrMapping/>
   </p:clrMapOvr>
-  <mc:AlternateContent xmlns:mc="http://schemas.openxmlformats.org/markup-compatibility/2006">
-    <mc:Choice xmlns:p14="http://schemas.microsoft.com/office/powerpoint/2010/main" Requires="p14">
+  <mc:AlternateContent xmlns:mc="http://schemas.openxmlformats.org/markup-compatibility/2006" xmlns:p14="http://schemas.microsoft.com/office/powerpoint/2010/main">
+    <mc:Choice Requires="p14">
       <p:transition spd="med" p14:dur="700">
         <p:fade/>
       </p:transition>
     </mc:Choice>
-    <mc:Fallback>
+    <mc:Fallback xmlns="">
       <p:transition spd="med">
         <p:fade/>
       </p:transition>
@@ -7149,13 +3120,13 @@
   <p:clrMapOvr>
     <a:masterClrMapping/>
   </p:clrMapOvr>
-  <mc:AlternateContent xmlns:mc="http://schemas.openxmlformats.org/markup-compatibility/2006">
-    <mc:Choice xmlns:p14="http://schemas.microsoft.com/office/powerpoint/2010/main" Requires="p14">
+  <mc:AlternateContent xmlns:mc="http://schemas.openxmlformats.org/markup-compatibility/2006" xmlns:p14="http://schemas.microsoft.com/office/powerpoint/2010/main">
+    <mc:Choice Requires="p14">
       <p:transition spd="med" p14:dur="700">
         <p:fade/>
       </p:transition>
     </mc:Choice>
-    <mc:Fallback>
+    <mc:Fallback xmlns="">
       <p:transition spd="med">
         <p:fade/>
       </p:transition>
@@ -7804,13 +3775,13 @@
     <p:sldLayoutId id="2147483666" r:id="rId6"/>
     <p:sldLayoutId id="2147483667" r:id="rId7"/>
   </p:sldLayoutIdLst>
-  <mc:AlternateContent xmlns:mc="http://schemas.openxmlformats.org/markup-compatibility/2006">
-    <mc:Choice xmlns:p14="http://schemas.microsoft.com/office/powerpoint/2010/main" Requires="p14">
+  <mc:AlternateContent xmlns:mc="http://schemas.openxmlformats.org/markup-compatibility/2006" xmlns:p14="http://schemas.microsoft.com/office/powerpoint/2010/main">
+    <mc:Choice Requires="p14">
       <p:transition spd="med" p14:dur="700">
         <p:fade/>
       </p:transition>
     </mc:Choice>
-    <mc:Fallback>
+    <mc:Fallback xmlns="">
       <p:transition spd="med">
         <p:fade/>
       </p:transition>
@@ -8242,13 +4213,204 @@
   <p:clrMapOvr>
     <a:masterClrMapping/>
   </p:clrMapOvr>
-  <mc:AlternateContent xmlns:mc="http://schemas.openxmlformats.org/markup-compatibility/2006">
-    <mc:Choice xmlns:p14="http://schemas.microsoft.com/office/powerpoint/2010/main" Requires="p14">
+  <mc:AlternateContent xmlns:mc="http://schemas.openxmlformats.org/markup-compatibility/2006" xmlns:p14="http://schemas.microsoft.com/office/powerpoint/2010/main">
+    <mc:Choice Requires="p14">
       <p:transition spd="med" p14:dur="700">
         <p:fade/>
       </p:transition>
     </mc:Choice>
-    <mc:Fallback>
+    <mc:Fallback xmlns="">
+      <p:transition spd="med">
+        <p:fade/>
+      </p:transition>
+    </mc:Fallback>
+  </mc:AlternateContent>
+</p:sld>
+</file>
+
+<file path=ppt/slides/slide10.xml><?xml version="1.0" encoding="utf-8"?>
+<p:sld xmlns:a="http://schemas.openxmlformats.org/drawingml/2006/main" xmlns:r="http://schemas.openxmlformats.org/officeDocument/2006/relationships" xmlns:p="http://schemas.openxmlformats.org/presentationml/2006/main">
+  <p:cSld>
+    <p:spTree>
+      <p:nvGrpSpPr>
+        <p:cNvPr id="1" name=""/>
+        <p:cNvGrpSpPr/>
+        <p:nvPr/>
+      </p:nvGrpSpPr>
+      <p:grpSpPr>
+        <a:xfrm>
+          <a:off x="0" y="0"/>
+          <a:ext cx="0" cy="0"/>
+          <a:chOff x="0" y="0"/>
+          <a:chExt cx="0" cy="0"/>
+        </a:xfrm>
+      </p:grpSpPr>
+      <p:pic>
+        <p:nvPicPr>
+          <p:cNvPr id="3" name="图片 2">
+            <a:extLst>
+              <a:ext uri="{FF2B5EF4-FFF2-40B4-BE49-F238E27FC236}">
+                <a16:creationId xmlns:a16="http://schemas.microsoft.com/office/drawing/2014/main" id="{D248A28C-EE84-4639-8D56-39FA2BC23CDA}"/>
+              </a:ext>
+            </a:extLst>
+          </p:cNvPr>
+          <p:cNvPicPr>
+            <a:picLocks noChangeAspect="1"/>
+          </p:cNvPicPr>
+          <p:nvPr/>
+        </p:nvPicPr>
+        <p:blipFill>
+          <a:blip r:embed="rId2">
+            <a:extLst>
+              <a:ext uri="{28A0092B-C50C-407E-A947-70E740481C1C}">
+                <a14:useLocalDpi xmlns:a14="http://schemas.microsoft.com/office/drawing/2010/main" val="0"/>
+              </a:ext>
+            </a:extLst>
+          </a:blip>
+          <a:stretch>
+            <a:fillRect/>
+          </a:stretch>
+        </p:blipFill>
+        <p:spPr>
+          <a:xfrm>
+            <a:off x="1446212" y="685800"/>
+            <a:ext cx="9345613" cy="5256907"/>
+          </a:xfrm>
+          <a:prstGeom prst="rect">
+            <a:avLst/>
+          </a:prstGeom>
+          <a:ln>
+            <a:noFill/>
+          </a:ln>
+          <a:effectLst>
+            <a:softEdge rad="112500"/>
+          </a:effectLst>
+        </p:spPr>
+      </p:pic>
+    </p:spTree>
+    <p:extLst>
+      <p:ext uri="{BB962C8B-B14F-4D97-AF65-F5344CB8AC3E}">
+        <p14:creationId xmlns:p14="http://schemas.microsoft.com/office/powerpoint/2010/main" val="164414165"/>
+      </p:ext>
+    </p:extLst>
+  </p:cSld>
+  <p:clrMapOvr>
+    <a:masterClrMapping/>
+  </p:clrMapOvr>
+  <mc:AlternateContent xmlns:mc="http://schemas.openxmlformats.org/markup-compatibility/2006" xmlns:p14="http://schemas.microsoft.com/office/powerpoint/2010/main">
+    <mc:Choice Requires="p14">
+      <p:transition spd="med" p14:dur="700" advTm="0">
+        <p:fade/>
+      </p:transition>
+    </mc:Choice>
+    <mc:Fallback xmlns="">
+      <p:transition spd="med" advTm="0">
+        <p:fade/>
+      </p:transition>
+    </mc:Fallback>
+  </mc:AlternateContent>
+</p:sld>
+</file>
+
+<file path=ppt/slides/slide11.xml><?xml version="1.0" encoding="utf-8"?>
+<p:sld xmlns:a="http://schemas.openxmlformats.org/drawingml/2006/main" xmlns:r="http://schemas.openxmlformats.org/officeDocument/2006/relationships" xmlns:p="http://schemas.openxmlformats.org/presentationml/2006/main">
+  <p:cSld>
+    <p:spTree>
+      <p:nvGrpSpPr>
+        <p:cNvPr id="1" name=""/>
+        <p:cNvGrpSpPr/>
+        <p:nvPr/>
+      </p:nvGrpSpPr>
+      <p:grpSpPr>
+        <a:xfrm>
+          <a:off x="0" y="0"/>
+          <a:ext cx="0" cy="0"/>
+          <a:chOff x="0" y="0"/>
+          <a:chExt cx="0" cy="0"/>
+        </a:xfrm>
+      </p:grpSpPr>
+      <p:sp>
+        <p:nvSpPr>
+          <p:cNvPr id="2" name="标题 1">
+            <a:extLst>
+              <a:ext uri="{FF2B5EF4-FFF2-40B4-BE49-F238E27FC236}">
+                <a16:creationId xmlns:a16="http://schemas.microsoft.com/office/drawing/2014/main" id="{FB1281D1-2D18-4481-BD3E-9692B373DC89}"/>
+              </a:ext>
+            </a:extLst>
+          </p:cNvPr>
+          <p:cNvSpPr>
+            <a:spLocks noGrp="1"/>
+          </p:cNvSpPr>
+          <p:nvPr>
+            <p:ph type="ctrTitle"/>
+          </p:nvPr>
+        </p:nvSpPr>
+        <p:spPr/>
+        <p:txBody>
+          <a:bodyPr>
+            <a:normAutofit/>
+          </a:bodyPr>
+          <a:lstStyle/>
+          <a:p>
+            <a:r>
+              <a:rPr lang="en-US" sz="6000" dirty="0"/>
+              <a:t>THANKS FOR WATCHING!</a:t>
+            </a:r>
+          </a:p>
+        </p:txBody>
+      </p:sp>
+      <p:sp>
+        <p:nvSpPr>
+          <p:cNvPr id="4" name="文本框 3">
+            <a:extLst>
+              <a:ext uri="{FF2B5EF4-FFF2-40B4-BE49-F238E27FC236}">
+                <a16:creationId xmlns:a16="http://schemas.microsoft.com/office/drawing/2014/main" id="{5036D98B-C237-47A8-980E-9D4619CF6062}"/>
+              </a:ext>
+            </a:extLst>
+          </p:cNvPr>
+          <p:cNvSpPr txBox="1"/>
+          <p:nvPr/>
+        </p:nvSpPr>
+        <p:spPr>
+          <a:xfrm>
+            <a:off x="1674812" y="2584452"/>
+            <a:ext cx="9067800" cy="400110"/>
+          </a:xfrm>
+          <a:prstGeom prst="rect">
+            <a:avLst/>
+          </a:prstGeom>
+          <a:noFill/>
+        </p:spPr>
+        <p:txBody>
+          <a:bodyPr wrap="square" rtlCol="0">
+            <a:spAutoFit/>
+          </a:bodyPr>
+          <a:lstStyle/>
+          <a:p>
+            <a:r>
+              <a:rPr lang="en-US" sz="2000" dirty="0"/>
+              <a:t>or rather, thanks for listening to two nerds that explain stuff you won’t understand</a:t>
+            </a:r>
+          </a:p>
+        </p:txBody>
+      </p:sp>
+    </p:spTree>
+    <p:extLst>
+      <p:ext uri="{BB962C8B-B14F-4D97-AF65-F5344CB8AC3E}">
+        <p14:creationId xmlns:p14="http://schemas.microsoft.com/office/powerpoint/2010/main" val="256343399"/>
+      </p:ext>
+    </p:extLst>
+  </p:cSld>
+  <p:clrMapOvr>
+    <a:masterClrMapping/>
+  </p:clrMapOvr>
+  <mc:AlternateContent xmlns:mc="http://schemas.openxmlformats.org/markup-compatibility/2006" xmlns:p14="http://schemas.microsoft.com/office/powerpoint/2010/main">
+    <mc:Choice Requires="p14">
+      <p:transition spd="med" p14:dur="700">
+        <p:fade/>
+      </p:transition>
+    </mc:Choice>
+    <mc:Fallback xmlns="">
       <p:transition spd="med">
         <p:fade/>
       </p:transition>
@@ -8279,7 +4441,7 @@
           <p:cNvPr id="2" name="标题 1">
             <a:extLst>
               <a:ext uri="{FF2B5EF4-FFF2-40B4-BE49-F238E27FC236}">
-                <a16:creationId xmlns:a16="http://schemas.microsoft.com/office/drawing/2014/main" id="{D526DB0D-3D52-422E-9239-DC71A8AB258C}"/>
+                <a16:creationId xmlns:a16="http://schemas.microsoft.com/office/drawing/2014/main" id="{796463EA-57C8-4A9E-8497-B342F1867E32}"/>
               </a:ext>
             </a:extLst>
           </p:cNvPr>
@@ -8292,68 +4454,81 @@
         </p:nvSpPr>
         <p:spPr/>
         <p:txBody>
-          <a:bodyPr/>
+          <a:bodyPr>
+            <a:normAutofit/>
+          </a:bodyPr>
           <a:lstStyle/>
           <a:p>
             <a:r>
-              <a:rPr lang="en-US"/>
-              <a:t>x86 – THE </a:t>
+              <a:rPr lang="en-US" altLang="zh-CN" dirty="0"/>
+              <a:t>1971 – INTEL 4004</a:t>
             </a:r>
-            <a:r>
-              <a:rPr lang="en-US" dirty="0"/>
-              <a:t>BEGINNING</a:t>
-            </a:r>
+            <a:endParaRPr lang="zh-CN" altLang="en-US" dirty="0"/>
           </a:p>
         </p:txBody>
       </p:sp>
-      <p:graphicFrame>
-        <p:nvGraphicFramePr>
-          <p:cNvPr id="4" name="内容占位符 3">
+      <p:sp>
+        <p:nvSpPr>
+          <p:cNvPr id="3" name="内容占位符 2">
             <a:extLst>
               <a:ext uri="{FF2B5EF4-FFF2-40B4-BE49-F238E27FC236}">
-                <a16:creationId xmlns:a16="http://schemas.microsoft.com/office/drawing/2014/main" id="{47C3D8CB-1389-4688-99B2-FB539119685F}"/>
+                <a16:creationId xmlns:a16="http://schemas.microsoft.com/office/drawing/2014/main" id="{1E4D2C9B-3738-4869-BD9D-0A48F7E73D2B}"/>
               </a:ext>
             </a:extLst>
           </p:cNvPr>
-          <p:cNvGraphicFramePr>
-            <a:graphicFrameLocks noGrp="1"/>
-          </p:cNvGraphicFramePr>
+          <p:cNvSpPr>
+            <a:spLocks noGrp="1"/>
+          </p:cNvSpPr>
           <p:nvPr>
             <p:ph idx="1"/>
-            <p:extLst>
-              <p:ext uri="{D42A27DB-BD31-4B8C-83A1-F6EECF244321}">
-                <p14:modId xmlns:p14="http://schemas.microsoft.com/office/powerpoint/2010/main" val="3717167191"/>
-              </p:ext>
-            </p:extLst>
           </p:nvPr>
-        </p:nvGraphicFramePr>
-        <p:xfrm>
-          <a:off x="1219200" y="1701800"/>
-          <a:ext cx="10360025" cy="4462463"/>
-        </p:xfrm>
-        <a:graphic>
-          <a:graphicData uri="http://schemas.openxmlformats.org/drawingml/2006/diagram">
-            <dgm:relIds xmlns:dgm="http://schemas.openxmlformats.org/drawingml/2006/diagram" xmlns:r="http://schemas.openxmlformats.org/officeDocument/2006/relationships" r:dm="rId2" r:lo="rId3" r:qs="rId4" r:cs="rId5"/>
-          </a:graphicData>
-        </a:graphic>
-      </p:graphicFrame>
+        </p:nvSpPr>
+        <p:spPr/>
+        <p:txBody>
+          <a:bodyPr/>
+          <a:lstStyle/>
+          <a:p>
+            <a:r>
+              <a:rPr lang="en-US" altLang="zh-CN" i="1" dirty="0"/>
+              <a:t>First ever microprocessor</a:t>
+            </a:r>
+          </a:p>
+          <a:p>
+            <a:pPr marL="0" indent="0">
+              <a:buNone/>
+            </a:pPr>
+            <a:r>
+              <a:rPr lang="en-US" altLang="zh-CN" dirty="0"/>
+              <a:t>→ </a:t>
+            </a:r>
+            <a:r>
+              <a:rPr lang="en-US" altLang="zh-CN" i="1" dirty="0"/>
+              <a:t>every single PC </a:t>
+            </a:r>
+            <a:r>
+              <a:rPr lang="en-US" altLang="zh-CN" dirty="0"/>
+              <a:t>has one of those</a:t>
+            </a:r>
+          </a:p>
+        </p:txBody>
+      </p:sp>
     </p:spTree>
     <p:extLst>
       <p:ext uri="{BB962C8B-B14F-4D97-AF65-F5344CB8AC3E}">
-        <p14:creationId xmlns:p14="http://schemas.microsoft.com/office/powerpoint/2010/main" val="1193832535"/>
+        <p14:creationId xmlns:p14="http://schemas.microsoft.com/office/powerpoint/2010/main" val="416777980"/>
       </p:ext>
     </p:extLst>
   </p:cSld>
   <p:clrMapOvr>
     <a:masterClrMapping/>
   </p:clrMapOvr>
-  <mc:AlternateContent xmlns:mc="http://schemas.openxmlformats.org/markup-compatibility/2006">
-    <mc:Choice xmlns:p14="http://schemas.microsoft.com/office/powerpoint/2010/main" Requires="p14">
+  <mc:AlternateContent xmlns:mc="http://schemas.openxmlformats.org/markup-compatibility/2006" xmlns:p14="http://schemas.microsoft.com/office/powerpoint/2010/main">
+    <mc:Choice Requires="p14">
       <p:transition spd="med" p14:dur="700">
         <p:fade/>
       </p:transition>
     </mc:Choice>
-    <mc:Fallback>
+    <mc:Fallback xmlns="">
       <p:transition spd="med">
         <p:fade/>
       </p:transition>
@@ -8403,10 +4578,10 @@
           <a:lstStyle/>
           <a:p>
             <a:r>
-              <a:rPr lang="en-US" altLang="zh-CN"/>
-              <a:t>x64 – THE CHANGE</a:t>
+              <a:rPr lang="en-US" altLang="zh-CN" dirty="0"/>
+              <a:t>x86 – THE BEGINNING</a:t>
             </a:r>
-            <a:endParaRPr lang="zh-CN" altLang="en-US"/>
+            <a:endParaRPr lang="zh-CN" altLang="en-US" dirty="0"/>
           </a:p>
         </p:txBody>
       </p:sp>
@@ -8437,6 +4612,488 @@
               <a:buNone/>
             </a:pPr>
             <a:r>
+              <a:rPr lang="en-US" altLang="zh-CN" sz="18000" dirty="0"/>
+              <a:t>1978</a:t>
+            </a:r>
+            <a:endParaRPr lang="zh-CN" altLang="en-US" sz="18000" dirty="0"/>
+          </a:p>
+        </p:txBody>
+      </p:sp>
+    </p:spTree>
+    <p:extLst>
+      <p:ext uri="{BB962C8B-B14F-4D97-AF65-F5344CB8AC3E}">
+        <p14:creationId xmlns:p14="http://schemas.microsoft.com/office/powerpoint/2010/main" val="149552096"/>
+      </p:ext>
+    </p:extLst>
+  </p:cSld>
+  <p:clrMapOvr>
+    <a:masterClrMapping/>
+  </p:clrMapOvr>
+  <mc:AlternateContent xmlns:mc="http://schemas.openxmlformats.org/markup-compatibility/2006" xmlns:p14="http://schemas.microsoft.com/office/powerpoint/2010/main">
+    <mc:Choice Requires="p14">
+      <p:transition spd="med" p14:dur="700">
+        <p:fade/>
+      </p:transition>
+    </mc:Choice>
+    <mc:Fallback xmlns="">
+      <p:transition spd="med">
+        <p:fade/>
+      </p:transition>
+    </mc:Fallback>
+  </mc:AlternateContent>
+</p:sld>
+</file>
+
+<file path=ppt/slides/slide4.xml><?xml version="1.0" encoding="utf-8"?>
+<p:sld xmlns:a="http://schemas.openxmlformats.org/drawingml/2006/main" xmlns:r="http://schemas.openxmlformats.org/officeDocument/2006/relationships" xmlns:p="http://schemas.openxmlformats.org/presentationml/2006/main">
+  <p:cSld>
+    <p:spTree>
+      <p:nvGrpSpPr>
+        <p:cNvPr id="1" name=""/>
+        <p:cNvGrpSpPr/>
+        <p:nvPr/>
+      </p:nvGrpSpPr>
+      <p:grpSpPr>
+        <a:xfrm>
+          <a:off x="0" y="0"/>
+          <a:ext cx="0" cy="0"/>
+          <a:chOff x="0" y="0"/>
+          <a:chExt cx="0" cy="0"/>
+        </a:xfrm>
+      </p:grpSpPr>
+    </p:spTree>
+    <p:extLst>
+      <p:ext uri="{BB962C8B-B14F-4D97-AF65-F5344CB8AC3E}">
+        <p14:creationId xmlns:p14="http://schemas.microsoft.com/office/powerpoint/2010/main" val="1899921364"/>
+      </p:ext>
+    </p:extLst>
+  </p:cSld>
+  <p:clrMapOvr>
+    <a:masterClrMapping/>
+  </p:clrMapOvr>
+  <mc:AlternateContent xmlns:mc="http://schemas.openxmlformats.org/markup-compatibility/2006" xmlns:p14="http://schemas.microsoft.com/office/powerpoint/2010/main">
+    <mc:Choice Requires="p14">
+      <p:transition spd="med" p14:dur="700" advTm="0">
+        <p:fade/>
+      </p:transition>
+    </mc:Choice>
+    <mc:Fallback xmlns="">
+      <p:transition spd="med" advTm="0">
+        <p:fade/>
+      </p:transition>
+    </mc:Fallback>
+  </mc:AlternateContent>
+</p:sld>
+</file>
+
+<file path=ppt/slides/slide5.xml><?xml version="1.0" encoding="utf-8"?>
+<p:sld xmlns:a="http://schemas.openxmlformats.org/drawingml/2006/main" xmlns:r="http://schemas.openxmlformats.org/officeDocument/2006/relationships" xmlns:p="http://schemas.openxmlformats.org/presentationml/2006/main">
+  <p:cSld>
+    <p:spTree>
+      <p:nvGrpSpPr>
+        <p:cNvPr id="1" name=""/>
+        <p:cNvGrpSpPr/>
+        <p:nvPr/>
+      </p:nvGrpSpPr>
+      <p:grpSpPr>
+        <a:xfrm>
+          <a:off x="0" y="0"/>
+          <a:ext cx="0" cy="0"/>
+          <a:chOff x="0" y="0"/>
+          <a:chExt cx="0" cy="0"/>
+        </a:xfrm>
+      </p:grpSpPr>
+      <p:sp>
+        <p:nvSpPr>
+          <p:cNvPr id="2" name="标题 1">
+            <a:extLst>
+              <a:ext uri="{FF2B5EF4-FFF2-40B4-BE49-F238E27FC236}">
+                <a16:creationId xmlns:a16="http://schemas.microsoft.com/office/drawing/2014/main" id="{796463EA-57C8-4A9E-8497-B342F1867E32}"/>
+              </a:ext>
+            </a:extLst>
+          </p:cNvPr>
+          <p:cNvSpPr>
+            <a:spLocks noGrp="1"/>
+          </p:cNvSpPr>
+          <p:nvPr>
+            <p:ph type="title"/>
+          </p:nvPr>
+        </p:nvSpPr>
+        <p:spPr/>
+        <p:txBody>
+          <a:bodyPr>
+            <a:normAutofit/>
+          </a:bodyPr>
+          <a:lstStyle/>
+          <a:p>
+            <a:r>
+              <a:rPr lang="en-US" altLang="zh-CN" dirty="0"/>
+              <a:t>1978 – INTEL 8086</a:t>
+            </a:r>
+            <a:endParaRPr lang="zh-CN" altLang="en-US" dirty="0"/>
+          </a:p>
+        </p:txBody>
+      </p:sp>
+      <p:sp>
+        <p:nvSpPr>
+          <p:cNvPr id="3" name="内容占位符 2">
+            <a:extLst>
+              <a:ext uri="{FF2B5EF4-FFF2-40B4-BE49-F238E27FC236}">
+                <a16:creationId xmlns:a16="http://schemas.microsoft.com/office/drawing/2014/main" id="{1E4D2C9B-3738-4869-BD9D-0A48F7E73D2B}"/>
+              </a:ext>
+            </a:extLst>
+          </p:cNvPr>
+          <p:cNvSpPr>
+            <a:spLocks noGrp="1"/>
+          </p:cNvSpPr>
+          <p:nvPr>
+            <p:ph idx="1"/>
+          </p:nvPr>
+        </p:nvSpPr>
+        <p:spPr/>
+        <p:txBody>
+          <a:bodyPr/>
+          <a:lstStyle/>
+          <a:p>
+            <a:r>
+              <a:rPr lang="en-US" altLang="zh-CN" dirty="0"/>
+              <a:t>Introducing the </a:t>
+            </a:r>
+            <a:r>
+              <a:rPr lang="en-US" altLang="zh-CN" u="sng" dirty="0"/>
+              <a:t>x86 framework</a:t>
+            </a:r>
+          </a:p>
+          <a:p>
+            <a:r>
+              <a:rPr lang="en-US" altLang="zh-CN" dirty="0"/>
+              <a:t>IBM started to make PCs a reality</a:t>
+            </a:r>
+          </a:p>
+          <a:p>
+            <a:pPr marL="0" indent="0">
+              <a:buNone/>
+            </a:pPr>
+            <a:r>
+              <a:rPr lang="en-US" altLang="zh-CN" dirty="0"/>
+              <a:t>→ with the enhanced Intel 8088</a:t>
+            </a:r>
+          </a:p>
+          <a:p>
+            <a:r>
+              <a:rPr lang="en-US" altLang="zh-CN" dirty="0"/>
+              <a:t>Still, </a:t>
+            </a:r>
+            <a:r>
+              <a:rPr lang="en-US" altLang="zh-CN" i="1" dirty="0"/>
+              <a:t>every CPU</a:t>
+            </a:r>
+            <a:r>
+              <a:rPr lang="en-US" altLang="zh-CN" dirty="0"/>
+              <a:t> uses this architecture</a:t>
+            </a:r>
+          </a:p>
+        </p:txBody>
+      </p:sp>
+      <p:pic>
+        <p:nvPicPr>
+          <p:cNvPr id="5" name="图片 4">
+            <a:extLst>
+              <a:ext uri="{FF2B5EF4-FFF2-40B4-BE49-F238E27FC236}">
+                <a16:creationId xmlns:a16="http://schemas.microsoft.com/office/drawing/2014/main" id="{2FDB027D-038D-409D-95EF-29267068DDC6}"/>
+              </a:ext>
+            </a:extLst>
+          </p:cNvPr>
+          <p:cNvPicPr>
+            <a:picLocks noChangeAspect="1"/>
+          </p:cNvPicPr>
+          <p:nvPr/>
+        </p:nvPicPr>
+        <p:blipFill>
+          <a:blip r:embed="rId2" cstate="print">
+            <a:extLst>
+              <a:ext uri="{28A0092B-C50C-407E-A947-70E740481C1C}">
+                <a14:useLocalDpi xmlns:a14="http://schemas.microsoft.com/office/drawing/2010/main" val="0"/>
+              </a:ext>
+            </a:extLst>
+          </a:blip>
+          <a:stretch>
+            <a:fillRect/>
+          </a:stretch>
+        </p:blipFill>
+        <p:spPr>
+          <a:xfrm>
+            <a:off x="7542212" y="1905000"/>
+            <a:ext cx="3657600" cy="2438400"/>
+          </a:xfrm>
+          <a:prstGeom prst="rect">
+            <a:avLst/>
+          </a:prstGeom>
+          <a:ln>
+            <a:noFill/>
+          </a:ln>
+          <a:effectLst>
+            <a:softEdge rad="112500"/>
+          </a:effectLst>
+        </p:spPr>
+      </p:pic>
+    </p:spTree>
+    <p:extLst>
+      <p:ext uri="{BB962C8B-B14F-4D97-AF65-F5344CB8AC3E}">
+        <p14:creationId xmlns:p14="http://schemas.microsoft.com/office/powerpoint/2010/main" val="2403829005"/>
+      </p:ext>
+    </p:extLst>
+  </p:cSld>
+  <p:clrMapOvr>
+    <a:masterClrMapping/>
+  </p:clrMapOvr>
+  <mc:AlternateContent xmlns:mc="http://schemas.openxmlformats.org/markup-compatibility/2006" xmlns:p14="http://schemas.microsoft.com/office/powerpoint/2010/main">
+    <mc:Choice Requires="p14">
+      <p:transition spd="med" p14:dur="700">
+        <p:fade/>
+      </p:transition>
+    </mc:Choice>
+    <mc:Fallback xmlns="">
+      <p:transition spd="med">
+        <p:fade/>
+      </p:transition>
+    </mc:Fallback>
+  </mc:AlternateContent>
+</p:sld>
+</file>
+
+<file path=ppt/slides/slide6.xml><?xml version="1.0" encoding="utf-8"?>
+<p:sld xmlns:a="http://schemas.openxmlformats.org/drawingml/2006/main" xmlns:r="http://schemas.openxmlformats.org/officeDocument/2006/relationships" xmlns:p="http://schemas.openxmlformats.org/presentationml/2006/main">
+  <p:cSld>
+    <p:spTree>
+      <p:nvGrpSpPr>
+        <p:cNvPr id="1" name=""/>
+        <p:cNvGrpSpPr/>
+        <p:nvPr/>
+      </p:nvGrpSpPr>
+      <p:grpSpPr>
+        <a:xfrm>
+          <a:off x="0" y="0"/>
+          <a:ext cx="0" cy="0"/>
+          <a:chOff x="0" y="0"/>
+          <a:chExt cx="0" cy="0"/>
+        </a:xfrm>
+      </p:grpSpPr>
+      <p:sp>
+        <p:nvSpPr>
+          <p:cNvPr id="2" name="标题 1">
+            <a:extLst>
+              <a:ext uri="{FF2B5EF4-FFF2-40B4-BE49-F238E27FC236}">
+                <a16:creationId xmlns:a16="http://schemas.microsoft.com/office/drawing/2014/main" id="{796463EA-57C8-4A9E-8497-B342F1867E32}"/>
+              </a:ext>
+            </a:extLst>
+          </p:cNvPr>
+          <p:cNvSpPr>
+            <a:spLocks noGrp="1"/>
+          </p:cNvSpPr>
+          <p:nvPr>
+            <p:ph type="title"/>
+          </p:nvPr>
+        </p:nvSpPr>
+        <p:spPr/>
+        <p:txBody>
+          <a:bodyPr>
+            <a:normAutofit/>
+          </a:bodyPr>
+          <a:lstStyle/>
+          <a:p>
+            <a:r>
+              <a:rPr lang="en-US" altLang="zh-CN" dirty="0"/>
+              <a:t>8086: 1978-2018</a:t>
+            </a:r>
+            <a:endParaRPr lang="zh-CN" altLang="en-US" dirty="0"/>
+          </a:p>
+        </p:txBody>
+      </p:sp>
+      <p:sp>
+        <p:nvSpPr>
+          <p:cNvPr id="3" name="内容占位符 2">
+            <a:extLst>
+              <a:ext uri="{FF2B5EF4-FFF2-40B4-BE49-F238E27FC236}">
+                <a16:creationId xmlns:a16="http://schemas.microsoft.com/office/drawing/2014/main" id="{1E4D2C9B-3738-4869-BD9D-0A48F7E73D2B}"/>
+              </a:ext>
+            </a:extLst>
+          </p:cNvPr>
+          <p:cNvSpPr>
+            <a:spLocks noGrp="1"/>
+          </p:cNvSpPr>
+          <p:nvPr>
+            <p:ph idx="1"/>
+          </p:nvPr>
+        </p:nvSpPr>
+        <p:spPr/>
+        <p:txBody>
+          <a:bodyPr/>
+          <a:lstStyle/>
+          <a:p>
+            <a:pPr marL="0" indent="0">
+              <a:buNone/>
+            </a:pPr>
+            <a:r>
+              <a:rPr lang="en-US" altLang="zh-CN" dirty="0"/>
+              <a:t>BONUS: To honor the original 8086, Intel released a 40</a:t>
+            </a:r>
+            <a:r>
+              <a:rPr lang="en-US" altLang="zh-CN" baseline="30000" dirty="0"/>
+              <a:t>th</a:t>
+            </a:r>
+          </a:p>
+          <a:p>
+            <a:pPr marL="0" indent="0">
+              <a:buNone/>
+            </a:pPr>
+            <a:r>
+              <a:rPr lang="en-US" altLang="zh-CN" baseline="30000" dirty="0"/>
+              <a:t>	</a:t>
+            </a:r>
+            <a:r>
+              <a:rPr lang="en-US" altLang="zh-CN" dirty="0"/>
+              <a:t>anniversary version of the CPU, the Core i7-8086K.</a:t>
+            </a:r>
+          </a:p>
+        </p:txBody>
+      </p:sp>
+      <p:pic>
+        <p:nvPicPr>
+          <p:cNvPr id="6" name="图片 5">
+            <a:extLst>
+              <a:ext uri="{FF2B5EF4-FFF2-40B4-BE49-F238E27FC236}">
+                <a16:creationId xmlns:a16="http://schemas.microsoft.com/office/drawing/2014/main" id="{851AAFC6-9467-4E6D-9000-6234BE33769A}"/>
+              </a:ext>
+            </a:extLst>
+          </p:cNvPr>
+          <p:cNvPicPr>
+            <a:picLocks noChangeAspect="1"/>
+          </p:cNvPicPr>
+          <p:nvPr/>
+        </p:nvPicPr>
+        <p:blipFill>
+          <a:blip r:embed="rId2">
+            <a:extLst>
+              <a:ext uri="{28A0092B-C50C-407E-A947-70E740481C1C}">
+                <a14:useLocalDpi xmlns:a14="http://schemas.microsoft.com/office/drawing/2010/main" val="0"/>
+              </a:ext>
+            </a:extLst>
+          </a:blip>
+          <a:stretch>
+            <a:fillRect/>
+          </a:stretch>
+        </p:blipFill>
+        <p:spPr>
+          <a:xfrm>
+            <a:off x="4606131" y="3276600"/>
+            <a:ext cx="2976562" cy="2976562"/>
+          </a:xfrm>
+          <a:prstGeom prst="rect">
+            <a:avLst/>
+          </a:prstGeom>
+        </p:spPr>
+      </p:pic>
+    </p:spTree>
+    <p:extLst>
+      <p:ext uri="{BB962C8B-B14F-4D97-AF65-F5344CB8AC3E}">
+        <p14:creationId xmlns:p14="http://schemas.microsoft.com/office/powerpoint/2010/main" val="1108273448"/>
+      </p:ext>
+    </p:extLst>
+  </p:cSld>
+  <p:clrMapOvr>
+    <a:masterClrMapping/>
+  </p:clrMapOvr>
+  <mc:AlternateContent xmlns:mc="http://schemas.openxmlformats.org/markup-compatibility/2006" xmlns:p14="http://schemas.microsoft.com/office/powerpoint/2010/main">
+    <mc:Choice Requires="p14">
+      <p:transition spd="med" p14:dur="700">
+        <p:fade/>
+      </p:transition>
+    </mc:Choice>
+    <mc:Fallback xmlns="">
+      <p:transition spd="med">
+        <p:fade/>
+      </p:transition>
+    </mc:Fallback>
+  </mc:AlternateContent>
+</p:sld>
+</file>
+
+<file path=ppt/slides/slide7.xml><?xml version="1.0" encoding="utf-8"?>
+<p:sld xmlns:a="http://schemas.openxmlformats.org/drawingml/2006/main" xmlns:r="http://schemas.openxmlformats.org/officeDocument/2006/relationships" xmlns:p="http://schemas.openxmlformats.org/presentationml/2006/main">
+  <p:cSld>
+    <p:spTree>
+      <p:nvGrpSpPr>
+        <p:cNvPr id="1" name=""/>
+        <p:cNvGrpSpPr/>
+        <p:nvPr/>
+      </p:nvGrpSpPr>
+      <p:grpSpPr>
+        <a:xfrm>
+          <a:off x="0" y="0"/>
+          <a:ext cx="0" cy="0"/>
+          <a:chOff x="0" y="0"/>
+          <a:chExt cx="0" cy="0"/>
+        </a:xfrm>
+      </p:grpSpPr>
+      <p:sp>
+        <p:nvSpPr>
+          <p:cNvPr id="2" name="标题 1">
+            <a:extLst>
+              <a:ext uri="{FF2B5EF4-FFF2-40B4-BE49-F238E27FC236}">
+                <a16:creationId xmlns:a16="http://schemas.microsoft.com/office/drawing/2014/main" id="{BD1402E4-FB08-49E7-A601-4BC66BA98EB4}"/>
+              </a:ext>
+            </a:extLst>
+          </p:cNvPr>
+          <p:cNvSpPr>
+            <a:spLocks noGrp="1"/>
+          </p:cNvSpPr>
+          <p:nvPr>
+            <p:ph type="title"/>
+          </p:nvPr>
+        </p:nvSpPr>
+        <p:spPr/>
+        <p:txBody>
+          <a:bodyPr>
+            <a:normAutofit/>
+          </a:bodyPr>
+          <a:lstStyle/>
+          <a:p>
+            <a:r>
+              <a:rPr lang="en-US" altLang="zh-CN" dirty="0"/>
+              <a:t>x64 – THE BIG CHANGE </a:t>
+            </a:r>
+            <a:endParaRPr lang="zh-CN" altLang="en-US" dirty="0"/>
+          </a:p>
+        </p:txBody>
+      </p:sp>
+      <p:sp>
+        <p:nvSpPr>
+          <p:cNvPr id="3" name="内容占位符 2">
+            <a:extLst>
+              <a:ext uri="{FF2B5EF4-FFF2-40B4-BE49-F238E27FC236}">
+                <a16:creationId xmlns:a16="http://schemas.microsoft.com/office/drawing/2014/main" id="{44FF31D4-A770-4611-9A75-3BDB9537B570}"/>
+              </a:ext>
+            </a:extLst>
+          </p:cNvPr>
+          <p:cNvSpPr>
+            <a:spLocks noGrp="1"/>
+          </p:cNvSpPr>
+          <p:nvPr>
+            <p:ph idx="1"/>
+          </p:nvPr>
+        </p:nvSpPr>
+        <p:spPr/>
+        <p:txBody>
+          <a:bodyPr anchor="ctr">
+            <a:normAutofit/>
+          </a:bodyPr>
+          <a:lstStyle/>
+          <a:p>
+            <a:pPr marL="0" indent="0" algn="ctr">
+              <a:buNone/>
+            </a:pPr>
+            <a:r>
               <a:rPr lang="en-US" altLang="zh-CN" sz="18000"/>
               <a:t>2003</a:t>
             </a:r>
@@ -8444,8 +5101,8 @@
           </a:p>
         </p:txBody>
       </p:sp>
-      <mc:AlternateContent xmlns:mc="http://schemas.openxmlformats.org/markup-compatibility/2006">
-        <mc:Choice xmlns:psez="http://schemas.microsoft.com/office/powerpoint/2016/sectionzoom" Requires="psez">
+      <mc:AlternateContent xmlns:mc="http://schemas.openxmlformats.org/markup-compatibility/2006" xmlns:psez="http://schemas.microsoft.com/office/powerpoint/2016/sectionzoom">
+        <mc:Choice Requires="psez">
           <p:graphicFrame>
             <p:nvGraphicFramePr>
               <p:cNvPr id="5" name="节缩放定位 4">
@@ -8500,7 +5157,7 @@
             </a:graphic>
           </p:graphicFrame>
         </mc:Choice>
-        <mc:Fallback>
+        <mc:Fallback xmlns="">
           <p:pic>
             <p:nvPicPr>
               <p:cNvPr id="5" name="节缩放定位 4">
@@ -8517,7 +5174,7 @@
               <p:nvPr/>
             </p:nvPicPr>
             <p:blipFill>
-              <a:blip r:embed="rId2"/>
+              <a:blip r:embed="rId4"/>
               <a:stretch>
                 <a:fillRect/>
               </a:stretch>
@@ -8547,13 +5204,13 @@
   <p:clrMapOvr>
     <a:masterClrMapping/>
   </p:clrMapOvr>
-  <mc:AlternateContent xmlns:mc="http://schemas.openxmlformats.org/markup-compatibility/2006">
-    <mc:Choice xmlns:p14="http://schemas.microsoft.com/office/powerpoint/2010/main" Requires="p14">
+  <mc:AlternateContent xmlns:mc="http://schemas.openxmlformats.org/markup-compatibility/2006" xmlns:p14="http://schemas.microsoft.com/office/powerpoint/2010/main">
+    <mc:Choice Requires="p14">
       <p:transition spd="med" p14:dur="700">
         <p:fade/>
       </p:transition>
     </mc:Choice>
-    <mc:Fallback>
+    <mc:Fallback xmlns="">
       <p:transition spd="med">
         <p:fade/>
       </p:transition>
@@ -8562,7 +5219,7 @@
 </p:sld>
 </file>
 
-<file path=ppt/slides/slide4.xml><?xml version="1.0" encoding="utf-8"?>
+<file path=ppt/slides/slide8.xml><?xml version="1.0" encoding="utf-8"?>
 <p:sld xmlns:a="http://schemas.openxmlformats.org/drawingml/2006/main" xmlns:r="http://schemas.openxmlformats.org/officeDocument/2006/relationships" xmlns:p="http://schemas.openxmlformats.org/presentationml/2006/main">
   <p:cSld>
     <p:spTree>
@@ -8589,13 +5246,13 @@
   <p:clrMapOvr>
     <a:masterClrMapping/>
   </p:clrMapOvr>
-  <mc:AlternateContent xmlns:mc="http://schemas.openxmlformats.org/markup-compatibility/2006">
-    <mc:Choice xmlns:p14="http://schemas.microsoft.com/office/powerpoint/2010/main" Requires="p14">
+  <mc:AlternateContent xmlns:mc="http://schemas.openxmlformats.org/markup-compatibility/2006" xmlns:p14="http://schemas.microsoft.com/office/powerpoint/2010/main">
+    <mc:Choice Requires="p14">
       <p:transition spd="med" p14:dur="700" advTm="0">
         <p:fade/>
       </p:transition>
     </mc:Choice>
-    <mc:Fallback>
+    <mc:Fallback xmlns="">
       <p:transition spd="med" advTm="0">
         <p:fade/>
       </p:transition>
@@ -8604,7 +5261,7 @@
 </p:sld>
 </file>
 
-<file path=ppt/slides/slide5.xml><?xml version="1.0" encoding="utf-8"?>
+<file path=ppt/slides/slide9.xml><?xml version="1.0" encoding="utf-8"?>
 <p:sld xmlns:a="http://schemas.openxmlformats.org/drawingml/2006/main" xmlns:r="http://schemas.openxmlformats.org/officeDocument/2006/relationships" xmlns:p="http://schemas.openxmlformats.org/presentationml/2006/main">
   <p:cSld>
     <p:spTree>
@@ -8674,25 +5331,120 @@
           <a:lstStyle/>
           <a:p>
             <a:r>
-              <a:rPr lang="en-US" altLang="zh-CN"/>
-              <a:t>Introducing x64 framework</a:t>
+              <a:rPr lang="en-US" altLang="zh-CN" dirty="0"/>
+              <a:t>Introducing the </a:t>
             </a:r>
-          </a:p>
-          <a:p>
             <a:r>
-              <a:rPr lang="en-US" altLang="zh-CN"/>
+              <a:rPr lang="en-US" altLang="zh-CN" u="sng" dirty="0"/>
+              <a:t>x64 framework</a:t>
+            </a:r>
+          </a:p>
+          <a:p>
+            <a:pPr marL="0" indent="0">
+              <a:buNone/>
+            </a:pPr>
+            <a:r>
+              <a:rPr lang="en-US" altLang="zh-CN" dirty="0"/>
+              <a:t>→ what </a:t>
+            </a:r>
+            <a:r>
+              <a:rPr lang="en-US" altLang="zh-CN" i="1" dirty="0"/>
+              <a:t>modern</a:t>
+            </a:r>
+            <a:r>
+              <a:rPr lang="en-US" altLang="zh-CN" dirty="0"/>
+              <a:t> computers are based on</a:t>
+            </a:r>
+          </a:p>
+          <a:p>
+            <a:r>
+              <a:rPr lang="en-US" altLang="zh-CN" dirty="0"/>
               <a:t>Originally based on the K8 architecture</a:t>
             </a:r>
           </a:p>
           <a:p>
             <a:r>
-              <a:rPr lang="en-US" altLang="zh-CN"/>
-              <a:t>(yes, it’s still updated regularly to this day)</a:t>
+              <a:rPr lang="en-US" altLang="zh-CN" dirty="0"/>
+              <a:t>(And yes, it’s </a:t>
             </a:r>
-            <a:endParaRPr lang="zh-CN" altLang="en-US"/>
+            <a:r>
+              <a:rPr lang="en-US" altLang="zh-CN" i="1" dirty="0"/>
+              <a:t>still</a:t>
+            </a:r>
+            <a:r>
+              <a:rPr lang="en-US" altLang="zh-CN" dirty="0"/>
+              <a:t> updated regularly </a:t>
+            </a:r>
+            <a:r>
+              <a:rPr lang="en-US" altLang="zh-CN" i="1" dirty="0"/>
+              <a:t>to this day</a:t>
+            </a:r>
+            <a:r>
+              <a:rPr lang="en-US" altLang="zh-CN" dirty="0"/>
+              <a:t>)</a:t>
+            </a:r>
+            <a:endParaRPr lang="zh-CN" altLang="en-US" dirty="0"/>
           </a:p>
         </p:txBody>
       </p:sp>
+      <p:pic>
+        <p:nvPicPr>
+          <p:cNvPr id="5" name="图片 4">
+            <a:extLst>
+              <a:ext uri="{FF2B5EF4-FFF2-40B4-BE49-F238E27FC236}">
+                <a16:creationId xmlns:a16="http://schemas.microsoft.com/office/drawing/2014/main" id="{84220753-3EE9-4D22-8588-9D1869F484D7}"/>
+              </a:ext>
+            </a:extLst>
+          </p:cNvPr>
+          <p:cNvPicPr>
+            <a:picLocks noChangeAspect="1"/>
+          </p:cNvPicPr>
+          <p:nvPr/>
+        </p:nvPicPr>
+        <p:blipFill>
+          <a:blip r:embed="rId2">
+            <a:extLst>
+              <a:ext uri="{BEBA8EAE-BF5A-486C-A8C5-ECC9F3942E4B}">
+                <a14:imgProps xmlns:a14="http://schemas.microsoft.com/office/drawing/2010/main">
+                  <a14:imgLayer r:embed="rId3">
+                    <a14:imgEffect>
+                      <a14:backgroundRemoval t="0" b="100000" l="0" r="100000">
+                        <a14:foregroundMark x1="6333" y1="9000" x2="61333" y2="31667"/>
+                        <a14:foregroundMark x1="31000" y1="26333" x2="42333" y2="29000"/>
+                        <a14:foregroundMark x1="15333" y1="14333" x2="71667" y2="5667"/>
+                        <a14:foregroundMark x1="7667" y1="11333" x2="13667" y2="80000"/>
+                        <a14:foregroundMark x1="52333" y1="20333" x2="55000" y2="36000"/>
+                        <a14:foregroundMark x1="32000" y1="53667" x2="40333" y2="69667"/>
+                        <a14:foregroundMark x1="78000" y1="37000" x2="61000" y2="82333"/>
+                        <a14:foregroundMark x1="73000" y1="29000" x2="68667" y2="50667"/>
+                        <a14:foregroundMark x1="76333" y1="57333" x2="63000" y2="76333"/>
+                        <a14:foregroundMark x1="35000" y1="56000" x2="39333" y2="68000"/>
+                        <a14:foregroundMark x1="34667" y1="56000" x2="42000" y2="60333"/>
+                        <a14:foregroundMark x1="39000" y1="60000" x2="48000" y2="65000"/>
+                      </a14:backgroundRemoval>
+                    </a14:imgEffect>
+                  </a14:imgLayer>
+                </a14:imgProps>
+              </a:ext>
+              <a:ext uri="{28A0092B-C50C-407E-A947-70E740481C1C}">
+                <a14:useLocalDpi xmlns:a14="http://schemas.microsoft.com/office/drawing/2010/main" val="0"/>
+              </a:ext>
+            </a:extLst>
+          </a:blip>
+          <a:stretch>
+            <a:fillRect/>
+          </a:stretch>
+        </p:blipFill>
+        <p:spPr>
+          <a:xfrm>
+            <a:off x="8931592" y="2133600"/>
+            <a:ext cx="2038350" cy="2038350"/>
+          </a:xfrm>
+          <a:prstGeom prst="rect">
+            <a:avLst/>
+          </a:prstGeom>
+        </p:spPr>
+      </p:pic>
     </p:spTree>
     <p:extLst>
       <p:ext uri="{BB962C8B-B14F-4D97-AF65-F5344CB8AC3E}">
@@ -8703,13 +5455,13 @@
   <p:clrMapOvr>
     <a:masterClrMapping/>
   </p:clrMapOvr>
-  <mc:AlternateContent xmlns:mc="http://schemas.openxmlformats.org/markup-compatibility/2006">
-    <mc:Choice xmlns:p14="http://schemas.microsoft.com/office/powerpoint/2010/main" Requires="p14">
+  <mc:AlternateContent xmlns:mc="http://schemas.openxmlformats.org/markup-compatibility/2006" xmlns:p14="http://schemas.microsoft.com/office/powerpoint/2010/main">
+    <mc:Choice Requires="p14">
       <p:transition spd="med" p14:dur="700">
         <p:fade/>
       </p:transition>
     </mc:Choice>
-    <mc:Fallback>
+    <mc:Fallback xmlns="">
       <p:transition spd="med">
         <p:fade/>
       </p:transition>
@@ -9609,6 +6361,1055 @@
 </file>
 
 <file path=customXml/item1.xml><?xml version="1.0" encoding="utf-8"?>
+<ct:contentTypeSchema xmlns:ct="http://schemas.microsoft.com/office/2006/metadata/contentType" xmlns:ma="http://schemas.microsoft.com/office/2006/metadata/properties/metaAttributes" ct:_="" ma:_="" ma:contentTypeName="TemplateFile" ma:contentTypeID="0x0101006EDDDB5EE6D98C44930B742096920B300400F5B6D36B3EF94B4E9A635CDF2A18F5B8" ma:contentTypeVersion="72" ma:contentTypeDescription="Create a new document." ma:contentTypeScope="" ma:versionID="a23e56308344d904b51738559c3d67c9">
+  <xsd:schema xmlns:xsd="http://www.w3.org/2001/XMLSchema" xmlns:xs="http://www.w3.org/2001/XMLSchema" xmlns:p="http://schemas.microsoft.com/office/2006/metadata/properties" xmlns:ns2="4873beb7-5857-4685-be1f-d57550cc96cc" targetNamespace="http://schemas.microsoft.com/office/2006/metadata/properties" ma:root="true" ma:fieldsID="cd0908cc4600e77bf5da051303e00c8d" ns2:_="">
+    <xsd:import namespace="4873beb7-5857-4685-be1f-d57550cc96cc"/>
+    <xsd:element name="properties">
+      <xsd:complexType>
+        <xsd:sequence>
+          <xsd:element name="documentManagement">
+            <xsd:complexType>
+              <xsd:all>
+                <xsd:element ref="ns2:AcquiredFrom" minOccurs="0"/>
+                <xsd:element ref="ns2:UACurrentWords" minOccurs="0"/>
+                <xsd:element ref="ns2:TPApplication" minOccurs="0"/>
+                <xsd:element ref="ns2:ApprovalLog" minOccurs="0"/>
+                <xsd:element ref="ns2:ApprovalStatus" minOccurs="0"/>
+                <xsd:element ref="ns2:AssetStart" minOccurs="0"/>
+                <xsd:element ref="ns2:AssetExpire" minOccurs="0"/>
+                <xsd:element ref="ns2:AssetId" minOccurs="0"/>
+                <xsd:element ref="ns2:IsSearchable" minOccurs="0"/>
+                <xsd:element ref="ns2:AssetType" minOccurs="0"/>
+                <xsd:element ref="ns2:APAuthor" minOccurs="0"/>
+                <xsd:element ref="ns2:AverageRating" minOccurs="0"/>
+                <xsd:element ref="ns2:BlockPublish" minOccurs="0"/>
+                <xsd:element ref="ns2:BugNumber" minOccurs="0"/>
+                <xsd:element ref="ns2:CampaignTagsTaxHTField0" minOccurs="0"/>
+                <xsd:element ref="ns2:TPClientViewer" minOccurs="0"/>
+                <xsd:element ref="ns2:ClipArtFilename" minOccurs="0"/>
+                <xsd:element ref="ns2:TPCommandLine" minOccurs="0"/>
+                <xsd:element ref="ns2:TPComponent" minOccurs="0"/>
+                <xsd:element ref="ns2:ContentItem" minOccurs="0"/>
+                <xsd:element ref="ns2:CrawlForDependencies" minOccurs="0"/>
+                <xsd:element ref="ns2:CSXHash" minOccurs="0"/>
+                <xsd:element ref="ns2:CSXSubmissionMarket" minOccurs="0"/>
+                <xsd:element ref="ns2:CSXUpdate" minOccurs="0"/>
+                <xsd:element ref="ns2:IntlLangReviewDate" minOccurs="0"/>
+                <xsd:element ref="ns2:IsDeleted" minOccurs="0"/>
+                <xsd:element ref="ns2:APDescription" minOccurs="0"/>
+                <xsd:element ref="ns2:DirectSourceMarket" minOccurs="0"/>
+                <xsd:element ref="ns2:Downloads" minOccurs="0"/>
+                <xsd:element ref="ns2:DSATActionTaken" minOccurs="0"/>
+                <xsd:element ref="ns2:APEditor" minOccurs="0"/>
+                <xsd:element ref="ns2:EditorialStatus" minOccurs="0"/>
+                <xsd:element ref="ns2:EditorialTags" minOccurs="0"/>
+                <xsd:element ref="ns2:TPExecutable" minOccurs="0"/>
+                <xsd:element ref="ns2:FeatureTagsTaxHTField0" minOccurs="0"/>
+                <xsd:element ref="ns2:TPFriendlyName" minOccurs="0"/>
+                <xsd:element ref="ns2:FriendlyTitle" minOccurs="0"/>
+                <xsd:element ref="ns2:PrimaryImageGen" minOccurs="0"/>
+                <xsd:element ref="ns2:HandoffToMSDN" minOccurs="0"/>
+                <xsd:element ref="ns2:InProjectListLookup" minOccurs="0"/>
+                <xsd:element ref="ns2:TPInstallLocation" minOccurs="0"/>
+                <xsd:element ref="ns2:InternalTagsTaxHTField0" minOccurs="0"/>
+                <xsd:element ref="ns2:IntlLangReview" minOccurs="0"/>
+                <xsd:element ref="ns2:IntlLangReviewer" minOccurs="0"/>
+                <xsd:element ref="ns2:MarketSpecific" minOccurs="0"/>
+                <xsd:element ref="ns2:LastCompleteVersionLookup" minOccurs="0"/>
+                <xsd:element ref="ns2:LastHandOff" minOccurs="0"/>
+                <xsd:element ref="ns2:LastModifiedDateTime" minOccurs="0"/>
+                <xsd:element ref="ns2:LastPreviewErrorLookup" minOccurs="0"/>
+                <xsd:element ref="ns2:LastPreviewResultLookup" minOccurs="0"/>
+                <xsd:element ref="ns2:LastPreviewAttemptDateLookup" minOccurs="0"/>
+                <xsd:element ref="ns2:LastPreviewedByLookup" minOccurs="0"/>
+                <xsd:element ref="ns2:LastPreviewTimeLookup" minOccurs="0"/>
+                <xsd:element ref="ns2:LastPreviewVersionLookup" minOccurs="0"/>
+                <xsd:element ref="ns2:LastPublishErrorLookup" minOccurs="0"/>
+                <xsd:element ref="ns2:LastPublishResultLookup" minOccurs="0"/>
+                <xsd:element ref="ns2:LastPublishAttemptDateLookup" minOccurs="0"/>
+                <xsd:element ref="ns2:LastPublishedByLookup" minOccurs="0"/>
+                <xsd:element ref="ns2:LastPublishTimeLookup" minOccurs="0"/>
+                <xsd:element ref="ns2:LastPublishVersionLookup" minOccurs="0"/>
+                <xsd:element ref="ns2:TPLaunchHelpLinkType" minOccurs="0"/>
+                <xsd:element ref="ns2:LegacyData" minOccurs="0"/>
+                <xsd:element ref="ns2:TPLaunchHelpLink" minOccurs="0"/>
+                <xsd:element ref="ns2:LocComments" minOccurs="0"/>
+                <xsd:element ref="ns2:LocLastLocAttemptVersionLookup" minOccurs="0"/>
+                <xsd:element ref="ns2:LocLastLocAttemptVersionTypeLookup" minOccurs="0"/>
+                <xsd:element ref="ns2:LocManualTestRequired" minOccurs="0"/>
+                <xsd:element ref="ns2:LocMarketGroupTiers2" minOccurs="0"/>
+                <xsd:element ref="ns2:LocNewPublishedVersionLookup" minOccurs="0"/>
+                <xsd:element ref="ns2:LocOverallHandbackStatusLookup" minOccurs="0"/>
+                <xsd:element ref="ns2:LocOverallLocStatusLookup" minOccurs="0"/>
+                <xsd:element ref="ns2:LocOverallPreviewStatusLookup" minOccurs="0"/>
+                <xsd:element ref="ns2:LocOverallPublishStatusLookup" minOccurs="0"/>
+                <xsd:element ref="ns2:IntlLocPriority" minOccurs="0"/>
+                <xsd:element ref="ns2:LocProcessedForHandoffsLookup" minOccurs="0"/>
+                <xsd:element ref="ns2:LocProcessedForMarketsLookup" minOccurs="0"/>
+                <xsd:element ref="ns2:LocPublishedDependentAssetsLookup" minOccurs="0"/>
+                <xsd:element ref="ns2:LocPublishedLinkedAssetsLookup" minOccurs="0"/>
+                <xsd:element ref="ns2:LocRecommendedHandoff" minOccurs="0"/>
+                <xsd:element ref="ns2:LocalizationTagsTaxHTField0" minOccurs="0"/>
+                <xsd:element ref="ns2:MachineTranslated" minOccurs="0"/>
+                <xsd:element ref="ns2:Manager" minOccurs="0"/>
+                <xsd:element ref="ns2:Markets" minOccurs="0"/>
+                <xsd:element ref="ns2:Milestone" minOccurs="0"/>
+                <xsd:element ref="ns2:TPNamespace" minOccurs="0"/>
+                <xsd:element ref="ns2:NumericId" minOccurs="0"/>
+                <xsd:element ref="ns2:NumOfRatingsLookup" minOccurs="0"/>
+                <xsd:element ref="ns2:OOCacheId" minOccurs="0"/>
+                <xsd:element ref="ns2:OpenTemplate" minOccurs="0"/>
+                <xsd:element ref="ns2:OriginAsset" minOccurs="0"/>
+                <xsd:element ref="ns2:OriginalRelease" minOccurs="0"/>
+                <xsd:element ref="ns2:OriginalSourceMarket" minOccurs="0"/>
+                <xsd:element ref="ns2:OutputCachingOn" minOccurs="0"/>
+                <xsd:element ref="ns2:ParentAssetId" minOccurs="0"/>
+                <xsd:element ref="ns2:PlannedPubDate" minOccurs="0"/>
+                <xsd:element ref="ns2:PolicheckWords" minOccurs="0"/>
+                <xsd:element ref="ns2:BusinessGroup" minOccurs="0"/>
+                <xsd:element ref="ns2:UAProjectedTotalWords" minOccurs="0"/>
+                <xsd:element ref="ns2:Provider" minOccurs="0"/>
+                <xsd:element ref="ns2:Providers" minOccurs="0"/>
+                <xsd:element ref="ns2:PublishStatusLookup" minOccurs="0"/>
+                <xsd:element ref="ns2:PublishTargets" minOccurs="0"/>
+                <xsd:element ref="ns2:RecommendationsModifier" minOccurs="0"/>
+                <xsd:element ref="ns2:ArtSampleDocs" minOccurs="0"/>
+                <xsd:element ref="ns2:ScenarioTagsTaxHTField0" minOccurs="0"/>
+                <xsd:element ref="ns2:ShowIn" minOccurs="0"/>
+                <xsd:element ref="ns2:SourceTitle" minOccurs="0"/>
+                <xsd:element ref="ns2:CSXSubmissionDate" minOccurs="0"/>
+                <xsd:element ref="ns2:SubmitterId" minOccurs="0"/>
+                <xsd:element ref="ns2:TaxCatchAll" minOccurs="0"/>
+                <xsd:element ref="ns2:TaxCatchAllLabel" minOccurs="0"/>
+                <xsd:element ref="ns2:TemplateStatus" minOccurs="0"/>
+                <xsd:element ref="ns2:TemplateTemplateType" minOccurs="0"/>
+                <xsd:element ref="ns2:ThumbnailAssetId" minOccurs="0"/>
+                <xsd:element ref="ns2:TimesCloned" minOccurs="0"/>
+                <xsd:element ref="ns2:TrustLevel" minOccurs="0"/>
+                <xsd:element ref="ns2:UALocComments" minOccurs="0"/>
+                <xsd:element ref="ns2:UALocRecommendation" minOccurs="0"/>
+                <xsd:element ref="ns2:UANotes" minOccurs="0"/>
+                <xsd:element ref="ns2:TPAppVersion" minOccurs="0"/>
+                <xsd:element ref="ns2:VoteCount" minOccurs="0"/>
+              </xsd:all>
+            </xsd:complexType>
+          </xsd:element>
+        </xsd:sequence>
+      </xsd:complexType>
+    </xsd:element>
+  </xsd:schema>
+  <xsd:schema xmlns:xsd="http://www.w3.org/2001/XMLSchema" xmlns:xs="http://www.w3.org/2001/XMLSchema" xmlns:dms="http://schemas.microsoft.com/office/2006/documentManagement/types" xmlns:pc="http://schemas.microsoft.com/office/infopath/2007/PartnerControls" targetNamespace="4873beb7-5857-4685-be1f-d57550cc96cc" elementFormDefault="qualified">
+    <xsd:import namespace="http://schemas.microsoft.com/office/2006/documentManagement/types"/>
+    <xsd:import namespace="http://schemas.microsoft.com/office/infopath/2007/PartnerControls"/>
+    <xsd:element name="AcquiredFrom" ma:index="1" nillable="true" ma:displayName="Acquired From" ma:default="Internal MS" ma:internalName="AcquiredFrom" ma:readOnly="false">
+      <xsd:simpleType>
+        <xsd:restriction base="dms:Choice">
+          <xsd:enumeration value="Internal MS"/>
+          <xsd:enumeration value="Community"/>
+          <xsd:enumeration value="MVP"/>
+          <xsd:enumeration value="Publisher"/>
+          <xsd:enumeration value="Partner"/>
+          <xsd:enumeration value="None"/>
+        </xsd:restriction>
+      </xsd:simpleType>
+    </xsd:element>
+    <xsd:element name="UACurrentWords" ma:index="2" nillable="true" ma:displayName="Actual Word Count" ma:default="" ma:internalName="UACurrentWords" ma:readOnly="false">
+      <xsd:simpleType>
+        <xsd:restriction base="dms:Unknown"/>
+      </xsd:simpleType>
+    </xsd:element>
+    <xsd:element name="TPApplication" ma:index="3" nillable="true" ma:displayName="Application to Open Template With" ma:default="" ma:internalName="TPApplication">
+      <xsd:simpleType>
+        <xsd:restriction base="dms:Text"/>
+      </xsd:simpleType>
+    </xsd:element>
+    <xsd:element name="ApprovalLog" ma:index="4" nillable="true" ma:displayName="Approval Log" ma:default="" ma:hidden="true" ma:internalName="ApprovalLog" ma:readOnly="false">
+      <xsd:simpleType>
+        <xsd:restriction base="dms:Note"/>
+      </xsd:simpleType>
+    </xsd:element>
+    <xsd:element name="ApprovalStatus" ma:index="5" nillable="true" ma:displayName="Approval Status" ma:default="InProgress" ma:internalName="ApprovalStatus" ma:readOnly="false">
+      <xsd:simpleType>
+        <xsd:restriction base="dms:Choice">
+          <xsd:enumeration value="InProgress"/>
+          <xsd:enumeration value="Rejected"/>
+          <xsd:enumeration value="Questionable"/>
+          <xsd:enumeration value="ApprovedAutomatic"/>
+          <xsd:enumeration value="ApprovedManual"/>
+          <xsd:enumeration value="On Hold"/>
+          <xsd:enumeration value="Needs Review"/>
+          <xsd:enumeration value="A Violation"/>
+          <xsd:enumeration value="Unpublished Violation"/>
+        </xsd:restriction>
+      </xsd:simpleType>
+    </xsd:element>
+    <xsd:element name="AssetStart" ma:index="6" nillable="true" ma:displayName="Asset Begin Date" ma:default="[Today]" ma:internalName="AssetStart" ma:readOnly="false">
+      <xsd:simpleType>
+        <xsd:restriction base="dms:DateTime"/>
+      </xsd:simpleType>
+    </xsd:element>
+    <xsd:element name="AssetExpire" ma:index="7" nillable="true" ma:displayName="Asset End Date" ma:default="2029-01-01T08:00:00Z" ma:format="DateTime" ma:internalName="AssetExpire" ma:readOnly="false">
+      <xsd:simpleType>
+        <xsd:restriction base="dms:DateTime"/>
+      </xsd:simpleType>
+    </xsd:element>
+    <xsd:element name="AssetId" ma:index="8" nillable="true" ma:displayName="Asset ID" ma:default="" ma:indexed="true" ma:internalName="AssetId" ma:readOnly="false">
+      <xsd:simpleType>
+        <xsd:restriction base="dms:Text">
+          <xsd:maxLength value="255"/>
+        </xsd:restriction>
+      </xsd:simpleType>
+    </xsd:element>
+    <xsd:element name="IsSearchable" ma:index="9" nillable="true" ma:displayName="Asset Searchable?" ma:default="true" ma:internalName="IsSearchable" ma:readOnly="false">
+      <xsd:simpleType>
+        <xsd:restriction base="dms:Boolean"/>
+      </xsd:simpleType>
+    </xsd:element>
+    <xsd:element name="AssetType" ma:index="10" nillable="true" ma:displayName="Asset Type" ma:default="" ma:internalName="AssetType" ma:readOnly="false">
+      <xsd:simpleType>
+        <xsd:restriction base="dms:Unknown"/>
+      </xsd:simpleType>
+    </xsd:element>
+    <xsd:element name="APAuthor" ma:index="11" nillable="true" ma:displayName="Author" ma:default="" ma:list="UserInfo" ma:internalName="APAuthor" ma:readOnly="false">
+      <xsd:complexType>
+        <xsd:complexContent>
+          <xsd:extension base="dms:User">
+            <xsd:sequence>
+              <xsd:element name="UserInfo" minOccurs="0" maxOccurs="unbounded">
+                <xsd:complexType>
+                  <xsd:sequence>
+                    <xsd:element name="DisplayName" type="xsd:string" minOccurs="0"/>
+                    <xsd:element name="AccountId" type="dms:UserId" minOccurs="0" nillable="true"/>
+                    <xsd:element name="AccountType" type="xsd:string" minOccurs="0"/>
+                  </xsd:sequence>
+                </xsd:complexType>
+              </xsd:element>
+            </xsd:sequence>
+          </xsd:extension>
+        </xsd:complexContent>
+      </xsd:complexType>
+    </xsd:element>
+    <xsd:element name="AverageRating" ma:index="12" nillable="true" ma:displayName="Average Rating" ma:internalName="AverageRating" ma:readOnly="false">
+      <xsd:simpleType>
+        <xsd:restriction base="dms:Text"/>
+      </xsd:simpleType>
+    </xsd:element>
+    <xsd:element name="BlockPublish" ma:index="13" nillable="true" ma:displayName="Block from Publishing?" ma:default="" ma:internalName="BlockPublish" ma:readOnly="false">
+      <xsd:simpleType>
+        <xsd:restriction base="dms:Boolean"/>
+      </xsd:simpleType>
+    </xsd:element>
+    <xsd:element name="BugNumber" ma:index="14" nillable="true" ma:displayName="Bug Number" ma:default="" ma:internalName="BugNumber" ma:readOnly="false">
+      <xsd:simpleType>
+        <xsd:restriction base="dms:Text"/>
+      </xsd:simpleType>
+    </xsd:element>
+    <xsd:element name="CampaignTagsTaxHTField0" ma:index="16" nillable="true" ma:taxonomy="true" ma:internalName="CampaignTagsTaxHTField0" ma:taxonomyFieldName="CampaignTags" ma:displayName="Campaigns" ma:readOnly="false" ma:default="" ma:fieldId="{1df42cc3-2301-4f11-a52a-6ead923c29ed}" ma:taxonomyMulti="true" ma:sspId="8f79753a-75d3-41f5-8ca3-40b843941b4f" ma:termSetId="ca0e50d4-faa1-44ce-961e-bb1441c60e66" ma:anchorId="00000000-0000-0000-0000-000000000000" ma:open="false" ma:isKeyword="false">
+      <xsd:complexType>
+        <xsd:sequence>
+          <xsd:element ref="pc:Terms" minOccurs="0" maxOccurs="1"/>
+        </xsd:sequence>
+      </xsd:complexType>
+    </xsd:element>
+    <xsd:element name="TPClientViewer" ma:index="17" nillable="true" ma:displayName="Client Viewer" ma:default="" ma:internalName="TPClientViewer">
+      <xsd:simpleType>
+        <xsd:restriction base="dms:Text"/>
+      </xsd:simpleType>
+    </xsd:element>
+    <xsd:element name="ClipArtFilename" ma:index="18" nillable="true" ma:displayName="Clip Art Name" ma:default="" ma:internalName="ClipArtFilename" ma:readOnly="false">
+      <xsd:simpleType>
+        <xsd:restriction base="dms:Text"/>
+      </xsd:simpleType>
+    </xsd:element>
+    <xsd:element name="TPCommandLine" ma:index="19" nillable="true" ma:displayName="Command Line" ma:default="" ma:internalName="TPCommandLine">
+      <xsd:simpleType>
+        <xsd:restriction base="dms:Text"/>
+      </xsd:simpleType>
+    </xsd:element>
+    <xsd:element name="TPComponent" ma:index="20" nillable="true" ma:displayName="Component" ma:default="" ma:internalName="TPComponent">
+      <xsd:simpleType>
+        <xsd:restriction base="dms:Text"/>
+      </xsd:simpleType>
+    </xsd:element>
+    <xsd:element name="ContentItem" ma:index="21" nillable="true" ma:displayName="Content Item" ma:default="" ma:hidden="true" ma:internalName="ContentItem" ma:readOnly="false">
+      <xsd:simpleType>
+        <xsd:restriction base="dms:Unknown"/>
+      </xsd:simpleType>
+    </xsd:element>
+    <xsd:element name="CrawlForDependencies" ma:index="23" nillable="true" ma:displayName="Crawl for Dependencies?" ma:default="true" ma:internalName="CrawlForDependencies" ma:readOnly="false">
+      <xsd:simpleType>
+        <xsd:restriction base="dms:Boolean"/>
+      </xsd:simpleType>
+    </xsd:element>
+    <xsd:element name="CSXHash" ma:index="26" nillable="true" ma:displayName="CSX Hash" ma:default="" ma:indexed="true" ma:internalName="CSXHash" ma:readOnly="false">
+      <xsd:simpleType>
+        <xsd:restriction base="dms:Text"/>
+      </xsd:simpleType>
+    </xsd:element>
+    <xsd:element name="CSXSubmissionMarket" ma:index="27" nillable="true" ma:displayName="CSX Submission Market" ma:default="" ma:list="{2FBD1B11-2ACE-4FDC-B5A3-635D4ADF6F1B}" ma:internalName="CSXSubmissionMarket" ma:readOnly="false" ma:showField="MarketName" ma:web="4873beb7-5857-4685-be1f-d57550cc96cc">
+      <xsd:simpleType>
+        <xsd:restriction base="dms:Lookup"/>
+      </xsd:simpleType>
+    </xsd:element>
+    <xsd:element name="CSXUpdate" ma:index="28" nillable="true" ma:displayName="CSX Updated?" ma:default="false" ma:internalName="CSXUpdate" ma:readOnly="false">
+      <xsd:simpleType>
+        <xsd:restriction base="dms:Boolean"/>
+      </xsd:simpleType>
+    </xsd:element>
+    <xsd:element name="IntlLangReviewDate" ma:index="29" nillable="true" ma:displayName="Date to Complete Intl QA" ma:default="" ma:internalName="IntlLangReviewDate" ma:readOnly="false">
+      <xsd:simpleType>
+        <xsd:restriction base="dms:DateTime"/>
+      </xsd:simpleType>
+    </xsd:element>
+    <xsd:element name="IsDeleted" ma:index="30" nillable="true" ma:displayName="Deleted?" ma:default="" ma:internalName="IsDeleted" ma:readOnly="false">
+      <xsd:simpleType>
+        <xsd:restriction base="dms:Boolean"/>
+      </xsd:simpleType>
+    </xsd:element>
+    <xsd:element name="APDescription" ma:index="31" nillable="true" ma:displayName="Description" ma:default="" ma:internalName="APDescription" ma:readOnly="false">
+      <xsd:simpleType>
+        <xsd:restriction base="dms:Note"/>
+      </xsd:simpleType>
+    </xsd:element>
+    <xsd:element name="DirectSourceMarket" ma:index="32" nillable="true" ma:displayName="Direct Source Market Group" ma:default="" ma:internalName="DirectSourceMarket" ma:readOnly="false">
+      <xsd:simpleType>
+        <xsd:restriction base="dms:Text"/>
+      </xsd:simpleType>
+    </xsd:element>
+    <xsd:element name="Downloads" ma:index="33" nillable="true" ma:displayName="Downloads" ma:default="0" ma:hidden="true" ma:internalName="Downloads" ma:readOnly="false">
+      <xsd:simpleType>
+        <xsd:restriction base="dms:Unknown"/>
+      </xsd:simpleType>
+    </xsd:element>
+    <xsd:element name="DSATActionTaken" ma:index="34" nillable="true" ma:displayName="DSAT Action Taken" ma:default="" ma:internalName="DSATActionTaken" ma:readOnly="false">
+      <xsd:simpleType>
+        <xsd:restriction base="dms:Choice">
+          <xsd:enumeration value="Best Bets"/>
+          <xsd:enumeration value="Expire"/>
+          <xsd:enumeration value="Hide"/>
+          <xsd:enumeration value="None"/>
+        </xsd:restriction>
+      </xsd:simpleType>
+    </xsd:element>
+    <xsd:element name="APEditor" ma:index="35" nillable="true" ma:displayName="Editor" ma:default="" ma:list="UserInfo" ma:internalName="APEditor" ma:readOnly="false">
+      <xsd:complexType>
+        <xsd:complexContent>
+          <xsd:extension base="dms:User">
+            <xsd:sequence>
+              <xsd:element name="UserInfo" minOccurs="0" maxOccurs="unbounded">
+                <xsd:complexType>
+                  <xsd:sequence>
+                    <xsd:element name="DisplayName" type="xsd:string" minOccurs="0"/>
+                    <xsd:element name="AccountId" type="dms:UserId" minOccurs="0" nillable="true"/>
+                    <xsd:element name="AccountType" type="xsd:string" minOccurs="0"/>
+                  </xsd:sequence>
+                </xsd:complexType>
+              </xsd:element>
+            </xsd:sequence>
+          </xsd:extension>
+        </xsd:complexContent>
+      </xsd:complexType>
+    </xsd:element>
+    <xsd:element name="EditorialStatus" ma:index="36" nillable="true" ma:displayName="Editorial Status" ma:default="" ma:internalName="EditorialStatus" ma:readOnly="false">
+      <xsd:simpleType>
+        <xsd:restriction base="dms:Unknown"/>
+      </xsd:simpleType>
+    </xsd:element>
+    <xsd:element name="EditorialTags" ma:index="37" nillable="true" ma:displayName="Editorial Tags" ma:default="" ma:internalName="EditorialTags">
+      <xsd:simpleType>
+        <xsd:restriction base="dms:Unknown"/>
+      </xsd:simpleType>
+    </xsd:element>
+    <xsd:element name="TPExecutable" ma:index="38" nillable="true" ma:displayName="Executable" ma:default="" ma:internalName="TPExecutable">
+      <xsd:simpleType>
+        <xsd:restriction base="dms:Text"/>
+      </xsd:simpleType>
+    </xsd:element>
+    <xsd:element name="FeatureTagsTaxHTField0" ma:index="40" nillable="true" ma:taxonomy="true" ma:internalName="FeatureTagsTaxHTField0" ma:taxonomyFieldName="FeatureTags" ma:displayName="Features" ma:readOnly="false" ma:default="" ma:fieldId="{7fc0d542-15c6-4882-a8e3-13bca44403fb}" ma:taxonomyMulti="true" ma:sspId="8f79753a-75d3-41f5-8ca3-40b843941b4f" ma:termSetId="f1ab6845-967d-4854-a0ba-4ec07f0f8113" ma:anchorId="00000000-0000-0000-0000-000000000000" ma:open="false" ma:isKeyword="false">
+      <xsd:complexType>
+        <xsd:sequence>
+          <xsd:element ref="pc:Terms" minOccurs="0" maxOccurs="1"/>
+        </xsd:sequence>
+      </xsd:complexType>
+    </xsd:element>
+    <xsd:element name="TPFriendlyName" ma:index="41" nillable="true" ma:displayName="Friendly Name" ma:default="" ma:internalName="TPFriendlyName">
+      <xsd:simpleType>
+        <xsd:restriction base="dms:Text"/>
+      </xsd:simpleType>
+    </xsd:element>
+    <xsd:element name="FriendlyTitle" ma:index="42" nillable="true" ma:displayName="Friendly Title" ma:default="" ma:description="Shorter title to be used when displaying search results" ma:internalName="FriendlyTitle" ma:readOnly="false">
+      <xsd:simpleType>
+        <xsd:restriction base="dms:Text"/>
+      </xsd:simpleType>
+    </xsd:element>
+    <xsd:element name="PrimaryImageGen" ma:index="43" nillable="true" ma:displayName="Generate Images?" ma:default="true" ma:internalName="PrimaryImageGen">
+      <xsd:simpleType>
+        <xsd:restriction base="dms:Boolean"/>
+      </xsd:simpleType>
+    </xsd:element>
+    <xsd:element name="HandoffToMSDN" ma:index="44" nillable="true" ma:displayName="Handoff To MSDN Date" ma:default="" ma:internalName="HandoffToMSDN" ma:readOnly="false">
+      <xsd:simpleType>
+        <xsd:restriction base="dms:DateTime"/>
+      </xsd:simpleType>
+    </xsd:element>
+    <xsd:element name="InProjectListLookup" ma:index="45" nillable="true" ma:displayName="InProjectListLookup" ma:list="{9E343742-310B-4684-A24C-1D137CB4B230}" ma:internalName="InProjectListLookup" ma:readOnly="true" ma:showField="InProjectList" ma:web="4873beb7-5857-4685-be1f-d57550cc96cc">
+      <xsd:complexType>
+        <xsd:complexContent>
+          <xsd:extension base="dms:MultiChoiceLookup">
+            <xsd:sequence>
+              <xsd:element name="Value" type="dms:Lookup" maxOccurs="unbounded" minOccurs="0" nillable="true"/>
+            </xsd:sequence>
+          </xsd:extension>
+        </xsd:complexContent>
+      </xsd:complexType>
+    </xsd:element>
+    <xsd:element name="TPInstallLocation" ma:index="46" nillable="true" ma:displayName="Install Location" ma:default="" ma:internalName="TPInstallLocation">
+      <xsd:simpleType>
+        <xsd:restriction base="dms:Text"/>
+      </xsd:simpleType>
+    </xsd:element>
+    <xsd:element name="InternalTagsTaxHTField0" ma:index="48" nillable="true" ma:taxonomy="true" ma:internalName="InternalTagsTaxHTField0" ma:taxonomyFieldName="InternalTags" ma:displayName="Internal Tags" ma:readOnly="false" ma:default="" ma:fieldId="{1490b8a4-2706-41ec-b5e3-73176dccf34e}" ma:taxonomyMulti="true" ma:sspId="8f79753a-75d3-41f5-8ca3-40b843941b4f" ma:termSetId="82b6639e-f7fc-4c18-ad2d-003a6e707765" ma:anchorId="00000000-0000-0000-0000-000000000000" ma:open="false" ma:isKeyword="false">
+      <xsd:complexType>
+        <xsd:sequence>
+          <xsd:element ref="pc:Terms" minOccurs="0" maxOccurs="1"/>
+        </xsd:sequence>
+      </xsd:complexType>
+    </xsd:element>
+    <xsd:element name="IntlLangReview" ma:index="49" nillable="true" ma:displayName="Intl Lang QA Review Required?" ma:default="" ma:internalName="IntlLangReview" ma:readOnly="false">
+      <xsd:simpleType>
+        <xsd:restriction base="dms:Boolean"/>
+      </xsd:simpleType>
+    </xsd:element>
+    <xsd:element name="IntlLangReviewer" ma:index="50" nillable="true" ma:displayName="Intl Lang QA Reviewer" ma:default="" ma:internalName="IntlLangReviewer" ma:readOnly="false">
+      <xsd:simpleType>
+        <xsd:restriction base="dms:Text"/>
+      </xsd:simpleType>
+    </xsd:element>
+    <xsd:element name="MarketSpecific" ma:index="51" nillable="true" ma:displayName="Is Market Specific?" ma:default="" ma:internalName="MarketSpecific" ma:readOnly="false">
+      <xsd:simpleType>
+        <xsd:restriction base="dms:Boolean"/>
+      </xsd:simpleType>
+    </xsd:element>
+    <xsd:element name="LastCompleteVersionLookup" ma:index="52" nillable="true" ma:displayName="Last Complete Version Lookup" ma:default="" ma:list="{9E343742-310B-4684-A24C-1D137CB4B230}" ma:internalName="LastCompleteVersionLookup" ma:readOnly="true" ma:showField="LastCompleteVersion" ma:web="4873beb7-5857-4685-be1f-d57550cc96cc">
+      <xsd:complexType>
+        <xsd:complexContent>
+          <xsd:extension base="dms:MultiChoiceLookup">
+            <xsd:sequence>
+              <xsd:element name="Value" type="dms:Lookup" maxOccurs="unbounded" minOccurs="0" nillable="true"/>
+            </xsd:sequence>
+          </xsd:extension>
+        </xsd:complexContent>
+      </xsd:complexType>
+    </xsd:element>
+    <xsd:element name="LastHandOff" ma:index="53" nillable="true" ma:displayName="Last Hand-off" ma:default="" ma:internalName="LastHandOff" ma:readOnly="false">
+      <xsd:simpleType>
+        <xsd:restriction base="dms:DateTime"/>
+      </xsd:simpleType>
+    </xsd:element>
+    <xsd:element name="LastModifiedDateTime" ma:index="54" nillable="true" ma:displayName="Last Modified Date" ma:default="" ma:internalName="LastModifiedDateTime" ma:readOnly="false">
+      <xsd:simpleType>
+        <xsd:restriction base="dms:DateTime"/>
+      </xsd:simpleType>
+    </xsd:element>
+    <xsd:element name="LastPreviewErrorLookup" ma:index="55" nillable="true" ma:displayName="Last Preview Attempt Error" ma:default="" ma:list="{9E343742-310B-4684-A24C-1D137CB4B230}" ma:internalName="LastPreviewErrorLookup" ma:readOnly="true" ma:showField="LastPreviewError" ma:web="4873beb7-5857-4685-be1f-d57550cc96cc">
+      <xsd:complexType>
+        <xsd:complexContent>
+          <xsd:extension base="dms:MultiChoiceLookup">
+            <xsd:sequence>
+              <xsd:element name="Value" type="dms:Lookup" maxOccurs="unbounded" minOccurs="0" nillable="true"/>
+            </xsd:sequence>
+          </xsd:extension>
+        </xsd:complexContent>
+      </xsd:complexType>
+    </xsd:element>
+    <xsd:element name="LastPreviewResultLookup" ma:index="56" nillable="true" ma:displayName="Last Preview Attempt Result" ma:default="" ma:list="{9E343742-310B-4684-A24C-1D137CB4B230}" ma:internalName="LastPreviewResultLookup" ma:readOnly="true" ma:showField="LastPreviewResult" ma:web="4873beb7-5857-4685-be1f-d57550cc96cc">
+      <xsd:complexType>
+        <xsd:complexContent>
+          <xsd:extension base="dms:MultiChoiceLookup">
+            <xsd:sequence>
+              <xsd:element name="Value" type="dms:Lookup" maxOccurs="unbounded" minOccurs="0" nillable="true"/>
+            </xsd:sequence>
+          </xsd:extension>
+        </xsd:complexContent>
+      </xsd:complexType>
+    </xsd:element>
+    <xsd:element name="LastPreviewAttemptDateLookup" ma:index="57" nillable="true" ma:displayName="Last Preview Attempted On" ma:default="" ma:list="{9E343742-310B-4684-A24C-1D137CB4B230}" ma:internalName="LastPreviewAttemptDateLookup" ma:readOnly="true" ma:showField="LastPreviewAttemptDate" ma:web="4873beb7-5857-4685-be1f-d57550cc96cc">
+      <xsd:complexType>
+        <xsd:complexContent>
+          <xsd:extension base="dms:MultiChoiceLookup">
+            <xsd:sequence>
+              <xsd:element name="Value" type="dms:Lookup" maxOccurs="unbounded" minOccurs="0" nillable="true"/>
+            </xsd:sequence>
+          </xsd:extension>
+        </xsd:complexContent>
+      </xsd:complexType>
+    </xsd:element>
+    <xsd:element name="LastPreviewedByLookup" ma:index="58" nillable="true" ma:displayName="Last Previewed By" ma:default="" ma:list="{9E343742-310B-4684-A24C-1D137CB4B230}" ma:internalName="LastPreviewedByLookup" ma:readOnly="true" ma:showField="LastPreviewedBy" ma:web="4873beb7-5857-4685-be1f-d57550cc96cc">
+      <xsd:complexType>
+        <xsd:complexContent>
+          <xsd:extension base="dms:MultiChoiceLookup">
+            <xsd:sequence>
+              <xsd:element name="Value" type="dms:Lookup" maxOccurs="unbounded" minOccurs="0" nillable="true"/>
+            </xsd:sequence>
+          </xsd:extension>
+        </xsd:complexContent>
+      </xsd:complexType>
+    </xsd:element>
+    <xsd:element name="LastPreviewTimeLookup" ma:index="59" nillable="true" ma:displayName="Last Previewed Date" ma:default="" ma:list="{9E343742-310B-4684-A24C-1D137CB4B230}" ma:internalName="LastPreviewTimeLookup" ma:readOnly="true" ma:showField="LastPreviewTime" ma:web="4873beb7-5857-4685-be1f-d57550cc96cc">
+      <xsd:complexType>
+        <xsd:complexContent>
+          <xsd:extension base="dms:MultiChoiceLookup">
+            <xsd:sequence>
+              <xsd:element name="Value" type="dms:Lookup" maxOccurs="unbounded" minOccurs="0" nillable="true"/>
+            </xsd:sequence>
+          </xsd:extension>
+        </xsd:complexContent>
+      </xsd:complexType>
+    </xsd:element>
+    <xsd:element name="LastPreviewVersionLookup" ma:index="60" nillable="true" ma:displayName="Last Previewed Version" ma:default="" ma:list="{9E343742-310B-4684-A24C-1D137CB4B230}" ma:internalName="LastPreviewVersionLookup" ma:readOnly="true" ma:showField="LastPreviewVersion" ma:web="4873beb7-5857-4685-be1f-d57550cc96cc">
+      <xsd:complexType>
+        <xsd:complexContent>
+          <xsd:extension base="dms:MultiChoiceLookup">
+            <xsd:sequence>
+              <xsd:element name="Value" type="dms:Lookup" maxOccurs="unbounded" minOccurs="0" nillable="true"/>
+            </xsd:sequence>
+          </xsd:extension>
+        </xsd:complexContent>
+      </xsd:complexType>
+    </xsd:element>
+    <xsd:element name="LastPublishErrorLookup" ma:index="61" nillable="true" ma:displayName="Last Publish Attempt Error" ma:default="" ma:list="{9E343742-310B-4684-A24C-1D137CB4B230}" ma:internalName="LastPublishErrorLookup" ma:readOnly="true" ma:showField="LastPublishError" ma:web="4873beb7-5857-4685-be1f-d57550cc96cc">
+      <xsd:complexType>
+        <xsd:complexContent>
+          <xsd:extension base="dms:MultiChoiceLookup">
+            <xsd:sequence>
+              <xsd:element name="Value" type="dms:Lookup" maxOccurs="unbounded" minOccurs="0" nillable="true"/>
+            </xsd:sequence>
+          </xsd:extension>
+        </xsd:complexContent>
+      </xsd:complexType>
+    </xsd:element>
+    <xsd:element name="LastPublishResultLookup" ma:index="62" nillable="true" ma:displayName="Last Publish Attempt Result" ma:default="" ma:list="{9E343742-310B-4684-A24C-1D137CB4B230}" ma:internalName="LastPublishResultLookup" ma:readOnly="true" ma:showField="LastPublishResult" ma:web="4873beb7-5857-4685-be1f-d57550cc96cc">
+      <xsd:complexType>
+        <xsd:complexContent>
+          <xsd:extension base="dms:MultiChoiceLookup">
+            <xsd:sequence>
+              <xsd:element name="Value" type="dms:Lookup" maxOccurs="unbounded" minOccurs="0" nillable="true"/>
+            </xsd:sequence>
+          </xsd:extension>
+        </xsd:complexContent>
+      </xsd:complexType>
+    </xsd:element>
+    <xsd:element name="LastPublishAttemptDateLookup" ma:index="63" nillable="true" ma:displayName="Last Publish Attempted On" ma:default="" ma:list="{9E343742-310B-4684-A24C-1D137CB4B230}" ma:internalName="LastPublishAttemptDateLookup" ma:readOnly="true" ma:showField="LastPublishAttemptDate" ma:web="4873beb7-5857-4685-be1f-d57550cc96cc">
+      <xsd:complexType>
+        <xsd:complexContent>
+          <xsd:extension base="dms:MultiChoiceLookup">
+            <xsd:sequence>
+              <xsd:element name="Value" type="dms:Lookup" maxOccurs="unbounded" minOccurs="0" nillable="true"/>
+            </xsd:sequence>
+          </xsd:extension>
+        </xsd:complexContent>
+      </xsd:complexType>
+    </xsd:element>
+    <xsd:element name="LastPublishedByLookup" ma:index="64" nillable="true" ma:displayName="Last Published By" ma:default="" ma:list="{9E343742-310B-4684-A24C-1D137CB4B230}" ma:internalName="LastPublishedByLookup" ma:readOnly="true" ma:showField="LastPublishedBy" ma:web="4873beb7-5857-4685-be1f-d57550cc96cc">
+      <xsd:complexType>
+        <xsd:complexContent>
+          <xsd:extension base="dms:MultiChoiceLookup">
+            <xsd:sequence>
+              <xsd:element name="Value" type="dms:Lookup" maxOccurs="unbounded" minOccurs="0" nillable="true"/>
+            </xsd:sequence>
+          </xsd:extension>
+        </xsd:complexContent>
+      </xsd:complexType>
+    </xsd:element>
+    <xsd:element name="LastPublishTimeLookup" ma:index="65" nillable="true" ma:displayName="Last Published Date" ma:default="" ma:list="{9E343742-310B-4684-A24C-1D137CB4B230}" ma:internalName="LastPublishTimeLookup" ma:readOnly="true" ma:showField="LastPublishTime" ma:web="4873beb7-5857-4685-be1f-d57550cc96cc">
+      <xsd:complexType>
+        <xsd:complexContent>
+          <xsd:extension base="dms:MultiChoiceLookup">
+            <xsd:sequence>
+              <xsd:element name="Value" type="dms:Lookup" maxOccurs="unbounded" minOccurs="0" nillable="true"/>
+            </xsd:sequence>
+          </xsd:extension>
+        </xsd:complexContent>
+      </xsd:complexType>
+    </xsd:element>
+    <xsd:element name="LastPublishVersionLookup" ma:index="66" nillable="true" ma:displayName="Last Published Version" ma:default="" ma:list="{9E343742-310B-4684-A24C-1D137CB4B230}" ma:internalName="LastPublishVersionLookup" ma:readOnly="true" ma:showField="LastPublishVersion" ma:web="4873beb7-5857-4685-be1f-d57550cc96cc">
+      <xsd:complexType>
+        <xsd:complexContent>
+          <xsd:extension base="dms:MultiChoiceLookup">
+            <xsd:sequence>
+              <xsd:element name="Value" type="dms:Lookup" maxOccurs="unbounded" minOccurs="0" nillable="true"/>
+            </xsd:sequence>
+          </xsd:extension>
+        </xsd:complexContent>
+      </xsd:complexType>
+    </xsd:element>
+    <xsd:element name="TPLaunchHelpLinkType" ma:index="67" nillable="true" ma:displayName="Launch Help Link Type" ma:default="Template" ma:internalName="TPLaunchHelpLinkType">
+      <xsd:simpleType>
+        <xsd:restriction base="dms:Choice">
+          <xsd:enumeration value="Template"/>
+          <xsd:enumeration value="Training"/>
+          <xsd:enumeration value="URL"/>
+          <xsd:enumeration value="None"/>
+        </xsd:restriction>
+      </xsd:simpleType>
+    </xsd:element>
+    <xsd:element name="LegacyData" ma:index="68" nillable="true" ma:displayName="Legacy Data" ma:default="" ma:internalName="LegacyData" ma:readOnly="false">
+      <xsd:simpleType>
+        <xsd:restriction base="dms:Note"/>
+      </xsd:simpleType>
+    </xsd:element>
+    <xsd:element name="TPLaunchHelpLink" ma:index="69" nillable="true" ma:displayName="Link to Launch Help Topic" ma:default="" ma:internalName="TPLaunchHelpLink">
+      <xsd:simpleType>
+        <xsd:restriction base="dms:Text"/>
+      </xsd:simpleType>
+    </xsd:element>
+    <xsd:element name="LocComments" ma:index="70" nillable="true" ma:displayName="Loc Approval Comments" ma:default="" ma:internalName="LocComments" ma:readOnly="false">
+      <xsd:simpleType>
+        <xsd:restriction base="dms:Note"/>
+      </xsd:simpleType>
+    </xsd:element>
+    <xsd:element name="LocLastLocAttemptVersionLookup" ma:index="71" nillable="true" ma:displayName="Loc Last Loc Attempt Version" ma:default="" ma:list="{7DD1DCEC-E449-43D3-891F-7DC62F62AD21}" ma:internalName="LocLastLocAttemptVersionLookup" ma:readOnly="false" ma:showField="LastLocAttemptVersion" ma:web="4873beb7-5857-4685-be1f-d57550cc96cc">
+      <xsd:simpleType>
+        <xsd:restriction base="dms:Lookup"/>
+      </xsd:simpleType>
+    </xsd:element>
+    <xsd:element name="LocLastLocAttemptVersionTypeLookup" ma:index="72" nillable="true" ma:displayName="Loc Last Loc Attempt Version Type" ma:default="" ma:list="{7DD1DCEC-E449-43D3-891F-7DC62F62AD21}" ma:internalName="LocLastLocAttemptVersionTypeLookup" ma:readOnly="true" ma:showField="LastLocAttemptVersionType" ma:web="4873beb7-5857-4685-be1f-d57550cc96cc">
+      <xsd:simpleType>
+        <xsd:restriction base="dms:Lookup"/>
+      </xsd:simpleType>
+    </xsd:element>
+    <xsd:element name="LocManualTestRequired" ma:index="73" nillable="true" ma:displayName="Loc Manual Test Required" ma:default="" ma:internalName="LocManualTestRequired" ma:readOnly="false">
+      <xsd:simpleType>
+        <xsd:restriction base="dms:Boolean"/>
+      </xsd:simpleType>
+    </xsd:element>
+    <xsd:element name="LocMarketGroupTiers2" ma:index="74" nillable="true" ma:displayName="Loc Market Group Tiers" ma:internalName="LocMarketGroupTiers2" ma:readOnly="false">
+      <xsd:simpleType>
+        <xsd:restriction base="dms:Unknown"/>
+      </xsd:simpleType>
+    </xsd:element>
+    <xsd:element name="LocNewPublishedVersionLookup" ma:index="75" nillable="true" ma:displayName="Loc New Published Version Lookup" ma:default="" ma:list="{7DD1DCEC-E449-43D3-891F-7DC62F62AD21}" ma:internalName="LocNewPublishedVersionLookup" ma:readOnly="true" ma:showField="NewPublishedVersion" ma:web="4873beb7-5857-4685-be1f-d57550cc96cc">
+      <xsd:simpleType>
+        <xsd:restriction base="dms:Lookup"/>
+      </xsd:simpleType>
+    </xsd:element>
+    <xsd:element name="LocOverallHandbackStatusLookup" ma:index="76" nillable="true" ma:displayName="Loc Overall Handback Status" ma:default="" ma:list="{7DD1DCEC-E449-43D3-891F-7DC62F62AD21}" ma:internalName="LocOverallHandbackStatusLookup" ma:readOnly="true" ma:showField="OverallHandbackStatus" ma:web="4873beb7-5857-4685-be1f-d57550cc96cc">
+      <xsd:simpleType>
+        <xsd:restriction base="dms:Lookup"/>
+      </xsd:simpleType>
+    </xsd:element>
+    <xsd:element name="LocOverallLocStatusLookup" ma:index="77" nillable="true" ma:displayName="Loc Overall Localize Status" ma:default="" ma:list="{7DD1DCEC-E449-43D3-891F-7DC62F62AD21}" ma:internalName="LocOverallLocStatusLookup" ma:readOnly="true" ma:showField="OverallLocStatus" ma:web="4873beb7-5857-4685-be1f-d57550cc96cc">
+      <xsd:simpleType>
+        <xsd:restriction base="dms:Lookup"/>
+      </xsd:simpleType>
+    </xsd:element>
+    <xsd:element name="LocOverallPreviewStatusLookup" ma:index="78" nillable="true" ma:displayName="Loc Overall Preview Status" ma:default="" ma:list="{7DD1DCEC-E449-43D3-891F-7DC62F62AD21}" ma:internalName="LocOverallPreviewStatusLookup" ma:readOnly="true" ma:showField="OverallPreviewStatus" ma:web="4873beb7-5857-4685-be1f-d57550cc96cc">
+      <xsd:simpleType>
+        <xsd:restriction base="dms:Lookup"/>
+      </xsd:simpleType>
+    </xsd:element>
+    <xsd:element name="LocOverallPublishStatusLookup" ma:index="79" nillable="true" ma:displayName="Loc Overall Publish Status" ma:default="" ma:list="{7DD1DCEC-E449-43D3-891F-7DC62F62AD21}" ma:internalName="LocOverallPublishStatusLookup" ma:readOnly="true" ma:showField="OverallPublishStatus" ma:web="4873beb7-5857-4685-be1f-d57550cc96cc">
+      <xsd:simpleType>
+        <xsd:restriction base="dms:Lookup"/>
+      </xsd:simpleType>
+    </xsd:element>
+    <xsd:element name="IntlLocPriority" ma:index="80" nillable="true" ma:displayName="Loc Priority" ma:default="" ma:internalName="IntlLocPriority" ma:readOnly="false">
+      <xsd:simpleType>
+        <xsd:restriction base="dms:Unknown"/>
+      </xsd:simpleType>
+    </xsd:element>
+    <xsd:element name="LocProcessedForHandoffsLookup" ma:index="81" nillable="true" ma:displayName="Loc Processed For Handoffs" ma:default="" ma:list="{7DD1DCEC-E449-43D3-891F-7DC62F62AD21}" ma:internalName="LocProcessedForHandoffsLookup" ma:readOnly="true" ma:showField="ProcessedForHandoffs" ma:web="4873beb7-5857-4685-be1f-d57550cc96cc">
+      <xsd:simpleType>
+        <xsd:restriction base="dms:Lookup"/>
+      </xsd:simpleType>
+    </xsd:element>
+    <xsd:element name="LocProcessedForMarketsLookup" ma:index="82" nillable="true" ma:displayName="Loc Processed For Markets" ma:default="" ma:list="{7DD1DCEC-E449-43D3-891F-7DC62F62AD21}" ma:internalName="LocProcessedForMarketsLookup" ma:readOnly="true" ma:showField="ProcessedForMarkets" ma:web="4873beb7-5857-4685-be1f-d57550cc96cc">
+      <xsd:simpleType>
+        <xsd:restriction base="dms:Lookup"/>
+      </xsd:simpleType>
+    </xsd:element>
+    <xsd:element name="LocPublishedDependentAssetsLookup" ma:index="83" nillable="true" ma:displayName="Loc Published Dependent Assets" ma:default="" ma:list="{7DD1DCEC-E449-43D3-891F-7DC62F62AD21}" ma:internalName="LocPublishedDependentAssetsLookup" ma:readOnly="true" ma:showField="PublishedDependentAssets" ma:web="4873beb7-5857-4685-be1f-d57550cc96cc">
+      <xsd:simpleType>
+        <xsd:restriction base="dms:Lookup"/>
+      </xsd:simpleType>
+    </xsd:element>
+    <xsd:element name="LocPublishedLinkedAssetsLookup" ma:index="84" nillable="true" ma:displayName="Loc Published Linked Assets" ma:default="" ma:list="{7DD1DCEC-E449-43D3-891F-7DC62F62AD21}" ma:internalName="LocPublishedLinkedAssetsLookup" ma:readOnly="true" ma:showField="PublishedLinkedAssets" ma:web="4873beb7-5857-4685-be1f-d57550cc96cc">
+      <xsd:simpleType>
+        <xsd:restriction base="dms:Lookup"/>
+      </xsd:simpleType>
+    </xsd:element>
+    <xsd:element name="LocRecommendedHandoff" ma:index="85" nillable="true" ma:displayName="Loc Recommended Handoff" ma:default="" ma:indexed="true" ma:internalName="LocRecommendedHandoff" ma:readOnly="false">
+      <xsd:simpleType>
+        <xsd:restriction base="dms:Text"/>
+      </xsd:simpleType>
+    </xsd:element>
+    <xsd:element name="LocalizationTagsTaxHTField0" ma:index="87" nillable="true" ma:taxonomy="true" ma:internalName="LocalizationTagsTaxHTField0" ma:taxonomyFieldName="LocalizationTags" ma:displayName="Localization Tags" ma:readOnly="false" ma:default="" ma:fieldId="{00f02cb3-2c7c-424a-9c61-10e9b6878429}" ma:taxonomyMulti="true" ma:sspId="8f79753a-75d3-41f5-8ca3-40b843941b4f" ma:termSetId="5b7703a5-8e8b-4b58-8b31-1cea35331da3" ma:anchorId="00000000-0000-0000-0000-000000000000" ma:open="false" ma:isKeyword="false">
+      <xsd:complexType>
+        <xsd:sequence>
+          <xsd:element ref="pc:Terms" minOccurs="0" maxOccurs="1"/>
+        </xsd:sequence>
+      </xsd:complexType>
+    </xsd:element>
+    <xsd:element name="MachineTranslated" ma:index="88" nillable="true" ma:displayName="Machine Translated" ma:default="" ma:internalName="MachineTranslated" ma:readOnly="false">
+      <xsd:simpleType>
+        <xsd:restriction base="dms:Boolean"/>
+      </xsd:simpleType>
+    </xsd:element>
+    <xsd:element name="Manager" ma:index="89" nillable="true" ma:displayName="Manager" ma:hidden="true" ma:internalName="Manager" ma:readOnly="false">
+      <xsd:simpleType>
+        <xsd:restriction base="dms:Text"/>
+      </xsd:simpleType>
+    </xsd:element>
+    <xsd:element name="Markets" ma:index="90" nillable="true" ma:displayName="Markets" ma:default="" ma:description="Leave blank to show in all markets" ma:list="{2FBD1B11-2ACE-4FDC-B5A3-635D4ADF6F1B}" ma:internalName="Markets" ma:readOnly="false" ma:showField="MarketName" ma:web="4873beb7-5857-4685-be1f-d57550cc96cc">
+      <xsd:complexType>
+        <xsd:complexContent>
+          <xsd:extension base="dms:MultiChoiceLookup">
+            <xsd:sequence>
+              <xsd:element name="Value" type="dms:Lookup" maxOccurs="unbounded" minOccurs="0" nillable="true"/>
+            </xsd:sequence>
+          </xsd:extension>
+        </xsd:complexContent>
+      </xsd:complexType>
+    </xsd:element>
+    <xsd:element name="Milestone" ma:index="91" nillable="true" ma:displayName="Milestone" ma:default="" ma:internalName="Milestone" ma:readOnly="false">
+      <xsd:simpleType>
+        <xsd:restriction base="dms:Unknown"/>
+      </xsd:simpleType>
+    </xsd:element>
+    <xsd:element name="TPNamespace" ma:index="94" nillable="true" ma:displayName="Namespace" ma:default="" ma:internalName="TPNamespace">
+      <xsd:simpleType>
+        <xsd:restriction base="dms:Text"/>
+      </xsd:simpleType>
+    </xsd:element>
+    <xsd:element name="NumericId" ma:index="95" nillable="true" ma:displayName="Numeric ID" ma:default="" ma:indexed="true" ma:internalName="NumericId" ma:readOnly="false">
+      <xsd:simpleType>
+        <xsd:restriction base="dms:Number"/>
+      </xsd:simpleType>
+    </xsd:element>
+    <xsd:element name="NumOfRatingsLookup" ma:index="96" nillable="true" ma:displayName="NumOfRatings" ma:default="" ma:list="{9E343742-310B-4684-A24C-1D137CB4B230}" ma:internalName="NumOfRatingsLookup" ma:readOnly="true" ma:showField="NumOfRatings" ma:web="4873beb7-5857-4685-be1f-d57550cc96cc">
+      <xsd:complexType>
+        <xsd:complexContent>
+          <xsd:extension base="dms:MultiChoiceLookup">
+            <xsd:sequence>
+              <xsd:element name="Value" type="dms:Lookup" maxOccurs="unbounded" minOccurs="0" nillable="true"/>
+            </xsd:sequence>
+          </xsd:extension>
+        </xsd:complexContent>
+      </xsd:complexType>
+    </xsd:element>
+    <xsd:element name="OOCacheId" ma:index="97" nillable="true" ma:displayName="OOCacheId" ma:internalName="OOCacheId" ma:readOnly="false">
+      <xsd:simpleType>
+        <xsd:restriction base="dms:Text"/>
+      </xsd:simpleType>
+    </xsd:element>
+    <xsd:element name="OpenTemplate" ma:index="98" nillable="true" ma:displayName="Open Template" ma:default="true" ma:internalName="OpenTemplate">
+      <xsd:simpleType>
+        <xsd:restriction base="dms:Boolean"/>
+      </xsd:simpleType>
+    </xsd:element>
+    <xsd:element name="OriginAsset" ma:index="99" nillable="true" ma:displayName="Origin Asset" ma:default="" ma:internalName="OriginAsset" ma:readOnly="false">
+      <xsd:simpleType>
+        <xsd:restriction base="dms:Text"/>
+      </xsd:simpleType>
+    </xsd:element>
+    <xsd:element name="OriginalRelease" ma:index="100" nillable="true" ma:displayName="Original Release" ma:default="15" ma:internalName="OriginalRelease" ma:readOnly="false">
+      <xsd:simpleType>
+        <xsd:restriction base="dms:Choice">
+          <xsd:enumeration value="14"/>
+          <xsd:enumeration value="15"/>
+          <xsd:enumeration value="16"/>
+        </xsd:restriction>
+      </xsd:simpleType>
+    </xsd:element>
+    <xsd:element name="OriginalSourceMarket" ma:index="101" nillable="true" ma:displayName="Original Source Market Group" ma:default="" ma:internalName="OriginalSourceMarket" ma:readOnly="false">
+      <xsd:simpleType>
+        <xsd:restriction base="dms:Text"/>
+      </xsd:simpleType>
+    </xsd:element>
+    <xsd:element name="OutputCachingOn" ma:index="102" nillable="true" ma:displayName="Output Caching" ma:default="true" ma:hidden="true" ma:internalName="OutputCachingOn" ma:readOnly="false">
+      <xsd:simpleType>
+        <xsd:restriction base="dms:Boolean"/>
+      </xsd:simpleType>
+    </xsd:element>
+    <xsd:element name="ParentAssetId" ma:index="103" nillable="true" ma:displayName="Parent Asset Id" ma:default="" ma:internalName="ParentAssetId" ma:readOnly="false">
+      <xsd:simpleType>
+        <xsd:restriction base="dms:Text"/>
+      </xsd:simpleType>
+    </xsd:element>
+    <xsd:element name="PlannedPubDate" ma:index="104" nillable="true" ma:displayName="Planned Publish Date" ma:default="" ma:indexed="true" ma:internalName="PlannedPubDate" ma:readOnly="false">
+      <xsd:simpleType>
+        <xsd:restriction base="dms:DateTime"/>
+      </xsd:simpleType>
+    </xsd:element>
+    <xsd:element name="PolicheckWords" ma:index="105" nillable="true" ma:displayName="Policheck Words" ma:default="" ma:internalName="PolicheckWords" ma:readOnly="false">
+      <xsd:simpleType>
+        <xsd:restriction base="dms:Text"/>
+      </xsd:simpleType>
+    </xsd:element>
+    <xsd:element name="BusinessGroup" ma:index="106" nillable="true" ma:displayName="Product Division Owner" ma:default="" ma:internalName="BusinessGroup" ma:readOnly="false">
+      <xsd:simpleType>
+        <xsd:restriction base="dms:Unknown"/>
+      </xsd:simpleType>
+    </xsd:element>
+    <xsd:element name="UAProjectedTotalWords" ma:index="107" nillable="true" ma:displayName="Projected Word Count" ma:default="" ma:internalName="UAProjectedTotalWords" ma:readOnly="false">
+      <xsd:simpleType>
+        <xsd:restriction base="dms:Unknown"/>
+      </xsd:simpleType>
+    </xsd:element>
+    <xsd:element name="Provider" ma:index="108" nillable="true" ma:displayName="Provider" ma:default="" ma:internalName="Provider" ma:readOnly="false">
+      <xsd:simpleType>
+        <xsd:restriction base="dms:Unknown"/>
+      </xsd:simpleType>
+    </xsd:element>
+    <xsd:element name="Providers" ma:index="109" nillable="true" ma:displayName="Providers" ma:default="" ma:internalName="Providers">
+      <xsd:simpleType>
+        <xsd:restriction base="dms:Unknown"/>
+      </xsd:simpleType>
+    </xsd:element>
+    <xsd:element name="PublishStatusLookup" ma:index="110" nillable="true" ma:displayName="Publish Status" ma:default="" ma:list="{9E343742-310B-4684-A24C-1D137CB4B230}" ma:internalName="PublishStatusLookup" ma:readOnly="false" ma:showField="PublishStatus" ma:web="4873beb7-5857-4685-be1f-d57550cc96cc">
+      <xsd:complexType>
+        <xsd:complexContent>
+          <xsd:extension base="dms:MultiChoiceLookup">
+            <xsd:sequence>
+              <xsd:element name="Value" type="dms:Lookup" maxOccurs="unbounded" minOccurs="0" nillable="true"/>
+            </xsd:sequence>
+          </xsd:extension>
+        </xsd:complexContent>
+      </xsd:complexType>
+    </xsd:element>
+    <xsd:element name="PublishTargets" ma:index="111" nillable="true" ma:displayName="Publish Target" ma:default="OfficeOnlineVNext" ma:internalName="PublishTargets" ma:readOnly="false">
+      <xsd:simpleType>
+        <xsd:restriction base="dms:Unknown"/>
+      </xsd:simpleType>
+    </xsd:element>
+    <xsd:element name="RecommendationsModifier" ma:index="112" nillable="true" ma:displayName="Recommendations Modifier" ma:default="" ma:internalName="RecommendationsModifier" ma:readOnly="false">
+      <xsd:simpleType>
+        <xsd:restriction base="dms:Number"/>
+      </xsd:simpleType>
+    </xsd:element>
+    <xsd:element name="ArtSampleDocs" ma:index="113" nillable="true" ma:displayName="Sample Docs" ma:default="" ma:hidden="true" ma:internalName="ArtSampleDocs" ma:readOnly="false">
+      <xsd:simpleType>
+        <xsd:restriction base="dms:Text"/>
+      </xsd:simpleType>
+    </xsd:element>
+    <xsd:element name="ScenarioTagsTaxHTField0" ma:index="115" nillable="true" ma:taxonomy="true" ma:internalName="ScenarioTagsTaxHTField0" ma:taxonomyFieldName="ScenarioTags" ma:displayName="Scenarios" ma:readOnly="false" ma:default="" ma:fieldId="{93aef74d-6c78-4815-8310-51477dceeccc}" ma:taxonomyMulti="true" ma:sspId="8f79753a-75d3-41f5-8ca3-40b843941b4f" ma:termSetId="4b7d5f16-e2f2-4fc0-bab3-6e8b931e57d6" ma:anchorId="00000000-0000-0000-0000-000000000000" ma:open="false" ma:isKeyword="false">
+      <xsd:complexType>
+        <xsd:sequence>
+          <xsd:element ref="pc:Terms" minOccurs="0" maxOccurs="1"/>
+        </xsd:sequence>
+      </xsd:complexType>
+    </xsd:element>
+    <xsd:element name="ShowIn" ma:index="117" nillable="true" ma:displayName="Show In" ma:default="Show everywhere" ma:internalName="ShowIn" ma:readOnly="false">
+      <xsd:simpleType>
+        <xsd:restriction base="dms:Choice">
+          <xsd:enumeration value="Hide on web"/>
+          <xsd:enumeration value="On Web no search"/>
+          <xsd:enumeration value="Show everywhere"/>
+          <xsd:enumeration value="Special use only"/>
+        </xsd:restriction>
+      </xsd:simpleType>
+    </xsd:element>
+    <xsd:element name="SourceTitle" ma:index="118" nillable="true" ma:displayName="Source Title" ma:default="" ma:indexed="true" ma:internalName="SourceTitle" ma:readOnly="false">
+      <xsd:simpleType>
+        <xsd:restriction base="dms:Text"/>
+      </xsd:simpleType>
+    </xsd:element>
+    <xsd:element name="CSXSubmissionDate" ma:index="119" nillable="true" ma:displayName="Submission Date" ma:default="" ma:internalName="CSXSubmissionDate" ma:readOnly="false">
+      <xsd:simpleType>
+        <xsd:restriction base="dms:DateTime"/>
+      </xsd:simpleType>
+    </xsd:element>
+    <xsd:element name="SubmitterId" ma:index="120" nillable="true" ma:displayName="Submitter ID" ma:default="" ma:internalName="SubmitterId" ma:readOnly="false">
+      <xsd:simpleType>
+        <xsd:restriction base="dms:Text"/>
+      </xsd:simpleType>
+    </xsd:element>
+    <xsd:element name="TaxCatchAll" ma:index="121" nillable="true" ma:displayName="Taxonomy Catch All Column" ma:hidden="true" ma:list="{530f955b-6704-4601-bd83-f81d87f1e440}" ma:internalName="TaxCatchAll" ma:showField="CatchAllData" ma:web="4873beb7-5857-4685-be1f-d57550cc96cc">
+      <xsd:complexType>
+        <xsd:complexContent>
+          <xsd:extension base="dms:MultiChoiceLookup">
+            <xsd:sequence>
+              <xsd:element name="Value" type="dms:Lookup" maxOccurs="unbounded" minOccurs="0" nillable="true"/>
+            </xsd:sequence>
+          </xsd:extension>
+        </xsd:complexContent>
+      </xsd:complexType>
+    </xsd:element>
+    <xsd:element name="TaxCatchAllLabel" ma:index="122" nillable="true" ma:displayName="Taxonomy Catch All Column1" ma:hidden="true" ma:list="{530f955b-6704-4601-bd83-f81d87f1e440}" ma:internalName="TaxCatchAllLabel" ma:readOnly="true" ma:showField="CatchAllDataLabel" ma:web="4873beb7-5857-4685-be1f-d57550cc96cc">
+      <xsd:complexType>
+        <xsd:complexContent>
+          <xsd:extension base="dms:MultiChoiceLookup">
+            <xsd:sequence>
+              <xsd:element name="Value" type="dms:Lookup" maxOccurs="unbounded" minOccurs="0" nillable="true"/>
+            </xsd:sequence>
+          </xsd:extension>
+        </xsd:complexContent>
+      </xsd:complexType>
+    </xsd:element>
+    <xsd:element name="TemplateStatus" ma:index="123" nillable="true" ma:displayName="Template Status" ma:default="" ma:internalName="TemplateStatus">
+      <xsd:simpleType>
+        <xsd:restriction base="dms:Unknown"/>
+      </xsd:simpleType>
+    </xsd:element>
+    <xsd:element name="TemplateTemplateType" ma:index="124" nillable="true" ma:displayName="Template Type" ma:default="" ma:internalName="TemplateTemplateType">
+      <xsd:simpleType>
+        <xsd:restriction base="dms:Unknown"/>
+      </xsd:simpleType>
+    </xsd:element>
+    <xsd:element name="ThumbnailAssetId" ma:index="125" nillable="true" ma:displayName="Thumbnail Image Asset" ma:default="" ma:internalName="ThumbnailAssetId" ma:readOnly="false">
+      <xsd:simpleType>
+        <xsd:restriction base="dms:Text"/>
+      </xsd:simpleType>
+    </xsd:element>
+    <xsd:element name="TimesCloned" ma:index="126" nillable="true" ma:displayName="Times Cloned" ma:default="" ma:internalName="TimesCloned" ma:readOnly="false">
+      <xsd:simpleType>
+        <xsd:restriction base="dms:Number"/>
+      </xsd:simpleType>
+    </xsd:element>
+    <xsd:element name="TrustLevel" ma:index="128" nillable="true" ma:displayName="Trust Level" ma:default="1 Microsoft Managed Content" ma:internalName="TrustLevel" ma:readOnly="false">
+      <xsd:simpleType>
+        <xsd:restriction base="dms:Unknown"/>
+      </xsd:simpleType>
+    </xsd:element>
+    <xsd:element name="UALocComments" ma:index="129" nillable="true" ma:displayName="UA Loc Comments" ma:default="" ma:internalName="UALocComments" ma:readOnly="false">
+      <xsd:simpleType>
+        <xsd:restriction base="dms:Note"/>
+      </xsd:simpleType>
+    </xsd:element>
+    <xsd:element name="UALocRecommendation" ma:index="130" nillable="true" ma:displayName="UA Loc Recommendation" ma:default="Localize" ma:internalName="UALocRecommendation" ma:readOnly="false">
+      <xsd:simpleType>
+        <xsd:restriction base="dms:Choice">
+          <xsd:enumeration value="Localize"/>
+          <xsd:enumeration value="Never Localize"/>
+          <xsd:enumeration value="Priority Localize"/>
+        </xsd:restriction>
+      </xsd:simpleType>
+    </xsd:element>
+    <xsd:element name="UANotes" ma:index="131" nillable="true" ma:displayName="UA Notes" ma:default="" ma:internalName="UANotes" ma:readOnly="false">
+      <xsd:simpleType>
+        <xsd:restriction base="dms:Note"/>
+      </xsd:simpleType>
+    </xsd:element>
+    <xsd:element name="TPAppVersion" ma:index="132" nillable="true" ma:displayName="Version" ma:default="" ma:internalName="TPAppVersion">
+      <xsd:simpleType>
+        <xsd:restriction base="dms:Text"/>
+      </xsd:simpleType>
+    </xsd:element>
+    <xsd:element name="VoteCount" ma:index="133" nillable="true" ma:displayName="Vote Count" ma:default="" ma:internalName="VoteCount" ma:readOnly="false">
+      <xsd:simpleType>
+        <xsd:restriction base="dms:Unknown"/>
+      </xsd:simpleType>
+    </xsd:element>
+  </xsd:schema>
+  <xsd:schema xmlns="http://schemas.openxmlformats.org/package/2006/metadata/core-properties" xmlns:xsd="http://www.w3.org/2001/XMLSchema" xmlns:xsi="http://www.w3.org/2001/XMLSchema-instance" xmlns:dc="http://purl.org/dc/elements/1.1/" xmlns:dcterms="http://purl.org/dc/terms/" xmlns:odoc="http://schemas.microsoft.com/internal/obd" targetNamespace="http://schemas.openxmlformats.org/package/2006/metadata/core-properties" elementFormDefault="qualified" attributeFormDefault="unqualified" blockDefault="#all">
+    <xsd:import namespace="http://purl.org/dc/elements/1.1/" schemaLocation="http://dublincore.org/schemas/xmls/qdc/2003/04/02/dc.xsd"/>
+    <xsd:import namespace="http://purl.org/dc/terms/" schemaLocation="http://dublincore.org/schemas/xmls/qdc/2003/04/02/dcterms.xsd"/>
+    <xsd:element name="coreProperties" type="CT_coreProperties"/>
+    <xsd:complexType name="CT_coreProperties">
+      <xsd:all>
+        <xsd:element ref="dc:creator" minOccurs="0" maxOccurs="1"/>
+        <xsd:element ref="dcterms:created" minOccurs="0" maxOccurs="1"/>
+        <xsd:element ref="dc:identifier" minOccurs="0" maxOccurs="1"/>
+        <xsd:element name="contentType" minOccurs="0" maxOccurs="1" type="xsd:string" ma:index="22" ma:displayName="Content Type"/>
+        <xsd:element ref="dc:title" minOccurs="0" maxOccurs="1" ma:index="127" ma:displayName="Title"/>
+        <xsd:element ref="dc:subject" minOccurs="0" maxOccurs="1"/>
+        <xsd:element ref="dc:description" minOccurs="0" maxOccurs="1"/>
+        <xsd:element name="keywords" minOccurs="0" maxOccurs="1" type="xsd:string"/>
+        <xsd:element ref="dc:language" minOccurs="0" maxOccurs="1"/>
+        <xsd:element name="category" minOccurs="0" maxOccurs="1" type="xsd:string"/>
+        <xsd:element name="version" minOccurs="0" maxOccurs="1" type="xsd:string"/>
+        <xsd:element name="revision" minOccurs="0" maxOccurs="1" type="xsd:string">
+          <xsd:annotation>
+            <xsd:documentation>
+                        This value indicates the number of saves or revisions. The application is responsible for updating this value after each revision.
+                    </xsd:documentation>
+          </xsd:annotation>
+        </xsd:element>
+        <xsd:element name="lastModifiedBy" minOccurs="0" maxOccurs="1" type="xsd:string"/>
+        <xsd:element ref="dcterms:modified" minOccurs="0" maxOccurs="1"/>
+        <xsd:element name="contentStatus" minOccurs="0" maxOccurs="1" type="xsd:string"/>
+      </xsd:all>
+    </xsd:complexType>
+  </xsd:schema>
+  <xs:schema xmlns:pc="http://schemas.microsoft.com/office/infopath/2007/PartnerControls" xmlns:xs="http://www.w3.org/2001/XMLSchema" targetNamespace="http://schemas.microsoft.com/office/infopath/2007/PartnerControls" elementFormDefault="qualified" attributeFormDefault="unqualified">
+    <xs:element name="Person">
+      <xs:complexType>
+        <xs:sequence>
+          <xs:element ref="pc:DisplayName" minOccurs="0"/>
+          <xs:element ref="pc:AccountId" minOccurs="0"/>
+          <xs:element ref="pc:AccountType" minOccurs="0"/>
+        </xs:sequence>
+      </xs:complexType>
+    </xs:element>
+    <xs:element name="DisplayName" type="xs:string"/>
+    <xs:element name="AccountId" type="xs:string"/>
+    <xs:element name="AccountType" type="xs:string"/>
+    <xs:element name="BDCAssociatedEntity">
+      <xs:complexType>
+        <xs:sequence>
+          <xs:element ref="pc:BDCEntity" minOccurs="0" maxOccurs="unbounded"/>
+        </xs:sequence>
+        <xs:attribute ref="pc:EntityNamespace"/>
+        <xs:attribute ref="pc:EntityName"/>
+        <xs:attribute ref="pc:SystemInstanceName"/>
+        <xs:attribute ref="pc:AssociationName"/>
+      </xs:complexType>
+    </xs:element>
+    <xs:attribute name="EntityNamespace" type="xs:string"/>
+    <xs:attribute name="EntityName" type="xs:string"/>
+    <xs:attribute name="SystemInstanceName" type="xs:string"/>
+    <xs:attribute name="AssociationName" type="xs:string"/>
+    <xs:element name="BDCEntity">
+      <xs:complexType>
+        <xs:sequence>
+          <xs:element ref="pc:EntityDisplayName" minOccurs="0"/>
+          <xs:element ref="pc:EntityInstanceReference" minOccurs="0"/>
+          <xs:element ref="pc:EntityId1" minOccurs="0"/>
+          <xs:element ref="pc:EntityId2" minOccurs="0"/>
+          <xs:element ref="pc:EntityId3" minOccurs="0"/>
+          <xs:element ref="pc:EntityId4" minOccurs="0"/>
+          <xs:element ref="pc:EntityId5" minOccurs="0"/>
+        </xs:sequence>
+      </xs:complexType>
+    </xs:element>
+    <xs:element name="EntityDisplayName" type="xs:string"/>
+    <xs:element name="EntityInstanceReference" type="xs:string"/>
+    <xs:element name="EntityId1" type="xs:string"/>
+    <xs:element name="EntityId2" type="xs:string"/>
+    <xs:element name="EntityId3" type="xs:string"/>
+    <xs:element name="EntityId4" type="xs:string"/>
+    <xs:element name="EntityId5" type="xs:string"/>
+    <xs:element name="Terms">
+      <xs:complexType>
+        <xs:sequence>
+          <xs:element ref="pc:TermInfo" minOccurs="0" maxOccurs="unbounded"/>
+        </xs:sequence>
+      </xs:complexType>
+    </xs:element>
+    <xs:element name="TermInfo">
+      <xs:complexType>
+        <xs:sequence>
+          <xs:element ref="pc:TermName" minOccurs="0"/>
+          <xs:element ref="pc:TermId" minOccurs="0"/>
+        </xs:sequence>
+      </xs:complexType>
+    </xs:element>
+    <xs:element name="TermName" type="xs:string"/>
+    <xs:element name="TermId" type="xs:string"/>
+  </xs:schema>
+</ct:contentTypeSchema>
+</file>
+
+<file path=customXml/item2.xml><?xml version="1.0" encoding="utf-8"?>
+<?mso-contentType ?>
+<FormTemplates xmlns="http://schemas.microsoft.com/sharepoint/v3/contenttype/forms">
+  <Display>DocumentLibraryForm</Display>
+  <Edit>AssetEditForm</Edit>
+  <New>DocumentLibraryForm</New>
+</FormTemplates>
+</file>
+
+<file path=customXml/item3.xml><?xml version="1.0" encoding="utf-8"?>
 <p:properties xmlns:p="http://schemas.microsoft.com/office/2006/metadata/properties" xmlns:xsi="http://www.w3.org/2001/XMLSchema-instance" xmlns:pc="http://schemas.microsoft.com/office/infopath/2007/PartnerControls">
   <documentManagement>
     <LocPublishedLinkedAssetsLookup xmlns="4873beb7-5857-4685-be1f-d57550cc96cc" xsi:nil="true"/>
@@ -9744,1080 +7545,7 @@
 </p:properties>
 </file>
 
-<file path=customXml/item2.xml><?xml version="1.0" encoding="utf-8"?>
-<?mso-contentType ?>
-<FormTemplates xmlns="http://schemas.microsoft.com/sharepoint/v3/contenttype/forms">
-  <Display>DocumentLibraryForm</Display>
-  <Edit>AssetEditForm</Edit>
-  <New>DocumentLibraryForm</New>
-</FormTemplates>
-</file>
-
-<file path=customXml/item3.xml><?xml version="1.0" encoding="utf-8"?>
-<ct:contentTypeSchema xmlns:ct="http://schemas.microsoft.com/office/2006/metadata/contentType" xmlns:ma="http://schemas.microsoft.com/office/2006/metadata/properties/metaAttributes" ct:_="" ma:_="" ma:contentTypeName="TemplateFile" ma:contentTypeID="0x0101006EDDDB5EE6D98C44930B742096920B300400F5B6D36B3EF94B4E9A635CDF2A18F5B8" ma:contentTypeVersion="72" ma:contentTypeDescription="Create a new document." ma:contentTypeScope="" ma:versionID="a23e56308344d904b51738559c3d67c9">
-  <xsd:schema xmlns:xsd="http://www.w3.org/2001/XMLSchema" xmlns:xs="http://www.w3.org/2001/XMLSchema" xmlns:p="http://schemas.microsoft.com/office/2006/metadata/properties" xmlns:ns2="4873beb7-5857-4685-be1f-d57550cc96cc" targetNamespace="http://schemas.microsoft.com/office/2006/metadata/properties" ma:root="true" ma:fieldsID="cd0908cc4600e77bf5da051303e00c8d" ns2:_="">
-    <xsd:import namespace="4873beb7-5857-4685-be1f-d57550cc96cc"/>
-    <xsd:element name="properties">
-      <xsd:complexType>
-        <xsd:sequence>
-          <xsd:element name="documentManagement">
-            <xsd:complexType>
-              <xsd:all>
-                <xsd:element ref="ns2:AcquiredFrom" minOccurs="0"/>
-                <xsd:element ref="ns2:UACurrentWords" minOccurs="0"/>
-                <xsd:element ref="ns2:TPApplication" minOccurs="0"/>
-                <xsd:element ref="ns2:ApprovalLog" minOccurs="0"/>
-                <xsd:element ref="ns2:ApprovalStatus" minOccurs="0"/>
-                <xsd:element ref="ns2:AssetStart" minOccurs="0"/>
-                <xsd:element ref="ns2:AssetExpire" minOccurs="0"/>
-                <xsd:element ref="ns2:AssetId" minOccurs="0"/>
-                <xsd:element ref="ns2:IsSearchable" minOccurs="0"/>
-                <xsd:element ref="ns2:AssetType" minOccurs="0"/>
-                <xsd:element ref="ns2:APAuthor" minOccurs="0"/>
-                <xsd:element ref="ns2:AverageRating" minOccurs="0"/>
-                <xsd:element ref="ns2:BlockPublish" minOccurs="0"/>
-                <xsd:element ref="ns2:BugNumber" minOccurs="0"/>
-                <xsd:element ref="ns2:CampaignTagsTaxHTField0" minOccurs="0"/>
-                <xsd:element ref="ns2:TPClientViewer" minOccurs="0"/>
-                <xsd:element ref="ns2:ClipArtFilename" minOccurs="0"/>
-                <xsd:element ref="ns2:TPCommandLine" minOccurs="0"/>
-                <xsd:element ref="ns2:TPComponent" minOccurs="0"/>
-                <xsd:element ref="ns2:ContentItem" minOccurs="0"/>
-                <xsd:element ref="ns2:CrawlForDependencies" minOccurs="0"/>
-                <xsd:element ref="ns2:CSXHash" minOccurs="0"/>
-                <xsd:element ref="ns2:CSXSubmissionMarket" minOccurs="0"/>
-                <xsd:element ref="ns2:CSXUpdate" minOccurs="0"/>
-                <xsd:element ref="ns2:IntlLangReviewDate" minOccurs="0"/>
-                <xsd:element ref="ns2:IsDeleted" minOccurs="0"/>
-                <xsd:element ref="ns2:APDescription" minOccurs="0"/>
-                <xsd:element ref="ns2:DirectSourceMarket" minOccurs="0"/>
-                <xsd:element ref="ns2:Downloads" minOccurs="0"/>
-                <xsd:element ref="ns2:DSATActionTaken" minOccurs="0"/>
-                <xsd:element ref="ns2:APEditor" minOccurs="0"/>
-                <xsd:element ref="ns2:EditorialStatus" minOccurs="0"/>
-                <xsd:element ref="ns2:EditorialTags" minOccurs="0"/>
-                <xsd:element ref="ns2:TPExecutable" minOccurs="0"/>
-                <xsd:element ref="ns2:FeatureTagsTaxHTField0" minOccurs="0"/>
-                <xsd:element ref="ns2:TPFriendlyName" minOccurs="0"/>
-                <xsd:element ref="ns2:FriendlyTitle" minOccurs="0"/>
-                <xsd:element ref="ns2:PrimaryImageGen" minOccurs="0"/>
-                <xsd:element ref="ns2:HandoffToMSDN" minOccurs="0"/>
-                <xsd:element ref="ns2:InProjectListLookup" minOccurs="0"/>
-                <xsd:element ref="ns2:TPInstallLocation" minOccurs="0"/>
-                <xsd:element ref="ns2:InternalTagsTaxHTField0" minOccurs="0"/>
-                <xsd:element ref="ns2:IntlLangReview" minOccurs="0"/>
-                <xsd:element ref="ns2:IntlLangReviewer" minOccurs="0"/>
-                <xsd:element ref="ns2:MarketSpecific" minOccurs="0"/>
-                <xsd:element ref="ns2:LastCompleteVersionLookup" minOccurs="0"/>
-                <xsd:element ref="ns2:LastHandOff" minOccurs="0"/>
-                <xsd:element ref="ns2:LastModifiedDateTime" minOccurs="0"/>
-                <xsd:element ref="ns2:LastPreviewErrorLookup" minOccurs="0"/>
-                <xsd:element ref="ns2:LastPreviewResultLookup" minOccurs="0"/>
-                <xsd:element ref="ns2:LastPreviewAttemptDateLookup" minOccurs="0"/>
-                <xsd:element ref="ns2:LastPreviewedByLookup" minOccurs="0"/>
-                <xsd:element ref="ns2:LastPreviewTimeLookup" minOccurs="0"/>
-                <xsd:element ref="ns2:LastPreviewVersionLookup" minOccurs="0"/>
-                <xsd:element ref="ns2:LastPublishErrorLookup" minOccurs="0"/>
-                <xsd:element ref="ns2:LastPublishResultLookup" minOccurs="0"/>
-                <xsd:element ref="ns2:LastPublishAttemptDateLookup" minOccurs="0"/>
-                <xsd:element ref="ns2:LastPublishedByLookup" minOccurs="0"/>
-                <xsd:element ref="ns2:LastPublishTimeLookup" minOccurs="0"/>
-                <xsd:element ref="ns2:LastPublishVersionLookup" minOccurs="0"/>
-                <xsd:element ref="ns2:TPLaunchHelpLinkType" minOccurs="0"/>
-                <xsd:element ref="ns2:LegacyData" minOccurs="0"/>
-                <xsd:element ref="ns2:TPLaunchHelpLink" minOccurs="0"/>
-                <xsd:element ref="ns2:LocComments" minOccurs="0"/>
-                <xsd:element ref="ns2:LocLastLocAttemptVersionLookup" minOccurs="0"/>
-                <xsd:element ref="ns2:LocLastLocAttemptVersionTypeLookup" minOccurs="0"/>
-                <xsd:element ref="ns2:LocManualTestRequired" minOccurs="0"/>
-                <xsd:element ref="ns2:LocMarketGroupTiers2" minOccurs="0"/>
-                <xsd:element ref="ns2:LocNewPublishedVersionLookup" minOccurs="0"/>
-                <xsd:element ref="ns2:LocOverallHandbackStatusLookup" minOccurs="0"/>
-                <xsd:element ref="ns2:LocOverallLocStatusLookup" minOccurs="0"/>
-                <xsd:element ref="ns2:LocOverallPreviewStatusLookup" minOccurs="0"/>
-                <xsd:element ref="ns2:LocOverallPublishStatusLookup" minOccurs="0"/>
-                <xsd:element ref="ns2:IntlLocPriority" minOccurs="0"/>
-                <xsd:element ref="ns2:LocProcessedForHandoffsLookup" minOccurs="0"/>
-                <xsd:element ref="ns2:LocProcessedForMarketsLookup" minOccurs="0"/>
-                <xsd:element ref="ns2:LocPublishedDependentAssetsLookup" minOccurs="0"/>
-                <xsd:element ref="ns2:LocPublishedLinkedAssetsLookup" minOccurs="0"/>
-                <xsd:element ref="ns2:LocRecommendedHandoff" minOccurs="0"/>
-                <xsd:element ref="ns2:LocalizationTagsTaxHTField0" minOccurs="0"/>
-                <xsd:element ref="ns2:MachineTranslated" minOccurs="0"/>
-                <xsd:element ref="ns2:Manager" minOccurs="0"/>
-                <xsd:element ref="ns2:Markets" minOccurs="0"/>
-                <xsd:element ref="ns2:Milestone" minOccurs="0"/>
-                <xsd:element ref="ns2:TPNamespace" minOccurs="0"/>
-                <xsd:element ref="ns2:NumericId" minOccurs="0"/>
-                <xsd:element ref="ns2:NumOfRatingsLookup" minOccurs="0"/>
-                <xsd:element ref="ns2:OOCacheId" minOccurs="0"/>
-                <xsd:element ref="ns2:OpenTemplate" minOccurs="0"/>
-                <xsd:element ref="ns2:OriginAsset" minOccurs="0"/>
-                <xsd:element ref="ns2:OriginalRelease" minOccurs="0"/>
-                <xsd:element ref="ns2:OriginalSourceMarket" minOccurs="0"/>
-                <xsd:element ref="ns2:OutputCachingOn" minOccurs="0"/>
-                <xsd:element ref="ns2:ParentAssetId" minOccurs="0"/>
-                <xsd:element ref="ns2:PlannedPubDate" minOccurs="0"/>
-                <xsd:element ref="ns2:PolicheckWords" minOccurs="0"/>
-                <xsd:element ref="ns2:BusinessGroup" minOccurs="0"/>
-                <xsd:element ref="ns2:UAProjectedTotalWords" minOccurs="0"/>
-                <xsd:element ref="ns2:Provider" minOccurs="0"/>
-                <xsd:element ref="ns2:Providers" minOccurs="0"/>
-                <xsd:element ref="ns2:PublishStatusLookup" minOccurs="0"/>
-                <xsd:element ref="ns2:PublishTargets" minOccurs="0"/>
-                <xsd:element ref="ns2:RecommendationsModifier" minOccurs="0"/>
-                <xsd:element ref="ns2:ArtSampleDocs" minOccurs="0"/>
-                <xsd:element ref="ns2:ScenarioTagsTaxHTField0" minOccurs="0"/>
-                <xsd:element ref="ns2:ShowIn" minOccurs="0"/>
-                <xsd:element ref="ns2:SourceTitle" minOccurs="0"/>
-                <xsd:element ref="ns2:CSXSubmissionDate" minOccurs="0"/>
-                <xsd:element ref="ns2:SubmitterId" minOccurs="0"/>
-                <xsd:element ref="ns2:TaxCatchAll" minOccurs="0"/>
-                <xsd:element ref="ns2:TaxCatchAllLabel" minOccurs="0"/>
-                <xsd:element ref="ns2:TemplateStatus" minOccurs="0"/>
-                <xsd:element ref="ns2:TemplateTemplateType" minOccurs="0"/>
-                <xsd:element ref="ns2:ThumbnailAssetId" minOccurs="0"/>
-                <xsd:element ref="ns2:TimesCloned" minOccurs="0"/>
-                <xsd:element ref="ns2:TrustLevel" minOccurs="0"/>
-                <xsd:element ref="ns2:UALocComments" minOccurs="0"/>
-                <xsd:element ref="ns2:UALocRecommendation" minOccurs="0"/>
-                <xsd:element ref="ns2:UANotes" minOccurs="0"/>
-                <xsd:element ref="ns2:TPAppVersion" minOccurs="0"/>
-                <xsd:element ref="ns2:VoteCount" minOccurs="0"/>
-              </xsd:all>
-            </xsd:complexType>
-          </xsd:element>
-        </xsd:sequence>
-      </xsd:complexType>
-    </xsd:element>
-  </xsd:schema>
-  <xsd:schema xmlns:xsd="http://www.w3.org/2001/XMLSchema" xmlns:xs="http://www.w3.org/2001/XMLSchema" xmlns:dms="http://schemas.microsoft.com/office/2006/documentManagement/types" xmlns:pc="http://schemas.microsoft.com/office/infopath/2007/PartnerControls" targetNamespace="4873beb7-5857-4685-be1f-d57550cc96cc" elementFormDefault="qualified">
-    <xsd:import namespace="http://schemas.microsoft.com/office/2006/documentManagement/types"/>
-    <xsd:import namespace="http://schemas.microsoft.com/office/infopath/2007/PartnerControls"/>
-    <xsd:element name="AcquiredFrom" ma:index="1" nillable="true" ma:displayName="Acquired From" ma:default="Internal MS" ma:internalName="AcquiredFrom" ma:readOnly="false">
-      <xsd:simpleType>
-        <xsd:restriction base="dms:Choice">
-          <xsd:enumeration value="Internal MS"/>
-          <xsd:enumeration value="Community"/>
-          <xsd:enumeration value="MVP"/>
-          <xsd:enumeration value="Publisher"/>
-          <xsd:enumeration value="Partner"/>
-          <xsd:enumeration value="None"/>
-        </xsd:restriction>
-      </xsd:simpleType>
-    </xsd:element>
-    <xsd:element name="UACurrentWords" ma:index="2" nillable="true" ma:displayName="Actual Word Count" ma:default="" ma:internalName="UACurrentWords" ma:readOnly="false">
-      <xsd:simpleType>
-        <xsd:restriction base="dms:Unknown"/>
-      </xsd:simpleType>
-    </xsd:element>
-    <xsd:element name="TPApplication" ma:index="3" nillable="true" ma:displayName="Application to Open Template With" ma:default="" ma:internalName="TPApplication">
-      <xsd:simpleType>
-        <xsd:restriction base="dms:Text"/>
-      </xsd:simpleType>
-    </xsd:element>
-    <xsd:element name="ApprovalLog" ma:index="4" nillable="true" ma:displayName="Approval Log" ma:default="" ma:hidden="true" ma:internalName="ApprovalLog" ma:readOnly="false">
-      <xsd:simpleType>
-        <xsd:restriction base="dms:Note"/>
-      </xsd:simpleType>
-    </xsd:element>
-    <xsd:element name="ApprovalStatus" ma:index="5" nillable="true" ma:displayName="Approval Status" ma:default="InProgress" ma:internalName="ApprovalStatus" ma:readOnly="false">
-      <xsd:simpleType>
-        <xsd:restriction base="dms:Choice">
-          <xsd:enumeration value="InProgress"/>
-          <xsd:enumeration value="Rejected"/>
-          <xsd:enumeration value="Questionable"/>
-          <xsd:enumeration value="ApprovedAutomatic"/>
-          <xsd:enumeration value="ApprovedManual"/>
-          <xsd:enumeration value="On Hold"/>
-          <xsd:enumeration value="Needs Review"/>
-          <xsd:enumeration value="A Violation"/>
-          <xsd:enumeration value="Unpublished Violation"/>
-        </xsd:restriction>
-      </xsd:simpleType>
-    </xsd:element>
-    <xsd:element name="AssetStart" ma:index="6" nillable="true" ma:displayName="Asset Begin Date" ma:default="[Today]" ma:internalName="AssetStart" ma:readOnly="false">
-      <xsd:simpleType>
-        <xsd:restriction base="dms:DateTime"/>
-      </xsd:simpleType>
-    </xsd:element>
-    <xsd:element name="AssetExpire" ma:index="7" nillable="true" ma:displayName="Asset End Date" ma:default="2029-01-01T08:00:00Z" ma:format="DateTime" ma:internalName="AssetExpire" ma:readOnly="false">
-      <xsd:simpleType>
-        <xsd:restriction base="dms:DateTime"/>
-      </xsd:simpleType>
-    </xsd:element>
-    <xsd:element name="AssetId" ma:index="8" nillable="true" ma:displayName="Asset ID" ma:default="" ma:indexed="true" ma:internalName="AssetId" ma:readOnly="false">
-      <xsd:simpleType>
-        <xsd:restriction base="dms:Text">
-          <xsd:maxLength value="255"/>
-        </xsd:restriction>
-      </xsd:simpleType>
-    </xsd:element>
-    <xsd:element name="IsSearchable" ma:index="9" nillable="true" ma:displayName="Asset Searchable?" ma:default="true" ma:internalName="IsSearchable" ma:readOnly="false">
-      <xsd:simpleType>
-        <xsd:restriction base="dms:Boolean"/>
-      </xsd:simpleType>
-    </xsd:element>
-    <xsd:element name="AssetType" ma:index="10" nillable="true" ma:displayName="Asset Type" ma:default="" ma:internalName="AssetType" ma:readOnly="false">
-      <xsd:simpleType>
-        <xsd:restriction base="dms:Unknown"/>
-      </xsd:simpleType>
-    </xsd:element>
-    <xsd:element name="APAuthor" ma:index="11" nillable="true" ma:displayName="Author" ma:default="" ma:list="UserInfo" ma:internalName="APAuthor" ma:readOnly="false">
-      <xsd:complexType>
-        <xsd:complexContent>
-          <xsd:extension base="dms:User">
-            <xsd:sequence>
-              <xsd:element name="UserInfo" minOccurs="0" maxOccurs="unbounded">
-                <xsd:complexType>
-                  <xsd:sequence>
-                    <xsd:element name="DisplayName" type="xsd:string" minOccurs="0"/>
-                    <xsd:element name="AccountId" type="dms:UserId" minOccurs="0" nillable="true"/>
-                    <xsd:element name="AccountType" type="xsd:string" minOccurs="0"/>
-                  </xsd:sequence>
-                </xsd:complexType>
-              </xsd:element>
-            </xsd:sequence>
-          </xsd:extension>
-        </xsd:complexContent>
-      </xsd:complexType>
-    </xsd:element>
-    <xsd:element name="AverageRating" ma:index="12" nillable="true" ma:displayName="Average Rating" ma:internalName="AverageRating" ma:readOnly="false">
-      <xsd:simpleType>
-        <xsd:restriction base="dms:Text"/>
-      </xsd:simpleType>
-    </xsd:element>
-    <xsd:element name="BlockPublish" ma:index="13" nillable="true" ma:displayName="Block from Publishing?" ma:default="" ma:internalName="BlockPublish" ma:readOnly="false">
-      <xsd:simpleType>
-        <xsd:restriction base="dms:Boolean"/>
-      </xsd:simpleType>
-    </xsd:element>
-    <xsd:element name="BugNumber" ma:index="14" nillable="true" ma:displayName="Bug Number" ma:default="" ma:internalName="BugNumber" ma:readOnly="false">
-      <xsd:simpleType>
-        <xsd:restriction base="dms:Text"/>
-      </xsd:simpleType>
-    </xsd:element>
-    <xsd:element name="CampaignTagsTaxHTField0" ma:index="16" nillable="true" ma:taxonomy="true" ma:internalName="CampaignTagsTaxHTField0" ma:taxonomyFieldName="CampaignTags" ma:displayName="Campaigns" ma:readOnly="false" ma:default="" ma:fieldId="{1df42cc3-2301-4f11-a52a-6ead923c29ed}" ma:taxonomyMulti="true" ma:sspId="8f79753a-75d3-41f5-8ca3-40b843941b4f" ma:termSetId="ca0e50d4-faa1-44ce-961e-bb1441c60e66" ma:anchorId="00000000-0000-0000-0000-000000000000" ma:open="false" ma:isKeyword="false">
-      <xsd:complexType>
-        <xsd:sequence>
-          <xsd:element ref="pc:Terms" minOccurs="0" maxOccurs="1"/>
-        </xsd:sequence>
-      </xsd:complexType>
-    </xsd:element>
-    <xsd:element name="TPClientViewer" ma:index="17" nillable="true" ma:displayName="Client Viewer" ma:default="" ma:internalName="TPClientViewer">
-      <xsd:simpleType>
-        <xsd:restriction base="dms:Text"/>
-      </xsd:simpleType>
-    </xsd:element>
-    <xsd:element name="ClipArtFilename" ma:index="18" nillable="true" ma:displayName="Clip Art Name" ma:default="" ma:internalName="ClipArtFilename" ma:readOnly="false">
-      <xsd:simpleType>
-        <xsd:restriction base="dms:Text"/>
-      </xsd:simpleType>
-    </xsd:element>
-    <xsd:element name="TPCommandLine" ma:index="19" nillable="true" ma:displayName="Command Line" ma:default="" ma:internalName="TPCommandLine">
-      <xsd:simpleType>
-        <xsd:restriction base="dms:Text"/>
-      </xsd:simpleType>
-    </xsd:element>
-    <xsd:element name="TPComponent" ma:index="20" nillable="true" ma:displayName="Component" ma:default="" ma:internalName="TPComponent">
-      <xsd:simpleType>
-        <xsd:restriction base="dms:Text"/>
-      </xsd:simpleType>
-    </xsd:element>
-    <xsd:element name="ContentItem" ma:index="21" nillable="true" ma:displayName="Content Item" ma:default="" ma:hidden="true" ma:internalName="ContentItem" ma:readOnly="false">
-      <xsd:simpleType>
-        <xsd:restriction base="dms:Unknown"/>
-      </xsd:simpleType>
-    </xsd:element>
-    <xsd:element name="CrawlForDependencies" ma:index="23" nillable="true" ma:displayName="Crawl for Dependencies?" ma:default="true" ma:internalName="CrawlForDependencies" ma:readOnly="false">
-      <xsd:simpleType>
-        <xsd:restriction base="dms:Boolean"/>
-      </xsd:simpleType>
-    </xsd:element>
-    <xsd:element name="CSXHash" ma:index="26" nillable="true" ma:displayName="CSX Hash" ma:default="" ma:indexed="true" ma:internalName="CSXHash" ma:readOnly="false">
-      <xsd:simpleType>
-        <xsd:restriction base="dms:Text"/>
-      </xsd:simpleType>
-    </xsd:element>
-    <xsd:element name="CSXSubmissionMarket" ma:index="27" nillable="true" ma:displayName="CSX Submission Market" ma:default="" ma:list="{2FBD1B11-2ACE-4FDC-B5A3-635D4ADF6F1B}" ma:internalName="CSXSubmissionMarket" ma:readOnly="false" ma:showField="MarketName" ma:web="4873beb7-5857-4685-be1f-d57550cc96cc">
-      <xsd:simpleType>
-        <xsd:restriction base="dms:Lookup"/>
-      </xsd:simpleType>
-    </xsd:element>
-    <xsd:element name="CSXUpdate" ma:index="28" nillable="true" ma:displayName="CSX Updated?" ma:default="false" ma:internalName="CSXUpdate" ma:readOnly="false">
-      <xsd:simpleType>
-        <xsd:restriction base="dms:Boolean"/>
-      </xsd:simpleType>
-    </xsd:element>
-    <xsd:element name="IntlLangReviewDate" ma:index="29" nillable="true" ma:displayName="Date to Complete Intl QA" ma:default="" ma:internalName="IntlLangReviewDate" ma:readOnly="false">
-      <xsd:simpleType>
-        <xsd:restriction base="dms:DateTime"/>
-      </xsd:simpleType>
-    </xsd:element>
-    <xsd:element name="IsDeleted" ma:index="30" nillable="true" ma:displayName="Deleted?" ma:default="" ma:internalName="IsDeleted" ma:readOnly="false">
-      <xsd:simpleType>
-        <xsd:restriction base="dms:Boolean"/>
-      </xsd:simpleType>
-    </xsd:element>
-    <xsd:element name="APDescription" ma:index="31" nillable="true" ma:displayName="Description" ma:default="" ma:internalName="APDescription" ma:readOnly="false">
-      <xsd:simpleType>
-        <xsd:restriction base="dms:Note"/>
-      </xsd:simpleType>
-    </xsd:element>
-    <xsd:element name="DirectSourceMarket" ma:index="32" nillable="true" ma:displayName="Direct Source Market Group" ma:default="" ma:internalName="DirectSourceMarket" ma:readOnly="false">
-      <xsd:simpleType>
-        <xsd:restriction base="dms:Text"/>
-      </xsd:simpleType>
-    </xsd:element>
-    <xsd:element name="Downloads" ma:index="33" nillable="true" ma:displayName="Downloads" ma:default="0" ma:hidden="true" ma:internalName="Downloads" ma:readOnly="false">
-      <xsd:simpleType>
-        <xsd:restriction base="dms:Unknown"/>
-      </xsd:simpleType>
-    </xsd:element>
-    <xsd:element name="DSATActionTaken" ma:index="34" nillable="true" ma:displayName="DSAT Action Taken" ma:default="" ma:internalName="DSATActionTaken" ma:readOnly="false">
-      <xsd:simpleType>
-        <xsd:restriction base="dms:Choice">
-          <xsd:enumeration value="Best Bets"/>
-          <xsd:enumeration value="Expire"/>
-          <xsd:enumeration value="Hide"/>
-          <xsd:enumeration value="None"/>
-        </xsd:restriction>
-      </xsd:simpleType>
-    </xsd:element>
-    <xsd:element name="APEditor" ma:index="35" nillable="true" ma:displayName="Editor" ma:default="" ma:list="UserInfo" ma:internalName="APEditor" ma:readOnly="false">
-      <xsd:complexType>
-        <xsd:complexContent>
-          <xsd:extension base="dms:User">
-            <xsd:sequence>
-              <xsd:element name="UserInfo" minOccurs="0" maxOccurs="unbounded">
-                <xsd:complexType>
-                  <xsd:sequence>
-                    <xsd:element name="DisplayName" type="xsd:string" minOccurs="0"/>
-                    <xsd:element name="AccountId" type="dms:UserId" minOccurs="0" nillable="true"/>
-                    <xsd:element name="AccountType" type="xsd:string" minOccurs="0"/>
-                  </xsd:sequence>
-                </xsd:complexType>
-              </xsd:element>
-            </xsd:sequence>
-          </xsd:extension>
-        </xsd:complexContent>
-      </xsd:complexType>
-    </xsd:element>
-    <xsd:element name="EditorialStatus" ma:index="36" nillable="true" ma:displayName="Editorial Status" ma:default="" ma:internalName="EditorialStatus" ma:readOnly="false">
-      <xsd:simpleType>
-        <xsd:restriction base="dms:Unknown"/>
-      </xsd:simpleType>
-    </xsd:element>
-    <xsd:element name="EditorialTags" ma:index="37" nillable="true" ma:displayName="Editorial Tags" ma:default="" ma:internalName="EditorialTags">
-      <xsd:simpleType>
-        <xsd:restriction base="dms:Unknown"/>
-      </xsd:simpleType>
-    </xsd:element>
-    <xsd:element name="TPExecutable" ma:index="38" nillable="true" ma:displayName="Executable" ma:default="" ma:internalName="TPExecutable">
-      <xsd:simpleType>
-        <xsd:restriction base="dms:Text"/>
-      </xsd:simpleType>
-    </xsd:element>
-    <xsd:element name="FeatureTagsTaxHTField0" ma:index="40" nillable="true" ma:taxonomy="true" ma:internalName="FeatureTagsTaxHTField0" ma:taxonomyFieldName="FeatureTags" ma:displayName="Features" ma:readOnly="false" ma:default="" ma:fieldId="{7fc0d542-15c6-4882-a8e3-13bca44403fb}" ma:taxonomyMulti="true" ma:sspId="8f79753a-75d3-41f5-8ca3-40b843941b4f" ma:termSetId="f1ab6845-967d-4854-a0ba-4ec07f0f8113" ma:anchorId="00000000-0000-0000-0000-000000000000" ma:open="false" ma:isKeyword="false">
-      <xsd:complexType>
-        <xsd:sequence>
-          <xsd:element ref="pc:Terms" minOccurs="0" maxOccurs="1"/>
-        </xsd:sequence>
-      </xsd:complexType>
-    </xsd:element>
-    <xsd:element name="TPFriendlyName" ma:index="41" nillable="true" ma:displayName="Friendly Name" ma:default="" ma:internalName="TPFriendlyName">
-      <xsd:simpleType>
-        <xsd:restriction base="dms:Text"/>
-      </xsd:simpleType>
-    </xsd:element>
-    <xsd:element name="FriendlyTitle" ma:index="42" nillable="true" ma:displayName="Friendly Title" ma:default="" ma:description="Shorter title to be used when displaying search results" ma:internalName="FriendlyTitle" ma:readOnly="false">
-      <xsd:simpleType>
-        <xsd:restriction base="dms:Text"/>
-      </xsd:simpleType>
-    </xsd:element>
-    <xsd:element name="PrimaryImageGen" ma:index="43" nillable="true" ma:displayName="Generate Images?" ma:default="true" ma:internalName="PrimaryImageGen">
-      <xsd:simpleType>
-        <xsd:restriction base="dms:Boolean"/>
-      </xsd:simpleType>
-    </xsd:element>
-    <xsd:element name="HandoffToMSDN" ma:index="44" nillable="true" ma:displayName="Handoff To MSDN Date" ma:default="" ma:internalName="HandoffToMSDN" ma:readOnly="false">
-      <xsd:simpleType>
-        <xsd:restriction base="dms:DateTime"/>
-      </xsd:simpleType>
-    </xsd:element>
-    <xsd:element name="InProjectListLookup" ma:index="45" nillable="true" ma:displayName="InProjectListLookup" ma:list="{9E343742-310B-4684-A24C-1D137CB4B230}" ma:internalName="InProjectListLookup" ma:readOnly="true" ma:showField="InProjectList" ma:web="4873beb7-5857-4685-be1f-d57550cc96cc">
-      <xsd:complexType>
-        <xsd:complexContent>
-          <xsd:extension base="dms:MultiChoiceLookup">
-            <xsd:sequence>
-              <xsd:element name="Value" type="dms:Lookup" maxOccurs="unbounded" minOccurs="0" nillable="true"/>
-            </xsd:sequence>
-          </xsd:extension>
-        </xsd:complexContent>
-      </xsd:complexType>
-    </xsd:element>
-    <xsd:element name="TPInstallLocation" ma:index="46" nillable="true" ma:displayName="Install Location" ma:default="" ma:internalName="TPInstallLocation">
-      <xsd:simpleType>
-        <xsd:restriction base="dms:Text"/>
-      </xsd:simpleType>
-    </xsd:element>
-    <xsd:element name="InternalTagsTaxHTField0" ma:index="48" nillable="true" ma:taxonomy="true" ma:internalName="InternalTagsTaxHTField0" ma:taxonomyFieldName="InternalTags" ma:displayName="Internal Tags" ma:readOnly="false" ma:default="" ma:fieldId="{1490b8a4-2706-41ec-b5e3-73176dccf34e}" ma:taxonomyMulti="true" ma:sspId="8f79753a-75d3-41f5-8ca3-40b843941b4f" ma:termSetId="82b6639e-f7fc-4c18-ad2d-003a6e707765" ma:anchorId="00000000-0000-0000-0000-000000000000" ma:open="false" ma:isKeyword="false">
-      <xsd:complexType>
-        <xsd:sequence>
-          <xsd:element ref="pc:Terms" minOccurs="0" maxOccurs="1"/>
-        </xsd:sequence>
-      </xsd:complexType>
-    </xsd:element>
-    <xsd:element name="IntlLangReview" ma:index="49" nillable="true" ma:displayName="Intl Lang QA Review Required?" ma:default="" ma:internalName="IntlLangReview" ma:readOnly="false">
-      <xsd:simpleType>
-        <xsd:restriction base="dms:Boolean"/>
-      </xsd:simpleType>
-    </xsd:element>
-    <xsd:element name="IntlLangReviewer" ma:index="50" nillable="true" ma:displayName="Intl Lang QA Reviewer" ma:default="" ma:internalName="IntlLangReviewer" ma:readOnly="false">
-      <xsd:simpleType>
-        <xsd:restriction base="dms:Text"/>
-      </xsd:simpleType>
-    </xsd:element>
-    <xsd:element name="MarketSpecific" ma:index="51" nillable="true" ma:displayName="Is Market Specific?" ma:default="" ma:internalName="MarketSpecific" ma:readOnly="false">
-      <xsd:simpleType>
-        <xsd:restriction base="dms:Boolean"/>
-      </xsd:simpleType>
-    </xsd:element>
-    <xsd:element name="LastCompleteVersionLookup" ma:index="52" nillable="true" ma:displayName="Last Complete Version Lookup" ma:default="" ma:list="{9E343742-310B-4684-A24C-1D137CB4B230}" ma:internalName="LastCompleteVersionLookup" ma:readOnly="true" ma:showField="LastCompleteVersion" ma:web="4873beb7-5857-4685-be1f-d57550cc96cc">
-      <xsd:complexType>
-        <xsd:complexContent>
-          <xsd:extension base="dms:MultiChoiceLookup">
-            <xsd:sequence>
-              <xsd:element name="Value" type="dms:Lookup" maxOccurs="unbounded" minOccurs="0" nillable="true"/>
-            </xsd:sequence>
-          </xsd:extension>
-        </xsd:complexContent>
-      </xsd:complexType>
-    </xsd:element>
-    <xsd:element name="LastHandOff" ma:index="53" nillable="true" ma:displayName="Last Hand-off" ma:default="" ma:internalName="LastHandOff" ma:readOnly="false">
-      <xsd:simpleType>
-        <xsd:restriction base="dms:DateTime"/>
-      </xsd:simpleType>
-    </xsd:element>
-    <xsd:element name="LastModifiedDateTime" ma:index="54" nillable="true" ma:displayName="Last Modified Date" ma:default="" ma:internalName="LastModifiedDateTime" ma:readOnly="false">
-      <xsd:simpleType>
-        <xsd:restriction base="dms:DateTime"/>
-      </xsd:simpleType>
-    </xsd:element>
-    <xsd:element name="LastPreviewErrorLookup" ma:index="55" nillable="true" ma:displayName="Last Preview Attempt Error" ma:default="" ma:list="{9E343742-310B-4684-A24C-1D137CB4B230}" ma:internalName="LastPreviewErrorLookup" ma:readOnly="true" ma:showField="LastPreviewError" ma:web="4873beb7-5857-4685-be1f-d57550cc96cc">
-      <xsd:complexType>
-        <xsd:complexContent>
-          <xsd:extension base="dms:MultiChoiceLookup">
-            <xsd:sequence>
-              <xsd:element name="Value" type="dms:Lookup" maxOccurs="unbounded" minOccurs="0" nillable="true"/>
-            </xsd:sequence>
-          </xsd:extension>
-        </xsd:complexContent>
-      </xsd:complexType>
-    </xsd:element>
-    <xsd:element name="LastPreviewResultLookup" ma:index="56" nillable="true" ma:displayName="Last Preview Attempt Result" ma:default="" ma:list="{9E343742-310B-4684-A24C-1D137CB4B230}" ma:internalName="LastPreviewResultLookup" ma:readOnly="true" ma:showField="LastPreviewResult" ma:web="4873beb7-5857-4685-be1f-d57550cc96cc">
-      <xsd:complexType>
-        <xsd:complexContent>
-          <xsd:extension base="dms:MultiChoiceLookup">
-            <xsd:sequence>
-              <xsd:element name="Value" type="dms:Lookup" maxOccurs="unbounded" minOccurs="0" nillable="true"/>
-            </xsd:sequence>
-          </xsd:extension>
-        </xsd:complexContent>
-      </xsd:complexType>
-    </xsd:element>
-    <xsd:element name="LastPreviewAttemptDateLookup" ma:index="57" nillable="true" ma:displayName="Last Preview Attempted On" ma:default="" ma:list="{9E343742-310B-4684-A24C-1D137CB4B230}" ma:internalName="LastPreviewAttemptDateLookup" ma:readOnly="true" ma:showField="LastPreviewAttemptDate" ma:web="4873beb7-5857-4685-be1f-d57550cc96cc">
-      <xsd:complexType>
-        <xsd:complexContent>
-          <xsd:extension base="dms:MultiChoiceLookup">
-            <xsd:sequence>
-              <xsd:element name="Value" type="dms:Lookup" maxOccurs="unbounded" minOccurs="0" nillable="true"/>
-            </xsd:sequence>
-          </xsd:extension>
-        </xsd:complexContent>
-      </xsd:complexType>
-    </xsd:element>
-    <xsd:element name="LastPreviewedByLookup" ma:index="58" nillable="true" ma:displayName="Last Previewed By" ma:default="" ma:list="{9E343742-310B-4684-A24C-1D137CB4B230}" ma:internalName="LastPreviewedByLookup" ma:readOnly="true" ma:showField="LastPreviewedBy" ma:web="4873beb7-5857-4685-be1f-d57550cc96cc">
-      <xsd:complexType>
-        <xsd:complexContent>
-          <xsd:extension base="dms:MultiChoiceLookup">
-            <xsd:sequence>
-              <xsd:element name="Value" type="dms:Lookup" maxOccurs="unbounded" minOccurs="0" nillable="true"/>
-            </xsd:sequence>
-          </xsd:extension>
-        </xsd:complexContent>
-      </xsd:complexType>
-    </xsd:element>
-    <xsd:element name="LastPreviewTimeLookup" ma:index="59" nillable="true" ma:displayName="Last Previewed Date" ma:default="" ma:list="{9E343742-310B-4684-A24C-1D137CB4B230}" ma:internalName="LastPreviewTimeLookup" ma:readOnly="true" ma:showField="LastPreviewTime" ma:web="4873beb7-5857-4685-be1f-d57550cc96cc">
-      <xsd:complexType>
-        <xsd:complexContent>
-          <xsd:extension base="dms:MultiChoiceLookup">
-            <xsd:sequence>
-              <xsd:element name="Value" type="dms:Lookup" maxOccurs="unbounded" minOccurs="0" nillable="true"/>
-            </xsd:sequence>
-          </xsd:extension>
-        </xsd:complexContent>
-      </xsd:complexType>
-    </xsd:element>
-    <xsd:element name="LastPreviewVersionLookup" ma:index="60" nillable="true" ma:displayName="Last Previewed Version" ma:default="" ma:list="{9E343742-310B-4684-A24C-1D137CB4B230}" ma:internalName="LastPreviewVersionLookup" ma:readOnly="true" ma:showField="LastPreviewVersion" ma:web="4873beb7-5857-4685-be1f-d57550cc96cc">
-      <xsd:complexType>
-        <xsd:complexContent>
-          <xsd:extension base="dms:MultiChoiceLookup">
-            <xsd:sequence>
-              <xsd:element name="Value" type="dms:Lookup" maxOccurs="unbounded" minOccurs="0" nillable="true"/>
-            </xsd:sequence>
-          </xsd:extension>
-        </xsd:complexContent>
-      </xsd:complexType>
-    </xsd:element>
-    <xsd:element name="LastPublishErrorLookup" ma:index="61" nillable="true" ma:displayName="Last Publish Attempt Error" ma:default="" ma:list="{9E343742-310B-4684-A24C-1D137CB4B230}" ma:internalName="LastPublishErrorLookup" ma:readOnly="true" ma:showField="LastPublishError" ma:web="4873beb7-5857-4685-be1f-d57550cc96cc">
-      <xsd:complexType>
-        <xsd:complexContent>
-          <xsd:extension base="dms:MultiChoiceLookup">
-            <xsd:sequence>
-              <xsd:element name="Value" type="dms:Lookup" maxOccurs="unbounded" minOccurs="0" nillable="true"/>
-            </xsd:sequence>
-          </xsd:extension>
-        </xsd:complexContent>
-      </xsd:complexType>
-    </xsd:element>
-    <xsd:element name="LastPublishResultLookup" ma:index="62" nillable="true" ma:displayName="Last Publish Attempt Result" ma:default="" ma:list="{9E343742-310B-4684-A24C-1D137CB4B230}" ma:internalName="LastPublishResultLookup" ma:readOnly="true" ma:showField="LastPublishResult" ma:web="4873beb7-5857-4685-be1f-d57550cc96cc">
-      <xsd:complexType>
-        <xsd:complexContent>
-          <xsd:extension base="dms:MultiChoiceLookup">
-            <xsd:sequence>
-              <xsd:element name="Value" type="dms:Lookup" maxOccurs="unbounded" minOccurs="0" nillable="true"/>
-            </xsd:sequence>
-          </xsd:extension>
-        </xsd:complexContent>
-      </xsd:complexType>
-    </xsd:element>
-    <xsd:element name="LastPublishAttemptDateLookup" ma:index="63" nillable="true" ma:displayName="Last Publish Attempted On" ma:default="" ma:list="{9E343742-310B-4684-A24C-1D137CB4B230}" ma:internalName="LastPublishAttemptDateLookup" ma:readOnly="true" ma:showField="LastPublishAttemptDate" ma:web="4873beb7-5857-4685-be1f-d57550cc96cc">
-      <xsd:complexType>
-        <xsd:complexContent>
-          <xsd:extension base="dms:MultiChoiceLookup">
-            <xsd:sequence>
-              <xsd:element name="Value" type="dms:Lookup" maxOccurs="unbounded" minOccurs="0" nillable="true"/>
-            </xsd:sequence>
-          </xsd:extension>
-        </xsd:complexContent>
-      </xsd:complexType>
-    </xsd:element>
-    <xsd:element name="LastPublishedByLookup" ma:index="64" nillable="true" ma:displayName="Last Published By" ma:default="" ma:list="{9E343742-310B-4684-A24C-1D137CB4B230}" ma:internalName="LastPublishedByLookup" ma:readOnly="true" ma:showField="LastPublishedBy" ma:web="4873beb7-5857-4685-be1f-d57550cc96cc">
-      <xsd:complexType>
-        <xsd:complexContent>
-          <xsd:extension base="dms:MultiChoiceLookup">
-            <xsd:sequence>
-              <xsd:element name="Value" type="dms:Lookup" maxOccurs="unbounded" minOccurs="0" nillable="true"/>
-            </xsd:sequence>
-          </xsd:extension>
-        </xsd:complexContent>
-      </xsd:complexType>
-    </xsd:element>
-    <xsd:element name="LastPublishTimeLookup" ma:index="65" nillable="true" ma:displayName="Last Published Date" ma:default="" ma:list="{9E343742-310B-4684-A24C-1D137CB4B230}" ma:internalName="LastPublishTimeLookup" ma:readOnly="true" ma:showField="LastPublishTime" ma:web="4873beb7-5857-4685-be1f-d57550cc96cc">
-      <xsd:complexType>
-        <xsd:complexContent>
-          <xsd:extension base="dms:MultiChoiceLookup">
-            <xsd:sequence>
-              <xsd:element name="Value" type="dms:Lookup" maxOccurs="unbounded" minOccurs="0" nillable="true"/>
-            </xsd:sequence>
-          </xsd:extension>
-        </xsd:complexContent>
-      </xsd:complexType>
-    </xsd:element>
-    <xsd:element name="LastPublishVersionLookup" ma:index="66" nillable="true" ma:displayName="Last Published Version" ma:default="" ma:list="{9E343742-310B-4684-A24C-1D137CB4B230}" ma:internalName="LastPublishVersionLookup" ma:readOnly="true" ma:showField="LastPublishVersion" ma:web="4873beb7-5857-4685-be1f-d57550cc96cc">
-      <xsd:complexType>
-        <xsd:complexContent>
-          <xsd:extension base="dms:MultiChoiceLookup">
-            <xsd:sequence>
-              <xsd:element name="Value" type="dms:Lookup" maxOccurs="unbounded" minOccurs="0" nillable="true"/>
-            </xsd:sequence>
-          </xsd:extension>
-        </xsd:complexContent>
-      </xsd:complexType>
-    </xsd:element>
-    <xsd:element name="TPLaunchHelpLinkType" ma:index="67" nillable="true" ma:displayName="Launch Help Link Type" ma:default="Template" ma:internalName="TPLaunchHelpLinkType">
-      <xsd:simpleType>
-        <xsd:restriction base="dms:Choice">
-          <xsd:enumeration value="Template"/>
-          <xsd:enumeration value="Training"/>
-          <xsd:enumeration value="URL"/>
-          <xsd:enumeration value="None"/>
-        </xsd:restriction>
-      </xsd:simpleType>
-    </xsd:element>
-    <xsd:element name="LegacyData" ma:index="68" nillable="true" ma:displayName="Legacy Data" ma:default="" ma:internalName="LegacyData" ma:readOnly="false">
-      <xsd:simpleType>
-        <xsd:restriction base="dms:Note"/>
-      </xsd:simpleType>
-    </xsd:element>
-    <xsd:element name="TPLaunchHelpLink" ma:index="69" nillable="true" ma:displayName="Link to Launch Help Topic" ma:default="" ma:internalName="TPLaunchHelpLink">
-      <xsd:simpleType>
-        <xsd:restriction base="dms:Text"/>
-      </xsd:simpleType>
-    </xsd:element>
-    <xsd:element name="LocComments" ma:index="70" nillable="true" ma:displayName="Loc Approval Comments" ma:default="" ma:internalName="LocComments" ma:readOnly="false">
-      <xsd:simpleType>
-        <xsd:restriction base="dms:Note"/>
-      </xsd:simpleType>
-    </xsd:element>
-    <xsd:element name="LocLastLocAttemptVersionLookup" ma:index="71" nillable="true" ma:displayName="Loc Last Loc Attempt Version" ma:default="" ma:list="{7DD1DCEC-E449-43D3-891F-7DC62F62AD21}" ma:internalName="LocLastLocAttemptVersionLookup" ma:readOnly="false" ma:showField="LastLocAttemptVersion" ma:web="4873beb7-5857-4685-be1f-d57550cc96cc">
-      <xsd:simpleType>
-        <xsd:restriction base="dms:Lookup"/>
-      </xsd:simpleType>
-    </xsd:element>
-    <xsd:element name="LocLastLocAttemptVersionTypeLookup" ma:index="72" nillable="true" ma:displayName="Loc Last Loc Attempt Version Type" ma:default="" ma:list="{7DD1DCEC-E449-43D3-891F-7DC62F62AD21}" ma:internalName="LocLastLocAttemptVersionTypeLookup" ma:readOnly="true" ma:showField="LastLocAttemptVersionType" ma:web="4873beb7-5857-4685-be1f-d57550cc96cc">
-      <xsd:simpleType>
-        <xsd:restriction base="dms:Lookup"/>
-      </xsd:simpleType>
-    </xsd:element>
-    <xsd:element name="LocManualTestRequired" ma:index="73" nillable="true" ma:displayName="Loc Manual Test Required" ma:default="" ma:internalName="LocManualTestRequired" ma:readOnly="false">
-      <xsd:simpleType>
-        <xsd:restriction base="dms:Boolean"/>
-      </xsd:simpleType>
-    </xsd:element>
-    <xsd:element name="LocMarketGroupTiers2" ma:index="74" nillable="true" ma:displayName="Loc Market Group Tiers" ma:internalName="LocMarketGroupTiers2" ma:readOnly="false">
-      <xsd:simpleType>
-        <xsd:restriction base="dms:Unknown"/>
-      </xsd:simpleType>
-    </xsd:element>
-    <xsd:element name="LocNewPublishedVersionLookup" ma:index="75" nillable="true" ma:displayName="Loc New Published Version Lookup" ma:default="" ma:list="{7DD1DCEC-E449-43D3-891F-7DC62F62AD21}" ma:internalName="LocNewPublishedVersionLookup" ma:readOnly="true" ma:showField="NewPublishedVersion" ma:web="4873beb7-5857-4685-be1f-d57550cc96cc">
-      <xsd:simpleType>
-        <xsd:restriction base="dms:Lookup"/>
-      </xsd:simpleType>
-    </xsd:element>
-    <xsd:element name="LocOverallHandbackStatusLookup" ma:index="76" nillable="true" ma:displayName="Loc Overall Handback Status" ma:default="" ma:list="{7DD1DCEC-E449-43D3-891F-7DC62F62AD21}" ma:internalName="LocOverallHandbackStatusLookup" ma:readOnly="true" ma:showField="OverallHandbackStatus" ma:web="4873beb7-5857-4685-be1f-d57550cc96cc">
-      <xsd:simpleType>
-        <xsd:restriction base="dms:Lookup"/>
-      </xsd:simpleType>
-    </xsd:element>
-    <xsd:element name="LocOverallLocStatusLookup" ma:index="77" nillable="true" ma:displayName="Loc Overall Localize Status" ma:default="" ma:list="{7DD1DCEC-E449-43D3-891F-7DC62F62AD21}" ma:internalName="LocOverallLocStatusLookup" ma:readOnly="true" ma:showField="OverallLocStatus" ma:web="4873beb7-5857-4685-be1f-d57550cc96cc">
-      <xsd:simpleType>
-        <xsd:restriction base="dms:Lookup"/>
-      </xsd:simpleType>
-    </xsd:element>
-    <xsd:element name="LocOverallPreviewStatusLookup" ma:index="78" nillable="true" ma:displayName="Loc Overall Preview Status" ma:default="" ma:list="{7DD1DCEC-E449-43D3-891F-7DC62F62AD21}" ma:internalName="LocOverallPreviewStatusLookup" ma:readOnly="true" ma:showField="OverallPreviewStatus" ma:web="4873beb7-5857-4685-be1f-d57550cc96cc">
-      <xsd:simpleType>
-        <xsd:restriction base="dms:Lookup"/>
-      </xsd:simpleType>
-    </xsd:element>
-    <xsd:element name="LocOverallPublishStatusLookup" ma:index="79" nillable="true" ma:displayName="Loc Overall Publish Status" ma:default="" ma:list="{7DD1DCEC-E449-43D3-891F-7DC62F62AD21}" ma:internalName="LocOverallPublishStatusLookup" ma:readOnly="true" ma:showField="OverallPublishStatus" ma:web="4873beb7-5857-4685-be1f-d57550cc96cc">
-      <xsd:simpleType>
-        <xsd:restriction base="dms:Lookup"/>
-      </xsd:simpleType>
-    </xsd:element>
-    <xsd:element name="IntlLocPriority" ma:index="80" nillable="true" ma:displayName="Loc Priority" ma:default="" ma:internalName="IntlLocPriority" ma:readOnly="false">
-      <xsd:simpleType>
-        <xsd:restriction base="dms:Unknown"/>
-      </xsd:simpleType>
-    </xsd:element>
-    <xsd:element name="LocProcessedForHandoffsLookup" ma:index="81" nillable="true" ma:displayName="Loc Processed For Handoffs" ma:default="" ma:list="{7DD1DCEC-E449-43D3-891F-7DC62F62AD21}" ma:internalName="LocProcessedForHandoffsLookup" ma:readOnly="true" ma:showField="ProcessedForHandoffs" ma:web="4873beb7-5857-4685-be1f-d57550cc96cc">
-      <xsd:simpleType>
-        <xsd:restriction base="dms:Lookup"/>
-      </xsd:simpleType>
-    </xsd:element>
-    <xsd:element name="LocProcessedForMarketsLookup" ma:index="82" nillable="true" ma:displayName="Loc Processed For Markets" ma:default="" ma:list="{7DD1DCEC-E449-43D3-891F-7DC62F62AD21}" ma:internalName="LocProcessedForMarketsLookup" ma:readOnly="true" ma:showField="ProcessedForMarkets" ma:web="4873beb7-5857-4685-be1f-d57550cc96cc">
-      <xsd:simpleType>
-        <xsd:restriction base="dms:Lookup"/>
-      </xsd:simpleType>
-    </xsd:element>
-    <xsd:element name="LocPublishedDependentAssetsLookup" ma:index="83" nillable="true" ma:displayName="Loc Published Dependent Assets" ma:default="" ma:list="{7DD1DCEC-E449-43D3-891F-7DC62F62AD21}" ma:internalName="LocPublishedDependentAssetsLookup" ma:readOnly="true" ma:showField="PublishedDependentAssets" ma:web="4873beb7-5857-4685-be1f-d57550cc96cc">
-      <xsd:simpleType>
-        <xsd:restriction base="dms:Lookup"/>
-      </xsd:simpleType>
-    </xsd:element>
-    <xsd:element name="LocPublishedLinkedAssetsLookup" ma:index="84" nillable="true" ma:displayName="Loc Published Linked Assets" ma:default="" ma:list="{7DD1DCEC-E449-43D3-891F-7DC62F62AD21}" ma:internalName="LocPublishedLinkedAssetsLookup" ma:readOnly="true" ma:showField="PublishedLinkedAssets" ma:web="4873beb7-5857-4685-be1f-d57550cc96cc">
-      <xsd:simpleType>
-        <xsd:restriction base="dms:Lookup"/>
-      </xsd:simpleType>
-    </xsd:element>
-    <xsd:element name="LocRecommendedHandoff" ma:index="85" nillable="true" ma:displayName="Loc Recommended Handoff" ma:default="" ma:indexed="true" ma:internalName="LocRecommendedHandoff" ma:readOnly="false">
-      <xsd:simpleType>
-        <xsd:restriction base="dms:Text"/>
-      </xsd:simpleType>
-    </xsd:element>
-    <xsd:element name="LocalizationTagsTaxHTField0" ma:index="87" nillable="true" ma:taxonomy="true" ma:internalName="LocalizationTagsTaxHTField0" ma:taxonomyFieldName="LocalizationTags" ma:displayName="Localization Tags" ma:readOnly="false" ma:default="" ma:fieldId="{00f02cb3-2c7c-424a-9c61-10e9b6878429}" ma:taxonomyMulti="true" ma:sspId="8f79753a-75d3-41f5-8ca3-40b843941b4f" ma:termSetId="5b7703a5-8e8b-4b58-8b31-1cea35331da3" ma:anchorId="00000000-0000-0000-0000-000000000000" ma:open="false" ma:isKeyword="false">
-      <xsd:complexType>
-        <xsd:sequence>
-          <xsd:element ref="pc:Terms" minOccurs="0" maxOccurs="1"/>
-        </xsd:sequence>
-      </xsd:complexType>
-    </xsd:element>
-    <xsd:element name="MachineTranslated" ma:index="88" nillable="true" ma:displayName="Machine Translated" ma:default="" ma:internalName="MachineTranslated" ma:readOnly="false">
-      <xsd:simpleType>
-        <xsd:restriction base="dms:Boolean"/>
-      </xsd:simpleType>
-    </xsd:element>
-    <xsd:element name="Manager" ma:index="89" nillable="true" ma:displayName="Manager" ma:hidden="true" ma:internalName="Manager" ma:readOnly="false">
-      <xsd:simpleType>
-        <xsd:restriction base="dms:Text"/>
-      </xsd:simpleType>
-    </xsd:element>
-    <xsd:element name="Markets" ma:index="90" nillable="true" ma:displayName="Markets" ma:default="" ma:description="Leave blank to show in all markets" ma:list="{2FBD1B11-2ACE-4FDC-B5A3-635D4ADF6F1B}" ma:internalName="Markets" ma:readOnly="false" ma:showField="MarketName" ma:web="4873beb7-5857-4685-be1f-d57550cc96cc">
-      <xsd:complexType>
-        <xsd:complexContent>
-          <xsd:extension base="dms:MultiChoiceLookup">
-            <xsd:sequence>
-              <xsd:element name="Value" type="dms:Lookup" maxOccurs="unbounded" minOccurs="0" nillable="true"/>
-            </xsd:sequence>
-          </xsd:extension>
-        </xsd:complexContent>
-      </xsd:complexType>
-    </xsd:element>
-    <xsd:element name="Milestone" ma:index="91" nillable="true" ma:displayName="Milestone" ma:default="" ma:internalName="Milestone" ma:readOnly="false">
-      <xsd:simpleType>
-        <xsd:restriction base="dms:Unknown"/>
-      </xsd:simpleType>
-    </xsd:element>
-    <xsd:element name="TPNamespace" ma:index="94" nillable="true" ma:displayName="Namespace" ma:default="" ma:internalName="TPNamespace">
-      <xsd:simpleType>
-        <xsd:restriction base="dms:Text"/>
-      </xsd:simpleType>
-    </xsd:element>
-    <xsd:element name="NumericId" ma:index="95" nillable="true" ma:displayName="Numeric ID" ma:default="" ma:indexed="true" ma:internalName="NumericId" ma:readOnly="false">
-      <xsd:simpleType>
-        <xsd:restriction base="dms:Number"/>
-      </xsd:simpleType>
-    </xsd:element>
-    <xsd:element name="NumOfRatingsLookup" ma:index="96" nillable="true" ma:displayName="NumOfRatings" ma:default="" ma:list="{9E343742-310B-4684-A24C-1D137CB4B230}" ma:internalName="NumOfRatingsLookup" ma:readOnly="true" ma:showField="NumOfRatings" ma:web="4873beb7-5857-4685-be1f-d57550cc96cc">
-      <xsd:complexType>
-        <xsd:complexContent>
-          <xsd:extension base="dms:MultiChoiceLookup">
-            <xsd:sequence>
-              <xsd:element name="Value" type="dms:Lookup" maxOccurs="unbounded" minOccurs="0" nillable="true"/>
-            </xsd:sequence>
-          </xsd:extension>
-        </xsd:complexContent>
-      </xsd:complexType>
-    </xsd:element>
-    <xsd:element name="OOCacheId" ma:index="97" nillable="true" ma:displayName="OOCacheId" ma:internalName="OOCacheId" ma:readOnly="false">
-      <xsd:simpleType>
-        <xsd:restriction base="dms:Text"/>
-      </xsd:simpleType>
-    </xsd:element>
-    <xsd:element name="OpenTemplate" ma:index="98" nillable="true" ma:displayName="Open Template" ma:default="true" ma:internalName="OpenTemplate">
-      <xsd:simpleType>
-        <xsd:restriction base="dms:Boolean"/>
-      </xsd:simpleType>
-    </xsd:element>
-    <xsd:element name="OriginAsset" ma:index="99" nillable="true" ma:displayName="Origin Asset" ma:default="" ma:internalName="OriginAsset" ma:readOnly="false">
-      <xsd:simpleType>
-        <xsd:restriction base="dms:Text"/>
-      </xsd:simpleType>
-    </xsd:element>
-    <xsd:element name="OriginalRelease" ma:index="100" nillable="true" ma:displayName="Original Release" ma:default="15" ma:internalName="OriginalRelease" ma:readOnly="false">
-      <xsd:simpleType>
-        <xsd:restriction base="dms:Choice">
-          <xsd:enumeration value="14"/>
-          <xsd:enumeration value="15"/>
-          <xsd:enumeration value="16"/>
-        </xsd:restriction>
-      </xsd:simpleType>
-    </xsd:element>
-    <xsd:element name="OriginalSourceMarket" ma:index="101" nillable="true" ma:displayName="Original Source Market Group" ma:default="" ma:internalName="OriginalSourceMarket" ma:readOnly="false">
-      <xsd:simpleType>
-        <xsd:restriction base="dms:Text"/>
-      </xsd:simpleType>
-    </xsd:element>
-    <xsd:element name="OutputCachingOn" ma:index="102" nillable="true" ma:displayName="Output Caching" ma:default="true" ma:hidden="true" ma:internalName="OutputCachingOn" ma:readOnly="false">
-      <xsd:simpleType>
-        <xsd:restriction base="dms:Boolean"/>
-      </xsd:simpleType>
-    </xsd:element>
-    <xsd:element name="ParentAssetId" ma:index="103" nillable="true" ma:displayName="Parent Asset Id" ma:default="" ma:internalName="ParentAssetId" ma:readOnly="false">
-      <xsd:simpleType>
-        <xsd:restriction base="dms:Text"/>
-      </xsd:simpleType>
-    </xsd:element>
-    <xsd:element name="PlannedPubDate" ma:index="104" nillable="true" ma:displayName="Planned Publish Date" ma:default="" ma:indexed="true" ma:internalName="PlannedPubDate" ma:readOnly="false">
-      <xsd:simpleType>
-        <xsd:restriction base="dms:DateTime"/>
-      </xsd:simpleType>
-    </xsd:element>
-    <xsd:element name="PolicheckWords" ma:index="105" nillable="true" ma:displayName="Policheck Words" ma:default="" ma:internalName="PolicheckWords" ma:readOnly="false">
-      <xsd:simpleType>
-        <xsd:restriction base="dms:Text"/>
-      </xsd:simpleType>
-    </xsd:element>
-    <xsd:element name="BusinessGroup" ma:index="106" nillable="true" ma:displayName="Product Division Owner" ma:default="" ma:internalName="BusinessGroup" ma:readOnly="false">
-      <xsd:simpleType>
-        <xsd:restriction base="dms:Unknown"/>
-      </xsd:simpleType>
-    </xsd:element>
-    <xsd:element name="UAProjectedTotalWords" ma:index="107" nillable="true" ma:displayName="Projected Word Count" ma:default="" ma:internalName="UAProjectedTotalWords" ma:readOnly="false">
-      <xsd:simpleType>
-        <xsd:restriction base="dms:Unknown"/>
-      </xsd:simpleType>
-    </xsd:element>
-    <xsd:element name="Provider" ma:index="108" nillable="true" ma:displayName="Provider" ma:default="" ma:internalName="Provider" ma:readOnly="false">
-      <xsd:simpleType>
-        <xsd:restriction base="dms:Unknown"/>
-      </xsd:simpleType>
-    </xsd:element>
-    <xsd:element name="Providers" ma:index="109" nillable="true" ma:displayName="Providers" ma:default="" ma:internalName="Providers">
-      <xsd:simpleType>
-        <xsd:restriction base="dms:Unknown"/>
-      </xsd:simpleType>
-    </xsd:element>
-    <xsd:element name="PublishStatusLookup" ma:index="110" nillable="true" ma:displayName="Publish Status" ma:default="" ma:list="{9E343742-310B-4684-A24C-1D137CB4B230}" ma:internalName="PublishStatusLookup" ma:readOnly="false" ma:showField="PublishStatus" ma:web="4873beb7-5857-4685-be1f-d57550cc96cc">
-      <xsd:complexType>
-        <xsd:complexContent>
-          <xsd:extension base="dms:MultiChoiceLookup">
-            <xsd:sequence>
-              <xsd:element name="Value" type="dms:Lookup" maxOccurs="unbounded" minOccurs="0" nillable="true"/>
-            </xsd:sequence>
-          </xsd:extension>
-        </xsd:complexContent>
-      </xsd:complexType>
-    </xsd:element>
-    <xsd:element name="PublishTargets" ma:index="111" nillable="true" ma:displayName="Publish Target" ma:default="OfficeOnlineVNext" ma:internalName="PublishTargets" ma:readOnly="false">
-      <xsd:simpleType>
-        <xsd:restriction base="dms:Unknown"/>
-      </xsd:simpleType>
-    </xsd:element>
-    <xsd:element name="RecommendationsModifier" ma:index="112" nillable="true" ma:displayName="Recommendations Modifier" ma:default="" ma:internalName="RecommendationsModifier" ma:readOnly="false">
-      <xsd:simpleType>
-        <xsd:restriction base="dms:Number"/>
-      </xsd:simpleType>
-    </xsd:element>
-    <xsd:element name="ArtSampleDocs" ma:index="113" nillable="true" ma:displayName="Sample Docs" ma:default="" ma:hidden="true" ma:internalName="ArtSampleDocs" ma:readOnly="false">
-      <xsd:simpleType>
-        <xsd:restriction base="dms:Text"/>
-      </xsd:simpleType>
-    </xsd:element>
-    <xsd:element name="ScenarioTagsTaxHTField0" ma:index="115" nillable="true" ma:taxonomy="true" ma:internalName="ScenarioTagsTaxHTField0" ma:taxonomyFieldName="ScenarioTags" ma:displayName="Scenarios" ma:readOnly="false" ma:default="" ma:fieldId="{93aef74d-6c78-4815-8310-51477dceeccc}" ma:taxonomyMulti="true" ma:sspId="8f79753a-75d3-41f5-8ca3-40b843941b4f" ma:termSetId="4b7d5f16-e2f2-4fc0-bab3-6e8b931e57d6" ma:anchorId="00000000-0000-0000-0000-000000000000" ma:open="false" ma:isKeyword="false">
-      <xsd:complexType>
-        <xsd:sequence>
-          <xsd:element ref="pc:Terms" minOccurs="0" maxOccurs="1"/>
-        </xsd:sequence>
-      </xsd:complexType>
-    </xsd:element>
-    <xsd:element name="ShowIn" ma:index="117" nillable="true" ma:displayName="Show In" ma:default="Show everywhere" ma:internalName="ShowIn" ma:readOnly="false">
-      <xsd:simpleType>
-        <xsd:restriction base="dms:Choice">
-          <xsd:enumeration value="Hide on web"/>
-          <xsd:enumeration value="On Web no search"/>
-          <xsd:enumeration value="Show everywhere"/>
-          <xsd:enumeration value="Special use only"/>
-        </xsd:restriction>
-      </xsd:simpleType>
-    </xsd:element>
-    <xsd:element name="SourceTitle" ma:index="118" nillable="true" ma:displayName="Source Title" ma:default="" ma:indexed="true" ma:internalName="SourceTitle" ma:readOnly="false">
-      <xsd:simpleType>
-        <xsd:restriction base="dms:Text"/>
-      </xsd:simpleType>
-    </xsd:element>
-    <xsd:element name="CSXSubmissionDate" ma:index="119" nillable="true" ma:displayName="Submission Date" ma:default="" ma:internalName="CSXSubmissionDate" ma:readOnly="false">
-      <xsd:simpleType>
-        <xsd:restriction base="dms:DateTime"/>
-      </xsd:simpleType>
-    </xsd:element>
-    <xsd:element name="SubmitterId" ma:index="120" nillable="true" ma:displayName="Submitter ID" ma:default="" ma:internalName="SubmitterId" ma:readOnly="false">
-      <xsd:simpleType>
-        <xsd:restriction base="dms:Text"/>
-      </xsd:simpleType>
-    </xsd:element>
-    <xsd:element name="TaxCatchAll" ma:index="121" nillable="true" ma:displayName="Taxonomy Catch All Column" ma:hidden="true" ma:list="{530f955b-6704-4601-bd83-f81d87f1e440}" ma:internalName="TaxCatchAll" ma:showField="CatchAllData" ma:web="4873beb7-5857-4685-be1f-d57550cc96cc">
-      <xsd:complexType>
-        <xsd:complexContent>
-          <xsd:extension base="dms:MultiChoiceLookup">
-            <xsd:sequence>
-              <xsd:element name="Value" type="dms:Lookup" maxOccurs="unbounded" minOccurs="0" nillable="true"/>
-            </xsd:sequence>
-          </xsd:extension>
-        </xsd:complexContent>
-      </xsd:complexType>
-    </xsd:element>
-    <xsd:element name="TaxCatchAllLabel" ma:index="122" nillable="true" ma:displayName="Taxonomy Catch All Column1" ma:hidden="true" ma:list="{530f955b-6704-4601-bd83-f81d87f1e440}" ma:internalName="TaxCatchAllLabel" ma:readOnly="true" ma:showField="CatchAllDataLabel" ma:web="4873beb7-5857-4685-be1f-d57550cc96cc">
-      <xsd:complexType>
-        <xsd:complexContent>
-          <xsd:extension base="dms:MultiChoiceLookup">
-            <xsd:sequence>
-              <xsd:element name="Value" type="dms:Lookup" maxOccurs="unbounded" minOccurs="0" nillable="true"/>
-            </xsd:sequence>
-          </xsd:extension>
-        </xsd:complexContent>
-      </xsd:complexType>
-    </xsd:element>
-    <xsd:element name="TemplateStatus" ma:index="123" nillable="true" ma:displayName="Template Status" ma:default="" ma:internalName="TemplateStatus">
-      <xsd:simpleType>
-        <xsd:restriction base="dms:Unknown"/>
-      </xsd:simpleType>
-    </xsd:element>
-    <xsd:element name="TemplateTemplateType" ma:index="124" nillable="true" ma:displayName="Template Type" ma:default="" ma:internalName="TemplateTemplateType">
-      <xsd:simpleType>
-        <xsd:restriction base="dms:Unknown"/>
-      </xsd:simpleType>
-    </xsd:element>
-    <xsd:element name="ThumbnailAssetId" ma:index="125" nillable="true" ma:displayName="Thumbnail Image Asset" ma:default="" ma:internalName="ThumbnailAssetId" ma:readOnly="false">
-      <xsd:simpleType>
-        <xsd:restriction base="dms:Text"/>
-      </xsd:simpleType>
-    </xsd:element>
-    <xsd:element name="TimesCloned" ma:index="126" nillable="true" ma:displayName="Times Cloned" ma:default="" ma:internalName="TimesCloned" ma:readOnly="false">
-      <xsd:simpleType>
-        <xsd:restriction base="dms:Number"/>
-      </xsd:simpleType>
-    </xsd:element>
-    <xsd:element name="TrustLevel" ma:index="128" nillable="true" ma:displayName="Trust Level" ma:default="1 Microsoft Managed Content" ma:internalName="TrustLevel" ma:readOnly="false">
-      <xsd:simpleType>
-        <xsd:restriction base="dms:Unknown"/>
-      </xsd:simpleType>
-    </xsd:element>
-    <xsd:element name="UALocComments" ma:index="129" nillable="true" ma:displayName="UA Loc Comments" ma:default="" ma:internalName="UALocComments" ma:readOnly="false">
-      <xsd:simpleType>
-        <xsd:restriction base="dms:Note"/>
-      </xsd:simpleType>
-    </xsd:element>
-    <xsd:element name="UALocRecommendation" ma:index="130" nillable="true" ma:displayName="UA Loc Recommendation" ma:default="Localize" ma:internalName="UALocRecommendation" ma:readOnly="false">
-      <xsd:simpleType>
-        <xsd:restriction base="dms:Choice">
-          <xsd:enumeration value="Localize"/>
-          <xsd:enumeration value="Never Localize"/>
-          <xsd:enumeration value="Priority Localize"/>
-        </xsd:restriction>
-      </xsd:simpleType>
-    </xsd:element>
-    <xsd:element name="UANotes" ma:index="131" nillable="true" ma:displayName="UA Notes" ma:default="" ma:internalName="UANotes" ma:readOnly="false">
-      <xsd:simpleType>
-        <xsd:restriction base="dms:Note"/>
-      </xsd:simpleType>
-    </xsd:element>
-    <xsd:element name="TPAppVersion" ma:index="132" nillable="true" ma:displayName="Version" ma:default="" ma:internalName="TPAppVersion">
-      <xsd:simpleType>
-        <xsd:restriction base="dms:Text"/>
-      </xsd:simpleType>
-    </xsd:element>
-    <xsd:element name="VoteCount" ma:index="133" nillable="true" ma:displayName="Vote Count" ma:default="" ma:internalName="VoteCount" ma:readOnly="false">
-      <xsd:simpleType>
-        <xsd:restriction base="dms:Unknown"/>
-      </xsd:simpleType>
-    </xsd:element>
-  </xsd:schema>
-  <xsd:schema xmlns="http://schemas.openxmlformats.org/package/2006/metadata/core-properties" xmlns:xsd="http://www.w3.org/2001/XMLSchema" xmlns:xsi="http://www.w3.org/2001/XMLSchema-instance" xmlns:dc="http://purl.org/dc/elements/1.1/" xmlns:dcterms="http://purl.org/dc/terms/" xmlns:odoc="http://schemas.microsoft.com/internal/obd" targetNamespace="http://schemas.openxmlformats.org/package/2006/metadata/core-properties" elementFormDefault="qualified" attributeFormDefault="unqualified" blockDefault="#all">
-    <xsd:import namespace="http://purl.org/dc/elements/1.1/" schemaLocation="http://dublincore.org/schemas/xmls/qdc/2003/04/02/dc.xsd"/>
-    <xsd:import namespace="http://purl.org/dc/terms/" schemaLocation="http://dublincore.org/schemas/xmls/qdc/2003/04/02/dcterms.xsd"/>
-    <xsd:element name="coreProperties" type="CT_coreProperties"/>
-    <xsd:complexType name="CT_coreProperties">
-      <xsd:all>
-        <xsd:element ref="dc:creator" minOccurs="0" maxOccurs="1"/>
-        <xsd:element ref="dcterms:created" minOccurs="0" maxOccurs="1"/>
-        <xsd:element ref="dc:identifier" minOccurs="0" maxOccurs="1"/>
-        <xsd:element name="contentType" minOccurs="0" maxOccurs="1" type="xsd:string" ma:index="22" ma:displayName="Content Type"/>
-        <xsd:element ref="dc:title" minOccurs="0" maxOccurs="1" ma:index="127" ma:displayName="Title"/>
-        <xsd:element ref="dc:subject" minOccurs="0" maxOccurs="1"/>
-        <xsd:element ref="dc:description" minOccurs="0" maxOccurs="1"/>
-        <xsd:element name="keywords" minOccurs="0" maxOccurs="1" type="xsd:string"/>
-        <xsd:element ref="dc:language" minOccurs="0" maxOccurs="1"/>
-        <xsd:element name="category" minOccurs="0" maxOccurs="1" type="xsd:string"/>
-        <xsd:element name="version" minOccurs="0" maxOccurs="1" type="xsd:string"/>
-        <xsd:element name="revision" minOccurs="0" maxOccurs="1" type="xsd:string">
-          <xsd:annotation>
-            <xsd:documentation>
-                        This value indicates the number of saves or revisions. The application is responsible for updating this value after each revision.
-                    </xsd:documentation>
-          </xsd:annotation>
-        </xsd:element>
-        <xsd:element name="lastModifiedBy" minOccurs="0" maxOccurs="1" type="xsd:string"/>
-        <xsd:element ref="dcterms:modified" minOccurs="0" maxOccurs="1"/>
-        <xsd:element name="contentStatus" minOccurs="0" maxOccurs="1" type="xsd:string"/>
-      </xsd:all>
-    </xsd:complexType>
-  </xsd:schema>
-  <xs:schema xmlns:pc="http://schemas.microsoft.com/office/infopath/2007/PartnerControls" xmlns:xs="http://www.w3.org/2001/XMLSchema" targetNamespace="http://schemas.microsoft.com/office/infopath/2007/PartnerControls" elementFormDefault="qualified" attributeFormDefault="unqualified">
-    <xs:element name="Person">
-      <xs:complexType>
-        <xs:sequence>
-          <xs:element ref="pc:DisplayName" minOccurs="0"/>
-          <xs:element ref="pc:AccountId" minOccurs="0"/>
-          <xs:element ref="pc:AccountType" minOccurs="0"/>
-        </xs:sequence>
-      </xs:complexType>
-    </xs:element>
-    <xs:element name="DisplayName" type="xs:string"/>
-    <xs:element name="AccountId" type="xs:string"/>
-    <xs:element name="AccountType" type="xs:string"/>
-    <xs:element name="BDCAssociatedEntity">
-      <xs:complexType>
-        <xs:sequence>
-          <xs:element ref="pc:BDCEntity" minOccurs="0" maxOccurs="unbounded"/>
-        </xs:sequence>
-        <xs:attribute ref="pc:EntityNamespace"/>
-        <xs:attribute ref="pc:EntityName"/>
-        <xs:attribute ref="pc:SystemInstanceName"/>
-        <xs:attribute ref="pc:AssociationName"/>
-      </xs:complexType>
-    </xs:element>
-    <xs:attribute name="EntityNamespace" type="xs:string"/>
-    <xs:attribute name="EntityName" type="xs:string"/>
-    <xs:attribute name="SystemInstanceName" type="xs:string"/>
-    <xs:attribute name="AssociationName" type="xs:string"/>
-    <xs:element name="BDCEntity">
-      <xs:complexType>
-        <xs:sequence>
-          <xs:element ref="pc:EntityDisplayName" minOccurs="0"/>
-          <xs:element ref="pc:EntityInstanceReference" minOccurs="0"/>
-          <xs:element ref="pc:EntityId1" minOccurs="0"/>
-          <xs:element ref="pc:EntityId2" minOccurs="0"/>
-          <xs:element ref="pc:EntityId3" minOccurs="0"/>
-          <xs:element ref="pc:EntityId4" minOccurs="0"/>
-          <xs:element ref="pc:EntityId5" minOccurs="0"/>
-        </xs:sequence>
-      </xs:complexType>
-    </xs:element>
-    <xs:element name="EntityDisplayName" type="xs:string"/>
-    <xs:element name="EntityInstanceReference" type="xs:string"/>
-    <xs:element name="EntityId1" type="xs:string"/>
-    <xs:element name="EntityId2" type="xs:string"/>
-    <xs:element name="EntityId3" type="xs:string"/>
-    <xs:element name="EntityId4" type="xs:string"/>
-    <xs:element name="EntityId5" type="xs:string"/>
-    <xs:element name="Terms">
-      <xs:complexType>
-        <xs:sequence>
-          <xs:element ref="pc:TermInfo" minOccurs="0" maxOccurs="unbounded"/>
-        </xs:sequence>
-      </xs:complexType>
-    </xs:element>
-    <xs:element name="TermInfo">
-      <xs:complexType>
-        <xs:sequence>
-          <xs:element ref="pc:TermName" minOccurs="0"/>
-          <xs:element ref="pc:TermId" minOccurs="0"/>
-        </xs:sequence>
-      </xs:complexType>
-    </xs:element>
-    <xs:element name="TermName" type="xs:string"/>
-    <xs:element name="TermId" type="xs:string"/>
-  </xs:schema>
-</ct:contentTypeSchema>
-</file>
-
 <file path=customXml/itemProps1.xml><?xml version="1.0" encoding="utf-8"?>
-<ds:datastoreItem xmlns:ds="http://schemas.openxmlformats.org/officeDocument/2006/customXml" ds:itemID="{60C67BEE-D13F-4BD2-98A5-34D8A0977F68}">
-  <ds:schemaRefs>
-    <ds:schemaRef ds:uri="4873beb7-5857-4685-be1f-d57550cc96cc"/>
-    <ds:schemaRef ds:uri="http://schemas.openxmlformats.org/package/2006/metadata/core-properties"/>
-    <ds:schemaRef ds:uri="http://purl.org/dc/terms/"/>
-    <ds:schemaRef ds:uri="http://schemas.microsoft.com/office/2006/documentManagement/types"/>
-    <ds:schemaRef ds:uri="http://purl.org/dc/elements/1.1/"/>
-    <ds:schemaRef ds:uri="http://schemas.microsoft.com/office/2006/metadata/properties"/>
-    <ds:schemaRef ds:uri="http://schemas.microsoft.com/office/infopath/2007/PartnerControls"/>
-    <ds:schemaRef ds:uri="http://www.w3.org/XML/1998/namespace"/>
-    <ds:schemaRef ds:uri="http://purl.org/dc/dcmitype/"/>
-  </ds:schemaRefs>
-</ds:datastoreItem>
-</file>
-
-<file path=customXml/itemProps2.xml><?xml version="1.0" encoding="utf-8"?>
-<ds:datastoreItem xmlns:ds="http://schemas.openxmlformats.org/officeDocument/2006/customXml" ds:itemID="{3836F65B-1B07-41EE-A0E8-BC6EF3855225}">
-  <ds:schemaRefs>
-    <ds:schemaRef ds:uri="http://schemas.microsoft.com/sharepoint/v3/contenttype/forms"/>
-  </ds:schemaRefs>
-</ds:datastoreItem>
-</file>
-
-<file path=customXml/itemProps3.xml><?xml version="1.0" encoding="utf-8"?>
 <ds:datastoreItem xmlns:ds="http://schemas.openxmlformats.org/officeDocument/2006/customXml" ds:itemID="{A09BF4D4-EF60-4196-BFC3-9462D607978C}">
   <ds:schemaRefs>
     <ds:schemaRef ds:uri="http://schemas.microsoft.com/office/2006/metadata/contentType"/>
@@ -10833,4 +7561,28 @@
     <ds:schemaRef ds:uri="http://schemas.microsoft.com/internal/obd"/>
   </ds:schemaRefs>
 </ds:datastoreItem>
+</file>
+
+<file path=customXml/itemProps2.xml><?xml version="1.0" encoding="utf-8"?>
+<ds:datastoreItem xmlns:ds="http://schemas.openxmlformats.org/officeDocument/2006/customXml" ds:itemID="{3836F65B-1B07-41EE-A0E8-BC6EF3855225}">
+  <ds:schemaRefs>
+    <ds:schemaRef ds:uri="http://schemas.microsoft.com/sharepoint/v3/contenttype/forms"/>
+  </ds:schemaRefs>
+</ds:datastoreItem>
+</file>
+
+<file path=customXml/itemProps3.xml><?xml version="1.0" encoding="utf-8"?>
+<ds:datastoreItem xmlns:ds="http://schemas.openxmlformats.org/officeDocument/2006/customXml" ds:itemID="{60C67BEE-D13F-4BD2-98A5-34D8A0977F68}">
+  <ds:schemaRefs>
+    <ds:schemaRef ds:uri="4873beb7-5857-4685-be1f-d57550cc96cc"/>
+    <ds:schemaRef ds:uri="http://schemas.openxmlformats.org/package/2006/metadata/core-properties"/>
+    <ds:schemaRef ds:uri="http://purl.org/dc/terms/"/>
+    <ds:schemaRef ds:uri="http://schemas.microsoft.com/office/2006/documentManagement/types"/>
+    <ds:schemaRef ds:uri="http://purl.org/dc/elements/1.1/"/>
+    <ds:schemaRef ds:uri="http://schemas.microsoft.com/office/2006/metadata/properties"/>
+    <ds:schemaRef ds:uri="http://schemas.microsoft.com/office/infopath/2007/PartnerControls"/>
+    <ds:schemaRef ds:uri="http://www.w3.org/XML/1998/namespace"/>
+    <ds:schemaRef ds:uri="http://purl.org/dc/dcmitype/"/>
+  </ds:schemaRefs>
+</ds:datastoreItem>
 </file>